--- a/lecture_notes/week4/week4.pptx
+++ b/lecture_notes/week4/week4.pptx
@@ -6,11 +6,11 @@
   </p:sldMasterIdLst>
   <p:sldIdLst>
     <p:sldId id="257" r:id="rId2"/>
-    <p:sldId id="267" r:id="rId3"/>
-    <p:sldId id="269" r:id="rId4"/>
-    <p:sldId id="266" r:id="rId5"/>
-    <p:sldId id="268" r:id="rId6"/>
-    <p:sldId id="256" r:id="rId7"/>
+    <p:sldId id="256" r:id="rId3"/>
+    <p:sldId id="267" r:id="rId4"/>
+    <p:sldId id="269" r:id="rId5"/>
+    <p:sldId id="266" r:id="rId6"/>
+    <p:sldId id="268" r:id="rId7"/>
     <p:sldId id="271" r:id="rId8"/>
     <p:sldId id="270" r:id="rId9"/>
     <p:sldId id="275" r:id="rId10"/>
@@ -128,11 +128,11 @@
         <p14:section name="Default Section" id="{23C9FF2E-28B2-4F95-B969-44EBEC759F9B}">
           <p14:sldIdLst>
             <p14:sldId id="257"/>
+            <p14:sldId id="256"/>
             <p14:sldId id="267"/>
             <p14:sldId id="269"/>
             <p14:sldId id="266"/>
             <p14:sldId id="268"/>
-            <p14:sldId id="256"/>
           </p14:sldIdLst>
         </p14:section>
         <p14:section name="ADTs: Abstract Data Types" id="{82A9C941-A730-43CC-8563-CA09B007B41E}">
@@ -168,7 +168,7 @@
 <file path=ppt/revisionInfo.xml><?xml version="1.0" encoding="utf-8"?>
 <p1510:revInfo xmlns:a="http://schemas.openxmlformats.org/drawingml/2006/main" xmlns:r="http://schemas.openxmlformats.org/officeDocument/2006/relationships" xmlns:p1510="http://schemas.microsoft.com/office/powerpoint/2015/10/main">
   <p1510:revLst>
-    <p1510:client id="{0E8AB1C3-5C85-4311-93A6-DFEC22981EA6}" v="366" dt="2023-09-24T05:37:19.957"/>
+    <p1510:client id="{0E8AB1C3-5C85-4311-93A6-DFEC22981EA6}" v="368" dt="2023-09-27T03:29:27.640"/>
   </p1510:revLst>
 </p1510:revInfo>
 </file>
@@ -1501,10 +1501,41 @@
   <pc:docChgLst>
     <pc:chgData name="Toby Donaldson" userId="2e6e5431-bb17-4c41-9985-d39c50d83c73" providerId="ADAL" clId="{0E8AB1C3-5C85-4311-93A6-DFEC22981EA6}"/>
     <pc:docChg chg="undo custSel addSld delSld modSld sldOrd addSection delSection modSection">
-      <pc:chgData name="Toby Donaldson" userId="2e6e5431-bb17-4c41-9985-d39c50d83c73" providerId="ADAL" clId="{0E8AB1C3-5C85-4311-93A6-DFEC22981EA6}" dt="2023-09-24T05:38:11.077" v="4376" actId="5793"/>
+      <pc:chgData name="Toby Donaldson" userId="2e6e5431-bb17-4c41-9985-d39c50d83c73" providerId="ADAL" clId="{0E8AB1C3-5C85-4311-93A6-DFEC22981EA6}" dt="2023-09-27T03:30:59.998" v="4735" actId="1076"/>
       <pc:docMkLst>
         <pc:docMk/>
       </pc:docMkLst>
+      <pc:sldChg chg="addSp modSp mod ord">
+        <pc:chgData name="Toby Donaldson" userId="2e6e5431-bb17-4c41-9985-d39c50d83c73" providerId="ADAL" clId="{0E8AB1C3-5C85-4311-93A6-DFEC22981EA6}" dt="2023-09-27T03:30:59.998" v="4735" actId="1076"/>
+        <pc:sldMkLst>
+          <pc:docMk/>
+          <pc:sldMk cId="503681400" sldId="256"/>
+        </pc:sldMkLst>
+        <pc:spChg chg="add mod">
+          <ac:chgData name="Toby Donaldson" userId="2e6e5431-bb17-4c41-9985-d39c50d83c73" providerId="ADAL" clId="{0E8AB1C3-5C85-4311-93A6-DFEC22981EA6}" dt="2023-09-27T03:29:09.783" v="4385" actId="1076"/>
+          <ac:spMkLst>
+            <pc:docMk/>
+            <pc:sldMk cId="503681400" sldId="256"/>
+            <ac:spMk id="2" creationId="{B6C709A7-1CEB-1B24-EB23-4FE81CB6AFD9}"/>
+          </ac:spMkLst>
+        </pc:spChg>
+        <pc:spChg chg="add mod">
+          <ac:chgData name="Toby Donaldson" userId="2e6e5431-bb17-4c41-9985-d39c50d83c73" providerId="ADAL" clId="{0E8AB1C3-5C85-4311-93A6-DFEC22981EA6}" dt="2023-09-27T03:30:59.998" v="4735" actId="1076"/>
+          <ac:spMkLst>
+            <pc:docMk/>
+            <pc:sldMk cId="503681400" sldId="256"/>
+            <ac:spMk id="3" creationId="{E5AF268D-B748-EAC1-3527-3877F04CA822}"/>
+          </ac:spMkLst>
+        </pc:spChg>
+        <pc:spChg chg="mod">
+          <ac:chgData name="Toby Donaldson" userId="2e6e5431-bb17-4c41-9985-d39c50d83c73" providerId="ADAL" clId="{0E8AB1C3-5C85-4311-93A6-DFEC22981EA6}" dt="2023-09-27T03:29:22.405" v="4387" actId="14100"/>
+          <ac:spMkLst>
+            <pc:docMk/>
+            <pc:sldMk cId="503681400" sldId="256"/>
+            <ac:spMk id="21" creationId="{F042FCA3-EB24-1E91-2443-F23248E6F681}"/>
+          </ac:spMkLst>
+        </pc:spChg>
+      </pc:sldChg>
       <pc:sldChg chg="modSp mod">
         <pc:chgData name="Toby Donaldson" userId="2e6e5431-bb17-4c41-9985-d39c50d83c73" providerId="ADAL" clId="{0E8AB1C3-5C85-4311-93A6-DFEC22981EA6}" dt="2023-09-23T04:25:05.170" v="0" actId="20577"/>
         <pc:sldMkLst>
@@ -2803,6 +2834,13 @@
         <pc:sldMkLst>
           <pc:docMk/>
           <pc:sldMk cId="2682496312" sldId="282"/>
+        </pc:sldMkLst>
+      </pc:sldChg>
+      <pc:sldChg chg="new del">
+        <pc:chgData name="Toby Donaldson" userId="2e6e5431-bb17-4c41-9985-d39c50d83c73" providerId="ADAL" clId="{0E8AB1C3-5C85-4311-93A6-DFEC22981EA6}" dt="2023-09-27T03:28:51.561" v="4380" actId="2696"/>
+        <pc:sldMkLst>
+          <pc:docMk/>
+          <pc:sldMk cId="870847159" sldId="283"/>
         </pc:sldMkLst>
       </pc:sldChg>
       <pc:sldChg chg="del">
@@ -5719,7 +5757,7 @@
           <a:p>
             <a:fld id="{D9A7EA46-0536-4D79-903D-DCEAC14DEEF3}" type="datetimeFigureOut">
               <a:rPr lang="en-AU" smtClean="0"/>
-              <a:t>23/09/2023</a:t>
+              <a:t>26/09/2023</a:t>
             </a:fld>
             <a:endParaRPr lang="en-AU"/>
           </a:p>
@@ -5919,7 +5957,7 @@
           <a:p>
             <a:fld id="{D9A7EA46-0536-4D79-903D-DCEAC14DEEF3}" type="datetimeFigureOut">
               <a:rPr lang="en-AU" smtClean="0"/>
-              <a:t>23/09/2023</a:t>
+              <a:t>26/09/2023</a:t>
             </a:fld>
             <a:endParaRPr lang="en-AU"/>
           </a:p>
@@ -6129,7 +6167,7 @@
           <a:p>
             <a:fld id="{D9A7EA46-0536-4D79-903D-DCEAC14DEEF3}" type="datetimeFigureOut">
               <a:rPr lang="en-AU" smtClean="0"/>
-              <a:t>23/09/2023</a:t>
+              <a:t>26/09/2023</a:t>
             </a:fld>
             <a:endParaRPr lang="en-AU"/>
           </a:p>
@@ -6329,7 +6367,7 @@
           <a:p>
             <a:fld id="{D9A7EA46-0536-4D79-903D-DCEAC14DEEF3}" type="datetimeFigureOut">
               <a:rPr lang="en-AU" smtClean="0"/>
-              <a:t>23/09/2023</a:t>
+              <a:t>26/09/2023</a:t>
             </a:fld>
             <a:endParaRPr lang="en-AU"/>
           </a:p>
@@ -6605,7 +6643,7 @@
           <a:p>
             <a:fld id="{D9A7EA46-0536-4D79-903D-DCEAC14DEEF3}" type="datetimeFigureOut">
               <a:rPr lang="en-AU" smtClean="0"/>
-              <a:t>23/09/2023</a:t>
+              <a:t>26/09/2023</a:t>
             </a:fld>
             <a:endParaRPr lang="en-AU"/>
           </a:p>
@@ -6873,7 +6911,7 @@
           <a:p>
             <a:fld id="{D9A7EA46-0536-4D79-903D-DCEAC14DEEF3}" type="datetimeFigureOut">
               <a:rPr lang="en-AU" smtClean="0"/>
-              <a:t>23/09/2023</a:t>
+              <a:t>26/09/2023</a:t>
             </a:fld>
             <a:endParaRPr lang="en-AU"/>
           </a:p>
@@ -7288,7 +7326,7 @@
           <a:p>
             <a:fld id="{D9A7EA46-0536-4D79-903D-DCEAC14DEEF3}" type="datetimeFigureOut">
               <a:rPr lang="en-AU" smtClean="0"/>
-              <a:t>23/09/2023</a:t>
+              <a:t>26/09/2023</a:t>
             </a:fld>
             <a:endParaRPr lang="en-AU"/>
           </a:p>
@@ -7430,7 +7468,7 @@
           <a:p>
             <a:fld id="{D9A7EA46-0536-4D79-903D-DCEAC14DEEF3}" type="datetimeFigureOut">
               <a:rPr lang="en-AU" smtClean="0"/>
-              <a:t>23/09/2023</a:t>
+              <a:t>26/09/2023</a:t>
             </a:fld>
             <a:endParaRPr lang="en-AU"/>
           </a:p>
@@ -7543,7 +7581,7 @@
           <a:p>
             <a:fld id="{D9A7EA46-0536-4D79-903D-DCEAC14DEEF3}" type="datetimeFigureOut">
               <a:rPr lang="en-AU" smtClean="0"/>
-              <a:t>23/09/2023</a:t>
+              <a:t>26/09/2023</a:t>
             </a:fld>
             <a:endParaRPr lang="en-AU"/>
           </a:p>
@@ -7856,7 +7894,7 @@
           <a:p>
             <a:fld id="{D9A7EA46-0536-4D79-903D-DCEAC14DEEF3}" type="datetimeFigureOut">
               <a:rPr lang="en-AU" smtClean="0"/>
-              <a:t>23/09/2023</a:t>
+              <a:t>26/09/2023</a:t>
             </a:fld>
             <a:endParaRPr lang="en-AU"/>
           </a:p>
@@ -8145,7 +8183,7 @@
           <a:p>
             <a:fld id="{D9A7EA46-0536-4D79-903D-DCEAC14DEEF3}" type="datetimeFigureOut">
               <a:rPr lang="en-AU" smtClean="0"/>
-              <a:t>23/09/2023</a:t>
+              <a:t>26/09/2023</a:t>
             </a:fld>
             <a:endParaRPr lang="en-AU"/>
           </a:p>
@@ -8388,7 +8426,7 @@
           <a:p>
             <a:fld id="{D9A7EA46-0536-4D79-903D-DCEAC14DEEF3}" type="datetimeFigureOut">
               <a:rPr lang="en-AU" smtClean="0"/>
-              <a:t>23/09/2023</a:t>
+              <a:t>26/09/2023</a:t>
             </a:fld>
             <a:endParaRPr lang="en-AU"/>
           </a:p>
@@ -15052,6 +15090,3310 @@
 </file>
 
 <file path=ppt/slides/slide2.xml><?xml version="1.0" encoding="utf-8"?>
+<p:sld xmlns:a="http://schemas.openxmlformats.org/drawingml/2006/main" xmlns:r="http://schemas.openxmlformats.org/officeDocument/2006/relationships" xmlns:p="http://schemas.openxmlformats.org/presentationml/2006/main">
+  <p:cSld>
+    <p:spTree>
+      <p:nvGrpSpPr>
+        <p:cNvPr id="1" name=""/>
+        <p:cNvGrpSpPr/>
+        <p:nvPr/>
+      </p:nvGrpSpPr>
+      <p:grpSpPr>
+        <a:xfrm>
+          <a:off x="0" y="0"/>
+          <a:ext cx="0" cy="0"/>
+          <a:chOff x="0" y="0"/>
+          <a:chExt cx="0" cy="0"/>
+        </a:xfrm>
+      </p:grpSpPr>
+      <p:sp>
+        <p:nvSpPr>
+          <p:cNvPr id="4" name="Oval 3">
+            <a:extLst>
+              <a:ext uri="{FF2B5EF4-FFF2-40B4-BE49-F238E27FC236}">
+                <a16:creationId xmlns:a16="http://schemas.microsoft.com/office/drawing/2014/main" id="{B830B7FA-C93C-9237-B37C-D6EC1F4B4315}"/>
+              </a:ext>
+            </a:extLst>
+          </p:cNvPr>
+          <p:cNvSpPr/>
+          <p:nvPr/>
+        </p:nvSpPr>
+        <p:spPr>
+          <a:xfrm>
+            <a:off x="1784350" y="1873250"/>
+            <a:ext cx="3657600" cy="1993900"/>
+          </a:xfrm>
+          <a:prstGeom prst="ellipse">
+            <a:avLst/>
+          </a:prstGeom>
+          <a:noFill/>
+        </p:spPr>
+        <p:style>
+          <a:lnRef idx="2">
+            <a:schemeClr val="accent1">
+              <a:shade val="50000"/>
+            </a:schemeClr>
+          </a:lnRef>
+          <a:fillRef idx="1">
+            <a:schemeClr val="accent1"/>
+          </a:fillRef>
+          <a:effectRef idx="0">
+            <a:schemeClr val="accent1"/>
+          </a:effectRef>
+          <a:fontRef idx="minor">
+            <a:schemeClr val="lt1"/>
+          </a:fontRef>
+        </p:style>
+        <p:txBody>
+          <a:bodyPr rtlCol="0" anchor="ctr"/>
+          <a:lstStyle/>
+          <a:p>
+            <a:pPr algn="ctr"/>
+            <a:endParaRPr lang="en-CA"/>
+          </a:p>
+        </p:txBody>
+      </p:sp>
+      <p:sp>
+        <p:nvSpPr>
+          <p:cNvPr id="5" name="Oval 4">
+            <a:extLst>
+              <a:ext uri="{FF2B5EF4-FFF2-40B4-BE49-F238E27FC236}">
+                <a16:creationId xmlns:a16="http://schemas.microsoft.com/office/drawing/2014/main" id="{910519ED-CB07-C84D-8195-E4E18321BD23}"/>
+              </a:ext>
+            </a:extLst>
+          </p:cNvPr>
+          <p:cNvSpPr/>
+          <p:nvPr/>
+        </p:nvSpPr>
+        <p:spPr>
+          <a:xfrm>
+            <a:off x="2048259" y="2209800"/>
+            <a:ext cx="2057400" cy="1314450"/>
+          </a:xfrm>
+          <a:prstGeom prst="ellipse">
+            <a:avLst/>
+          </a:prstGeom>
+          <a:noFill/>
+        </p:spPr>
+        <p:style>
+          <a:lnRef idx="2">
+            <a:schemeClr val="accent1">
+              <a:shade val="50000"/>
+            </a:schemeClr>
+          </a:lnRef>
+          <a:fillRef idx="1">
+            <a:schemeClr val="accent1"/>
+          </a:fillRef>
+          <a:effectRef idx="0">
+            <a:schemeClr val="accent1"/>
+          </a:effectRef>
+          <a:fontRef idx="minor">
+            <a:schemeClr val="lt1"/>
+          </a:fontRef>
+        </p:style>
+        <p:txBody>
+          <a:bodyPr rtlCol="0" anchor="ctr"/>
+          <a:lstStyle/>
+          <a:p>
+            <a:pPr algn="ctr"/>
+            <a:endParaRPr lang="en-CA"/>
+          </a:p>
+        </p:txBody>
+      </p:sp>
+      <p:sp>
+        <p:nvSpPr>
+          <p:cNvPr id="6" name="Oval 5">
+            <a:extLst>
+              <a:ext uri="{FF2B5EF4-FFF2-40B4-BE49-F238E27FC236}">
+                <a16:creationId xmlns:a16="http://schemas.microsoft.com/office/drawing/2014/main" id="{11DDD452-5082-5B87-ECF6-4CDA98C250F3}"/>
+              </a:ext>
+            </a:extLst>
+          </p:cNvPr>
+          <p:cNvSpPr/>
+          <p:nvPr/>
+        </p:nvSpPr>
+        <p:spPr>
+          <a:xfrm>
+            <a:off x="1428750" y="1625600"/>
+            <a:ext cx="5562600" cy="2489200"/>
+          </a:xfrm>
+          <a:prstGeom prst="ellipse">
+            <a:avLst/>
+          </a:prstGeom>
+          <a:noFill/>
+        </p:spPr>
+        <p:style>
+          <a:lnRef idx="2">
+            <a:schemeClr val="accent1">
+              <a:shade val="50000"/>
+            </a:schemeClr>
+          </a:lnRef>
+          <a:fillRef idx="1">
+            <a:schemeClr val="accent1"/>
+          </a:fillRef>
+          <a:effectRef idx="0">
+            <a:schemeClr val="accent1"/>
+          </a:effectRef>
+          <a:fontRef idx="minor">
+            <a:schemeClr val="lt1"/>
+          </a:fontRef>
+        </p:style>
+        <p:txBody>
+          <a:bodyPr rtlCol="0" anchor="ctr"/>
+          <a:lstStyle/>
+          <a:p>
+            <a:pPr algn="ctr"/>
+            <a:endParaRPr lang="en-CA"/>
+          </a:p>
+        </p:txBody>
+      </p:sp>
+      <p:sp>
+        <p:nvSpPr>
+          <p:cNvPr id="7" name="Oval 6">
+            <a:extLst>
+              <a:ext uri="{FF2B5EF4-FFF2-40B4-BE49-F238E27FC236}">
+                <a16:creationId xmlns:a16="http://schemas.microsoft.com/office/drawing/2014/main" id="{4740C134-821F-A8FC-6B13-84942B02873F}"/>
+              </a:ext>
+            </a:extLst>
+          </p:cNvPr>
+          <p:cNvSpPr/>
+          <p:nvPr/>
+        </p:nvSpPr>
+        <p:spPr>
+          <a:xfrm>
+            <a:off x="1136650" y="1254125"/>
+            <a:ext cx="7124700" cy="3232150"/>
+          </a:xfrm>
+          <a:prstGeom prst="ellipse">
+            <a:avLst/>
+          </a:prstGeom>
+          <a:noFill/>
+        </p:spPr>
+        <p:style>
+          <a:lnRef idx="2">
+            <a:schemeClr val="accent1">
+              <a:shade val="50000"/>
+            </a:schemeClr>
+          </a:lnRef>
+          <a:fillRef idx="1">
+            <a:schemeClr val="accent1"/>
+          </a:fillRef>
+          <a:effectRef idx="0">
+            <a:schemeClr val="accent1"/>
+          </a:effectRef>
+          <a:fontRef idx="minor">
+            <a:schemeClr val="lt1"/>
+          </a:fontRef>
+        </p:style>
+        <p:txBody>
+          <a:bodyPr rtlCol="0" anchor="ctr"/>
+          <a:lstStyle/>
+          <a:p>
+            <a:pPr algn="ctr"/>
+            <a:endParaRPr lang="en-CA"/>
+          </a:p>
+        </p:txBody>
+      </p:sp>
+      <p:sp>
+        <p:nvSpPr>
+          <p:cNvPr id="8" name="Oval 7">
+            <a:extLst>
+              <a:ext uri="{FF2B5EF4-FFF2-40B4-BE49-F238E27FC236}">
+                <a16:creationId xmlns:a16="http://schemas.microsoft.com/office/drawing/2014/main" id="{3A17DF82-AF91-78D4-CB26-610F56942917}"/>
+              </a:ext>
+            </a:extLst>
+          </p:cNvPr>
+          <p:cNvSpPr/>
+          <p:nvPr/>
+        </p:nvSpPr>
+        <p:spPr>
+          <a:xfrm>
+            <a:off x="892175" y="1076325"/>
+            <a:ext cx="8613776" cy="3587750"/>
+          </a:xfrm>
+          <a:prstGeom prst="ellipse">
+            <a:avLst/>
+          </a:prstGeom>
+          <a:noFill/>
+        </p:spPr>
+        <p:style>
+          <a:lnRef idx="2">
+            <a:schemeClr val="accent1">
+              <a:shade val="50000"/>
+            </a:schemeClr>
+          </a:lnRef>
+          <a:fillRef idx="1">
+            <a:schemeClr val="accent1"/>
+          </a:fillRef>
+          <a:effectRef idx="0">
+            <a:schemeClr val="accent1"/>
+          </a:effectRef>
+          <a:fontRef idx="minor">
+            <a:schemeClr val="lt1"/>
+          </a:fontRef>
+        </p:style>
+        <p:txBody>
+          <a:bodyPr rtlCol="0" anchor="ctr"/>
+          <a:lstStyle/>
+          <a:p>
+            <a:pPr algn="ctr"/>
+            <a:endParaRPr lang="en-CA"/>
+          </a:p>
+        </p:txBody>
+      </p:sp>
+      <p:sp>
+        <p:nvSpPr>
+          <p:cNvPr id="9" name="Oval 8">
+            <a:extLst>
+              <a:ext uri="{FF2B5EF4-FFF2-40B4-BE49-F238E27FC236}">
+                <a16:creationId xmlns:a16="http://schemas.microsoft.com/office/drawing/2014/main" id="{428F0B89-130A-C731-FCF1-B4230AFA45AF}"/>
+              </a:ext>
+            </a:extLst>
+          </p:cNvPr>
+          <p:cNvSpPr/>
+          <p:nvPr/>
+        </p:nvSpPr>
+        <p:spPr>
+          <a:xfrm>
+            <a:off x="766762" y="889000"/>
+            <a:ext cx="9886950" cy="4089400"/>
+          </a:xfrm>
+          <a:prstGeom prst="ellipse">
+            <a:avLst/>
+          </a:prstGeom>
+          <a:noFill/>
+        </p:spPr>
+        <p:style>
+          <a:lnRef idx="2">
+            <a:schemeClr val="accent1">
+              <a:shade val="50000"/>
+            </a:schemeClr>
+          </a:lnRef>
+          <a:fillRef idx="1">
+            <a:schemeClr val="accent1"/>
+          </a:fillRef>
+          <a:effectRef idx="0">
+            <a:schemeClr val="accent1"/>
+          </a:effectRef>
+          <a:fontRef idx="minor">
+            <a:schemeClr val="lt1"/>
+          </a:fontRef>
+        </p:style>
+        <p:txBody>
+          <a:bodyPr rtlCol="0" anchor="ctr"/>
+          <a:lstStyle/>
+          <a:p>
+            <a:pPr algn="ctr"/>
+            <a:endParaRPr lang="en-CA"/>
+          </a:p>
+        </p:txBody>
+      </p:sp>
+      <p:sp>
+        <p:nvSpPr>
+          <p:cNvPr id="10" name="Oval 9">
+            <a:extLst>
+              <a:ext uri="{FF2B5EF4-FFF2-40B4-BE49-F238E27FC236}">
+                <a16:creationId xmlns:a16="http://schemas.microsoft.com/office/drawing/2014/main" id="{67018F31-2305-2D90-70D7-82942364704E}"/>
+              </a:ext>
+            </a:extLst>
+          </p:cNvPr>
+          <p:cNvSpPr/>
+          <p:nvPr/>
+        </p:nvSpPr>
+        <p:spPr>
+          <a:xfrm>
+            <a:off x="641350" y="590550"/>
+            <a:ext cx="11201400" cy="4781550"/>
+          </a:xfrm>
+          <a:prstGeom prst="ellipse">
+            <a:avLst/>
+          </a:prstGeom>
+          <a:noFill/>
+        </p:spPr>
+        <p:style>
+          <a:lnRef idx="2">
+            <a:schemeClr val="accent1">
+              <a:shade val="50000"/>
+            </a:schemeClr>
+          </a:lnRef>
+          <a:fillRef idx="1">
+            <a:schemeClr val="accent1"/>
+          </a:fillRef>
+          <a:effectRef idx="0">
+            <a:schemeClr val="accent1"/>
+          </a:effectRef>
+          <a:fontRef idx="minor">
+            <a:schemeClr val="lt1"/>
+          </a:fontRef>
+        </p:style>
+        <p:txBody>
+          <a:bodyPr rtlCol="0" anchor="ctr"/>
+          <a:lstStyle/>
+          <a:p>
+            <a:pPr algn="ctr"/>
+            <a:endParaRPr lang="en-CA"/>
+          </a:p>
+        </p:txBody>
+      </p:sp>
+      <mc:AlternateContent xmlns:mc="http://schemas.openxmlformats.org/markup-compatibility/2006" xmlns:a14="http://schemas.microsoft.com/office/drawing/2010/main">
+        <mc:Choice Requires="a14">
+          <p:sp>
+            <p:nvSpPr>
+              <p:cNvPr id="11" name="TextBox 10">
+                <a:extLst>
+                  <a:ext uri="{FF2B5EF4-FFF2-40B4-BE49-F238E27FC236}">
+                    <a16:creationId xmlns:a16="http://schemas.microsoft.com/office/drawing/2014/main" id="{5C1C8C1E-E719-77B6-6D61-8A00948B5066}"/>
+                  </a:ext>
+                </a:extLst>
+              </p:cNvPr>
+              <p:cNvSpPr txBox="1"/>
+              <p:nvPr/>
+            </p:nvSpPr>
+            <p:spPr>
+              <a:xfrm>
+                <a:off x="2719794" y="2443718"/>
+                <a:ext cx="736099" cy="369332"/>
+              </a:xfrm>
+              <a:prstGeom prst="rect">
+                <a:avLst/>
+              </a:prstGeom>
+              <a:noFill/>
+            </p:spPr>
+            <p:txBody>
+              <a:bodyPr wrap="none" rtlCol="0">
+                <a:spAutoFit/>
+              </a:bodyPr>
+              <a:lstStyle/>
+              <a:p>
+                <a:pPr/>
+                <a14:m>
+                  <m:oMathPara xmlns:m="http://schemas.openxmlformats.org/officeDocument/2006/math">
+                    <m:oMathParaPr>
+                      <m:jc m:val="centerGroup"/>
+                    </m:oMathParaPr>
+                    <m:oMath xmlns:m="http://schemas.openxmlformats.org/officeDocument/2006/math">
+                      <m:r>
+                        <a:rPr lang="en-US" b="1" i="1" dirty="0" smtClean="0">
+                          <a:latin typeface="Cambria Math" panose="02040503050406030204" pitchFamily="18" charset="0"/>
+                        </a:rPr>
+                        <m:t>𝑶</m:t>
+                      </m:r>
+                      <m:r>
+                        <a:rPr lang="en-US" b="1" i="1" dirty="0" smtClean="0">
+                          <a:latin typeface="Cambria Math" panose="02040503050406030204" pitchFamily="18" charset="0"/>
+                        </a:rPr>
+                        <m:t>(</m:t>
+                      </m:r>
+                      <m:r>
+                        <a:rPr lang="en-US" b="1" i="1" dirty="0" smtClean="0">
+                          <a:latin typeface="Cambria Math" panose="02040503050406030204" pitchFamily="18" charset="0"/>
+                        </a:rPr>
+                        <m:t>𝟏</m:t>
+                      </m:r>
+                      <m:r>
+                        <a:rPr lang="en-US" b="1" i="1" dirty="0" smtClean="0">
+                          <a:latin typeface="Cambria Math" panose="02040503050406030204" pitchFamily="18" charset="0"/>
+                        </a:rPr>
+                        <m:t>)</m:t>
+                      </m:r>
+                    </m:oMath>
+                  </m:oMathPara>
+                </a14:m>
+                <a:endParaRPr lang="en-CA" b="1" dirty="0"/>
+              </a:p>
+            </p:txBody>
+          </p:sp>
+        </mc:Choice>
+        <mc:Fallback xmlns="">
+          <p:sp>
+            <p:nvSpPr>
+              <p:cNvPr id="11" name="TextBox 10">
+                <a:extLst>
+                  <a:ext uri="{FF2B5EF4-FFF2-40B4-BE49-F238E27FC236}">
+                    <a16:creationId xmlns:a16="http://schemas.microsoft.com/office/drawing/2014/main" id="{5C1C8C1E-E719-77B6-6D61-8A00948B5066}"/>
+                  </a:ext>
+                </a:extLst>
+              </p:cNvPr>
+              <p:cNvSpPr txBox="1">
+                <a:spLocks noRot="1" noChangeAspect="1" noMove="1" noResize="1" noEditPoints="1" noAdjustHandles="1" noChangeArrowheads="1" noChangeShapeType="1" noTextEdit="1"/>
+              </p:cNvSpPr>
+              <p:nvPr/>
+            </p:nvSpPr>
+            <p:spPr>
+              <a:xfrm>
+                <a:off x="2719794" y="2443718"/>
+                <a:ext cx="736099" cy="369332"/>
+              </a:xfrm>
+              <a:prstGeom prst="rect">
+                <a:avLst/>
+              </a:prstGeom>
+              <a:blipFill>
+                <a:blip r:embed="rId2"/>
+                <a:stretch>
+                  <a:fillRect b="-13333"/>
+                </a:stretch>
+              </a:blipFill>
+            </p:spPr>
+            <p:txBody>
+              <a:bodyPr/>
+              <a:lstStyle/>
+              <a:p>
+                <a:r>
+                  <a:rPr lang="en-AU">
+                    <a:noFill/>
+                  </a:rPr>
+                  <a:t> </a:t>
+                </a:r>
+              </a:p>
+            </p:txBody>
+          </p:sp>
+        </mc:Fallback>
+      </mc:AlternateContent>
+      <mc:AlternateContent xmlns:mc="http://schemas.openxmlformats.org/markup-compatibility/2006" xmlns:a14="http://schemas.microsoft.com/office/drawing/2010/main">
+        <mc:Choice Requires="a14">
+          <p:sp>
+            <p:nvSpPr>
+              <p:cNvPr id="12" name="TextBox 11">
+                <a:extLst>
+                  <a:ext uri="{FF2B5EF4-FFF2-40B4-BE49-F238E27FC236}">
+                    <a16:creationId xmlns:a16="http://schemas.microsoft.com/office/drawing/2014/main" id="{80DF1E57-5C01-3D92-D8F1-542D1E0337B9}"/>
+                  </a:ext>
+                </a:extLst>
+              </p:cNvPr>
+              <p:cNvSpPr txBox="1"/>
+              <p:nvPr/>
+            </p:nvSpPr>
+            <p:spPr>
+              <a:xfrm>
+                <a:off x="3775884" y="2063908"/>
+                <a:ext cx="1119217" cy="369332"/>
+              </a:xfrm>
+              <a:prstGeom prst="rect">
+                <a:avLst/>
+              </a:prstGeom>
+              <a:noFill/>
+            </p:spPr>
+            <p:txBody>
+              <a:bodyPr wrap="none" rtlCol="0">
+                <a:spAutoFit/>
+              </a:bodyPr>
+              <a:lstStyle/>
+              <a:p>
+                <a:pPr/>
+                <a14:m>
+                  <m:oMathPara xmlns:m="http://schemas.openxmlformats.org/officeDocument/2006/math">
+                    <m:oMathParaPr>
+                      <m:jc m:val="centerGroup"/>
+                    </m:oMathParaPr>
+                    <m:oMath xmlns:m="http://schemas.openxmlformats.org/officeDocument/2006/math">
+                      <m:r>
+                        <a:rPr lang="en-US" b="1" i="1" dirty="0" smtClean="0">
+                          <a:latin typeface="Cambria Math" panose="02040503050406030204" pitchFamily="18" charset="0"/>
+                        </a:rPr>
+                        <m:t>𝑶</m:t>
+                      </m:r>
+                      <m:r>
+                        <a:rPr lang="en-US" b="1" i="1" dirty="0" smtClean="0">
+                          <a:latin typeface="Cambria Math" panose="02040503050406030204" pitchFamily="18" charset="0"/>
+                        </a:rPr>
+                        <m:t>(</m:t>
+                      </m:r>
+                      <m:func>
+                        <m:funcPr>
+                          <m:ctrlPr>
+                            <a:rPr lang="en-US" b="1" i="1" dirty="0" smtClean="0">
+                              <a:latin typeface="Cambria Math" panose="02040503050406030204" pitchFamily="18" charset="0"/>
+                            </a:rPr>
+                          </m:ctrlPr>
+                        </m:funcPr>
+                        <m:fName>
+                          <m:r>
+                            <a:rPr lang="en-US" b="1" i="0" dirty="0" smtClean="0">
+                              <a:latin typeface="Cambria Math" panose="02040503050406030204" pitchFamily="18" charset="0"/>
+                            </a:rPr>
+                            <m:t>𝐥𝐨𝐠</m:t>
+                          </m:r>
+                        </m:fName>
+                        <m:e>
+                          <m:r>
+                            <a:rPr lang="en-CA" b="1" i="1" dirty="0" smtClean="0">
+                              <a:latin typeface="Cambria Math" panose="02040503050406030204" pitchFamily="18" charset="0"/>
+                            </a:rPr>
+                            <m:t>𝒏</m:t>
+                          </m:r>
+                        </m:e>
+                      </m:func>
+                      <m:r>
+                        <a:rPr lang="en-US" b="1" i="1" dirty="0" smtClean="0">
+                          <a:latin typeface="Cambria Math" panose="02040503050406030204" pitchFamily="18" charset="0"/>
+                        </a:rPr>
+                        <m:t>)</m:t>
+                      </m:r>
+                    </m:oMath>
+                  </m:oMathPara>
+                </a14:m>
+                <a:endParaRPr lang="en-CA" b="1" dirty="0"/>
+              </a:p>
+            </p:txBody>
+          </p:sp>
+        </mc:Choice>
+        <mc:Fallback xmlns="">
+          <p:sp>
+            <p:nvSpPr>
+              <p:cNvPr id="12" name="TextBox 11">
+                <a:extLst>
+                  <a:ext uri="{FF2B5EF4-FFF2-40B4-BE49-F238E27FC236}">
+                    <a16:creationId xmlns:a16="http://schemas.microsoft.com/office/drawing/2014/main" id="{80DF1E57-5C01-3D92-D8F1-542D1E0337B9}"/>
+                  </a:ext>
+                </a:extLst>
+              </p:cNvPr>
+              <p:cNvSpPr txBox="1">
+                <a:spLocks noRot="1" noChangeAspect="1" noMove="1" noResize="1" noEditPoints="1" noAdjustHandles="1" noChangeArrowheads="1" noChangeShapeType="1" noTextEdit="1"/>
+              </p:cNvSpPr>
+              <p:nvPr/>
+            </p:nvSpPr>
+            <p:spPr>
+              <a:xfrm>
+                <a:off x="3775884" y="2063908"/>
+                <a:ext cx="1119217" cy="369332"/>
+              </a:xfrm>
+              <a:prstGeom prst="rect">
+                <a:avLst/>
+              </a:prstGeom>
+              <a:blipFill>
+                <a:blip r:embed="rId3"/>
+                <a:stretch>
+                  <a:fillRect b="-15000"/>
+                </a:stretch>
+              </a:blipFill>
+            </p:spPr>
+            <p:txBody>
+              <a:bodyPr/>
+              <a:lstStyle/>
+              <a:p>
+                <a:r>
+                  <a:rPr lang="en-AU">
+                    <a:noFill/>
+                  </a:rPr>
+                  <a:t> </a:t>
+                </a:r>
+              </a:p>
+            </p:txBody>
+          </p:sp>
+        </mc:Fallback>
+      </mc:AlternateContent>
+      <mc:AlternateContent xmlns:mc="http://schemas.openxmlformats.org/markup-compatibility/2006" xmlns:a14="http://schemas.microsoft.com/office/drawing/2010/main">
+        <mc:Choice Requires="a14">
+          <p:sp>
+            <p:nvSpPr>
+              <p:cNvPr id="13" name="TextBox 12">
+                <a:extLst>
+                  <a:ext uri="{FF2B5EF4-FFF2-40B4-BE49-F238E27FC236}">
+                    <a16:creationId xmlns:a16="http://schemas.microsoft.com/office/drawing/2014/main" id="{0761CA13-375F-BBB0-504E-5CE13DB307BA}"/>
+                  </a:ext>
+                </a:extLst>
+              </p:cNvPr>
+              <p:cNvSpPr txBox="1"/>
+              <p:nvPr/>
+            </p:nvSpPr>
+            <p:spPr>
+              <a:xfrm>
+                <a:off x="5415986" y="2031484"/>
+                <a:ext cx="747320" cy="369332"/>
+              </a:xfrm>
+              <a:prstGeom prst="rect">
+                <a:avLst/>
+              </a:prstGeom>
+              <a:noFill/>
+            </p:spPr>
+            <p:txBody>
+              <a:bodyPr wrap="none" rtlCol="0">
+                <a:spAutoFit/>
+              </a:bodyPr>
+              <a:lstStyle/>
+              <a:p>
+                <a:pPr/>
+                <a14:m>
+                  <m:oMathPara xmlns:m="http://schemas.openxmlformats.org/officeDocument/2006/math">
+                    <m:oMathParaPr>
+                      <m:jc m:val="centerGroup"/>
+                    </m:oMathParaPr>
+                    <m:oMath xmlns:m="http://schemas.openxmlformats.org/officeDocument/2006/math">
+                      <m:r>
+                        <a:rPr lang="en-US" b="1" i="1" dirty="0" smtClean="0">
+                          <a:latin typeface="Cambria Math" panose="02040503050406030204" pitchFamily="18" charset="0"/>
+                        </a:rPr>
+                        <m:t>𝑶</m:t>
+                      </m:r>
+                      <m:r>
+                        <a:rPr lang="en-US" b="1" i="1" dirty="0" smtClean="0">
+                          <a:latin typeface="Cambria Math" panose="02040503050406030204" pitchFamily="18" charset="0"/>
+                        </a:rPr>
+                        <m:t>(</m:t>
+                      </m:r>
+                      <m:r>
+                        <a:rPr lang="en-US" b="1" i="1" dirty="0" smtClean="0">
+                          <a:latin typeface="Cambria Math" panose="02040503050406030204" pitchFamily="18" charset="0"/>
+                        </a:rPr>
+                        <m:t>𝒏</m:t>
+                      </m:r>
+                      <m:r>
+                        <a:rPr lang="en-US" b="1" i="1" dirty="0" smtClean="0">
+                          <a:latin typeface="Cambria Math" panose="02040503050406030204" pitchFamily="18" charset="0"/>
+                        </a:rPr>
+                        <m:t>)</m:t>
+                      </m:r>
+                    </m:oMath>
+                  </m:oMathPara>
+                </a14:m>
+                <a:endParaRPr lang="en-CA" b="1" dirty="0"/>
+              </a:p>
+            </p:txBody>
+          </p:sp>
+        </mc:Choice>
+        <mc:Fallback xmlns="">
+          <p:sp>
+            <p:nvSpPr>
+              <p:cNvPr id="13" name="TextBox 12">
+                <a:extLst>
+                  <a:ext uri="{FF2B5EF4-FFF2-40B4-BE49-F238E27FC236}">
+                    <a16:creationId xmlns:a16="http://schemas.microsoft.com/office/drawing/2014/main" id="{0761CA13-375F-BBB0-504E-5CE13DB307BA}"/>
+                  </a:ext>
+                </a:extLst>
+              </p:cNvPr>
+              <p:cNvSpPr txBox="1">
+                <a:spLocks noRot="1" noChangeAspect="1" noMove="1" noResize="1" noEditPoints="1" noAdjustHandles="1" noChangeArrowheads="1" noChangeShapeType="1" noTextEdit="1"/>
+              </p:cNvSpPr>
+              <p:nvPr/>
+            </p:nvSpPr>
+            <p:spPr>
+              <a:xfrm>
+                <a:off x="5415986" y="2031484"/>
+                <a:ext cx="747320" cy="369332"/>
+              </a:xfrm>
+              <a:prstGeom prst="rect">
+                <a:avLst/>
+              </a:prstGeom>
+              <a:blipFill>
+                <a:blip r:embed="rId4"/>
+                <a:stretch>
+                  <a:fillRect b="-13115"/>
+                </a:stretch>
+              </a:blipFill>
+            </p:spPr>
+            <p:txBody>
+              <a:bodyPr/>
+              <a:lstStyle/>
+              <a:p>
+                <a:r>
+                  <a:rPr lang="en-AU">
+                    <a:noFill/>
+                  </a:rPr>
+                  <a:t> </a:t>
+                </a:r>
+              </a:p>
+            </p:txBody>
+          </p:sp>
+        </mc:Fallback>
+      </mc:AlternateContent>
+      <mc:AlternateContent xmlns:mc="http://schemas.openxmlformats.org/markup-compatibility/2006" xmlns:a14="http://schemas.microsoft.com/office/drawing/2010/main">
+        <mc:Choice Requires="a14">
+          <p:sp>
+            <p:nvSpPr>
+              <p:cNvPr id="14" name="TextBox 13">
+                <a:extLst>
+                  <a:ext uri="{FF2B5EF4-FFF2-40B4-BE49-F238E27FC236}">
+                    <a16:creationId xmlns:a16="http://schemas.microsoft.com/office/drawing/2014/main" id="{7F52EC7B-B798-59DD-5B3D-09483C1B68B7}"/>
+                  </a:ext>
+                </a:extLst>
+              </p:cNvPr>
+              <p:cNvSpPr txBox="1"/>
+              <p:nvPr/>
+            </p:nvSpPr>
+            <p:spPr>
+              <a:xfrm>
+                <a:off x="6651583" y="2031484"/>
+                <a:ext cx="1306768" cy="369332"/>
+              </a:xfrm>
+              <a:prstGeom prst="rect">
+                <a:avLst/>
+              </a:prstGeom>
+              <a:noFill/>
+            </p:spPr>
+            <p:txBody>
+              <a:bodyPr wrap="none" rtlCol="0">
+                <a:spAutoFit/>
+              </a:bodyPr>
+              <a:lstStyle/>
+              <a:p>
+                <a:pPr/>
+                <a14:m>
+                  <m:oMathPara xmlns:m="http://schemas.openxmlformats.org/officeDocument/2006/math">
+                    <m:oMathParaPr>
+                      <m:jc m:val="centerGroup"/>
+                    </m:oMathParaPr>
+                    <m:oMath xmlns:m="http://schemas.openxmlformats.org/officeDocument/2006/math">
+                      <m:r>
+                        <a:rPr lang="en-US" b="1" i="1" dirty="0" smtClean="0">
+                          <a:latin typeface="Cambria Math" panose="02040503050406030204" pitchFamily="18" charset="0"/>
+                        </a:rPr>
+                        <m:t>𝑶</m:t>
+                      </m:r>
+                      <m:r>
+                        <a:rPr lang="en-US" b="1" i="1" dirty="0" smtClean="0">
+                          <a:latin typeface="Cambria Math" panose="02040503050406030204" pitchFamily="18" charset="0"/>
+                        </a:rPr>
+                        <m:t>(</m:t>
+                      </m:r>
+                      <m:r>
+                        <a:rPr lang="en-US" b="1" i="1" dirty="0" smtClean="0">
+                          <a:latin typeface="Cambria Math" panose="02040503050406030204" pitchFamily="18" charset="0"/>
+                        </a:rPr>
+                        <m:t>𝒏</m:t>
+                      </m:r>
+                      <m:func>
+                        <m:funcPr>
+                          <m:ctrlPr>
+                            <a:rPr lang="en-US" b="1" i="1" dirty="0" smtClean="0">
+                              <a:latin typeface="Cambria Math" panose="02040503050406030204" pitchFamily="18" charset="0"/>
+                            </a:rPr>
+                          </m:ctrlPr>
+                        </m:funcPr>
+                        <m:fName>
+                          <m:r>
+                            <a:rPr lang="en-US" b="1" i="0" dirty="0" smtClean="0">
+                              <a:latin typeface="Cambria Math" panose="02040503050406030204" pitchFamily="18" charset="0"/>
+                            </a:rPr>
+                            <m:t>𝐥𝐨𝐠</m:t>
+                          </m:r>
+                        </m:fName>
+                        <m:e>
+                          <m:r>
+                            <a:rPr lang="en-CA" b="1" i="1" dirty="0" smtClean="0">
+                              <a:latin typeface="Cambria Math" panose="02040503050406030204" pitchFamily="18" charset="0"/>
+                            </a:rPr>
+                            <m:t>𝒏</m:t>
+                          </m:r>
+                        </m:e>
+                      </m:func>
+                      <m:r>
+                        <a:rPr lang="en-US" b="1" i="1" dirty="0" smtClean="0">
+                          <a:latin typeface="Cambria Math" panose="02040503050406030204" pitchFamily="18" charset="0"/>
+                        </a:rPr>
+                        <m:t>)</m:t>
+                      </m:r>
+                    </m:oMath>
+                  </m:oMathPara>
+                </a14:m>
+                <a:endParaRPr lang="en-CA" b="1" dirty="0"/>
+              </a:p>
+            </p:txBody>
+          </p:sp>
+        </mc:Choice>
+        <mc:Fallback xmlns="">
+          <p:sp>
+            <p:nvSpPr>
+              <p:cNvPr id="14" name="TextBox 13">
+                <a:extLst>
+                  <a:ext uri="{FF2B5EF4-FFF2-40B4-BE49-F238E27FC236}">
+                    <a16:creationId xmlns:a16="http://schemas.microsoft.com/office/drawing/2014/main" id="{7F52EC7B-B798-59DD-5B3D-09483C1B68B7}"/>
+                  </a:ext>
+                </a:extLst>
+              </p:cNvPr>
+              <p:cNvSpPr txBox="1">
+                <a:spLocks noRot="1" noChangeAspect="1" noMove="1" noResize="1" noEditPoints="1" noAdjustHandles="1" noChangeArrowheads="1" noChangeShapeType="1" noTextEdit="1"/>
+              </p:cNvSpPr>
+              <p:nvPr/>
+            </p:nvSpPr>
+            <p:spPr>
+              <a:xfrm>
+                <a:off x="6651583" y="2031484"/>
+                <a:ext cx="1306768" cy="369332"/>
+              </a:xfrm>
+              <a:prstGeom prst="rect">
+                <a:avLst/>
+              </a:prstGeom>
+              <a:blipFill>
+                <a:blip r:embed="rId5"/>
+                <a:stretch>
+                  <a:fillRect b="-13115"/>
+                </a:stretch>
+              </a:blipFill>
+            </p:spPr>
+            <p:txBody>
+              <a:bodyPr/>
+              <a:lstStyle/>
+              <a:p>
+                <a:r>
+                  <a:rPr lang="en-AU">
+                    <a:noFill/>
+                  </a:rPr>
+                  <a:t> </a:t>
+                </a:r>
+              </a:p>
+            </p:txBody>
+          </p:sp>
+        </mc:Fallback>
+      </mc:AlternateContent>
+      <mc:AlternateContent xmlns:mc="http://schemas.openxmlformats.org/markup-compatibility/2006" xmlns:a14="http://schemas.microsoft.com/office/drawing/2010/main">
+        <mc:Choice Requires="a14">
+          <p:sp>
+            <p:nvSpPr>
+              <p:cNvPr id="15" name="TextBox 14">
+                <a:extLst>
+                  <a:ext uri="{FF2B5EF4-FFF2-40B4-BE49-F238E27FC236}">
+                    <a16:creationId xmlns:a16="http://schemas.microsoft.com/office/drawing/2014/main" id="{262C53C2-21B5-40A3-53D2-9E377CAADE59}"/>
+                  </a:ext>
+                </a:extLst>
+              </p:cNvPr>
+              <p:cNvSpPr txBox="1"/>
+              <p:nvPr/>
+            </p:nvSpPr>
+            <p:spPr>
+              <a:xfrm>
+                <a:off x="8322746" y="2031484"/>
+                <a:ext cx="744050" cy="375552"/>
+              </a:xfrm>
+              <a:prstGeom prst="rect">
+                <a:avLst/>
+              </a:prstGeom>
+              <a:noFill/>
+            </p:spPr>
+            <p:txBody>
+              <a:bodyPr wrap="none" rtlCol="0">
+                <a:spAutoFit/>
+              </a:bodyPr>
+              <a:lstStyle/>
+              <a:p>
+                <a:r>
+                  <a:rPr lang="en-US" b="1" dirty="0"/>
+                  <a:t>O(</a:t>
+                </a:r>
+                <a14:m>
+                  <m:oMath xmlns:m="http://schemas.openxmlformats.org/officeDocument/2006/math">
+                    <m:sSup>
+                      <m:sSupPr>
+                        <m:ctrlPr>
+                          <a:rPr lang="en-US" b="1" i="1" smtClean="0">
+                            <a:latin typeface="Cambria Math" panose="02040503050406030204" pitchFamily="18" charset="0"/>
+                          </a:rPr>
+                        </m:ctrlPr>
+                      </m:sSupPr>
+                      <m:e>
+                        <m:r>
+                          <a:rPr lang="en-US" b="1" i="1" smtClean="0">
+                            <a:latin typeface="Cambria Math" panose="02040503050406030204" pitchFamily="18" charset="0"/>
+                          </a:rPr>
+                          <m:t>𝒏</m:t>
+                        </m:r>
+                      </m:e>
+                      <m:sup>
+                        <m:r>
+                          <a:rPr lang="en-US" b="1" i="1" smtClean="0">
+                            <a:latin typeface="Cambria Math" panose="02040503050406030204" pitchFamily="18" charset="0"/>
+                          </a:rPr>
+                          <m:t>𝟐</m:t>
+                        </m:r>
+                      </m:sup>
+                    </m:sSup>
+                  </m:oMath>
+                </a14:m>
+                <a:r>
+                  <a:rPr lang="en-US" b="1" dirty="0"/>
+                  <a:t>)</a:t>
+                </a:r>
+                <a:endParaRPr lang="en-CA" b="1" dirty="0"/>
+              </a:p>
+            </p:txBody>
+          </p:sp>
+        </mc:Choice>
+        <mc:Fallback xmlns="">
+          <p:sp>
+            <p:nvSpPr>
+              <p:cNvPr id="15" name="TextBox 14">
+                <a:extLst>
+                  <a:ext uri="{FF2B5EF4-FFF2-40B4-BE49-F238E27FC236}">
+                    <a16:creationId xmlns:a16="http://schemas.microsoft.com/office/drawing/2014/main" id="{262C53C2-21B5-40A3-53D2-9E377CAADE59}"/>
+                  </a:ext>
+                </a:extLst>
+              </p:cNvPr>
+              <p:cNvSpPr txBox="1">
+                <a:spLocks noRot="1" noChangeAspect="1" noMove="1" noResize="1" noEditPoints="1" noAdjustHandles="1" noChangeArrowheads="1" noChangeShapeType="1" noTextEdit="1"/>
+              </p:cNvSpPr>
+              <p:nvPr/>
+            </p:nvSpPr>
+            <p:spPr>
+              <a:xfrm>
+                <a:off x="8322746" y="2031484"/>
+                <a:ext cx="744050" cy="375552"/>
+              </a:xfrm>
+              <a:prstGeom prst="rect">
+                <a:avLst/>
+              </a:prstGeom>
+              <a:blipFill>
+                <a:blip r:embed="rId6"/>
+                <a:stretch>
+                  <a:fillRect l="-6557" t="-6452" r="-7377" b="-24194"/>
+                </a:stretch>
+              </a:blipFill>
+            </p:spPr>
+            <p:txBody>
+              <a:bodyPr/>
+              <a:lstStyle/>
+              <a:p>
+                <a:r>
+                  <a:rPr lang="en-CA">
+                    <a:noFill/>
+                  </a:rPr>
+                  <a:t> </a:t>
+                </a:r>
+              </a:p>
+            </p:txBody>
+          </p:sp>
+        </mc:Fallback>
+      </mc:AlternateContent>
+      <mc:AlternateContent xmlns:mc="http://schemas.openxmlformats.org/markup-compatibility/2006" xmlns:a14="http://schemas.microsoft.com/office/drawing/2010/main">
+        <mc:Choice Requires="a14">
+          <p:sp>
+            <p:nvSpPr>
+              <p:cNvPr id="16" name="TextBox 15">
+                <a:extLst>
+                  <a:ext uri="{FF2B5EF4-FFF2-40B4-BE49-F238E27FC236}">
+                    <a16:creationId xmlns:a16="http://schemas.microsoft.com/office/drawing/2014/main" id="{78553182-CCC7-8A0F-7F06-D7A9333EA47F}"/>
+                  </a:ext>
+                </a:extLst>
+              </p:cNvPr>
+              <p:cNvSpPr txBox="1"/>
+              <p:nvPr/>
+            </p:nvSpPr>
+            <p:spPr>
+              <a:xfrm>
+                <a:off x="9509711" y="2068166"/>
+                <a:ext cx="744050" cy="375552"/>
+              </a:xfrm>
+              <a:prstGeom prst="rect">
+                <a:avLst/>
+              </a:prstGeom>
+              <a:noFill/>
+            </p:spPr>
+            <p:txBody>
+              <a:bodyPr wrap="none" rtlCol="0">
+                <a:spAutoFit/>
+              </a:bodyPr>
+              <a:lstStyle/>
+              <a:p>
+                <a:r>
+                  <a:rPr lang="en-US" b="1" dirty="0"/>
+                  <a:t>O(</a:t>
+                </a:r>
+                <a14:m>
+                  <m:oMath xmlns:m="http://schemas.openxmlformats.org/officeDocument/2006/math">
+                    <m:sSup>
+                      <m:sSupPr>
+                        <m:ctrlPr>
+                          <a:rPr lang="en-US" b="1" i="1" smtClean="0">
+                            <a:latin typeface="Cambria Math" panose="02040503050406030204" pitchFamily="18" charset="0"/>
+                          </a:rPr>
+                        </m:ctrlPr>
+                      </m:sSupPr>
+                      <m:e>
+                        <m:r>
+                          <a:rPr lang="en-US" b="1" i="1" smtClean="0">
+                            <a:latin typeface="Cambria Math" panose="02040503050406030204" pitchFamily="18" charset="0"/>
+                          </a:rPr>
+                          <m:t>𝒏</m:t>
+                        </m:r>
+                      </m:e>
+                      <m:sup>
+                        <m:r>
+                          <a:rPr lang="en-US" b="1" i="1" smtClean="0">
+                            <a:latin typeface="Cambria Math" panose="02040503050406030204" pitchFamily="18" charset="0"/>
+                          </a:rPr>
+                          <m:t>𝟑</m:t>
+                        </m:r>
+                      </m:sup>
+                    </m:sSup>
+                  </m:oMath>
+                </a14:m>
+                <a:r>
+                  <a:rPr lang="en-US" b="1" dirty="0"/>
+                  <a:t>)</a:t>
+                </a:r>
+                <a:endParaRPr lang="en-CA" b="1" dirty="0"/>
+              </a:p>
+            </p:txBody>
+          </p:sp>
+        </mc:Choice>
+        <mc:Fallback xmlns="">
+          <p:sp>
+            <p:nvSpPr>
+              <p:cNvPr id="16" name="TextBox 15">
+                <a:extLst>
+                  <a:ext uri="{FF2B5EF4-FFF2-40B4-BE49-F238E27FC236}">
+                    <a16:creationId xmlns:a16="http://schemas.microsoft.com/office/drawing/2014/main" id="{78553182-CCC7-8A0F-7F06-D7A9333EA47F}"/>
+                  </a:ext>
+                </a:extLst>
+              </p:cNvPr>
+              <p:cNvSpPr txBox="1">
+                <a:spLocks noRot="1" noChangeAspect="1" noMove="1" noResize="1" noEditPoints="1" noAdjustHandles="1" noChangeArrowheads="1" noChangeShapeType="1" noTextEdit="1"/>
+              </p:cNvSpPr>
+              <p:nvPr/>
+            </p:nvSpPr>
+            <p:spPr>
+              <a:xfrm>
+                <a:off x="9509711" y="2068166"/>
+                <a:ext cx="744050" cy="375552"/>
+              </a:xfrm>
+              <a:prstGeom prst="rect">
+                <a:avLst/>
+              </a:prstGeom>
+              <a:blipFill>
+                <a:blip r:embed="rId7"/>
+                <a:stretch>
+                  <a:fillRect l="-7377" t="-6452" r="-6557" b="-24194"/>
+                </a:stretch>
+              </a:blipFill>
+            </p:spPr>
+            <p:txBody>
+              <a:bodyPr/>
+              <a:lstStyle/>
+              <a:p>
+                <a:r>
+                  <a:rPr lang="en-CA">
+                    <a:noFill/>
+                  </a:rPr>
+                  <a:t> </a:t>
+                </a:r>
+              </a:p>
+            </p:txBody>
+          </p:sp>
+        </mc:Fallback>
+      </mc:AlternateContent>
+      <mc:AlternateContent xmlns:mc="http://schemas.openxmlformats.org/markup-compatibility/2006" xmlns:a14="http://schemas.microsoft.com/office/drawing/2010/main">
+        <mc:Choice Requires="a14">
+          <p:sp>
+            <p:nvSpPr>
+              <p:cNvPr id="17" name="TextBox 16">
+                <a:extLst>
+                  <a:ext uri="{FF2B5EF4-FFF2-40B4-BE49-F238E27FC236}">
+                    <a16:creationId xmlns:a16="http://schemas.microsoft.com/office/drawing/2014/main" id="{98EEFDEA-6893-9839-FA25-EC5F8C5BC0C9}"/>
+                  </a:ext>
+                </a:extLst>
+              </p:cNvPr>
+              <p:cNvSpPr txBox="1"/>
+              <p:nvPr/>
+            </p:nvSpPr>
+            <p:spPr>
+              <a:xfrm>
+                <a:off x="10647612" y="2060654"/>
+                <a:ext cx="740844" cy="369332"/>
+              </a:xfrm>
+              <a:prstGeom prst="rect">
+                <a:avLst/>
+              </a:prstGeom>
+              <a:noFill/>
+            </p:spPr>
+            <p:txBody>
+              <a:bodyPr wrap="none" rtlCol="0">
+                <a:spAutoFit/>
+              </a:bodyPr>
+              <a:lstStyle/>
+              <a:p>
+                <a:r>
+                  <a:rPr lang="en-US" b="1" dirty="0"/>
+                  <a:t>O(</a:t>
+                </a:r>
+                <a14:m>
+                  <m:oMath xmlns:m="http://schemas.openxmlformats.org/officeDocument/2006/math">
+                    <m:sSup>
+                      <m:sSupPr>
+                        <m:ctrlPr>
+                          <a:rPr lang="en-US" b="1" i="1" smtClean="0">
+                            <a:latin typeface="Cambria Math" panose="02040503050406030204" pitchFamily="18" charset="0"/>
+                          </a:rPr>
+                        </m:ctrlPr>
+                      </m:sSupPr>
+                      <m:e>
+                        <m:r>
+                          <a:rPr lang="en-US" b="1" i="1" smtClean="0">
+                            <a:latin typeface="Cambria Math" panose="02040503050406030204" pitchFamily="18" charset="0"/>
+                          </a:rPr>
+                          <m:t>𝟐</m:t>
+                        </m:r>
+                      </m:e>
+                      <m:sup>
+                        <m:r>
+                          <a:rPr lang="en-US" b="1" i="1" smtClean="0">
+                            <a:latin typeface="Cambria Math" panose="02040503050406030204" pitchFamily="18" charset="0"/>
+                          </a:rPr>
+                          <m:t>𝒏</m:t>
+                        </m:r>
+                      </m:sup>
+                    </m:sSup>
+                  </m:oMath>
+                </a14:m>
+                <a:r>
+                  <a:rPr lang="en-US" b="1" dirty="0"/>
+                  <a:t>)</a:t>
+                </a:r>
+                <a:endParaRPr lang="en-CA" b="1" dirty="0"/>
+              </a:p>
+            </p:txBody>
+          </p:sp>
+        </mc:Choice>
+        <mc:Fallback xmlns="">
+          <p:sp>
+            <p:nvSpPr>
+              <p:cNvPr id="17" name="TextBox 16">
+                <a:extLst>
+                  <a:ext uri="{FF2B5EF4-FFF2-40B4-BE49-F238E27FC236}">
+                    <a16:creationId xmlns:a16="http://schemas.microsoft.com/office/drawing/2014/main" id="{98EEFDEA-6893-9839-FA25-EC5F8C5BC0C9}"/>
+                  </a:ext>
+                </a:extLst>
+              </p:cNvPr>
+              <p:cNvSpPr txBox="1">
+                <a:spLocks noRot="1" noChangeAspect="1" noMove="1" noResize="1" noEditPoints="1" noAdjustHandles="1" noChangeArrowheads="1" noChangeShapeType="1" noTextEdit="1"/>
+              </p:cNvSpPr>
+              <p:nvPr/>
+            </p:nvSpPr>
+            <p:spPr>
+              <a:xfrm>
+                <a:off x="10647612" y="2060654"/>
+                <a:ext cx="740844" cy="369332"/>
+              </a:xfrm>
+              <a:prstGeom prst="rect">
+                <a:avLst/>
+              </a:prstGeom>
+              <a:blipFill>
+                <a:blip r:embed="rId8"/>
+                <a:stretch>
+                  <a:fillRect l="-7438" t="-8197" r="-7438" b="-24590"/>
+                </a:stretch>
+              </a:blipFill>
+            </p:spPr>
+            <p:txBody>
+              <a:bodyPr/>
+              <a:lstStyle/>
+              <a:p>
+                <a:r>
+                  <a:rPr lang="en-CA">
+                    <a:noFill/>
+                  </a:rPr>
+                  <a:t> </a:t>
+                </a:r>
+              </a:p>
+            </p:txBody>
+          </p:sp>
+        </mc:Fallback>
+      </mc:AlternateContent>
+      <p:sp>
+        <p:nvSpPr>
+          <p:cNvPr id="18" name="TextBox 17">
+            <a:extLst>
+              <a:ext uri="{FF2B5EF4-FFF2-40B4-BE49-F238E27FC236}">
+                <a16:creationId xmlns:a16="http://schemas.microsoft.com/office/drawing/2014/main" id="{77634765-51BA-0591-24C6-051816A77169}"/>
+              </a:ext>
+            </a:extLst>
+          </p:cNvPr>
+          <p:cNvSpPr txBox="1"/>
+          <p:nvPr/>
+        </p:nvSpPr>
+        <p:spPr>
+          <a:xfrm>
+            <a:off x="2208639" y="2802731"/>
+            <a:ext cx="1838965" cy="369332"/>
+          </a:xfrm>
+          <a:prstGeom prst="rect">
+            <a:avLst/>
+          </a:prstGeom>
+          <a:noFill/>
+        </p:spPr>
+        <p:txBody>
+          <a:bodyPr wrap="none" rtlCol="0">
+            <a:spAutoFit/>
+          </a:bodyPr>
+          <a:lstStyle/>
+          <a:p>
+            <a:r>
+              <a:rPr lang="en-US" dirty="0"/>
+              <a:t>1, 5, 861, 3000, …</a:t>
+            </a:r>
+            <a:endParaRPr lang="en-CA" dirty="0"/>
+          </a:p>
+        </p:txBody>
+      </p:sp>
+      <mc:AlternateContent xmlns:mc="http://schemas.openxmlformats.org/markup-compatibility/2006" xmlns:a14="http://schemas.microsoft.com/office/drawing/2010/main">
+        <mc:Choice Requires="a14">
+          <p:sp>
+            <p:nvSpPr>
+              <p:cNvPr id="19" name="TextBox 18">
+                <a:extLst>
+                  <a:ext uri="{FF2B5EF4-FFF2-40B4-BE49-F238E27FC236}">
+                    <a16:creationId xmlns:a16="http://schemas.microsoft.com/office/drawing/2014/main" id="{A43F2BE3-BC22-7A93-7C04-608D460435EF}"/>
+                  </a:ext>
+                </a:extLst>
+              </p:cNvPr>
+              <p:cNvSpPr txBox="1"/>
+              <p:nvPr/>
+            </p:nvSpPr>
+            <p:spPr>
+              <a:xfrm>
+                <a:off x="4097625" y="3015018"/>
+                <a:ext cx="920060" cy="369332"/>
+              </a:xfrm>
+              <a:prstGeom prst="rect">
+                <a:avLst/>
+              </a:prstGeom>
+              <a:noFill/>
+            </p:spPr>
+            <p:txBody>
+              <a:bodyPr wrap="none" rtlCol="0">
+                <a:spAutoFit/>
+              </a:bodyPr>
+              <a:lstStyle/>
+              <a:p>
+                <a:pPr/>
+                <a14:m>
+                  <m:oMathPara xmlns:m="http://schemas.openxmlformats.org/officeDocument/2006/math">
+                    <m:oMathParaPr>
+                      <m:jc m:val="centerGroup"/>
+                    </m:oMathParaPr>
+                    <m:oMath xmlns:m="http://schemas.openxmlformats.org/officeDocument/2006/math">
+                      <m:func>
+                        <m:funcPr>
+                          <m:ctrlPr>
+                            <a:rPr lang="en-CA" i="1" smtClean="0">
+                              <a:latin typeface="Cambria Math" panose="02040503050406030204" pitchFamily="18" charset="0"/>
+                            </a:rPr>
+                          </m:ctrlPr>
+                        </m:funcPr>
+                        <m:fName>
+                          <m:sSub>
+                            <m:sSubPr>
+                              <m:ctrlPr>
+                                <a:rPr lang="en-CA" i="1" smtClean="0">
+                                  <a:latin typeface="Cambria Math" panose="02040503050406030204" pitchFamily="18" charset="0"/>
+                                </a:rPr>
+                              </m:ctrlPr>
+                            </m:sSubPr>
+                            <m:e>
+                              <m:r>
+                                <m:rPr>
+                                  <m:sty m:val="p"/>
+                                </m:rPr>
+                                <a:rPr lang="en-CA">
+                                  <a:latin typeface="Cambria Math" panose="02040503050406030204" pitchFamily="18" charset="0"/>
+                                </a:rPr>
+                                <m:t>log</m:t>
+                              </m:r>
+                            </m:e>
+                            <m:sub>
+                              <m:r>
+                                <a:rPr lang="en-CA" b="0" i="1" smtClean="0">
+                                  <a:latin typeface="Cambria Math" panose="02040503050406030204" pitchFamily="18" charset="0"/>
+                                </a:rPr>
+                                <m:t>10</m:t>
+                              </m:r>
+                            </m:sub>
+                          </m:sSub>
+                        </m:fName>
+                        <m:e>
+                          <m:r>
+                            <a:rPr lang="en-CA" i="1">
+                              <a:latin typeface="Cambria Math" panose="02040503050406030204" pitchFamily="18" charset="0"/>
+                            </a:rPr>
+                            <m:t>𝑛</m:t>
+                          </m:r>
+                        </m:e>
+                      </m:func>
+                    </m:oMath>
+                  </m:oMathPara>
+                </a14:m>
+                <a:endParaRPr lang="en-CA" dirty="0"/>
+              </a:p>
+            </p:txBody>
+          </p:sp>
+        </mc:Choice>
+        <mc:Fallback xmlns="">
+          <p:sp>
+            <p:nvSpPr>
+              <p:cNvPr id="19" name="TextBox 18">
+                <a:extLst>
+                  <a:ext uri="{FF2B5EF4-FFF2-40B4-BE49-F238E27FC236}">
+                    <a16:creationId xmlns:a16="http://schemas.microsoft.com/office/drawing/2014/main" id="{A43F2BE3-BC22-7A93-7C04-608D460435EF}"/>
+                  </a:ext>
+                </a:extLst>
+              </p:cNvPr>
+              <p:cNvSpPr txBox="1">
+                <a:spLocks noRot="1" noChangeAspect="1" noMove="1" noResize="1" noEditPoints="1" noAdjustHandles="1" noChangeArrowheads="1" noChangeShapeType="1" noTextEdit="1"/>
+              </p:cNvSpPr>
+              <p:nvPr/>
+            </p:nvSpPr>
+            <p:spPr>
+              <a:xfrm>
+                <a:off x="4097625" y="3015018"/>
+                <a:ext cx="920060" cy="369332"/>
+              </a:xfrm>
+              <a:prstGeom prst="rect">
+                <a:avLst/>
+              </a:prstGeom>
+              <a:blipFill>
+                <a:blip r:embed="rId9"/>
+                <a:stretch>
+                  <a:fillRect b="-13333"/>
+                </a:stretch>
+              </a:blipFill>
+            </p:spPr>
+            <p:txBody>
+              <a:bodyPr/>
+              <a:lstStyle/>
+              <a:p>
+                <a:r>
+                  <a:rPr lang="en-AU">
+                    <a:noFill/>
+                  </a:rPr>
+                  <a:t> </a:t>
+                </a:r>
+              </a:p>
+            </p:txBody>
+          </p:sp>
+        </mc:Fallback>
+      </mc:AlternateContent>
+      <mc:AlternateContent xmlns:mc="http://schemas.openxmlformats.org/markup-compatibility/2006" xmlns:a14="http://schemas.microsoft.com/office/drawing/2010/main">
+        <mc:Choice Requires="a14">
+          <p:sp>
+            <p:nvSpPr>
+              <p:cNvPr id="20" name="TextBox 19">
+                <a:extLst>
+                  <a:ext uri="{FF2B5EF4-FFF2-40B4-BE49-F238E27FC236}">
+                    <a16:creationId xmlns:a16="http://schemas.microsoft.com/office/drawing/2014/main" id="{8CD04D7F-190F-3D8E-A8EC-C2604638F8D1}"/>
+                  </a:ext>
+                </a:extLst>
+              </p:cNvPr>
+              <p:cNvSpPr txBox="1"/>
+              <p:nvPr/>
+            </p:nvSpPr>
+            <p:spPr>
+              <a:xfrm>
+                <a:off x="4177509" y="2579646"/>
+                <a:ext cx="827599" cy="369332"/>
+              </a:xfrm>
+              <a:prstGeom prst="rect">
+                <a:avLst/>
+              </a:prstGeom>
+              <a:noFill/>
+            </p:spPr>
+            <p:txBody>
+              <a:bodyPr wrap="none" rtlCol="0">
+                <a:spAutoFit/>
+              </a:bodyPr>
+              <a:lstStyle/>
+              <a:p>
+                <a:pPr/>
+                <a14:m>
+                  <m:oMathPara xmlns:m="http://schemas.openxmlformats.org/officeDocument/2006/math">
+                    <m:oMathParaPr>
+                      <m:jc m:val="centerGroup"/>
+                    </m:oMathParaPr>
+                    <m:oMath xmlns:m="http://schemas.openxmlformats.org/officeDocument/2006/math">
+                      <m:func>
+                        <m:funcPr>
+                          <m:ctrlPr>
+                            <a:rPr lang="en-CA" i="1" smtClean="0">
+                              <a:latin typeface="Cambria Math" panose="02040503050406030204" pitchFamily="18" charset="0"/>
+                            </a:rPr>
+                          </m:ctrlPr>
+                        </m:funcPr>
+                        <m:fName>
+                          <m:sSub>
+                            <m:sSubPr>
+                              <m:ctrlPr>
+                                <a:rPr lang="en-CA" i="1" smtClean="0">
+                                  <a:latin typeface="Cambria Math" panose="02040503050406030204" pitchFamily="18" charset="0"/>
+                                </a:rPr>
+                              </m:ctrlPr>
+                            </m:sSubPr>
+                            <m:e>
+                              <m:r>
+                                <m:rPr>
+                                  <m:sty m:val="p"/>
+                                </m:rPr>
+                                <a:rPr lang="en-CA" i="0" smtClean="0">
+                                  <a:latin typeface="Cambria Math" panose="02040503050406030204" pitchFamily="18" charset="0"/>
+                                </a:rPr>
+                                <m:t>log</m:t>
+                              </m:r>
+                            </m:e>
+                            <m:sub>
+                              <m:r>
+                                <a:rPr lang="en-CA" b="0" i="1" smtClean="0">
+                                  <a:latin typeface="Cambria Math" panose="02040503050406030204" pitchFamily="18" charset="0"/>
+                                </a:rPr>
+                                <m:t>2</m:t>
+                              </m:r>
+                            </m:sub>
+                          </m:sSub>
+                        </m:fName>
+                        <m:e>
+                          <m:r>
+                            <a:rPr lang="en-CA" b="0" i="1" smtClean="0">
+                              <a:latin typeface="Cambria Math" panose="02040503050406030204" pitchFamily="18" charset="0"/>
+                            </a:rPr>
+                            <m:t>𝑛</m:t>
+                          </m:r>
+                        </m:e>
+                      </m:func>
+                    </m:oMath>
+                  </m:oMathPara>
+                </a14:m>
+                <a:endParaRPr lang="en-CA" dirty="0"/>
+              </a:p>
+            </p:txBody>
+          </p:sp>
+        </mc:Choice>
+        <mc:Fallback xmlns="">
+          <p:sp>
+            <p:nvSpPr>
+              <p:cNvPr id="20" name="TextBox 19">
+                <a:extLst>
+                  <a:ext uri="{FF2B5EF4-FFF2-40B4-BE49-F238E27FC236}">
+                    <a16:creationId xmlns:a16="http://schemas.microsoft.com/office/drawing/2014/main" id="{8CD04D7F-190F-3D8E-A8EC-C2604638F8D1}"/>
+                  </a:ext>
+                </a:extLst>
+              </p:cNvPr>
+              <p:cNvSpPr txBox="1">
+                <a:spLocks noRot="1" noChangeAspect="1" noMove="1" noResize="1" noEditPoints="1" noAdjustHandles="1" noChangeArrowheads="1" noChangeShapeType="1" noTextEdit="1"/>
+              </p:cNvSpPr>
+              <p:nvPr/>
+            </p:nvSpPr>
+            <p:spPr>
+              <a:xfrm>
+                <a:off x="4177509" y="2579646"/>
+                <a:ext cx="827599" cy="369332"/>
+              </a:xfrm>
+              <a:prstGeom prst="rect">
+                <a:avLst/>
+              </a:prstGeom>
+              <a:blipFill>
+                <a:blip r:embed="rId10"/>
+                <a:stretch>
+                  <a:fillRect b="-13115"/>
+                </a:stretch>
+              </a:blipFill>
+            </p:spPr>
+            <p:txBody>
+              <a:bodyPr/>
+              <a:lstStyle/>
+              <a:p>
+                <a:r>
+                  <a:rPr lang="en-AU">
+                    <a:noFill/>
+                  </a:rPr>
+                  <a:t> </a:t>
+                </a:r>
+              </a:p>
+            </p:txBody>
+          </p:sp>
+        </mc:Fallback>
+      </mc:AlternateContent>
+      <mc:AlternateContent xmlns:mc="http://schemas.openxmlformats.org/markup-compatibility/2006">
+        <mc:Choice xmlns:a14="http://schemas.microsoft.com/office/drawing/2010/main" Requires="a14">
+          <p:sp>
+            <p:nvSpPr>
+              <p:cNvPr id="21" name="TextBox 20">
+                <a:extLst>
+                  <a:ext uri="{FF2B5EF4-FFF2-40B4-BE49-F238E27FC236}">
+                    <a16:creationId xmlns:a16="http://schemas.microsoft.com/office/drawing/2014/main" id="{F042FCA3-EB24-1E91-2443-F23248E6F681}"/>
+                  </a:ext>
+                </a:extLst>
+              </p:cNvPr>
+              <p:cNvSpPr txBox="1"/>
+              <p:nvPr/>
+            </p:nvSpPr>
+            <p:spPr>
+              <a:xfrm>
+                <a:off x="3241396" y="3450391"/>
+                <a:ext cx="1653145" cy="307777"/>
+              </a:xfrm>
+              <a:prstGeom prst="rect">
+                <a:avLst/>
+              </a:prstGeom>
+              <a:noFill/>
+            </p:spPr>
+            <p:txBody>
+              <a:bodyPr wrap="square" rtlCol="0">
+                <a:spAutoFit/>
+              </a:bodyPr>
+              <a:lstStyle/>
+              <a:p>
+                <a:pPr/>
+                <a14:m>
+                  <m:oMathPara xmlns:m="http://schemas.openxmlformats.org/officeDocument/2006/math">
+                    <m:oMathParaPr>
+                      <m:jc m:val="centerGroup"/>
+                    </m:oMathParaPr>
+                    <m:oMath xmlns:m="http://schemas.openxmlformats.org/officeDocument/2006/math">
+                      <m:sSub>
+                        <m:sSubPr>
+                          <m:ctrlPr>
+                            <a:rPr lang="en-CA" sz="1400" i="1" smtClean="0">
+                              <a:latin typeface="Cambria Math" panose="02040503050406030204" pitchFamily="18" charset="0"/>
+                            </a:rPr>
+                          </m:ctrlPr>
+                        </m:sSubPr>
+                        <m:e>
+                          <m:r>
+                            <a:rPr lang="en-US" sz="1400" b="0" i="1" smtClean="0">
+                              <a:latin typeface="Cambria Math" panose="02040503050406030204" pitchFamily="18" charset="0"/>
+                            </a:rPr>
+                            <m:t>5+</m:t>
+                          </m:r>
+                          <m:func>
+                            <m:funcPr>
+                              <m:ctrlPr>
+                                <a:rPr lang="en-US" sz="1400" b="0" i="1" smtClean="0">
+                                  <a:latin typeface="Cambria Math" panose="02040503050406030204" pitchFamily="18" charset="0"/>
+                                </a:rPr>
+                              </m:ctrlPr>
+                            </m:funcPr>
+                            <m:fName>
+                              <m:sSub>
+                                <m:sSubPr>
+                                  <m:ctrlPr>
+                                    <a:rPr lang="en-US" sz="1400" b="0" i="1" smtClean="0">
+                                      <a:latin typeface="Cambria Math" panose="02040503050406030204" pitchFamily="18" charset="0"/>
+                                    </a:rPr>
+                                  </m:ctrlPr>
+                                </m:sSubPr>
+                                <m:e>
+                                  <m:r>
+                                    <m:rPr>
+                                      <m:sty m:val="p"/>
+                                    </m:rPr>
+                                    <a:rPr lang="en-US" sz="1400" b="0" i="0" smtClean="0">
+                                      <a:latin typeface="Cambria Math" panose="02040503050406030204" pitchFamily="18" charset="0"/>
+                                    </a:rPr>
+                                    <m:t>log</m:t>
+                                  </m:r>
+                                </m:e>
+                                <m:sub>
+                                  <m:r>
+                                    <a:rPr lang="en-CA" sz="1400" b="0" i="1" smtClean="0">
+                                      <a:latin typeface="Cambria Math" panose="02040503050406030204" pitchFamily="18" charset="0"/>
+                                    </a:rPr>
+                                    <m:t>3</m:t>
+                                  </m:r>
+                                </m:sub>
+                              </m:sSub>
+                            </m:fName>
+                            <m:e>
+                              <m:r>
+                                <a:rPr lang="en-CA" sz="1400" b="0" i="1" smtClean="0">
+                                  <a:latin typeface="Cambria Math" panose="02040503050406030204" pitchFamily="18" charset="0"/>
+                                </a:rPr>
+                                <m:t>(2</m:t>
+                              </m:r>
+                              <m:r>
+                                <a:rPr lang="en-CA" sz="1400" b="0" i="1" smtClean="0">
+                                  <a:latin typeface="Cambria Math" panose="02040503050406030204" pitchFamily="18" charset="0"/>
+                                </a:rPr>
+                                <m:t>𝑛</m:t>
+                              </m:r>
+                              <m:r>
+                                <a:rPr lang="en-CA" sz="1400" b="0" i="1" smtClean="0">
+                                  <a:latin typeface="Cambria Math" panose="02040503050406030204" pitchFamily="18" charset="0"/>
+                                </a:rPr>
+                                <m:t>+1)</m:t>
+                              </m:r>
+                            </m:e>
+                          </m:func>
+                        </m:e>
+                        <m:sub/>
+                      </m:sSub>
+                    </m:oMath>
+                  </m:oMathPara>
+                </a14:m>
+                <a:endParaRPr lang="en-CA" sz="1400" dirty="0"/>
+              </a:p>
+            </p:txBody>
+          </p:sp>
+        </mc:Choice>
+        <mc:Fallback>
+          <p:sp>
+            <p:nvSpPr>
+              <p:cNvPr id="21" name="TextBox 20">
+                <a:extLst>
+                  <a:ext uri="{FF2B5EF4-FFF2-40B4-BE49-F238E27FC236}">
+                    <a16:creationId xmlns:a16="http://schemas.microsoft.com/office/drawing/2014/main" id="{F042FCA3-EB24-1E91-2443-F23248E6F681}"/>
+                  </a:ext>
+                </a:extLst>
+              </p:cNvPr>
+              <p:cNvSpPr txBox="1">
+                <a:spLocks noRot="1" noChangeAspect="1" noMove="1" noResize="1" noEditPoints="1" noAdjustHandles="1" noChangeArrowheads="1" noChangeShapeType="1" noTextEdit="1"/>
+              </p:cNvSpPr>
+              <p:nvPr/>
+            </p:nvSpPr>
+            <p:spPr>
+              <a:xfrm>
+                <a:off x="3241396" y="3450391"/>
+                <a:ext cx="1653145" cy="307777"/>
+              </a:xfrm>
+              <a:prstGeom prst="rect">
+                <a:avLst/>
+              </a:prstGeom>
+              <a:blipFill>
+                <a:blip r:embed="rId11"/>
+                <a:stretch>
+                  <a:fillRect b="-8000"/>
+                </a:stretch>
+              </a:blipFill>
+            </p:spPr>
+            <p:txBody>
+              <a:bodyPr/>
+              <a:lstStyle/>
+              <a:p>
+                <a:r>
+                  <a:rPr lang="en-AU">
+                    <a:noFill/>
+                  </a:rPr>
+                  <a:t> </a:t>
+                </a:r>
+              </a:p>
+            </p:txBody>
+          </p:sp>
+        </mc:Fallback>
+      </mc:AlternateContent>
+      <mc:AlternateContent xmlns:mc="http://schemas.openxmlformats.org/markup-compatibility/2006" xmlns:a14="http://schemas.microsoft.com/office/drawing/2010/main">
+        <mc:Choice Requires="a14">
+          <p:sp>
+            <p:nvSpPr>
+              <p:cNvPr id="23" name="TextBox 22">
+                <a:extLst>
+                  <a:ext uri="{FF2B5EF4-FFF2-40B4-BE49-F238E27FC236}">
+                    <a16:creationId xmlns:a16="http://schemas.microsoft.com/office/drawing/2014/main" id="{3764DBD4-6E62-FF63-99B7-AB8C09598129}"/>
+                  </a:ext>
+                </a:extLst>
+              </p:cNvPr>
+              <p:cNvSpPr txBox="1"/>
+              <p:nvPr/>
+            </p:nvSpPr>
+            <p:spPr>
+              <a:xfrm>
+                <a:off x="5396305" y="2507218"/>
+                <a:ext cx="1532022" cy="307777"/>
+              </a:xfrm>
+              <a:prstGeom prst="rect">
+                <a:avLst/>
+              </a:prstGeom>
+              <a:noFill/>
+            </p:spPr>
+            <p:txBody>
+              <a:bodyPr wrap="none" rtlCol="0">
+                <a:spAutoFit/>
+              </a:bodyPr>
+              <a:lstStyle/>
+              <a:p>
+                <a14:m>
+                  <m:oMath xmlns:m="http://schemas.openxmlformats.org/officeDocument/2006/math">
+                    <m:r>
+                      <a:rPr lang="en-US" sz="1400" i="1" dirty="0" smtClean="0">
+                        <a:latin typeface="Cambria Math" panose="02040503050406030204" pitchFamily="18" charset="0"/>
+                      </a:rPr>
+                      <m:t>𝑛</m:t>
+                    </m:r>
+                  </m:oMath>
+                </a14:m>
+                <a:r>
+                  <a:rPr lang="en-US" sz="1400" dirty="0"/>
+                  <a:t>, </a:t>
+                </a:r>
+                <a14:m>
+                  <m:oMath xmlns:m="http://schemas.openxmlformats.org/officeDocument/2006/math">
+                    <m:r>
+                      <a:rPr lang="en-US" sz="1400" i="1" dirty="0" smtClean="0">
+                        <a:latin typeface="Cambria Math" panose="02040503050406030204" pitchFamily="18" charset="0"/>
+                      </a:rPr>
+                      <m:t>3</m:t>
+                    </m:r>
+                    <m:r>
+                      <a:rPr lang="en-US" sz="1400" i="1" dirty="0" smtClean="0">
+                        <a:latin typeface="Cambria Math" panose="02040503050406030204" pitchFamily="18" charset="0"/>
+                      </a:rPr>
+                      <m:t>𝑛</m:t>
+                    </m:r>
+                  </m:oMath>
+                </a14:m>
+                <a:r>
+                  <a:rPr lang="en-US" sz="1400" dirty="0"/>
+                  <a:t>, </a:t>
+                </a:r>
+                <a14:m>
+                  <m:oMath xmlns:m="http://schemas.openxmlformats.org/officeDocument/2006/math">
+                    <m:r>
+                      <a:rPr lang="en-US" sz="1400" i="1" dirty="0" smtClean="0">
+                        <a:latin typeface="Cambria Math" panose="02040503050406030204" pitchFamily="18" charset="0"/>
+                      </a:rPr>
+                      <m:t>5</m:t>
+                    </m:r>
+                    <m:r>
+                      <a:rPr lang="en-US" sz="1400" i="1" dirty="0" smtClean="0">
+                        <a:latin typeface="Cambria Math" panose="02040503050406030204" pitchFamily="18" charset="0"/>
+                      </a:rPr>
+                      <m:t>𝑛</m:t>
+                    </m:r>
+                    <m:r>
+                      <a:rPr lang="en-US" sz="1400" i="1" dirty="0" smtClean="0">
+                        <a:latin typeface="Cambria Math" panose="02040503050406030204" pitchFamily="18" charset="0"/>
+                      </a:rPr>
+                      <m:t>+10</m:t>
+                    </m:r>
+                  </m:oMath>
+                </a14:m>
+                <a:r>
+                  <a:rPr lang="en-US" sz="1400" dirty="0"/>
+                  <a:t>, … </a:t>
+                </a:r>
+                <a:endParaRPr lang="en-CA" sz="1400" dirty="0"/>
+              </a:p>
+            </p:txBody>
+          </p:sp>
+        </mc:Choice>
+        <mc:Fallback xmlns="">
+          <p:sp>
+            <p:nvSpPr>
+              <p:cNvPr id="23" name="TextBox 22">
+                <a:extLst>
+                  <a:ext uri="{FF2B5EF4-FFF2-40B4-BE49-F238E27FC236}">
+                    <a16:creationId xmlns:a16="http://schemas.microsoft.com/office/drawing/2014/main" id="{3764DBD4-6E62-FF63-99B7-AB8C09598129}"/>
+                  </a:ext>
+                </a:extLst>
+              </p:cNvPr>
+              <p:cNvSpPr txBox="1">
+                <a:spLocks noRot="1" noChangeAspect="1" noMove="1" noResize="1" noEditPoints="1" noAdjustHandles="1" noChangeArrowheads="1" noChangeShapeType="1" noTextEdit="1"/>
+              </p:cNvSpPr>
+              <p:nvPr/>
+            </p:nvSpPr>
+            <p:spPr>
+              <a:xfrm>
+                <a:off x="5396305" y="2507218"/>
+                <a:ext cx="1532022" cy="307777"/>
+              </a:xfrm>
+              <a:prstGeom prst="rect">
+                <a:avLst/>
+              </a:prstGeom>
+              <a:blipFill>
+                <a:blip r:embed="rId12"/>
+                <a:stretch>
+                  <a:fillRect t="-1961" b="-19608"/>
+                </a:stretch>
+              </a:blipFill>
+            </p:spPr>
+            <p:txBody>
+              <a:bodyPr/>
+              <a:lstStyle/>
+              <a:p>
+                <a:r>
+                  <a:rPr lang="en-AU">
+                    <a:noFill/>
+                  </a:rPr>
+                  <a:t> </a:t>
+                </a:r>
+              </a:p>
+            </p:txBody>
+          </p:sp>
+        </mc:Fallback>
+      </mc:AlternateContent>
+      <mc:AlternateContent xmlns:mc="http://schemas.openxmlformats.org/markup-compatibility/2006" xmlns:a14="http://schemas.microsoft.com/office/drawing/2010/main">
+        <mc:Choice Requires="a14">
+          <p:sp>
+            <p:nvSpPr>
+              <p:cNvPr id="24" name="TextBox 23">
+                <a:extLst>
+                  <a:ext uri="{FF2B5EF4-FFF2-40B4-BE49-F238E27FC236}">
+                    <a16:creationId xmlns:a16="http://schemas.microsoft.com/office/drawing/2014/main" id="{BBE400AA-B0A0-119F-E9F0-BAF24868D361}"/>
+                  </a:ext>
+                </a:extLst>
+              </p:cNvPr>
+              <p:cNvSpPr txBox="1"/>
+              <p:nvPr/>
+            </p:nvSpPr>
+            <p:spPr>
+              <a:xfrm>
+                <a:off x="5441386" y="3032125"/>
+                <a:ext cx="1123962" cy="369332"/>
+              </a:xfrm>
+              <a:prstGeom prst="rect">
+                <a:avLst/>
+              </a:prstGeom>
+              <a:noFill/>
+            </p:spPr>
+            <p:txBody>
+              <a:bodyPr wrap="none" rtlCol="0">
+                <a:spAutoFit/>
+              </a:bodyPr>
+              <a:lstStyle/>
+              <a:p>
+                <a:pPr/>
+                <a14:m>
+                  <m:oMathPara xmlns:m="http://schemas.openxmlformats.org/officeDocument/2006/math">
+                    <m:oMathParaPr>
+                      <m:jc m:val="centerGroup"/>
+                    </m:oMathParaPr>
+                    <m:oMath xmlns:m="http://schemas.openxmlformats.org/officeDocument/2006/math">
+                      <m:r>
+                        <a:rPr lang="en-US" i="1" dirty="0" smtClean="0">
+                          <a:latin typeface="Cambria Math" panose="02040503050406030204" pitchFamily="18" charset="0"/>
+                        </a:rPr>
+                        <m:t>𝑛</m:t>
+                      </m:r>
+                      <m:r>
+                        <a:rPr lang="en-US" i="1" dirty="0" smtClean="0">
+                          <a:latin typeface="Cambria Math" panose="02040503050406030204" pitchFamily="18" charset="0"/>
+                        </a:rPr>
+                        <m:t>+</m:t>
+                      </m:r>
+                      <m:r>
+                        <m:rPr>
+                          <m:sty m:val="p"/>
+                        </m:rPr>
+                        <a:rPr lang="en-US" i="1" dirty="0" smtClean="0">
+                          <a:latin typeface="Cambria Math" panose="02040503050406030204" pitchFamily="18" charset="0"/>
+                        </a:rPr>
+                        <m:t>log</m:t>
+                      </m:r>
+                      <m:r>
+                        <a:rPr lang="en-US" i="1" dirty="0" smtClean="0">
+                          <a:latin typeface="Cambria Math" panose="02040503050406030204" pitchFamily="18" charset="0"/>
+                        </a:rPr>
+                        <m:t>⁡</m:t>
+                      </m:r>
+                      <m:r>
+                        <a:rPr lang="en-US" i="1" dirty="0" smtClean="0">
+                          <a:latin typeface="Cambria Math" panose="02040503050406030204" pitchFamily="18" charset="0"/>
+                        </a:rPr>
+                        <m:t>𝑛</m:t>
+                      </m:r>
+                    </m:oMath>
+                  </m:oMathPara>
+                </a14:m>
+                <a:endParaRPr lang="en-CA" dirty="0"/>
+              </a:p>
+            </p:txBody>
+          </p:sp>
+        </mc:Choice>
+        <mc:Fallback xmlns="">
+          <p:sp>
+            <p:nvSpPr>
+              <p:cNvPr id="24" name="TextBox 23">
+                <a:extLst>
+                  <a:ext uri="{FF2B5EF4-FFF2-40B4-BE49-F238E27FC236}">
+                    <a16:creationId xmlns:a16="http://schemas.microsoft.com/office/drawing/2014/main" id="{BBE400AA-B0A0-119F-E9F0-BAF24868D361}"/>
+                  </a:ext>
+                </a:extLst>
+              </p:cNvPr>
+              <p:cNvSpPr txBox="1">
+                <a:spLocks noRot="1" noChangeAspect="1" noMove="1" noResize="1" noEditPoints="1" noAdjustHandles="1" noChangeArrowheads="1" noChangeShapeType="1" noTextEdit="1"/>
+              </p:cNvSpPr>
+              <p:nvPr/>
+            </p:nvSpPr>
+            <p:spPr>
+              <a:xfrm>
+                <a:off x="5441386" y="3032125"/>
+                <a:ext cx="1123962" cy="369332"/>
+              </a:xfrm>
+              <a:prstGeom prst="rect">
+                <a:avLst/>
+              </a:prstGeom>
+              <a:blipFill>
+                <a:blip r:embed="rId13"/>
+                <a:stretch>
+                  <a:fillRect b="-13115"/>
+                </a:stretch>
+              </a:blipFill>
+            </p:spPr>
+            <p:txBody>
+              <a:bodyPr/>
+              <a:lstStyle/>
+              <a:p>
+                <a:r>
+                  <a:rPr lang="en-AU">
+                    <a:noFill/>
+                  </a:rPr>
+                  <a:t> </a:t>
+                </a:r>
+              </a:p>
+            </p:txBody>
+          </p:sp>
+        </mc:Fallback>
+      </mc:AlternateContent>
+      <mc:AlternateContent xmlns:mc="http://schemas.openxmlformats.org/markup-compatibility/2006" xmlns:a14="http://schemas.microsoft.com/office/drawing/2010/main">
+        <mc:Choice Requires="a14">
+          <p:sp>
+            <p:nvSpPr>
+              <p:cNvPr id="25" name="TextBox 24">
+                <a:extLst>
+                  <a:ext uri="{FF2B5EF4-FFF2-40B4-BE49-F238E27FC236}">
+                    <a16:creationId xmlns:a16="http://schemas.microsoft.com/office/drawing/2014/main" id="{840AD232-E953-93A3-DEA7-10732A8A1F25}"/>
+                  </a:ext>
+                </a:extLst>
+              </p:cNvPr>
+              <p:cNvSpPr txBox="1"/>
+              <p:nvPr/>
+            </p:nvSpPr>
+            <p:spPr>
+              <a:xfrm>
+                <a:off x="7013834" y="2564368"/>
+                <a:ext cx="1143198" cy="369332"/>
+              </a:xfrm>
+              <a:prstGeom prst="rect">
+                <a:avLst/>
+              </a:prstGeom>
+              <a:noFill/>
+            </p:spPr>
+            <p:txBody>
+              <a:bodyPr wrap="none" rtlCol="0">
+                <a:spAutoFit/>
+              </a:bodyPr>
+              <a:lstStyle/>
+              <a:p>
+                <a:pPr/>
+                <a14:m>
+                  <m:oMathPara xmlns:m="http://schemas.openxmlformats.org/officeDocument/2006/math">
+                    <m:oMathParaPr>
+                      <m:jc m:val="centerGroup"/>
+                    </m:oMathParaPr>
+                    <m:oMath xmlns:m="http://schemas.openxmlformats.org/officeDocument/2006/math">
+                      <m:r>
+                        <a:rPr lang="en-US" i="1" dirty="0" smtClean="0">
+                          <a:latin typeface="Cambria Math" panose="02040503050406030204" pitchFamily="18" charset="0"/>
+                        </a:rPr>
+                        <m:t>4</m:t>
+                      </m:r>
+                      <m:r>
+                        <a:rPr lang="en-US" i="1" dirty="0" smtClean="0">
+                          <a:latin typeface="Cambria Math" panose="02040503050406030204" pitchFamily="18" charset="0"/>
+                        </a:rPr>
+                        <m:t>𝑛</m:t>
+                      </m:r>
+                      <m:func>
+                        <m:funcPr>
+                          <m:ctrlPr>
+                            <a:rPr lang="en-US" i="1" dirty="0" smtClean="0">
+                              <a:latin typeface="Cambria Math" panose="02040503050406030204" pitchFamily="18" charset="0"/>
+                            </a:rPr>
+                          </m:ctrlPr>
+                        </m:funcPr>
+                        <m:fName>
+                          <m:r>
+                            <m:rPr>
+                              <m:sty m:val="p"/>
+                            </m:rPr>
+                            <a:rPr lang="en-US" i="0" dirty="0" smtClean="0">
+                              <a:latin typeface="Cambria Math" panose="02040503050406030204" pitchFamily="18" charset="0"/>
+                            </a:rPr>
+                            <m:t>log</m:t>
+                          </m:r>
+                        </m:fName>
+                        <m:e>
+                          <m:r>
+                            <a:rPr lang="en-CA" b="0" i="1" dirty="0" smtClean="0">
+                              <a:latin typeface="Cambria Math" panose="02040503050406030204" pitchFamily="18" charset="0"/>
+                            </a:rPr>
+                            <m:t>2</m:t>
+                          </m:r>
+                          <m:r>
+                            <a:rPr lang="en-CA" b="0" i="1" dirty="0" smtClean="0">
+                              <a:latin typeface="Cambria Math" panose="02040503050406030204" pitchFamily="18" charset="0"/>
+                            </a:rPr>
+                            <m:t>𝑛</m:t>
+                          </m:r>
+                        </m:e>
+                      </m:func>
+                    </m:oMath>
+                  </m:oMathPara>
+                </a14:m>
+                <a:endParaRPr lang="en-CA" dirty="0"/>
+              </a:p>
+            </p:txBody>
+          </p:sp>
+        </mc:Choice>
+        <mc:Fallback xmlns="">
+          <p:sp>
+            <p:nvSpPr>
+              <p:cNvPr id="25" name="TextBox 24">
+                <a:extLst>
+                  <a:ext uri="{FF2B5EF4-FFF2-40B4-BE49-F238E27FC236}">
+                    <a16:creationId xmlns:a16="http://schemas.microsoft.com/office/drawing/2014/main" id="{840AD232-E953-93A3-DEA7-10732A8A1F25}"/>
+                  </a:ext>
+                </a:extLst>
+              </p:cNvPr>
+              <p:cNvSpPr txBox="1">
+                <a:spLocks noRot="1" noChangeAspect="1" noMove="1" noResize="1" noEditPoints="1" noAdjustHandles="1" noChangeArrowheads="1" noChangeShapeType="1" noTextEdit="1"/>
+              </p:cNvSpPr>
+              <p:nvPr/>
+            </p:nvSpPr>
+            <p:spPr>
+              <a:xfrm>
+                <a:off x="7013834" y="2564368"/>
+                <a:ext cx="1143198" cy="369332"/>
+              </a:xfrm>
+              <a:prstGeom prst="rect">
+                <a:avLst/>
+              </a:prstGeom>
+              <a:blipFill>
+                <a:blip r:embed="rId14"/>
+                <a:stretch>
+                  <a:fillRect b="-13333"/>
+                </a:stretch>
+              </a:blipFill>
+            </p:spPr>
+            <p:txBody>
+              <a:bodyPr/>
+              <a:lstStyle/>
+              <a:p>
+                <a:r>
+                  <a:rPr lang="en-AU">
+                    <a:noFill/>
+                  </a:rPr>
+                  <a:t> </a:t>
+                </a:r>
+              </a:p>
+            </p:txBody>
+          </p:sp>
+        </mc:Fallback>
+      </mc:AlternateContent>
+      <mc:AlternateContent xmlns:mc="http://schemas.openxmlformats.org/markup-compatibility/2006" xmlns:a14="http://schemas.microsoft.com/office/drawing/2010/main">
+        <mc:Choice Requires="a14">
+          <p:sp>
+            <p:nvSpPr>
+              <p:cNvPr id="26" name="TextBox 25">
+                <a:extLst>
+                  <a:ext uri="{FF2B5EF4-FFF2-40B4-BE49-F238E27FC236}">
+                    <a16:creationId xmlns:a16="http://schemas.microsoft.com/office/drawing/2014/main" id="{F1F0687B-86B3-046B-A2C3-0FAC52017CB7}"/>
+                  </a:ext>
+                </a:extLst>
+              </p:cNvPr>
+              <p:cNvSpPr txBox="1"/>
+              <p:nvPr/>
+            </p:nvSpPr>
+            <p:spPr>
+              <a:xfrm>
+                <a:off x="6900822" y="3013470"/>
+                <a:ext cx="1299458" cy="369332"/>
+              </a:xfrm>
+              <a:prstGeom prst="rect">
+                <a:avLst/>
+              </a:prstGeom>
+              <a:noFill/>
+            </p:spPr>
+            <p:txBody>
+              <a:bodyPr wrap="none" rtlCol="0">
+                <a:spAutoFit/>
+              </a:bodyPr>
+              <a:lstStyle/>
+              <a:p>
+                <a:pPr/>
+                <a14:m>
+                  <m:oMathPara xmlns:m="http://schemas.openxmlformats.org/officeDocument/2006/math">
+                    <m:oMathParaPr>
+                      <m:jc m:val="centerGroup"/>
+                    </m:oMathParaPr>
+                    <m:oMath xmlns:m="http://schemas.openxmlformats.org/officeDocument/2006/math">
+                      <m:r>
+                        <a:rPr lang="en-US" i="1" dirty="0" smtClean="0">
+                          <a:latin typeface="Cambria Math" panose="02040503050406030204" pitchFamily="18" charset="0"/>
+                        </a:rPr>
+                        <m:t>𝑛</m:t>
+                      </m:r>
+                      <m:r>
+                        <a:rPr lang="en-US" i="1" dirty="0" smtClean="0">
+                          <a:latin typeface="Cambria Math" panose="02040503050406030204" pitchFamily="18" charset="0"/>
+                        </a:rPr>
+                        <m:t>+</m:t>
+                      </m:r>
+                      <m:r>
+                        <a:rPr lang="en-US" i="1" dirty="0" smtClean="0">
+                          <a:latin typeface="Cambria Math" panose="02040503050406030204" pitchFamily="18" charset="0"/>
+                        </a:rPr>
+                        <m:t>𝑛</m:t>
+                      </m:r>
+                      <m:func>
+                        <m:funcPr>
+                          <m:ctrlPr>
+                            <a:rPr lang="en-US" i="1" dirty="0" smtClean="0">
+                              <a:latin typeface="Cambria Math" panose="02040503050406030204" pitchFamily="18" charset="0"/>
+                            </a:rPr>
+                          </m:ctrlPr>
+                        </m:funcPr>
+                        <m:fName>
+                          <m:r>
+                            <m:rPr>
+                              <m:sty m:val="p"/>
+                            </m:rPr>
+                            <a:rPr lang="en-US" i="0" dirty="0" smtClean="0">
+                              <a:latin typeface="Cambria Math" panose="02040503050406030204" pitchFamily="18" charset="0"/>
+                            </a:rPr>
+                            <m:t>log</m:t>
+                          </m:r>
+                        </m:fName>
+                        <m:e>
+                          <m:r>
+                            <a:rPr lang="en-CA" b="0" i="1" dirty="0" smtClean="0">
+                              <a:latin typeface="Cambria Math" panose="02040503050406030204" pitchFamily="18" charset="0"/>
+                            </a:rPr>
+                            <m:t>𝑛</m:t>
+                          </m:r>
+                        </m:e>
+                      </m:func>
+                    </m:oMath>
+                  </m:oMathPara>
+                </a14:m>
+                <a:endParaRPr lang="en-CA" dirty="0"/>
+              </a:p>
+            </p:txBody>
+          </p:sp>
+        </mc:Choice>
+        <mc:Fallback xmlns="">
+          <p:sp>
+            <p:nvSpPr>
+              <p:cNvPr id="26" name="TextBox 25">
+                <a:extLst>
+                  <a:ext uri="{FF2B5EF4-FFF2-40B4-BE49-F238E27FC236}">
+                    <a16:creationId xmlns:a16="http://schemas.microsoft.com/office/drawing/2014/main" id="{F1F0687B-86B3-046B-A2C3-0FAC52017CB7}"/>
+                  </a:ext>
+                </a:extLst>
+              </p:cNvPr>
+              <p:cNvSpPr txBox="1">
+                <a:spLocks noRot="1" noChangeAspect="1" noMove="1" noResize="1" noEditPoints="1" noAdjustHandles="1" noChangeArrowheads="1" noChangeShapeType="1" noTextEdit="1"/>
+              </p:cNvSpPr>
+              <p:nvPr/>
+            </p:nvSpPr>
+            <p:spPr>
+              <a:xfrm>
+                <a:off x="6900822" y="3013470"/>
+                <a:ext cx="1299458" cy="369332"/>
+              </a:xfrm>
+              <a:prstGeom prst="rect">
+                <a:avLst/>
+              </a:prstGeom>
+              <a:blipFill>
+                <a:blip r:embed="rId15"/>
+                <a:stretch>
+                  <a:fillRect b="-13115"/>
+                </a:stretch>
+              </a:blipFill>
+            </p:spPr>
+            <p:txBody>
+              <a:bodyPr/>
+              <a:lstStyle/>
+              <a:p>
+                <a:r>
+                  <a:rPr lang="en-AU">
+                    <a:noFill/>
+                  </a:rPr>
+                  <a:t> </a:t>
+                </a:r>
+              </a:p>
+            </p:txBody>
+          </p:sp>
+        </mc:Fallback>
+      </mc:AlternateContent>
+      <mc:AlternateContent xmlns:mc="http://schemas.openxmlformats.org/markup-compatibility/2006" xmlns:a14="http://schemas.microsoft.com/office/drawing/2010/main">
+        <mc:Choice Requires="a14">
+          <p:sp>
+            <p:nvSpPr>
+              <p:cNvPr id="27" name="TextBox 26">
+                <a:extLst>
+                  <a:ext uri="{FF2B5EF4-FFF2-40B4-BE49-F238E27FC236}">
+                    <a16:creationId xmlns:a16="http://schemas.microsoft.com/office/drawing/2014/main" id="{46E86CC7-872F-420B-31E7-632488D37620}"/>
+                  </a:ext>
+                </a:extLst>
+              </p:cNvPr>
+              <p:cNvSpPr txBox="1"/>
+              <p:nvPr/>
+            </p:nvSpPr>
+            <p:spPr>
+              <a:xfrm>
+                <a:off x="8559052" y="2520820"/>
+                <a:ext cx="481927" cy="369332"/>
+              </a:xfrm>
+              <a:prstGeom prst="rect">
+                <a:avLst/>
+              </a:prstGeom>
+              <a:noFill/>
+            </p:spPr>
+            <p:txBody>
+              <a:bodyPr wrap="none" rtlCol="0">
+                <a:spAutoFit/>
+              </a:bodyPr>
+              <a:lstStyle/>
+              <a:p>
+                <a:pPr/>
+                <a14:m>
+                  <m:oMathPara xmlns:m="http://schemas.openxmlformats.org/officeDocument/2006/math">
+                    <m:oMathParaPr>
+                      <m:jc m:val="centerGroup"/>
+                    </m:oMathParaPr>
+                    <m:oMath xmlns:m="http://schemas.openxmlformats.org/officeDocument/2006/math">
+                      <m:sSup>
+                        <m:sSupPr>
+                          <m:ctrlPr>
+                            <a:rPr lang="en-US" i="1" smtClean="0">
+                              <a:latin typeface="Cambria Math" panose="02040503050406030204" pitchFamily="18" charset="0"/>
+                            </a:rPr>
+                          </m:ctrlPr>
+                        </m:sSupPr>
+                        <m:e>
+                          <m:r>
+                            <a:rPr lang="en-US" b="0" i="1" smtClean="0">
+                              <a:latin typeface="Cambria Math" panose="02040503050406030204" pitchFamily="18" charset="0"/>
+                            </a:rPr>
+                            <m:t>𝑛</m:t>
+                          </m:r>
+                        </m:e>
+                        <m:sup>
+                          <m:r>
+                            <a:rPr lang="en-US" b="0" i="1" smtClean="0">
+                              <a:latin typeface="Cambria Math" panose="02040503050406030204" pitchFamily="18" charset="0"/>
+                            </a:rPr>
+                            <m:t>2</m:t>
+                          </m:r>
+                        </m:sup>
+                      </m:sSup>
+                    </m:oMath>
+                  </m:oMathPara>
+                </a14:m>
+                <a:endParaRPr lang="en-CA" dirty="0"/>
+              </a:p>
+            </p:txBody>
+          </p:sp>
+        </mc:Choice>
+        <mc:Fallback xmlns="">
+          <p:sp>
+            <p:nvSpPr>
+              <p:cNvPr id="27" name="TextBox 26">
+                <a:extLst>
+                  <a:ext uri="{FF2B5EF4-FFF2-40B4-BE49-F238E27FC236}">
+                    <a16:creationId xmlns:a16="http://schemas.microsoft.com/office/drawing/2014/main" id="{46E86CC7-872F-420B-31E7-632488D37620}"/>
+                  </a:ext>
+                </a:extLst>
+              </p:cNvPr>
+              <p:cNvSpPr txBox="1">
+                <a:spLocks noRot="1" noChangeAspect="1" noMove="1" noResize="1" noEditPoints="1" noAdjustHandles="1" noChangeArrowheads="1" noChangeShapeType="1" noTextEdit="1"/>
+              </p:cNvSpPr>
+              <p:nvPr/>
+            </p:nvSpPr>
+            <p:spPr>
+              <a:xfrm>
+                <a:off x="8559052" y="2520820"/>
+                <a:ext cx="481927" cy="369332"/>
+              </a:xfrm>
+              <a:prstGeom prst="rect">
+                <a:avLst/>
+              </a:prstGeom>
+              <a:blipFill>
+                <a:blip r:embed="rId16"/>
+                <a:stretch>
+                  <a:fillRect/>
+                </a:stretch>
+              </a:blipFill>
+            </p:spPr>
+            <p:txBody>
+              <a:bodyPr/>
+              <a:lstStyle/>
+              <a:p>
+                <a:r>
+                  <a:rPr lang="en-CA">
+                    <a:noFill/>
+                  </a:rPr>
+                  <a:t> </a:t>
+                </a:r>
+              </a:p>
+            </p:txBody>
+          </p:sp>
+        </mc:Fallback>
+      </mc:AlternateContent>
+      <mc:AlternateContent xmlns:mc="http://schemas.openxmlformats.org/markup-compatibility/2006" xmlns:a14="http://schemas.microsoft.com/office/drawing/2010/main">
+        <mc:Choice Requires="a14">
+          <p:sp>
+            <p:nvSpPr>
+              <p:cNvPr id="28" name="TextBox 27">
+                <a:extLst>
+                  <a:ext uri="{FF2B5EF4-FFF2-40B4-BE49-F238E27FC236}">
+                    <a16:creationId xmlns:a16="http://schemas.microsoft.com/office/drawing/2014/main" id="{4A8E25F1-6C5F-42CB-976A-237D19FFE65C}"/>
+                  </a:ext>
+                </a:extLst>
+              </p:cNvPr>
+              <p:cNvSpPr txBox="1"/>
+              <p:nvPr/>
+            </p:nvSpPr>
+            <p:spPr>
+              <a:xfrm>
+                <a:off x="8225662" y="2948978"/>
+                <a:ext cx="1151149" cy="369332"/>
+              </a:xfrm>
+              <a:prstGeom prst="rect">
+                <a:avLst/>
+              </a:prstGeom>
+              <a:noFill/>
+            </p:spPr>
+            <p:txBody>
+              <a:bodyPr wrap="none" rtlCol="0">
+                <a:spAutoFit/>
+              </a:bodyPr>
+              <a:lstStyle/>
+              <a:p>
+                <a:pPr/>
+                <a14:m>
+                  <m:oMathPara xmlns:m="http://schemas.openxmlformats.org/officeDocument/2006/math">
+                    <m:oMathParaPr>
+                      <m:jc m:val="centerGroup"/>
+                    </m:oMathParaPr>
+                    <m:oMath xmlns:m="http://schemas.openxmlformats.org/officeDocument/2006/math">
+                      <m:r>
+                        <a:rPr lang="en-US" b="0" i="1" smtClean="0">
+                          <a:latin typeface="Cambria Math" panose="02040503050406030204" pitchFamily="18" charset="0"/>
+                        </a:rPr>
+                        <m:t>2</m:t>
+                      </m:r>
+                      <m:sSup>
+                        <m:sSupPr>
+                          <m:ctrlPr>
+                            <a:rPr lang="en-US" i="1" smtClean="0">
+                              <a:latin typeface="Cambria Math" panose="02040503050406030204" pitchFamily="18" charset="0"/>
+                            </a:rPr>
+                          </m:ctrlPr>
+                        </m:sSupPr>
+                        <m:e>
+                          <m:r>
+                            <a:rPr lang="en-US" b="0" i="1" smtClean="0">
+                              <a:latin typeface="Cambria Math" panose="02040503050406030204" pitchFamily="18" charset="0"/>
+                            </a:rPr>
+                            <m:t>𝑛</m:t>
+                          </m:r>
+                        </m:e>
+                        <m:sup>
+                          <m:r>
+                            <a:rPr lang="en-US" b="0" i="1" smtClean="0">
+                              <a:latin typeface="Cambria Math" panose="02040503050406030204" pitchFamily="18" charset="0"/>
+                            </a:rPr>
+                            <m:t>2</m:t>
+                          </m:r>
+                        </m:sup>
+                      </m:sSup>
+                      <m:r>
+                        <a:rPr lang="en-US" b="0" i="1" smtClean="0">
+                          <a:latin typeface="Cambria Math" panose="02040503050406030204" pitchFamily="18" charset="0"/>
+                        </a:rPr>
+                        <m:t>−3</m:t>
+                      </m:r>
+                      <m:r>
+                        <a:rPr lang="en-US" b="0" i="1" smtClean="0">
+                          <a:latin typeface="Cambria Math" panose="02040503050406030204" pitchFamily="18" charset="0"/>
+                        </a:rPr>
+                        <m:t>𝑛</m:t>
+                      </m:r>
+                    </m:oMath>
+                  </m:oMathPara>
+                </a14:m>
+                <a:endParaRPr lang="en-CA" dirty="0"/>
+              </a:p>
+            </p:txBody>
+          </p:sp>
+        </mc:Choice>
+        <mc:Fallback xmlns="">
+          <p:sp>
+            <p:nvSpPr>
+              <p:cNvPr id="28" name="TextBox 27">
+                <a:extLst>
+                  <a:ext uri="{FF2B5EF4-FFF2-40B4-BE49-F238E27FC236}">
+                    <a16:creationId xmlns:a16="http://schemas.microsoft.com/office/drawing/2014/main" id="{4A8E25F1-6C5F-42CB-976A-237D19FFE65C}"/>
+                  </a:ext>
+                </a:extLst>
+              </p:cNvPr>
+              <p:cNvSpPr txBox="1">
+                <a:spLocks noRot="1" noChangeAspect="1" noMove="1" noResize="1" noEditPoints="1" noAdjustHandles="1" noChangeArrowheads="1" noChangeShapeType="1" noTextEdit="1"/>
+              </p:cNvSpPr>
+              <p:nvPr/>
+            </p:nvSpPr>
+            <p:spPr>
+              <a:xfrm>
+                <a:off x="8225662" y="2948978"/>
+                <a:ext cx="1151149" cy="369332"/>
+              </a:xfrm>
+              <a:prstGeom prst="rect">
+                <a:avLst/>
+              </a:prstGeom>
+              <a:blipFill>
+                <a:blip r:embed="rId17"/>
+                <a:stretch>
+                  <a:fillRect/>
+                </a:stretch>
+              </a:blipFill>
+            </p:spPr>
+            <p:txBody>
+              <a:bodyPr/>
+              <a:lstStyle/>
+              <a:p>
+                <a:r>
+                  <a:rPr lang="en-CA">
+                    <a:noFill/>
+                  </a:rPr>
+                  <a:t> </a:t>
+                </a:r>
+              </a:p>
+            </p:txBody>
+          </p:sp>
+        </mc:Fallback>
+      </mc:AlternateContent>
+      <mc:AlternateContent xmlns:mc="http://schemas.openxmlformats.org/markup-compatibility/2006" xmlns:a14="http://schemas.microsoft.com/office/drawing/2010/main">
+        <mc:Choice Requires="a14">
+          <p:sp>
+            <p:nvSpPr>
+              <p:cNvPr id="29" name="TextBox 28">
+                <a:extLst>
+                  <a:ext uri="{FF2B5EF4-FFF2-40B4-BE49-F238E27FC236}">
+                    <a16:creationId xmlns:a16="http://schemas.microsoft.com/office/drawing/2014/main" id="{E5F8CB23-F313-4C6C-9D47-50951D6FB96E}"/>
+                  </a:ext>
+                </a:extLst>
+              </p:cNvPr>
+              <p:cNvSpPr txBox="1"/>
+              <p:nvPr/>
+            </p:nvSpPr>
+            <p:spPr>
+              <a:xfrm>
+                <a:off x="9664296" y="2558920"/>
+                <a:ext cx="499560" cy="369332"/>
+              </a:xfrm>
+              <a:prstGeom prst="rect">
+                <a:avLst/>
+              </a:prstGeom>
+              <a:noFill/>
+            </p:spPr>
+            <p:txBody>
+              <a:bodyPr wrap="none" rtlCol="0">
+                <a:spAutoFit/>
+              </a:bodyPr>
+              <a:lstStyle/>
+              <a:p>
+                <a:pPr/>
+                <a14:m>
+                  <m:oMathPara xmlns:m="http://schemas.openxmlformats.org/officeDocument/2006/math">
+                    <m:oMathParaPr>
+                      <m:jc m:val="centerGroup"/>
+                    </m:oMathParaPr>
+                    <m:oMath xmlns:m="http://schemas.openxmlformats.org/officeDocument/2006/math">
+                      <m:sSup>
+                        <m:sSupPr>
+                          <m:ctrlPr>
+                            <a:rPr lang="en-US" i="1" smtClean="0">
+                              <a:latin typeface="Cambria Math" panose="02040503050406030204" pitchFamily="18" charset="0"/>
+                            </a:rPr>
+                          </m:ctrlPr>
+                        </m:sSupPr>
+                        <m:e>
+                          <m:r>
+                            <a:rPr lang="en-US" b="0" i="1" smtClean="0">
+                              <a:latin typeface="Cambria Math" panose="02040503050406030204" pitchFamily="18" charset="0"/>
+                            </a:rPr>
+                            <m:t>𝑛</m:t>
+                          </m:r>
+                        </m:e>
+                        <m:sup>
+                          <m:r>
+                            <a:rPr lang="en-US" b="0" i="1" smtClean="0">
+                              <a:latin typeface="Cambria Math" panose="02040503050406030204" pitchFamily="18" charset="0"/>
+                            </a:rPr>
+                            <m:t>3</m:t>
+                          </m:r>
+                        </m:sup>
+                      </m:sSup>
+                    </m:oMath>
+                  </m:oMathPara>
+                </a14:m>
+                <a:endParaRPr lang="en-CA" dirty="0"/>
+              </a:p>
+            </p:txBody>
+          </p:sp>
+        </mc:Choice>
+        <mc:Fallback xmlns="">
+          <p:sp>
+            <p:nvSpPr>
+              <p:cNvPr id="29" name="TextBox 28">
+                <a:extLst>
+                  <a:ext uri="{FF2B5EF4-FFF2-40B4-BE49-F238E27FC236}">
+                    <a16:creationId xmlns:a16="http://schemas.microsoft.com/office/drawing/2014/main" id="{E5F8CB23-F313-4C6C-9D47-50951D6FB96E}"/>
+                  </a:ext>
+                </a:extLst>
+              </p:cNvPr>
+              <p:cNvSpPr txBox="1">
+                <a:spLocks noRot="1" noChangeAspect="1" noMove="1" noResize="1" noEditPoints="1" noAdjustHandles="1" noChangeArrowheads="1" noChangeShapeType="1" noTextEdit="1"/>
+              </p:cNvSpPr>
+              <p:nvPr/>
+            </p:nvSpPr>
+            <p:spPr>
+              <a:xfrm>
+                <a:off x="9664296" y="2558920"/>
+                <a:ext cx="499560" cy="369332"/>
+              </a:xfrm>
+              <a:prstGeom prst="rect">
+                <a:avLst/>
+              </a:prstGeom>
+              <a:blipFill>
+                <a:blip r:embed="rId18"/>
+                <a:stretch>
+                  <a:fillRect/>
+                </a:stretch>
+              </a:blipFill>
+            </p:spPr>
+            <p:txBody>
+              <a:bodyPr/>
+              <a:lstStyle/>
+              <a:p>
+                <a:r>
+                  <a:rPr lang="en-CA">
+                    <a:noFill/>
+                  </a:rPr>
+                  <a:t> </a:t>
+                </a:r>
+              </a:p>
+            </p:txBody>
+          </p:sp>
+        </mc:Fallback>
+      </mc:AlternateContent>
+      <mc:AlternateContent xmlns:mc="http://schemas.openxmlformats.org/markup-compatibility/2006" xmlns:a14="http://schemas.microsoft.com/office/drawing/2010/main">
+        <mc:Choice Requires="a14">
+          <p:sp>
+            <p:nvSpPr>
+              <p:cNvPr id="30" name="TextBox 29">
+                <a:extLst>
+                  <a:ext uri="{FF2B5EF4-FFF2-40B4-BE49-F238E27FC236}">
+                    <a16:creationId xmlns:a16="http://schemas.microsoft.com/office/drawing/2014/main" id="{524B3A36-10ED-084A-FEEB-607DF8205A9D}"/>
+                  </a:ext>
+                </a:extLst>
+              </p:cNvPr>
+              <p:cNvSpPr txBox="1"/>
+              <p:nvPr/>
+            </p:nvSpPr>
+            <p:spPr>
+              <a:xfrm>
+                <a:off x="9347567" y="2948978"/>
+                <a:ext cx="1405962" cy="369332"/>
+              </a:xfrm>
+              <a:prstGeom prst="rect">
+                <a:avLst/>
+              </a:prstGeom>
+              <a:noFill/>
+            </p:spPr>
+            <p:txBody>
+              <a:bodyPr wrap="none" rtlCol="0">
+                <a:spAutoFit/>
+              </a:bodyPr>
+              <a:lstStyle/>
+              <a:p>
+                <a:pPr/>
+                <a14:m>
+                  <m:oMathPara xmlns:m="http://schemas.openxmlformats.org/officeDocument/2006/math">
+                    <m:oMathParaPr>
+                      <m:jc m:val="centerGroup"/>
+                    </m:oMathParaPr>
+                    <m:oMath xmlns:m="http://schemas.openxmlformats.org/officeDocument/2006/math">
+                      <m:sSup>
+                        <m:sSupPr>
+                          <m:ctrlPr>
+                            <a:rPr lang="en-US" i="1" smtClean="0">
+                              <a:latin typeface="Cambria Math" panose="02040503050406030204" pitchFamily="18" charset="0"/>
+                            </a:rPr>
+                          </m:ctrlPr>
+                        </m:sSupPr>
+                        <m:e>
+                          <m:r>
+                            <a:rPr lang="en-US" b="0" i="1" smtClean="0">
+                              <a:latin typeface="Cambria Math" panose="02040503050406030204" pitchFamily="18" charset="0"/>
+                            </a:rPr>
+                            <m:t>𝑛</m:t>
+                          </m:r>
+                        </m:e>
+                        <m:sup>
+                          <m:r>
+                            <a:rPr lang="en-US" b="0" i="1" smtClean="0">
+                              <a:latin typeface="Cambria Math" panose="02040503050406030204" pitchFamily="18" charset="0"/>
+                            </a:rPr>
+                            <m:t>3</m:t>
+                          </m:r>
+                        </m:sup>
+                      </m:sSup>
+                      <m:r>
+                        <a:rPr lang="en-US" b="0" i="1" smtClean="0">
+                          <a:latin typeface="Cambria Math" panose="02040503050406030204" pitchFamily="18" charset="0"/>
+                        </a:rPr>
+                        <m:t>−</m:t>
+                      </m:r>
+                      <m:sSup>
+                        <m:sSupPr>
+                          <m:ctrlPr>
+                            <a:rPr lang="en-US" b="0" i="1" smtClean="0">
+                              <a:latin typeface="Cambria Math" panose="02040503050406030204" pitchFamily="18" charset="0"/>
+                            </a:rPr>
+                          </m:ctrlPr>
+                        </m:sSupPr>
+                        <m:e>
+                          <m:r>
+                            <a:rPr lang="en-US" b="0" i="1" smtClean="0">
+                              <a:latin typeface="Cambria Math" panose="02040503050406030204" pitchFamily="18" charset="0"/>
+                            </a:rPr>
+                            <m:t>𝑛</m:t>
+                          </m:r>
+                        </m:e>
+                        <m:sup>
+                          <m:r>
+                            <a:rPr lang="en-US" b="0" i="1" smtClean="0">
+                              <a:latin typeface="Cambria Math" panose="02040503050406030204" pitchFamily="18" charset="0"/>
+                            </a:rPr>
+                            <m:t>2</m:t>
+                          </m:r>
+                        </m:sup>
+                      </m:sSup>
+                      <m:r>
+                        <a:rPr lang="en-US" b="0" i="1" smtClean="0">
+                          <a:latin typeface="Cambria Math" panose="02040503050406030204" pitchFamily="18" charset="0"/>
+                        </a:rPr>
+                        <m:t>+5</m:t>
+                      </m:r>
+                    </m:oMath>
+                  </m:oMathPara>
+                </a14:m>
+                <a:endParaRPr lang="en-CA" dirty="0"/>
+              </a:p>
+            </p:txBody>
+          </p:sp>
+        </mc:Choice>
+        <mc:Fallback xmlns="">
+          <p:sp>
+            <p:nvSpPr>
+              <p:cNvPr id="30" name="TextBox 29">
+                <a:extLst>
+                  <a:ext uri="{FF2B5EF4-FFF2-40B4-BE49-F238E27FC236}">
+                    <a16:creationId xmlns:a16="http://schemas.microsoft.com/office/drawing/2014/main" id="{524B3A36-10ED-084A-FEEB-607DF8205A9D}"/>
+                  </a:ext>
+                </a:extLst>
+              </p:cNvPr>
+              <p:cNvSpPr txBox="1">
+                <a:spLocks noRot="1" noChangeAspect="1" noMove="1" noResize="1" noEditPoints="1" noAdjustHandles="1" noChangeArrowheads="1" noChangeShapeType="1" noTextEdit="1"/>
+              </p:cNvSpPr>
+              <p:nvPr/>
+            </p:nvSpPr>
+            <p:spPr>
+              <a:xfrm>
+                <a:off x="9347567" y="2948978"/>
+                <a:ext cx="1405962" cy="369332"/>
+              </a:xfrm>
+              <a:prstGeom prst="rect">
+                <a:avLst/>
+              </a:prstGeom>
+              <a:blipFill>
+                <a:blip r:embed="rId19"/>
+                <a:stretch>
+                  <a:fillRect/>
+                </a:stretch>
+              </a:blipFill>
+            </p:spPr>
+            <p:txBody>
+              <a:bodyPr/>
+              <a:lstStyle/>
+              <a:p>
+                <a:r>
+                  <a:rPr lang="en-CA">
+                    <a:noFill/>
+                  </a:rPr>
+                  <a:t> </a:t>
+                </a:r>
+              </a:p>
+            </p:txBody>
+          </p:sp>
+        </mc:Fallback>
+      </mc:AlternateContent>
+      <mc:AlternateContent xmlns:mc="http://schemas.openxmlformats.org/markup-compatibility/2006" xmlns:a14="http://schemas.microsoft.com/office/drawing/2010/main">
+        <mc:Choice Requires="a14">
+          <p:sp>
+            <p:nvSpPr>
+              <p:cNvPr id="31" name="TextBox 30">
+                <a:extLst>
+                  <a:ext uri="{FF2B5EF4-FFF2-40B4-BE49-F238E27FC236}">
+                    <a16:creationId xmlns:a16="http://schemas.microsoft.com/office/drawing/2014/main" id="{DE30817E-1599-C714-C5CA-5A7D705A3FBC}"/>
+                  </a:ext>
+                </a:extLst>
+              </p:cNvPr>
+              <p:cNvSpPr txBox="1"/>
+              <p:nvPr/>
+            </p:nvSpPr>
+            <p:spPr>
+              <a:xfrm>
+                <a:off x="11004607" y="2595820"/>
+                <a:ext cx="487248" cy="369332"/>
+              </a:xfrm>
+              <a:prstGeom prst="rect">
+                <a:avLst/>
+              </a:prstGeom>
+              <a:noFill/>
+            </p:spPr>
+            <p:txBody>
+              <a:bodyPr wrap="none" rtlCol="0">
+                <a:spAutoFit/>
+              </a:bodyPr>
+              <a:lstStyle/>
+              <a:p>
+                <a:pPr/>
+                <a14:m>
+                  <m:oMathPara xmlns:m="http://schemas.openxmlformats.org/officeDocument/2006/math">
+                    <m:oMathParaPr>
+                      <m:jc m:val="centerGroup"/>
+                    </m:oMathParaPr>
+                    <m:oMath xmlns:m="http://schemas.openxmlformats.org/officeDocument/2006/math">
+                      <m:sSup>
+                        <m:sSupPr>
+                          <m:ctrlPr>
+                            <a:rPr lang="en-US" i="1" smtClean="0">
+                              <a:latin typeface="Cambria Math" panose="02040503050406030204" pitchFamily="18" charset="0"/>
+                            </a:rPr>
+                          </m:ctrlPr>
+                        </m:sSupPr>
+                        <m:e>
+                          <m:r>
+                            <a:rPr lang="en-US" b="0" i="1" smtClean="0">
+                              <a:latin typeface="Cambria Math" panose="02040503050406030204" pitchFamily="18" charset="0"/>
+                            </a:rPr>
+                            <m:t>2</m:t>
+                          </m:r>
+                        </m:e>
+                        <m:sup>
+                          <m:r>
+                            <a:rPr lang="en-US" b="0" i="1" smtClean="0">
+                              <a:latin typeface="Cambria Math" panose="02040503050406030204" pitchFamily="18" charset="0"/>
+                            </a:rPr>
+                            <m:t>𝑛</m:t>
+                          </m:r>
+                        </m:sup>
+                      </m:sSup>
+                    </m:oMath>
+                  </m:oMathPara>
+                </a14:m>
+                <a:endParaRPr lang="en-CA" dirty="0"/>
+              </a:p>
+            </p:txBody>
+          </p:sp>
+        </mc:Choice>
+        <mc:Fallback xmlns="">
+          <p:sp>
+            <p:nvSpPr>
+              <p:cNvPr id="31" name="TextBox 30">
+                <a:extLst>
+                  <a:ext uri="{FF2B5EF4-FFF2-40B4-BE49-F238E27FC236}">
+                    <a16:creationId xmlns:a16="http://schemas.microsoft.com/office/drawing/2014/main" id="{DE30817E-1599-C714-C5CA-5A7D705A3FBC}"/>
+                  </a:ext>
+                </a:extLst>
+              </p:cNvPr>
+              <p:cNvSpPr txBox="1">
+                <a:spLocks noRot="1" noChangeAspect="1" noMove="1" noResize="1" noEditPoints="1" noAdjustHandles="1" noChangeArrowheads="1" noChangeShapeType="1" noTextEdit="1"/>
+              </p:cNvSpPr>
+              <p:nvPr/>
+            </p:nvSpPr>
+            <p:spPr>
+              <a:xfrm>
+                <a:off x="11004607" y="2595820"/>
+                <a:ext cx="487248" cy="369332"/>
+              </a:xfrm>
+              <a:prstGeom prst="rect">
+                <a:avLst/>
+              </a:prstGeom>
+              <a:blipFill>
+                <a:blip r:embed="rId20"/>
+                <a:stretch>
+                  <a:fillRect/>
+                </a:stretch>
+              </a:blipFill>
+            </p:spPr>
+            <p:txBody>
+              <a:bodyPr/>
+              <a:lstStyle/>
+              <a:p>
+                <a:r>
+                  <a:rPr lang="en-CA">
+                    <a:noFill/>
+                  </a:rPr>
+                  <a:t> </a:t>
+                </a:r>
+              </a:p>
+            </p:txBody>
+          </p:sp>
+        </mc:Fallback>
+      </mc:AlternateContent>
+      <mc:AlternateContent xmlns:mc="http://schemas.openxmlformats.org/markup-compatibility/2006" xmlns:a14="http://schemas.microsoft.com/office/drawing/2010/main">
+        <mc:Choice Requires="a14">
+          <p:sp>
+            <p:nvSpPr>
+              <p:cNvPr id="32" name="TextBox 31">
+                <a:extLst>
+                  <a:ext uri="{FF2B5EF4-FFF2-40B4-BE49-F238E27FC236}">
+                    <a16:creationId xmlns:a16="http://schemas.microsoft.com/office/drawing/2014/main" id="{B76C0C9B-F6E1-560F-6779-0181EAE8D067}"/>
+                  </a:ext>
+                </a:extLst>
+              </p:cNvPr>
+              <p:cNvSpPr txBox="1"/>
+              <p:nvPr/>
+            </p:nvSpPr>
+            <p:spPr>
+              <a:xfrm>
+                <a:off x="10654156" y="2981325"/>
+                <a:ext cx="1197957" cy="369332"/>
+              </a:xfrm>
+              <a:prstGeom prst="rect">
+                <a:avLst/>
+              </a:prstGeom>
+              <a:noFill/>
+            </p:spPr>
+            <p:txBody>
+              <a:bodyPr wrap="none" rtlCol="0">
+                <a:spAutoFit/>
+              </a:bodyPr>
+              <a:lstStyle/>
+              <a:p>
+                <a:pPr/>
+                <a14:m>
+                  <m:oMathPara xmlns:m="http://schemas.openxmlformats.org/officeDocument/2006/math">
+                    <m:oMathParaPr>
+                      <m:jc m:val="centerGroup"/>
+                    </m:oMathParaPr>
+                    <m:oMath xmlns:m="http://schemas.openxmlformats.org/officeDocument/2006/math">
+                      <m:sSup>
+                        <m:sSupPr>
+                          <m:ctrlPr>
+                            <a:rPr lang="en-US" i="1" smtClean="0">
+                              <a:latin typeface="Cambria Math" panose="02040503050406030204" pitchFamily="18" charset="0"/>
+                            </a:rPr>
+                          </m:ctrlPr>
+                        </m:sSupPr>
+                        <m:e>
+                          <m:r>
+                            <a:rPr lang="en-US" b="0" i="1" smtClean="0">
+                              <a:latin typeface="Cambria Math" panose="02040503050406030204" pitchFamily="18" charset="0"/>
+                            </a:rPr>
+                            <m:t>2</m:t>
+                          </m:r>
+                        </m:e>
+                        <m:sup>
+                          <m:r>
+                            <a:rPr lang="en-US" b="0" i="1" smtClean="0">
+                              <a:latin typeface="Cambria Math" panose="02040503050406030204" pitchFamily="18" charset="0"/>
+                            </a:rPr>
+                            <m:t>𝑛</m:t>
+                          </m:r>
+                        </m:sup>
+                      </m:sSup>
+                      <m:r>
+                        <a:rPr lang="en-US" b="0" i="1" smtClean="0">
+                          <a:latin typeface="Cambria Math" panose="02040503050406030204" pitchFamily="18" charset="0"/>
+                        </a:rPr>
+                        <m:t>+</m:t>
+                      </m:r>
+                      <m:sSup>
+                        <m:sSupPr>
+                          <m:ctrlPr>
+                            <a:rPr lang="en-US" b="0" i="1" smtClean="0">
+                              <a:latin typeface="Cambria Math" panose="02040503050406030204" pitchFamily="18" charset="0"/>
+                            </a:rPr>
+                          </m:ctrlPr>
+                        </m:sSupPr>
+                        <m:e>
+                          <m:r>
+                            <a:rPr lang="en-US" b="0" i="1" smtClean="0">
+                              <a:latin typeface="Cambria Math" panose="02040503050406030204" pitchFamily="18" charset="0"/>
+                            </a:rPr>
+                            <m:t>𝑛</m:t>
+                          </m:r>
+                        </m:e>
+                        <m:sup>
+                          <m:r>
+                            <a:rPr lang="en-US" b="0" i="1" smtClean="0">
+                              <a:latin typeface="Cambria Math" panose="02040503050406030204" pitchFamily="18" charset="0"/>
+                            </a:rPr>
+                            <m:t>100</m:t>
+                          </m:r>
+                        </m:sup>
+                      </m:sSup>
+                    </m:oMath>
+                  </m:oMathPara>
+                </a14:m>
+                <a:endParaRPr lang="en-CA" dirty="0"/>
+              </a:p>
+            </p:txBody>
+          </p:sp>
+        </mc:Choice>
+        <mc:Fallback xmlns="">
+          <p:sp>
+            <p:nvSpPr>
+              <p:cNvPr id="32" name="TextBox 31">
+                <a:extLst>
+                  <a:ext uri="{FF2B5EF4-FFF2-40B4-BE49-F238E27FC236}">
+                    <a16:creationId xmlns:a16="http://schemas.microsoft.com/office/drawing/2014/main" id="{B76C0C9B-F6E1-560F-6779-0181EAE8D067}"/>
+                  </a:ext>
+                </a:extLst>
+              </p:cNvPr>
+              <p:cNvSpPr txBox="1">
+                <a:spLocks noRot="1" noChangeAspect="1" noMove="1" noResize="1" noEditPoints="1" noAdjustHandles="1" noChangeArrowheads="1" noChangeShapeType="1" noTextEdit="1"/>
+              </p:cNvSpPr>
+              <p:nvPr/>
+            </p:nvSpPr>
+            <p:spPr>
+              <a:xfrm>
+                <a:off x="10654156" y="2981325"/>
+                <a:ext cx="1197957" cy="369332"/>
+              </a:xfrm>
+              <a:prstGeom prst="rect">
+                <a:avLst/>
+              </a:prstGeom>
+              <a:blipFill>
+                <a:blip r:embed="rId21"/>
+                <a:stretch>
+                  <a:fillRect/>
+                </a:stretch>
+              </a:blipFill>
+            </p:spPr>
+            <p:txBody>
+              <a:bodyPr/>
+              <a:lstStyle/>
+              <a:p>
+                <a:r>
+                  <a:rPr lang="en-CA">
+                    <a:noFill/>
+                  </a:rPr>
+                  <a:t> </a:t>
+                </a:r>
+              </a:p>
+            </p:txBody>
+          </p:sp>
+        </mc:Fallback>
+      </mc:AlternateContent>
+      <p:sp>
+        <p:nvSpPr>
+          <p:cNvPr id="33" name="TextBox 32">
+            <a:extLst>
+              <a:ext uri="{FF2B5EF4-FFF2-40B4-BE49-F238E27FC236}">
+                <a16:creationId xmlns:a16="http://schemas.microsoft.com/office/drawing/2014/main" id="{F0EEDC32-94B7-433A-B16A-AB90D705F914}"/>
+              </a:ext>
+            </a:extLst>
+          </p:cNvPr>
+          <p:cNvSpPr txBox="1"/>
+          <p:nvPr/>
+        </p:nvSpPr>
+        <p:spPr>
+          <a:xfrm>
+            <a:off x="5503921" y="3285947"/>
+            <a:ext cx="343364" cy="369332"/>
+          </a:xfrm>
+          <a:prstGeom prst="rect">
+            <a:avLst/>
+          </a:prstGeom>
+          <a:noFill/>
+        </p:spPr>
+        <p:txBody>
+          <a:bodyPr wrap="none" rtlCol="0">
+            <a:spAutoFit/>
+          </a:bodyPr>
+          <a:lstStyle/>
+          <a:p>
+            <a:r>
+              <a:rPr lang="en-US" dirty="0"/>
+              <a:t>…</a:t>
+            </a:r>
+            <a:endParaRPr lang="en-CA" dirty="0"/>
+          </a:p>
+        </p:txBody>
+      </p:sp>
+      <p:sp>
+        <p:nvSpPr>
+          <p:cNvPr id="34" name="TextBox 33">
+            <a:extLst>
+              <a:ext uri="{FF2B5EF4-FFF2-40B4-BE49-F238E27FC236}">
+                <a16:creationId xmlns:a16="http://schemas.microsoft.com/office/drawing/2014/main" id="{7D7BE493-484F-6025-02C4-DE2CED88E42B}"/>
+              </a:ext>
+            </a:extLst>
+          </p:cNvPr>
+          <p:cNvSpPr txBox="1"/>
+          <p:nvPr/>
+        </p:nvSpPr>
+        <p:spPr>
+          <a:xfrm>
+            <a:off x="7032473" y="3320651"/>
+            <a:ext cx="343364" cy="369332"/>
+          </a:xfrm>
+          <a:prstGeom prst="rect">
+            <a:avLst/>
+          </a:prstGeom>
+          <a:noFill/>
+        </p:spPr>
+        <p:txBody>
+          <a:bodyPr wrap="none" rtlCol="0">
+            <a:spAutoFit/>
+          </a:bodyPr>
+          <a:lstStyle/>
+          <a:p>
+            <a:r>
+              <a:rPr lang="en-US" dirty="0"/>
+              <a:t>…</a:t>
+            </a:r>
+            <a:endParaRPr lang="en-CA" dirty="0"/>
+          </a:p>
+        </p:txBody>
+      </p:sp>
+      <p:sp>
+        <p:nvSpPr>
+          <p:cNvPr id="35" name="TextBox 34">
+            <a:extLst>
+              <a:ext uri="{FF2B5EF4-FFF2-40B4-BE49-F238E27FC236}">
+                <a16:creationId xmlns:a16="http://schemas.microsoft.com/office/drawing/2014/main" id="{946DE708-8EED-DCEE-C36C-708E5FC96F54}"/>
+              </a:ext>
+            </a:extLst>
+          </p:cNvPr>
+          <p:cNvSpPr txBox="1"/>
+          <p:nvPr/>
+        </p:nvSpPr>
+        <p:spPr>
+          <a:xfrm>
+            <a:off x="8351916" y="3234947"/>
+            <a:ext cx="343364" cy="369332"/>
+          </a:xfrm>
+          <a:prstGeom prst="rect">
+            <a:avLst/>
+          </a:prstGeom>
+          <a:noFill/>
+        </p:spPr>
+        <p:txBody>
+          <a:bodyPr wrap="none" rtlCol="0">
+            <a:spAutoFit/>
+          </a:bodyPr>
+          <a:lstStyle/>
+          <a:p>
+            <a:r>
+              <a:rPr lang="en-US" dirty="0"/>
+              <a:t>…</a:t>
+            </a:r>
+            <a:endParaRPr lang="en-CA" dirty="0"/>
+          </a:p>
+        </p:txBody>
+      </p:sp>
+      <p:sp>
+        <p:nvSpPr>
+          <p:cNvPr id="36" name="TextBox 35">
+            <a:extLst>
+              <a:ext uri="{FF2B5EF4-FFF2-40B4-BE49-F238E27FC236}">
+                <a16:creationId xmlns:a16="http://schemas.microsoft.com/office/drawing/2014/main" id="{879758D1-EF46-DDB9-958F-CCCB24A46FA6}"/>
+              </a:ext>
+            </a:extLst>
+          </p:cNvPr>
+          <p:cNvSpPr txBox="1"/>
+          <p:nvPr/>
+        </p:nvSpPr>
+        <p:spPr>
+          <a:xfrm>
+            <a:off x="9635856" y="3285947"/>
+            <a:ext cx="343364" cy="369332"/>
+          </a:xfrm>
+          <a:prstGeom prst="rect">
+            <a:avLst/>
+          </a:prstGeom>
+          <a:noFill/>
+        </p:spPr>
+        <p:txBody>
+          <a:bodyPr wrap="square" rtlCol="0">
+            <a:spAutoFit/>
+          </a:bodyPr>
+          <a:lstStyle/>
+          <a:p>
+            <a:r>
+              <a:rPr lang="en-US" dirty="0"/>
+              <a:t>…</a:t>
+            </a:r>
+            <a:endParaRPr lang="en-CA" dirty="0"/>
+          </a:p>
+        </p:txBody>
+      </p:sp>
+      <p:sp>
+        <p:nvSpPr>
+          <p:cNvPr id="37" name="TextBox 36">
+            <a:extLst>
+              <a:ext uri="{FF2B5EF4-FFF2-40B4-BE49-F238E27FC236}">
+                <a16:creationId xmlns:a16="http://schemas.microsoft.com/office/drawing/2014/main" id="{37A7BD45-EAC8-1ADA-4B5C-3C11464B1F80}"/>
+              </a:ext>
+            </a:extLst>
+          </p:cNvPr>
+          <p:cNvSpPr txBox="1"/>
+          <p:nvPr/>
+        </p:nvSpPr>
+        <p:spPr>
+          <a:xfrm>
+            <a:off x="10832925" y="3286979"/>
+            <a:ext cx="343364" cy="369332"/>
+          </a:xfrm>
+          <a:prstGeom prst="rect">
+            <a:avLst/>
+          </a:prstGeom>
+          <a:noFill/>
+        </p:spPr>
+        <p:txBody>
+          <a:bodyPr wrap="none" rtlCol="0">
+            <a:spAutoFit/>
+          </a:bodyPr>
+          <a:lstStyle/>
+          <a:p>
+            <a:r>
+              <a:rPr lang="en-US" dirty="0"/>
+              <a:t>…</a:t>
+            </a:r>
+            <a:endParaRPr lang="en-CA" dirty="0"/>
+          </a:p>
+        </p:txBody>
+      </p:sp>
+      <p:sp>
+        <p:nvSpPr>
+          <p:cNvPr id="38" name="TextBox 37">
+            <a:extLst>
+              <a:ext uri="{FF2B5EF4-FFF2-40B4-BE49-F238E27FC236}">
+                <a16:creationId xmlns:a16="http://schemas.microsoft.com/office/drawing/2014/main" id="{29D041C3-FBE7-5CBB-008A-9A7B796B521C}"/>
+              </a:ext>
+            </a:extLst>
+          </p:cNvPr>
+          <p:cNvSpPr txBox="1"/>
+          <p:nvPr/>
+        </p:nvSpPr>
+        <p:spPr>
+          <a:xfrm>
+            <a:off x="3441468" y="3557160"/>
+            <a:ext cx="343364" cy="369332"/>
+          </a:xfrm>
+          <a:prstGeom prst="rect">
+            <a:avLst/>
+          </a:prstGeom>
+          <a:noFill/>
+        </p:spPr>
+        <p:txBody>
+          <a:bodyPr wrap="none" rtlCol="0">
+            <a:spAutoFit/>
+          </a:bodyPr>
+          <a:lstStyle/>
+          <a:p>
+            <a:r>
+              <a:rPr lang="en-US" dirty="0"/>
+              <a:t>…</a:t>
+            </a:r>
+            <a:endParaRPr lang="en-CA" dirty="0"/>
+          </a:p>
+        </p:txBody>
+      </p:sp>
+      <p:sp>
+        <p:nvSpPr>
+          <p:cNvPr id="2" name="TextBox 1">
+            <a:extLst>
+              <a:ext uri="{FF2B5EF4-FFF2-40B4-BE49-F238E27FC236}">
+                <a16:creationId xmlns:a16="http://schemas.microsoft.com/office/drawing/2014/main" id="{B6C709A7-1CEB-1B24-EB23-4FE81CB6AFD9}"/>
+              </a:ext>
+            </a:extLst>
+          </p:cNvPr>
+          <p:cNvSpPr txBox="1"/>
+          <p:nvPr/>
+        </p:nvSpPr>
+        <p:spPr>
+          <a:xfrm>
+            <a:off x="402084" y="306169"/>
+            <a:ext cx="2272408" cy="646331"/>
+          </a:xfrm>
+          <a:prstGeom prst="rect">
+            <a:avLst/>
+          </a:prstGeom>
+          <a:solidFill>
+            <a:schemeClr val="accent4">
+              <a:lumMod val="40000"/>
+              <a:lumOff val="60000"/>
+            </a:schemeClr>
+          </a:solidFill>
+          <a:ln>
+            <a:noFill/>
+          </a:ln>
+        </p:spPr>
+        <p:txBody>
+          <a:bodyPr wrap="square" rtlCol="0">
+            <a:spAutoFit/>
+          </a:bodyPr>
+          <a:lstStyle/>
+          <a:p>
+            <a:pPr algn="ctr"/>
+            <a:r>
+              <a:rPr lang="en-CA" sz="3600" dirty="0"/>
+              <a:t>O-notation</a:t>
+            </a:r>
+            <a:endParaRPr lang="en-CA" sz="3600" b="1" dirty="0"/>
+          </a:p>
+        </p:txBody>
+      </p:sp>
+      <p:sp>
+        <p:nvSpPr>
+          <p:cNvPr id="3" name="TextBox 2">
+            <a:extLst>
+              <a:ext uri="{FF2B5EF4-FFF2-40B4-BE49-F238E27FC236}">
+                <a16:creationId xmlns:a16="http://schemas.microsoft.com/office/drawing/2014/main" id="{E5AF268D-B748-EAC1-3527-3877F04CA822}"/>
+              </a:ext>
+            </a:extLst>
+          </p:cNvPr>
+          <p:cNvSpPr txBox="1"/>
+          <p:nvPr/>
+        </p:nvSpPr>
+        <p:spPr>
+          <a:xfrm>
+            <a:off x="1387435" y="5590538"/>
+            <a:ext cx="9231864" cy="923330"/>
+          </a:xfrm>
+          <a:prstGeom prst="rect">
+            <a:avLst/>
+          </a:prstGeom>
+          <a:solidFill>
+            <a:schemeClr val="accent4">
+              <a:lumMod val="40000"/>
+              <a:lumOff val="60000"/>
+            </a:schemeClr>
+          </a:solidFill>
+          <a:ln>
+            <a:noFill/>
+          </a:ln>
+        </p:spPr>
+        <p:txBody>
+          <a:bodyPr wrap="square" rtlCol="0">
+            <a:spAutoFit/>
+          </a:bodyPr>
+          <a:lstStyle/>
+          <a:p>
+            <a:pPr algn="ctr"/>
+            <a:r>
+              <a:rPr lang="en-CA" dirty="0"/>
+              <a:t>O-notation, also called asymptotic notation, is a popular way of talking about algorithm performance. Given an expression, O-notation “throws away” all the low-order terms and constants, leaving a simpler expression that is essentially true when n is large.</a:t>
+            </a:r>
+            <a:endParaRPr lang="en-CA" b="1" dirty="0"/>
+          </a:p>
+        </p:txBody>
+      </p:sp>
+    </p:spTree>
+    <p:extLst>
+      <p:ext uri="{BB962C8B-B14F-4D97-AF65-F5344CB8AC3E}">
+        <p14:creationId xmlns:p14="http://schemas.microsoft.com/office/powerpoint/2010/main" val="503681400"/>
+      </p:ext>
+    </p:extLst>
+  </p:cSld>
+  <p:clrMapOvr>
+    <a:masterClrMapping/>
+  </p:clrMapOvr>
+</p:sld>
+</file>
+
+<file path=ppt/slides/slide3.xml><?xml version="1.0" encoding="utf-8"?>
 <p:sld xmlns:a="http://schemas.openxmlformats.org/drawingml/2006/main" xmlns:r="http://schemas.openxmlformats.org/officeDocument/2006/relationships" xmlns:p="http://schemas.openxmlformats.org/presentationml/2006/main">
   <p:cSld>
     <p:spTree>
@@ -16174,7 +19516,7 @@
 </p:sld>
 </file>
 
-<file path=ppt/slides/slide3.xml><?xml version="1.0" encoding="utf-8"?>
+<file path=ppt/slides/slide4.xml><?xml version="1.0" encoding="utf-8"?>
 <p:sld xmlns:a="http://schemas.openxmlformats.org/drawingml/2006/main" xmlns:r="http://schemas.openxmlformats.org/officeDocument/2006/relationships" xmlns:p="http://schemas.openxmlformats.org/presentationml/2006/main">
   <p:cSld>
     <p:spTree>
@@ -16849,7 +20191,7 @@
 </p:sld>
 </file>
 
-<file path=ppt/slides/slide4.xml><?xml version="1.0" encoding="utf-8"?>
+<file path=ppt/slides/slide5.xml><?xml version="1.0" encoding="utf-8"?>
 <p:sld xmlns:a="http://schemas.openxmlformats.org/drawingml/2006/main" xmlns:r="http://schemas.openxmlformats.org/officeDocument/2006/relationships" xmlns:p="http://schemas.openxmlformats.org/presentationml/2006/main">
   <p:cSld>
     <p:spTree>
@@ -18419,7 +21761,7 @@
 </p:sld>
 </file>
 
-<file path=ppt/slides/slide5.xml><?xml version="1.0" encoding="utf-8"?>
+<file path=ppt/slides/slide6.xml><?xml version="1.0" encoding="utf-8"?>
 <p:sld xmlns:a="http://schemas.openxmlformats.org/drawingml/2006/main" xmlns:r="http://schemas.openxmlformats.org/officeDocument/2006/relationships" xmlns:p="http://schemas.openxmlformats.org/presentationml/2006/main">
   <p:cSld>
     <p:spTree>
@@ -21392,3220 +24734,6 @@
 </p:sld>
 </file>
 
-<file path=ppt/slides/slide6.xml><?xml version="1.0" encoding="utf-8"?>
-<p:sld xmlns:a="http://schemas.openxmlformats.org/drawingml/2006/main" xmlns:r="http://schemas.openxmlformats.org/officeDocument/2006/relationships" xmlns:p="http://schemas.openxmlformats.org/presentationml/2006/main">
-  <p:cSld>
-    <p:spTree>
-      <p:nvGrpSpPr>
-        <p:cNvPr id="1" name=""/>
-        <p:cNvGrpSpPr/>
-        <p:nvPr/>
-      </p:nvGrpSpPr>
-      <p:grpSpPr>
-        <a:xfrm>
-          <a:off x="0" y="0"/>
-          <a:ext cx="0" cy="0"/>
-          <a:chOff x="0" y="0"/>
-          <a:chExt cx="0" cy="0"/>
-        </a:xfrm>
-      </p:grpSpPr>
-      <p:sp>
-        <p:nvSpPr>
-          <p:cNvPr id="4" name="Oval 3">
-            <a:extLst>
-              <a:ext uri="{FF2B5EF4-FFF2-40B4-BE49-F238E27FC236}">
-                <a16:creationId xmlns:a16="http://schemas.microsoft.com/office/drawing/2014/main" id="{B830B7FA-C93C-9237-B37C-D6EC1F4B4315}"/>
-              </a:ext>
-            </a:extLst>
-          </p:cNvPr>
-          <p:cNvSpPr/>
-          <p:nvPr/>
-        </p:nvSpPr>
-        <p:spPr>
-          <a:xfrm>
-            <a:off x="1784350" y="1873250"/>
-            <a:ext cx="3657600" cy="1993900"/>
-          </a:xfrm>
-          <a:prstGeom prst="ellipse">
-            <a:avLst/>
-          </a:prstGeom>
-          <a:noFill/>
-        </p:spPr>
-        <p:style>
-          <a:lnRef idx="2">
-            <a:schemeClr val="accent1">
-              <a:shade val="50000"/>
-            </a:schemeClr>
-          </a:lnRef>
-          <a:fillRef idx="1">
-            <a:schemeClr val="accent1"/>
-          </a:fillRef>
-          <a:effectRef idx="0">
-            <a:schemeClr val="accent1"/>
-          </a:effectRef>
-          <a:fontRef idx="minor">
-            <a:schemeClr val="lt1"/>
-          </a:fontRef>
-        </p:style>
-        <p:txBody>
-          <a:bodyPr rtlCol="0" anchor="ctr"/>
-          <a:lstStyle/>
-          <a:p>
-            <a:pPr algn="ctr"/>
-            <a:endParaRPr lang="en-CA"/>
-          </a:p>
-        </p:txBody>
-      </p:sp>
-      <p:sp>
-        <p:nvSpPr>
-          <p:cNvPr id="5" name="Oval 4">
-            <a:extLst>
-              <a:ext uri="{FF2B5EF4-FFF2-40B4-BE49-F238E27FC236}">
-                <a16:creationId xmlns:a16="http://schemas.microsoft.com/office/drawing/2014/main" id="{910519ED-CB07-C84D-8195-E4E18321BD23}"/>
-              </a:ext>
-            </a:extLst>
-          </p:cNvPr>
-          <p:cNvSpPr/>
-          <p:nvPr/>
-        </p:nvSpPr>
-        <p:spPr>
-          <a:xfrm>
-            <a:off x="2048259" y="2209800"/>
-            <a:ext cx="2057400" cy="1314450"/>
-          </a:xfrm>
-          <a:prstGeom prst="ellipse">
-            <a:avLst/>
-          </a:prstGeom>
-          <a:noFill/>
-        </p:spPr>
-        <p:style>
-          <a:lnRef idx="2">
-            <a:schemeClr val="accent1">
-              <a:shade val="50000"/>
-            </a:schemeClr>
-          </a:lnRef>
-          <a:fillRef idx="1">
-            <a:schemeClr val="accent1"/>
-          </a:fillRef>
-          <a:effectRef idx="0">
-            <a:schemeClr val="accent1"/>
-          </a:effectRef>
-          <a:fontRef idx="minor">
-            <a:schemeClr val="lt1"/>
-          </a:fontRef>
-        </p:style>
-        <p:txBody>
-          <a:bodyPr rtlCol="0" anchor="ctr"/>
-          <a:lstStyle/>
-          <a:p>
-            <a:pPr algn="ctr"/>
-            <a:endParaRPr lang="en-CA"/>
-          </a:p>
-        </p:txBody>
-      </p:sp>
-      <p:sp>
-        <p:nvSpPr>
-          <p:cNvPr id="6" name="Oval 5">
-            <a:extLst>
-              <a:ext uri="{FF2B5EF4-FFF2-40B4-BE49-F238E27FC236}">
-                <a16:creationId xmlns:a16="http://schemas.microsoft.com/office/drawing/2014/main" id="{11DDD452-5082-5B87-ECF6-4CDA98C250F3}"/>
-              </a:ext>
-            </a:extLst>
-          </p:cNvPr>
-          <p:cNvSpPr/>
-          <p:nvPr/>
-        </p:nvSpPr>
-        <p:spPr>
-          <a:xfrm>
-            <a:off x="1428750" y="1625600"/>
-            <a:ext cx="5562600" cy="2489200"/>
-          </a:xfrm>
-          <a:prstGeom prst="ellipse">
-            <a:avLst/>
-          </a:prstGeom>
-          <a:noFill/>
-        </p:spPr>
-        <p:style>
-          <a:lnRef idx="2">
-            <a:schemeClr val="accent1">
-              <a:shade val="50000"/>
-            </a:schemeClr>
-          </a:lnRef>
-          <a:fillRef idx="1">
-            <a:schemeClr val="accent1"/>
-          </a:fillRef>
-          <a:effectRef idx="0">
-            <a:schemeClr val="accent1"/>
-          </a:effectRef>
-          <a:fontRef idx="minor">
-            <a:schemeClr val="lt1"/>
-          </a:fontRef>
-        </p:style>
-        <p:txBody>
-          <a:bodyPr rtlCol="0" anchor="ctr"/>
-          <a:lstStyle/>
-          <a:p>
-            <a:pPr algn="ctr"/>
-            <a:endParaRPr lang="en-CA"/>
-          </a:p>
-        </p:txBody>
-      </p:sp>
-      <p:sp>
-        <p:nvSpPr>
-          <p:cNvPr id="7" name="Oval 6">
-            <a:extLst>
-              <a:ext uri="{FF2B5EF4-FFF2-40B4-BE49-F238E27FC236}">
-                <a16:creationId xmlns:a16="http://schemas.microsoft.com/office/drawing/2014/main" id="{4740C134-821F-A8FC-6B13-84942B02873F}"/>
-              </a:ext>
-            </a:extLst>
-          </p:cNvPr>
-          <p:cNvSpPr/>
-          <p:nvPr/>
-        </p:nvSpPr>
-        <p:spPr>
-          <a:xfrm>
-            <a:off x="1136650" y="1254125"/>
-            <a:ext cx="7124700" cy="3232150"/>
-          </a:xfrm>
-          <a:prstGeom prst="ellipse">
-            <a:avLst/>
-          </a:prstGeom>
-          <a:noFill/>
-        </p:spPr>
-        <p:style>
-          <a:lnRef idx="2">
-            <a:schemeClr val="accent1">
-              <a:shade val="50000"/>
-            </a:schemeClr>
-          </a:lnRef>
-          <a:fillRef idx="1">
-            <a:schemeClr val="accent1"/>
-          </a:fillRef>
-          <a:effectRef idx="0">
-            <a:schemeClr val="accent1"/>
-          </a:effectRef>
-          <a:fontRef idx="minor">
-            <a:schemeClr val="lt1"/>
-          </a:fontRef>
-        </p:style>
-        <p:txBody>
-          <a:bodyPr rtlCol="0" anchor="ctr"/>
-          <a:lstStyle/>
-          <a:p>
-            <a:pPr algn="ctr"/>
-            <a:endParaRPr lang="en-CA"/>
-          </a:p>
-        </p:txBody>
-      </p:sp>
-      <p:sp>
-        <p:nvSpPr>
-          <p:cNvPr id="8" name="Oval 7">
-            <a:extLst>
-              <a:ext uri="{FF2B5EF4-FFF2-40B4-BE49-F238E27FC236}">
-                <a16:creationId xmlns:a16="http://schemas.microsoft.com/office/drawing/2014/main" id="{3A17DF82-AF91-78D4-CB26-610F56942917}"/>
-              </a:ext>
-            </a:extLst>
-          </p:cNvPr>
-          <p:cNvSpPr/>
-          <p:nvPr/>
-        </p:nvSpPr>
-        <p:spPr>
-          <a:xfrm>
-            <a:off x="892175" y="1076325"/>
-            <a:ext cx="8613776" cy="3587750"/>
-          </a:xfrm>
-          <a:prstGeom prst="ellipse">
-            <a:avLst/>
-          </a:prstGeom>
-          <a:noFill/>
-        </p:spPr>
-        <p:style>
-          <a:lnRef idx="2">
-            <a:schemeClr val="accent1">
-              <a:shade val="50000"/>
-            </a:schemeClr>
-          </a:lnRef>
-          <a:fillRef idx="1">
-            <a:schemeClr val="accent1"/>
-          </a:fillRef>
-          <a:effectRef idx="0">
-            <a:schemeClr val="accent1"/>
-          </a:effectRef>
-          <a:fontRef idx="minor">
-            <a:schemeClr val="lt1"/>
-          </a:fontRef>
-        </p:style>
-        <p:txBody>
-          <a:bodyPr rtlCol="0" anchor="ctr"/>
-          <a:lstStyle/>
-          <a:p>
-            <a:pPr algn="ctr"/>
-            <a:endParaRPr lang="en-CA"/>
-          </a:p>
-        </p:txBody>
-      </p:sp>
-      <p:sp>
-        <p:nvSpPr>
-          <p:cNvPr id="9" name="Oval 8">
-            <a:extLst>
-              <a:ext uri="{FF2B5EF4-FFF2-40B4-BE49-F238E27FC236}">
-                <a16:creationId xmlns:a16="http://schemas.microsoft.com/office/drawing/2014/main" id="{428F0B89-130A-C731-FCF1-B4230AFA45AF}"/>
-              </a:ext>
-            </a:extLst>
-          </p:cNvPr>
-          <p:cNvSpPr/>
-          <p:nvPr/>
-        </p:nvSpPr>
-        <p:spPr>
-          <a:xfrm>
-            <a:off x="766762" y="889000"/>
-            <a:ext cx="9886950" cy="4089400"/>
-          </a:xfrm>
-          <a:prstGeom prst="ellipse">
-            <a:avLst/>
-          </a:prstGeom>
-          <a:noFill/>
-        </p:spPr>
-        <p:style>
-          <a:lnRef idx="2">
-            <a:schemeClr val="accent1">
-              <a:shade val="50000"/>
-            </a:schemeClr>
-          </a:lnRef>
-          <a:fillRef idx="1">
-            <a:schemeClr val="accent1"/>
-          </a:fillRef>
-          <a:effectRef idx="0">
-            <a:schemeClr val="accent1"/>
-          </a:effectRef>
-          <a:fontRef idx="minor">
-            <a:schemeClr val="lt1"/>
-          </a:fontRef>
-        </p:style>
-        <p:txBody>
-          <a:bodyPr rtlCol="0" anchor="ctr"/>
-          <a:lstStyle/>
-          <a:p>
-            <a:pPr algn="ctr"/>
-            <a:endParaRPr lang="en-CA"/>
-          </a:p>
-        </p:txBody>
-      </p:sp>
-      <p:sp>
-        <p:nvSpPr>
-          <p:cNvPr id="10" name="Oval 9">
-            <a:extLst>
-              <a:ext uri="{FF2B5EF4-FFF2-40B4-BE49-F238E27FC236}">
-                <a16:creationId xmlns:a16="http://schemas.microsoft.com/office/drawing/2014/main" id="{67018F31-2305-2D90-70D7-82942364704E}"/>
-              </a:ext>
-            </a:extLst>
-          </p:cNvPr>
-          <p:cNvSpPr/>
-          <p:nvPr/>
-        </p:nvSpPr>
-        <p:spPr>
-          <a:xfrm>
-            <a:off x="641350" y="590550"/>
-            <a:ext cx="11201400" cy="4781550"/>
-          </a:xfrm>
-          <a:prstGeom prst="ellipse">
-            <a:avLst/>
-          </a:prstGeom>
-          <a:noFill/>
-        </p:spPr>
-        <p:style>
-          <a:lnRef idx="2">
-            <a:schemeClr val="accent1">
-              <a:shade val="50000"/>
-            </a:schemeClr>
-          </a:lnRef>
-          <a:fillRef idx="1">
-            <a:schemeClr val="accent1"/>
-          </a:fillRef>
-          <a:effectRef idx="0">
-            <a:schemeClr val="accent1"/>
-          </a:effectRef>
-          <a:fontRef idx="minor">
-            <a:schemeClr val="lt1"/>
-          </a:fontRef>
-        </p:style>
-        <p:txBody>
-          <a:bodyPr rtlCol="0" anchor="ctr"/>
-          <a:lstStyle/>
-          <a:p>
-            <a:pPr algn="ctr"/>
-            <a:endParaRPr lang="en-CA"/>
-          </a:p>
-        </p:txBody>
-      </p:sp>
-      <mc:AlternateContent xmlns:mc="http://schemas.openxmlformats.org/markup-compatibility/2006" xmlns:a14="http://schemas.microsoft.com/office/drawing/2010/main">
-        <mc:Choice Requires="a14">
-          <p:sp>
-            <p:nvSpPr>
-              <p:cNvPr id="11" name="TextBox 10">
-                <a:extLst>
-                  <a:ext uri="{FF2B5EF4-FFF2-40B4-BE49-F238E27FC236}">
-                    <a16:creationId xmlns:a16="http://schemas.microsoft.com/office/drawing/2014/main" id="{5C1C8C1E-E719-77B6-6D61-8A00948B5066}"/>
-                  </a:ext>
-                </a:extLst>
-              </p:cNvPr>
-              <p:cNvSpPr txBox="1"/>
-              <p:nvPr/>
-            </p:nvSpPr>
-            <p:spPr>
-              <a:xfrm>
-                <a:off x="2719794" y="2443718"/>
-                <a:ext cx="736099" cy="369332"/>
-              </a:xfrm>
-              <a:prstGeom prst="rect">
-                <a:avLst/>
-              </a:prstGeom>
-              <a:noFill/>
-            </p:spPr>
-            <p:txBody>
-              <a:bodyPr wrap="none" rtlCol="0">
-                <a:spAutoFit/>
-              </a:bodyPr>
-              <a:lstStyle/>
-              <a:p>
-                <a:pPr/>
-                <a14:m>
-                  <m:oMathPara xmlns:m="http://schemas.openxmlformats.org/officeDocument/2006/math">
-                    <m:oMathParaPr>
-                      <m:jc m:val="centerGroup"/>
-                    </m:oMathParaPr>
-                    <m:oMath xmlns:m="http://schemas.openxmlformats.org/officeDocument/2006/math">
-                      <m:r>
-                        <a:rPr lang="en-US" b="1" i="1" dirty="0" smtClean="0">
-                          <a:latin typeface="Cambria Math" panose="02040503050406030204" pitchFamily="18" charset="0"/>
-                        </a:rPr>
-                        <m:t>𝑶</m:t>
-                      </m:r>
-                      <m:r>
-                        <a:rPr lang="en-US" b="1" i="1" dirty="0" smtClean="0">
-                          <a:latin typeface="Cambria Math" panose="02040503050406030204" pitchFamily="18" charset="0"/>
-                        </a:rPr>
-                        <m:t>(</m:t>
-                      </m:r>
-                      <m:r>
-                        <a:rPr lang="en-US" b="1" i="1" dirty="0" smtClean="0">
-                          <a:latin typeface="Cambria Math" panose="02040503050406030204" pitchFamily="18" charset="0"/>
-                        </a:rPr>
-                        <m:t>𝟏</m:t>
-                      </m:r>
-                      <m:r>
-                        <a:rPr lang="en-US" b="1" i="1" dirty="0" smtClean="0">
-                          <a:latin typeface="Cambria Math" panose="02040503050406030204" pitchFamily="18" charset="0"/>
-                        </a:rPr>
-                        <m:t>)</m:t>
-                      </m:r>
-                    </m:oMath>
-                  </m:oMathPara>
-                </a14:m>
-                <a:endParaRPr lang="en-CA" b="1" dirty="0"/>
-              </a:p>
-            </p:txBody>
-          </p:sp>
-        </mc:Choice>
-        <mc:Fallback xmlns="">
-          <p:sp>
-            <p:nvSpPr>
-              <p:cNvPr id="11" name="TextBox 10">
-                <a:extLst>
-                  <a:ext uri="{FF2B5EF4-FFF2-40B4-BE49-F238E27FC236}">
-                    <a16:creationId xmlns:a16="http://schemas.microsoft.com/office/drawing/2014/main" id="{5C1C8C1E-E719-77B6-6D61-8A00948B5066}"/>
-                  </a:ext>
-                </a:extLst>
-              </p:cNvPr>
-              <p:cNvSpPr txBox="1">
-                <a:spLocks noRot="1" noChangeAspect="1" noMove="1" noResize="1" noEditPoints="1" noAdjustHandles="1" noChangeArrowheads="1" noChangeShapeType="1" noTextEdit="1"/>
-              </p:cNvSpPr>
-              <p:nvPr/>
-            </p:nvSpPr>
-            <p:spPr>
-              <a:xfrm>
-                <a:off x="2719794" y="2443718"/>
-                <a:ext cx="736099" cy="369332"/>
-              </a:xfrm>
-              <a:prstGeom prst="rect">
-                <a:avLst/>
-              </a:prstGeom>
-              <a:blipFill>
-                <a:blip r:embed="rId2"/>
-                <a:stretch>
-                  <a:fillRect b="-13333"/>
-                </a:stretch>
-              </a:blipFill>
-            </p:spPr>
-            <p:txBody>
-              <a:bodyPr/>
-              <a:lstStyle/>
-              <a:p>
-                <a:r>
-                  <a:rPr lang="en-AU">
-                    <a:noFill/>
-                  </a:rPr>
-                  <a:t> </a:t>
-                </a:r>
-              </a:p>
-            </p:txBody>
-          </p:sp>
-        </mc:Fallback>
-      </mc:AlternateContent>
-      <mc:AlternateContent xmlns:mc="http://schemas.openxmlformats.org/markup-compatibility/2006" xmlns:a14="http://schemas.microsoft.com/office/drawing/2010/main">
-        <mc:Choice Requires="a14">
-          <p:sp>
-            <p:nvSpPr>
-              <p:cNvPr id="12" name="TextBox 11">
-                <a:extLst>
-                  <a:ext uri="{FF2B5EF4-FFF2-40B4-BE49-F238E27FC236}">
-                    <a16:creationId xmlns:a16="http://schemas.microsoft.com/office/drawing/2014/main" id="{80DF1E57-5C01-3D92-D8F1-542D1E0337B9}"/>
-                  </a:ext>
-                </a:extLst>
-              </p:cNvPr>
-              <p:cNvSpPr txBox="1"/>
-              <p:nvPr/>
-            </p:nvSpPr>
-            <p:spPr>
-              <a:xfrm>
-                <a:off x="3775884" y="2063908"/>
-                <a:ext cx="1119217" cy="369332"/>
-              </a:xfrm>
-              <a:prstGeom prst="rect">
-                <a:avLst/>
-              </a:prstGeom>
-              <a:noFill/>
-            </p:spPr>
-            <p:txBody>
-              <a:bodyPr wrap="none" rtlCol="0">
-                <a:spAutoFit/>
-              </a:bodyPr>
-              <a:lstStyle/>
-              <a:p>
-                <a:pPr/>
-                <a14:m>
-                  <m:oMathPara xmlns:m="http://schemas.openxmlformats.org/officeDocument/2006/math">
-                    <m:oMathParaPr>
-                      <m:jc m:val="centerGroup"/>
-                    </m:oMathParaPr>
-                    <m:oMath xmlns:m="http://schemas.openxmlformats.org/officeDocument/2006/math">
-                      <m:r>
-                        <a:rPr lang="en-US" b="1" i="1" dirty="0" smtClean="0">
-                          <a:latin typeface="Cambria Math" panose="02040503050406030204" pitchFamily="18" charset="0"/>
-                        </a:rPr>
-                        <m:t>𝑶</m:t>
-                      </m:r>
-                      <m:r>
-                        <a:rPr lang="en-US" b="1" i="1" dirty="0" smtClean="0">
-                          <a:latin typeface="Cambria Math" panose="02040503050406030204" pitchFamily="18" charset="0"/>
-                        </a:rPr>
-                        <m:t>(</m:t>
-                      </m:r>
-                      <m:func>
-                        <m:funcPr>
-                          <m:ctrlPr>
-                            <a:rPr lang="en-US" b="1" i="1" dirty="0" smtClean="0">
-                              <a:latin typeface="Cambria Math" panose="02040503050406030204" pitchFamily="18" charset="0"/>
-                            </a:rPr>
-                          </m:ctrlPr>
-                        </m:funcPr>
-                        <m:fName>
-                          <m:r>
-                            <a:rPr lang="en-US" b="1" i="0" dirty="0" smtClean="0">
-                              <a:latin typeface="Cambria Math" panose="02040503050406030204" pitchFamily="18" charset="0"/>
-                            </a:rPr>
-                            <m:t>𝐥𝐨𝐠</m:t>
-                          </m:r>
-                        </m:fName>
-                        <m:e>
-                          <m:r>
-                            <a:rPr lang="en-CA" b="1" i="1" dirty="0" smtClean="0">
-                              <a:latin typeface="Cambria Math" panose="02040503050406030204" pitchFamily="18" charset="0"/>
-                            </a:rPr>
-                            <m:t>𝒏</m:t>
-                          </m:r>
-                        </m:e>
-                      </m:func>
-                      <m:r>
-                        <a:rPr lang="en-US" b="1" i="1" dirty="0" smtClean="0">
-                          <a:latin typeface="Cambria Math" panose="02040503050406030204" pitchFamily="18" charset="0"/>
-                        </a:rPr>
-                        <m:t>)</m:t>
-                      </m:r>
-                    </m:oMath>
-                  </m:oMathPara>
-                </a14:m>
-                <a:endParaRPr lang="en-CA" b="1" dirty="0"/>
-              </a:p>
-            </p:txBody>
-          </p:sp>
-        </mc:Choice>
-        <mc:Fallback xmlns="">
-          <p:sp>
-            <p:nvSpPr>
-              <p:cNvPr id="12" name="TextBox 11">
-                <a:extLst>
-                  <a:ext uri="{FF2B5EF4-FFF2-40B4-BE49-F238E27FC236}">
-                    <a16:creationId xmlns:a16="http://schemas.microsoft.com/office/drawing/2014/main" id="{80DF1E57-5C01-3D92-D8F1-542D1E0337B9}"/>
-                  </a:ext>
-                </a:extLst>
-              </p:cNvPr>
-              <p:cNvSpPr txBox="1">
-                <a:spLocks noRot="1" noChangeAspect="1" noMove="1" noResize="1" noEditPoints="1" noAdjustHandles="1" noChangeArrowheads="1" noChangeShapeType="1" noTextEdit="1"/>
-              </p:cNvSpPr>
-              <p:nvPr/>
-            </p:nvSpPr>
-            <p:spPr>
-              <a:xfrm>
-                <a:off x="3775884" y="2063908"/>
-                <a:ext cx="1119217" cy="369332"/>
-              </a:xfrm>
-              <a:prstGeom prst="rect">
-                <a:avLst/>
-              </a:prstGeom>
-              <a:blipFill>
-                <a:blip r:embed="rId3"/>
-                <a:stretch>
-                  <a:fillRect b="-15000"/>
-                </a:stretch>
-              </a:blipFill>
-            </p:spPr>
-            <p:txBody>
-              <a:bodyPr/>
-              <a:lstStyle/>
-              <a:p>
-                <a:r>
-                  <a:rPr lang="en-AU">
-                    <a:noFill/>
-                  </a:rPr>
-                  <a:t> </a:t>
-                </a:r>
-              </a:p>
-            </p:txBody>
-          </p:sp>
-        </mc:Fallback>
-      </mc:AlternateContent>
-      <mc:AlternateContent xmlns:mc="http://schemas.openxmlformats.org/markup-compatibility/2006" xmlns:a14="http://schemas.microsoft.com/office/drawing/2010/main">
-        <mc:Choice Requires="a14">
-          <p:sp>
-            <p:nvSpPr>
-              <p:cNvPr id="13" name="TextBox 12">
-                <a:extLst>
-                  <a:ext uri="{FF2B5EF4-FFF2-40B4-BE49-F238E27FC236}">
-                    <a16:creationId xmlns:a16="http://schemas.microsoft.com/office/drawing/2014/main" id="{0761CA13-375F-BBB0-504E-5CE13DB307BA}"/>
-                  </a:ext>
-                </a:extLst>
-              </p:cNvPr>
-              <p:cNvSpPr txBox="1"/>
-              <p:nvPr/>
-            </p:nvSpPr>
-            <p:spPr>
-              <a:xfrm>
-                <a:off x="5415986" y="2031484"/>
-                <a:ext cx="747320" cy="369332"/>
-              </a:xfrm>
-              <a:prstGeom prst="rect">
-                <a:avLst/>
-              </a:prstGeom>
-              <a:noFill/>
-            </p:spPr>
-            <p:txBody>
-              <a:bodyPr wrap="none" rtlCol="0">
-                <a:spAutoFit/>
-              </a:bodyPr>
-              <a:lstStyle/>
-              <a:p>
-                <a:pPr/>
-                <a14:m>
-                  <m:oMathPara xmlns:m="http://schemas.openxmlformats.org/officeDocument/2006/math">
-                    <m:oMathParaPr>
-                      <m:jc m:val="centerGroup"/>
-                    </m:oMathParaPr>
-                    <m:oMath xmlns:m="http://schemas.openxmlformats.org/officeDocument/2006/math">
-                      <m:r>
-                        <a:rPr lang="en-US" b="1" i="1" dirty="0" smtClean="0">
-                          <a:latin typeface="Cambria Math" panose="02040503050406030204" pitchFamily="18" charset="0"/>
-                        </a:rPr>
-                        <m:t>𝑶</m:t>
-                      </m:r>
-                      <m:r>
-                        <a:rPr lang="en-US" b="1" i="1" dirty="0" smtClean="0">
-                          <a:latin typeface="Cambria Math" panose="02040503050406030204" pitchFamily="18" charset="0"/>
-                        </a:rPr>
-                        <m:t>(</m:t>
-                      </m:r>
-                      <m:r>
-                        <a:rPr lang="en-US" b="1" i="1" dirty="0" smtClean="0">
-                          <a:latin typeface="Cambria Math" panose="02040503050406030204" pitchFamily="18" charset="0"/>
-                        </a:rPr>
-                        <m:t>𝒏</m:t>
-                      </m:r>
-                      <m:r>
-                        <a:rPr lang="en-US" b="1" i="1" dirty="0" smtClean="0">
-                          <a:latin typeface="Cambria Math" panose="02040503050406030204" pitchFamily="18" charset="0"/>
-                        </a:rPr>
-                        <m:t>)</m:t>
-                      </m:r>
-                    </m:oMath>
-                  </m:oMathPara>
-                </a14:m>
-                <a:endParaRPr lang="en-CA" b="1" dirty="0"/>
-              </a:p>
-            </p:txBody>
-          </p:sp>
-        </mc:Choice>
-        <mc:Fallback xmlns="">
-          <p:sp>
-            <p:nvSpPr>
-              <p:cNvPr id="13" name="TextBox 12">
-                <a:extLst>
-                  <a:ext uri="{FF2B5EF4-FFF2-40B4-BE49-F238E27FC236}">
-                    <a16:creationId xmlns:a16="http://schemas.microsoft.com/office/drawing/2014/main" id="{0761CA13-375F-BBB0-504E-5CE13DB307BA}"/>
-                  </a:ext>
-                </a:extLst>
-              </p:cNvPr>
-              <p:cNvSpPr txBox="1">
-                <a:spLocks noRot="1" noChangeAspect="1" noMove="1" noResize="1" noEditPoints="1" noAdjustHandles="1" noChangeArrowheads="1" noChangeShapeType="1" noTextEdit="1"/>
-              </p:cNvSpPr>
-              <p:nvPr/>
-            </p:nvSpPr>
-            <p:spPr>
-              <a:xfrm>
-                <a:off x="5415986" y="2031484"/>
-                <a:ext cx="747320" cy="369332"/>
-              </a:xfrm>
-              <a:prstGeom prst="rect">
-                <a:avLst/>
-              </a:prstGeom>
-              <a:blipFill>
-                <a:blip r:embed="rId4"/>
-                <a:stretch>
-                  <a:fillRect b="-13115"/>
-                </a:stretch>
-              </a:blipFill>
-            </p:spPr>
-            <p:txBody>
-              <a:bodyPr/>
-              <a:lstStyle/>
-              <a:p>
-                <a:r>
-                  <a:rPr lang="en-AU">
-                    <a:noFill/>
-                  </a:rPr>
-                  <a:t> </a:t>
-                </a:r>
-              </a:p>
-            </p:txBody>
-          </p:sp>
-        </mc:Fallback>
-      </mc:AlternateContent>
-      <mc:AlternateContent xmlns:mc="http://schemas.openxmlformats.org/markup-compatibility/2006" xmlns:a14="http://schemas.microsoft.com/office/drawing/2010/main">
-        <mc:Choice Requires="a14">
-          <p:sp>
-            <p:nvSpPr>
-              <p:cNvPr id="14" name="TextBox 13">
-                <a:extLst>
-                  <a:ext uri="{FF2B5EF4-FFF2-40B4-BE49-F238E27FC236}">
-                    <a16:creationId xmlns:a16="http://schemas.microsoft.com/office/drawing/2014/main" id="{7F52EC7B-B798-59DD-5B3D-09483C1B68B7}"/>
-                  </a:ext>
-                </a:extLst>
-              </p:cNvPr>
-              <p:cNvSpPr txBox="1"/>
-              <p:nvPr/>
-            </p:nvSpPr>
-            <p:spPr>
-              <a:xfrm>
-                <a:off x="6651583" y="2031484"/>
-                <a:ext cx="1306768" cy="369332"/>
-              </a:xfrm>
-              <a:prstGeom prst="rect">
-                <a:avLst/>
-              </a:prstGeom>
-              <a:noFill/>
-            </p:spPr>
-            <p:txBody>
-              <a:bodyPr wrap="none" rtlCol="0">
-                <a:spAutoFit/>
-              </a:bodyPr>
-              <a:lstStyle/>
-              <a:p>
-                <a:pPr/>
-                <a14:m>
-                  <m:oMathPara xmlns:m="http://schemas.openxmlformats.org/officeDocument/2006/math">
-                    <m:oMathParaPr>
-                      <m:jc m:val="centerGroup"/>
-                    </m:oMathParaPr>
-                    <m:oMath xmlns:m="http://schemas.openxmlformats.org/officeDocument/2006/math">
-                      <m:r>
-                        <a:rPr lang="en-US" b="1" i="1" dirty="0" smtClean="0">
-                          <a:latin typeface="Cambria Math" panose="02040503050406030204" pitchFamily="18" charset="0"/>
-                        </a:rPr>
-                        <m:t>𝑶</m:t>
-                      </m:r>
-                      <m:r>
-                        <a:rPr lang="en-US" b="1" i="1" dirty="0" smtClean="0">
-                          <a:latin typeface="Cambria Math" panose="02040503050406030204" pitchFamily="18" charset="0"/>
-                        </a:rPr>
-                        <m:t>(</m:t>
-                      </m:r>
-                      <m:r>
-                        <a:rPr lang="en-US" b="1" i="1" dirty="0" smtClean="0">
-                          <a:latin typeface="Cambria Math" panose="02040503050406030204" pitchFamily="18" charset="0"/>
-                        </a:rPr>
-                        <m:t>𝒏</m:t>
-                      </m:r>
-                      <m:func>
-                        <m:funcPr>
-                          <m:ctrlPr>
-                            <a:rPr lang="en-US" b="1" i="1" dirty="0" smtClean="0">
-                              <a:latin typeface="Cambria Math" panose="02040503050406030204" pitchFamily="18" charset="0"/>
-                            </a:rPr>
-                          </m:ctrlPr>
-                        </m:funcPr>
-                        <m:fName>
-                          <m:r>
-                            <a:rPr lang="en-US" b="1" i="0" dirty="0" smtClean="0">
-                              <a:latin typeface="Cambria Math" panose="02040503050406030204" pitchFamily="18" charset="0"/>
-                            </a:rPr>
-                            <m:t>𝐥𝐨𝐠</m:t>
-                          </m:r>
-                        </m:fName>
-                        <m:e>
-                          <m:r>
-                            <a:rPr lang="en-CA" b="1" i="1" dirty="0" smtClean="0">
-                              <a:latin typeface="Cambria Math" panose="02040503050406030204" pitchFamily="18" charset="0"/>
-                            </a:rPr>
-                            <m:t>𝒏</m:t>
-                          </m:r>
-                        </m:e>
-                      </m:func>
-                      <m:r>
-                        <a:rPr lang="en-US" b="1" i="1" dirty="0" smtClean="0">
-                          <a:latin typeface="Cambria Math" panose="02040503050406030204" pitchFamily="18" charset="0"/>
-                        </a:rPr>
-                        <m:t>)</m:t>
-                      </m:r>
-                    </m:oMath>
-                  </m:oMathPara>
-                </a14:m>
-                <a:endParaRPr lang="en-CA" b="1" dirty="0"/>
-              </a:p>
-            </p:txBody>
-          </p:sp>
-        </mc:Choice>
-        <mc:Fallback xmlns="">
-          <p:sp>
-            <p:nvSpPr>
-              <p:cNvPr id="14" name="TextBox 13">
-                <a:extLst>
-                  <a:ext uri="{FF2B5EF4-FFF2-40B4-BE49-F238E27FC236}">
-                    <a16:creationId xmlns:a16="http://schemas.microsoft.com/office/drawing/2014/main" id="{7F52EC7B-B798-59DD-5B3D-09483C1B68B7}"/>
-                  </a:ext>
-                </a:extLst>
-              </p:cNvPr>
-              <p:cNvSpPr txBox="1">
-                <a:spLocks noRot="1" noChangeAspect="1" noMove="1" noResize="1" noEditPoints="1" noAdjustHandles="1" noChangeArrowheads="1" noChangeShapeType="1" noTextEdit="1"/>
-              </p:cNvSpPr>
-              <p:nvPr/>
-            </p:nvSpPr>
-            <p:spPr>
-              <a:xfrm>
-                <a:off x="6651583" y="2031484"/>
-                <a:ext cx="1306768" cy="369332"/>
-              </a:xfrm>
-              <a:prstGeom prst="rect">
-                <a:avLst/>
-              </a:prstGeom>
-              <a:blipFill>
-                <a:blip r:embed="rId5"/>
-                <a:stretch>
-                  <a:fillRect b="-13115"/>
-                </a:stretch>
-              </a:blipFill>
-            </p:spPr>
-            <p:txBody>
-              <a:bodyPr/>
-              <a:lstStyle/>
-              <a:p>
-                <a:r>
-                  <a:rPr lang="en-AU">
-                    <a:noFill/>
-                  </a:rPr>
-                  <a:t> </a:t>
-                </a:r>
-              </a:p>
-            </p:txBody>
-          </p:sp>
-        </mc:Fallback>
-      </mc:AlternateContent>
-      <mc:AlternateContent xmlns:mc="http://schemas.openxmlformats.org/markup-compatibility/2006" xmlns:a14="http://schemas.microsoft.com/office/drawing/2010/main">
-        <mc:Choice Requires="a14">
-          <p:sp>
-            <p:nvSpPr>
-              <p:cNvPr id="15" name="TextBox 14">
-                <a:extLst>
-                  <a:ext uri="{FF2B5EF4-FFF2-40B4-BE49-F238E27FC236}">
-                    <a16:creationId xmlns:a16="http://schemas.microsoft.com/office/drawing/2014/main" id="{262C53C2-21B5-40A3-53D2-9E377CAADE59}"/>
-                  </a:ext>
-                </a:extLst>
-              </p:cNvPr>
-              <p:cNvSpPr txBox="1"/>
-              <p:nvPr/>
-            </p:nvSpPr>
-            <p:spPr>
-              <a:xfrm>
-                <a:off x="8322746" y="2031484"/>
-                <a:ext cx="744050" cy="375552"/>
-              </a:xfrm>
-              <a:prstGeom prst="rect">
-                <a:avLst/>
-              </a:prstGeom>
-              <a:noFill/>
-            </p:spPr>
-            <p:txBody>
-              <a:bodyPr wrap="none" rtlCol="0">
-                <a:spAutoFit/>
-              </a:bodyPr>
-              <a:lstStyle/>
-              <a:p>
-                <a:r>
-                  <a:rPr lang="en-US" b="1" dirty="0"/>
-                  <a:t>O(</a:t>
-                </a:r>
-                <a14:m>
-                  <m:oMath xmlns:m="http://schemas.openxmlformats.org/officeDocument/2006/math">
-                    <m:sSup>
-                      <m:sSupPr>
-                        <m:ctrlPr>
-                          <a:rPr lang="en-US" b="1" i="1" smtClean="0">
-                            <a:latin typeface="Cambria Math" panose="02040503050406030204" pitchFamily="18" charset="0"/>
-                          </a:rPr>
-                        </m:ctrlPr>
-                      </m:sSupPr>
-                      <m:e>
-                        <m:r>
-                          <a:rPr lang="en-US" b="1" i="1" smtClean="0">
-                            <a:latin typeface="Cambria Math" panose="02040503050406030204" pitchFamily="18" charset="0"/>
-                          </a:rPr>
-                          <m:t>𝒏</m:t>
-                        </m:r>
-                      </m:e>
-                      <m:sup>
-                        <m:r>
-                          <a:rPr lang="en-US" b="1" i="1" smtClean="0">
-                            <a:latin typeface="Cambria Math" panose="02040503050406030204" pitchFamily="18" charset="0"/>
-                          </a:rPr>
-                          <m:t>𝟐</m:t>
-                        </m:r>
-                      </m:sup>
-                    </m:sSup>
-                  </m:oMath>
-                </a14:m>
-                <a:r>
-                  <a:rPr lang="en-US" b="1" dirty="0"/>
-                  <a:t>)</a:t>
-                </a:r>
-                <a:endParaRPr lang="en-CA" b="1" dirty="0"/>
-              </a:p>
-            </p:txBody>
-          </p:sp>
-        </mc:Choice>
-        <mc:Fallback xmlns="">
-          <p:sp>
-            <p:nvSpPr>
-              <p:cNvPr id="15" name="TextBox 14">
-                <a:extLst>
-                  <a:ext uri="{FF2B5EF4-FFF2-40B4-BE49-F238E27FC236}">
-                    <a16:creationId xmlns:a16="http://schemas.microsoft.com/office/drawing/2014/main" id="{262C53C2-21B5-40A3-53D2-9E377CAADE59}"/>
-                  </a:ext>
-                </a:extLst>
-              </p:cNvPr>
-              <p:cNvSpPr txBox="1">
-                <a:spLocks noRot="1" noChangeAspect="1" noMove="1" noResize="1" noEditPoints="1" noAdjustHandles="1" noChangeArrowheads="1" noChangeShapeType="1" noTextEdit="1"/>
-              </p:cNvSpPr>
-              <p:nvPr/>
-            </p:nvSpPr>
-            <p:spPr>
-              <a:xfrm>
-                <a:off x="8322746" y="2031484"/>
-                <a:ext cx="744050" cy="375552"/>
-              </a:xfrm>
-              <a:prstGeom prst="rect">
-                <a:avLst/>
-              </a:prstGeom>
-              <a:blipFill>
-                <a:blip r:embed="rId6"/>
-                <a:stretch>
-                  <a:fillRect l="-6557" t="-6452" r="-7377" b="-24194"/>
-                </a:stretch>
-              </a:blipFill>
-            </p:spPr>
-            <p:txBody>
-              <a:bodyPr/>
-              <a:lstStyle/>
-              <a:p>
-                <a:r>
-                  <a:rPr lang="en-CA">
-                    <a:noFill/>
-                  </a:rPr>
-                  <a:t> </a:t>
-                </a:r>
-              </a:p>
-            </p:txBody>
-          </p:sp>
-        </mc:Fallback>
-      </mc:AlternateContent>
-      <mc:AlternateContent xmlns:mc="http://schemas.openxmlformats.org/markup-compatibility/2006" xmlns:a14="http://schemas.microsoft.com/office/drawing/2010/main">
-        <mc:Choice Requires="a14">
-          <p:sp>
-            <p:nvSpPr>
-              <p:cNvPr id="16" name="TextBox 15">
-                <a:extLst>
-                  <a:ext uri="{FF2B5EF4-FFF2-40B4-BE49-F238E27FC236}">
-                    <a16:creationId xmlns:a16="http://schemas.microsoft.com/office/drawing/2014/main" id="{78553182-CCC7-8A0F-7F06-D7A9333EA47F}"/>
-                  </a:ext>
-                </a:extLst>
-              </p:cNvPr>
-              <p:cNvSpPr txBox="1"/>
-              <p:nvPr/>
-            </p:nvSpPr>
-            <p:spPr>
-              <a:xfrm>
-                <a:off x="9509711" y="2068166"/>
-                <a:ext cx="744050" cy="375552"/>
-              </a:xfrm>
-              <a:prstGeom prst="rect">
-                <a:avLst/>
-              </a:prstGeom>
-              <a:noFill/>
-            </p:spPr>
-            <p:txBody>
-              <a:bodyPr wrap="none" rtlCol="0">
-                <a:spAutoFit/>
-              </a:bodyPr>
-              <a:lstStyle/>
-              <a:p>
-                <a:r>
-                  <a:rPr lang="en-US" b="1" dirty="0"/>
-                  <a:t>O(</a:t>
-                </a:r>
-                <a14:m>
-                  <m:oMath xmlns:m="http://schemas.openxmlformats.org/officeDocument/2006/math">
-                    <m:sSup>
-                      <m:sSupPr>
-                        <m:ctrlPr>
-                          <a:rPr lang="en-US" b="1" i="1" smtClean="0">
-                            <a:latin typeface="Cambria Math" panose="02040503050406030204" pitchFamily="18" charset="0"/>
-                          </a:rPr>
-                        </m:ctrlPr>
-                      </m:sSupPr>
-                      <m:e>
-                        <m:r>
-                          <a:rPr lang="en-US" b="1" i="1" smtClean="0">
-                            <a:latin typeface="Cambria Math" panose="02040503050406030204" pitchFamily="18" charset="0"/>
-                          </a:rPr>
-                          <m:t>𝒏</m:t>
-                        </m:r>
-                      </m:e>
-                      <m:sup>
-                        <m:r>
-                          <a:rPr lang="en-US" b="1" i="1" smtClean="0">
-                            <a:latin typeface="Cambria Math" panose="02040503050406030204" pitchFamily="18" charset="0"/>
-                          </a:rPr>
-                          <m:t>𝟑</m:t>
-                        </m:r>
-                      </m:sup>
-                    </m:sSup>
-                  </m:oMath>
-                </a14:m>
-                <a:r>
-                  <a:rPr lang="en-US" b="1" dirty="0"/>
-                  <a:t>)</a:t>
-                </a:r>
-                <a:endParaRPr lang="en-CA" b="1" dirty="0"/>
-              </a:p>
-            </p:txBody>
-          </p:sp>
-        </mc:Choice>
-        <mc:Fallback xmlns="">
-          <p:sp>
-            <p:nvSpPr>
-              <p:cNvPr id="16" name="TextBox 15">
-                <a:extLst>
-                  <a:ext uri="{FF2B5EF4-FFF2-40B4-BE49-F238E27FC236}">
-                    <a16:creationId xmlns:a16="http://schemas.microsoft.com/office/drawing/2014/main" id="{78553182-CCC7-8A0F-7F06-D7A9333EA47F}"/>
-                  </a:ext>
-                </a:extLst>
-              </p:cNvPr>
-              <p:cNvSpPr txBox="1">
-                <a:spLocks noRot="1" noChangeAspect="1" noMove="1" noResize="1" noEditPoints="1" noAdjustHandles="1" noChangeArrowheads="1" noChangeShapeType="1" noTextEdit="1"/>
-              </p:cNvSpPr>
-              <p:nvPr/>
-            </p:nvSpPr>
-            <p:spPr>
-              <a:xfrm>
-                <a:off x="9509711" y="2068166"/>
-                <a:ext cx="744050" cy="375552"/>
-              </a:xfrm>
-              <a:prstGeom prst="rect">
-                <a:avLst/>
-              </a:prstGeom>
-              <a:blipFill>
-                <a:blip r:embed="rId7"/>
-                <a:stretch>
-                  <a:fillRect l="-7377" t="-6452" r="-6557" b="-24194"/>
-                </a:stretch>
-              </a:blipFill>
-            </p:spPr>
-            <p:txBody>
-              <a:bodyPr/>
-              <a:lstStyle/>
-              <a:p>
-                <a:r>
-                  <a:rPr lang="en-CA">
-                    <a:noFill/>
-                  </a:rPr>
-                  <a:t> </a:t>
-                </a:r>
-              </a:p>
-            </p:txBody>
-          </p:sp>
-        </mc:Fallback>
-      </mc:AlternateContent>
-      <mc:AlternateContent xmlns:mc="http://schemas.openxmlformats.org/markup-compatibility/2006" xmlns:a14="http://schemas.microsoft.com/office/drawing/2010/main">
-        <mc:Choice Requires="a14">
-          <p:sp>
-            <p:nvSpPr>
-              <p:cNvPr id="17" name="TextBox 16">
-                <a:extLst>
-                  <a:ext uri="{FF2B5EF4-FFF2-40B4-BE49-F238E27FC236}">
-                    <a16:creationId xmlns:a16="http://schemas.microsoft.com/office/drawing/2014/main" id="{98EEFDEA-6893-9839-FA25-EC5F8C5BC0C9}"/>
-                  </a:ext>
-                </a:extLst>
-              </p:cNvPr>
-              <p:cNvSpPr txBox="1"/>
-              <p:nvPr/>
-            </p:nvSpPr>
-            <p:spPr>
-              <a:xfrm>
-                <a:off x="10647612" y="2060654"/>
-                <a:ext cx="740844" cy="369332"/>
-              </a:xfrm>
-              <a:prstGeom prst="rect">
-                <a:avLst/>
-              </a:prstGeom>
-              <a:noFill/>
-            </p:spPr>
-            <p:txBody>
-              <a:bodyPr wrap="none" rtlCol="0">
-                <a:spAutoFit/>
-              </a:bodyPr>
-              <a:lstStyle/>
-              <a:p>
-                <a:r>
-                  <a:rPr lang="en-US" b="1" dirty="0"/>
-                  <a:t>O(</a:t>
-                </a:r>
-                <a14:m>
-                  <m:oMath xmlns:m="http://schemas.openxmlformats.org/officeDocument/2006/math">
-                    <m:sSup>
-                      <m:sSupPr>
-                        <m:ctrlPr>
-                          <a:rPr lang="en-US" b="1" i="1" smtClean="0">
-                            <a:latin typeface="Cambria Math" panose="02040503050406030204" pitchFamily="18" charset="0"/>
-                          </a:rPr>
-                        </m:ctrlPr>
-                      </m:sSupPr>
-                      <m:e>
-                        <m:r>
-                          <a:rPr lang="en-US" b="1" i="1" smtClean="0">
-                            <a:latin typeface="Cambria Math" panose="02040503050406030204" pitchFamily="18" charset="0"/>
-                          </a:rPr>
-                          <m:t>𝟐</m:t>
-                        </m:r>
-                      </m:e>
-                      <m:sup>
-                        <m:r>
-                          <a:rPr lang="en-US" b="1" i="1" smtClean="0">
-                            <a:latin typeface="Cambria Math" panose="02040503050406030204" pitchFamily="18" charset="0"/>
-                          </a:rPr>
-                          <m:t>𝒏</m:t>
-                        </m:r>
-                      </m:sup>
-                    </m:sSup>
-                  </m:oMath>
-                </a14:m>
-                <a:r>
-                  <a:rPr lang="en-US" b="1" dirty="0"/>
-                  <a:t>)</a:t>
-                </a:r>
-                <a:endParaRPr lang="en-CA" b="1" dirty="0"/>
-              </a:p>
-            </p:txBody>
-          </p:sp>
-        </mc:Choice>
-        <mc:Fallback xmlns="">
-          <p:sp>
-            <p:nvSpPr>
-              <p:cNvPr id="17" name="TextBox 16">
-                <a:extLst>
-                  <a:ext uri="{FF2B5EF4-FFF2-40B4-BE49-F238E27FC236}">
-                    <a16:creationId xmlns:a16="http://schemas.microsoft.com/office/drawing/2014/main" id="{98EEFDEA-6893-9839-FA25-EC5F8C5BC0C9}"/>
-                  </a:ext>
-                </a:extLst>
-              </p:cNvPr>
-              <p:cNvSpPr txBox="1">
-                <a:spLocks noRot="1" noChangeAspect="1" noMove="1" noResize="1" noEditPoints="1" noAdjustHandles="1" noChangeArrowheads="1" noChangeShapeType="1" noTextEdit="1"/>
-              </p:cNvSpPr>
-              <p:nvPr/>
-            </p:nvSpPr>
-            <p:spPr>
-              <a:xfrm>
-                <a:off x="10647612" y="2060654"/>
-                <a:ext cx="740844" cy="369332"/>
-              </a:xfrm>
-              <a:prstGeom prst="rect">
-                <a:avLst/>
-              </a:prstGeom>
-              <a:blipFill>
-                <a:blip r:embed="rId8"/>
-                <a:stretch>
-                  <a:fillRect l="-7438" t="-8197" r="-7438" b="-24590"/>
-                </a:stretch>
-              </a:blipFill>
-            </p:spPr>
-            <p:txBody>
-              <a:bodyPr/>
-              <a:lstStyle/>
-              <a:p>
-                <a:r>
-                  <a:rPr lang="en-CA">
-                    <a:noFill/>
-                  </a:rPr>
-                  <a:t> </a:t>
-                </a:r>
-              </a:p>
-            </p:txBody>
-          </p:sp>
-        </mc:Fallback>
-      </mc:AlternateContent>
-      <p:sp>
-        <p:nvSpPr>
-          <p:cNvPr id="18" name="TextBox 17">
-            <a:extLst>
-              <a:ext uri="{FF2B5EF4-FFF2-40B4-BE49-F238E27FC236}">
-                <a16:creationId xmlns:a16="http://schemas.microsoft.com/office/drawing/2014/main" id="{77634765-51BA-0591-24C6-051816A77169}"/>
-              </a:ext>
-            </a:extLst>
-          </p:cNvPr>
-          <p:cNvSpPr txBox="1"/>
-          <p:nvPr/>
-        </p:nvSpPr>
-        <p:spPr>
-          <a:xfrm>
-            <a:off x="2208639" y="2802731"/>
-            <a:ext cx="1838965" cy="369332"/>
-          </a:xfrm>
-          <a:prstGeom prst="rect">
-            <a:avLst/>
-          </a:prstGeom>
-          <a:noFill/>
-        </p:spPr>
-        <p:txBody>
-          <a:bodyPr wrap="none" rtlCol="0">
-            <a:spAutoFit/>
-          </a:bodyPr>
-          <a:lstStyle/>
-          <a:p>
-            <a:r>
-              <a:rPr lang="en-US" dirty="0"/>
-              <a:t>1, 5, 861, 3000, …</a:t>
-            </a:r>
-            <a:endParaRPr lang="en-CA" dirty="0"/>
-          </a:p>
-        </p:txBody>
-      </p:sp>
-      <mc:AlternateContent xmlns:mc="http://schemas.openxmlformats.org/markup-compatibility/2006" xmlns:a14="http://schemas.microsoft.com/office/drawing/2010/main">
-        <mc:Choice Requires="a14">
-          <p:sp>
-            <p:nvSpPr>
-              <p:cNvPr id="19" name="TextBox 18">
-                <a:extLst>
-                  <a:ext uri="{FF2B5EF4-FFF2-40B4-BE49-F238E27FC236}">
-                    <a16:creationId xmlns:a16="http://schemas.microsoft.com/office/drawing/2014/main" id="{A43F2BE3-BC22-7A93-7C04-608D460435EF}"/>
-                  </a:ext>
-                </a:extLst>
-              </p:cNvPr>
-              <p:cNvSpPr txBox="1"/>
-              <p:nvPr/>
-            </p:nvSpPr>
-            <p:spPr>
-              <a:xfrm>
-                <a:off x="4097625" y="3015018"/>
-                <a:ext cx="920060" cy="369332"/>
-              </a:xfrm>
-              <a:prstGeom prst="rect">
-                <a:avLst/>
-              </a:prstGeom>
-              <a:noFill/>
-            </p:spPr>
-            <p:txBody>
-              <a:bodyPr wrap="none" rtlCol="0">
-                <a:spAutoFit/>
-              </a:bodyPr>
-              <a:lstStyle/>
-              <a:p>
-                <a:pPr/>
-                <a14:m>
-                  <m:oMathPara xmlns:m="http://schemas.openxmlformats.org/officeDocument/2006/math">
-                    <m:oMathParaPr>
-                      <m:jc m:val="centerGroup"/>
-                    </m:oMathParaPr>
-                    <m:oMath xmlns:m="http://schemas.openxmlformats.org/officeDocument/2006/math">
-                      <m:func>
-                        <m:funcPr>
-                          <m:ctrlPr>
-                            <a:rPr lang="en-CA" i="1" smtClean="0">
-                              <a:latin typeface="Cambria Math" panose="02040503050406030204" pitchFamily="18" charset="0"/>
-                            </a:rPr>
-                          </m:ctrlPr>
-                        </m:funcPr>
-                        <m:fName>
-                          <m:sSub>
-                            <m:sSubPr>
-                              <m:ctrlPr>
-                                <a:rPr lang="en-CA" i="1" smtClean="0">
-                                  <a:latin typeface="Cambria Math" panose="02040503050406030204" pitchFamily="18" charset="0"/>
-                                </a:rPr>
-                              </m:ctrlPr>
-                            </m:sSubPr>
-                            <m:e>
-                              <m:r>
-                                <m:rPr>
-                                  <m:sty m:val="p"/>
-                                </m:rPr>
-                                <a:rPr lang="en-CA">
-                                  <a:latin typeface="Cambria Math" panose="02040503050406030204" pitchFamily="18" charset="0"/>
-                                </a:rPr>
-                                <m:t>log</m:t>
-                              </m:r>
-                            </m:e>
-                            <m:sub>
-                              <m:r>
-                                <a:rPr lang="en-CA" b="0" i="1" smtClean="0">
-                                  <a:latin typeface="Cambria Math" panose="02040503050406030204" pitchFamily="18" charset="0"/>
-                                </a:rPr>
-                                <m:t>10</m:t>
-                              </m:r>
-                            </m:sub>
-                          </m:sSub>
-                        </m:fName>
-                        <m:e>
-                          <m:r>
-                            <a:rPr lang="en-CA" i="1">
-                              <a:latin typeface="Cambria Math" panose="02040503050406030204" pitchFamily="18" charset="0"/>
-                            </a:rPr>
-                            <m:t>𝑛</m:t>
-                          </m:r>
-                        </m:e>
-                      </m:func>
-                    </m:oMath>
-                  </m:oMathPara>
-                </a14:m>
-                <a:endParaRPr lang="en-CA" dirty="0"/>
-              </a:p>
-            </p:txBody>
-          </p:sp>
-        </mc:Choice>
-        <mc:Fallback xmlns="">
-          <p:sp>
-            <p:nvSpPr>
-              <p:cNvPr id="19" name="TextBox 18">
-                <a:extLst>
-                  <a:ext uri="{FF2B5EF4-FFF2-40B4-BE49-F238E27FC236}">
-                    <a16:creationId xmlns:a16="http://schemas.microsoft.com/office/drawing/2014/main" id="{A43F2BE3-BC22-7A93-7C04-608D460435EF}"/>
-                  </a:ext>
-                </a:extLst>
-              </p:cNvPr>
-              <p:cNvSpPr txBox="1">
-                <a:spLocks noRot="1" noChangeAspect="1" noMove="1" noResize="1" noEditPoints="1" noAdjustHandles="1" noChangeArrowheads="1" noChangeShapeType="1" noTextEdit="1"/>
-              </p:cNvSpPr>
-              <p:nvPr/>
-            </p:nvSpPr>
-            <p:spPr>
-              <a:xfrm>
-                <a:off x="4097625" y="3015018"/>
-                <a:ext cx="920060" cy="369332"/>
-              </a:xfrm>
-              <a:prstGeom prst="rect">
-                <a:avLst/>
-              </a:prstGeom>
-              <a:blipFill>
-                <a:blip r:embed="rId9"/>
-                <a:stretch>
-                  <a:fillRect b="-13333"/>
-                </a:stretch>
-              </a:blipFill>
-            </p:spPr>
-            <p:txBody>
-              <a:bodyPr/>
-              <a:lstStyle/>
-              <a:p>
-                <a:r>
-                  <a:rPr lang="en-AU">
-                    <a:noFill/>
-                  </a:rPr>
-                  <a:t> </a:t>
-                </a:r>
-              </a:p>
-            </p:txBody>
-          </p:sp>
-        </mc:Fallback>
-      </mc:AlternateContent>
-      <mc:AlternateContent xmlns:mc="http://schemas.openxmlformats.org/markup-compatibility/2006" xmlns:a14="http://schemas.microsoft.com/office/drawing/2010/main">
-        <mc:Choice Requires="a14">
-          <p:sp>
-            <p:nvSpPr>
-              <p:cNvPr id="20" name="TextBox 19">
-                <a:extLst>
-                  <a:ext uri="{FF2B5EF4-FFF2-40B4-BE49-F238E27FC236}">
-                    <a16:creationId xmlns:a16="http://schemas.microsoft.com/office/drawing/2014/main" id="{8CD04D7F-190F-3D8E-A8EC-C2604638F8D1}"/>
-                  </a:ext>
-                </a:extLst>
-              </p:cNvPr>
-              <p:cNvSpPr txBox="1"/>
-              <p:nvPr/>
-            </p:nvSpPr>
-            <p:spPr>
-              <a:xfrm>
-                <a:off x="4177509" y="2579646"/>
-                <a:ext cx="827599" cy="369332"/>
-              </a:xfrm>
-              <a:prstGeom prst="rect">
-                <a:avLst/>
-              </a:prstGeom>
-              <a:noFill/>
-            </p:spPr>
-            <p:txBody>
-              <a:bodyPr wrap="none" rtlCol="0">
-                <a:spAutoFit/>
-              </a:bodyPr>
-              <a:lstStyle/>
-              <a:p>
-                <a:pPr/>
-                <a14:m>
-                  <m:oMathPara xmlns:m="http://schemas.openxmlformats.org/officeDocument/2006/math">
-                    <m:oMathParaPr>
-                      <m:jc m:val="centerGroup"/>
-                    </m:oMathParaPr>
-                    <m:oMath xmlns:m="http://schemas.openxmlformats.org/officeDocument/2006/math">
-                      <m:func>
-                        <m:funcPr>
-                          <m:ctrlPr>
-                            <a:rPr lang="en-CA" i="1" smtClean="0">
-                              <a:latin typeface="Cambria Math" panose="02040503050406030204" pitchFamily="18" charset="0"/>
-                            </a:rPr>
-                          </m:ctrlPr>
-                        </m:funcPr>
-                        <m:fName>
-                          <m:sSub>
-                            <m:sSubPr>
-                              <m:ctrlPr>
-                                <a:rPr lang="en-CA" i="1" smtClean="0">
-                                  <a:latin typeface="Cambria Math" panose="02040503050406030204" pitchFamily="18" charset="0"/>
-                                </a:rPr>
-                              </m:ctrlPr>
-                            </m:sSubPr>
-                            <m:e>
-                              <m:r>
-                                <m:rPr>
-                                  <m:sty m:val="p"/>
-                                </m:rPr>
-                                <a:rPr lang="en-CA" i="0" smtClean="0">
-                                  <a:latin typeface="Cambria Math" panose="02040503050406030204" pitchFamily="18" charset="0"/>
-                                </a:rPr>
-                                <m:t>log</m:t>
-                              </m:r>
-                            </m:e>
-                            <m:sub>
-                              <m:r>
-                                <a:rPr lang="en-CA" b="0" i="1" smtClean="0">
-                                  <a:latin typeface="Cambria Math" panose="02040503050406030204" pitchFamily="18" charset="0"/>
-                                </a:rPr>
-                                <m:t>2</m:t>
-                              </m:r>
-                            </m:sub>
-                          </m:sSub>
-                        </m:fName>
-                        <m:e>
-                          <m:r>
-                            <a:rPr lang="en-CA" b="0" i="1" smtClean="0">
-                              <a:latin typeface="Cambria Math" panose="02040503050406030204" pitchFamily="18" charset="0"/>
-                            </a:rPr>
-                            <m:t>𝑛</m:t>
-                          </m:r>
-                        </m:e>
-                      </m:func>
-                    </m:oMath>
-                  </m:oMathPara>
-                </a14:m>
-                <a:endParaRPr lang="en-CA" dirty="0"/>
-              </a:p>
-            </p:txBody>
-          </p:sp>
-        </mc:Choice>
-        <mc:Fallback xmlns="">
-          <p:sp>
-            <p:nvSpPr>
-              <p:cNvPr id="20" name="TextBox 19">
-                <a:extLst>
-                  <a:ext uri="{FF2B5EF4-FFF2-40B4-BE49-F238E27FC236}">
-                    <a16:creationId xmlns:a16="http://schemas.microsoft.com/office/drawing/2014/main" id="{8CD04D7F-190F-3D8E-A8EC-C2604638F8D1}"/>
-                  </a:ext>
-                </a:extLst>
-              </p:cNvPr>
-              <p:cNvSpPr txBox="1">
-                <a:spLocks noRot="1" noChangeAspect="1" noMove="1" noResize="1" noEditPoints="1" noAdjustHandles="1" noChangeArrowheads="1" noChangeShapeType="1" noTextEdit="1"/>
-              </p:cNvSpPr>
-              <p:nvPr/>
-            </p:nvSpPr>
-            <p:spPr>
-              <a:xfrm>
-                <a:off x="4177509" y="2579646"/>
-                <a:ext cx="827599" cy="369332"/>
-              </a:xfrm>
-              <a:prstGeom prst="rect">
-                <a:avLst/>
-              </a:prstGeom>
-              <a:blipFill>
-                <a:blip r:embed="rId10"/>
-                <a:stretch>
-                  <a:fillRect b="-13115"/>
-                </a:stretch>
-              </a:blipFill>
-            </p:spPr>
-            <p:txBody>
-              <a:bodyPr/>
-              <a:lstStyle/>
-              <a:p>
-                <a:r>
-                  <a:rPr lang="en-AU">
-                    <a:noFill/>
-                  </a:rPr>
-                  <a:t> </a:t>
-                </a:r>
-              </a:p>
-            </p:txBody>
-          </p:sp>
-        </mc:Fallback>
-      </mc:AlternateContent>
-      <mc:AlternateContent xmlns:mc="http://schemas.openxmlformats.org/markup-compatibility/2006" xmlns:a14="http://schemas.microsoft.com/office/drawing/2010/main">
-        <mc:Choice Requires="a14">
-          <p:sp>
-            <p:nvSpPr>
-              <p:cNvPr id="21" name="TextBox 20">
-                <a:extLst>
-                  <a:ext uri="{FF2B5EF4-FFF2-40B4-BE49-F238E27FC236}">
-                    <a16:creationId xmlns:a16="http://schemas.microsoft.com/office/drawing/2014/main" id="{F042FCA3-EB24-1E91-2443-F23248E6F681}"/>
-                  </a:ext>
-                </a:extLst>
-              </p:cNvPr>
-              <p:cNvSpPr txBox="1"/>
-              <p:nvPr/>
-            </p:nvSpPr>
-            <p:spPr>
-              <a:xfrm>
-                <a:off x="3241396" y="3450391"/>
-                <a:ext cx="1653145" cy="307777"/>
-              </a:xfrm>
-              <a:prstGeom prst="rect">
-                <a:avLst/>
-              </a:prstGeom>
-              <a:noFill/>
-            </p:spPr>
-            <p:txBody>
-              <a:bodyPr wrap="none" rtlCol="0">
-                <a:spAutoFit/>
-              </a:bodyPr>
-              <a:lstStyle/>
-              <a:p>
-                <a:pPr/>
-                <a14:m>
-                  <m:oMathPara xmlns:m="http://schemas.openxmlformats.org/officeDocument/2006/math">
-                    <m:oMathParaPr>
-                      <m:jc m:val="centerGroup"/>
-                    </m:oMathParaPr>
-                    <m:oMath xmlns:m="http://schemas.openxmlformats.org/officeDocument/2006/math">
-                      <m:sSub>
-                        <m:sSubPr>
-                          <m:ctrlPr>
-                            <a:rPr lang="en-CA" sz="1400" i="1" smtClean="0">
-                              <a:latin typeface="Cambria Math" panose="02040503050406030204" pitchFamily="18" charset="0"/>
-                            </a:rPr>
-                          </m:ctrlPr>
-                        </m:sSubPr>
-                        <m:e>
-                          <m:r>
-                            <a:rPr lang="en-US" sz="1400" b="0" i="1" smtClean="0">
-                              <a:latin typeface="Cambria Math" panose="02040503050406030204" pitchFamily="18" charset="0"/>
-                            </a:rPr>
-                            <m:t>5+</m:t>
-                          </m:r>
-                          <m:func>
-                            <m:funcPr>
-                              <m:ctrlPr>
-                                <a:rPr lang="en-US" sz="1400" b="0" i="1" smtClean="0">
-                                  <a:latin typeface="Cambria Math" panose="02040503050406030204" pitchFamily="18" charset="0"/>
-                                </a:rPr>
-                              </m:ctrlPr>
-                            </m:funcPr>
-                            <m:fName>
-                              <m:sSub>
-                                <m:sSubPr>
-                                  <m:ctrlPr>
-                                    <a:rPr lang="en-US" sz="1400" b="0" i="1" smtClean="0">
-                                      <a:latin typeface="Cambria Math" panose="02040503050406030204" pitchFamily="18" charset="0"/>
-                                    </a:rPr>
-                                  </m:ctrlPr>
-                                </m:sSubPr>
-                                <m:e>
-                                  <m:r>
-                                    <m:rPr>
-                                      <m:sty m:val="p"/>
-                                    </m:rPr>
-                                    <a:rPr lang="en-US" sz="1400" b="0" i="0" smtClean="0">
-                                      <a:latin typeface="Cambria Math" panose="02040503050406030204" pitchFamily="18" charset="0"/>
-                                    </a:rPr>
-                                    <m:t>log</m:t>
-                                  </m:r>
-                                </m:e>
-                                <m:sub>
-                                  <m:r>
-                                    <a:rPr lang="en-CA" sz="1400" b="0" i="1" smtClean="0">
-                                      <a:latin typeface="Cambria Math" panose="02040503050406030204" pitchFamily="18" charset="0"/>
-                                    </a:rPr>
-                                    <m:t>3</m:t>
-                                  </m:r>
-                                </m:sub>
-                              </m:sSub>
-                            </m:fName>
-                            <m:e>
-                              <m:r>
-                                <a:rPr lang="en-CA" sz="1400" b="0" i="1" smtClean="0">
-                                  <a:latin typeface="Cambria Math" panose="02040503050406030204" pitchFamily="18" charset="0"/>
-                                </a:rPr>
-                                <m:t>(2</m:t>
-                              </m:r>
-                              <m:r>
-                                <a:rPr lang="en-CA" sz="1400" b="0" i="1" smtClean="0">
-                                  <a:latin typeface="Cambria Math" panose="02040503050406030204" pitchFamily="18" charset="0"/>
-                                </a:rPr>
-                                <m:t>𝑛</m:t>
-                              </m:r>
-                              <m:r>
-                                <a:rPr lang="en-CA" sz="1400" b="0" i="1" smtClean="0">
-                                  <a:latin typeface="Cambria Math" panose="02040503050406030204" pitchFamily="18" charset="0"/>
-                                </a:rPr>
-                                <m:t>+1)</m:t>
-                              </m:r>
-                            </m:e>
-                          </m:func>
-                        </m:e>
-                        <m:sub/>
-                      </m:sSub>
-                    </m:oMath>
-                  </m:oMathPara>
-                </a14:m>
-                <a:endParaRPr lang="en-CA" sz="1400" dirty="0"/>
-              </a:p>
-            </p:txBody>
-          </p:sp>
-        </mc:Choice>
-        <mc:Fallback xmlns="">
-          <p:sp>
-            <p:nvSpPr>
-              <p:cNvPr id="21" name="TextBox 20">
-                <a:extLst>
-                  <a:ext uri="{FF2B5EF4-FFF2-40B4-BE49-F238E27FC236}">
-                    <a16:creationId xmlns:a16="http://schemas.microsoft.com/office/drawing/2014/main" id="{F042FCA3-EB24-1E91-2443-F23248E6F681}"/>
-                  </a:ext>
-                </a:extLst>
-              </p:cNvPr>
-              <p:cNvSpPr txBox="1">
-                <a:spLocks noRot="1" noChangeAspect="1" noMove="1" noResize="1" noEditPoints="1" noAdjustHandles="1" noChangeArrowheads="1" noChangeShapeType="1" noTextEdit="1"/>
-              </p:cNvSpPr>
-              <p:nvPr/>
-            </p:nvSpPr>
-            <p:spPr>
-              <a:xfrm>
-                <a:off x="3241396" y="3450391"/>
-                <a:ext cx="1653145" cy="307777"/>
-              </a:xfrm>
-              <a:prstGeom prst="rect">
-                <a:avLst/>
-              </a:prstGeom>
-              <a:blipFill>
-                <a:blip r:embed="rId11"/>
-                <a:stretch>
-                  <a:fillRect b="-8000"/>
-                </a:stretch>
-              </a:blipFill>
-            </p:spPr>
-            <p:txBody>
-              <a:bodyPr/>
-              <a:lstStyle/>
-              <a:p>
-                <a:r>
-                  <a:rPr lang="en-AU">
-                    <a:noFill/>
-                  </a:rPr>
-                  <a:t> </a:t>
-                </a:r>
-              </a:p>
-            </p:txBody>
-          </p:sp>
-        </mc:Fallback>
-      </mc:AlternateContent>
-      <mc:AlternateContent xmlns:mc="http://schemas.openxmlformats.org/markup-compatibility/2006" xmlns:a14="http://schemas.microsoft.com/office/drawing/2010/main">
-        <mc:Choice Requires="a14">
-          <p:sp>
-            <p:nvSpPr>
-              <p:cNvPr id="23" name="TextBox 22">
-                <a:extLst>
-                  <a:ext uri="{FF2B5EF4-FFF2-40B4-BE49-F238E27FC236}">
-                    <a16:creationId xmlns:a16="http://schemas.microsoft.com/office/drawing/2014/main" id="{3764DBD4-6E62-FF63-99B7-AB8C09598129}"/>
-                  </a:ext>
-                </a:extLst>
-              </p:cNvPr>
-              <p:cNvSpPr txBox="1"/>
-              <p:nvPr/>
-            </p:nvSpPr>
-            <p:spPr>
-              <a:xfrm>
-                <a:off x="5396305" y="2507218"/>
-                <a:ext cx="1532022" cy="307777"/>
-              </a:xfrm>
-              <a:prstGeom prst="rect">
-                <a:avLst/>
-              </a:prstGeom>
-              <a:noFill/>
-            </p:spPr>
-            <p:txBody>
-              <a:bodyPr wrap="none" rtlCol="0">
-                <a:spAutoFit/>
-              </a:bodyPr>
-              <a:lstStyle/>
-              <a:p>
-                <a14:m>
-                  <m:oMath xmlns:m="http://schemas.openxmlformats.org/officeDocument/2006/math">
-                    <m:r>
-                      <a:rPr lang="en-US" sz="1400" i="1" dirty="0" smtClean="0">
-                        <a:latin typeface="Cambria Math" panose="02040503050406030204" pitchFamily="18" charset="0"/>
-                      </a:rPr>
-                      <m:t>𝑛</m:t>
-                    </m:r>
-                  </m:oMath>
-                </a14:m>
-                <a:r>
-                  <a:rPr lang="en-US" sz="1400" dirty="0"/>
-                  <a:t>, </a:t>
-                </a:r>
-                <a14:m>
-                  <m:oMath xmlns:m="http://schemas.openxmlformats.org/officeDocument/2006/math">
-                    <m:r>
-                      <a:rPr lang="en-US" sz="1400" i="1" dirty="0" smtClean="0">
-                        <a:latin typeface="Cambria Math" panose="02040503050406030204" pitchFamily="18" charset="0"/>
-                      </a:rPr>
-                      <m:t>3</m:t>
-                    </m:r>
-                    <m:r>
-                      <a:rPr lang="en-US" sz="1400" i="1" dirty="0" smtClean="0">
-                        <a:latin typeface="Cambria Math" panose="02040503050406030204" pitchFamily="18" charset="0"/>
-                      </a:rPr>
-                      <m:t>𝑛</m:t>
-                    </m:r>
-                  </m:oMath>
-                </a14:m>
-                <a:r>
-                  <a:rPr lang="en-US" sz="1400" dirty="0"/>
-                  <a:t>, </a:t>
-                </a:r>
-                <a14:m>
-                  <m:oMath xmlns:m="http://schemas.openxmlformats.org/officeDocument/2006/math">
-                    <m:r>
-                      <a:rPr lang="en-US" sz="1400" i="1" dirty="0" smtClean="0">
-                        <a:latin typeface="Cambria Math" panose="02040503050406030204" pitchFamily="18" charset="0"/>
-                      </a:rPr>
-                      <m:t>5</m:t>
-                    </m:r>
-                    <m:r>
-                      <a:rPr lang="en-US" sz="1400" i="1" dirty="0" smtClean="0">
-                        <a:latin typeface="Cambria Math" panose="02040503050406030204" pitchFamily="18" charset="0"/>
-                      </a:rPr>
-                      <m:t>𝑛</m:t>
-                    </m:r>
-                    <m:r>
-                      <a:rPr lang="en-US" sz="1400" i="1" dirty="0" smtClean="0">
-                        <a:latin typeface="Cambria Math" panose="02040503050406030204" pitchFamily="18" charset="0"/>
-                      </a:rPr>
-                      <m:t>+10</m:t>
-                    </m:r>
-                  </m:oMath>
-                </a14:m>
-                <a:r>
-                  <a:rPr lang="en-US" sz="1400" dirty="0"/>
-                  <a:t>, … </a:t>
-                </a:r>
-                <a:endParaRPr lang="en-CA" sz="1400" dirty="0"/>
-              </a:p>
-            </p:txBody>
-          </p:sp>
-        </mc:Choice>
-        <mc:Fallback xmlns="">
-          <p:sp>
-            <p:nvSpPr>
-              <p:cNvPr id="23" name="TextBox 22">
-                <a:extLst>
-                  <a:ext uri="{FF2B5EF4-FFF2-40B4-BE49-F238E27FC236}">
-                    <a16:creationId xmlns:a16="http://schemas.microsoft.com/office/drawing/2014/main" id="{3764DBD4-6E62-FF63-99B7-AB8C09598129}"/>
-                  </a:ext>
-                </a:extLst>
-              </p:cNvPr>
-              <p:cNvSpPr txBox="1">
-                <a:spLocks noRot="1" noChangeAspect="1" noMove="1" noResize="1" noEditPoints="1" noAdjustHandles="1" noChangeArrowheads="1" noChangeShapeType="1" noTextEdit="1"/>
-              </p:cNvSpPr>
-              <p:nvPr/>
-            </p:nvSpPr>
-            <p:spPr>
-              <a:xfrm>
-                <a:off x="5396305" y="2507218"/>
-                <a:ext cx="1532022" cy="307777"/>
-              </a:xfrm>
-              <a:prstGeom prst="rect">
-                <a:avLst/>
-              </a:prstGeom>
-              <a:blipFill>
-                <a:blip r:embed="rId12"/>
-                <a:stretch>
-                  <a:fillRect t="-1961" b="-19608"/>
-                </a:stretch>
-              </a:blipFill>
-            </p:spPr>
-            <p:txBody>
-              <a:bodyPr/>
-              <a:lstStyle/>
-              <a:p>
-                <a:r>
-                  <a:rPr lang="en-AU">
-                    <a:noFill/>
-                  </a:rPr>
-                  <a:t> </a:t>
-                </a:r>
-              </a:p>
-            </p:txBody>
-          </p:sp>
-        </mc:Fallback>
-      </mc:AlternateContent>
-      <mc:AlternateContent xmlns:mc="http://schemas.openxmlformats.org/markup-compatibility/2006" xmlns:a14="http://schemas.microsoft.com/office/drawing/2010/main">
-        <mc:Choice Requires="a14">
-          <p:sp>
-            <p:nvSpPr>
-              <p:cNvPr id="24" name="TextBox 23">
-                <a:extLst>
-                  <a:ext uri="{FF2B5EF4-FFF2-40B4-BE49-F238E27FC236}">
-                    <a16:creationId xmlns:a16="http://schemas.microsoft.com/office/drawing/2014/main" id="{BBE400AA-B0A0-119F-E9F0-BAF24868D361}"/>
-                  </a:ext>
-                </a:extLst>
-              </p:cNvPr>
-              <p:cNvSpPr txBox="1"/>
-              <p:nvPr/>
-            </p:nvSpPr>
-            <p:spPr>
-              <a:xfrm>
-                <a:off x="5441386" y="3032125"/>
-                <a:ext cx="1123962" cy="369332"/>
-              </a:xfrm>
-              <a:prstGeom prst="rect">
-                <a:avLst/>
-              </a:prstGeom>
-              <a:noFill/>
-            </p:spPr>
-            <p:txBody>
-              <a:bodyPr wrap="none" rtlCol="0">
-                <a:spAutoFit/>
-              </a:bodyPr>
-              <a:lstStyle/>
-              <a:p>
-                <a:pPr/>
-                <a14:m>
-                  <m:oMathPara xmlns:m="http://schemas.openxmlformats.org/officeDocument/2006/math">
-                    <m:oMathParaPr>
-                      <m:jc m:val="centerGroup"/>
-                    </m:oMathParaPr>
-                    <m:oMath xmlns:m="http://schemas.openxmlformats.org/officeDocument/2006/math">
-                      <m:r>
-                        <a:rPr lang="en-US" i="1" dirty="0" smtClean="0">
-                          <a:latin typeface="Cambria Math" panose="02040503050406030204" pitchFamily="18" charset="0"/>
-                        </a:rPr>
-                        <m:t>𝑛</m:t>
-                      </m:r>
-                      <m:r>
-                        <a:rPr lang="en-US" i="1" dirty="0" smtClean="0">
-                          <a:latin typeface="Cambria Math" panose="02040503050406030204" pitchFamily="18" charset="0"/>
-                        </a:rPr>
-                        <m:t>+</m:t>
-                      </m:r>
-                      <m:r>
-                        <m:rPr>
-                          <m:sty m:val="p"/>
-                        </m:rPr>
-                        <a:rPr lang="en-US" i="1" dirty="0" smtClean="0">
-                          <a:latin typeface="Cambria Math" panose="02040503050406030204" pitchFamily="18" charset="0"/>
-                        </a:rPr>
-                        <m:t>log</m:t>
-                      </m:r>
-                      <m:r>
-                        <a:rPr lang="en-US" i="1" dirty="0" smtClean="0">
-                          <a:latin typeface="Cambria Math" panose="02040503050406030204" pitchFamily="18" charset="0"/>
-                        </a:rPr>
-                        <m:t>⁡</m:t>
-                      </m:r>
-                      <m:r>
-                        <a:rPr lang="en-US" i="1" dirty="0" smtClean="0">
-                          <a:latin typeface="Cambria Math" panose="02040503050406030204" pitchFamily="18" charset="0"/>
-                        </a:rPr>
-                        <m:t>𝑛</m:t>
-                      </m:r>
-                    </m:oMath>
-                  </m:oMathPara>
-                </a14:m>
-                <a:endParaRPr lang="en-CA" dirty="0"/>
-              </a:p>
-            </p:txBody>
-          </p:sp>
-        </mc:Choice>
-        <mc:Fallback xmlns="">
-          <p:sp>
-            <p:nvSpPr>
-              <p:cNvPr id="24" name="TextBox 23">
-                <a:extLst>
-                  <a:ext uri="{FF2B5EF4-FFF2-40B4-BE49-F238E27FC236}">
-                    <a16:creationId xmlns:a16="http://schemas.microsoft.com/office/drawing/2014/main" id="{BBE400AA-B0A0-119F-E9F0-BAF24868D361}"/>
-                  </a:ext>
-                </a:extLst>
-              </p:cNvPr>
-              <p:cNvSpPr txBox="1">
-                <a:spLocks noRot="1" noChangeAspect="1" noMove="1" noResize="1" noEditPoints="1" noAdjustHandles="1" noChangeArrowheads="1" noChangeShapeType="1" noTextEdit="1"/>
-              </p:cNvSpPr>
-              <p:nvPr/>
-            </p:nvSpPr>
-            <p:spPr>
-              <a:xfrm>
-                <a:off x="5441386" y="3032125"/>
-                <a:ext cx="1123962" cy="369332"/>
-              </a:xfrm>
-              <a:prstGeom prst="rect">
-                <a:avLst/>
-              </a:prstGeom>
-              <a:blipFill>
-                <a:blip r:embed="rId13"/>
-                <a:stretch>
-                  <a:fillRect b="-13115"/>
-                </a:stretch>
-              </a:blipFill>
-            </p:spPr>
-            <p:txBody>
-              <a:bodyPr/>
-              <a:lstStyle/>
-              <a:p>
-                <a:r>
-                  <a:rPr lang="en-AU">
-                    <a:noFill/>
-                  </a:rPr>
-                  <a:t> </a:t>
-                </a:r>
-              </a:p>
-            </p:txBody>
-          </p:sp>
-        </mc:Fallback>
-      </mc:AlternateContent>
-      <mc:AlternateContent xmlns:mc="http://schemas.openxmlformats.org/markup-compatibility/2006" xmlns:a14="http://schemas.microsoft.com/office/drawing/2010/main">
-        <mc:Choice Requires="a14">
-          <p:sp>
-            <p:nvSpPr>
-              <p:cNvPr id="25" name="TextBox 24">
-                <a:extLst>
-                  <a:ext uri="{FF2B5EF4-FFF2-40B4-BE49-F238E27FC236}">
-                    <a16:creationId xmlns:a16="http://schemas.microsoft.com/office/drawing/2014/main" id="{840AD232-E953-93A3-DEA7-10732A8A1F25}"/>
-                  </a:ext>
-                </a:extLst>
-              </p:cNvPr>
-              <p:cNvSpPr txBox="1"/>
-              <p:nvPr/>
-            </p:nvSpPr>
-            <p:spPr>
-              <a:xfrm>
-                <a:off x="7013834" y="2564368"/>
-                <a:ext cx="1143198" cy="369332"/>
-              </a:xfrm>
-              <a:prstGeom prst="rect">
-                <a:avLst/>
-              </a:prstGeom>
-              <a:noFill/>
-            </p:spPr>
-            <p:txBody>
-              <a:bodyPr wrap="none" rtlCol="0">
-                <a:spAutoFit/>
-              </a:bodyPr>
-              <a:lstStyle/>
-              <a:p>
-                <a:pPr/>
-                <a14:m>
-                  <m:oMathPara xmlns:m="http://schemas.openxmlformats.org/officeDocument/2006/math">
-                    <m:oMathParaPr>
-                      <m:jc m:val="centerGroup"/>
-                    </m:oMathParaPr>
-                    <m:oMath xmlns:m="http://schemas.openxmlformats.org/officeDocument/2006/math">
-                      <m:r>
-                        <a:rPr lang="en-US" i="1" dirty="0" smtClean="0">
-                          <a:latin typeface="Cambria Math" panose="02040503050406030204" pitchFamily="18" charset="0"/>
-                        </a:rPr>
-                        <m:t>4</m:t>
-                      </m:r>
-                      <m:r>
-                        <a:rPr lang="en-US" i="1" dirty="0" smtClean="0">
-                          <a:latin typeface="Cambria Math" panose="02040503050406030204" pitchFamily="18" charset="0"/>
-                        </a:rPr>
-                        <m:t>𝑛</m:t>
-                      </m:r>
-                      <m:func>
-                        <m:funcPr>
-                          <m:ctrlPr>
-                            <a:rPr lang="en-US" i="1" dirty="0" smtClean="0">
-                              <a:latin typeface="Cambria Math" panose="02040503050406030204" pitchFamily="18" charset="0"/>
-                            </a:rPr>
-                          </m:ctrlPr>
-                        </m:funcPr>
-                        <m:fName>
-                          <m:r>
-                            <m:rPr>
-                              <m:sty m:val="p"/>
-                            </m:rPr>
-                            <a:rPr lang="en-US" i="0" dirty="0" smtClean="0">
-                              <a:latin typeface="Cambria Math" panose="02040503050406030204" pitchFamily="18" charset="0"/>
-                            </a:rPr>
-                            <m:t>log</m:t>
-                          </m:r>
-                        </m:fName>
-                        <m:e>
-                          <m:r>
-                            <a:rPr lang="en-CA" b="0" i="1" dirty="0" smtClean="0">
-                              <a:latin typeface="Cambria Math" panose="02040503050406030204" pitchFamily="18" charset="0"/>
-                            </a:rPr>
-                            <m:t>2</m:t>
-                          </m:r>
-                          <m:r>
-                            <a:rPr lang="en-CA" b="0" i="1" dirty="0" smtClean="0">
-                              <a:latin typeface="Cambria Math" panose="02040503050406030204" pitchFamily="18" charset="0"/>
-                            </a:rPr>
-                            <m:t>𝑛</m:t>
-                          </m:r>
-                        </m:e>
-                      </m:func>
-                    </m:oMath>
-                  </m:oMathPara>
-                </a14:m>
-                <a:endParaRPr lang="en-CA" dirty="0"/>
-              </a:p>
-            </p:txBody>
-          </p:sp>
-        </mc:Choice>
-        <mc:Fallback xmlns="">
-          <p:sp>
-            <p:nvSpPr>
-              <p:cNvPr id="25" name="TextBox 24">
-                <a:extLst>
-                  <a:ext uri="{FF2B5EF4-FFF2-40B4-BE49-F238E27FC236}">
-                    <a16:creationId xmlns:a16="http://schemas.microsoft.com/office/drawing/2014/main" id="{840AD232-E953-93A3-DEA7-10732A8A1F25}"/>
-                  </a:ext>
-                </a:extLst>
-              </p:cNvPr>
-              <p:cNvSpPr txBox="1">
-                <a:spLocks noRot="1" noChangeAspect="1" noMove="1" noResize="1" noEditPoints="1" noAdjustHandles="1" noChangeArrowheads="1" noChangeShapeType="1" noTextEdit="1"/>
-              </p:cNvSpPr>
-              <p:nvPr/>
-            </p:nvSpPr>
-            <p:spPr>
-              <a:xfrm>
-                <a:off x="7013834" y="2564368"/>
-                <a:ext cx="1143198" cy="369332"/>
-              </a:xfrm>
-              <a:prstGeom prst="rect">
-                <a:avLst/>
-              </a:prstGeom>
-              <a:blipFill>
-                <a:blip r:embed="rId14"/>
-                <a:stretch>
-                  <a:fillRect b="-13333"/>
-                </a:stretch>
-              </a:blipFill>
-            </p:spPr>
-            <p:txBody>
-              <a:bodyPr/>
-              <a:lstStyle/>
-              <a:p>
-                <a:r>
-                  <a:rPr lang="en-AU">
-                    <a:noFill/>
-                  </a:rPr>
-                  <a:t> </a:t>
-                </a:r>
-              </a:p>
-            </p:txBody>
-          </p:sp>
-        </mc:Fallback>
-      </mc:AlternateContent>
-      <mc:AlternateContent xmlns:mc="http://schemas.openxmlformats.org/markup-compatibility/2006" xmlns:a14="http://schemas.microsoft.com/office/drawing/2010/main">
-        <mc:Choice Requires="a14">
-          <p:sp>
-            <p:nvSpPr>
-              <p:cNvPr id="26" name="TextBox 25">
-                <a:extLst>
-                  <a:ext uri="{FF2B5EF4-FFF2-40B4-BE49-F238E27FC236}">
-                    <a16:creationId xmlns:a16="http://schemas.microsoft.com/office/drawing/2014/main" id="{F1F0687B-86B3-046B-A2C3-0FAC52017CB7}"/>
-                  </a:ext>
-                </a:extLst>
-              </p:cNvPr>
-              <p:cNvSpPr txBox="1"/>
-              <p:nvPr/>
-            </p:nvSpPr>
-            <p:spPr>
-              <a:xfrm>
-                <a:off x="6900822" y="3013470"/>
-                <a:ext cx="1299458" cy="369332"/>
-              </a:xfrm>
-              <a:prstGeom prst="rect">
-                <a:avLst/>
-              </a:prstGeom>
-              <a:noFill/>
-            </p:spPr>
-            <p:txBody>
-              <a:bodyPr wrap="none" rtlCol="0">
-                <a:spAutoFit/>
-              </a:bodyPr>
-              <a:lstStyle/>
-              <a:p>
-                <a:pPr/>
-                <a14:m>
-                  <m:oMathPara xmlns:m="http://schemas.openxmlformats.org/officeDocument/2006/math">
-                    <m:oMathParaPr>
-                      <m:jc m:val="centerGroup"/>
-                    </m:oMathParaPr>
-                    <m:oMath xmlns:m="http://schemas.openxmlformats.org/officeDocument/2006/math">
-                      <m:r>
-                        <a:rPr lang="en-US" i="1" dirty="0" smtClean="0">
-                          <a:latin typeface="Cambria Math" panose="02040503050406030204" pitchFamily="18" charset="0"/>
-                        </a:rPr>
-                        <m:t>𝑛</m:t>
-                      </m:r>
-                      <m:r>
-                        <a:rPr lang="en-US" i="1" dirty="0" smtClean="0">
-                          <a:latin typeface="Cambria Math" panose="02040503050406030204" pitchFamily="18" charset="0"/>
-                        </a:rPr>
-                        <m:t>+</m:t>
-                      </m:r>
-                      <m:r>
-                        <a:rPr lang="en-US" i="1" dirty="0" smtClean="0">
-                          <a:latin typeface="Cambria Math" panose="02040503050406030204" pitchFamily="18" charset="0"/>
-                        </a:rPr>
-                        <m:t>𝑛</m:t>
-                      </m:r>
-                      <m:func>
-                        <m:funcPr>
-                          <m:ctrlPr>
-                            <a:rPr lang="en-US" i="1" dirty="0" smtClean="0">
-                              <a:latin typeface="Cambria Math" panose="02040503050406030204" pitchFamily="18" charset="0"/>
-                            </a:rPr>
-                          </m:ctrlPr>
-                        </m:funcPr>
-                        <m:fName>
-                          <m:r>
-                            <m:rPr>
-                              <m:sty m:val="p"/>
-                            </m:rPr>
-                            <a:rPr lang="en-US" i="0" dirty="0" smtClean="0">
-                              <a:latin typeface="Cambria Math" panose="02040503050406030204" pitchFamily="18" charset="0"/>
-                            </a:rPr>
-                            <m:t>log</m:t>
-                          </m:r>
-                        </m:fName>
-                        <m:e>
-                          <m:r>
-                            <a:rPr lang="en-CA" b="0" i="1" dirty="0" smtClean="0">
-                              <a:latin typeface="Cambria Math" panose="02040503050406030204" pitchFamily="18" charset="0"/>
-                            </a:rPr>
-                            <m:t>𝑛</m:t>
-                          </m:r>
-                        </m:e>
-                      </m:func>
-                    </m:oMath>
-                  </m:oMathPara>
-                </a14:m>
-                <a:endParaRPr lang="en-CA" dirty="0"/>
-              </a:p>
-            </p:txBody>
-          </p:sp>
-        </mc:Choice>
-        <mc:Fallback xmlns="">
-          <p:sp>
-            <p:nvSpPr>
-              <p:cNvPr id="26" name="TextBox 25">
-                <a:extLst>
-                  <a:ext uri="{FF2B5EF4-FFF2-40B4-BE49-F238E27FC236}">
-                    <a16:creationId xmlns:a16="http://schemas.microsoft.com/office/drawing/2014/main" id="{F1F0687B-86B3-046B-A2C3-0FAC52017CB7}"/>
-                  </a:ext>
-                </a:extLst>
-              </p:cNvPr>
-              <p:cNvSpPr txBox="1">
-                <a:spLocks noRot="1" noChangeAspect="1" noMove="1" noResize="1" noEditPoints="1" noAdjustHandles="1" noChangeArrowheads="1" noChangeShapeType="1" noTextEdit="1"/>
-              </p:cNvSpPr>
-              <p:nvPr/>
-            </p:nvSpPr>
-            <p:spPr>
-              <a:xfrm>
-                <a:off x="6900822" y="3013470"/>
-                <a:ext cx="1299458" cy="369332"/>
-              </a:xfrm>
-              <a:prstGeom prst="rect">
-                <a:avLst/>
-              </a:prstGeom>
-              <a:blipFill>
-                <a:blip r:embed="rId15"/>
-                <a:stretch>
-                  <a:fillRect b="-13115"/>
-                </a:stretch>
-              </a:blipFill>
-            </p:spPr>
-            <p:txBody>
-              <a:bodyPr/>
-              <a:lstStyle/>
-              <a:p>
-                <a:r>
-                  <a:rPr lang="en-AU">
-                    <a:noFill/>
-                  </a:rPr>
-                  <a:t> </a:t>
-                </a:r>
-              </a:p>
-            </p:txBody>
-          </p:sp>
-        </mc:Fallback>
-      </mc:AlternateContent>
-      <mc:AlternateContent xmlns:mc="http://schemas.openxmlformats.org/markup-compatibility/2006" xmlns:a14="http://schemas.microsoft.com/office/drawing/2010/main">
-        <mc:Choice Requires="a14">
-          <p:sp>
-            <p:nvSpPr>
-              <p:cNvPr id="27" name="TextBox 26">
-                <a:extLst>
-                  <a:ext uri="{FF2B5EF4-FFF2-40B4-BE49-F238E27FC236}">
-                    <a16:creationId xmlns:a16="http://schemas.microsoft.com/office/drawing/2014/main" id="{46E86CC7-872F-420B-31E7-632488D37620}"/>
-                  </a:ext>
-                </a:extLst>
-              </p:cNvPr>
-              <p:cNvSpPr txBox="1"/>
-              <p:nvPr/>
-            </p:nvSpPr>
-            <p:spPr>
-              <a:xfrm>
-                <a:off x="8559052" y="2520820"/>
-                <a:ext cx="481927" cy="369332"/>
-              </a:xfrm>
-              <a:prstGeom prst="rect">
-                <a:avLst/>
-              </a:prstGeom>
-              <a:noFill/>
-            </p:spPr>
-            <p:txBody>
-              <a:bodyPr wrap="none" rtlCol="0">
-                <a:spAutoFit/>
-              </a:bodyPr>
-              <a:lstStyle/>
-              <a:p>
-                <a:pPr/>
-                <a14:m>
-                  <m:oMathPara xmlns:m="http://schemas.openxmlformats.org/officeDocument/2006/math">
-                    <m:oMathParaPr>
-                      <m:jc m:val="centerGroup"/>
-                    </m:oMathParaPr>
-                    <m:oMath xmlns:m="http://schemas.openxmlformats.org/officeDocument/2006/math">
-                      <m:sSup>
-                        <m:sSupPr>
-                          <m:ctrlPr>
-                            <a:rPr lang="en-US" i="1" smtClean="0">
-                              <a:latin typeface="Cambria Math" panose="02040503050406030204" pitchFamily="18" charset="0"/>
-                            </a:rPr>
-                          </m:ctrlPr>
-                        </m:sSupPr>
-                        <m:e>
-                          <m:r>
-                            <a:rPr lang="en-US" b="0" i="1" smtClean="0">
-                              <a:latin typeface="Cambria Math" panose="02040503050406030204" pitchFamily="18" charset="0"/>
-                            </a:rPr>
-                            <m:t>𝑛</m:t>
-                          </m:r>
-                        </m:e>
-                        <m:sup>
-                          <m:r>
-                            <a:rPr lang="en-US" b="0" i="1" smtClean="0">
-                              <a:latin typeface="Cambria Math" panose="02040503050406030204" pitchFamily="18" charset="0"/>
-                            </a:rPr>
-                            <m:t>2</m:t>
-                          </m:r>
-                        </m:sup>
-                      </m:sSup>
-                    </m:oMath>
-                  </m:oMathPara>
-                </a14:m>
-                <a:endParaRPr lang="en-CA" dirty="0"/>
-              </a:p>
-            </p:txBody>
-          </p:sp>
-        </mc:Choice>
-        <mc:Fallback xmlns="">
-          <p:sp>
-            <p:nvSpPr>
-              <p:cNvPr id="27" name="TextBox 26">
-                <a:extLst>
-                  <a:ext uri="{FF2B5EF4-FFF2-40B4-BE49-F238E27FC236}">
-                    <a16:creationId xmlns:a16="http://schemas.microsoft.com/office/drawing/2014/main" id="{46E86CC7-872F-420B-31E7-632488D37620}"/>
-                  </a:ext>
-                </a:extLst>
-              </p:cNvPr>
-              <p:cNvSpPr txBox="1">
-                <a:spLocks noRot="1" noChangeAspect="1" noMove="1" noResize="1" noEditPoints="1" noAdjustHandles="1" noChangeArrowheads="1" noChangeShapeType="1" noTextEdit="1"/>
-              </p:cNvSpPr>
-              <p:nvPr/>
-            </p:nvSpPr>
-            <p:spPr>
-              <a:xfrm>
-                <a:off x="8559052" y="2520820"/>
-                <a:ext cx="481927" cy="369332"/>
-              </a:xfrm>
-              <a:prstGeom prst="rect">
-                <a:avLst/>
-              </a:prstGeom>
-              <a:blipFill>
-                <a:blip r:embed="rId16"/>
-                <a:stretch>
-                  <a:fillRect/>
-                </a:stretch>
-              </a:blipFill>
-            </p:spPr>
-            <p:txBody>
-              <a:bodyPr/>
-              <a:lstStyle/>
-              <a:p>
-                <a:r>
-                  <a:rPr lang="en-CA">
-                    <a:noFill/>
-                  </a:rPr>
-                  <a:t> </a:t>
-                </a:r>
-              </a:p>
-            </p:txBody>
-          </p:sp>
-        </mc:Fallback>
-      </mc:AlternateContent>
-      <mc:AlternateContent xmlns:mc="http://schemas.openxmlformats.org/markup-compatibility/2006" xmlns:a14="http://schemas.microsoft.com/office/drawing/2010/main">
-        <mc:Choice Requires="a14">
-          <p:sp>
-            <p:nvSpPr>
-              <p:cNvPr id="28" name="TextBox 27">
-                <a:extLst>
-                  <a:ext uri="{FF2B5EF4-FFF2-40B4-BE49-F238E27FC236}">
-                    <a16:creationId xmlns:a16="http://schemas.microsoft.com/office/drawing/2014/main" id="{4A8E25F1-6C5F-42CB-976A-237D19FFE65C}"/>
-                  </a:ext>
-                </a:extLst>
-              </p:cNvPr>
-              <p:cNvSpPr txBox="1"/>
-              <p:nvPr/>
-            </p:nvSpPr>
-            <p:spPr>
-              <a:xfrm>
-                <a:off x="8225662" y="2948978"/>
-                <a:ext cx="1151149" cy="369332"/>
-              </a:xfrm>
-              <a:prstGeom prst="rect">
-                <a:avLst/>
-              </a:prstGeom>
-              <a:noFill/>
-            </p:spPr>
-            <p:txBody>
-              <a:bodyPr wrap="none" rtlCol="0">
-                <a:spAutoFit/>
-              </a:bodyPr>
-              <a:lstStyle/>
-              <a:p>
-                <a:pPr/>
-                <a14:m>
-                  <m:oMathPara xmlns:m="http://schemas.openxmlformats.org/officeDocument/2006/math">
-                    <m:oMathParaPr>
-                      <m:jc m:val="centerGroup"/>
-                    </m:oMathParaPr>
-                    <m:oMath xmlns:m="http://schemas.openxmlformats.org/officeDocument/2006/math">
-                      <m:r>
-                        <a:rPr lang="en-US" b="0" i="1" smtClean="0">
-                          <a:latin typeface="Cambria Math" panose="02040503050406030204" pitchFamily="18" charset="0"/>
-                        </a:rPr>
-                        <m:t>2</m:t>
-                      </m:r>
-                      <m:sSup>
-                        <m:sSupPr>
-                          <m:ctrlPr>
-                            <a:rPr lang="en-US" i="1" smtClean="0">
-                              <a:latin typeface="Cambria Math" panose="02040503050406030204" pitchFamily="18" charset="0"/>
-                            </a:rPr>
-                          </m:ctrlPr>
-                        </m:sSupPr>
-                        <m:e>
-                          <m:r>
-                            <a:rPr lang="en-US" b="0" i="1" smtClean="0">
-                              <a:latin typeface="Cambria Math" panose="02040503050406030204" pitchFamily="18" charset="0"/>
-                            </a:rPr>
-                            <m:t>𝑛</m:t>
-                          </m:r>
-                        </m:e>
-                        <m:sup>
-                          <m:r>
-                            <a:rPr lang="en-US" b="0" i="1" smtClean="0">
-                              <a:latin typeface="Cambria Math" panose="02040503050406030204" pitchFamily="18" charset="0"/>
-                            </a:rPr>
-                            <m:t>2</m:t>
-                          </m:r>
-                        </m:sup>
-                      </m:sSup>
-                      <m:r>
-                        <a:rPr lang="en-US" b="0" i="1" smtClean="0">
-                          <a:latin typeface="Cambria Math" panose="02040503050406030204" pitchFamily="18" charset="0"/>
-                        </a:rPr>
-                        <m:t>−3</m:t>
-                      </m:r>
-                      <m:r>
-                        <a:rPr lang="en-US" b="0" i="1" smtClean="0">
-                          <a:latin typeface="Cambria Math" panose="02040503050406030204" pitchFamily="18" charset="0"/>
-                        </a:rPr>
-                        <m:t>𝑛</m:t>
-                      </m:r>
-                    </m:oMath>
-                  </m:oMathPara>
-                </a14:m>
-                <a:endParaRPr lang="en-CA" dirty="0"/>
-              </a:p>
-            </p:txBody>
-          </p:sp>
-        </mc:Choice>
-        <mc:Fallback xmlns="">
-          <p:sp>
-            <p:nvSpPr>
-              <p:cNvPr id="28" name="TextBox 27">
-                <a:extLst>
-                  <a:ext uri="{FF2B5EF4-FFF2-40B4-BE49-F238E27FC236}">
-                    <a16:creationId xmlns:a16="http://schemas.microsoft.com/office/drawing/2014/main" id="{4A8E25F1-6C5F-42CB-976A-237D19FFE65C}"/>
-                  </a:ext>
-                </a:extLst>
-              </p:cNvPr>
-              <p:cNvSpPr txBox="1">
-                <a:spLocks noRot="1" noChangeAspect="1" noMove="1" noResize="1" noEditPoints="1" noAdjustHandles="1" noChangeArrowheads="1" noChangeShapeType="1" noTextEdit="1"/>
-              </p:cNvSpPr>
-              <p:nvPr/>
-            </p:nvSpPr>
-            <p:spPr>
-              <a:xfrm>
-                <a:off x="8225662" y="2948978"/>
-                <a:ext cx="1151149" cy="369332"/>
-              </a:xfrm>
-              <a:prstGeom prst="rect">
-                <a:avLst/>
-              </a:prstGeom>
-              <a:blipFill>
-                <a:blip r:embed="rId17"/>
-                <a:stretch>
-                  <a:fillRect/>
-                </a:stretch>
-              </a:blipFill>
-            </p:spPr>
-            <p:txBody>
-              <a:bodyPr/>
-              <a:lstStyle/>
-              <a:p>
-                <a:r>
-                  <a:rPr lang="en-CA">
-                    <a:noFill/>
-                  </a:rPr>
-                  <a:t> </a:t>
-                </a:r>
-              </a:p>
-            </p:txBody>
-          </p:sp>
-        </mc:Fallback>
-      </mc:AlternateContent>
-      <mc:AlternateContent xmlns:mc="http://schemas.openxmlformats.org/markup-compatibility/2006" xmlns:a14="http://schemas.microsoft.com/office/drawing/2010/main">
-        <mc:Choice Requires="a14">
-          <p:sp>
-            <p:nvSpPr>
-              <p:cNvPr id="29" name="TextBox 28">
-                <a:extLst>
-                  <a:ext uri="{FF2B5EF4-FFF2-40B4-BE49-F238E27FC236}">
-                    <a16:creationId xmlns:a16="http://schemas.microsoft.com/office/drawing/2014/main" id="{E5F8CB23-F313-4C6C-9D47-50951D6FB96E}"/>
-                  </a:ext>
-                </a:extLst>
-              </p:cNvPr>
-              <p:cNvSpPr txBox="1"/>
-              <p:nvPr/>
-            </p:nvSpPr>
-            <p:spPr>
-              <a:xfrm>
-                <a:off x="9664296" y="2558920"/>
-                <a:ext cx="499560" cy="369332"/>
-              </a:xfrm>
-              <a:prstGeom prst="rect">
-                <a:avLst/>
-              </a:prstGeom>
-              <a:noFill/>
-            </p:spPr>
-            <p:txBody>
-              <a:bodyPr wrap="none" rtlCol="0">
-                <a:spAutoFit/>
-              </a:bodyPr>
-              <a:lstStyle/>
-              <a:p>
-                <a:pPr/>
-                <a14:m>
-                  <m:oMathPara xmlns:m="http://schemas.openxmlformats.org/officeDocument/2006/math">
-                    <m:oMathParaPr>
-                      <m:jc m:val="centerGroup"/>
-                    </m:oMathParaPr>
-                    <m:oMath xmlns:m="http://schemas.openxmlformats.org/officeDocument/2006/math">
-                      <m:sSup>
-                        <m:sSupPr>
-                          <m:ctrlPr>
-                            <a:rPr lang="en-US" i="1" smtClean="0">
-                              <a:latin typeface="Cambria Math" panose="02040503050406030204" pitchFamily="18" charset="0"/>
-                            </a:rPr>
-                          </m:ctrlPr>
-                        </m:sSupPr>
-                        <m:e>
-                          <m:r>
-                            <a:rPr lang="en-US" b="0" i="1" smtClean="0">
-                              <a:latin typeface="Cambria Math" panose="02040503050406030204" pitchFamily="18" charset="0"/>
-                            </a:rPr>
-                            <m:t>𝑛</m:t>
-                          </m:r>
-                        </m:e>
-                        <m:sup>
-                          <m:r>
-                            <a:rPr lang="en-US" b="0" i="1" smtClean="0">
-                              <a:latin typeface="Cambria Math" panose="02040503050406030204" pitchFamily="18" charset="0"/>
-                            </a:rPr>
-                            <m:t>3</m:t>
-                          </m:r>
-                        </m:sup>
-                      </m:sSup>
-                    </m:oMath>
-                  </m:oMathPara>
-                </a14:m>
-                <a:endParaRPr lang="en-CA" dirty="0"/>
-              </a:p>
-            </p:txBody>
-          </p:sp>
-        </mc:Choice>
-        <mc:Fallback xmlns="">
-          <p:sp>
-            <p:nvSpPr>
-              <p:cNvPr id="29" name="TextBox 28">
-                <a:extLst>
-                  <a:ext uri="{FF2B5EF4-FFF2-40B4-BE49-F238E27FC236}">
-                    <a16:creationId xmlns:a16="http://schemas.microsoft.com/office/drawing/2014/main" id="{E5F8CB23-F313-4C6C-9D47-50951D6FB96E}"/>
-                  </a:ext>
-                </a:extLst>
-              </p:cNvPr>
-              <p:cNvSpPr txBox="1">
-                <a:spLocks noRot="1" noChangeAspect="1" noMove="1" noResize="1" noEditPoints="1" noAdjustHandles="1" noChangeArrowheads="1" noChangeShapeType="1" noTextEdit="1"/>
-              </p:cNvSpPr>
-              <p:nvPr/>
-            </p:nvSpPr>
-            <p:spPr>
-              <a:xfrm>
-                <a:off x="9664296" y="2558920"/>
-                <a:ext cx="499560" cy="369332"/>
-              </a:xfrm>
-              <a:prstGeom prst="rect">
-                <a:avLst/>
-              </a:prstGeom>
-              <a:blipFill>
-                <a:blip r:embed="rId18"/>
-                <a:stretch>
-                  <a:fillRect/>
-                </a:stretch>
-              </a:blipFill>
-            </p:spPr>
-            <p:txBody>
-              <a:bodyPr/>
-              <a:lstStyle/>
-              <a:p>
-                <a:r>
-                  <a:rPr lang="en-CA">
-                    <a:noFill/>
-                  </a:rPr>
-                  <a:t> </a:t>
-                </a:r>
-              </a:p>
-            </p:txBody>
-          </p:sp>
-        </mc:Fallback>
-      </mc:AlternateContent>
-      <mc:AlternateContent xmlns:mc="http://schemas.openxmlformats.org/markup-compatibility/2006" xmlns:a14="http://schemas.microsoft.com/office/drawing/2010/main">
-        <mc:Choice Requires="a14">
-          <p:sp>
-            <p:nvSpPr>
-              <p:cNvPr id="30" name="TextBox 29">
-                <a:extLst>
-                  <a:ext uri="{FF2B5EF4-FFF2-40B4-BE49-F238E27FC236}">
-                    <a16:creationId xmlns:a16="http://schemas.microsoft.com/office/drawing/2014/main" id="{524B3A36-10ED-084A-FEEB-607DF8205A9D}"/>
-                  </a:ext>
-                </a:extLst>
-              </p:cNvPr>
-              <p:cNvSpPr txBox="1"/>
-              <p:nvPr/>
-            </p:nvSpPr>
-            <p:spPr>
-              <a:xfrm>
-                <a:off x="9347567" y="2948978"/>
-                <a:ext cx="1405962" cy="369332"/>
-              </a:xfrm>
-              <a:prstGeom prst="rect">
-                <a:avLst/>
-              </a:prstGeom>
-              <a:noFill/>
-            </p:spPr>
-            <p:txBody>
-              <a:bodyPr wrap="none" rtlCol="0">
-                <a:spAutoFit/>
-              </a:bodyPr>
-              <a:lstStyle/>
-              <a:p>
-                <a:pPr/>
-                <a14:m>
-                  <m:oMathPara xmlns:m="http://schemas.openxmlformats.org/officeDocument/2006/math">
-                    <m:oMathParaPr>
-                      <m:jc m:val="centerGroup"/>
-                    </m:oMathParaPr>
-                    <m:oMath xmlns:m="http://schemas.openxmlformats.org/officeDocument/2006/math">
-                      <m:sSup>
-                        <m:sSupPr>
-                          <m:ctrlPr>
-                            <a:rPr lang="en-US" i="1" smtClean="0">
-                              <a:latin typeface="Cambria Math" panose="02040503050406030204" pitchFamily="18" charset="0"/>
-                            </a:rPr>
-                          </m:ctrlPr>
-                        </m:sSupPr>
-                        <m:e>
-                          <m:r>
-                            <a:rPr lang="en-US" b="0" i="1" smtClean="0">
-                              <a:latin typeface="Cambria Math" panose="02040503050406030204" pitchFamily="18" charset="0"/>
-                            </a:rPr>
-                            <m:t>𝑛</m:t>
-                          </m:r>
-                        </m:e>
-                        <m:sup>
-                          <m:r>
-                            <a:rPr lang="en-US" b="0" i="1" smtClean="0">
-                              <a:latin typeface="Cambria Math" panose="02040503050406030204" pitchFamily="18" charset="0"/>
-                            </a:rPr>
-                            <m:t>3</m:t>
-                          </m:r>
-                        </m:sup>
-                      </m:sSup>
-                      <m:r>
-                        <a:rPr lang="en-US" b="0" i="1" smtClean="0">
-                          <a:latin typeface="Cambria Math" panose="02040503050406030204" pitchFamily="18" charset="0"/>
-                        </a:rPr>
-                        <m:t>−</m:t>
-                      </m:r>
-                      <m:sSup>
-                        <m:sSupPr>
-                          <m:ctrlPr>
-                            <a:rPr lang="en-US" b="0" i="1" smtClean="0">
-                              <a:latin typeface="Cambria Math" panose="02040503050406030204" pitchFamily="18" charset="0"/>
-                            </a:rPr>
-                          </m:ctrlPr>
-                        </m:sSupPr>
-                        <m:e>
-                          <m:r>
-                            <a:rPr lang="en-US" b="0" i="1" smtClean="0">
-                              <a:latin typeface="Cambria Math" panose="02040503050406030204" pitchFamily="18" charset="0"/>
-                            </a:rPr>
-                            <m:t>𝑛</m:t>
-                          </m:r>
-                        </m:e>
-                        <m:sup>
-                          <m:r>
-                            <a:rPr lang="en-US" b="0" i="1" smtClean="0">
-                              <a:latin typeface="Cambria Math" panose="02040503050406030204" pitchFamily="18" charset="0"/>
-                            </a:rPr>
-                            <m:t>2</m:t>
-                          </m:r>
-                        </m:sup>
-                      </m:sSup>
-                      <m:r>
-                        <a:rPr lang="en-US" b="0" i="1" smtClean="0">
-                          <a:latin typeface="Cambria Math" panose="02040503050406030204" pitchFamily="18" charset="0"/>
-                        </a:rPr>
-                        <m:t>+5</m:t>
-                      </m:r>
-                    </m:oMath>
-                  </m:oMathPara>
-                </a14:m>
-                <a:endParaRPr lang="en-CA" dirty="0"/>
-              </a:p>
-            </p:txBody>
-          </p:sp>
-        </mc:Choice>
-        <mc:Fallback xmlns="">
-          <p:sp>
-            <p:nvSpPr>
-              <p:cNvPr id="30" name="TextBox 29">
-                <a:extLst>
-                  <a:ext uri="{FF2B5EF4-FFF2-40B4-BE49-F238E27FC236}">
-                    <a16:creationId xmlns:a16="http://schemas.microsoft.com/office/drawing/2014/main" id="{524B3A36-10ED-084A-FEEB-607DF8205A9D}"/>
-                  </a:ext>
-                </a:extLst>
-              </p:cNvPr>
-              <p:cNvSpPr txBox="1">
-                <a:spLocks noRot="1" noChangeAspect="1" noMove="1" noResize="1" noEditPoints="1" noAdjustHandles="1" noChangeArrowheads="1" noChangeShapeType="1" noTextEdit="1"/>
-              </p:cNvSpPr>
-              <p:nvPr/>
-            </p:nvSpPr>
-            <p:spPr>
-              <a:xfrm>
-                <a:off x="9347567" y="2948978"/>
-                <a:ext cx="1405962" cy="369332"/>
-              </a:xfrm>
-              <a:prstGeom prst="rect">
-                <a:avLst/>
-              </a:prstGeom>
-              <a:blipFill>
-                <a:blip r:embed="rId19"/>
-                <a:stretch>
-                  <a:fillRect/>
-                </a:stretch>
-              </a:blipFill>
-            </p:spPr>
-            <p:txBody>
-              <a:bodyPr/>
-              <a:lstStyle/>
-              <a:p>
-                <a:r>
-                  <a:rPr lang="en-CA">
-                    <a:noFill/>
-                  </a:rPr>
-                  <a:t> </a:t>
-                </a:r>
-              </a:p>
-            </p:txBody>
-          </p:sp>
-        </mc:Fallback>
-      </mc:AlternateContent>
-      <mc:AlternateContent xmlns:mc="http://schemas.openxmlformats.org/markup-compatibility/2006" xmlns:a14="http://schemas.microsoft.com/office/drawing/2010/main">
-        <mc:Choice Requires="a14">
-          <p:sp>
-            <p:nvSpPr>
-              <p:cNvPr id="31" name="TextBox 30">
-                <a:extLst>
-                  <a:ext uri="{FF2B5EF4-FFF2-40B4-BE49-F238E27FC236}">
-                    <a16:creationId xmlns:a16="http://schemas.microsoft.com/office/drawing/2014/main" id="{DE30817E-1599-C714-C5CA-5A7D705A3FBC}"/>
-                  </a:ext>
-                </a:extLst>
-              </p:cNvPr>
-              <p:cNvSpPr txBox="1"/>
-              <p:nvPr/>
-            </p:nvSpPr>
-            <p:spPr>
-              <a:xfrm>
-                <a:off x="11004607" y="2595820"/>
-                <a:ext cx="487248" cy="369332"/>
-              </a:xfrm>
-              <a:prstGeom prst="rect">
-                <a:avLst/>
-              </a:prstGeom>
-              <a:noFill/>
-            </p:spPr>
-            <p:txBody>
-              <a:bodyPr wrap="none" rtlCol="0">
-                <a:spAutoFit/>
-              </a:bodyPr>
-              <a:lstStyle/>
-              <a:p>
-                <a:pPr/>
-                <a14:m>
-                  <m:oMathPara xmlns:m="http://schemas.openxmlformats.org/officeDocument/2006/math">
-                    <m:oMathParaPr>
-                      <m:jc m:val="centerGroup"/>
-                    </m:oMathParaPr>
-                    <m:oMath xmlns:m="http://schemas.openxmlformats.org/officeDocument/2006/math">
-                      <m:sSup>
-                        <m:sSupPr>
-                          <m:ctrlPr>
-                            <a:rPr lang="en-US" i="1" smtClean="0">
-                              <a:latin typeface="Cambria Math" panose="02040503050406030204" pitchFamily="18" charset="0"/>
-                            </a:rPr>
-                          </m:ctrlPr>
-                        </m:sSupPr>
-                        <m:e>
-                          <m:r>
-                            <a:rPr lang="en-US" b="0" i="1" smtClean="0">
-                              <a:latin typeface="Cambria Math" panose="02040503050406030204" pitchFamily="18" charset="0"/>
-                            </a:rPr>
-                            <m:t>2</m:t>
-                          </m:r>
-                        </m:e>
-                        <m:sup>
-                          <m:r>
-                            <a:rPr lang="en-US" b="0" i="1" smtClean="0">
-                              <a:latin typeface="Cambria Math" panose="02040503050406030204" pitchFamily="18" charset="0"/>
-                            </a:rPr>
-                            <m:t>𝑛</m:t>
-                          </m:r>
-                        </m:sup>
-                      </m:sSup>
-                    </m:oMath>
-                  </m:oMathPara>
-                </a14:m>
-                <a:endParaRPr lang="en-CA" dirty="0"/>
-              </a:p>
-            </p:txBody>
-          </p:sp>
-        </mc:Choice>
-        <mc:Fallback xmlns="">
-          <p:sp>
-            <p:nvSpPr>
-              <p:cNvPr id="31" name="TextBox 30">
-                <a:extLst>
-                  <a:ext uri="{FF2B5EF4-FFF2-40B4-BE49-F238E27FC236}">
-                    <a16:creationId xmlns:a16="http://schemas.microsoft.com/office/drawing/2014/main" id="{DE30817E-1599-C714-C5CA-5A7D705A3FBC}"/>
-                  </a:ext>
-                </a:extLst>
-              </p:cNvPr>
-              <p:cNvSpPr txBox="1">
-                <a:spLocks noRot="1" noChangeAspect="1" noMove="1" noResize="1" noEditPoints="1" noAdjustHandles="1" noChangeArrowheads="1" noChangeShapeType="1" noTextEdit="1"/>
-              </p:cNvSpPr>
-              <p:nvPr/>
-            </p:nvSpPr>
-            <p:spPr>
-              <a:xfrm>
-                <a:off x="11004607" y="2595820"/>
-                <a:ext cx="487248" cy="369332"/>
-              </a:xfrm>
-              <a:prstGeom prst="rect">
-                <a:avLst/>
-              </a:prstGeom>
-              <a:blipFill>
-                <a:blip r:embed="rId20"/>
-                <a:stretch>
-                  <a:fillRect/>
-                </a:stretch>
-              </a:blipFill>
-            </p:spPr>
-            <p:txBody>
-              <a:bodyPr/>
-              <a:lstStyle/>
-              <a:p>
-                <a:r>
-                  <a:rPr lang="en-CA">
-                    <a:noFill/>
-                  </a:rPr>
-                  <a:t> </a:t>
-                </a:r>
-              </a:p>
-            </p:txBody>
-          </p:sp>
-        </mc:Fallback>
-      </mc:AlternateContent>
-      <mc:AlternateContent xmlns:mc="http://schemas.openxmlformats.org/markup-compatibility/2006" xmlns:a14="http://schemas.microsoft.com/office/drawing/2010/main">
-        <mc:Choice Requires="a14">
-          <p:sp>
-            <p:nvSpPr>
-              <p:cNvPr id="32" name="TextBox 31">
-                <a:extLst>
-                  <a:ext uri="{FF2B5EF4-FFF2-40B4-BE49-F238E27FC236}">
-                    <a16:creationId xmlns:a16="http://schemas.microsoft.com/office/drawing/2014/main" id="{B76C0C9B-F6E1-560F-6779-0181EAE8D067}"/>
-                  </a:ext>
-                </a:extLst>
-              </p:cNvPr>
-              <p:cNvSpPr txBox="1"/>
-              <p:nvPr/>
-            </p:nvSpPr>
-            <p:spPr>
-              <a:xfrm>
-                <a:off x="10654156" y="2981325"/>
-                <a:ext cx="1197957" cy="369332"/>
-              </a:xfrm>
-              <a:prstGeom prst="rect">
-                <a:avLst/>
-              </a:prstGeom>
-              <a:noFill/>
-            </p:spPr>
-            <p:txBody>
-              <a:bodyPr wrap="none" rtlCol="0">
-                <a:spAutoFit/>
-              </a:bodyPr>
-              <a:lstStyle/>
-              <a:p>
-                <a:pPr/>
-                <a14:m>
-                  <m:oMathPara xmlns:m="http://schemas.openxmlformats.org/officeDocument/2006/math">
-                    <m:oMathParaPr>
-                      <m:jc m:val="centerGroup"/>
-                    </m:oMathParaPr>
-                    <m:oMath xmlns:m="http://schemas.openxmlformats.org/officeDocument/2006/math">
-                      <m:sSup>
-                        <m:sSupPr>
-                          <m:ctrlPr>
-                            <a:rPr lang="en-US" i="1" smtClean="0">
-                              <a:latin typeface="Cambria Math" panose="02040503050406030204" pitchFamily="18" charset="0"/>
-                            </a:rPr>
-                          </m:ctrlPr>
-                        </m:sSupPr>
-                        <m:e>
-                          <m:r>
-                            <a:rPr lang="en-US" b="0" i="1" smtClean="0">
-                              <a:latin typeface="Cambria Math" panose="02040503050406030204" pitchFamily="18" charset="0"/>
-                            </a:rPr>
-                            <m:t>2</m:t>
-                          </m:r>
-                        </m:e>
-                        <m:sup>
-                          <m:r>
-                            <a:rPr lang="en-US" b="0" i="1" smtClean="0">
-                              <a:latin typeface="Cambria Math" panose="02040503050406030204" pitchFamily="18" charset="0"/>
-                            </a:rPr>
-                            <m:t>𝑛</m:t>
-                          </m:r>
-                        </m:sup>
-                      </m:sSup>
-                      <m:r>
-                        <a:rPr lang="en-US" b="0" i="1" smtClean="0">
-                          <a:latin typeface="Cambria Math" panose="02040503050406030204" pitchFamily="18" charset="0"/>
-                        </a:rPr>
-                        <m:t>+</m:t>
-                      </m:r>
-                      <m:sSup>
-                        <m:sSupPr>
-                          <m:ctrlPr>
-                            <a:rPr lang="en-US" b="0" i="1" smtClean="0">
-                              <a:latin typeface="Cambria Math" panose="02040503050406030204" pitchFamily="18" charset="0"/>
-                            </a:rPr>
-                          </m:ctrlPr>
-                        </m:sSupPr>
-                        <m:e>
-                          <m:r>
-                            <a:rPr lang="en-US" b="0" i="1" smtClean="0">
-                              <a:latin typeface="Cambria Math" panose="02040503050406030204" pitchFamily="18" charset="0"/>
-                            </a:rPr>
-                            <m:t>𝑛</m:t>
-                          </m:r>
-                        </m:e>
-                        <m:sup>
-                          <m:r>
-                            <a:rPr lang="en-US" b="0" i="1" smtClean="0">
-                              <a:latin typeface="Cambria Math" panose="02040503050406030204" pitchFamily="18" charset="0"/>
-                            </a:rPr>
-                            <m:t>100</m:t>
-                          </m:r>
-                        </m:sup>
-                      </m:sSup>
-                    </m:oMath>
-                  </m:oMathPara>
-                </a14:m>
-                <a:endParaRPr lang="en-CA" dirty="0"/>
-              </a:p>
-            </p:txBody>
-          </p:sp>
-        </mc:Choice>
-        <mc:Fallback xmlns="">
-          <p:sp>
-            <p:nvSpPr>
-              <p:cNvPr id="32" name="TextBox 31">
-                <a:extLst>
-                  <a:ext uri="{FF2B5EF4-FFF2-40B4-BE49-F238E27FC236}">
-                    <a16:creationId xmlns:a16="http://schemas.microsoft.com/office/drawing/2014/main" id="{B76C0C9B-F6E1-560F-6779-0181EAE8D067}"/>
-                  </a:ext>
-                </a:extLst>
-              </p:cNvPr>
-              <p:cNvSpPr txBox="1">
-                <a:spLocks noRot="1" noChangeAspect="1" noMove="1" noResize="1" noEditPoints="1" noAdjustHandles="1" noChangeArrowheads="1" noChangeShapeType="1" noTextEdit="1"/>
-              </p:cNvSpPr>
-              <p:nvPr/>
-            </p:nvSpPr>
-            <p:spPr>
-              <a:xfrm>
-                <a:off x="10654156" y="2981325"/>
-                <a:ext cx="1197957" cy="369332"/>
-              </a:xfrm>
-              <a:prstGeom prst="rect">
-                <a:avLst/>
-              </a:prstGeom>
-              <a:blipFill>
-                <a:blip r:embed="rId21"/>
-                <a:stretch>
-                  <a:fillRect/>
-                </a:stretch>
-              </a:blipFill>
-            </p:spPr>
-            <p:txBody>
-              <a:bodyPr/>
-              <a:lstStyle/>
-              <a:p>
-                <a:r>
-                  <a:rPr lang="en-CA">
-                    <a:noFill/>
-                  </a:rPr>
-                  <a:t> </a:t>
-                </a:r>
-              </a:p>
-            </p:txBody>
-          </p:sp>
-        </mc:Fallback>
-      </mc:AlternateContent>
-      <p:sp>
-        <p:nvSpPr>
-          <p:cNvPr id="33" name="TextBox 32">
-            <a:extLst>
-              <a:ext uri="{FF2B5EF4-FFF2-40B4-BE49-F238E27FC236}">
-                <a16:creationId xmlns:a16="http://schemas.microsoft.com/office/drawing/2014/main" id="{F0EEDC32-94B7-433A-B16A-AB90D705F914}"/>
-              </a:ext>
-            </a:extLst>
-          </p:cNvPr>
-          <p:cNvSpPr txBox="1"/>
-          <p:nvPr/>
-        </p:nvSpPr>
-        <p:spPr>
-          <a:xfrm>
-            <a:off x="5503921" y="3285947"/>
-            <a:ext cx="343364" cy="369332"/>
-          </a:xfrm>
-          <a:prstGeom prst="rect">
-            <a:avLst/>
-          </a:prstGeom>
-          <a:noFill/>
-        </p:spPr>
-        <p:txBody>
-          <a:bodyPr wrap="none" rtlCol="0">
-            <a:spAutoFit/>
-          </a:bodyPr>
-          <a:lstStyle/>
-          <a:p>
-            <a:r>
-              <a:rPr lang="en-US" dirty="0"/>
-              <a:t>…</a:t>
-            </a:r>
-            <a:endParaRPr lang="en-CA" dirty="0"/>
-          </a:p>
-        </p:txBody>
-      </p:sp>
-      <p:sp>
-        <p:nvSpPr>
-          <p:cNvPr id="34" name="TextBox 33">
-            <a:extLst>
-              <a:ext uri="{FF2B5EF4-FFF2-40B4-BE49-F238E27FC236}">
-                <a16:creationId xmlns:a16="http://schemas.microsoft.com/office/drawing/2014/main" id="{7D7BE493-484F-6025-02C4-DE2CED88E42B}"/>
-              </a:ext>
-            </a:extLst>
-          </p:cNvPr>
-          <p:cNvSpPr txBox="1"/>
-          <p:nvPr/>
-        </p:nvSpPr>
-        <p:spPr>
-          <a:xfrm>
-            <a:off x="7032473" y="3320651"/>
-            <a:ext cx="343364" cy="369332"/>
-          </a:xfrm>
-          <a:prstGeom prst="rect">
-            <a:avLst/>
-          </a:prstGeom>
-          <a:noFill/>
-        </p:spPr>
-        <p:txBody>
-          <a:bodyPr wrap="none" rtlCol="0">
-            <a:spAutoFit/>
-          </a:bodyPr>
-          <a:lstStyle/>
-          <a:p>
-            <a:r>
-              <a:rPr lang="en-US" dirty="0"/>
-              <a:t>…</a:t>
-            </a:r>
-            <a:endParaRPr lang="en-CA" dirty="0"/>
-          </a:p>
-        </p:txBody>
-      </p:sp>
-      <p:sp>
-        <p:nvSpPr>
-          <p:cNvPr id="35" name="TextBox 34">
-            <a:extLst>
-              <a:ext uri="{FF2B5EF4-FFF2-40B4-BE49-F238E27FC236}">
-                <a16:creationId xmlns:a16="http://schemas.microsoft.com/office/drawing/2014/main" id="{946DE708-8EED-DCEE-C36C-708E5FC96F54}"/>
-              </a:ext>
-            </a:extLst>
-          </p:cNvPr>
-          <p:cNvSpPr txBox="1"/>
-          <p:nvPr/>
-        </p:nvSpPr>
-        <p:spPr>
-          <a:xfrm>
-            <a:off x="8351916" y="3234947"/>
-            <a:ext cx="343364" cy="369332"/>
-          </a:xfrm>
-          <a:prstGeom prst="rect">
-            <a:avLst/>
-          </a:prstGeom>
-          <a:noFill/>
-        </p:spPr>
-        <p:txBody>
-          <a:bodyPr wrap="none" rtlCol="0">
-            <a:spAutoFit/>
-          </a:bodyPr>
-          <a:lstStyle/>
-          <a:p>
-            <a:r>
-              <a:rPr lang="en-US" dirty="0"/>
-              <a:t>…</a:t>
-            </a:r>
-            <a:endParaRPr lang="en-CA" dirty="0"/>
-          </a:p>
-        </p:txBody>
-      </p:sp>
-      <p:sp>
-        <p:nvSpPr>
-          <p:cNvPr id="36" name="TextBox 35">
-            <a:extLst>
-              <a:ext uri="{FF2B5EF4-FFF2-40B4-BE49-F238E27FC236}">
-                <a16:creationId xmlns:a16="http://schemas.microsoft.com/office/drawing/2014/main" id="{879758D1-EF46-DDB9-958F-CCCB24A46FA6}"/>
-              </a:ext>
-            </a:extLst>
-          </p:cNvPr>
-          <p:cNvSpPr txBox="1"/>
-          <p:nvPr/>
-        </p:nvSpPr>
-        <p:spPr>
-          <a:xfrm>
-            <a:off x="9635856" y="3285947"/>
-            <a:ext cx="343364" cy="369332"/>
-          </a:xfrm>
-          <a:prstGeom prst="rect">
-            <a:avLst/>
-          </a:prstGeom>
-          <a:noFill/>
-        </p:spPr>
-        <p:txBody>
-          <a:bodyPr wrap="square" rtlCol="0">
-            <a:spAutoFit/>
-          </a:bodyPr>
-          <a:lstStyle/>
-          <a:p>
-            <a:r>
-              <a:rPr lang="en-US" dirty="0"/>
-              <a:t>…</a:t>
-            </a:r>
-            <a:endParaRPr lang="en-CA" dirty="0"/>
-          </a:p>
-        </p:txBody>
-      </p:sp>
-      <p:sp>
-        <p:nvSpPr>
-          <p:cNvPr id="37" name="TextBox 36">
-            <a:extLst>
-              <a:ext uri="{FF2B5EF4-FFF2-40B4-BE49-F238E27FC236}">
-                <a16:creationId xmlns:a16="http://schemas.microsoft.com/office/drawing/2014/main" id="{37A7BD45-EAC8-1ADA-4B5C-3C11464B1F80}"/>
-              </a:ext>
-            </a:extLst>
-          </p:cNvPr>
-          <p:cNvSpPr txBox="1"/>
-          <p:nvPr/>
-        </p:nvSpPr>
-        <p:spPr>
-          <a:xfrm>
-            <a:off x="10832925" y="3286979"/>
-            <a:ext cx="343364" cy="369332"/>
-          </a:xfrm>
-          <a:prstGeom prst="rect">
-            <a:avLst/>
-          </a:prstGeom>
-          <a:noFill/>
-        </p:spPr>
-        <p:txBody>
-          <a:bodyPr wrap="none" rtlCol="0">
-            <a:spAutoFit/>
-          </a:bodyPr>
-          <a:lstStyle/>
-          <a:p>
-            <a:r>
-              <a:rPr lang="en-US" dirty="0"/>
-              <a:t>…</a:t>
-            </a:r>
-            <a:endParaRPr lang="en-CA" dirty="0"/>
-          </a:p>
-        </p:txBody>
-      </p:sp>
-      <p:sp>
-        <p:nvSpPr>
-          <p:cNvPr id="38" name="TextBox 37">
-            <a:extLst>
-              <a:ext uri="{FF2B5EF4-FFF2-40B4-BE49-F238E27FC236}">
-                <a16:creationId xmlns:a16="http://schemas.microsoft.com/office/drawing/2014/main" id="{29D041C3-FBE7-5CBB-008A-9A7B796B521C}"/>
-              </a:ext>
-            </a:extLst>
-          </p:cNvPr>
-          <p:cNvSpPr txBox="1"/>
-          <p:nvPr/>
-        </p:nvSpPr>
-        <p:spPr>
-          <a:xfrm>
-            <a:off x="3441468" y="3557160"/>
-            <a:ext cx="343364" cy="369332"/>
-          </a:xfrm>
-          <a:prstGeom prst="rect">
-            <a:avLst/>
-          </a:prstGeom>
-          <a:noFill/>
-        </p:spPr>
-        <p:txBody>
-          <a:bodyPr wrap="none" rtlCol="0">
-            <a:spAutoFit/>
-          </a:bodyPr>
-          <a:lstStyle/>
-          <a:p>
-            <a:r>
-              <a:rPr lang="en-US" dirty="0"/>
-              <a:t>…</a:t>
-            </a:r>
-            <a:endParaRPr lang="en-CA" dirty="0"/>
-          </a:p>
-        </p:txBody>
-      </p:sp>
-    </p:spTree>
-    <p:extLst>
-      <p:ext uri="{BB962C8B-B14F-4D97-AF65-F5344CB8AC3E}">
-        <p14:creationId xmlns:p14="http://schemas.microsoft.com/office/powerpoint/2010/main" val="503681400"/>
-      </p:ext>
-    </p:extLst>
-  </p:cSld>
-  <p:clrMapOvr>
-    <a:masterClrMapping/>
-  </p:clrMapOvr>
-</p:sld>
-</file>
-
 <file path=ppt/slides/slide7.xml><?xml version="1.0" encoding="utf-8"?>
 <p:sld xmlns:a="http://schemas.openxmlformats.org/drawingml/2006/main" xmlns:r="http://schemas.openxmlformats.org/officeDocument/2006/relationships" xmlns:p="http://schemas.openxmlformats.org/presentationml/2006/main">
   <p:cSld>

--- a/lecture_notes/week4/week4.pptx
+++ b/lecture_notes/week4/week4.pptx
@@ -16,9 +16,9 @@
     <p:sldId id="268" r:id="rId10"/>
     <p:sldId id="256" r:id="rId11"/>
     <p:sldId id="271" r:id="rId12"/>
-    <p:sldId id="270" r:id="rId13"/>
-    <p:sldId id="275" r:id="rId14"/>
-    <p:sldId id="276" r:id="rId15"/>
+    <p:sldId id="287" r:id="rId13"/>
+    <p:sldId id="270" r:id="rId14"/>
+    <p:sldId id="275" r:id="rId15"/>
     <p:sldId id="274" r:id="rId16"/>
     <p:sldId id="272" r:id="rId17"/>
     <p:sldId id="273" r:id="rId18"/>
@@ -146,9 +146,9 @@
         <p14:section name="ADTs: Abstract Data Types" id="{82A9C941-A730-43CC-8563-CA09B007B41E}">
           <p14:sldIdLst>
             <p14:sldId id="271"/>
+            <p14:sldId id="287"/>
             <p14:sldId id="270"/>
             <p14:sldId id="275"/>
-            <p14:sldId id="276"/>
             <p14:sldId id="274"/>
             <p14:sldId id="272"/>
             <p14:sldId id="273"/>
@@ -176,7 +176,7 @@
 <file path=ppt/revisionInfo.xml><?xml version="1.0" encoding="utf-8"?>
 <p1510:revInfo xmlns:a="http://schemas.openxmlformats.org/drawingml/2006/main" xmlns:r="http://schemas.openxmlformats.org/officeDocument/2006/relationships" xmlns:p1510="http://schemas.microsoft.com/office/powerpoint/2015/10/main">
   <p1510:revLst>
-    <p1510:client id="{0E8AB1C3-5C85-4311-93A6-DFEC22981EA6}" v="369" dt="2023-09-28T23:24:06.167"/>
+    <p1510:client id="{0E8AB1C3-5C85-4311-93A6-DFEC22981EA6}" v="398" dt="2023-09-29T03:31:18.059"/>
   </p1510:revLst>
 </p1510:revInfo>
 </file>
@@ -1509,7 +1509,7 @@
   <pc:docChgLst>
     <pc:chgData name="Toby Donaldson" userId="2e6e5431-bb17-4c41-9985-d39c50d83c73" providerId="ADAL" clId="{0E8AB1C3-5C85-4311-93A6-DFEC22981EA6}"/>
     <pc:docChg chg="undo custSel addSld delSld modSld sldOrd addSection delSection modSection">
-      <pc:chgData name="Toby Donaldson" userId="2e6e5431-bb17-4c41-9985-d39c50d83c73" providerId="ADAL" clId="{0E8AB1C3-5C85-4311-93A6-DFEC22981EA6}" dt="2023-09-28T23:24:27.542" v="4778" actId="20577"/>
+      <pc:chgData name="Toby Donaldson" userId="2e6e5431-bb17-4c41-9985-d39c50d83c73" providerId="ADAL" clId="{0E8AB1C3-5C85-4311-93A6-DFEC22981EA6}" dt="2023-09-29T03:43:04.378" v="5494" actId="113"/>
       <pc:docMkLst>
         <pc:docMk/>
       </pc:docMkLst>
@@ -1846,14 +1846,22 @@
           <pc:sldMk cId="697847930" sldId="271"/>
         </pc:sldMkLst>
       </pc:sldChg>
-      <pc:sldChg chg="addSp modSp add mod">
-        <pc:chgData name="Toby Donaldson" userId="2e6e5431-bb17-4c41-9985-d39c50d83c73" providerId="ADAL" clId="{0E8AB1C3-5C85-4311-93A6-DFEC22981EA6}" dt="2023-09-28T23:24:27.542" v="4778" actId="20577"/>
+      <pc:sldChg chg="addSp delSp modSp add mod setBg">
+        <pc:chgData name="Toby Donaldson" userId="2e6e5431-bb17-4c41-9985-d39c50d83c73" providerId="ADAL" clId="{0E8AB1C3-5C85-4311-93A6-DFEC22981EA6}" dt="2023-09-29T03:11:23.361" v="5264" actId="1076"/>
         <pc:sldMkLst>
           <pc:docMk/>
           <pc:sldMk cId="1557613809" sldId="271"/>
         </pc:sldMkLst>
         <pc:spChg chg="mod">
-          <ac:chgData name="Toby Donaldson" userId="2e6e5431-bb17-4c41-9985-d39c50d83c73" providerId="ADAL" clId="{0E8AB1C3-5C85-4311-93A6-DFEC22981EA6}" dt="2023-09-24T02:42:19.721" v="1002" actId="20577"/>
+          <ac:chgData name="Toby Donaldson" userId="2e6e5431-bb17-4c41-9985-d39c50d83c73" providerId="ADAL" clId="{0E8AB1C3-5C85-4311-93A6-DFEC22981EA6}" dt="2023-09-29T03:05:34.912" v="4794" actId="26606"/>
+          <ac:spMkLst>
+            <pc:docMk/>
+            <pc:sldMk cId="1557613809" sldId="271"/>
+            <ac:spMk id="2" creationId="{A4BC1F36-8D19-79F2-3E01-CBC70AAB5D5F}"/>
+          </ac:spMkLst>
+        </pc:spChg>
+        <pc:spChg chg="mod ord">
+          <ac:chgData name="Toby Donaldson" userId="2e6e5431-bb17-4c41-9985-d39c50d83c73" providerId="ADAL" clId="{0E8AB1C3-5C85-4311-93A6-DFEC22981EA6}" dt="2023-09-29T03:08:43.174" v="4854" actId="14100"/>
           <ac:spMkLst>
             <pc:docMk/>
             <pc:sldMk cId="1557613809" sldId="271"/>
@@ -1861,19 +1869,67 @@
           </ac:spMkLst>
         </pc:spChg>
         <pc:spChg chg="add mod">
-          <ac:chgData name="Toby Donaldson" userId="2e6e5431-bb17-4c41-9985-d39c50d83c73" providerId="ADAL" clId="{0E8AB1C3-5C85-4311-93A6-DFEC22981EA6}" dt="2023-09-28T23:24:27.542" v="4778" actId="20577"/>
+          <ac:chgData name="Toby Donaldson" userId="2e6e5431-bb17-4c41-9985-d39c50d83c73" providerId="ADAL" clId="{0E8AB1C3-5C85-4311-93A6-DFEC22981EA6}" dt="2023-09-29T03:10:42.022" v="5211" actId="1076"/>
           <ac:spMkLst>
             <pc:docMk/>
             <pc:sldMk cId="1557613809" sldId="271"/>
             <ac:spMk id="6" creationId="{A59FA4C1-113D-B799-17FE-50F64CD5FBE7}"/>
           </ac:spMkLst>
         </pc:spChg>
+        <pc:spChg chg="add mod">
+          <ac:chgData name="Toby Donaldson" userId="2e6e5431-bb17-4c41-9985-d39c50d83c73" providerId="ADAL" clId="{0E8AB1C3-5C85-4311-93A6-DFEC22981EA6}" dt="2023-09-29T03:10:42.022" v="5211" actId="1076"/>
+          <ac:spMkLst>
+            <pc:docMk/>
+            <pc:sldMk cId="1557613809" sldId="271"/>
+            <ac:spMk id="7" creationId="{5D7B1FF9-A2F9-41CA-5560-E7FF38E89265}"/>
+          </ac:spMkLst>
+        </pc:spChg>
+        <pc:spChg chg="add mod">
+          <ac:chgData name="Toby Donaldson" userId="2e6e5431-bb17-4c41-9985-d39c50d83c73" providerId="ADAL" clId="{0E8AB1C3-5C85-4311-93A6-DFEC22981EA6}" dt="2023-09-29T03:11:23.361" v="5264" actId="1076"/>
+          <ac:spMkLst>
+            <pc:docMk/>
+            <pc:sldMk cId="1557613809" sldId="271"/>
+            <ac:spMk id="10" creationId="{59420BE2-0AD3-CD2C-13A1-85E8CA04B034}"/>
+          </ac:spMkLst>
+        </pc:spChg>
+        <pc:grpChg chg="add mod">
+          <ac:chgData name="Toby Donaldson" userId="2e6e5431-bb17-4c41-9985-d39c50d83c73" providerId="ADAL" clId="{0E8AB1C3-5C85-4311-93A6-DFEC22981EA6}" dt="2023-09-29T03:10:42.022" v="5211" actId="1076"/>
+          <ac:grpSpMkLst>
+            <pc:docMk/>
+            <pc:sldMk cId="1557613809" sldId="271"/>
+            <ac:grpSpMk id="8" creationId="{815661C2-F2C2-B990-1F97-9007FED4C50B}"/>
+          </ac:grpSpMkLst>
+        </pc:grpChg>
+        <pc:grpChg chg="add mod">
+          <ac:chgData name="Toby Donaldson" userId="2e6e5431-bb17-4c41-9985-d39c50d83c73" providerId="ADAL" clId="{0E8AB1C3-5C85-4311-93A6-DFEC22981EA6}" dt="2023-09-29T03:10:42.022" v="5211" actId="1076"/>
+          <ac:grpSpMkLst>
+            <pc:docMk/>
+            <pc:sldMk cId="1557613809" sldId="271"/>
+            <ac:grpSpMk id="9" creationId="{772A77D6-5A00-E29A-0761-1C7315C291E4}"/>
+          </ac:grpSpMkLst>
+        </pc:grpChg>
+        <pc:grpChg chg="add del">
+          <ac:chgData name="Toby Donaldson" userId="2e6e5431-bb17-4c41-9985-d39c50d83c73" providerId="ADAL" clId="{0E8AB1C3-5C85-4311-93A6-DFEC22981EA6}" dt="2023-09-29T03:05:34.912" v="4794" actId="26606"/>
+          <ac:grpSpMkLst>
+            <pc:docMk/>
+            <pc:sldMk cId="1557613809" sldId="271"/>
+            <ac:grpSpMk id="1031" creationId="{12B241C5-7E45-AD52-638D-31E8FD2BC181}"/>
+          </ac:grpSpMkLst>
+        </pc:grpChg>
         <pc:picChg chg="add mod">
-          <ac:chgData name="Toby Donaldson" userId="2e6e5431-bb17-4c41-9985-d39c50d83c73" providerId="ADAL" clId="{0E8AB1C3-5C85-4311-93A6-DFEC22981EA6}" dt="2023-09-28T23:24:06.167" v="4736" actId="931"/>
+          <ac:chgData name="Toby Donaldson" userId="2e6e5431-bb17-4c41-9985-d39c50d83c73" providerId="ADAL" clId="{0E8AB1C3-5C85-4311-93A6-DFEC22981EA6}" dt="2023-09-29T03:10:42.022" v="5211" actId="1076"/>
           <ac:picMkLst>
             <pc:docMk/>
             <pc:sldMk cId="1557613809" sldId="271"/>
             <ac:picMk id="5" creationId="{8BFF556B-1365-ED33-4FBB-0B33DA89E3FD}"/>
+          </ac:picMkLst>
+        </pc:picChg>
+        <pc:picChg chg="add mod ord">
+          <ac:chgData name="Toby Donaldson" userId="2e6e5431-bb17-4c41-9985-d39c50d83c73" providerId="ADAL" clId="{0E8AB1C3-5C85-4311-93A6-DFEC22981EA6}" dt="2023-09-29T03:10:42.022" v="5211" actId="1076"/>
+          <ac:picMkLst>
+            <pc:docMk/>
+            <pc:sldMk cId="1557613809" sldId="271"/>
+            <ac:picMk id="1026" creationId="{83C70860-521D-E305-DCF9-2D5E67294F38}"/>
           </ac:picMkLst>
         </pc:picChg>
       </pc:sldChg>
@@ -1885,7 +1941,7 @@
         </pc:sldMkLst>
       </pc:sldChg>
       <pc:sldChg chg="addSp delSp modSp add mod ord">
-        <pc:chgData name="Toby Donaldson" userId="2e6e5431-bb17-4c41-9985-d39c50d83c73" providerId="ADAL" clId="{0E8AB1C3-5C85-4311-93A6-DFEC22981EA6}" dt="2023-09-24T02:49:25.848" v="1834" actId="20577"/>
+        <pc:chgData name="Toby Donaldson" userId="2e6e5431-bb17-4c41-9985-d39c50d83c73" providerId="ADAL" clId="{0E8AB1C3-5C85-4311-93A6-DFEC22981EA6}" dt="2023-09-29T03:15:00.072" v="5297" actId="20577"/>
         <pc:sldMkLst>
           <pc:docMk/>
           <pc:sldMk cId="2987518311" sldId="272"/>
@@ -1899,7 +1955,7 @@
           </ac:spMkLst>
         </pc:spChg>
         <pc:spChg chg="add mod">
-          <ac:chgData name="Toby Donaldson" userId="2e6e5431-bb17-4c41-9985-d39c50d83c73" providerId="ADAL" clId="{0E8AB1C3-5C85-4311-93A6-DFEC22981EA6}" dt="2023-09-24T02:47:00.009" v="1639" actId="20577"/>
+          <ac:chgData name="Toby Donaldson" userId="2e6e5431-bb17-4c41-9985-d39c50d83c73" providerId="ADAL" clId="{0E8AB1C3-5C85-4311-93A6-DFEC22981EA6}" dt="2023-09-29T03:14:16.581" v="5283" actId="14100"/>
           <ac:spMkLst>
             <pc:docMk/>
             <pc:sldMk cId="2987518311" sldId="272"/>
@@ -1907,7 +1963,7 @@
           </ac:spMkLst>
         </pc:spChg>
         <pc:spChg chg="add mod">
-          <ac:chgData name="Toby Donaldson" userId="2e6e5431-bb17-4c41-9985-d39c50d83c73" providerId="ADAL" clId="{0E8AB1C3-5C85-4311-93A6-DFEC22981EA6}" dt="2023-09-24T02:48:31.562" v="1683" actId="113"/>
+          <ac:chgData name="Toby Donaldson" userId="2e6e5431-bb17-4c41-9985-d39c50d83c73" providerId="ADAL" clId="{0E8AB1C3-5C85-4311-93A6-DFEC22981EA6}" dt="2023-09-29T03:14:49.170" v="5295" actId="20577"/>
           <ac:spMkLst>
             <pc:docMk/>
             <pc:sldMk cId="2987518311" sldId="272"/>
@@ -1923,7 +1979,7 @@
           </ac:spMkLst>
         </pc:spChg>
         <pc:spChg chg="add mod">
-          <ac:chgData name="Toby Donaldson" userId="2e6e5431-bb17-4c41-9985-d39c50d83c73" providerId="ADAL" clId="{0E8AB1C3-5C85-4311-93A6-DFEC22981EA6}" dt="2023-09-24T02:49:25.848" v="1834" actId="20577"/>
+          <ac:chgData name="Toby Donaldson" userId="2e6e5431-bb17-4c41-9985-d39c50d83c73" providerId="ADAL" clId="{0E8AB1C3-5C85-4311-93A6-DFEC22981EA6}" dt="2023-09-29T03:15:00.072" v="5297" actId="20577"/>
           <ac:spMkLst>
             <pc:docMk/>
             <pc:sldMk cId="2987518311" sldId="272"/>
@@ -1939,7 +1995,7 @@
         </pc:sldMkLst>
       </pc:sldChg>
       <pc:sldChg chg="addSp delSp modSp add mod">
-        <pc:chgData name="Toby Donaldson" userId="2e6e5431-bb17-4c41-9985-d39c50d83c73" providerId="ADAL" clId="{0E8AB1C3-5C85-4311-93A6-DFEC22981EA6}" dt="2023-09-24T04:58:20.585" v="2219" actId="20577"/>
+        <pc:chgData name="Toby Donaldson" userId="2e6e5431-bb17-4c41-9985-d39c50d83c73" providerId="ADAL" clId="{0E8AB1C3-5C85-4311-93A6-DFEC22981EA6}" dt="2023-09-29T03:43:04.378" v="5494" actId="113"/>
         <pc:sldMkLst>
           <pc:docMk/>
           <pc:sldMk cId="2683493614" sldId="273"/>
@@ -1961,7 +2017,7 @@
           </ac:spMkLst>
         </pc:spChg>
         <pc:spChg chg="mod">
-          <ac:chgData name="Toby Donaldson" userId="2e6e5431-bb17-4c41-9985-d39c50d83c73" providerId="ADAL" clId="{0E8AB1C3-5C85-4311-93A6-DFEC22981EA6}" dt="2023-09-24T04:58:20.585" v="2219" actId="20577"/>
+          <ac:chgData name="Toby Donaldson" userId="2e6e5431-bb17-4c41-9985-d39c50d83c73" providerId="ADAL" clId="{0E8AB1C3-5C85-4311-93A6-DFEC22981EA6}" dt="2023-09-29T03:43:04.378" v="5494" actId="113"/>
           <ac:spMkLst>
             <pc:docMk/>
             <pc:sldMk cId="2683493614" sldId="273"/>
@@ -1992,12 +2048,44 @@
             <ac:spMk id="12" creationId="{5AE68B58-296B-3DC2-57C2-EDCF0F0B0A1E}"/>
           </ac:spMkLst>
         </pc:spChg>
+        <pc:picChg chg="add del mod modCrop">
+          <ac:chgData name="Toby Donaldson" userId="2e6e5431-bb17-4c41-9985-d39c50d83c73" providerId="ADAL" clId="{0E8AB1C3-5C85-4311-93A6-DFEC22981EA6}" dt="2023-09-29T03:27:45.982" v="5465" actId="21"/>
+          <ac:picMkLst>
+            <pc:docMk/>
+            <pc:sldMk cId="2683493614" sldId="273"/>
+            <ac:picMk id="4" creationId="{5C768303-ED75-FCE5-292E-26A6C9C48851}"/>
+          </ac:picMkLst>
+        </pc:picChg>
+        <pc:picChg chg="add del">
+          <ac:chgData name="Toby Donaldson" userId="2e6e5431-bb17-4c41-9985-d39c50d83c73" providerId="ADAL" clId="{0E8AB1C3-5C85-4311-93A6-DFEC22981EA6}" dt="2023-09-29T03:26:59.114" v="5460" actId="22"/>
+          <ac:picMkLst>
+            <pc:docMk/>
+            <pc:sldMk cId="2683493614" sldId="273"/>
+            <ac:picMk id="7" creationId="{197EFEFF-E22D-A7B5-2C23-0191A8D21F87}"/>
+          </ac:picMkLst>
+        </pc:picChg>
         <pc:picChg chg="add mod">
           <ac:chgData name="Toby Donaldson" userId="2e6e5431-bb17-4c41-9985-d39c50d83c73" providerId="ADAL" clId="{0E8AB1C3-5C85-4311-93A6-DFEC22981EA6}" dt="2023-09-24T04:57:59.262" v="2216" actId="1076"/>
           <ac:picMkLst>
             <pc:docMk/>
             <pc:sldMk cId="2683493614" sldId="273"/>
             <ac:picMk id="8" creationId="{FDD85EAA-B1B2-0689-EBB4-4CFE096BAD40}"/>
+          </ac:picMkLst>
+        </pc:picChg>
+        <pc:picChg chg="add mod">
+          <ac:chgData name="Toby Donaldson" userId="2e6e5431-bb17-4c41-9985-d39c50d83c73" providerId="ADAL" clId="{0E8AB1C3-5C85-4311-93A6-DFEC22981EA6}" dt="2023-09-29T03:31:22.196" v="5493" actId="1076"/>
+          <ac:picMkLst>
+            <pc:docMk/>
+            <pc:sldMk cId="2683493614" sldId="273"/>
+            <ac:picMk id="10" creationId="{8E00096C-CACE-0764-1992-7FAC3207701F}"/>
+          </ac:picMkLst>
+        </pc:picChg>
+        <pc:picChg chg="add del mod">
+          <ac:chgData name="Toby Donaldson" userId="2e6e5431-bb17-4c41-9985-d39c50d83c73" providerId="ADAL" clId="{0E8AB1C3-5C85-4311-93A6-DFEC22981EA6}" dt="2023-09-29T03:28:15.833" v="5471"/>
+          <ac:picMkLst>
+            <pc:docMk/>
+            <pc:sldMk cId="2683493614" sldId="273"/>
+            <ac:picMk id="11" creationId="{842E7D8F-2D41-3D90-3AF2-C9ACF50F1817}"/>
           </ac:picMkLst>
         </pc:picChg>
         <pc:picChg chg="add del mod">
@@ -2009,7 +2097,15 @@
           </ac:picMkLst>
         </pc:picChg>
         <pc:picChg chg="add mod">
-          <ac:chgData name="Toby Donaldson" userId="2e6e5431-bb17-4c41-9985-d39c50d83c73" providerId="ADAL" clId="{0E8AB1C3-5C85-4311-93A6-DFEC22981EA6}" dt="2023-09-24T04:56:44.807" v="2210" actId="1076"/>
+          <ac:chgData name="Toby Donaldson" userId="2e6e5431-bb17-4c41-9985-d39c50d83c73" providerId="ADAL" clId="{0E8AB1C3-5C85-4311-93A6-DFEC22981EA6}" dt="2023-09-29T03:29:46.360" v="5475" actId="1076"/>
+          <ac:picMkLst>
+            <pc:docMk/>
+            <pc:sldMk cId="2683493614" sldId="273"/>
+            <ac:picMk id="12" creationId="{A09D4E86-7C16-BF5F-1A30-D4BB164ED652}"/>
+          </ac:picMkLst>
+        </pc:picChg>
+        <pc:picChg chg="add mod">
+          <ac:chgData name="Toby Donaldson" userId="2e6e5431-bb17-4c41-9985-d39c50d83c73" providerId="ADAL" clId="{0E8AB1C3-5C85-4311-93A6-DFEC22981EA6}" dt="2023-09-29T03:30:38.960" v="5485" actId="732"/>
           <ac:picMkLst>
             <pc:docMk/>
             <pc:sldMk cId="2683493614" sldId="273"/>
@@ -2017,7 +2113,7 @@
           </ac:picMkLst>
         </pc:picChg>
         <pc:picChg chg="add mod">
-          <ac:chgData name="Toby Donaldson" userId="2e6e5431-bb17-4c41-9985-d39c50d83c73" providerId="ADAL" clId="{0E8AB1C3-5C85-4311-93A6-DFEC22981EA6}" dt="2023-09-24T04:57:57.317" v="2215" actId="1076"/>
+          <ac:chgData name="Toby Donaldson" userId="2e6e5431-bb17-4c41-9985-d39c50d83c73" providerId="ADAL" clId="{0E8AB1C3-5C85-4311-93A6-DFEC22981EA6}" dt="2023-09-29T03:31:18.059" v="5492" actId="732"/>
           <ac:picMkLst>
             <pc:docMk/>
             <pc:sldMk cId="2683493614" sldId="273"/>
@@ -2047,7 +2143,7 @@
         </pc:sldMkLst>
       </pc:sldChg>
       <pc:sldChg chg="addSp modSp add mod">
-        <pc:chgData name="Toby Donaldson" userId="2e6e5431-bb17-4c41-9985-d39c50d83c73" providerId="ADAL" clId="{0E8AB1C3-5C85-4311-93A6-DFEC22981EA6}" dt="2023-09-24T05:04:02.387" v="2594" actId="20577"/>
+        <pc:chgData name="Toby Donaldson" userId="2e6e5431-bb17-4c41-9985-d39c50d83c73" providerId="ADAL" clId="{0E8AB1C3-5C85-4311-93A6-DFEC22981EA6}" dt="2023-09-29T03:13:04.383" v="5277" actId="1076"/>
         <pc:sldMkLst>
           <pc:docMk/>
           <pc:sldMk cId="1068160083" sldId="275"/>
@@ -2069,7 +2165,7 @@
           </ac:spMkLst>
         </pc:spChg>
         <pc:spChg chg="add mod">
-          <ac:chgData name="Toby Donaldson" userId="2e6e5431-bb17-4c41-9985-d39c50d83c73" providerId="ADAL" clId="{0E8AB1C3-5C85-4311-93A6-DFEC22981EA6}" dt="2023-09-24T05:04:02.387" v="2594" actId="20577"/>
+          <ac:chgData name="Toby Donaldson" userId="2e6e5431-bb17-4c41-9985-d39c50d83c73" providerId="ADAL" clId="{0E8AB1C3-5C85-4311-93A6-DFEC22981EA6}" dt="2023-09-29T03:13:04.383" v="5277" actId="1076"/>
           <ac:spMkLst>
             <pc:docMk/>
             <pc:sldMk cId="1068160083" sldId="275"/>
@@ -2084,8 +2180,8 @@
           <pc:sldMk cId="2268866637" sldId="275"/>
         </pc:sldMkLst>
       </pc:sldChg>
-      <pc:sldChg chg="add">
-        <pc:chgData name="Toby Donaldson" userId="2e6e5431-bb17-4c41-9985-d39c50d83c73" providerId="ADAL" clId="{0E8AB1C3-5C85-4311-93A6-DFEC22981EA6}" dt="2023-09-24T05:00:15.663" v="2224" actId="2890"/>
+      <pc:sldChg chg="add del">
+        <pc:chgData name="Toby Donaldson" userId="2e6e5431-bb17-4c41-9985-d39c50d83c73" providerId="ADAL" clId="{0E8AB1C3-5C85-4311-93A6-DFEC22981EA6}" dt="2023-09-29T03:13:52.080" v="5278" actId="2696"/>
         <pc:sldMkLst>
           <pc:docMk/>
           <pc:sldMk cId="29880157" sldId="276"/>
@@ -2894,6 +2990,37 @@
           <pc:docMk/>
           <pc:sldMk cId="2635224864" sldId="286"/>
         </pc:sldMkLst>
+      </pc:sldChg>
+      <pc:sldChg chg="delSp add">
+        <pc:chgData name="Toby Donaldson" userId="2e6e5431-bb17-4c41-9985-d39c50d83c73" providerId="ADAL" clId="{0E8AB1C3-5C85-4311-93A6-DFEC22981EA6}" dt="2023-09-29T03:11:40.578" v="5266" actId="21"/>
+        <pc:sldMkLst>
+          <pc:docMk/>
+          <pc:sldMk cId="1790839963" sldId="287"/>
+        </pc:sldMkLst>
+        <pc:spChg chg="del">
+          <ac:chgData name="Toby Donaldson" userId="2e6e5431-bb17-4c41-9985-d39c50d83c73" providerId="ADAL" clId="{0E8AB1C3-5C85-4311-93A6-DFEC22981EA6}" dt="2023-09-29T03:11:40.578" v="5266" actId="21"/>
+          <ac:spMkLst>
+            <pc:docMk/>
+            <pc:sldMk cId="1790839963" sldId="287"/>
+            <ac:spMk id="10" creationId="{59420BE2-0AD3-CD2C-13A1-85E8CA04B034}"/>
+          </ac:spMkLst>
+        </pc:spChg>
+        <pc:grpChg chg="del">
+          <ac:chgData name="Toby Donaldson" userId="2e6e5431-bb17-4c41-9985-d39c50d83c73" providerId="ADAL" clId="{0E8AB1C3-5C85-4311-93A6-DFEC22981EA6}" dt="2023-09-29T03:11:40.578" v="5266" actId="21"/>
+          <ac:grpSpMkLst>
+            <pc:docMk/>
+            <pc:sldMk cId="1790839963" sldId="287"/>
+            <ac:grpSpMk id="8" creationId="{815661C2-F2C2-B990-1F97-9007FED4C50B}"/>
+          </ac:grpSpMkLst>
+        </pc:grpChg>
+        <pc:grpChg chg="del">
+          <ac:chgData name="Toby Donaldson" userId="2e6e5431-bb17-4c41-9985-d39c50d83c73" providerId="ADAL" clId="{0E8AB1C3-5C85-4311-93A6-DFEC22981EA6}" dt="2023-09-29T03:11:40.578" v="5266" actId="21"/>
+          <ac:grpSpMkLst>
+            <pc:docMk/>
+            <pc:sldMk cId="1790839963" sldId="287"/>
+            <ac:grpSpMk id="9" creationId="{772A77D6-5A00-E29A-0761-1C7315C291E4}"/>
+          </ac:grpSpMkLst>
+        </pc:grpChg>
       </pc:sldChg>
       <pc:sldChg chg="del">
         <pc:chgData name="Toby Donaldson" userId="2e6e5431-bb17-4c41-9985-d39c50d83c73" providerId="ADAL" clId="{0E8AB1C3-5C85-4311-93A6-DFEC22981EA6}" dt="2023-09-23T04:25:21.156" v="1" actId="47"/>
@@ -12951,7 +13078,7 @@
           <a:p>
             <a:pPr algn="ctr"/>
             <a:r>
-              <a:rPr lang="en-CA" sz="3600" dirty="0"/>
+              <a:rPr lang="en-CA" sz="3600"/>
               <a:t>ADTs: Abstract Data Types</a:t>
             </a:r>
             <a:endParaRPr lang="en-CA" sz="3600" b="1" dirty="0"/>
@@ -12973,7 +13100,7 @@
         <p:spPr>
           <a:xfrm>
             <a:off x="675801" y="1568578"/>
-            <a:ext cx="7387544" cy="4365106"/>
+            <a:ext cx="3873528" cy="4365106"/>
           </a:xfrm>
           <a:prstGeom prst="rect">
             <a:avLst/>
@@ -13162,51 +13289,230 @@
           </a:p>
         </p:txBody>
       </p:sp>
-      <p:pic>
-        <p:nvPicPr>
-          <p:cNvPr id="5" name="Picture 4" descr="A person in a red shirt&#10;&#10;Description automatically generated">
+      <p:grpSp>
+        <p:nvGrpSpPr>
+          <p:cNvPr id="8" name="Group 7">
             <a:extLst>
               <a:ext uri="{FF2B5EF4-FFF2-40B4-BE49-F238E27FC236}">
-                <a16:creationId xmlns:a16="http://schemas.microsoft.com/office/drawing/2014/main" id="{8BFF556B-1365-ED33-4FBB-0B33DA89E3FD}"/>
+                <a16:creationId xmlns:a16="http://schemas.microsoft.com/office/drawing/2014/main" id="{815661C2-F2C2-B990-1F97-9007FED4C50B}"/>
               </a:ext>
             </a:extLst>
           </p:cNvPr>
-          <p:cNvPicPr>
-            <a:picLocks noChangeAspect="1"/>
-          </p:cNvPicPr>
+          <p:cNvGrpSpPr/>
           <p:nvPr/>
-        </p:nvPicPr>
-        <p:blipFill>
-          <a:blip r:embed="rId2">
+        </p:nvGrpSpPr>
+        <p:grpSpPr>
+          <a:xfrm>
+            <a:off x="7384393" y="546193"/>
+            <a:ext cx="2305051" cy="3853353"/>
+            <a:chOff x="6492664" y="1233882"/>
+            <a:chExt cx="2305051" cy="3853353"/>
+          </a:xfrm>
+        </p:grpSpPr>
+        <p:sp>
+          <p:nvSpPr>
+            <p:cNvPr id="6" name="TextBox 5">
+              <a:extLst>
+                <a:ext uri="{FF2B5EF4-FFF2-40B4-BE49-F238E27FC236}">
+                  <a16:creationId xmlns:a16="http://schemas.microsoft.com/office/drawing/2014/main" id="{A59FA4C1-113D-B799-17FE-50F64CD5FBE7}"/>
+                </a:ext>
+              </a:extLst>
+            </p:cNvPr>
+            <p:cNvSpPr txBox="1"/>
+            <p:nvPr/>
+          </p:nvSpPr>
+          <p:spPr>
+            <a:xfrm>
+              <a:off x="6492664" y="4163905"/>
+              <a:ext cx="2305049" cy="923330"/>
+            </a:xfrm>
+            <a:prstGeom prst="rect">
+              <a:avLst/>
+            </a:prstGeom>
+            <a:noFill/>
+          </p:spPr>
+          <p:txBody>
+            <a:bodyPr wrap="square" rtlCol="0">
+              <a:spAutoFit/>
+            </a:bodyPr>
+            <a:lstStyle/>
+            <a:p>
+              <a:pPr algn="ctr"/>
+              <a:r>
+                <a:rPr lang="en-AU" dirty="0"/>
+                <a:t>David Parnas</a:t>
+              </a:r>
+              <a:br>
+                <a:rPr lang="en-AU" dirty="0"/>
+              </a:br>
+              <a:r>
+                <a:rPr lang="en-AU" dirty="0"/>
+                <a:t>Canadian Computer Scientist</a:t>
+              </a:r>
+            </a:p>
+          </p:txBody>
+        </p:sp>
+        <p:pic>
+          <p:nvPicPr>
+            <p:cNvPr id="1026" name="Picture 2" descr="undefined">
+              <a:extLst>
+                <a:ext uri="{FF2B5EF4-FFF2-40B4-BE49-F238E27FC236}">
+                  <a16:creationId xmlns:a16="http://schemas.microsoft.com/office/drawing/2014/main" id="{83C70860-521D-E305-DCF9-2D5E67294F38}"/>
+                </a:ext>
+              </a:extLst>
+            </p:cNvPr>
+            <p:cNvPicPr>
+              <a:picLocks noChangeAspect="1" noChangeArrowheads="1"/>
+            </p:cNvPicPr>
+            <p:nvPr/>
+          </p:nvPicPr>
+          <p:blipFill>
+            <a:blip r:embed="rId2">
+              <a:extLst>
+                <a:ext uri="{28A0092B-C50C-407E-A947-70E740481C1C}">
+                  <a14:useLocalDpi xmlns:a14="http://schemas.microsoft.com/office/drawing/2010/main" val="0"/>
+                </a:ext>
+              </a:extLst>
+            </a:blip>
+            <a:srcRect/>
+            <a:stretch>
+              <a:fillRect/>
+            </a:stretch>
+          </p:blipFill>
+          <p:spPr bwMode="auto">
+            <a:xfrm>
+              <a:off x="6492665" y="1233882"/>
+              <a:ext cx="2305050" cy="2924175"/>
+            </a:xfrm>
+            <a:prstGeom prst="rect">
+              <a:avLst/>
+            </a:prstGeom>
+            <a:noFill/>
             <a:extLst>
-              <a:ext uri="{28A0092B-C50C-407E-A947-70E740481C1C}">
-                <a14:useLocalDpi xmlns:a14="http://schemas.microsoft.com/office/drawing/2010/main" val="0"/>
-              </a:ext>
-              <a:ext uri="{837473B0-CC2E-450A-ABE3-18F120FF3D39}">
-                <a1611:picAttrSrcUrl xmlns:a1611="http://schemas.microsoft.com/office/drawing/2016/11/main" r:id="rId3"/>
+              <a:ext uri="{909E8E84-426E-40DD-AFC4-6F175D3DCCD1}">
+                <a14:hiddenFill xmlns:a14="http://schemas.microsoft.com/office/drawing/2010/main">
+                  <a:solidFill>
+                    <a:srgbClr val="FFFFFF"/>
+                  </a:solidFill>
+                </a14:hiddenFill>
               </a:ext>
             </a:extLst>
-          </a:blip>
-          <a:stretch>
-            <a:fillRect/>
-          </a:stretch>
-        </p:blipFill>
-        <p:spPr>
+          </p:spPr>
+        </p:pic>
+      </p:grpSp>
+      <p:grpSp>
+        <p:nvGrpSpPr>
+          <p:cNvPr id="9" name="Group 8">
+            <a:extLst>
+              <a:ext uri="{FF2B5EF4-FFF2-40B4-BE49-F238E27FC236}">
+                <a16:creationId xmlns:a16="http://schemas.microsoft.com/office/drawing/2014/main" id="{772A77D6-5A00-E29A-0761-1C7315C291E4}"/>
+              </a:ext>
+            </a:extLst>
+          </p:cNvPr>
+          <p:cNvGrpSpPr/>
+          <p:nvPr/>
+        </p:nvGrpSpPr>
+        <p:grpSpPr>
           <a:xfrm>
-            <a:off x="5238750" y="2143125"/>
-            <a:ext cx="1714500" cy="2571750"/>
+            <a:off x="10113031" y="725329"/>
+            <a:ext cx="1714500" cy="3495080"/>
+            <a:chOff x="10045017" y="2951727"/>
+            <a:chExt cx="1714500" cy="3495080"/>
           </a:xfrm>
-          <a:prstGeom prst="rect">
-            <a:avLst/>
-          </a:prstGeom>
-        </p:spPr>
-      </p:pic>
+        </p:grpSpPr>
+        <p:pic>
+          <p:nvPicPr>
+            <p:cNvPr id="5" name="Picture 4" descr="A person in a red shirt&#10;&#10;Description automatically generated">
+              <a:extLst>
+                <a:ext uri="{FF2B5EF4-FFF2-40B4-BE49-F238E27FC236}">
+                  <a16:creationId xmlns:a16="http://schemas.microsoft.com/office/drawing/2014/main" id="{8BFF556B-1365-ED33-4FBB-0B33DA89E3FD}"/>
+                </a:ext>
+              </a:extLst>
+            </p:cNvPr>
+            <p:cNvPicPr>
+              <a:picLocks noChangeAspect="1"/>
+            </p:cNvPicPr>
+            <p:nvPr/>
+          </p:nvPicPr>
+          <p:blipFill>
+            <a:blip r:embed="rId3">
+              <a:extLst>
+                <a:ext uri="{28A0092B-C50C-407E-A947-70E740481C1C}">
+                  <a14:useLocalDpi xmlns:a14="http://schemas.microsoft.com/office/drawing/2010/main" val="0"/>
+                </a:ext>
+                <a:ext uri="{837473B0-CC2E-450A-ABE3-18F120FF3D39}">
+                  <a1611:picAttrSrcUrl xmlns:a1611="http://schemas.microsoft.com/office/drawing/2016/11/main" r:id="rId4"/>
+                </a:ext>
+              </a:extLst>
+            </a:blip>
+            <a:stretch>
+              <a:fillRect/>
+            </a:stretch>
+          </p:blipFill>
+          <p:spPr>
+            <a:xfrm>
+              <a:off x="10045017" y="2951727"/>
+              <a:ext cx="1714500" cy="2571750"/>
+            </a:xfrm>
+            <a:prstGeom prst="rect">
+              <a:avLst/>
+            </a:prstGeom>
+          </p:spPr>
+        </p:pic>
+        <p:sp>
+          <p:nvSpPr>
+            <p:cNvPr id="7" name="TextBox 6">
+              <a:extLst>
+                <a:ext uri="{FF2B5EF4-FFF2-40B4-BE49-F238E27FC236}">
+                  <a16:creationId xmlns:a16="http://schemas.microsoft.com/office/drawing/2014/main" id="{5D7B1FF9-A2F9-41CA-5560-E7FF38E89265}"/>
+                </a:ext>
+              </a:extLst>
+            </p:cNvPr>
+            <p:cNvSpPr txBox="1"/>
+            <p:nvPr/>
+          </p:nvSpPr>
+          <p:spPr>
+            <a:xfrm>
+              <a:off x="10045017" y="5523477"/>
+              <a:ext cx="1714500" cy="923330"/>
+            </a:xfrm>
+            <a:prstGeom prst="rect">
+              <a:avLst/>
+            </a:prstGeom>
+            <a:noFill/>
+          </p:spPr>
+          <p:txBody>
+            <a:bodyPr wrap="square" rtlCol="0">
+              <a:spAutoFit/>
+            </a:bodyPr>
+            <a:lstStyle/>
+            <a:p>
+              <a:pPr algn="ctr"/>
+              <a:r>
+                <a:rPr lang="en-AU" dirty="0"/>
+                <a:t>Barbara </a:t>
+              </a:r>
+              <a:r>
+                <a:rPr lang="en-AU" dirty="0" err="1"/>
+                <a:t>Liskov</a:t>
+              </a:r>
+              <a:br>
+                <a:rPr lang="en-AU" dirty="0"/>
+              </a:br>
+              <a:r>
+                <a:rPr lang="en-AU" dirty="0"/>
+                <a:t>2008 Turing Award Winner</a:t>
+              </a:r>
+            </a:p>
+          </p:txBody>
+        </p:sp>
+      </p:grpSp>
       <p:sp>
         <p:nvSpPr>
-          <p:cNvPr id="6" name="TextBox 5">
+          <p:cNvPr id="10" name="TextBox 9">
             <a:extLst>
               <a:ext uri="{FF2B5EF4-FFF2-40B4-BE49-F238E27FC236}">
-                <a16:creationId xmlns:a16="http://schemas.microsoft.com/office/drawing/2014/main" id="{A59FA4C1-113D-B799-17FE-50F64CD5FBE7}"/>
+                <a16:creationId xmlns:a16="http://schemas.microsoft.com/office/drawing/2014/main" id="{59420BE2-0AD3-CD2C-13A1-85E8CA04B034}"/>
               </a:ext>
             </a:extLst>
           </p:cNvPr>
@@ -13215,13 +13521,21 @@
         </p:nvSpPr>
         <p:spPr>
           <a:xfrm>
-            <a:off x="5238750" y="4714875"/>
-            <a:ext cx="1714500" cy="369332"/>
+            <a:off x="7954002" y="4563011"/>
+            <a:ext cx="3873529" cy="1569660"/>
           </a:xfrm>
           <a:prstGeom prst="rect">
             <a:avLst/>
           </a:prstGeom>
-          <a:noFill/>
+          <a:solidFill>
+            <a:schemeClr val="accent4">
+              <a:lumMod val="40000"/>
+              <a:lumOff val="60000"/>
+            </a:schemeClr>
+          </a:solidFill>
+          <a:ln>
+            <a:noFill/>
+          </a:ln>
         </p:spPr>
         <p:txBody>
           <a:bodyPr wrap="square" rtlCol="0">
@@ -13229,22 +13543,20 @@
           </a:bodyPr>
           <a:lstStyle/>
           <a:p>
-            <a:r>
-              <a:rPr lang="en-AU" sz="900" dirty="0"/>
-              <a:t>Barbara </a:t>
-            </a:r>
-            <a:r>
-              <a:rPr lang="en-AU" sz="900" dirty="0" err="1"/>
+            <a:pPr algn="ctr"/>
+            <a:r>
+              <a:rPr lang="en-CA" sz="1600" dirty="0"/>
+              <a:t>In the 1970s, they helped explain how programs can be written using abstract data types. Parnas wrote a famous paper on modular programming, and </a:t>
+            </a:r>
+            <a:r>
+              <a:rPr lang="en-CA" sz="1600" dirty="0" err="1"/>
               <a:t>Liskov</a:t>
             </a:r>
-            <a:br>
-              <a:rPr lang="en-AU" sz="900" dirty="0"/>
-            </a:br>
-            <a:r>
-              <a:rPr lang="en-AU" sz="900"/>
-              <a:t>Turing Award Winner</a:t>
-            </a:r>
-            <a:endParaRPr lang="en-AU" sz="900" dirty="0"/>
+            <a:r>
+              <a:rPr lang="en-CA" sz="1600" dirty="0"/>
+              <a:t> created and developed the CLU language to show how ADTs could be used efficiently.</a:t>
+            </a:r>
+            <a:endParaRPr lang="en-CA" sz="1600" b="1" dirty="0"/>
           </a:p>
         </p:txBody>
       </p:sp>
@@ -13316,7 +13628,7 @@
           <a:p>
             <a:pPr algn="ctr"/>
             <a:r>
-              <a:rPr lang="en-CA" sz="3600" dirty="0"/>
+              <a:rPr lang="en-CA" sz="3600"/>
               <a:t>ADTs: Abstract Data Types</a:t>
             </a:r>
             <a:endParaRPr lang="en-CA" sz="3600" b="1" dirty="0"/>
@@ -13338,7 +13650,7 @@
         <p:spPr>
           <a:xfrm>
             <a:off x="675801" y="1568578"/>
-            <a:ext cx="7387544" cy="2165145"/>
+            <a:ext cx="3873528" cy="4365106"/>
           </a:xfrm>
           <a:prstGeom prst="rect">
             <a:avLst/>
@@ -13367,80 +13679,6 @@
                 <a:cs typeface="Times New Roman" panose="02020603050405020304" pitchFamily="18" charset="0"/>
               </a:rPr>
               <a:t>What is an abstract data type (ADT)?</a:t>
-            </a:r>
-          </a:p>
-          <a:p>
-            <a:pPr lvl="1">
-              <a:lnSpc>
-                <a:spcPct val="107000"/>
-              </a:lnSpc>
-              <a:spcAft>
-                <a:spcPts val="800"/>
-              </a:spcAft>
-            </a:pPr>
-            <a:r>
-              <a:rPr lang="en-CA" kern="100" dirty="0">
-                <a:effectLst/>
-                <a:latin typeface="Calibri" panose="020F0502020204030204" pitchFamily="34" charset="0"/>
-                <a:ea typeface="Calibri" panose="020F0502020204030204" pitchFamily="34" charset="0"/>
-                <a:cs typeface="Times New Roman" panose="02020603050405020304" pitchFamily="18" charset="0"/>
-              </a:rPr>
-              <a:t>An ADT is a mathematical model of a data structure that specifies the type of the data stored, the operations supported on the data, and the types of the parameters of the operations. </a:t>
-            </a:r>
-          </a:p>
-          <a:p>
-            <a:pPr lvl="1">
-              <a:lnSpc>
-                <a:spcPct val="107000"/>
-              </a:lnSpc>
-              <a:spcAft>
-                <a:spcPts val="800"/>
-              </a:spcAft>
-            </a:pPr>
-            <a:r>
-              <a:rPr lang="en-CA" kern="100" dirty="0">
-                <a:effectLst/>
-                <a:latin typeface="Calibri" panose="020F0502020204030204" pitchFamily="34" charset="0"/>
-                <a:ea typeface="Calibri" panose="020F0502020204030204" pitchFamily="34" charset="0"/>
-                <a:cs typeface="Times New Roman" panose="02020603050405020304" pitchFamily="18" charset="0"/>
-              </a:rPr>
-              <a:t>An ADT specifies </a:t>
-            </a:r>
-            <a:r>
-              <a:rPr lang="en-CA" b="1" kern="100" dirty="0">
-                <a:effectLst/>
-                <a:latin typeface="Calibri" panose="020F0502020204030204" pitchFamily="34" charset="0"/>
-                <a:ea typeface="Calibri" panose="020F0502020204030204" pitchFamily="34" charset="0"/>
-                <a:cs typeface="Times New Roman" panose="02020603050405020304" pitchFamily="18" charset="0"/>
-              </a:rPr>
-              <a:t>what</a:t>
-            </a:r>
-            <a:r>
-              <a:rPr lang="en-CA" kern="100" dirty="0">
-                <a:effectLst/>
-                <a:latin typeface="Calibri" panose="020F0502020204030204" pitchFamily="34" charset="0"/>
-                <a:ea typeface="Calibri" panose="020F0502020204030204" pitchFamily="34" charset="0"/>
-                <a:cs typeface="Times New Roman" panose="02020603050405020304" pitchFamily="18" charset="0"/>
-              </a:rPr>
-              <a:t> each operation does, but </a:t>
-            </a:r>
-            <a:r>
-              <a:rPr lang="en-CA" b="1" kern="100" dirty="0">
-                <a:effectLst/>
-                <a:latin typeface="Calibri" panose="020F0502020204030204" pitchFamily="34" charset="0"/>
-                <a:ea typeface="Calibri" panose="020F0502020204030204" pitchFamily="34" charset="0"/>
-                <a:cs typeface="Times New Roman" panose="02020603050405020304" pitchFamily="18" charset="0"/>
-              </a:rPr>
-              <a:t>not</a:t>
-            </a:r>
-            <a:r>
-              <a:rPr lang="en-CA" kern="100" dirty="0">
-                <a:effectLst/>
-                <a:latin typeface="Calibri" panose="020F0502020204030204" pitchFamily="34" charset="0"/>
-                <a:ea typeface="Calibri" panose="020F0502020204030204" pitchFamily="34" charset="0"/>
-                <a:cs typeface="Times New Roman" panose="02020603050405020304" pitchFamily="18" charset="0"/>
-              </a:rPr>
-              <a:t> how it does it. </a:t>
             </a:r>
           </a:p>
           <a:p>
@@ -13458,12 +13696,153 @@
               <a:cs typeface="Times New Roman" panose="02020603050405020304" pitchFamily="18" charset="0"/>
             </a:endParaRPr>
           </a:p>
+          <a:p>
+            <a:pPr>
+              <a:lnSpc>
+                <a:spcPct val="107000"/>
+              </a:lnSpc>
+              <a:spcAft>
+                <a:spcPts val="800"/>
+              </a:spcAft>
+            </a:pPr>
+            <a:endParaRPr lang="en-CA" kern="100" dirty="0">
+              <a:latin typeface="Calibri" panose="020F0502020204030204" pitchFamily="34" charset="0"/>
+              <a:ea typeface="Calibri" panose="020F0502020204030204" pitchFamily="34" charset="0"/>
+              <a:cs typeface="Times New Roman" panose="02020603050405020304" pitchFamily="18" charset="0"/>
+            </a:endParaRPr>
+          </a:p>
+          <a:p>
+            <a:pPr>
+              <a:lnSpc>
+                <a:spcPct val="107000"/>
+              </a:lnSpc>
+              <a:spcAft>
+                <a:spcPts val="800"/>
+              </a:spcAft>
+            </a:pPr>
+            <a:endParaRPr lang="en-CA" kern="100" dirty="0">
+              <a:latin typeface="Calibri" panose="020F0502020204030204" pitchFamily="34" charset="0"/>
+              <a:ea typeface="Calibri" panose="020F0502020204030204" pitchFamily="34" charset="0"/>
+              <a:cs typeface="Times New Roman" panose="02020603050405020304" pitchFamily="18" charset="0"/>
+            </a:endParaRPr>
+          </a:p>
+          <a:p>
+            <a:pPr>
+              <a:lnSpc>
+                <a:spcPct val="107000"/>
+              </a:lnSpc>
+              <a:spcAft>
+                <a:spcPts val="800"/>
+              </a:spcAft>
+            </a:pPr>
+            <a:endParaRPr lang="en-CA" kern="100" dirty="0">
+              <a:latin typeface="Calibri" panose="020F0502020204030204" pitchFamily="34" charset="0"/>
+              <a:ea typeface="Calibri" panose="020F0502020204030204" pitchFamily="34" charset="0"/>
+              <a:cs typeface="Times New Roman" panose="02020603050405020304" pitchFamily="18" charset="0"/>
+            </a:endParaRPr>
+          </a:p>
+          <a:p>
+            <a:pPr>
+              <a:lnSpc>
+                <a:spcPct val="107000"/>
+              </a:lnSpc>
+              <a:spcAft>
+                <a:spcPts val="800"/>
+              </a:spcAft>
+            </a:pPr>
+            <a:r>
+              <a:rPr lang="en-CA" b="1" kern="100" dirty="0">
+                <a:latin typeface="Calibri" panose="020F0502020204030204" pitchFamily="34" charset="0"/>
+                <a:ea typeface="Calibri" panose="020F0502020204030204" pitchFamily="34" charset="0"/>
+                <a:cs typeface="Times New Roman" panose="02020603050405020304" pitchFamily="18" charset="0"/>
+              </a:rPr>
+              <a:t>Why do we use them?</a:t>
+            </a:r>
+          </a:p>
+          <a:p>
+            <a:pPr>
+              <a:lnSpc>
+                <a:spcPct val="107000"/>
+              </a:lnSpc>
+              <a:spcAft>
+                <a:spcPts val="800"/>
+              </a:spcAft>
+            </a:pPr>
+            <a:endParaRPr lang="en-CA" kern="100" dirty="0">
+              <a:latin typeface="Calibri" panose="020F0502020204030204" pitchFamily="34" charset="0"/>
+              <a:ea typeface="Calibri" panose="020F0502020204030204" pitchFamily="34" charset="0"/>
+              <a:cs typeface="Times New Roman" panose="02020603050405020304" pitchFamily="18" charset="0"/>
+            </a:endParaRPr>
+          </a:p>
+          <a:p>
+            <a:pPr>
+              <a:lnSpc>
+                <a:spcPct val="107000"/>
+              </a:lnSpc>
+              <a:spcAft>
+                <a:spcPts val="800"/>
+              </a:spcAft>
+            </a:pPr>
+            <a:endParaRPr lang="en-CA" kern="100" dirty="0">
+              <a:latin typeface="Calibri" panose="020F0502020204030204" pitchFamily="34" charset="0"/>
+              <a:ea typeface="Calibri" panose="020F0502020204030204" pitchFamily="34" charset="0"/>
+              <a:cs typeface="Times New Roman" panose="02020603050405020304" pitchFamily="18" charset="0"/>
+            </a:endParaRPr>
+          </a:p>
+          <a:p>
+            <a:pPr>
+              <a:lnSpc>
+                <a:spcPct val="107000"/>
+              </a:lnSpc>
+              <a:spcAft>
+                <a:spcPts val="800"/>
+              </a:spcAft>
+            </a:pPr>
+            <a:endParaRPr lang="en-CA" kern="100" dirty="0">
+              <a:latin typeface="Calibri" panose="020F0502020204030204" pitchFamily="34" charset="0"/>
+              <a:ea typeface="Calibri" panose="020F0502020204030204" pitchFamily="34" charset="0"/>
+              <a:cs typeface="Times New Roman" panose="02020603050405020304" pitchFamily="18" charset="0"/>
+            </a:endParaRPr>
+          </a:p>
+          <a:p>
+            <a:pPr>
+              <a:lnSpc>
+                <a:spcPct val="107000"/>
+              </a:lnSpc>
+              <a:spcAft>
+                <a:spcPts val="800"/>
+              </a:spcAft>
+            </a:pPr>
+            <a:endParaRPr lang="en-CA" kern="100" dirty="0">
+              <a:latin typeface="Calibri" panose="020F0502020204030204" pitchFamily="34" charset="0"/>
+              <a:ea typeface="Calibri" panose="020F0502020204030204" pitchFamily="34" charset="0"/>
+              <a:cs typeface="Times New Roman" panose="02020603050405020304" pitchFamily="18" charset="0"/>
+            </a:endParaRPr>
+          </a:p>
+          <a:p>
+            <a:pPr>
+              <a:lnSpc>
+                <a:spcPct val="107000"/>
+              </a:lnSpc>
+              <a:spcAft>
+                <a:spcPts val="800"/>
+              </a:spcAft>
+            </a:pPr>
+            <a:r>
+              <a:rPr lang="en-CA" b="1" kern="100" dirty="0">
+                <a:latin typeface="Calibri" panose="020F0502020204030204" pitchFamily="34" charset="0"/>
+                <a:ea typeface="Calibri" panose="020F0502020204030204" pitchFamily="34" charset="0"/>
+                <a:cs typeface="Times New Roman" panose="02020603050405020304" pitchFamily="18" charset="0"/>
+              </a:rPr>
+              <a:t>How can we implement them?</a:t>
+            </a:r>
+          </a:p>
         </p:txBody>
       </p:sp>
     </p:spTree>
     <p:extLst>
       <p:ext uri="{BB962C8B-B14F-4D97-AF65-F5344CB8AC3E}">
-        <p14:creationId xmlns:p14="http://schemas.microsoft.com/office/powerpoint/2010/main" val="1996085013"/>
+        <p14:creationId xmlns:p14="http://schemas.microsoft.com/office/powerpoint/2010/main" val="1790839963"/>
       </p:ext>
     </p:extLst>
   </p:cSld>
@@ -13550,7 +13929,7 @@
         <p:spPr>
           <a:xfrm>
             <a:off x="675801" y="1568578"/>
-            <a:ext cx="7387544" cy="3156826"/>
+            <a:ext cx="7387544" cy="2165145"/>
           </a:xfrm>
           <a:prstGeom prst="rect">
             <a:avLst/>
@@ -13572,12 +13951,13 @@
               </a:spcAft>
             </a:pPr>
             <a:r>
-              <a:rPr lang="en-CA" b="1" kern="100" dirty="0">
+              <a:rPr lang="en-CA" sz="1800" b="1" kern="100" dirty="0">
+                <a:effectLst/>
                 <a:latin typeface="Calibri" panose="020F0502020204030204" pitchFamily="34" charset="0"/>
                 <a:ea typeface="Calibri" panose="020F0502020204030204" pitchFamily="34" charset="0"/>
                 <a:cs typeface="Times New Roman" panose="02020603050405020304" pitchFamily="18" charset="0"/>
               </a:rPr>
-              <a:t>Why do we use them?</a:t>
+              <a:t>What is an abstract data type (ADT)?</a:t>
             </a:r>
           </a:p>
           <a:p>
@@ -13590,40 +13970,13 @@
               </a:spcAft>
             </a:pPr>
             <a:r>
-              <a:rPr lang="en-CA" b="1" kern="100" dirty="0">
-                <a:effectLst/>
-                <a:latin typeface="Calibri" panose="020F0502020204030204" pitchFamily="34" charset="0"/>
-                <a:ea typeface="Calibri" panose="020F0502020204030204" pitchFamily="34" charset="0"/>
-                <a:cs typeface="Times New Roman" panose="02020603050405020304" pitchFamily="18" charset="0"/>
-              </a:rPr>
-              <a:t>Modularity</a:t>
-            </a:r>
-            <a:r>
               <a:rPr lang="en-CA" kern="100" dirty="0">
                 <a:effectLst/>
                 <a:latin typeface="Calibri" panose="020F0502020204030204" pitchFamily="34" charset="0"/>
                 <a:ea typeface="Calibri" panose="020F0502020204030204" pitchFamily="34" charset="0"/>
                 <a:cs typeface="Times New Roman" panose="02020603050405020304" pitchFamily="18" charset="0"/>
               </a:rPr>
-              <a:t>: An ADT specifies the </a:t>
-            </a:r>
-            <a:r>
-              <a:rPr lang="en-CA" b="1" kern="100" dirty="0">
-                <a:effectLst/>
-                <a:latin typeface="Calibri" panose="020F0502020204030204" pitchFamily="34" charset="0"/>
-                <a:ea typeface="Calibri" panose="020F0502020204030204" pitchFamily="34" charset="0"/>
-                <a:cs typeface="Times New Roman" panose="02020603050405020304" pitchFamily="18" charset="0"/>
-              </a:rPr>
-              <a:t>interface</a:t>
-            </a:r>
-            <a:r>
-              <a:rPr lang="en-CA" kern="100" dirty="0">
-                <a:effectLst/>
-                <a:latin typeface="Calibri" panose="020F0502020204030204" pitchFamily="34" charset="0"/>
-                <a:ea typeface="Calibri" panose="020F0502020204030204" pitchFamily="34" charset="0"/>
-                <a:cs typeface="Times New Roman" panose="02020603050405020304" pitchFamily="18" charset="0"/>
-              </a:rPr>
-              <a:t> between it and the rest of the program. We can change the implementation of a well-designed ADT without changing the code that calls it.</a:t>
+              <a:t>An ADT is a mathematical model of a data structure that specifies the type of the data stored, the operations supported on the data, and the types of the parameters of the operations. </a:t>
             </a:r>
           </a:p>
           <a:p>
@@ -13635,36 +13988,50 @@
                 <a:spcPts val="800"/>
               </a:spcAft>
             </a:pPr>
-            <a:endParaRPr lang="en-CA" b="1" kern="100" dirty="0">
-              <a:latin typeface="Calibri" panose="020F0502020204030204" pitchFamily="34" charset="0"/>
-              <a:ea typeface="Calibri" panose="020F0502020204030204" pitchFamily="34" charset="0"/>
-              <a:cs typeface="Times New Roman" panose="02020603050405020304" pitchFamily="18" charset="0"/>
-            </a:endParaRPr>
-          </a:p>
-          <a:p>
-            <a:pPr lvl="1">
-              <a:lnSpc>
-                <a:spcPct val="107000"/>
-              </a:lnSpc>
-              <a:spcAft>
-                <a:spcPts val="800"/>
-              </a:spcAft>
-            </a:pPr>
-            <a:r>
-              <a:rPr lang="en-CA" b="1" kern="100" dirty="0">
+            <a:r>
+              <a:rPr lang="en-CA" kern="100" dirty="0">
+                <a:effectLst/>
                 <a:latin typeface="Calibri" panose="020F0502020204030204" pitchFamily="34" charset="0"/>
                 <a:ea typeface="Calibri" panose="020F0502020204030204" pitchFamily="34" charset="0"/>
                 <a:cs typeface="Times New Roman" panose="02020603050405020304" pitchFamily="18" charset="0"/>
               </a:rPr>
-              <a:t>Encapsulation</a:t>
-            </a:r>
-            <a:r>
-              <a:rPr lang="en-CA" kern="100" dirty="0">
+              <a:t>An ADT specifies </a:t>
+            </a:r>
+            <a:r>
+              <a:rPr lang="en-CA" b="1" kern="100" dirty="0">
+                <a:effectLst/>
                 <a:latin typeface="Calibri" panose="020F0502020204030204" pitchFamily="34" charset="0"/>
                 <a:ea typeface="Calibri" panose="020F0502020204030204" pitchFamily="34" charset="0"/>
                 <a:cs typeface="Times New Roman" panose="02020603050405020304" pitchFamily="18" charset="0"/>
               </a:rPr>
-              <a:t>: ADTs hide and manage implementation details of objects, preventing the programmer using it from accidentally messing up these details.</a:t>
+              <a:t>what</a:t>
+            </a:r>
+            <a:r>
+              <a:rPr lang="en-CA" kern="100" dirty="0">
+                <a:effectLst/>
+                <a:latin typeface="Calibri" panose="020F0502020204030204" pitchFamily="34" charset="0"/>
+                <a:ea typeface="Calibri" panose="020F0502020204030204" pitchFamily="34" charset="0"/>
+                <a:cs typeface="Times New Roman" panose="02020603050405020304" pitchFamily="18" charset="0"/>
+              </a:rPr>
+              <a:t> each operation does, but </a:t>
+            </a:r>
+            <a:r>
+              <a:rPr lang="en-CA" b="1" kern="100" dirty="0">
+                <a:effectLst/>
+                <a:latin typeface="Calibri" panose="020F0502020204030204" pitchFamily="34" charset="0"/>
+                <a:ea typeface="Calibri" panose="020F0502020204030204" pitchFamily="34" charset="0"/>
+                <a:cs typeface="Times New Roman" panose="02020603050405020304" pitchFamily="18" charset="0"/>
+              </a:rPr>
+              <a:t>not</a:t>
+            </a:r>
+            <a:r>
+              <a:rPr lang="en-CA" kern="100" dirty="0">
+                <a:effectLst/>
+                <a:latin typeface="Calibri" panose="020F0502020204030204" pitchFamily="34" charset="0"/>
+                <a:ea typeface="Calibri" panose="020F0502020204030204" pitchFamily="34" charset="0"/>
+                <a:cs typeface="Times New Roman" panose="02020603050405020304" pitchFamily="18" charset="0"/>
+              </a:rPr>
+              <a:t> how it does it. </a:t>
             </a:r>
           </a:p>
           <a:p>
@@ -13684,124 +14051,10 @@
           </a:p>
         </p:txBody>
       </p:sp>
-      <p:sp>
-        <p:nvSpPr>
-          <p:cNvPr id="4" name="TextBox 3">
-            <a:extLst>
-              <a:ext uri="{FF2B5EF4-FFF2-40B4-BE49-F238E27FC236}">
-                <a16:creationId xmlns:a16="http://schemas.microsoft.com/office/drawing/2014/main" id="{6B693A13-059A-A611-10A4-6EC25DFF98C0}"/>
-              </a:ext>
-            </a:extLst>
-          </p:cNvPr>
-          <p:cNvSpPr txBox="1"/>
-          <p:nvPr/>
-        </p:nvSpPr>
-        <p:spPr>
-          <a:xfrm>
-            <a:off x="8244714" y="1247657"/>
-            <a:ext cx="3566916" cy="1477328"/>
-          </a:xfrm>
-          <a:prstGeom prst="rect">
-            <a:avLst/>
-          </a:prstGeom>
-          <a:solidFill>
-            <a:schemeClr val="accent4">
-              <a:lumMod val="40000"/>
-              <a:lumOff val="60000"/>
-            </a:schemeClr>
-          </a:solidFill>
-          <a:ln>
-            <a:noFill/>
-          </a:ln>
-        </p:spPr>
-        <p:txBody>
-          <a:bodyPr wrap="square" rtlCol="0">
-            <a:spAutoFit/>
-          </a:bodyPr>
-          <a:lstStyle/>
-          <a:p>
-            <a:pPr algn="ctr"/>
-            <a:r>
-              <a:rPr lang="en-CA" dirty="0"/>
-              <a:t>E.g. g++ developers could update the implementation of </a:t>
-            </a:r>
-            <a:r>
-              <a:rPr lang="en-CA" b="1" dirty="0"/>
-              <a:t>std::string </a:t>
-            </a:r>
-            <a:r>
-              <a:rPr lang="en-CA" dirty="0"/>
-              <a:t>to be faster, and you wouldn’t need to make any changes to your existing code (it would just run faster).</a:t>
-            </a:r>
-            <a:endParaRPr lang="en-CA" b="1" dirty="0"/>
-          </a:p>
-        </p:txBody>
-      </p:sp>
-      <p:sp>
-        <p:nvSpPr>
-          <p:cNvPr id="5" name="TextBox 4">
-            <a:extLst>
-              <a:ext uri="{FF2B5EF4-FFF2-40B4-BE49-F238E27FC236}">
-                <a16:creationId xmlns:a16="http://schemas.microsoft.com/office/drawing/2014/main" id="{4E82BC94-3A9A-E985-5DE7-2D2CE0D267FE}"/>
-              </a:ext>
-            </a:extLst>
-          </p:cNvPr>
-          <p:cNvSpPr txBox="1"/>
-          <p:nvPr/>
-        </p:nvSpPr>
-        <p:spPr>
-          <a:xfrm>
-            <a:off x="8063345" y="3429000"/>
-            <a:ext cx="3566916" cy="1200329"/>
-          </a:xfrm>
-          <a:prstGeom prst="rect">
-            <a:avLst/>
-          </a:prstGeom>
-          <a:solidFill>
-            <a:schemeClr val="accent4">
-              <a:lumMod val="40000"/>
-              <a:lumOff val="60000"/>
-            </a:schemeClr>
-          </a:solidFill>
-          <a:ln>
-            <a:noFill/>
-          </a:ln>
-        </p:spPr>
-        <p:txBody>
-          <a:bodyPr wrap="square" rtlCol="0">
-            <a:spAutoFit/>
-          </a:bodyPr>
-          <a:lstStyle/>
-          <a:p>
-            <a:pPr algn="ctr"/>
-            <a:r>
-              <a:rPr lang="en-CA" dirty="0"/>
-              <a:t>E.g. If </a:t>
-            </a:r>
-            <a:r>
-              <a:rPr lang="en-CA" b="1" dirty="0"/>
-              <a:t>std::string </a:t>
-            </a:r>
-            <a:r>
-              <a:rPr lang="en-CA" dirty="0"/>
-              <a:t>is implemented using a </a:t>
-            </a:r>
-            <a:r>
-              <a:rPr lang="en-CA" b="1" dirty="0"/>
-              <a:t>char* </a:t>
-            </a:r>
-            <a:r>
-              <a:rPr lang="en-CA" dirty="0"/>
-              <a:t>C-style string, this pointer is hidden from the user of std::string so they cannot change it.</a:t>
-            </a:r>
-            <a:endParaRPr lang="en-CA" b="1" dirty="0"/>
-          </a:p>
-        </p:txBody>
-      </p:sp>
     </p:spTree>
     <p:extLst>
       <p:ext uri="{BB962C8B-B14F-4D97-AF65-F5344CB8AC3E}">
-        <p14:creationId xmlns:p14="http://schemas.microsoft.com/office/powerpoint/2010/main" val="1068160083"/>
+        <p14:creationId xmlns:p14="http://schemas.microsoft.com/office/powerpoint/2010/main" val="1996085013"/>
       </p:ext>
     </p:extLst>
   </p:cSld>
@@ -13888,7 +14141,7 @@
         <p:spPr>
           <a:xfrm>
             <a:off x="675801" y="1568578"/>
-            <a:ext cx="7387544" cy="5049011"/>
+            <a:ext cx="7387544" cy="3156826"/>
           </a:xfrm>
           <a:prstGeom prst="rect">
             <a:avLst/>
@@ -13910,13 +14163,12 @@
               </a:spcAft>
             </a:pPr>
             <a:r>
-              <a:rPr lang="en-CA" sz="1800" b="1" kern="100" dirty="0">
-                <a:effectLst/>
+              <a:rPr lang="en-CA" b="1" kern="100" dirty="0">
                 <a:latin typeface="Calibri" panose="020F0502020204030204" pitchFamily="34" charset="0"/>
                 <a:ea typeface="Calibri" panose="020F0502020204030204" pitchFamily="34" charset="0"/>
                 <a:cs typeface="Times New Roman" panose="02020603050405020304" pitchFamily="18" charset="0"/>
               </a:rPr>
-              <a:t>What is an abstract data type (ADT)?</a:t>
+              <a:t>Why do we use them?</a:t>
             </a:r>
           </a:p>
           <a:p>
@@ -13929,13 +14181,40 @@
               </a:spcAft>
             </a:pPr>
             <a:r>
+              <a:rPr lang="en-CA" b="1" kern="100" dirty="0">
+                <a:effectLst/>
+                <a:latin typeface="Calibri" panose="020F0502020204030204" pitchFamily="34" charset="0"/>
+                <a:ea typeface="Calibri" panose="020F0502020204030204" pitchFamily="34" charset="0"/>
+                <a:cs typeface="Times New Roman" panose="02020603050405020304" pitchFamily="18" charset="0"/>
+              </a:rPr>
+              <a:t>Modularity</a:t>
+            </a:r>
+            <a:r>
               <a:rPr lang="en-CA" kern="100" dirty="0">
                 <a:effectLst/>
                 <a:latin typeface="Calibri" panose="020F0502020204030204" pitchFamily="34" charset="0"/>
                 <a:ea typeface="Calibri" panose="020F0502020204030204" pitchFamily="34" charset="0"/>
                 <a:cs typeface="Times New Roman" panose="02020603050405020304" pitchFamily="18" charset="0"/>
               </a:rPr>
-              <a:t>An ADT is a mathematical model of a data structure that specifies the type of the data stored, the operations supported on the data, and the types of the parameters of the operations. </a:t>
+              <a:t>: An ADT specifies the </a:t>
+            </a:r>
+            <a:r>
+              <a:rPr lang="en-CA" b="1" kern="100" dirty="0">
+                <a:effectLst/>
+                <a:latin typeface="Calibri" panose="020F0502020204030204" pitchFamily="34" charset="0"/>
+                <a:ea typeface="Calibri" panose="020F0502020204030204" pitchFamily="34" charset="0"/>
+                <a:cs typeface="Times New Roman" panose="02020603050405020304" pitchFamily="18" charset="0"/>
+              </a:rPr>
+              <a:t>interface</a:t>
+            </a:r>
+            <a:r>
+              <a:rPr lang="en-CA" kern="100" dirty="0">
+                <a:effectLst/>
+                <a:latin typeface="Calibri" panose="020F0502020204030204" pitchFamily="34" charset="0"/>
+                <a:ea typeface="Calibri" panose="020F0502020204030204" pitchFamily="34" charset="0"/>
+                <a:cs typeface="Times New Roman" panose="02020603050405020304" pitchFamily="18" charset="0"/>
+              </a:rPr>
+              <a:t> between it and the rest of the program. We can change the implementation of a well-designed ADT without changing the code that calls it.</a:t>
             </a:r>
           </a:p>
           <a:p>
@@ -13947,50 +14226,36 @@
                 <a:spcPts val="800"/>
               </a:spcAft>
             </a:pPr>
-            <a:r>
-              <a:rPr lang="en-CA" kern="100" dirty="0">
-                <a:effectLst/>
+            <a:endParaRPr lang="en-CA" b="1" kern="100" dirty="0">
+              <a:latin typeface="Calibri" panose="020F0502020204030204" pitchFamily="34" charset="0"/>
+              <a:ea typeface="Calibri" panose="020F0502020204030204" pitchFamily="34" charset="0"/>
+              <a:cs typeface="Times New Roman" panose="02020603050405020304" pitchFamily="18" charset="0"/>
+            </a:endParaRPr>
+          </a:p>
+          <a:p>
+            <a:pPr lvl="1">
+              <a:lnSpc>
+                <a:spcPct val="107000"/>
+              </a:lnSpc>
+              <a:spcAft>
+                <a:spcPts val="800"/>
+              </a:spcAft>
+            </a:pPr>
+            <a:r>
+              <a:rPr lang="en-CA" b="1" kern="100" dirty="0">
                 <a:latin typeface="Calibri" panose="020F0502020204030204" pitchFamily="34" charset="0"/>
                 <a:ea typeface="Calibri" panose="020F0502020204030204" pitchFamily="34" charset="0"/>
                 <a:cs typeface="Times New Roman" panose="02020603050405020304" pitchFamily="18" charset="0"/>
               </a:rPr>
-              <a:t>An ADT specifies </a:t>
-            </a:r>
-            <a:r>
-              <a:rPr lang="en-CA" b="1" kern="100" dirty="0">
-                <a:effectLst/>
+              <a:t>Encapsulation</a:t>
+            </a:r>
+            <a:r>
+              <a:rPr lang="en-CA" kern="100" dirty="0">
                 <a:latin typeface="Calibri" panose="020F0502020204030204" pitchFamily="34" charset="0"/>
                 <a:ea typeface="Calibri" panose="020F0502020204030204" pitchFamily="34" charset="0"/>
                 <a:cs typeface="Times New Roman" panose="02020603050405020304" pitchFamily="18" charset="0"/>
               </a:rPr>
-              <a:t>what</a:t>
-            </a:r>
-            <a:r>
-              <a:rPr lang="en-CA" kern="100" dirty="0">
-                <a:effectLst/>
-                <a:latin typeface="Calibri" panose="020F0502020204030204" pitchFamily="34" charset="0"/>
-                <a:ea typeface="Calibri" panose="020F0502020204030204" pitchFamily="34" charset="0"/>
-                <a:cs typeface="Times New Roman" panose="02020603050405020304" pitchFamily="18" charset="0"/>
-              </a:rPr>
-              <a:t> each operation does, but </a:t>
-            </a:r>
-            <a:r>
-              <a:rPr lang="en-CA" b="1" kern="100" dirty="0">
-                <a:effectLst/>
-                <a:latin typeface="Calibri" panose="020F0502020204030204" pitchFamily="34" charset="0"/>
-                <a:ea typeface="Calibri" panose="020F0502020204030204" pitchFamily="34" charset="0"/>
-                <a:cs typeface="Times New Roman" panose="02020603050405020304" pitchFamily="18" charset="0"/>
-              </a:rPr>
-              <a:t>not</a:t>
-            </a:r>
-            <a:r>
-              <a:rPr lang="en-CA" kern="100" dirty="0">
-                <a:effectLst/>
-                <a:latin typeface="Calibri" panose="020F0502020204030204" pitchFamily="34" charset="0"/>
-                <a:ea typeface="Calibri" panose="020F0502020204030204" pitchFamily="34" charset="0"/>
-                <a:cs typeface="Times New Roman" panose="02020603050405020304" pitchFamily="18" charset="0"/>
-              </a:rPr>
-              <a:t> how it does it. </a:t>
+              <a:t>: ADTs hide and manage implementation details of objects, preventing the programmer using it from accidentally messing up these details.</a:t>
             </a:r>
           </a:p>
           <a:p>
@@ -14007,117 +14272,6 @@
               <a:ea typeface="Calibri" panose="020F0502020204030204" pitchFamily="34" charset="0"/>
               <a:cs typeface="Times New Roman" panose="02020603050405020304" pitchFamily="18" charset="0"/>
             </a:endParaRPr>
-          </a:p>
-          <a:p>
-            <a:pPr>
-              <a:lnSpc>
-                <a:spcPct val="107000"/>
-              </a:lnSpc>
-              <a:spcAft>
-                <a:spcPts val="800"/>
-              </a:spcAft>
-            </a:pPr>
-            <a:r>
-              <a:rPr lang="en-CA" b="1" kern="100" dirty="0">
-                <a:latin typeface="Calibri" panose="020F0502020204030204" pitchFamily="34" charset="0"/>
-                <a:ea typeface="Calibri" panose="020F0502020204030204" pitchFamily="34" charset="0"/>
-                <a:cs typeface="Times New Roman" panose="02020603050405020304" pitchFamily="18" charset="0"/>
-              </a:rPr>
-              <a:t>Why do we use them?</a:t>
-            </a:r>
-          </a:p>
-          <a:p>
-            <a:pPr lvl="1">
-              <a:lnSpc>
-                <a:spcPct val="107000"/>
-              </a:lnSpc>
-              <a:spcAft>
-                <a:spcPts val="800"/>
-              </a:spcAft>
-            </a:pPr>
-            <a:r>
-              <a:rPr lang="en-CA" kern="100" dirty="0">
-                <a:effectLst/>
-                <a:latin typeface="Calibri" panose="020F0502020204030204" pitchFamily="34" charset="0"/>
-                <a:ea typeface="Calibri" panose="020F0502020204030204" pitchFamily="34" charset="0"/>
-                <a:cs typeface="Times New Roman" panose="02020603050405020304" pitchFamily="18" charset="0"/>
-              </a:rPr>
-              <a:t>An ADT specifies the </a:t>
-            </a:r>
-            <a:r>
-              <a:rPr lang="en-CA" b="1" kern="100" dirty="0">
-                <a:effectLst/>
-                <a:latin typeface="Calibri" panose="020F0502020204030204" pitchFamily="34" charset="0"/>
-                <a:ea typeface="Calibri" panose="020F0502020204030204" pitchFamily="34" charset="0"/>
-                <a:cs typeface="Times New Roman" panose="02020603050405020304" pitchFamily="18" charset="0"/>
-              </a:rPr>
-              <a:t>interface</a:t>
-            </a:r>
-            <a:r>
-              <a:rPr lang="en-CA" kern="100" dirty="0">
-                <a:effectLst/>
-                <a:latin typeface="Calibri" panose="020F0502020204030204" pitchFamily="34" charset="0"/>
-                <a:ea typeface="Calibri" panose="020F0502020204030204" pitchFamily="34" charset="0"/>
-                <a:cs typeface="Times New Roman" panose="02020603050405020304" pitchFamily="18" charset="0"/>
-              </a:rPr>
-              <a:t> between it and the rest of the program. We can change the implementation of a well-designed ADT without changing the code that calls it.</a:t>
-            </a:r>
-            <a:endParaRPr lang="en-CA" kern="100" dirty="0">
-              <a:latin typeface="Calibri" panose="020F0502020204030204" pitchFamily="34" charset="0"/>
-              <a:ea typeface="Calibri" panose="020F0502020204030204" pitchFamily="34" charset="0"/>
-              <a:cs typeface="Times New Roman" panose="02020603050405020304" pitchFamily="18" charset="0"/>
-            </a:endParaRPr>
-          </a:p>
-          <a:p>
-            <a:pPr>
-              <a:lnSpc>
-                <a:spcPct val="107000"/>
-              </a:lnSpc>
-              <a:spcAft>
-                <a:spcPts val="800"/>
-              </a:spcAft>
-            </a:pPr>
-            <a:endParaRPr lang="en-CA" kern="100" dirty="0">
-              <a:latin typeface="Calibri" panose="020F0502020204030204" pitchFamily="34" charset="0"/>
-              <a:ea typeface="Calibri" panose="020F0502020204030204" pitchFamily="34" charset="0"/>
-              <a:cs typeface="Times New Roman" panose="02020603050405020304" pitchFamily="18" charset="0"/>
-            </a:endParaRPr>
-          </a:p>
-          <a:p>
-            <a:pPr>
-              <a:lnSpc>
-                <a:spcPct val="107000"/>
-              </a:lnSpc>
-              <a:spcAft>
-                <a:spcPts val="800"/>
-              </a:spcAft>
-            </a:pPr>
-            <a:r>
-              <a:rPr lang="en-CA" b="1" kern="100" dirty="0">
-                <a:latin typeface="Calibri" panose="020F0502020204030204" pitchFamily="34" charset="0"/>
-                <a:ea typeface="Calibri" panose="020F0502020204030204" pitchFamily="34" charset="0"/>
-                <a:cs typeface="Times New Roman" panose="02020603050405020304" pitchFamily="18" charset="0"/>
-              </a:rPr>
-              <a:t>How can we implement them?</a:t>
-            </a:r>
-          </a:p>
-          <a:p>
-            <a:pPr lvl="1">
-              <a:lnSpc>
-                <a:spcPct val="107000"/>
-              </a:lnSpc>
-              <a:spcAft>
-                <a:spcPts val="800"/>
-              </a:spcAft>
-            </a:pPr>
-            <a:r>
-              <a:rPr lang="en-CA" kern="100" dirty="0">
-                <a:latin typeface="Calibri" panose="020F0502020204030204" pitchFamily="34" charset="0"/>
-                <a:ea typeface="Calibri" panose="020F0502020204030204" pitchFamily="34" charset="0"/>
-                <a:cs typeface="Times New Roman" panose="02020603050405020304" pitchFamily="18" charset="0"/>
-              </a:rPr>
-              <a:t>In C++, ADTs are usually implemented as base classes where the methods are all public, abstract, and virtual.</a:t>
-            </a:r>
           </a:p>
         </p:txBody>
       </p:sp>
@@ -14135,7 +14289,7 @@
         </p:nvSpPr>
         <p:spPr>
           <a:xfrm>
-            <a:off x="8305170" y="3794374"/>
+            <a:off x="8244714" y="1247657"/>
             <a:ext cx="3566916" cy="1477328"/>
           </a:xfrm>
           <a:prstGeom prst="rect">
@@ -14160,7 +14314,7 @@
             <a:pPr algn="ctr"/>
             <a:r>
               <a:rPr lang="en-CA" dirty="0"/>
-              <a:t>E.g. g++ developers could  update the implementation of </a:t>
+              <a:t>E.g. g++ developers could update the implementation of </a:t>
             </a:r>
             <a:r>
               <a:rPr lang="en-CA" b="1" dirty="0"/>
@@ -14169,6 +14323,75 @@
             <a:r>
               <a:rPr lang="en-CA" dirty="0"/>
               <a:t>to be faster, and you wouldn’t need to make any changes to your existing code (it would just run faster).</a:t>
+            </a:r>
+            <a:endParaRPr lang="en-CA" b="1" dirty="0"/>
+          </a:p>
+        </p:txBody>
+      </p:sp>
+      <p:sp>
+        <p:nvSpPr>
+          <p:cNvPr id="5" name="TextBox 4">
+            <a:extLst>
+              <a:ext uri="{FF2B5EF4-FFF2-40B4-BE49-F238E27FC236}">
+                <a16:creationId xmlns:a16="http://schemas.microsoft.com/office/drawing/2014/main" id="{4E82BC94-3A9A-E985-5DE7-2D2CE0D267FE}"/>
+              </a:ext>
+            </a:extLst>
+          </p:cNvPr>
+          <p:cNvSpPr txBox="1"/>
+          <p:nvPr/>
+        </p:nvSpPr>
+        <p:spPr>
+          <a:xfrm>
+            <a:off x="8244714" y="3429000"/>
+            <a:ext cx="3272192" cy="1477328"/>
+          </a:xfrm>
+          <a:prstGeom prst="rect">
+            <a:avLst/>
+          </a:prstGeom>
+          <a:solidFill>
+            <a:schemeClr val="accent4">
+              <a:lumMod val="40000"/>
+              <a:lumOff val="60000"/>
+            </a:schemeClr>
+          </a:solidFill>
+          <a:ln>
+            <a:noFill/>
+          </a:ln>
+        </p:spPr>
+        <p:txBody>
+          <a:bodyPr wrap="square" rtlCol="0">
+            <a:spAutoFit/>
+          </a:bodyPr>
+          <a:lstStyle/>
+          <a:p>
+            <a:pPr algn="ctr"/>
+            <a:r>
+              <a:rPr lang="en-CA" dirty="0"/>
+              <a:t>E.g. Assuming </a:t>
+            </a:r>
+            <a:r>
+              <a:rPr lang="en-CA" b="1" dirty="0"/>
+              <a:t>std::string </a:t>
+            </a:r>
+            <a:r>
+              <a:rPr lang="en-CA" dirty="0"/>
+              <a:t>is implemented using a </a:t>
+            </a:r>
+            <a:r>
+              <a:rPr lang="en-CA" b="1" dirty="0"/>
+              <a:t>char* </a:t>
+            </a:r>
+            <a:r>
+              <a:rPr lang="en-CA" dirty="0"/>
+              <a:t>C-style string, this pointer is hidden from the user of </a:t>
+            </a:r>
+            <a:r>
+              <a:rPr lang="en-CA" b="1" dirty="0"/>
+              <a:t>std::string </a:t>
+            </a:r>
+            <a:r>
+              <a:rPr lang="en-CA" dirty="0"/>
+              <a:t>so they cannot change it.</a:t>
             </a:r>
             <a:endParaRPr lang="en-CA" b="1" dirty="0"/>
           </a:p>
@@ -14177,7 +14400,7 @@
     </p:spTree>
     <p:extLst>
       <p:ext uri="{BB962C8B-B14F-4D97-AF65-F5344CB8AC3E}">
-        <p14:creationId xmlns:p14="http://schemas.microsoft.com/office/powerpoint/2010/main" val="29880157"/>
+        <p14:creationId xmlns:p14="http://schemas.microsoft.com/office/powerpoint/2010/main" val="1068160083"/>
       </p:ext>
     </p:extLst>
   </p:cSld>
@@ -14702,7 +14925,7 @@
         <p:spPr>
           <a:xfrm>
             <a:off x="652161" y="2499351"/>
-            <a:ext cx="6767868" cy="671915"/>
+            <a:ext cx="6935092" cy="671915"/>
           </a:xfrm>
           <a:prstGeom prst="rect">
             <a:avLst/>
@@ -14739,7 +14962,7 @@
                 <a:ea typeface="Calibri" panose="020F0502020204030204" pitchFamily="34" charset="0"/>
                 <a:cs typeface="Times New Roman" panose="02020603050405020304" pitchFamily="18" charset="0"/>
               </a:rPr>
-              <a:t>is an ADT in the sense that we know how strings ought to behave, we don’t really know anything about their implementation.</a:t>
+              <a:t>is an ADT in the sense that we know how strings ought to behave, but we don’t really know anything about their implementation.</a:t>
             </a:r>
             <a:endParaRPr lang="en-CA" kern="100" dirty="0">
               <a:latin typeface="Calibri" panose="020F0502020204030204" pitchFamily="34" charset="0"/>
@@ -14764,7 +14987,7 @@
         <p:spPr>
           <a:xfrm>
             <a:off x="652161" y="3815533"/>
-            <a:ext cx="6767868" cy="1561005"/>
+            <a:ext cx="6767868" cy="1264642"/>
           </a:xfrm>
           <a:prstGeom prst="rect">
             <a:avLst/>
@@ -14810,7 +15033,7 @@
                 <a:ea typeface="Calibri" panose="020F0502020204030204" pitchFamily="34" charset="0"/>
                 <a:cs typeface="Times New Roman" panose="02020603050405020304" pitchFamily="18" charset="0"/>
               </a:rPr>
-              <a:t> can be treated as an ADT. Numbers, plus the operations on them like </a:t>
+              <a:t> can be treated as an ADT. Numbers, and the operations on them like </a:t>
             </a:r>
             <a:r>
               <a:rPr lang="en-CA" sz="1800" b="1" dirty="0">
@@ -14846,7 +15069,7 @@
                 <a:ea typeface="Calibri" panose="020F0502020204030204" pitchFamily="34" charset="0"/>
                 <a:cs typeface="Times New Roman" panose="02020603050405020304" pitchFamily="18" charset="0"/>
               </a:rPr>
-              <a:t>, are specified to work in very precise way. But math doesn’t tell you </a:t>
+              <a:t>, are specified to work exactly. But math doesn’t tell you </a:t>
             </a:r>
             <a:r>
               <a:rPr lang="en-CA" sz="1800" b="1" dirty="0">
@@ -14949,7 +15172,7 @@
             <a:pPr algn="ctr"/>
             <a:r>
               <a:rPr lang="en-CA" dirty="0"/>
-              <a:t>E.g. The algorithms humans and computers use for multiplication are quite different, but they end of giving the same answers.</a:t>
+              <a:t>E.g. The algorithms humans and computers use for multiplication are quite different, but they end up giving the same answers.</a:t>
             </a:r>
             <a:endParaRPr lang="en-CA" b="1" dirty="0"/>
           </a:p>
@@ -15044,8 +15267,8 @@
         </p:nvSpPr>
         <p:spPr>
           <a:xfrm>
-            <a:off x="429228" y="1760023"/>
-            <a:ext cx="4184335" cy="3836563"/>
+            <a:off x="789754" y="2018066"/>
+            <a:ext cx="4184335" cy="4008020"/>
           </a:xfrm>
           <a:prstGeom prst="rect">
             <a:avLst/>
@@ -15067,13 +15290,31 @@
               </a:spcAft>
             </a:pPr>
             <a:r>
-              <a:rPr lang="en-CA" sz="2400" dirty="0">
+              <a:rPr lang="en-CA" sz="2000" dirty="0">
                 <a:effectLst/>
                 <a:latin typeface="Calibri" panose="020F0502020204030204" pitchFamily="34" charset="0"/>
                 <a:ea typeface="Calibri" panose="020F0502020204030204" pitchFamily="34" charset="0"/>
                 <a:cs typeface="Times New Roman" panose="02020603050405020304" pitchFamily="18" charset="0"/>
               </a:rPr>
-              <a:t>An electrical outlet is a good example of the essential idea of an ADT. </a:t>
+              <a:t>An </a:t>
+            </a:r>
+            <a:r>
+              <a:rPr lang="en-CA" sz="2000" b="1" dirty="0">
+                <a:effectLst/>
+                <a:latin typeface="Calibri" panose="020F0502020204030204" pitchFamily="34" charset="0"/>
+                <a:ea typeface="Calibri" panose="020F0502020204030204" pitchFamily="34" charset="0"/>
+                <a:cs typeface="Times New Roman" panose="02020603050405020304" pitchFamily="18" charset="0"/>
+              </a:rPr>
+              <a:t>electrical outlet </a:t>
+            </a:r>
+            <a:r>
+              <a:rPr lang="en-CA" sz="2000" dirty="0">
+                <a:effectLst/>
+                <a:latin typeface="Calibri" panose="020F0502020204030204" pitchFamily="34" charset="0"/>
+                <a:ea typeface="Calibri" panose="020F0502020204030204" pitchFamily="34" charset="0"/>
+                <a:cs typeface="Times New Roman" panose="02020603050405020304" pitchFamily="18" charset="0"/>
+              </a:rPr>
+              <a:t>is a good example of the essential idea of an ADT. </a:t>
             </a:r>
           </a:p>
           <a:p>
@@ -15086,13 +15327,13 @@
               </a:spcAft>
             </a:pPr>
             <a:r>
-              <a:rPr lang="en-CA" sz="2400" dirty="0">
+              <a:rPr lang="en-CA" sz="2000" dirty="0">
                 <a:effectLst/>
                 <a:latin typeface="Calibri" panose="020F0502020204030204" pitchFamily="34" charset="0"/>
                 <a:ea typeface="Calibri" panose="020F0502020204030204" pitchFamily="34" charset="0"/>
                 <a:cs typeface="Times New Roman" panose="02020603050405020304" pitchFamily="18" charset="0"/>
               </a:rPr>
-              <a:t>Any electrical device can be plugged into the outlet. </a:t>
+              <a:t>Any electrical device can be plugged into any outlet. </a:t>
             </a:r>
           </a:p>
           <a:p>
@@ -15105,19 +15346,48 @@
               </a:spcAft>
             </a:pPr>
             <a:r>
-              <a:rPr lang="en-CA" sz="2400" dirty="0">
+              <a:rPr lang="en-CA" sz="2000" dirty="0">
                 <a:effectLst/>
                 <a:latin typeface="Calibri" panose="020F0502020204030204" pitchFamily="34" charset="0"/>
                 <a:ea typeface="Calibri" panose="020F0502020204030204" pitchFamily="34" charset="0"/>
                 <a:cs typeface="Times New Roman" panose="02020603050405020304" pitchFamily="18" charset="0"/>
               </a:rPr>
-              <a:t>The device doesn’t know how the electricity is generate, and the outlet has no idea the device does.</a:t>
-            </a:r>
-            <a:endParaRPr lang="en-CA" sz="2400" kern="100" dirty="0">
-              <a:latin typeface="Calibri" panose="020F0502020204030204" pitchFamily="34" charset="0"/>
-              <a:ea typeface="Calibri" panose="020F0502020204030204" pitchFamily="34" charset="0"/>
-              <a:cs typeface="Times New Roman" panose="02020603050405020304" pitchFamily="18" charset="0"/>
-            </a:endParaRPr>
+              <a:t>The device doesn’t know how the electricity is generated, and the outlet has no idea what the device does.</a:t>
+            </a:r>
+          </a:p>
+          <a:p>
+            <a:pPr>
+              <a:lnSpc>
+                <a:spcPct val="107000"/>
+              </a:lnSpc>
+              <a:spcAft>
+                <a:spcPts val="800"/>
+              </a:spcAft>
+            </a:pPr>
+            <a:r>
+              <a:rPr lang="en-CA" sz="2000" kern="100" dirty="0">
+                <a:latin typeface="Calibri" panose="020F0502020204030204" pitchFamily="34" charset="0"/>
+                <a:ea typeface="Calibri" panose="020F0502020204030204" pitchFamily="34" charset="0"/>
+                <a:cs typeface="Times New Roman" panose="02020603050405020304" pitchFamily="18" charset="0"/>
+              </a:rPr>
+              <a:t>Plus, the outlet is </a:t>
+            </a:r>
+            <a:r>
+              <a:rPr lang="en-CA" sz="2000" b="1" kern="100" dirty="0">
+                <a:latin typeface="Calibri" panose="020F0502020204030204" pitchFamily="34" charset="0"/>
+                <a:ea typeface="Calibri" panose="020F0502020204030204" pitchFamily="34" charset="0"/>
+                <a:cs typeface="Times New Roman" panose="02020603050405020304" pitchFamily="18" charset="0"/>
+              </a:rPr>
+              <a:t>encapsulated</a:t>
+            </a:r>
+            <a:r>
+              <a:rPr lang="en-CA" sz="2000" kern="100" dirty="0">
+                <a:latin typeface="Calibri" panose="020F0502020204030204" pitchFamily="34" charset="0"/>
+                <a:ea typeface="Calibri" panose="020F0502020204030204" pitchFamily="34" charset="0"/>
+                <a:cs typeface="Times New Roman" panose="02020603050405020304" pitchFamily="18" charset="0"/>
+              </a:rPr>
+              <a:t>: you can’t mess around with its internals unless you make a special effort to do so.</a:t>
+            </a:r>
           </a:p>
         </p:txBody>
       </p:sp>
@@ -15162,10 +15432,10 @@
       </p:pic>
       <p:pic>
         <p:nvPicPr>
-          <p:cNvPr id="1026" name="Picture 2" descr="Sunbeam® 4-Slice Toaster, White">
+          <p:cNvPr id="1028" name="Picture 4" descr="Laptops">
             <a:extLst>
               <a:ext uri="{FF2B5EF4-FFF2-40B4-BE49-F238E27FC236}">
-                <a16:creationId xmlns:a16="http://schemas.microsoft.com/office/drawing/2014/main" id="{26DDAED0-9454-5976-E180-660CAA84D743}"/>
+                <a16:creationId xmlns:a16="http://schemas.microsoft.com/office/drawing/2014/main" id="{44B0ABE6-57D9-B47A-73FB-962A09876E81}"/>
               </a:ext>
             </a:extLst>
           </p:cNvPr>
@@ -15174,7 +15444,7 @@
           </p:cNvPicPr>
           <p:nvPr/>
         </p:nvPicPr>
-        <p:blipFill>
+        <p:blipFill rotWithShape="1">
           <a:blip r:embed="rId4">
             <a:extLst>
               <a:ext uri="{28A0092B-C50C-407E-A947-70E740481C1C}">
@@ -15182,15 +15452,13 @@
               </a:ext>
             </a:extLst>
           </a:blip>
-          <a:srcRect/>
-          <a:stretch>
-            <a:fillRect/>
-          </a:stretch>
+          <a:srcRect l="6986" t="6113" r="7430"/>
+          <a:stretch/>
         </p:blipFill>
         <p:spPr bwMode="auto">
           <a:xfrm>
-            <a:off x="6096000" y="1158209"/>
-            <a:ext cx="1857368" cy="1857368"/>
+            <a:off x="6151418" y="3429000"/>
+            <a:ext cx="2221766" cy="1624876"/>
           </a:xfrm>
           <a:prstGeom prst="rect">
             <a:avLst/>
@@ -15209,10 +15477,70 @@
       </p:pic>
       <p:pic>
         <p:nvPicPr>
-          <p:cNvPr id="1028" name="Picture 4" descr="Laptops">
+          <p:cNvPr id="10" name="Picture 9">
             <a:extLst>
               <a:ext uri="{FF2B5EF4-FFF2-40B4-BE49-F238E27FC236}">
-                <a16:creationId xmlns:a16="http://schemas.microsoft.com/office/drawing/2014/main" id="{44B0ABE6-57D9-B47A-73FB-962A09876E81}"/>
+                <a16:creationId xmlns:a16="http://schemas.microsoft.com/office/drawing/2014/main" id="{8E00096C-CACE-0764-1992-7FAC3207701F}"/>
+              </a:ext>
+            </a:extLst>
+          </p:cNvPr>
+          <p:cNvPicPr>
+            <a:picLocks noChangeAspect="1"/>
+          </p:cNvPicPr>
+          <p:nvPr/>
+        </p:nvPicPr>
+        <p:blipFill>
+          <a:blip r:embed="rId5"/>
+          <a:stretch>
+            <a:fillRect/>
+          </a:stretch>
+        </p:blipFill>
+        <p:spPr>
+          <a:xfrm>
+            <a:off x="7999661" y="3532244"/>
+            <a:ext cx="1249429" cy="907340"/>
+          </a:xfrm>
+          <a:prstGeom prst="rect">
+            <a:avLst/>
+          </a:prstGeom>
+        </p:spPr>
+      </p:pic>
+      <p:pic>
+        <p:nvPicPr>
+          <p:cNvPr id="12" name="Picture 11">
+            <a:extLst>
+              <a:ext uri="{FF2B5EF4-FFF2-40B4-BE49-F238E27FC236}">
+                <a16:creationId xmlns:a16="http://schemas.microsoft.com/office/drawing/2014/main" id="{A09D4E86-7C16-BF5F-1A30-D4BB164ED652}"/>
+              </a:ext>
+            </a:extLst>
+          </p:cNvPr>
+          <p:cNvPicPr>
+            <a:picLocks noChangeAspect="1"/>
+          </p:cNvPicPr>
+          <p:nvPr/>
+        </p:nvPicPr>
+        <p:blipFill>
+          <a:blip r:embed="rId5"/>
+          <a:stretch>
+            <a:fillRect/>
+          </a:stretch>
+        </p:blipFill>
+        <p:spPr>
+          <a:xfrm rot="3026267">
+            <a:off x="7876736" y="1766043"/>
+            <a:ext cx="1249429" cy="907340"/>
+          </a:xfrm>
+          <a:prstGeom prst="rect">
+            <a:avLst/>
+          </a:prstGeom>
+        </p:spPr>
+      </p:pic>
+      <p:pic>
+        <p:nvPicPr>
+          <p:cNvPr id="1026" name="Picture 2" descr="Sunbeam® 4-Slice Toaster, White">
+            <a:extLst>
+              <a:ext uri="{FF2B5EF4-FFF2-40B4-BE49-F238E27FC236}">
+                <a16:creationId xmlns:a16="http://schemas.microsoft.com/office/drawing/2014/main" id="{26DDAED0-9454-5976-E180-660CAA84D743}"/>
               </a:ext>
             </a:extLst>
           </p:cNvPr>
@@ -15221,23 +15549,21 @@
           </p:cNvPicPr>
           <p:nvPr/>
         </p:nvPicPr>
-        <p:blipFill>
-          <a:blip r:embed="rId5">
+        <p:blipFill rotWithShape="1">
+          <a:blip r:embed="rId6">
             <a:extLst>
               <a:ext uri="{28A0092B-C50C-407E-A947-70E740481C1C}">
                 <a14:useLocalDpi xmlns:a14="http://schemas.microsoft.com/office/drawing/2010/main" val="0"/>
               </a:ext>
             </a:extLst>
           </a:blip>
-          <a:srcRect/>
-          <a:stretch>
-            <a:fillRect/>
-          </a:stretch>
+          <a:srcRect l="4885" t="10604" r="7233" b="10870"/>
+          <a:stretch/>
         </p:blipFill>
         <p:spPr bwMode="auto">
           <a:xfrm>
-            <a:off x="5970049" y="3323204"/>
-            <a:ext cx="2596009" cy="1730672"/>
+            <a:off x="6226988" y="974856"/>
+            <a:ext cx="1632318" cy="1458506"/>
           </a:xfrm>
           <a:prstGeom prst="rect">
             <a:avLst/>

--- a/lecture_notes/week4/week4.pptx
+++ b/lecture_notes/week4/week4.pptx
@@ -24,10 +24,14 @@
     <p:sldId id="273" r:id="rId18"/>
     <p:sldId id="277" r:id="rId19"/>
     <p:sldId id="281" r:id="rId20"/>
-    <p:sldId id="278" r:id="rId21"/>
-    <p:sldId id="282" r:id="rId22"/>
-    <p:sldId id="279" r:id="rId23"/>
-    <p:sldId id="280" r:id="rId24"/>
+    <p:sldId id="288" r:id="rId21"/>
+    <p:sldId id="278" r:id="rId22"/>
+    <p:sldId id="289" r:id="rId23"/>
+    <p:sldId id="290" r:id="rId24"/>
+    <p:sldId id="291" r:id="rId25"/>
+    <p:sldId id="282" r:id="rId26"/>
+    <p:sldId id="279" r:id="rId27"/>
+    <p:sldId id="280" r:id="rId28"/>
   </p:sldIdLst>
   <p:sldSz cx="12192000" cy="6858000"/>
   <p:notesSz cx="7010400" cy="9296400"/>
@@ -158,7 +162,11 @@
           <p14:sldIdLst>
             <p14:sldId id="277"/>
             <p14:sldId id="281"/>
+            <p14:sldId id="288"/>
             <p14:sldId id="278"/>
+            <p14:sldId id="289"/>
+            <p14:sldId id="290"/>
+            <p14:sldId id="291"/>
             <p14:sldId id="282"/>
             <p14:sldId id="279"/>
             <p14:sldId id="280"/>
@@ -177,6 +185,7 @@
 <p1510:revInfo xmlns:a="http://schemas.openxmlformats.org/drawingml/2006/main" xmlns:r="http://schemas.openxmlformats.org/officeDocument/2006/relationships" xmlns:p1510="http://schemas.microsoft.com/office/powerpoint/2015/10/main">
   <p1510:revLst>
     <p1510:client id="{0E8AB1C3-5C85-4311-93A6-DFEC22981EA6}" v="398" dt="2023-09-29T03:31:18.059"/>
+    <p1510:client id="{4B8CB9E9-9023-4F89-82E9-F1825C30F3B3}" v="22" dt="2023-09-29T23:05:48.011"/>
   </p1510:revLst>
 </p1510:revInfo>
 </file>
@@ -5759,7 +5768,7 @@
   <pc:docChgLst>
     <pc:chgData name="Toby Donaldson" userId="2e6e5431-bb17-4c41-9985-d39c50d83c73" providerId="ADAL" clId="{4B8CB9E9-9023-4F89-82E9-F1825C30F3B3}"/>
     <pc:docChg chg="undo custSel addSld modSld sldOrd modSection">
-      <pc:chgData name="Toby Donaldson" userId="2e6e5431-bb17-4c41-9985-d39c50d83c73" providerId="ADAL" clId="{4B8CB9E9-9023-4F89-82E9-F1825C30F3B3}" dt="2023-09-27T22:55:38.034" v="960"/>
+      <pc:chgData name="Toby Donaldson" userId="2e6e5431-bb17-4c41-9985-d39c50d83c73" providerId="ADAL" clId="{4B8CB9E9-9023-4F89-82E9-F1825C30F3B3}" dt="2023-09-29T23:05:48.011" v="2001"/>
       <pc:docMkLst>
         <pc:docMk/>
       </pc:docMkLst>
@@ -5902,6 +5911,174 @@
           </ac:inkMkLst>
         </pc:inkChg>
       </pc:sldChg>
+      <pc:sldChg chg="addSp">
+        <pc:chgData name="Toby Donaldson" userId="2e6e5431-bb17-4c41-9985-d39c50d83c73" providerId="ADAL" clId="{4B8CB9E9-9023-4F89-82E9-F1825C30F3B3}" dt="2023-09-29T23:00:11.838" v="1998"/>
+        <pc:sldMkLst>
+          <pc:docMk/>
+          <pc:sldMk cId="1996085013" sldId="270"/>
+        </pc:sldMkLst>
+        <pc:inkChg chg="add">
+          <ac:chgData name="Toby Donaldson" userId="2e6e5431-bb17-4c41-9985-d39c50d83c73" providerId="ADAL" clId="{4B8CB9E9-9023-4F89-82E9-F1825C30F3B3}" dt="2023-09-29T23:00:11.838" v="1998"/>
+          <ac:inkMkLst>
+            <pc:docMk/>
+            <pc:sldMk cId="1996085013" sldId="270"/>
+            <ac:inkMk id="4" creationId="{8BC54E30-7CD6-3079-A191-D9F35518A9A9}"/>
+          </ac:inkMkLst>
+        </pc:inkChg>
+      </pc:sldChg>
+      <pc:sldChg chg="addSp">
+        <pc:chgData name="Toby Donaldson" userId="2e6e5431-bb17-4c41-9985-d39c50d83c73" providerId="ADAL" clId="{4B8CB9E9-9023-4F89-82E9-F1825C30F3B3}" dt="2023-09-29T23:00:11.838" v="1998"/>
+        <pc:sldMkLst>
+          <pc:docMk/>
+          <pc:sldMk cId="2987518311" sldId="272"/>
+        </pc:sldMkLst>
+        <pc:inkChg chg="add">
+          <ac:chgData name="Toby Donaldson" userId="2e6e5431-bb17-4c41-9985-d39c50d83c73" providerId="ADAL" clId="{4B8CB9E9-9023-4F89-82E9-F1825C30F3B3}" dt="2023-09-29T23:00:11.838" v="1998"/>
+          <ac:inkMkLst>
+            <pc:docMk/>
+            <pc:sldMk cId="2987518311" sldId="272"/>
+            <ac:inkMk id="6" creationId="{275DCEBF-783B-1A6B-5DF8-E4E071965735}"/>
+          </ac:inkMkLst>
+        </pc:inkChg>
+      </pc:sldChg>
+      <pc:sldChg chg="addSp">
+        <pc:chgData name="Toby Donaldson" userId="2e6e5431-bb17-4c41-9985-d39c50d83c73" providerId="ADAL" clId="{4B8CB9E9-9023-4F89-82E9-F1825C30F3B3}" dt="2023-09-29T23:00:11.838" v="1998"/>
+        <pc:sldMkLst>
+          <pc:docMk/>
+          <pc:sldMk cId="1068160083" sldId="275"/>
+        </pc:sldMkLst>
+        <pc:inkChg chg="add">
+          <ac:chgData name="Toby Donaldson" userId="2e6e5431-bb17-4c41-9985-d39c50d83c73" providerId="ADAL" clId="{4B8CB9E9-9023-4F89-82E9-F1825C30F3B3}" dt="2023-09-29T23:00:11.838" v="1998"/>
+          <ac:inkMkLst>
+            <pc:docMk/>
+            <pc:sldMk cId="1068160083" sldId="275"/>
+            <ac:inkMk id="6" creationId="{C3E66DD2-BD0E-3CA0-C3ED-9ED0843623AE}"/>
+          </ac:inkMkLst>
+        </pc:inkChg>
+      </pc:sldChg>
+      <pc:sldChg chg="addSp modSp mod">
+        <pc:chgData name="Toby Donaldson" userId="2e6e5431-bb17-4c41-9985-d39c50d83c73" providerId="ADAL" clId="{4B8CB9E9-9023-4F89-82E9-F1825C30F3B3}" dt="2023-09-29T23:00:11.838" v="1998"/>
+        <pc:sldMkLst>
+          <pc:docMk/>
+          <pc:sldMk cId="828315475" sldId="277"/>
+        </pc:sldMkLst>
+        <pc:spChg chg="mod">
+          <ac:chgData name="Toby Donaldson" userId="2e6e5431-bb17-4c41-9985-d39c50d83c73" providerId="ADAL" clId="{4B8CB9E9-9023-4F89-82E9-F1825C30F3B3}" dt="2023-09-29T18:09:19.126" v="986" actId="20577"/>
+          <ac:spMkLst>
+            <pc:docMk/>
+            <pc:sldMk cId="828315475" sldId="277"/>
+            <ac:spMk id="3" creationId="{54F5A8A1-2B70-FD9E-1609-D600D297FD9C}"/>
+          </ac:spMkLst>
+        </pc:spChg>
+        <pc:inkChg chg="add">
+          <ac:chgData name="Toby Donaldson" userId="2e6e5431-bb17-4c41-9985-d39c50d83c73" providerId="ADAL" clId="{4B8CB9E9-9023-4F89-82E9-F1825C30F3B3}" dt="2023-09-29T23:00:11.838" v="1998"/>
+          <ac:inkMkLst>
+            <pc:docMk/>
+            <pc:sldMk cId="828315475" sldId="277"/>
+            <ac:inkMk id="5" creationId="{C3F75E55-7252-0984-72A6-B4A2BF5E82E0}"/>
+          </ac:inkMkLst>
+        </pc:inkChg>
+      </pc:sldChg>
+      <pc:sldChg chg="addSp modSp mod">
+        <pc:chgData name="Toby Donaldson" userId="2e6e5431-bb17-4c41-9985-d39c50d83c73" providerId="ADAL" clId="{4B8CB9E9-9023-4F89-82E9-F1825C30F3B3}" dt="2023-09-29T23:00:11.838" v="1998"/>
+        <pc:sldMkLst>
+          <pc:docMk/>
+          <pc:sldMk cId="176168506" sldId="278"/>
+        </pc:sldMkLst>
+        <pc:spChg chg="mod">
+          <ac:chgData name="Toby Donaldson" userId="2e6e5431-bb17-4c41-9985-d39c50d83c73" providerId="ADAL" clId="{4B8CB9E9-9023-4F89-82E9-F1825C30F3B3}" dt="2023-09-29T18:09:57.791" v="1006" actId="20577"/>
+          <ac:spMkLst>
+            <pc:docMk/>
+            <pc:sldMk cId="176168506" sldId="278"/>
+            <ac:spMk id="3" creationId="{54F5A8A1-2B70-FD9E-1609-D600D297FD9C}"/>
+          </ac:spMkLst>
+        </pc:spChg>
+        <pc:inkChg chg="add">
+          <ac:chgData name="Toby Donaldson" userId="2e6e5431-bb17-4c41-9985-d39c50d83c73" providerId="ADAL" clId="{4B8CB9E9-9023-4F89-82E9-F1825C30F3B3}" dt="2023-09-29T23:00:11.838" v="1998"/>
+          <ac:inkMkLst>
+            <pc:docMk/>
+            <pc:sldMk cId="176168506" sldId="278"/>
+            <ac:inkMk id="5" creationId="{629D09F6-A695-2440-477C-910C1B809507}"/>
+          </ac:inkMkLst>
+        </pc:inkChg>
+      </pc:sldChg>
+      <pc:sldChg chg="addSp modSp mod">
+        <pc:chgData name="Toby Donaldson" userId="2e6e5431-bb17-4c41-9985-d39c50d83c73" providerId="ADAL" clId="{4B8CB9E9-9023-4F89-82E9-F1825C30F3B3}" dt="2023-09-29T23:05:48.011" v="2001"/>
+        <pc:sldMkLst>
+          <pc:docMk/>
+          <pc:sldMk cId="3337423519" sldId="279"/>
+        </pc:sldMkLst>
+        <pc:spChg chg="mod">
+          <ac:chgData name="Toby Donaldson" userId="2e6e5431-bb17-4c41-9985-d39c50d83c73" providerId="ADAL" clId="{4B8CB9E9-9023-4F89-82E9-F1825C30F3B3}" dt="2023-09-29T18:11:52.840" v="1079" actId="20577"/>
+          <ac:spMkLst>
+            <pc:docMk/>
+            <pc:sldMk cId="3337423519" sldId="279"/>
+            <ac:spMk id="3" creationId="{54F5A8A1-2B70-FD9E-1609-D600D297FD9C}"/>
+          </ac:spMkLst>
+        </pc:spChg>
+        <pc:inkChg chg="add">
+          <ac:chgData name="Toby Donaldson" userId="2e6e5431-bb17-4c41-9985-d39c50d83c73" providerId="ADAL" clId="{4B8CB9E9-9023-4F89-82E9-F1825C30F3B3}" dt="2023-09-29T23:05:48.011" v="2001"/>
+          <ac:inkMkLst>
+            <pc:docMk/>
+            <pc:sldMk cId="3337423519" sldId="279"/>
+            <ac:inkMk id="7" creationId="{8B802315-BAED-E338-20AC-9DAE69214632}"/>
+          </ac:inkMkLst>
+        </pc:inkChg>
+      </pc:sldChg>
+      <pc:sldChg chg="addSp">
+        <pc:chgData name="Toby Donaldson" userId="2e6e5431-bb17-4c41-9985-d39c50d83c73" providerId="ADAL" clId="{4B8CB9E9-9023-4F89-82E9-F1825C30F3B3}" dt="2023-09-29T23:00:11.838" v="1998"/>
+        <pc:sldMkLst>
+          <pc:docMk/>
+          <pc:sldMk cId="3951665125" sldId="281"/>
+        </pc:sldMkLst>
+        <pc:inkChg chg="add">
+          <ac:chgData name="Toby Donaldson" userId="2e6e5431-bb17-4c41-9985-d39c50d83c73" providerId="ADAL" clId="{4B8CB9E9-9023-4F89-82E9-F1825C30F3B3}" dt="2023-09-29T23:00:11.838" v="1998"/>
+          <ac:inkMkLst>
+            <pc:docMk/>
+            <pc:sldMk cId="3951665125" sldId="281"/>
+            <ac:inkMk id="5" creationId="{BD3CBEB4-D2A3-493F-7BE8-00AFBFD07A82}"/>
+          </ac:inkMkLst>
+        </pc:inkChg>
+      </pc:sldChg>
+      <pc:sldChg chg="addSp modSp mod">
+        <pc:chgData name="Toby Donaldson" userId="2e6e5431-bb17-4c41-9985-d39c50d83c73" providerId="ADAL" clId="{4B8CB9E9-9023-4F89-82E9-F1825C30F3B3}" dt="2023-09-29T23:00:11.838" v="1998"/>
+        <pc:sldMkLst>
+          <pc:docMk/>
+          <pc:sldMk cId="574296150" sldId="282"/>
+        </pc:sldMkLst>
+        <pc:spChg chg="mod">
+          <ac:chgData name="Toby Donaldson" userId="2e6e5431-bb17-4c41-9985-d39c50d83c73" providerId="ADAL" clId="{4B8CB9E9-9023-4F89-82E9-F1825C30F3B3}" dt="2023-09-29T18:10:43.322" v="1039" actId="20577"/>
+          <ac:spMkLst>
+            <pc:docMk/>
+            <pc:sldMk cId="574296150" sldId="282"/>
+            <ac:spMk id="3" creationId="{54F5A8A1-2B70-FD9E-1609-D600D297FD9C}"/>
+          </ac:spMkLst>
+        </pc:spChg>
+        <pc:spChg chg="mod">
+          <ac:chgData name="Toby Donaldson" userId="2e6e5431-bb17-4c41-9985-d39c50d83c73" providerId="ADAL" clId="{4B8CB9E9-9023-4F89-82E9-F1825C30F3B3}" dt="2023-09-29T18:11:21.503" v="1043" actId="14100"/>
+          <ac:spMkLst>
+            <pc:docMk/>
+            <pc:sldMk cId="574296150" sldId="282"/>
+            <ac:spMk id="4" creationId="{C90CBC19-9323-4A80-605E-45C59FFE6CF9}"/>
+          </ac:spMkLst>
+        </pc:spChg>
+        <pc:inkChg chg="add">
+          <ac:chgData name="Toby Donaldson" userId="2e6e5431-bb17-4c41-9985-d39c50d83c73" providerId="ADAL" clId="{4B8CB9E9-9023-4F89-82E9-F1825C30F3B3}" dt="2023-09-29T23:00:11.838" v="1998"/>
+          <ac:inkMkLst>
+            <pc:docMk/>
+            <pc:sldMk cId="574296150" sldId="282"/>
+            <ac:inkMk id="8" creationId="{92957A1B-7777-0536-79E1-1D8ADEB15326}"/>
+          </ac:inkMkLst>
+        </pc:inkChg>
+        <pc:cxnChg chg="mod">
+          <ac:chgData name="Toby Donaldson" userId="2e6e5431-bb17-4c41-9985-d39c50d83c73" providerId="ADAL" clId="{4B8CB9E9-9023-4F89-82E9-F1825C30F3B3}" dt="2023-09-29T18:11:21.503" v="1043" actId="14100"/>
+          <ac:cxnSpMkLst>
+            <pc:docMk/>
+            <pc:sldMk cId="574296150" sldId="282"/>
+            <ac:cxnSpMk id="9" creationId="{B7B5A1EC-F052-C3C3-BDA7-679D998F6C5F}"/>
+          </ac:cxnSpMkLst>
+        </pc:cxnChg>
+      </pc:sldChg>
       <pc:sldChg chg="addSp modSp add ord">
         <pc:chgData name="Toby Donaldson" userId="2e6e5431-bb17-4c41-9985-d39c50d83c73" providerId="ADAL" clId="{4B8CB9E9-9023-4F89-82E9-F1825C30F3B3}" dt="2023-09-27T22:55:38.034" v="960"/>
         <pc:sldMkLst>
@@ -5969,6 +6146,402 @@
             <ac:spMk id="3" creationId="{54F5A8A1-2B70-FD9E-1609-D600D297FD9C}"/>
           </ac:spMkLst>
         </pc:spChg>
+      </pc:sldChg>
+      <pc:sldChg chg="addSp modSp add mod">
+        <pc:chgData name="Toby Donaldson" userId="2e6e5431-bb17-4c41-9985-d39c50d83c73" providerId="ADAL" clId="{4B8CB9E9-9023-4F89-82E9-F1825C30F3B3}" dt="2023-09-29T20:18:53.748" v="1247" actId="20577"/>
+        <pc:sldMkLst>
+          <pc:docMk/>
+          <pc:sldMk cId="2056466361" sldId="288"/>
+        </pc:sldMkLst>
+        <pc:spChg chg="add mod">
+          <ac:chgData name="Toby Donaldson" userId="2e6e5431-bb17-4c41-9985-d39c50d83c73" providerId="ADAL" clId="{4B8CB9E9-9023-4F89-82E9-F1825C30F3B3}" dt="2023-09-29T20:18:53.748" v="1247" actId="20577"/>
+          <ac:spMkLst>
+            <pc:docMk/>
+            <pc:sldMk cId="2056466361" sldId="288"/>
+            <ac:spMk id="5" creationId="{FE4B96ED-86BD-B4E4-9359-29445599E813}"/>
+          </ac:spMkLst>
+        </pc:spChg>
+      </pc:sldChg>
+      <pc:sldChg chg="addSp modSp add mod">
+        <pc:chgData name="Toby Donaldson" userId="2e6e5431-bb17-4c41-9985-d39c50d83c73" providerId="ADAL" clId="{4B8CB9E9-9023-4F89-82E9-F1825C30F3B3}" dt="2023-09-29T23:00:11.838" v="1998"/>
+        <pc:sldMkLst>
+          <pc:docMk/>
+          <pc:sldMk cId="1608135223" sldId="289"/>
+        </pc:sldMkLst>
+        <pc:spChg chg="add mod">
+          <ac:chgData name="Toby Donaldson" userId="2e6e5431-bb17-4c41-9985-d39c50d83c73" providerId="ADAL" clId="{4B8CB9E9-9023-4F89-82E9-F1825C30F3B3}" dt="2023-09-29T20:20:35.292" v="1472" actId="14100"/>
+          <ac:spMkLst>
+            <pc:docMk/>
+            <pc:sldMk cId="1608135223" sldId="289"/>
+            <ac:spMk id="5" creationId="{2C01406B-AFF3-9CA3-7E80-3AFAD0A3887A}"/>
+          </ac:spMkLst>
+        </pc:spChg>
+        <pc:inkChg chg="add">
+          <ac:chgData name="Toby Donaldson" userId="2e6e5431-bb17-4c41-9985-d39c50d83c73" providerId="ADAL" clId="{4B8CB9E9-9023-4F89-82E9-F1825C30F3B3}" dt="2023-09-29T23:00:11.838" v="1998"/>
+          <ac:inkMkLst>
+            <pc:docMk/>
+            <pc:sldMk cId="1608135223" sldId="289"/>
+            <ac:inkMk id="7" creationId="{4B480A47-B52C-F952-39D6-15822D7DDFBC}"/>
+          </ac:inkMkLst>
+        </pc:inkChg>
+      </pc:sldChg>
+      <pc:sldChg chg="addSp delSp modSp add mod">
+        <pc:chgData name="Toby Donaldson" userId="2e6e5431-bb17-4c41-9985-d39c50d83c73" providerId="ADAL" clId="{4B8CB9E9-9023-4F89-82E9-F1825C30F3B3}" dt="2023-09-29T23:00:11.838" v="1998"/>
+        <pc:sldMkLst>
+          <pc:docMk/>
+          <pc:sldMk cId="3670372921" sldId="290"/>
+        </pc:sldMkLst>
+        <pc:spChg chg="mod">
+          <ac:chgData name="Toby Donaldson" userId="2e6e5431-bb17-4c41-9985-d39c50d83c73" providerId="ADAL" clId="{4B8CB9E9-9023-4F89-82E9-F1825C30F3B3}" dt="2023-09-29T20:21:12.792" v="1488" actId="20577"/>
+          <ac:spMkLst>
+            <pc:docMk/>
+            <pc:sldMk cId="3670372921" sldId="290"/>
+            <ac:spMk id="2" creationId="{A4BC1F36-8D19-79F2-3E01-CBC70AAB5D5F}"/>
+          </ac:spMkLst>
+        </pc:spChg>
+        <pc:spChg chg="del mod">
+          <ac:chgData name="Toby Donaldson" userId="2e6e5431-bb17-4c41-9985-d39c50d83c73" providerId="ADAL" clId="{4B8CB9E9-9023-4F89-82E9-F1825C30F3B3}" dt="2023-09-29T20:21:23.394" v="1490" actId="21"/>
+          <ac:spMkLst>
+            <pc:docMk/>
+            <pc:sldMk cId="3670372921" sldId="290"/>
+            <ac:spMk id="3" creationId="{54F5A8A1-2B70-FD9E-1609-D600D297FD9C}"/>
+          </ac:spMkLst>
+        </pc:spChg>
+        <pc:spChg chg="del">
+          <ac:chgData name="Toby Donaldson" userId="2e6e5431-bb17-4c41-9985-d39c50d83c73" providerId="ADAL" clId="{4B8CB9E9-9023-4F89-82E9-F1825C30F3B3}" dt="2023-09-29T20:24:32.821" v="1535" actId="21"/>
+          <ac:spMkLst>
+            <pc:docMk/>
+            <pc:sldMk cId="3670372921" sldId="290"/>
+            <ac:spMk id="4" creationId="{C90CBC19-9323-4A80-605E-45C59FFE6CF9}"/>
+          </ac:spMkLst>
+        </pc:spChg>
+        <pc:spChg chg="add mod">
+          <ac:chgData name="Toby Donaldson" userId="2e6e5431-bb17-4c41-9985-d39c50d83c73" providerId="ADAL" clId="{4B8CB9E9-9023-4F89-82E9-F1825C30F3B3}" dt="2023-09-29T20:26:57.660" v="1565" actId="164"/>
+          <ac:spMkLst>
+            <pc:docMk/>
+            <pc:sldMk cId="3670372921" sldId="290"/>
+            <ac:spMk id="7" creationId="{4080EC74-92A2-04DD-48C6-AECF51E44ABC}"/>
+          </ac:spMkLst>
+        </pc:spChg>
+        <pc:spChg chg="add mod">
+          <ac:chgData name="Toby Donaldson" userId="2e6e5431-bb17-4c41-9985-d39c50d83c73" providerId="ADAL" clId="{4B8CB9E9-9023-4F89-82E9-F1825C30F3B3}" dt="2023-09-29T20:26:57.660" v="1565" actId="164"/>
+          <ac:spMkLst>
+            <pc:docMk/>
+            <pc:sldMk cId="3670372921" sldId="290"/>
+            <ac:spMk id="8" creationId="{2DEB5E2D-C9D6-72AF-3F80-6AD96CC4210E}"/>
+          </ac:spMkLst>
+        </pc:spChg>
+        <pc:spChg chg="del">
+          <ac:chgData name="Toby Donaldson" userId="2e6e5431-bb17-4c41-9985-d39c50d83c73" providerId="ADAL" clId="{4B8CB9E9-9023-4F89-82E9-F1825C30F3B3}" dt="2023-09-29T20:33:51.093" v="1988" actId="21"/>
+          <ac:spMkLst>
+            <pc:docMk/>
+            <pc:sldMk cId="3670372921" sldId="290"/>
+            <ac:spMk id="11" creationId="{69DF518D-394A-B234-7148-F6A7A5350DB2}"/>
+          </ac:spMkLst>
+        </pc:spChg>
+        <pc:spChg chg="del">
+          <ac:chgData name="Toby Donaldson" userId="2e6e5431-bb17-4c41-9985-d39c50d83c73" providerId="ADAL" clId="{4B8CB9E9-9023-4F89-82E9-F1825C30F3B3}" dt="2023-09-29T20:33:51.093" v="1988" actId="21"/>
+          <ac:spMkLst>
+            <pc:docMk/>
+            <pc:sldMk cId="3670372921" sldId="290"/>
+            <ac:spMk id="12" creationId="{968CE5A3-37A0-353C-E8BA-F3DA3E0CB3B1}"/>
+          </ac:spMkLst>
+        </pc:spChg>
+        <pc:spChg chg="del">
+          <ac:chgData name="Toby Donaldson" userId="2e6e5431-bb17-4c41-9985-d39c50d83c73" providerId="ADAL" clId="{4B8CB9E9-9023-4F89-82E9-F1825C30F3B3}" dt="2023-09-29T20:33:51.093" v="1988" actId="21"/>
+          <ac:spMkLst>
+            <pc:docMk/>
+            <pc:sldMk cId="3670372921" sldId="290"/>
+            <ac:spMk id="13" creationId="{B3B544AE-BF23-83CA-7DE7-03E1F817F734}"/>
+          </ac:spMkLst>
+        </pc:spChg>
+        <pc:spChg chg="del">
+          <ac:chgData name="Toby Donaldson" userId="2e6e5431-bb17-4c41-9985-d39c50d83c73" providerId="ADAL" clId="{4B8CB9E9-9023-4F89-82E9-F1825C30F3B3}" dt="2023-09-29T20:33:51.093" v="1988" actId="21"/>
+          <ac:spMkLst>
+            <pc:docMk/>
+            <pc:sldMk cId="3670372921" sldId="290"/>
+            <ac:spMk id="14" creationId="{FAB089C0-67CE-045E-5774-EABA57A5A3F6}"/>
+          </ac:spMkLst>
+        </pc:spChg>
+        <pc:spChg chg="del">
+          <ac:chgData name="Toby Donaldson" userId="2e6e5431-bb17-4c41-9985-d39c50d83c73" providerId="ADAL" clId="{4B8CB9E9-9023-4F89-82E9-F1825C30F3B3}" dt="2023-09-29T20:33:51.093" v="1988" actId="21"/>
+          <ac:spMkLst>
+            <pc:docMk/>
+            <pc:sldMk cId="3670372921" sldId="290"/>
+            <ac:spMk id="15" creationId="{2AB85AB8-946F-583D-31F5-39B46AAB68A6}"/>
+          </ac:spMkLst>
+        </pc:spChg>
+        <pc:spChg chg="del">
+          <ac:chgData name="Toby Donaldson" userId="2e6e5431-bb17-4c41-9985-d39c50d83c73" providerId="ADAL" clId="{4B8CB9E9-9023-4F89-82E9-F1825C30F3B3}" dt="2023-09-29T20:33:51.093" v="1988" actId="21"/>
+          <ac:spMkLst>
+            <pc:docMk/>
+            <pc:sldMk cId="3670372921" sldId="290"/>
+            <ac:spMk id="23" creationId="{CDA72FC0-7F5C-66E6-8F41-78AE4F4632B2}"/>
+          </ac:spMkLst>
+        </pc:spChg>
+        <pc:spChg chg="del">
+          <ac:chgData name="Toby Donaldson" userId="2e6e5431-bb17-4c41-9985-d39c50d83c73" providerId="ADAL" clId="{4B8CB9E9-9023-4F89-82E9-F1825C30F3B3}" dt="2023-09-29T20:33:51.093" v="1988" actId="21"/>
+          <ac:spMkLst>
+            <pc:docMk/>
+            <pc:sldMk cId="3670372921" sldId="290"/>
+            <ac:spMk id="24" creationId="{93663F8C-2364-7225-0DD2-74F6AB0DD54B}"/>
+          </ac:spMkLst>
+        </pc:spChg>
+        <pc:spChg chg="add mod">
+          <ac:chgData name="Toby Donaldson" userId="2e6e5431-bb17-4c41-9985-d39c50d83c73" providerId="ADAL" clId="{4B8CB9E9-9023-4F89-82E9-F1825C30F3B3}" dt="2023-09-29T20:26:57.660" v="1565" actId="164"/>
+          <ac:spMkLst>
+            <pc:docMk/>
+            <pc:sldMk cId="3670372921" sldId="290"/>
+            <ac:spMk id="38" creationId="{B446A664-8001-8CC1-828E-33E863E4B9E3}"/>
+          </ac:spMkLst>
+        </pc:spChg>
+        <pc:spChg chg="add mod">
+          <ac:chgData name="Toby Donaldson" userId="2e6e5431-bb17-4c41-9985-d39c50d83c73" providerId="ADAL" clId="{4B8CB9E9-9023-4F89-82E9-F1825C30F3B3}" dt="2023-09-29T20:26:57.660" v="1565" actId="164"/>
+          <ac:spMkLst>
+            <pc:docMk/>
+            <pc:sldMk cId="3670372921" sldId="290"/>
+            <ac:spMk id="39" creationId="{10B6DAB3-F918-6DBC-7817-3AAD1BC51ABB}"/>
+          </ac:spMkLst>
+        </pc:spChg>
+        <pc:spChg chg="add mod">
+          <ac:chgData name="Toby Donaldson" userId="2e6e5431-bb17-4c41-9985-d39c50d83c73" providerId="ADAL" clId="{4B8CB9E9-9023-4F89-82E9-F1825C30F3B3}" dt="2023-09-29T20:26:57.660" v="1565" actId="164"/>
+          <ac:spMkLst>
+            <pc:docMk/>
+            <pc:sldMk cId="3670372921" sldId="290"/>
+            <ac:spMk id="40" creationId="{941DD913-E035-1FAC-CA99-CF267DEAFE47}"/>
+          </ac:spMkLst>
+        </pc:spChg>
+        <pc:spChg chg="add mod">
+          <ac:chgData name="Toby Donaldson" userId="2e6e5431-bb17-4c41-9985-d39c50d83c73" providerId="ADAL" clId="{4B8CB9E9-9023-4F89-82E9-F1825C30F3B3}" dt="2023-09-29T20:26:57.660" v="1565" actId="164"/>
+          <ac:spMkLst>
+            <pc:docMk/>
+            <pc:sldMk cId="3670372921" sldId="290"/>
+            <ac:spMk id="41" creationId="{A67C9136-5751-D973-08F3-4EDAB160B8B6}"/>
+          </ac:spMkLst>
+        </pc:spChg>
+        <pc:spChg chg="add mod">
+          <ac:chgData name="Toby Donaldson" userId="2e6e5431-bb17-4c41-9985-d39c50d83c73" providerId="ADAL" clId="{4B8CB9E9-9023-4F89-82E9-F1825C30F3B3}" dt="2023-09-29T20:26:57.660" v="1565" actId="164"/>
+          <ac:spMkLst>
+            <pc:docMk/>
+            <pc:sldMk cId="3670372921" sldId="290"/>
+            <ac:spMk id="42" creationId="{055A6711-6923-AC82-CD40-299B62DB062F}"/>
+          </ac:spMkLst>
+        </pc:spChg>
+        <pc:spChg chg="add mod">
+          <ac:chgData name="Toby Donaldson" userId="2e6e5431-bb17-4c41-9985-d39c50d83c73" providerId="ADAL" clId="{4B8CB9E9-9023-4F89-82E9-F1825C30F3B3}" dt="2023-09-29T20:26:57.660" v="1565" actId="164"/>
+          <ac:spMkLst>
+            <pc:docMk/>
+            <pc:sldMk cId="3670372921" sldId="290"/>
+            <ac:spMk id="43" creationId="{CE3F65E6-98D1-4B49-F451-19EBF8157C87}"/>
+          </ac:spMkLst>
+        </pc:spChg>
+        <pc:spChg chg="add mod">
+          <ac:chgData name="Toby Donaldson" userId="2e6e5431-bb17-4c41-9985-d39c50d83c73" providerId="ADAL" clId="{4B8CB9E9-9023-4F89-82E9-F1825C30F3B3}" dt="2023-09-29T20:26:57.660" v="1565" actId="164"/>
+          <ac:spMkLst>
+            <pc:docMk/>
+            <pc:sldMk cId="3670372921" sldId="290"/>
+            <ac:spMk id="44" creationId="{2FC9D8BC-B3E7-5F4F-77C6-D284BB908166}"/>
+          </ac:spMkLst>
+        </pc:spChg>
+        <pc:spChg chg="add mod">
+          <ac:chgData name="Toby Donaldson" userId="2e6e5431-bb17-4c41-9985-d39c50d83c73" providerId="ADAL" clId="{4B8CB9E9-9023-4F89-82E9-F1825C30F3B3}" dt="2023-09-29T20:26:57.660" v="1565" actId="164"/>
+          <ac:spMkLst>
+            <pc:docMk/>
+            <pc:sldMk cId="3670372921" sldId="290"/>
+            <ac:spMk id="45" creationId="{9BB9B9A2-EF6D-650A-D91F-5E228B302DBF}"/>
+          </ac:spMkLst>
+        </pc:spChg>
+        <pc:spChg chg="add del mod">
+          <ac:chgData name="Toby Donaldson" userId="2e6e5431-bb17-4c41-9985-d39c50d83c73" providerId="ADAL" clId="{4B8CB9E9-9023-4F89-82E9-F1825C30F3B3}" dt="2023-09-29T20:26:42.366" v="1564" actId="21"/>
+          <ac:spMkLst>
+            <pc:docMk/>
+            <pc:sldMk cId="3670372921" sldId="290"/>
+            <ac:spMk id="46" creationId="{068C2B17-1193-59DD-C24A-27CB00513696}"/>
+          </ac:spMkLst>
+        </pc:spChg>
+        <pc:spChg chg="add mod">
+          <ac:chgData name="Toby Donaldson" userId="2e6e5431-bb17-4c41-9985-d39c50d83c73" providerId="ADAL" clId="{4B8CB9E9-9023-4F89-82E9-F1825C30F3B3}" dt="2023-09-29T20:28:34.491" v="1750" actId="1076"/>
+          <ac:spMkLst>
+            <pc:docMk/>
+            <pc:sldMk cId="3670372921" sldId="290"/>
+            <ac:spMk id="49" creationId="{DAB68F40-9358-0D63-EB97-75A96EEC269A}"/>
+          </ac:spMkLst>
+        </pc:spChg>
+        <pc:spChg chg="add del mod">
+          <ac:chgData name="Toby Donaldson" userId="2e6e5431-bb17-4c41-9985-d39c50d83c73" providerId="ADAL" clId="{4B8CB9E9-9023-4F89-82E9-F1825C30F3B3}" dt="2023-09-29T20:30:24.838" v="1787" actId="21"/>
+          <ac:spMkLst>
+            <pc:docMk/>
+            <pc:sldMk cId="3670372921" sldId="290"/>
+            <ac:spMk id="50" creationId="{95DF1B86-096E-7E3D-AD83-96C3CBD28A53}"/>
+          </ac:spMkLst>
+        </pc:spChg>
+        <pc:spChg chg="add mod">
+          <ac:chgData name="Toby Donaldson" userId="2e6e5431-bb17-4c41-9985-d39c50d83c73" providerId="ADAL" clId="{4B8CB9E9-9023-4F89-82E9-F1825C30F3B3}" dt="2023-09-29T20:34:14.672" v="1991" actId="20577"/>
+          <ac:spMkLst>
+            <pc:docMk/>
+            <pc:sldMk cId="3670372921" sldId="290"/>
+            <ac:spMk id="51" creationId="{60F7F488-6F4C-3DBF-BD11-D37CE5333AF7}"/>
+          </ac:spMkLst>
+        </pc:spChg>
+        <pc:spChg chg="add mod">
+          <ac:chgData name="Toby Donaldson" userId="2e6e5431-bb17-4c41-9985-d39c50d83c73" providerId="ADAL" clId="{4B8CB9E9-9023-4F89-82E9-F1825C30F3B3}" dt="2023-09-29T20:34:23.980" v="1996" actId="20577"/>
+          <ac:spMkLst>
+            <pc:docMk/>
+            <pc:sldMk cId="3670372921" sldId="290"/>
+            <ac:spMk id="52" creationId="{CB3FAC90-6EC0-0F61-A376-63D6637FCBB4}"/>
+          </ac:spMkLst>
+        </pc:spChg>
+        <pc:spChg chg="add mod">
+          <ac:chgData name="Toby Donaldson" userId="2e6e5431-bb17-4c41-9985-d39c50d83c73" providerId="ADAL" clId="{4B8CB9E9-9023-4F89-82E9-F1825C30F3B3}" dt="2023-09-29T20:34:27.138" v="1997" actId="20577"/>
+          <ac:spMkLst>
+            <pc:docMk/>
+            <pc:sldMk cId="3670372921" sldId="290"/>
+            <ac:spMk id="53" creationId="{51A8B4FE-E129-7874-1293-DA34EE051BA2}"/>
+          </ac:spMkLst>
+        </pc:spChg>
+        <pc:grpChg chg="add mod">
+          <ac:chgData name="Toby Donaldson" userId="2e6e5431-bb17-4c41-9985-d39c50d83c73" providerId="ADAL" clId="{4B8CB9E9-9023-4F89-82E9-F1825C30F3B3}" dt="2023-09-29T20:27:00.294" v="1566" actId="1076"/>
+          <ac:grpSpMkLst>
+            <pc:docMk/>
+            <pc:sldMk cId="3670372921" sldId="290"/>
+            <ac:grpSpMk id="48" creationId="{3CCA0827-59F7-F10A-9A31-484E1ADEBD22}"/>
+          </ac:grpSpMkLst>
+        </pc:grpChg>
+        <pc:graphicFrameChg chg="add mod modGraphic">
+          <ac:chgData name="Toby Donaldson" userId="2e6e5431-bb17-4c41-9985-d39c50d83c73" providerId="ADAL" clId="{4B8CB9E9-9023-4F89-82E9-F1825C30F3B3}" dt="2023-09-29T20:33:41.672" v="1987" actId="1076"/>
+          <ac:graphicFrameMkLst>
+            <pc:docMk/>
+            <pc:sldMk cId="3670372921" sldId="290"/>
+            <ac:graphicFrameMk id="47" creationId="{C30C9823-503B-B637-FCFC-B0314975BD2D}"/>
+          </ac:graphicFrameMkLst>
+        </pc:graphicFrameChg>
+        <pc:inkChg chg="add">
+          <ac:chgData name="Toby Donaldson" userId="2e6e5431-bb17-4c41-9985-d39c50d83c73" providerId="ADAL" clId="{4B8CB9E9-9023-4F89-82E9-F1825C30F3B3}" dt="2023-09-29T23:00:11.838" v="1998"/>
+          <ac:inkMkLst>
+            <pc:docMk/>
+            <pc:sldMk cId="3670372921" sldId="290"/>
+            <ac:inkMk id="54" creationId="{B40B6D10-5673-BDD9-8FA9-F52D0B72B580}"/>
+          </ac:inkMkLst>
+        </pc:inkChg>
+        <pc:cxnChg chg="del">
+          <ac:chgData name="Toby Donaldson" userId="2e6e5431-bb17-4c41-9985-d39c50d83c73" providerId="ADAL" clId="{4B8CB9E9-9023-4F89-82E9-F1825C30F3B3}" dt="2023-09-29T20:33:51.093" v="1988" actId="21"/>
+          <ac:cxnSpMkLst>
+            <pc:docMk/>
+            <pc:sldMk cId="3670372921" sldId="290"/>
+            <ac:cxnSpMk id="6" creationId="{FCBFF419-FC07-B607-EBC9-CABA4B8D457E}"/>
+          </ac:cxnSpMkLst>
+        </pc:cxnChg>
+        <pc:cxnChg chg="del">
+          <ac:chgData name="Toby Donaldson" userId="2e6e5431-bb17-4c41-9985-d39c50d83c73" providerId="ADAL" clId="{4B8CB9E9-9023-4F89-82E9-F1825C30F3B3}" dt="2023-09-29T20:33:51.093" v="1988" actId="21"/>
+          <ac:cxnSpMkLst>
+            <pc:docMk/>
+            <pc:sldMk cId="3670372921" sldId="290"/>
+            <ac:cxnSpMk id="10" creationId="{DB5EE6BE-F629-AB37-32E4-481217F34BE3}"/>
+          </ac:cxnSpMkLst>
+        </pc:cxnChg>
+        <pc:cxnChg chg="add mod">
+          <ac:chgData name="Toby Donaldson" userId="2e6e5431-bb17-4c41-9985-d39c50d83c73" providerId="ADAL" clId="{4B8CB9E9-9023-4F89-82E9-F1825C30F3B3}" dt="2023-09-29T20:26:57.660" v="1565" actId="164"/>
+          <ac:cxnSpMkLst>
+            <pc:docMk/>
+            <pc:sldMk cId="3670372921" sldId="290"/>
+            <ac:cxnSpMk id="16" creationId="{1FB963A7-0F7F-CC94-3BE0-DEDF747C79A3}"/>
+          </ac:cxnSpMkLst>
+        </pc:cxnChg>
+        <pc:cxnChg chg="add mod">
+          <ac:chgData name="Toby Donaldson" userId="2e6e5431-bb17-4c41-9985-d39c50d83c73" providerId="ADAL" clId="{4B8CB9E9-9023-4F89-82E9-F1825C30F3B3}" dt="2023-09-29T20:26:57.660" v="1565" actId="164"/>
+          <ac:cxnSpMkLst>
+            <pc:docMk/>
+            <pc:sldMk cId="3670372921" sldId="290"/>
+            <ac:cxnSpMk id="18" creationId="{AE1B8E4C-A2B6-BF74-27AB-8E492A18B133}"/>
+          </ac:cxnSpMkLst>
+        </pc:cxnChg>
+        <pc:cxnChg chg="del mod">
+          <ac:chgData name="Toby Donaldson" userId="2e6e5431-bb17-4c41-9985-d39c50d83c73" providerId="ADAL" clId="{4B8CB9E9-9023-4F89-82E9-F1825C30F3B3}" dt="2023-09-29T20:33:51.093" v="1988" actId="21"/>
+          <ac:cxnSpMkLst>
+            <pc:docMk/>
+            <pc:sldMk cId="3670372921" sldId="290"/>
+            <ac:cxnSpMk id="19" creationId="{601C1FBE-CF5A-E358-252D-08C7D1049955}"/>
+          </ac:cxnSpMkLst>
+        </pc:cxnChg>
+        <pc:cxnChg chg="del">
+          <ac:chgData name="Toby Donaldson" userId="2e6e5431-bb17-4c41-9985-d39c50d83c73" providerId="ADAL" clId="{4B8CB9E9-9023-4F89-82E9-F1825C30F3B3}" dt="2023-09-29T20:33:51.093" v="1988" actId="21"/>
+          <ac:cxnSpMkLst>
+            <pc:docMk/>
+            <pc:sldMk cId="3670372921" sldId="290"/>
+            <ac:cxnSpMk id="20" creationId="{8B1E2ECF-3A9A-BC5B-4214-63696C03BA43}"/>
+          </ac:cxnSpMkLst>
+        </pc:cxnChg>
+        <pc:cxnChg chg="add mod">
+          <ac:chgData name="Toby Donaldson" userId="2e6e5431-bb17-4c41-9985-d39c50d83c73" providerId="ADAL" clId="{4B8CB9E9-9023-4F89-82E9-F1825C30F3B3}" dt="2023-09-29T20:26:57.660" v="1565" actId="164"/>
+          <ac:cxnSpMkLst>
+            <pc:docMk/>
+            <pc:sldMk cId="3670372921" sldId="290"/>
+            <ac:cxnSpMk id="22" creationId="{744EDF48-98E9-6389-F6E5-99C80393B6F7}"/>
+          </ac:cxnSpMkLst>
+        </pc:cxnChg>
+        <pc:cxnChg chg="add mod">
+          <ac:chgData name="Toby Donaldson" userId="2e6e5431-bb17-4c41-9985-d39c50d83c73" providerId="ADAL" clId="{4B8CB9E9-9023-4F89-82E9-F1825C30F3B3}" dt="2023-09-29T20:26:57.660" v="1565" actId="164"/>
+          <ac:cxnSpMkLst>
+            <pc:docMk/>
+            <pc:sldMk cId="3670372921" sldId="290"/>
+            <ac:cxnSpMk id="27" creationId="{B2297B44-E0B3-0C2B-386C-AFE6984E2C60}"/>
+          </ac:cxnSpMkLst>
+        </pc:cxnChg>
+        <pc:cxnChg chg="add mod">
+          <ac:chgData name="Toby Donaldson" userId="2e6e5431-bb17-4c41-9985-d39c50d83c73" providerId="ADAL" clId="{4B8CB9E9-9023-4F89-82E9-F1825C30F3B3}" dt="2023-09-29T20:26:57.660" v="1565" actId="164"/>
+          <ac:cxnSpMkLst>
+            <pc:docMk/>
+            <pc:sldMk cId="3670372921" sldId="290"/>
+            <ac:cxnSpMk id="29" creationId="{A2A4D2CD-8EA1-D8C7-2A09-D2652B35ED8D}"/>
+          </ac:cxnSpMkLst>
+        </pc:cxnChg>
+        <pc:cxnChg chg="add mod">
+          <ac:chgData name="Toby Donaldson" userId="2e6e5431-bb17-4c41-9985-d39c50d83c73" providerId="ADAL" clId="{4B8CB9E9-9023-4F89-82E9-F1825C30F3B3}" dt="2023-09-29T20:26:57.660" v="1565" actId="164"/>
+          <ac:cxnSpMkLst>
+            <pc:docMk/>
+            <pc:sldMk cId="3670372921" sldId="290"/>
+            <ac:cxnSpMk id="33" creationId="{01774CDA-F57F-1BB0-30DA-972630EF7586}"/>
+          </ac:cxnSpMkLst>
+        </pc:cxnChg>
+        <pc:cxnChg chg="add mod">
+          <ac:chgData name="Toby Donaldson" userId="2e6e5431-bb17-4c41-9985-d39c50d83c73" providerId="ADAL" clId="{4B8CB9E9-9023-4F89-82E9-F1825C30F3B3}" dt="2023-09-29T20:26:57.660" v="1565" actId="164"/>
+          <ac:cxnSpMkLst>
+            <pc:docMk/>
+            <pc:sldMk cId="3670372921" sldId="290"/>
+            <ac:cxnSpMk id="35" creationId="{D0BBDB88-8E69-BA64-2795-84A958E36ED1}"/>
+          </ac:cxnSpMkLst>
+        </pc:cxnChg>
+        <pc:cxnChg chg="add mod">
+          <ac:chgData name="Toby Donaldson" userId="2e6e5431-bb17-4c41-9985-d39c50d83c73" providerId="ADAL" clId="{4B8CB9E9-9023-4F89-82E9-F1825C30F3B3}" dt="2023-09-29T20:26:57.660" v="1565" actId="164"/>
+          <ac:cxnSpMkLst>
+            <pc:docMk/>
+            <pc:sldMk cId="3670372921" sldId="290"/>
+            <ac:cxnSpMk id="37" creationId="{50F6B1ED-36E2-D732-18B8-6BB74AF5C9BC}"/>
+          </ac:cxnSpMkLst>
+        </pc:cxnChg>
+      </pc:sldChg>
+      <pc:sldChg chg="addSp delSp modSp add mod">
+        <pc:chgData name="Toby Donaldson" userId="2e6e5431-bb17-4c41-9985-d39c50d83c73" providerId="ADAL" clId="{4B8CB9E9-9023-4F89-82E9-F1825C30F3B3}" dt="2023-09-29T23:00:22.624" v="2000" actId="20577"/>
+        <pc:sldMkLst>
+          <pc:docMk/>
+          <pc:sldMk cId="905081919" sldId="291"/>
+        </pc:sldMkLst>
+        <pc:spChg chg="mod">
+          <ac:chgData name="Toby Donaldson" userId="2e6e5431-bb17-4c41-9985-d39c50d83c73" providerId="ADAL" clId="{4B8CB9E9-9023-4F89-82E9-F1825C30F3B3}" dt="2023-09-29T23:00:22.624" v="2000" actId="20577"/>
+          <ac:spMkLst>
+            <pc:docMk/>
+            <pc:sldMk cId="905081919" sldId="291"/>
+            <ac:spMk id="53" creationId="{51A8B4FE-E129-7874-1293-DA34EE051BA2}"/>
+          </ac:spMkLst>
+        </pc:spChg>
+        <pc:inkChg chg="add del">
+          <ac:chgData name="Toby Donaldson" userId="2e6e5431-bb17-4c41-9985-d39c50d83c73" providerId="ADAL" clId="{4B8CB9E9-9023-4F89-82E9-F1825C30F3B3}" dt="2023-09-29T23:00:18.684" v="1999" actId="21"/>
+          <ac:inkMkLst>
+            <pc:docMk/>
+            <pc:sldMk cId="905081919" sldId="291"/>
+            <ac:inkMk id="3" creationId="{FA2E0DEC-0427-DBCB-7A2E-719ABBDA6D06}"/>
+          </ac:inkMkLst>
+        </pc:inkChg>
       </pc:sldChg>
     </pc:docChg>
   </pc:docChgLst>
@@ -6053,7 +6626,7 @@
   <inkml:trace contextRef="#ctx1" brushRef="#br0" timeOffset="74230.84">27685 3800 11967 0,'-10'1'1072'0,"5"1"-864"0,1 0-208 0,2-2 0 0,2 3 0 0,0-3-240 15,0 2 48-15,0 0 16 0,0 1 480 0,0 1 80 16,2 1 32-16,2 2 0 0,3 0 848 0,3-5 160 16,4 1 48-16,2 1 0 0,-16-4-320 0,0 0-48 15,0 0-16-15,99 3 0 0,-99-3-624 0,0 0-128 16,96 2-16-16,-96-2-16 0,0 0-304 0,0 0 0 16,98 14 0-16,-85-7 0 0,-4 3 0 0,-9 1 0 0,-3 4 0 0,-8 1 0 15,-3 3 0-15,-5 4 0 0,-7 0 0 0,0 6 0 16,-4-1 0-16,-1 3 0 0,3 3 0 0,-2-5 0 15,-3 6 0-15,4-2 0 0,1 0 0 0,5-3 0 16,-3 5 288-16,5-6-48 0,4-1-16 0,3-7 0 16,5-2-224-16,4-1 0 0,5-5 0 0,3-4 0 15,4 2 0-15,5-6 0 16,6-3 0-16,-18-2 0 0,0 0-128 0,0 0 128 0,110-2-192 0,-110 2 192 16,0 0-208-16,104-2 64 0,-104 2 16 0,0 0 0 15,115 5-16-15,-115-5 0 0,0 0 0 0,96 16 0 16,-96-16-208-16,0 0-32 0,0 0-16 0,0 0 0 0,0 0 16 0,63 56 0 15,-68-44 0-15,-2-3 0 0,0 5 384 0,-4-2 0 16,1 0 192-16,-6 4-64 16,0-1-128-16,-5 3 0 0,-7 4 128 0,-3 1-128 0,-7 7 688 0,-6-2 64 15,1 5 16-15,-8 0 0 0,1 2 96 0,-6-6 32 16,5 2 0-16,2-8-8288 16,8-2-1648-16</inkml:trace>
   <inkml:trace contextRef="#ctx1" brushRef="#br0" timeOffset="75472.89">29357 5400 11967 0,'-7'4'1072'15,"0"1"-864"-15,5-1-208 0,-3-1 0 16,1-1 208-16,-3 1 0 0,-5 9 0 0,-9 4 0 0,-5 9-208 0,-9 1 0 15,-3 7-144-15,1-2 144 0,1 2 208 0,2-3 144 16,3 3 32-16,1-2 0 0,6-1 208 0,-4 1 48 16,6-3 16-16,-1 5 0 0,-2-3-432 0,1-2-96 15,1 7 0-15,-1-2-128 0,-2 3 160 0,1 2-160 16,1 4 128-16,5 0-128 0,-4 7 256 0,8 5-48 16,1 3 0-16,3 6 0 0,6-2-208 15,5 7 0-15,3-5 0 0,6 3 0 0,9-3 0 0,2-6 0 16,8-3 0-16,5-3 0 0,8-4 0 0,-41-47 0 15,92 85 0-15,-92-85-160 0,99 70 160 0,-99-70 0 16,115 54-144-16,-115-54 144 0,122 36 0 0,-122-36-176 0,147 18 176 16,-147-18-128-16,158-7-128 0,-81-7 0 0,-7-7-16 15,-9-7 0-15,-6 2 32 0,-1-11 16 0,-1-5 0 0,-6-6 0 16,1-5 224-16,-6 1 0 0,2-5 192 0,-2-6-192 16,-2 2 400-16,-11-9-16 0,-1 2-16 0,-7-10 0 15,-3-6 160-15,-10 3 48 0,3 2 0 0,-8 2 0 16,2 4-288-16,-3-2-48 0,0 1-16 0,-2-5 0 15,-2-1-224-15,-3 3 176 0,0 1-176 0,-7 10 160 16,-2 5-160-16,-4 10 0 0,-3 6 0 0,-7 12 0 16,-6 7-144-16,-8 5 144 0,-5 3 0 0,0 11 0 15,-6 0-128-15,-4 13 128 0,-4 4 0 0,-7 7 0 16,3 8-496-16,-4-1 16 0,2 2 0 0,-2 2 0 16,-8 2-864-16,7 1-160 0</inkml:trace>
   <inkml:trace contextRef="#ctx1" brushRef="#br0" timeOffset="75915.28">31246 5289 11967 0,'-11'3'1072'0,"4"1"-864"0,5-1-208 0,-6-1 0 16,6 0 1248-16,-3 1 208 0,-6 3 32 0,-4 6 16 15,-8 3-528-15,-2 5-96 16,-1 2-32-16,-2 1 0 0,2 6-400 0,0-4-96 0,2 6-16 0,1-5 0 16,2 7 432-16,2-1 64 0,3-3 32 0,1 6 0 15,1 0-320-15,2 2-64 0,-1-3-16 0,3 5 0 16,1 1-176-16,-1 2-32 0,1 6-16 0,-1 1 0 16,1 7-48-16,2 7-16 0,0-1 0 0,3 1 0 0,3 5-48 0,2-4 0 15,6 3 0-15,4-8 0 0,5-3-128 0,4-6 0 16,7-3 144-16,-27-47-144 0,57 77 0 0,-57-77-128 15,68 61 0-15,-68-61 0 16,73 50-1104-16,-73-50-224 0,80 33-32 0,-80-33-9504 0</inkml:trace>
-  <inkml:trace contextRef="#ctx1" brushRef="#br0" timeOffset="76495.4">31510 5956 5519 0,'-1'9'496'0,"1"1"-496"0,1-5 0 0,1-1 0 16,0 1 960-16,0 6 112 0,1 6 16 0,1 11 0 16,1 14-544-16,0 3-96 0,-1 4-32 0,-3-1 0 0,-1-1 96 0,0 1 0 15,-1-1 16-15,-3-4 0 0,1-1-208 0,-1-6-64 16,-6 1 0-16,-1-4 0 0,1-3-256 0,-4-1 0 16,-2-3 0-16,2-1 0 0,-2-6 0 0,1-2 0 15,-3-4 0-15,3 1 0 0,1-7 0 0,0 1 0 16,3-6 0-16,3-4-144 0,-1-1 144 0,4-6 0 15,3 0 0-15,4-3 0 16,1-5 0-16,6-2 0 0,-2-4 0 0,7-5 0 0,3 2 0 0,2-9 0 16,2 2 0-16,5-2 0 0,4-1 208 0,1-8 32 15,4 2 0-15,0-5 0 0,2 0 128 0,-2 0 16 16,-1 0 16-16,-4 2 0 0,0 0 64 0,-1 5 16 0,-1-1 0 0,5 3 0 16,-1 0 272-16,1 3 48 0,-4 9 16 0,-1 0 0 15,0 7-16-15,-28 19 0 0,0 0 0 0,0 0 0 16,79-18-64-16,-67 27-16 0,-2 1 0 0,-1 8 0 15,-2 6 176-15,-4 2 16 0,1 4 16 0,-2 1 0 16,-4 4-208-16,2 3-32 0,-5 8-16 0,-1-1 0 16,-1 0-496-16,-1 4-176 0,-3 1 0 0,1-2 144 15,-4 6-144-15,0-6 0 0,3-1 0 0,-2-3 0 16,2-2 720-16,1-2 224 0,-1-4 32 0,2-4 16 16,2-3-2432-16,2-6-480 0,2 0-112 0,5-8-11664 15</inkml:trace>
+  <inkml:trace contextRef="#ctx1" brushRef="#br0" timeOffset="76495.39">31510 5956 5519 0,'-1'9'496'0,"1"1"-496"0,1-5 0 0,1-1 0 16,0 1 960-16,0 6 112 0,1 6 16 0,1 11 0 16,1 14-544-16,0 3-96 0,-1 4-32 0,-3-1 0 0,-1-1 96 0,0 1 0 15,-1-1 16-15,-3-4 0 0,1-1-208 0,-1-6-64 16,-6 1 0-16,-1-4 0 0,1-3-256 0,-4-1 0 16,-2-3 0-16,2-1 0 0,-2-6 0 0,1-2 0 15,-3-4 0-15,3 1 0 0,1-7 0 0,0 1 0 16,3-6 0-16,3-4-144 0,-1-1 144 0,4-6 0 15,3 0 0-15,4-3 0 16,1-5 0-16,6-2 0 0,-2-4 0 0,7-5 0 0,3 2 0 0,2-9 0 16,2 2 0-16,5-2 0 0,4-1 208 0,1-8 32 15,4 2 0-15,0-5 0 0,2 0 128 0,-2 0 16 16,-1 0 16-16,-4 2 0 0,0 0 64 0,-1 5 16 0,-1-1 0 0,5 3 0 16,-1 0 272-16,1 3 48 0,-4 9 16 0,-1 0 0 15,0 7-16-15,-28 19 0 0,0 0 0 0,0 0 0 16,79-18-64-16,-67 27-16 0,-2 1 0 0,-1 8 0 15,-2 6 176-15,-4 2 16 0,1 4 16 0,-2 1 0 16,-4 4-208-16,2 3-32 0,-5 8-16 0,-1-1 0 16,-1 0-496-16,-1 4-176 0,-3 1 0 0,1-2 144 15,-4 6-144-15,0-6 0 0,3-1 0 0,-2-3 0 16,2-2 720-16,1-2 224 0,-1-4 32 0,2-4 16 16,2-3-2432-16,2-6-480 0,2 0-112 0,5-8-11664 15</inkml:trace>
   <inkml:trace contextRef="#ctx1" brushRef="#br0" timeOffset="77045.35">32645 4681 7359 0,'-11'9'320'0,"6"-4"80"0,0 0-400 0,3-1 0 0,2-4 0 0,0 1 0 16,4 3 1120-16,-1 5 144 0,6-2 16 0,-2 7 16 15,7-1-336-15,-2-2-80 0,4 5-16 0,-1-4 0 16,-15-12-112-16,0 0-32 0,0 0 0 0,87 31 0 15,-87-31-16-15,0 0 0 16,0 0 0-16,84 35 0 0,-70-23-448 0,-4-5-112 0,-3 7-16 0,-5-3 0 16,-4-1-128-16,-3 4 0 0,-2 0 0 0,-1-2 128 0,-6 5 112 0,-2 1 16 15,-2-2 0-15,-2 1 0 0,-5 4-256 16,4-5 0-16,-1 1 0 0,-1 0 0 0,0 3 128 0,-1-1-128 16,3 2 0-16,-3-1 144 0,3 3 128 0,0-4 32 15,-2 2 0-15,4-2 0 16,2-1-304-16,3-1 0 0,5-1 128 0,0-7-128 0,7-1 0 0,2-2 0 15,6-3 0-15,4-1 0 0,2 1 0 0,7-8 0 16,-19 5-128-16,0 0 128 0,75-9 0 0,-75 9 0 16,0 0 0-16,89-14 0 0,-89 14 0 0,0 0 0 15,89-7 0-15,-89 7 0 0,0 0 0 0,0 0 0 16,0 0 128-16,89 23-128 0,-85-14 0 0,-6 5 0 0,-3 3 0 16,-9 1 0-1,-2 2 128-15,-5 0-128 0,-2 2 144 0,2 1-144 0,-3-1 416 0,1 3-16 0,-1-2 0 0,3 3 0 16,2-4-208-16,0-1-64 0,0 2 0 0,1-6 0 31,4 1-1056-31,0-4-224 0</inkml:trace>
   <inkml:trace contextRef="#ctx1" brushRef="#br0" timeOffset="77286.64">33495 4906 21183 0,'2'26'944'0,"-2"-9"192"0,2 1-912 0,-2-4-224 16,0-4 0-16,-2 2 0 0,0 6 736 0,-1 10 96 16,-3 20 32-16,-4 15 0 0,1 8-592 0,-5 6-112 0,6-2-32 0,-1 0 0 15,4 0 160-15,1 1 32 0,4-1 0 0,-2 2 0 16,2-2 992-16,-1 1 208 0,1 1 32 15,-5 3 16-15,-1 0-448 0,-4 0-96 0,1-1 0 0,-8-6-16 16,-1 0-752-16,-4-5-128 0,-1-3-128 0,-7 1-15664 16</inkml:trace>
   <inkml:trace contextRef="#ctx1" brushRef="#br0" timeOffset="117978.77">3524 8919 1839 0,'11'-4'160'0,"-1"1"-160"16,-1-1 0-16,-2 3 0 0,-2 1 192 0,4-4 0 15,12 2 0-15,9-5 0 0,10-1-32 0,5 1 0 16,-3-4 0-16,-2 6 0 0,-4-2 240 0,-1 0 48 15,0 4 16-15,-4-3 0 0,1 3 432 16,-4-4 96-16,-2 3 16 0,-2 1 0 0,-1-1 32 0,3-1 16 16,0 2 0-16,2 1 0 0,-4 0-112 0,3-1-32 15,-1 1 0-15,-2-1 0 0,-1 3-144 0,-1 0-16 32,3 0-16-32,-4 0 0 0,0 1-320 0,-2 1-64 15,0 0-16-15,-2 1 0 0,1-1-336 0,-1 1 144 0,-3 3-144 0,0-3 0 16,-2 1 0-16,1-1 0 0,-1 1 0 0,0 1 0 15,4-3 0-15,-2 1 0 0,1-1 0 0,1 0 0 16,5-1 0-16,-2-1 0 0,2 2 0 0,0 0 0 16,3 3 304-16,-3-3 48 0,2 1 16 0,-1 1 0 15,3-1-112-15,-1 4 0 0,1-2-16 0,-1 1 0 16,2 1-240-16,-3-2 0 0,-1 0 0 0,-1-1 0 16,0 2 0-16,0 0 0 0,2-3 0 0,-4-1 0 0,4 1-176 15,-1-3 176-15,3 4-160 0,1-8 160 0,-2 3 0 0,1-1 0 16,4 0 0-16,-1 2 0 0,2-2 0 0,1-1 0 15,-1 1 0-15,3 0 0 0,0 1 272 0,-2-3-48 0,2 4-16 16,-3 0 0-16,1 0-208 0,-3 4 176 0,-1-3-176 0,-1 1 160 16,-4 2-160-16,1-1 0 0,0-1 0 0,-1 1 0 15,1 1 0-15,0-2 0 0,1-2 0 0,0-2 0 16,2-2 0-16,-1 3 0 0,-1-3 0 0,1 4 0 16,-1-2 0-16,0 1 0 15,3-1 0-15,-5 0 0 0,4 2 0 0,1 0 0 0,-7 2 0 0,5-2 0 16,-2 2 0-16,3-1 0 0,-4 1 0 0,1-2 0 15,1 4 0-15,1-3 0 0,-3 3 0 0,-1-2 0 16,0-1 0-16,0-1 0 0,0 2 0 0,-2 0 0 16,2 0 0-16,2-2 0 0,-2 0 0 0,-2 1 0 15,2-1 0-15,0 2 128 0,0 0-128 0,0 0 0 16,-1 1 256-16,1-1-16 0,2 1-16 0,-2-1 0 0,-2 0-224 0,2-2 0 16,2 0 128-16,-1 0-128 0,6-2 0 0,-3 0 0 15,6-1 0-15,-1-2 0 0,4 3 0 0,1-2 0 16,4 1 0-16,-3-4 0 0,1 0 144 0,-1 3 48 15,1-1 0-15,0-2 0 0,1 4 64 0,-2 1 32 16,-2 0 0-16,0-1 0 0,3-1-288 0,-4-1 128 16,2 3-128-16,0-1 0 0,1 3 0 0,-1-2 0 15,2 0 0-15,-2 1 0 0,1 1 128 0,1 0-128 16,-2 0 0-16,-2 1 0 0,-2-1 272 0,1 2-48 16,1-2-16-16,2 0 0 0,1 0-48 0,-3 0-16 15,4-2 0-15,-1 2 0 0,1 0-144 0,3 0 0 0,4-1 0 16,-4-1 0-16,2 0 0 0,-1 2 0 0,1 0 0 0,2 0 0 15,-6 2 0-15,1 0 0 16,-3-1 0-16,1 1 0 0,-4-2 0 0,2 0 0 0,3 2 0 0,0-2 0 16,1 0 0-16,2-2 0 0,3 0 0 0,1-1 0 15,4 1 0-15,-2-5 0 0,2 5 0 0,2 1 0 16,-6 1 0-16,-2 0 0 0,-1 0 0 0,-7 0 0 16,2 3 0-16,-4-1 0 0,0 3 0 0,0-1 0 15,-2 1 0-15,2-3 0 0,-1 1 0 0,-1 1 0 16,6-1 0-16,-1-1 0 0,3-2 0 0,-1 0 0 15,4 0 0-15,-2 0 0 0,-2 0 0 0,1 0 0 16,-1 2 240-16,-3-2 16 0,1 3 0 0,-2-1 0 16,-3 1-64-16,0 4 0 0,-3 0 0 0,0 2 0 0,-2-2-192 0,-3 0 176 15,-1 2-176-15,-4-2 160 0,-1 3-160 0,-4-3 0 16,-1 2-192-16,-2-1-12464 16</inkml:trace>
@@ -6121,6 +6694,360 @@
 </inkml:ink>
 </file>
 
+<file path=ppt/ink/ink10.xml><?xml version="1.0" encoding="utf-8"?>
+<inkml:ink xmlns:inkml="http://www.w3.org/2003/InkML">
+  <inkml:definitions>
+    <inkml:context xml:id="ctx0">
+      <inkml:inkSource xml:id="inkSrc0">
+        <inkml:traceFormat>
+          <inkml:channel name="X" type="integer" max="30347" units="cm"/>
+          <inkml:channel name="Y" type="integer" max="20231" units="cm"/>
+          <inkml:channel name="F" type="integer" max="65535" units="dev"/>
+          <inkml:channel name="T" type="integer" max="2.14748E9" units="dev"/>
+        </inkml:traceFormat>
+        <inkml:channelProperties>
+          <inkml:channelProperty channel="X" name="resolution" value="1000.23071" units="1/cm"/>
+          <inkml:channelProperty channel="Y" name="resolution" value="1000.04944" units="1/cm"/>
+          <inkml:channelProperty channel="F" name="resolution" value="0" units="1/dev"/>
+          <inkml:channelProperty channel="T" name="resolution" value="1" units="1/dev"/>
+        </inkml:channelProperties>
+      </inkml:inkSource>
+      <inkml:timestamp xml:id="ts0" timeString="2023-09-29T22:38:30.714"/>
+    </inkml:context>
+    <inkml:brush xml:id="br0">
+      <inkml:brushProperty name="width" value="0.05292" units="cm"/>
+      <inkml:brushProperty name="height" value="0.05292" units="cm"/>
+      <inkml:brushProperty name="color" value="#FF0000"/>
+    </inkml:brush>
+    <inkml:context xml:id="ctx1">
+      <inkml:inkSource xml:id="inkSrc8">
+        <inkml:traceFormat>
+          <inkml:channel name="X" type="integer" max="30347" units="cm"/>
+          <inkml:channel name="Y" type="integer" max="20231" units="cm"/>
+          <inkml:channel name="T" type="integer" max="2.14748E9" units="dev"/>
+        </inkml:traceFormat>
+        <inkml:channelProperties>
+          <inkml:channelProperty channel="X" name="resolution" value="1000.23071" units="1/cm"/>
+          <inkml:channelProperty channel="Y" name="resolution" value="1000.04944" units="1/cm"/>
+          <inkml:channelProperty channel="T" name="resolution" value="1" units="1/dev"/>
+        </inkml:channelProperties>
+      </inkml:inkSource>
+      <inkml:timestamp xml:id="ts1" timeString="2023-09-29T22:43:33.645"/>
+    </inkml:context>
+  </inkml:definitions>
+  <inkml:trace contextRef="#ctx0" brushRef="#br0">23273 14377 2751 0,'-5'6'256'0,"1"-1"-256"16,3 2 0-16,1-6 0 0,0 1 816 0,-2 2 112 0,0 6 32 0,-3 4 0 15,0 7-96-15,0 2-16 0,-2 1 0 0,0-1 0 16,3 5-560-16,1-2-112 0,-3 5-32 0,6-5 0 16,-1 0-144-16,-3-5 192 0,2-2-192 0,2-5 192 15,2 0 48-15,2 2 16 0,-3-2 0 0,1-4 0 16,0 6 16-16,-2 0 16 0,-2-1 0 0,0 1 0 15,-3-2 144-15,-4 2 16 0,4 4 16 0,-7 1 0 16,3-2 176-16,-5 6 16 0,0-2 16 0,2-1 0 16,-2 6-32-16,2-2 0 0,0 0 0 0,0 2 0 15,1-3-32-15,1 4-16 0,-4 1 0 0,2 1 0 16,1-5-48-16,-1 6-16 0,3-3 0 0,-3 1 0 0,5-1-32 0,-3-1-16 16,3 0 0-16,0-5 0 0,2-4-224 0,3 0-64 15,2-3 0-15,2-6 0 0,1 1-192 16,4-6 0-16,-2 0 0 0,6 0 0 0,1-3 0 0,2 0 0 15,3 0-128-15,1-2 128 0,1 0 0 0,3 0-128 16,1 1 128-16,3-1 0 0,2 0 176 0,3 2 144 16,-1 2 16-16,1-1 16 0,4-3-80 0,-3-3-16 0,1 1 0 15,-2-2 0-15,-1 3-256 0,-1-5 0 16,-1-2 0-16,-3-1 0 16,-1-3-464-16,-3-2-208 0,-4 3-32 0,-3-3-6800 15,-1 0-1360-15</inkml:trace>
+  <inkml:trace contextRef="#ctx0" brushRef="#br0" timeOffset="296.75">23024 15126 7359 0,'5'5'656'0,"-1"-1"-528"0,3-4-128 0,0-4 0 0,1 1 432 0,3-4 48 16,8 4 16-16,14-6 0 0,-33 9-336 0,101-30-160 15,-101 30 160-15,112-33-160 0,-112 33 0 0,0 0 0 16,134-42 0-16,-134 42 0 16,0 0 0-16,103-38-128 0,-103 38 128 0,0 0 0 0,0 0 0 0,102-63 0 0,-81 42 0 0,-3-3 0 15,-1 0 0-15,-3-4 176 16,2-2 0-16,-2-3 0 0</inkml:trace>
+  <inkml:trace contextRef="#ctx0" brushRef="#br0" timeOffset="529.45">23291 14292 13823 0,'-23'16'608'0,"9"-8"128"0,4-1-592 0,4-3-144 15,5-2 0-15,1-2 0 16,0 0 928-16,0 1 160 0,0 4 16 0,1 1 16 0,5-3-800 0,1 2-144 31,1 2-48-31,6-3 0 0,-2-1-128 0,6 1 0 0,1 1 0 0,0-1 128 16,6-3 320-16,-3 1 48 0,3 0 16 0,1-4 0 0,3 0-48 0,3 1 0 16,-32 1 0-16,0 0 0 0,111-23-464 0,-111 23 0 15,0 0-176-15,115-40-9488 0</inkml:trace>
+  <inkml:trace contextRef="#ctx0" brushRef="#br0" timeOffset="25924.96">2357 4098 911 0,'-19'-11'0'0,"8"6"0"0,1 1 0 0,1-1 0 0,4 0 1808 0,1 3 288 0,1 0 48 0,-9-4 16 0,-6-7-1232 0,-3 3-240 31,-3-2-48-31,-4 0-16 0,0 6-624 0,0-1 0 0,0 2 0 0,-6 2-192 0,1 3 192 0,-2 1-128 31,3 1 128-31,-3 2-128 0,4-1 544 0,5-1 112 16,-2 1 32-16,4-1 0 0,3 0 176 0,3 1 32 16,1 4 16-16,1-3 0 0,1-1-496 0,2 6-96 15,-2-2-32-15,1 2 0 0,0 4-160 0,0 1 0 16,-4 6 0-16,3 2 0 0,-1 3-160 0,-1 6 160 15,-3 7 0-15,1 1-144 0,2 8 144 0,-4 0 0 16,2 0 0-16,-2 0 0 0,0 3 0 0,0-3 0 0,4 0 0 0,-1-3 0 16,2-6 0-16,4 0 192 0,4-1-64 0,4-4 0 15,2 0 64-15,2-5 32 0,4 3 0 0,3-3 0 16,5 5-96-16,0-1-128 0,2-3 176 0,0 6-176 16,0-3 0-16,0-3 0 0,0 3 0 0,2-6-192 15,-2 3 192-15,-1-4 0 0,3 2 0 0,0 0 0 16,0-5 0-16,1 3 0 0,0-4 0 0,1-1 0 15,-18-20 384-15,0 0 80 0,61 61 16 0,-61-61 0 0,0 0 48 0,73 58 16 16,-73-58 0-16,0 0 0 0,94 42-224 0,-94-42-64 16,0 0 0-16,129 28 0 0,-129-28 64 0,105 7 16 15,-105-7 0-15,102 6 0 0,-102-6-336 0,88 4 144 16,-88-4-144-16,0 0 0 0,120 5 128 0,-120-5-128 16,0 0 0-16,115 5 0 0,-115-5 0 0,0 0 128 15,125 14-128-15,-125-14 0 0,93 6 256 0,-93-6-64 16,94 8-16-16,-94-8 0 0,0 0-176 0,123 16 0 15,-123-16 0-15,0 0 128 0,117 30-128 0,-117-30 0 16,0 0 144-16,112 29-144 0,-112-29 0 0,0 0 0 0,116 33 0 16,-116-33 128-16,88 28-128 0,-88-28 0 0,92 19 0 15,-92-19 0-15,87 6 0 0,-87-6-128 0,0 0 128 16,127-2 0-16,-127 2 0 0,87-7 0 16,-87 7 0-16,84-14 0 0,-84 14 0 0,98-18 224 15,-98 18-32-15,108-15 0 0,-108 15-48 0,115-12-16 16,-115 12 0-16,103-16 0 0,-103 16-128 0,81-12 0 0,-81 12 0 15,0 0 0-15,107-7 0 0,-107 7 0 16,0 0 0-16,89-11 0 0,-89 11 0 0,0 0 0 0,95-7 0 0,-95 7 0 16,0 0 0-16,105-7 128 0,-105 7-128 0,0 0 0 15,98-14 0-15,-98 14 0 0,0 0 128 0,76-13-128 16,-55 7 0-16,0-2 0 0,-2 2 0 0,0-1 0 16,2-3 0-16,-2 3 0 0,-3-5 0 0,3 1 0 15,4-3 0-15,-4 0 0 0,0 4 0 0,0-4 0 0,1 0 0 16,-1 0 0-16,2 2 0 0,-4 0 0 0,1-4 0 0,1 4 0 15,-5 0 0-15,0-2 0 0,1 3 0 0,-2-3 0 16,-1 1 0-16,0-1 0 0,0 0 0 0,-3-4 0 16,3 1 0-16,2-4 0 0,0 2 0 0,2-6 0 15,1 1 0-15,2 0 0 16,4-4 256-16,-2 2 80 0,0-6 16 0,1 4 0 0,-3-3-352 0,-3-2 0 16,2 3 0-16,-4-1 0 0,-1 1 0 0,1 1 0 15,-5-3 0-15,-2 5-128 0,-2-1 128 0,-3 3 0 0,-4 1 0 0,1-2 0 16,-8 3 0-16,0 2 144 0,0 2-144 0,-1-2 0 15,-7-3 256-15,-1-2-64 0,1 3-16 0,-4-3 0 16,2 2 176-16,-2-1 32 0,-5-1 16 16,-1-2 0-16,0 4-400 0,-3-6 0 0,-1 4 0 0,1-5 0 15,-1 6 176-15,-3-4-48 16,0 3-128-16,-3-6 192 0,0 4 288 0,4-1 48 0,-2 4 16 0,-5-6 0 16,-7 1-192-16,-5-3-32 0,0 0-16 15,-11 4 0-15,0-3-304 0,-1-1 0 0,-6 4 0 0,9-1 0 16,5 4 288-16,1 0 0 0,-3 3 0 0,2-1 0 15,4 3-48-15,2-5-16 0,1 3 0 0,-7 0 0 0,-3-1-224 0,-2 0 0 16,1 1-144-16,1 2 144 31,2 2-512-31,-3 1-16 0,1 1 0 0,2 3 0 0,-1 4 128 0,-4-1 16 0,-1 8 16 0,-7 3 0 0,-3 0 368 0,-2 10-144 16,5-1 144-16,-5 7 0 0,2-1-288 0,-2 1 48 16,0 1 16-16,-3-1 0 0,-6 3 32 0,-1 6 0 15,-4-1 0-15,2-1 0 0,7 4-80 0,-4 0-16 16,-3 2 0-16,-7-1 0 31,-7 2-912-31,-2-4-176 0,2 2-32 0,5-2-9408 0</inkml:trace>
+  <inkml:trace contextRef="#ctx0" brushRef="#br0" timeOffset="88649.59">27942 14344 4607 0,'-14'-3'400'0,"1"1"-400"0,3 0 0 0,3 0 0 15,4 1 464-15,-1 1 16 0,-3 0 0 0,-3 0 0 16,-6 1 224-16,-5 3 64 0,-7 1 0 0,-3 6 0 16,-2-3-624-16,1 8-144 0,3 1 0 0,-3 4 0 15,6 0 0-15,-3 7 0 16,2 0 0-16,0 3 128 0,0 6 320 0,5 3 48 0,-6 0 16 0,3 0 0 15,3 0-144-15,-1 2-32 0,2 3 0 0,2-3 0 0,0 0-336 16,1 3 0 0,5-1 0-16,-5 1 0 0,1 7 0 0,3 0 0 15,2 2 0-15,1 0 0 0,2-1 0 0,1 1 0 0,2 1-128 0,-1-1 128 16,6-1 0-16,1-6 0 0,3 0 0 0,6-4 0 16,3-1 400-16,6 0 112 15,6-6 32-15,4-4 0 0,5 1-160 0,7-9-16 0,5 4-16 0,2-7 0 0,-47-21-352 0,100 37 0 16,-100-37 0-16,102 33 0 15,-102-33 0-15,100 22-160 0,-100-22 160 0,110 7-160 0,-110-7 160 0,118-3 0 0,-118 3 128 0,129-21-128 32,-129 21 784-32,117-33 96 0,-117 33 16 0,94-40 0 0,-94 40 96 0,80-54 32 15,-45 19 0-15,-7 4 0 16,-6-1 128-16,-2-4 16 0,-3-4 16 0,-5-9 0 16,0 2-592-16,-6-9-112 0,-1 0-32 0,-5-3 0 15,-2 0-320-15,-5-2-128 0,0 0 0 0,-3-3 144 16,1 3-144-16,-3-2 0 0,1-3 144 0,-6-4-144 15,1-1 176-15,-5-3-48 0,0 7 0 0,-3-1 0 16,-2 3 96-16,0 2 16 0,-6 8 0 0,-1-1 0 0,-3 5 176 0,-4 4 32 16,-4 7 16-16,-5 7 0 0,0 11-80 0,-5 4-32 15,2 4 0-15,0 9 0 0,-4 3-144 16,-3 6-16-16,-6 8-16 0,3 4 0 0,1 5-176 16,3 0-144-16,2 1 144 0,6 1-208 15,-1 1-272-15,8-3-48 0,4-2-16 0,8-1 0 16,7-6-1152-16,5 4-224 0</inkml:trace>
+  <inkml:trace contextRef="#ctx0" brushRef="#br0" timeOffset="89487.62">27722 14193 3679 0,'-10'10'320'16,"1"1"-320"-16,7-6 0 0,-1 0 0 0,3 0 752 0,-4 6 80 16,-1 4 0-16,-6 15 16 0,-1 8-80 0,2 11-32 0,1 3 0 0,7 6 0 15,1 5-160-15,2-1-16 0,3 1-16 0,5 3 0 16,1-5-368-16,6-2-176 0,3-3 160 0,3 1-160 15,10 4 0-15,-1-1 0 0,4 2 0 0,2-2 0 16,3 8 0-16,7-6-128 0,0 6 128 0,2-3 0 16,-1-4-336-16,3 0 32 0,-1-4 16 0,-6 0 0 15,-2-1 288-15,-6-4 0 0,-4 2 0 16,-6-5 160-16,-5-7-160 0,-14-11 0 0</inkml:trace>
+  <inkml:trace contextRef="#ctx0" brushRef="#br0" timeOffset="89723.71">27306 15530 7359 0,'-16'-15'656'0,"7"6"-528"15,4-3-128-15,5 5 0 16,3-2 832-16,6 2 144 0,-2-7 32 0,10-7 0 0,15-15 720 0,13-20 160 15,14-8 32-15,8-6 0 0,1-2-384 0,0 5-80 0,1-1-16 0,3-6 0 16,6 0-784-16,4-3-144 0,9 0-48 0,-2-1 0 16,-1 0-464-16,-4 4 0 0,-7 5 0 0,-8 8 0 15,1 3-160-15,0 8 160 0</inkml:trace>
+  <inkml:trace contextRef="#ctx0" brushRef="#br0" timeOffset="178067.39">2618 5853 6447 0,'-14'2'576'15,"2"1"-576"-15,5 3 0 0,2-5 0 16,0 3 976-16,-4-2 96 0,-7 6 16 0,-10 3 0 0,-12 5-240 0,-6-1-32 16,1 3-16-16,4-4 0 0,5-1-416 0,0 3-96 15,5-4-16-15,-1-1 0 0,1 1 192 0,-1-2 48 16,2 4 0-16,-5 4 0 0,3-1 320 0,-1 2 80 15,-6 2 16-15,1 2 0 0,-1 7-96 0,1-3 0 16,-3 6-16-16,4-3 0 0,4-2-368 0,0 7-80 16,-6 5-16-16,0 7 0 15,1 0-160-15,-1 2-16 0,4-1-16 0,4 3 0 0,-3-2-32 0,4-4 0 16,2-1 0-16,4-3 0 0,2-2 112 0,3-3 16 16,3-1 0-16,5 0 0 0,1 0 128 0,4 3 48 15,4 0 0-15,4-1 0 0,4 1-112 0,4-1-32 0,4-6 0 0,5-1 0 16,3-1-288-16,1-1 0 0,-25-28 128 15,70 61-128-15,-70-61 0 0,83 61 0 0,-83-61 0 0,101 58 0 16,-101-58-128-16,138 66 128 0,-138-66 0 0,165 68-144 16,-74-35 144-16,-91-33 0 0,178 54 0 0,-178-54-128 15,181 36 128-15,-78-25-192 0,8-6 192 0,-3 2-192 16,0-3 0-16,-3-3-16 0,-7-2 0 0,6-6 0 16,6-4 48-16,-2-3 16 0,4 6 0 0,-10-3 0 15,-6 8 144-15,2-8-160 0,-2-5 160 0,3-3-160 16,4 0-48-16,-4-5-16 0,-10 3 0 0,-2-4 0 15,0-4 224-15,7-4 0 0,7-4 144 0,0-1-144 16,-1 1 0-16,-11-6 0 0,-7-6 0 0,-9-3 0 16,-7-4 0-16,-5 4-288 0,-5 3 64 0,-7-3 16 0,-8-2 208 0,-8-4 0 15,-6 3 0-15,-10-1 0 16,-3 0 0-16,-7 0 0 0,-2 8 192 0,-3-5-192 16,-2-2 576-16,0-3 16 0,0 1 0 0,0-3 0 15,0-6-224-15,-2 7-48 0,-3 2-16 0,-4 3 0 0,-3 3-304 0,-7 9 0 16,-6 2 0-16,-6 5 0 0,-4 0 0 0,-8 8-176 15,-3 0 176-15,-2 5-208 0,2 4-48 0,-8 1 0 16,-9 5 0-16,-4-2 0 16,0 2 256-16,-2 3 0 0,-8-5 0 0,-3 4 0 0,0-1 0 0,3 2 0 0,2 1 0 15,-5 1 160-15,-4 0-32 0,-3 2 0 16,-7 5 0-16,-5-2 0 0,1 0 16 0,-6 4 0 0,-1 0 0 0,-3 3 0 16,0 5 80-16,-7-1 16 15,-5 3 0-15,-1 0 0 0,5 2-112 0,2 7-128 16,3 5 176-16,-8 6-176 0,-3 1 0 0,-1 14 0 0,1 10 0 15,5 4 0 1,-2 7-1856-16,1 7-368 0</inkml:trace>
+  <inkml:trace contextRef="#ctx1" brushRef="#br0">21879 17934 0,'0'0'0,"0"0"16,0 0 0,0 0-1,65 5 1,79-22 0,10 11-1,-10 0 1,-4-10-1</inkml:trace>
+  <inkml:trace contextRef="#ctx0" brushRef="#br0" timeOffset="-125824.61">19093 5179 4383 0,'-26'-5'384'0,"13"1"-384"15,3-1 0-15,1-3 0 0,2 6 0 0,2-2 0 16,0-1 0-16,-6-4 0 0</inkml:trace>
+  <inkml:trace contextRef="#ctx0" brushRef="#br0" timeOffset="-125524.59">18859 5085 2751 0,'0'0'256'16,"0"0"-256"-16,0 0 0 0,-2 0 0 15,1-2 752-15,-3 2 96 0,1 2 32 0,-1-2 0 16,-1 5-384-16,3-1-80 0,2 1-16 0,0-1 0 16,2 3-800-16,3-2-176 0,-1-2-16 0,1 2-16 15,4 1 480-15,-2-3 128 0,5-1 0 0,-3 0 0 0,1-1 656 0,-5 1 208 16,4 0 32-16,-2 0 16 0,2 1 496 0,-1-3 80 15,-1 0 32-15,-1 0 0 0,1 0-416 0,0 0-80 16,3 0 0-16,-5 0-16 0,4 0-752 0,1 0-128 0,3-3-128 0,-3 1 144 16,4 0-144-16,3 0 0 0,1 1-160 0,3-3 160 15,0 1 0-15,1-3 0 0,6 3 208 0,-2 1-64 16,4-3 656-16,0 3 128 16,3 1 32-16,0-1 0 0,0 2-448 0,-2 0-64 0,2 0-32 0,0 0 0 15,-1 0-416-15,1 2 0 0,0-2 0 0,2 1-176 16,-2 3-64-16,2-2-16 15,0-1 0-15,3 1 0 0,2-2 112 0,4-2 16 0,-1 2 0 0,3-3 0 16,2-2 128-16,-1-2 0 0,0 1 0 0,-5 1 0 16,0-5 0-16,-4 3 0 0,-3-4 0 0,-2 6 0 15,0-2-720-15,-5-2-64 0,0 6-16 0,-5-1-7824 16</inkml:trace>
+  <inkml:trace contextRef="#ctx0" brushRef="#br0" timeOffset="-124277.95">4364 7717 5519 0,'14'-5'496'0,"0"-1"-496"16,-5 3 0-16,-2 1 0 0,-2 2 1072 0,4-2 112 15,14 1 32-15,6-4 0 0,16-1-368 0,4-1-64 0,4 6-16 0,-1-3 0 16,4 2-768-16,-4 1 0 0,4 1 0 0,-1 0 0 15,1 0-176-15,2 0 176 0,3 1-192 0,-4 1 192 16,2 0-128-16,4 0 128 0,7-2 0 0,5 0 0 0,10 3 0 16,-1-1-128-16,-1-2 128 0,-2 0 0 15,-1 3 0-15,-2-10 0 0</inkml:trace>
+  <inkml:trace contextRef="#ctx0" brushRef="#br0" timeOffset="-122919.95">6466 10340 3679 0,'-4'-5'320'0,"-3"1"-320"0,6 1 0 0,1 1 0 16,0 0 512-16,-2-5 48 0,-1 2 0 0,-3-9 0 16,-2 2-336-16,-1-2-64 0,0 0-16 0,0 7 32 15,2-2-176-15,-3 8 0 0,1-1 0 0,-1 4 0 0,1-1 0 0,0 6 0 16,2 2 0-16,-1 3 0 15,3-1 0-15,-2 3 0 0,1-4 0 0,5 1 0 16,-1-3 0-16,2 1 0 0,3-6 0 0,3 1-144 0,1-1 592 0,-1-6 128 16,5-1 32-16,1-1 0 15,2 0 528-15,3-5 96 0,4-4 32 0,0 1 0 0,4 1 0 0,-3-3 0 16,6 4 0-16,2-3 0 0,5-1-992 0,3-1-272 16,4 4 0-16,3-4 128 0,4 2-128 0,5 4-144 15,7-3 144-15,3 1-208 16,-64 12 208-16,117-10 128 0,-117 10 0 0,140 2 0 15,-65 3 192-15,6 2 64 0,7 5 0 0,4-3 0 0,6-1-384 0,-6-2 0 16,-3 0 0-16,0-4-8368 0</inkml:trace>
+  <inkml:trace contextRef="#ctx0" brushRef="#br0" timeOffset="-121885.53">13572 11901 7359 0,'0'1'656'0,"2"3"-528"0,0-4-128 0,1 0 0 16,4 0 448-16,-2 2 48 0,-5-2 16 0,0 0 0 15,0 0 224-15,98 10 48 0,-98-10 16 0,77 12 0 0,-77-12-32 0,73 7-16 0,-73-7 0 0,87 11 0 16,-87-11 400-16,118 3 96 0,-118-3 16 0,145-3 0 16,-60 3 128-16,10-6 16 15,9-1 16-15,-3-1 0 16,-1-6-960-16,-1-2-192 0,0-1-32 0,11 6-11344 16</inkml:trace>
+  <inkml:trace contextRef="#ctx0" brushRef="#br0" timeOffset="-121023.3">17800 13594 12895 0,'0'-2'1152'0,"0"2"-928"0,0-4-224 0,0 3 0 0,3-1 1248 0,2 2 208 0,-5 0 32 0,0 0 16 15,0 0-144-15,0 0-16 0,70-14-16 0,-70 14 0 31,0 0-816-31,73-4-176 0,-73 4-16 0,0 0-16 0,84-1-176 0,-84 1-128 16,0 0 144-16,106-4-144 0,-106 4 656 0,82-3 48 16,-82 3 0-16,94-4 0 0,-94 4 160 15,112-2 32-15,-112 2 16 0,122-15 0 0,-56 6-496 0,0-7-96 16,2-3-32-16,2 0-14048 0</inkml:trace>
+</inkml:ink>
+</file>
+
+<file path=ppt/ink/ink11.xml><?xml version="1.0" encoding="utf-8"?>
+<inkml:ink xmlns:inkml="http://www.w3.org/2003/InkML">
+  <inkml:definitions>
+    <inkml:context xml:id="ctx0">
+      <inkml:inkSource xml:id="inkSrc0">
+        <inkml:traceFormat>
+          <inkml:channel name="X" type="integer" max="30347" units="cm"/>
+          <inkml:channel name="Y" type="integer" max="20231" units="cm"/>
+          <inkml:channel name="T" type="integer" max="2.14748E9" units="dev"/>
+        </inkml:traceFormat>
+        <inkml:channelProperties>
+          <inkml:channelProperty channel="X" name="resolution" value="1000.23071" units="1/cm"/>
+          <inkml:channelProperty channel="Y" name="resolution" value="1000.04944" units="1/cm"/>
+          <inkml:channelProperty channel="T" name="resolution" value="1" units="1/dev"/>
+        </inkml:channelProperties>
+      </inkml:inkSource>
+      <inkml:timestamp xml:id="ts0" timeString="2023-09-29T22:46:21.689"/>
+    </inkml:context>
+    <inkml:brush xml:id="br0">
+      <inkml:brushProperty name="width" value="0.05292" units="cm"/>
+      <inkml:brushProperty name="height" value="0.05292" units="cm"/>
+      <inkml:brushProperty name="color" value="#FF0000"/>
+    </inkml:brush>
+    <inkml:context xml:id="ctx1">
+      <inkml:inkSource xml:id="inkSrc1">
+        <inkml:traceFormat>
+          <inkml:channel name="X" type="integer" max="30347" units="cm"/>
+          <inkml:channel name="Y" type="integer" max="20231" units="cm"/>
+          <inkml:channel name="F" type="integer" max="65535" units="dev"/>
+          <inkml:channel name="T" type="integer" max="2.14748E9" units="dev"/>
+        </inkml:traceFormat>
+        <inkml:channelProperties>
+          <inkml:channelProperty channel="X" name="resolution" value="1000.23071" units="1/cm"/>
+          <inkml:channelProperty channel="Y" name="resolution" value="1000.04944" units="1/cm"/>
+          <inkml:channelProperty channel="F" name="resolution" value="0" units="1/dev"/>
+          <inkml:channelProperty channel="T" name="resolution" value="1" units="1/dev"/>
+        </inkml:channelProperties>
+      </inkml:inkSource>
+      <inkml:timestamp xml:id="ts1" timeString="2023-09-29T22:46:22.226"/>
+    </inkml:context>
+  </inkml:definitions>
+  <inkml:trace contextRef="#ctx0" brushRef="#br0">33486 17310 0,'0'0'0,"0"0"16,0 0-1,0 0 1,0 0 0,0 0-16,0 0 15,0 0 1,-8 89-1,13-80 1,0 1 0</inkml:trace>
+  <inkml:trace contextRef="#ctx1" brushRef="#br0">23752 9166 4607 0,'0'2'400'0,"0"-2"-400"0,2 0 0 0,0 0 0 0,0 0 384 0,-1 0-16 16,3 0 0-16,-1 0 0 0,4-2-64 0,0 2-16 16,-2 0 0-16,1 0 0 0,-3 0 304 0,-1 0 64 15,1 0 16-15,-1 0 0 0,-2 0 192 0,0 0 32 16,-2 2 16-16,-1 0 0 0,1-1-144 0,2 3-16 16,-2-1-16-16,2-1 0 0,-1 1-288 0,1 1-48 15,0-1-16-15,0 3 0 0,0-3-144 0,1 2-48 16,-1 1 0-16,0 2 0 0,0-2-192 0,0-1 0 15,-1 5 0-15,1 1 0 0,0-1 0 0,0 2 0 16,1 0 0-16,-1 2 0 0,2 6 0 0,0-3 0 0,-2 2 0 16,0 0 0-16,-2 0 0 0,2 4 0 0,-2 3 0 15,1-1 0-15,-1-1 0 0,0 6 0 0,-1-6 0 0,1 6 0 16,-3-4 0-16,0 3 0 0,1-3 0 0,1 4 0 16,1-4 192-16,-2 0-48 0,3 6-16 0,-1-3 0 15,2 1-128-15,-2 3 0 0,2 0 0 0,-2 2 128 16,2-2-128-16,-1 2 160 0,1 1-160 0,0-1 160 15,1-3-160-15,1-3 192 0,0-1-192 0,1-2 192 16,1-3-16-16,-2 1 0 0,-1-1 0 0,1 0 0 16,-2-3-368-16,-2 3-80 0,2-2-16 0,-3 2 0 31,-1-4-176-31,1 2-48 0,-2-2 0 0,-1 0 0 0,-1 2 256 0,0-2 32 0,2-3 16 0,-5-6 0 16,3 4-240-16,0-3-64 0,0-3 0 15,2-3-5936-15</inkml:trace>
+  <inkml:trace contextRef="#ctx1" brushRef="#br0" timeOffset="1763.72">24117 9070 3679 0,'5'0'160'0,"-3"-2"32"16,5 1-192-16,-4 1 0 0,-1 0 0 0,3 0 0 0,-3 0 192 0,3-2 0 0,5 2 0 0,3 0 0 16,1 0 192-1,-1 2 16-15,0-1 16 0,1 1 0 16,1-2 544-16,1 0 128 0,0 0 0 0,3 0 16 16,0-2-96-16,-2 1-32 0,3-1 0 0,-1-1 0 15,0-1-464-15,0 2-112 0,0 1-16 0,2-1 0 0,-2 2-128 0,2-4-48 16,0 3 0-16,-21 1 0 0,0 0-16 0,0 0 0 15,101-16 0-15,-101 16 0 0,0 0-192 0,0 0 144 16,122-19-144-16,-122 19 128 16,0 0-128-16,0 0 160 0,115-11-160 0,-115 11 160 0,0 0-160 0,0 0 0 15,103 7 0-15,-103-7 0 0,0 0 144 0,0 0 0 16,105 7 0-16,-105-7 0 0,0 0 96 0,88 5 16 16,-88-5 0-16,0 0 0 0,95 4-128 0,-95-4-128 15,0 0 176-15,97 3-176 0,-97-3 208 0,0 0-64 16,93 9-16-16,-93-9 0 0,0 0 64 0,0 0 0 0,109 16 0 15,-109-16 0-15,0 0 224 0,0 0 48 0,115 0 16 0,-115 0 0 16,0 0-208-16,94-7-32 0,-94 7-16 16,0 0 0-16,107-11 32 0,-107 11 16 0,0 0 0 0,120-5 0 15,-120 5-80-15,0 0-32 16,117-2 0-16,-117 2 0 0,0 0-16 0,108 2 0 0,-108-2 0 0,0 0 0 16,97 9 48-16,-97-9 0 0,0 0 0 0,96 5 0 15,-96-5 48-15,0 0 16 0,101-5 0 0,-101 5 0 16,0 0-128-16,120-12-128 0,-120 12 176 0,95-12-176 15,-95 12 224-15,97-14-64 0,-97 14-16 0,0 0 0 16,134-14-144-16,-134 14 0 0,0 0 0 0,126-9 0 0,-126 9 0 16,0 0 0-16,115-4 0 0,-115 4 0 0,0 0 0 0,124-1 0 15,-124 1 0-15,0 0 0 0,130 0 0 0,-130 0 0 16,0 0 0-16,120 0 0 0,-120 0 0 0,0 0 0 16,102 0 128-16,-102 0-128 0,0 0 0 0,95 1 0 15,-95-1 0-15,0 0 0 0,94 4 0 16,-94-4 0-16,0 0 0 0,107 3 0 0,-107-3 0 0,0 0 0 15,113-1 0-15,-113 1 0 0,0 0 0 0,115-2 0 16,-115 2 0-16,0 0 0 16,98 2 0-16,-98-2 0 0,0 0 0 0,0 0 0 0,111 10 0 0,-111-10 0 0,0 0 0 15,0 0 0-15,98 5 0 0,-79-3 0 0,-19-2 0 16,0 0 0-16,0 0 0 0,0 0 0 0,98 0 0 0,-79-2 0 16,-2 1 0-16,1-1 0 0,-3 0 0 0,1 0 0 15,1 2 0-15,-3-1 0 0,-2 1 0 0,1 0 0 16,-5 1 0-16,1 3 0 0,-4-1 0 0,1 1 0 15,1 3 0-15,-6 0 0 0,3 0 0 0,-3 1 0 16,1 1 0-16,0 2 0 0,1-3 0 0,-1 4 0 16,3 1 0-16,1-3 0 0,2 6 0 0,-1-4 0 15,2 0 0-15,2 4 0 16,-3-2 0-16,3 0 0 0,-1-2 0 0,-1 4 0 0,1 1 0 0,-1 2 0 16,0 2 0-16,-2 7 0 0,0 0 0 0,0 3 0 15,-2 4 0-15,-2-2 0 0,3 4 0 0,-5 1 0 0,3 0 0 0,-4-1 0 16,3 3 0-16,-6-2 0 0,1 2 0 0,-1-1 0 15,-1 2-144-15,2 1 144 16,-1 0 0-16,3-4 0 0,0-3-128 0,0-2 128 16,0-5-640-16,0 4-80 0,2-3-16 15,1-1 0-15,2 3 288 0,2-5 64 0,0 6 16 0,2-6 0 16,1 4-208-16,3-4-32 0,-3-5-16 0,2-1 0 16,4 0-144-16,-6 2-16 0,3-3-16 15,1-5 0-15,-6 4 464 0,3-3 80 0,-8-1 32 0,1-5 0 0,-1 2 0 16,-3-6 0-16,-2 7 0 0,-1-7 0 0,-2 6 224 0,-1-4 0 0,0 0 0 0,-1 1 0 15,-2-2 0-15,0 4 240 0,-3-3-32 0,-2-4 0 32,2 4 48-32,-7-5 16 0,-1 2 0 0,1-1 0 0,-5-1-144 0,-4-2-128 0,0 3 192 0,-3-3-192 15,-2 2 736-15,-2-2 32 16,0 4 16-16,0-4 0 0,2-4 32 0,-2 4 0 16,0 4 0-16,-1-4 0 0,1 0-304 0,-3 1-64 0,-1-1-16 0,-1 0 0 15,0-1-176-15,0-3-16 16,2 2-16-16,-9 4 0 0,1-2-224 0,-6-2 144 0,0 2-144 0,-2-1 128 0,3 1-128 0,-3 0 0 15,4 0 0-15,3 0 0 16,-2 0 0-16,3 0 0 0,3-2 0 0,-1 2 0 16,1 0 0-16,-1 0 0 0,-1 0 0 15,-4 2 0-15,-1-2 0 0,-1 0 0 0,0 1 0 0,3-1 0 16,2 0 0-16,1 2 0 0,5 2 192 0,-2-1-64 16,-7-1 80-16,6 0 16 15,-6 1 0-15,2-1 0 0,0-1-32 0,-5 3-16 0,-1-2 0 0,-2-2 0 0,-1-2-176 0,0-2 128 16,4 3-128-16,-1 1 128 15,5-2-128-15,-3 2 0 0,1 0 0 0,1 2 128 0,-2-2-128 0,1 1 0 0,-1-1 0 16,-3 4 0 0,-2-4 0-16,4 0 0 0,7-4 0 0,-2 3 0 0,3 1 0 0,4-2 0 15,2 2 0-15,-4 0 0 16,2 2 0-16,2-1 0 0,-1 6 0 0,1-3 0 16,1-1 0-16,-3 3-176 0,2 2 176 0,-2-4-128 0,-2-2 128 0,4 1 0 15,1 2 0-15,0-3 0 0,1 2 0 0,3-4 0 0,1 0 0 0,3 0 0 16,4 1 0-16,-2-1 0 15,2 0-144-15,-1 2 144 0,2 0 0 0,-1-2-176 0,3 1 176 0,-5 3-128 16,5 1 128-16,-1-1 0 16,2-1-144-16,2-1 144 15,0 1 0-15,-2-1 0 0,-2 3 0 0,1-3 0 0,-1-2 0 0,0 0 0 0,2 0 0 0,-1-2 0 0,-1 2 0 16,-1-1 0-16,-1-3 0 0,1 2 0 0,0 1-176 16,1-1 176-1,0 2-128-15,1 0 128 0,-1-2 0 0,2 2 0 0,2-2 0 0,0 1 0 0,1-1 0 16,-1 0 0-16,2-3 0 0,-1 1 0 0,4 3 0 0,-3-1 0 31,-1-3 0-31,3-2 0 0,-3 3 0 0,-3 3-128 16,2-5 128-16,-2 3-128 0,0 1 128 0,-5 2-208 15,0-3 80-15,-3 6 128 0,-1-1 0 0,-3 1 0 16,-2 3 0-16,0 2 0 0,0 1 256 0,2 1 32 16,-3 1 0-16,4 1 0 0,6-1-96 0,-2 1-32 15,5-5 0-15,3 1 0 0,2-2-160 0,1-3 128 0,5-3-128 0,1-2-8320 16,4 1-1760-16</inkml:trace>
+  <inkml:trace contextRef="#ctx1" brushRef="#br0" timeOffset="2606.44">25281 9091 2751 0,'1'0'256'0,"-2"-2"-256"16,1 2 0-16,0 0 0 0,0 0 336 0,0-1 32 16,0 1 0-16,0-2 0 0,0-2-368 0,0 3 144 0,-2-5-144 0,-2 5 0 15,3-1 688-15,-1 2 16 0,-3-2 16 0,1 0 0 16,1 1 272-16,-1-1 48 15,2 0 16-15,1 2 0 0,1-1 64 0,0 1 16 16,0-4 0-16,0 4 0 0,0 0-624 0,0 0-112 0,0 4-16 0,-2-1-16 16,-1 0-160-16,-1 1-16 0,1 5-16 0,-3-1 0 15,3 5 224-15,-4-3 48 16,2 6 16-16,-1-2 0 0,1 1 192 0,0 4 48 16,0 1 0-16,1 4 0 0,-1-1-80 0,2 3-16 0,-1 3 0 0,1 8 0 15,1 1-208-15,0 2-32 0,-1 6-16 0,-1 1 0 16,1 5-224-16,-1 4-128 0,1 1 128 0,-4 1-128 15,0 1 304-15,0 5-16 0,-4 2 0 0,4 1 0 0,-1-5 32 0,1 1 16 16,3 1 0-16,-3-3 0 16,5-1-96-16,1-8-32 0,1-3 0 0,1-2 0 15,3-4-208-15,-1-1 0 0,-1-5 0 0,3-4 0 32,1 0-512-32,1-7-192 0,-4-2-32 0,4-3-7008 0,2-3-1392 0</inkml:trace>
+  <inkml:trace contextRef="#ctx1" brushRef="#br0" timeOffset="3315.06">26837 8959 4607 0,'3'0'400'0,"1"0"-400"16,-3 0 0-16,-1 2 0 0,0-1 720 0,2 4 64 15,-2 1 16-15,5 1 0 0,-3 7 48 0,-2 3 16 16,-2 2 0-16,-3 4 0 0,0 5-16 0,0 1 0 16,1 6 0-16,-3 2 0 0,0 1-304 0,4 2-64 0,-2 2-16 0,1 3 0 15,2 0-96-15,1-1-32 0,1 5 0 0,-2-6 0 16,4 8 160-16,-2-2 16 0,1 3 16 0,-1 5 0 16,0 6-128-16,-1 0-16 15,-1 3-16-15,-2-2 0 0,-3 3-176 0,0-1-16 0,1 3-16 0,-7 3 0 16,3-3-160-16,-4 5 160 0,2 1-160 0,0-6 160 15,1-6-160-15,1-4 0 16,3-5 0-16,3-7 128 0,-1-10-128 0,5-8 0 0,3-6-192 0,-1-6-5920 16,5-3-1184-16</inkml:trace>
+  <inkml:trace contextRef="#ctx1" brushRef="#br0" timeOffset="3953.1">28010 9048 9215 0,'3'-2'816'0,"0"0"-656"16,3 2-160-16,-5 0 0 0,-1 0 144 0,2-3 0 15,2 3 0-15,1 0 0 0,2 3 112 0,-4-1 32 0,-1 0 0 0,0 3 0 16,-2-2 800-16,0 6 144 16,0-2 48-16,0 3 0 15,0 1 160-15,0 5 32 0,2 1 16 0,-1 4 0 16,1-2-480-16,0 5-112 0,-2 4 0 0,3 0-16 16,-3 5-128-16,0 6-32 0,-3 6 0 0,1 2 0 0,-1 2-368 0,-1 1-80 15,2 6-16-15,-1 3 0 0,-6 4 112 16,2 0 16-16,0 6 0 0,0-3 0 0,0 2-192 0,0-5-48 15,0 3 0-15,0-3 0 0,-1-4-144 0,1 4 0 16,0-6 0-16,2-1 0 0,-1-4 0 0,1 1 0 16,-2-3 0-16,2-5 0 15,1-3-416-15,3-5-16 0,1-4 0 0,1-12-12112 0</inkml:trace>
+  <inkml:trace contextRef="#ctx1" brushRef="#br0" timeOffset="6689.32">24742 8387 911 0,'0'-3'0'0,"-3"-4"0"15,3 5 0-15,0 2 0 0,-2-1 400 0,0-1 0 16,-1-2 0-16,-1-4 0 0,-1 4 224 0,-4-3 32 0,4 2 16 0,0 1 0 16,0 3 96-16,1-1 32 0,1-2 0 0,1 3 0 15,0-3-208-15,0-1-32 0,-1 3-16 0,-2 1 0 16,-1 1 80-16,1 0 16 0,-3 0 0 15,1 1 0-15,-2 1 112 0,-2 3 16 0,1 0 16 0,-1-1 0 16,-1-1-208-16,4 6-32 0,-5-4-16 0,3-1 0 16,3 3-192-16,0-2-32 0,0 0-16 0,2-3 0 15,0 5-128-15,3-4-32 0,-3 4 0 0,1-3 0 16,2 6 64-16,-3-3 16 0,3 6 0 0,-3-3 0 16,2 4 288-16,-3-2 48 0,1 2 16 0,3-4 0 15,-3 3-48-15,3-6 0 0,2 5 0 0,-1-5 0 16,2 3-304-16,1-3-64 0,5 2-16 0,-5-2 0 15,3-2-128-15,0 4 0 0,2-2 0 0,-1-2 0 16,1 4 0-16,1-4-144 0,-1 2 144 0,4 2 0 16,-3-4-128-16,3 4 128 0,5-2 0 0,-4-4 0 0,3-1 0 15,3-2 0-15,-1 0 0 0,2-2 0 0,4-3 0 0,-2-6-128 16,0 4 128-16,-4-7 0 0,1 4 0 0,-4-4-160 16,0 0 160-16,-7 2-128 0,0 0-48 15,-4-2 0-15,-1-2 0 0,-4 4 0 0,-3-4-16 0,-2-1-16 16,-4 1 0-16,-1-1 0 0,-2 1 208 0,-3 2 0 15,1 2-160-15,-3-2 160 0,0 5 0 0,0 1 0 16,0 2 0-16,-1 3 0 16,5-1-528-16,1 4 16 0,0 2 0 0,3 2-8272 0</inkml:trace>
+  <inkml:trace contextRef="#ctx1" brushRef="#br0" timeOffset="7099.22">26067 8330 11055 0,'-4'2'480'0,"-1"-2"112"0,1 1-464 0,3-1-128 0,1 0 0 0,1 0 0 15,1 2 880-15,-2 0 144 16,5 0 48-16,-3 6 0 0,-2 1-32 0,0 2 0 0,0 3 0 0,-2 5 0 15,-3 5-144-15,-2 0-48 0,-3 3 0 0,-3 4 0 16,3 0 96-16,-4 1 16 0,-2 2 0 0,-1 3 0 16,0 1-480-16,-1-1-96 0,1 0 0 0,3-4-16 15,3-9-560-15,6-1-128 0,7-8 0 0,7-11-11136 16</inkml:trace>
+  <inkml:trace contextRef="#ctx1" brushRef="#br0" timeOffset="7783.03">27590 8184 8287 0,'1'1'736'0,"3"-1"-592"15,1 0-144-15,2-1 0 16,-4 1 864-16,1-2 144 0,3 2 16 0,3-2 16 0,8 0-288 0,4 1-64 0,3-3-16 0,-1 8 0 15,-5-1-672-15,-1 4 0 0,-8 5 0 0,1 4 0 16,-10 0 0-16,-1 3 0 0,-1 4 0 0,-6 1 0 16,-4-1 0-16,-3 4 0 0,0 0 0 0,-3 2 192 15,3-1 272-15,-5 2 64 16,0-3 16-16,0 3 0 16,-2-4 0-16,5-1 0 0,-1 1 0 0,-3-2 0 15,5-3-544-15,-3-4 0 0,4 3-160 0,-1-5 160 16,2 1-656-1,0-6-16-15,0 4 0 0,5-7 0 0,-1 4 416 0,2-8 96 0,5 1 16 0,4-1 0 16,0-6 560-16,3-1 112 0,2 1 32 0,3-9 0 16,3 3 16-16,0-5 0 0,5-3 0 0,-2-1 0 15,1-1-128-15,0 0-32 0,-1-2 0 0,0 2 0 0,-1 0-224 0,1-1-32 16,2 5-16-16,-4 4 0 0,1 1 464 0,-1 1 96 16,2 0 0-16,1 4 16 0,-3 0-32 0,4-2-16 15,-3 3 0-15,1 3 0 0,0-3-464 0,1 3-80 16,-3-1-128-16,2-3 176 15,-1 3-784-15,3-2-160 0,-2 3-16 0,1-3-10224 0</inkml:trace>
+  <inkml:trace contextRef="#ctx1" brushRef="#br0" timeOffset="8383.7">28593 8281 14735 0,'-7'4'1312'0,"0"-3"-1056"0,2 3-256 0,3-4 0 15,2 0 224-15,0 0-16 0,2 0 0 0,-2 0 0 0,2 2 48 0,0-2 16 16,1 3 0-16,2 1 0 0,-1-3-272 0,3 1-176 16,3 2 32-16,1-4 0 0,3 3 144 0,3-3 256 15,2 0-64-15,2-3-16 0,0 6 448 0,0-3 80 0,2 2 32 0,-1 0 0 16,-4 1-272-16,-4 2-48 0,-2 4-16 0,0-2 0 15,-8 0-64-15,-3 5-16 0,-1 0 0 0,-3 1 0 16,-2 2 64-16,-6 3 0 0,-1 1 0 0,-4 0 0 16,1 0 0-16,-3 2 16 15,-1-2 0-15,0 0 0 0,-4 0-160 0,4 1-48 0,0-1 0 0,1 0 0 16,4-3-192-16,4-1 0 0,1-4 0 0,4-3 0 16,3-2 0-16,2-1 0 0,7-2 0 0,-3-3 0 15,4 0-304-15,1-3 48 0,2 1 16 0,-1-3 0 31,4 1-400-31,0 3-64 0,0-1-32 0,2-2 0 0,-3 3 432 0,5-3 96 0,-2 3 16 0,5 1 0 16,-1 0 192-16,0 0 0 0,1 1 0 0,-1 3 0 0,-2-3 0 0,-4 1 0 16,-6 2 0-16,-1-1-144 0,-1 6 144 15,-6-2 0-15,0 3 0 0,-6 1 0 0,-1 4 800 0,-1 1 192 16,-6 0 32-16,0 1 16 0,-2-1-16 0,-1 1 0 16,-4 2 0-16,-2-1 0 15,1-1-688-15,-1-1-144 0,0-6-16 0,2-1-8656 16,0-5-1728-16</inkml:trace>
+  <inkml:trace contextRef="#ctx1" brushRef="#br0" timeOffset="18203.8">24444 9790 4079 0,'-7'8'368'0,"2"-4"-368"32,2-4 0-32,1 2 0 0,0-1 0 0,0 1 0 0,-6 3 0 0,-3 6 0 0,-6 1 0 0,-1-2 0 15,4 3 576-15,0-7 144 16,2 5 48-16,2-6 32 0,1 0-144 0,-1 2-16 16,1-1-16-16,-2-3 32 0,3 2-480 0,-3 0-176 0,4 1 0 0,0-3 176 0,2 1-32 0,0 1 0 15,3 0 0-15,0-3 48 0,-1 1-64 0,1-3-128 16,0 4 192-16,1 1-16 15,1-1-176-15,-2-3 0 0,0 3 0 0,0-2-128 0,2 4 256 0,-1-2 48 16,-1-1 16-16,2 1 16 0,-2-2 208 0,2 1 32 16,-3 4 16-16,1-3 48 0,2-1 32 0,-2-1 16 15,2 1 0-15,2 3 32 0,0-1-352 0,3-2-80 16,-3 1-16-16,3 1 32 16,-2 0-176-16,1 0 0 0,-1-1-192 0,-1 3 192 0,0 0-160 0,0-4 160 15,-1 6-192-15,1-4 192 0,0-1 0 0,0 3 0 16,-1-2 0-16,-1-2 0 0,2-1 384 0,-2 0 160 0,4 5 32 0,-3-4 0 31,-1 1 272-31,0-1 64 0,0 1 16 0,2 1 0 16,-2-1-368-16,2-1-80 0,-1 0-16 0,-1 1 0 0,2 1-272 0,-2-3-64 0,2 1-128 0,0-1 192 15,-1 0-192-15,1 0 0 0,2-2 0 0,-3 3 0 16,1 1 0-16,2-3 0 0,-1-1 0 0,1 2 0 16,1-2 176-16,-3-2 80 0,1 1 32 0,1-3 0 15,-1 1 224-15,2 1 32 0,-3 0 16 0,1-1 0 16,1-1-64-16,-1-3-16 0,1 4 0 0,1-6 0 15,-3 0-160-15,1 4-48 16,3-5 0-16,-3 1 0 0,2-3-272 0,-1 5 160 0,-1-5-160 0,1 3 128 0,-1-3-128 0,1-1 0 16,-2 3 0-16,1-4 0 15,0-2 192-15,1 2 0 16,1-1 0-16,-3-4 0 0,1 1 80 0,3-1 32 0,2 0 0 16,-2-2 0-16,1-2-304 0,0 2 0 15,-2 1 128-15,2-1-128 0,1 2 0 0,-4-4 0 0,1 4 0 0,0-2 0 16,1 0 0-16,-3-2 0 0,1 4 0 15,1 0 0-15,0 3 0 0,-3-1 0 0,3 1 0 0,2 1-144 16,0-1 144-16,2-3 0 0,3 1 0 0,2 1 0 16,-2-1 0-16,4 1-128 0,-1 3 128 0,1-2 0 15,1 1-160-15,1 1 160 0,-6 3-192 0,2-1 192 16,-2 3-320-16,-1 1 64 0,-3 1 0 0,1 0 0 16,-4 3 256-16,1 3-128 0,-5 1 128 0,1 0 0 15,0 0 0-15,-4 0 0 0,2 3 0 0,-2 2 0 16,1-1 0-16,-1 1 0 0,-2-2 176 0,3 4-176 15,-1-3 224-15,0 1-64 0,2 4-16 0,0 0 0 0,0-2-144 16,0 5 0-16,2-2 0 0,1 1 0 0,3 3 176 0,-1-4-48 16,4 4-128-16,-3 0 192 0,5 2 64 0,-2 1 16 15,1 0 0-15,-1 3 0 0,-2-3-272 0,2 2 128 16,-3 2-128-16,1 2 0 0,0 1 128 0,-1-3-128 16,-1 5 0-16,0-2 0 0,-3-1 0 0,-2 3 0 15,2-1 0-15,-2-1 0 0,0 6 0 0,-2-4 0 16,2 5 0-16,-2-1 0 0,-3 3 176 0,3 0-176 15,0 2 160-15,1-4-160 0,-1 2 128 0,2-1-128 16,2-5 0-16,-1 3 144 0,1-6-144 0,2-3 0 16,1-2 0-16,0-1 0 15,2-2-560-15,2-6-80 0,-2-5-32 0,1-3-12432 0</inkml:trace>
+  <inkml:trace contextRef="#ctx1" brushRef="#br0" timeOffset="18550.4">24472 9856 10127 0,'7'3'448'0,"-7"-1"96"0,4 0-544 0,-1-2 0 0,0 0 0 0,1 0 0 0,1 0 480 0,6 0-16 16,8 0 0-16,7-4 0 0,-26 4-464 0,0 0 0 0,0 0 0 0,122-19 0 31,-122 19-896-31,0 0-112 0,94-14-16 0,-94 14-16 0,0 0 672 0,0 0 144 0,117-10 32 0,-117 10 0 16,0 0 576-16,0 0 112 0,113-23 16 0,-113 23 16 15,0 0-528-15,92-35 0 0</inkml:trace>
+  <inkml:trace contextRef="#ctx1" brushRef="#br0" timeOffset="27911.21">23404 11065 5519 0,'-5'0'496'0,"1"0"-496"0,1 0 0 0,1 0 0 16,0 0 704-16,0 0 32 0,-8 0 16 0,-4 0 0 16,-3-2-560-16,-4 0-192 0,2 0 0 15,-1 1 144-15,6-3 48 0,0 2 0 0,2 1 0 16,4-3 0-16,1-1 192 0,1-4 64 0,3 4 0 0,1-6 0 16,2 3-224-16,2-3-32 0,0 3-16 0,1-3 0 15,-1 4-176-15,1-1 0 0,3-1 0 0,-6 2 0 16,1-2 208-16,1 6 64 0,2-3 16 0,-3 3 0 15,1-2-32-15,0 3 0 0,0 0 0 0,-2 2 0 16,0 2-48-16,0 1-16 0,3 4 0 0,-3 0 0 0,0 6 192 16,2-3 48-16,-1 6 0 0,1 1 0 0,0 2-48 0,1 2-16 15,1 5 0-15,1-1 0 0,-3 1 0 16,1 3 0-16,3 5 0 0,-5-1 0 0,5 3-240 16,-6 2-128-16,1 4 128 0,-2-3-128 0,-5 2 0 0,5 1 0 15,-3-2 0-15,-1 2 128 0,-2 0 80 0,0-4 32 16,0 2 0-16,-3-3 0 15,3-1-112-15,0-4 0 0,1-1-128 0,-1-1 192 16,6-2-192-16,-5-1 128 0,3-2-128 0,1-4 0 0,2-4 0 16,-2-5 0-16,4-3 0 0,0-5 0 15,0-4-464-15,1-2 16 0,2-5 0 0,-1-4 0 0,1 3 80 0,0-8 32 16,1-3 0-16,1-4 0 0,-2-1 192 0,0-1 144 16,2 1-192-16,0-2 192 0,-2 2-192 0,0 1 64 15,1 0 128-15,1 4-208 0,-4 2 208 0,2 1 0 0,-1 4-160 16,3 7 160-16,-4-1-240 0,-1 5 32 15,0 2 0-15,-2 3 0 0,1 1-64 0,-1 7-16 0,0 4 0 0,-1 1 0 16,2 3 288-16,-1 2 224 16,0 3-32-16,2-3-16 0,-2 6 112 0,0-2 32 0,0 6 0 0,-2-8 0 15,1 4 0-15,-3-4 16 0,3-5 0 0,-8-1 0 0,0-4-64 16,0-4-16-16,-1 1 0 0,-2-4 0 0,-2-2 64 16,-5 0 0-16,-1-2 0 0,0-1 0 15,-1-2 0-15,-2-2 0 0,0-1 0 0,2-2 0 16,-3 1-80-16,3-1-16 0,2 2 0 0,1-4 0 31,6 3-944-31,0-3-192 0</inkml:trace>
+  <inkml:trace contextRef="#ctx1" brushRef="#br0" timeOffset="28381.46">23775 11726 2751 0,'-12'20'256'0,"3"-12"-256"0,2 3 0 0,0-6 0 0,4 2 2944 0,-1-4 528 16,1 1 112-16,-2 5 32 0,-8 1-2704 0,-1 9-528 0,-1 2-128 0,1 0 0 15,-2 2-256-15,0-2-288 16,2-1 64-16,2 0 16 0,-2-1 208 0,0-2 0 0,6 2 0 0,-6-1 0 15,5-4 416-15,-1 1 80 0,4 1 16 0,-4-6 0 0,5-1 48 0,3 0 16 16,-3-2 0-16,3-4 0 16,2-3-304-16,0 0-48 0,2 0-16 0,-2-1 0 0,3-3-208 15,-1-1-160-15,0-2 32 0,1 2 0 32,2-6-464-32,-1 4-96 0,1-5-16 0,0 0 0 15,1 0 224-15,0-4 32 0,1 4 16 0,0-2 0 0,2-4 432 0,0 1 224 0,-2 0-32 0,0-3 0 16,0 3 448-16,-2 0 64 0,2-1 32 0,-2 4 0 15,0 2-256-15,-1 0-48 0,-1 5-16 0,1 2 0 0,-2 1-64 0,-1 4-16 16,5 5 0-16,-5 1 0 0,1-1 32 0,2 7 0 16,-1 0 0-16,1 0 0 15,2 4 96-15,1 0 32 0,2 0 0 0,-4-3 0 0,6 5-176 0,-2-1-16 0,1 2-16 0,0-1 0 16,3-1-448-16,-6 2-96 0,5-1 0 0,-3-2-16 31,1-3-560-31,2-4-128 0,2 0 0 0,0-4-5952 0,4-1-1168 16</inkml:trace>
+  <inkml:trace contextRef="#ctx1" brushRef="#br0" timeOffset="28606.68">24073 11728 12895 0,'-14'11'576'0,"5"-6"112"0,4-2-560 0,-2 1-128 16,5 1 0-16,1-3 0 0,-3 1 448 0,1 4 64 15,-8 9 16-15,3 3 0 0,-5 2-304 0,6 3-64 16,0 1-16-16,4-4 0 0,1 1 800 0,2-3 144 16,4 1 48-16,3-1 0 0,-2 0-48 0,5-2 0 15,3 1 0-15,-1-4 0 0,2-4-896 0,1 1-192 16,-1-6 0-16,4 2 0 16,-3-6-1424-16,3-1-256 0,1-5-48 0,-2 0-6848 0</inkml:trace>
+  <inkml:trace contextRef="#ctx1" brushRef="#br0" timeOffset="28842.99">24500 11174 13823 0,'-2'16'608'0,"0"-7"128"0,-1 1-592 0,1-1-144 0,0-4 0 0,2 4 0 0,0-1 832 0,0 12 128 16,0 11 16-16,0 11 16 0,0 5-384 0,0 0-80 15,2 2-16-15,-2-4 0 0,0 4 368 0,0-4 64 16,2 2 16-16,1-5 0 0,-1 0-96 0,-2-4-16 16,0 2 0-16,2-2 0 0,-2 1-704 0,0-3-144 15,-2-1 0-15,2-2-7616 16,2-3-1520-16</inkml:trace>
+  <inkml:trace contextRef="#ctx1" brushRef="#br0" timeOffset="29095.73">24632 11631 13823 0,'-10'7'608'0,"3"0"128"0,3-1-592 0,-2-2-144 0,2 1 0 0,1 0 0 16,-1 1 720-16,-3 6 112 0,-2 5 32 0,-5 8 0 16,-1 1-416-16,1 3-96 0,-4-4-16 0,4 4 0 15,0-4-144-15,1 3-16 0,2-4-16 0,1-1 0 16,1-4 64-16,4-2 16 0,-2-1 0 0,3-2 0 15,4-4 464-15,2-1 112 0,3-2 16 0,4-4 0 16,1 3 256-16,4-3 48 0,5-1 16 0,4-2 0 16,-23 0-528-16,0 0-112 0,93-5 0 0,-93 5-16 0,83-6-496 15,-83 6 0-15,93-7 0 0,-93 7 0 32,88-8-1344-32,-88 8-272 0</inkml:trace>
+  <inkml:trace contextRef="#ctx1" brushRef="#br0" timeOffset="30148.88">29665 10862 8287 0,'0'-1'736'0,"2"1"-592"0,-1-2-144 0,-1 0 0 0,0-1 512 0,2-1 80 0,0-4 16 0,0-6 0 16,-1 0 224-16,-1-5 32 0,-1 1 16 0,-5 2 0 15,1 1-80-15,-3-1-16 0,-1 0 0 0,-3 6 0 16,3-2 64-16,-5 3 16 0,2-1 0 0,0 3 0 16,-4-2-112-16,4 5-32 0,-4-1 0 0,2 2 0 0,0-1-272 15,0 3-64-15,4 1-16 0,-6 0 0 16,2 0-368-16,2 1 0 15,0 5 0-15,-1-3 0 0,7 0-352 0,-7 6-32 0,6 2-16 0,-1 1 0 0,1 0 112 0,3 4 32 16,-3 1 0-16,2 4 0 0,2 3 256 0,1 3 0 16,0 0 0-16,2 8 0 0,-3 4 0 0,1 6 144 31,2 0-16-31,0 7 0 0,0 2-128 0,0 2 160 16,0 3-160-16,0 2 160 0,2 5-160 0,-2-5 128 15,3-1-128-15,-3-8 128 0,-3-9 0 0,-3-4-128 0,3-1 192 0,-1-5-64 31,3-1-560-31,-1-6-112 0,-2-5-32 0,1-2-8800 0</inkml:trace>
+  <inkml:trace contextRef="#ctx1" brushRef="#br0" timeOffset="30689.55">29045 11341 10127 0,'-6'7'896'0,"-1"-5"-704"15,4 2-192-15,-1 1 0 0,4-3 1040 0,0-1 176 16,2 1 48-16,0 3 0 0,1 4-288 0,6 1-48 16,-2 6-16-16,5-4 0 0,0 1-272 0,2-1-48 15,4-5-16-15,-1 1 0 0,4-2 128 0,2-5 0 0,5 1 16 0,1-4 0 16,-29 2-464-16,0 0-112 0,101-14-16 0,-101 14 0 16,0 0-320-16,115-19-64 0,-115 19 0 0,0 0-16 15,117-14-352-15,-117 14-64 0,0 0-16 0,89-8 0 16,-70 8 176-1,2 0 16-15,-3 0 16 0,-1 0 0 16,-3 3-144-16,-2 2-48 0,0 2 0 0,-3 0 0 16,0 5 128-16,-7 2 32 0,1-1 0 0,-1 4 0 0,-2 0 528 0,-2 3-128 0,0-1 128 0,-1 0 0 0,3 2 192 15,-5 3 112-15,3-1 16 0,0-2 0 0,0 0 512 0,1-2 96 16,-1 0 32-16,2-2 0 0,0 1 112 16,0-3 16-16,0-1 16 0,0-3 0 0,2-2-512 0,-1-4-96 15,1-2-32-15,0-1 0 0,1-2-464 0,1-2 0 16,-1 1 0-16,1-3 0 0,-3-5-240 0,3 2-32 15,3-3-16-15,-5-1 0 16,1-2 288-16,1-3-128 16,-1 0 128-16,-1 1 0 0,3-5 0 0,-5-2 304 0,4 3-48 0,-1-4 0 0,1 2 128 15,-3-2 32-15,6 2 0 0,-5-3 0 0,1 1 32 0,1 3 0 16,1 0 0-16,0 1 0 0,2 2-192 0,0-2-48 0,4 3 0 0,-1 6 0 31,1-3-208-31,-1 6 0 0,2-1 0 0,-1 2 0 0,5 3 0 0,-4-1 0 16,2 1 0-16,1 1 0 0,1 0 128 0,1 2-128 0,1 2 0 0,1-2 0 31,-3 5-704-15,5-3-224-16,-2 2-48 0,0-1-16 15,2 1-1104-15,0 1-208 0,0-2-64 0,0 1-5776 0</inkml:trace>
+  <inkml:trace contextRef="#ctx1" brushRef="#br0" timeOffset="31000.12">30325 11375 2703 0,'14'5'0'0,"-12"-5"0"0,-2 0 144 15,0 0-16-15,0 0-128 0,0 2 0 0,0 1 0 0,-2 0 0 0,-3 6 320 0,0 0 32 16,-2 3 16-16,-4 0 0 0,3 4 176 0,-6 1 32 15,0 1 16-15,0-1 0 0,0 2 592 0,-2 2 112 16,1 2 32-16,1 7 0 0,0-4 208 0,-2 5 64 16,2 2 0-16,2 4 0 0,3-1-672 0,4-3-128 15,0 4-32-15,5-4 0 0,7-2-512 0,-2-6-96 16,7-6-32-16,0-5 0 0,8-7-128 0,-1-7 0 16,5 0 0-16,0-5 0 0,3-6-192 0,-27 11-80 15,0 0-16-15,0 0 0 0,102-73 16 0,-102 73 0 16,0 0 0-16,68-68 0 0,-68 68 272 0,0 0 176 15,61-78-32-15,-47 50 0 0,0 5 288 0,-2-1 48 16,-1-2 16-16,-2 3 0 0,-6-1 112 0,-1 1 32 0,-2 0 0 0,-4 2 0 16,1 4-112-16,-4 5-16 0,2 1 0 0,-2 3 0 15,-5 1-288-15,-1 5-64 0,1 5-16 0,-4 4 0 16,4 0-144-16,2 4-224 0,-2-1 48 0,1 6 16 16,2-4-656-16,4-3-128 0,-4 1-16 15,8-3-16-15,-1-2-624 0,2 1-112 16</inkml:trace>
+  <inkml:trace contextRef="#ctx1" brushRef="#br0" timeOffset="31379.3">30728 11408 4607 0,'2'5'400'0,"-2"2"-400"16,1-2 0-16,-1-1 0 0,0 3 864 0,0-2 96 15,4 0 0-15,-4 7 16 0,0 6 96 0,-4 6 16 16,3 2 0-16,-3 7 0 0,1 2-416 0,-3-2-80 15,1 0-16-15,0 0 0 0,0 2 64 0,1-2 16 16,-1-1 0-16,2-6 0 0,1 0-320 0,0-2-64 0,0-3-16 0,2-5 0 16,-1-4-256-16,1-2-176 0,0-4 32 0,0-6 0 31,0-2-240-31,1-5-32 0,1-4-16 0,2-6 0 0,3 0 224 0,-4-4 32 0,6-2 16 0,-1-5 0 16,-1 2 480-16,6-5 80 0,-6 3 32 0,3-3 0 15,-1 1 224-15,-2 0 48 16,1 2 16-16,-1 1 0 0,0 0 16 0,-1 1 0 0,-1 4 0 0,2 3 0 15,-5 5 32-15,1 3 16 0,1 6 0 0,-3 0 0 16,3 5-96-16,-2 5-32 0,1 0 0 0,-1 0 0 16,0 6 272-16,-1-2 48 0,4 1 16 0,-1 0 0 15,3 4-240-15,-4-1-48 0,3 0-16 0,-1 5 0 0,0 3-432 0,-1 7-64 16,-1 0-32-16,-1 5 0 0,1 7-160 0,-1 0 0 16,-2 7 0-16,0-5 0 15,4-1-464-15,-3-4-32 0,4-2 0 0,1-14-9040 16,6-4-1824-16</inkml:trace>
+  <inkml:trace contextRef="#ctx1" brushRef="#br0" timeOffset="31670.31">31392 10328 21071 0,'3'3'448'0,"-3"-1"112"0,-3 0 16 0,3 1 32 16,0-1-480-16,0 1-128 0,3 1 0 0,-6 1 0 0,6 9 1664 0,-8 4 304 0,0 4 64 0,-2 4 16 16,-2 6-1456-16,-1 1-272 0,1 5-64 0,-1-1-16 15,3 1 512-15,3 2 96 0,1 2 32 0,3 0 0 16,3 5-208-16,1-2-32 16,4 7-16-16,3-1 0 0,1 3-464 0,2 0-160 0,-2 7 0 0,0 1 144 15,2 1-144-15,-2 3 0 0,2-3 0 16,-3-2 0-1,1-5-944-15,-3-6-64 0,-4-6-16 0,-2-3 0 16,-1-2-1200-16,-4-3-240 0,1-6-48 0,-1 0-8752 0</inkml:trace>
+  <inkml:trace contextRef="#ctx1" brushRef="#br0" timeOffset="31878.7">31012 11164 3679 0,'9'-2'320'0,"-4"2"-320"16,0-2 0-16,2 1 0 15,-2-1 1648-15,1 2 256 0,2 2 48 0,5-1 16 0,11 3-16 0,9 5 0 0,9 1 0 0,0 7 0 16,5 1-112-16,5 1-32 0,5-2 0 0,11-1 0 16,7-9-352-16,2-5-80 0,-77-2-16 0,150-23-9376 31,-150 23-1888-31</inkml:trace>
+  <inkml:trace contextRef="#ctx1" brushRef="#br0" timeOffset="37469.73">26032 9473 2751 0,'-2'3'256'0,"0"-3"-256"0,2 0 0 15,0 0 0-15,0 0 384 0,0-3 48 0,0 1 0 0,0 0 0 32,-2 0 0-32,2-1 0 0,-1-2 0 0,1-2 0 15,0 3 272-15,0-1 48 0,0-2 16 0,0 2 0 16,-2 1 400-16,-2 1 96 0,1 1 16 0,0-3 0 16,1 5-128-16,-2 0-32 0,3 0 0 0,-5 0 0 15,1 3-336-15,0-1-64 0,1 0-16 0,-4 1 0 0,2 1-224 0,3-2-48 16,-4 4-16-16,2-2 0 0,1-1-80 0,1 1-16 15,1-1 0-15,-3 4 0 0,3 0 48 0,0-1 0 16,2 2 0-16,-1 1 0 0,-1 1-112 0,2 1 0 16,-2 3-16-16,-1 5 0 0,3-2 16 0,-2 6 16 15,-3 5 0-15,1 0 0 0,1 5 32 0,-1 2 0 16,2 1 0-16,-5 4 0 0,6 0 80 0,-3-1 0 16,3-1 16-16,-3 2 0 0,2 0 48 0,-1-3 0 15,1-4 0-15,0 2 0 0,2-2-240 0,0-4-32 0,0 4-16 0,0-6 0 16,0-1 656-16,0-5 128 0,0 0 16 0,0-6 16 31,0 1-1856-31,0-4-368 0,-1 2-80 0,1-4-16 16,0-1 272-16,0 2 48 0,-2-3 16 0,0 1 0 0,0-2-192 15,1-2-32-15,-1 6-16 0,0-4 0 16,-1-2-48-16,1 4-16 0,0-6 0 0,0-1 0 0,2 0-288 0,0-2-48 0,0-2-16 0,2-3-3856 16</inkml:trace>
+  <inkml:trace contextRef="#ctx1" brushRef="#br0" timeOffset="38039.3">25978 9676 4399 0,'0'-12'0'0,"0"2"176"0,0-1-48 0,0 6 16 0,0 0-144 0,0 1 0 15,0-1 0-15,0-2 0 0,1-7 1056 0,1 2 176 16,0-2 48-16,1-2 32 0,3 8 16 0,-1-1 0 0,4 6 0 0,-4-3 16 15,3 5-304-15,1-3-64 0,0 4-16 0,0 4 48 16,1-1 208-16,-1 1 64 0,3-1 0 0,0 4 16 16,0-2-112-16,4 0-32 0,-5 1 0 0,4 1 48 15,-1-4-752-15,-2 1-160 0,2-1-32 0,-2-1 48 16,1 3-304-16,-3-3 0 0,-1 1 0 0,0 1 0 16,-1-3 224-16,-1 3 16 0,-2 3 0 0,-1-2 32 15,-2 0 192-15,-2 2 48 0,0 2 0 16,-4 0 16-16,1-1-144 0,-1 6-16 0,-6-3-16 0,1 3 32 15,-5 1-240-15,0 1-144 0,4 2 160 0,-6-1-32 16,0 0-128-16,-1-1 128 16,1 7-128-16,-1-8 160 0,-1 3 160 0,6-3 16 0,-2 3 16 0,2-4 32 15,2-4-128-15,1 2-48 0,2-1 0 0,2-2 0 0,3-2-208 0,2 3 0 16,0-5 0-16,2 2 0 0,1 0 0 0,2-3 0 16,4 3 0-16,-2 0 0 15,5-4 0-15,1 2-128 0,-13-5 128 0,0 0 0 0,0 0 0 0,0 0-192 16,94 18 192-16,-94-18-160 0,0 0-48 0,0 0-16 15,0 0 0-15,102 7 0 0,-102-7-144 0,0 0-16 16,0 0-16-16,0 0 0 16,0 0 80-16,0 0 0 0,82 31 16 0,-80-22 0 0,0-2 1136 0,-2 3 208 15,-4-1 48-15,-1 5 16 16,-2-2-1104-16,-3 2-320 0,-3 2 0 0,-2 1-16 0,1 4 784 0,-4 0 176 16,-1 3 16-16,-5 1 16 0,1-3-32 15,-3 1-16-15,-2 3 0 0,-3-3 0 0,-1-1-160 0,-2-3-16 0,4-1-16 0,-3-6 0 16,7-1-416-16,1-5 0 0,10-4 0 15,2-9-11456-15,6 0-2320 16</inkml:trace>
+  <inkml:trace contextRef="#ctx1" brushRef="#br0" timeOffset="51949.18">27631 9669 4607 0,'2'0'400'0,"0"-1"-400"16,0 1 0-16,-2-2 0 0,1 0 336 0,-1-1-16 15,0 1 0-15,2-2 0 0,2-1 0 0,-4-3-16 0,-4 4 0 0,1 1 0 0,-1-1 656 0,-3 1 128 16,2-1 16-16,0 2 16 16,-1 1-48-16,-1 1-16 15,1-2 0-15,0 2 0 0,-1 0-160 0,2 0-48 0,-2 2 0 0,0-2 0 0,2 1-144 0,-2 1-48 16,-2 2 0-16,2-4 0 0,-1 1-304 0,-3 1-64 15,6-2-16-15,-6 0 0 16,3 2-128-16,-8-2-16 0,4 3-128 0,-2-1 192 0,0-2-64 0,-2 4 0 16,2 1-128-16,-1 0 192 0,2-2 0 0,-4 6 0 15,3 0 0-15,0-2 0 16,0 3 0-16,2 2-16 0,0-1 0 0,1 5 0 0,-3-2-176 0,2 1 0 0,2 4 0 16,-6 2 0-16,4 2 0 0,-2 0 0 0,0-1 0 15,-2 4 0-15,4-3 0 0,2 0 0 16,-3-1 0-16,0 4 0 0,2-1 320 0,-1-3 16 0,5 5 16 0,-4-3 0 15,4 0 256-15,4-3 48 0,-2 0 16 0,3 3 0 16,4-1-32-16,-1 0 0 16,5-2 0-16,1 5 0 0,-2-7 816 0,2 0 144 0,3 2 48 15,3-2 0-15,0-1-1936 0,0-1-384 0,4 2-80 32,1-5-16-32,4 2 768 0,3-2 0 0,2-2 0 0,3-2 0 0,-30-10 0 0,0 0 0 0,94 14 0 0,-94-14 0 0,0 0 0 0,0 0 0 15,105-14 0-15,-83 7 0 16,-2-5 0-1,2 0 0-15,-3 0 0 0,2-6 0 0,0 1 0 16,0-6-144-16,2-5 16 0,-2-1-14240 16</inkml:trace>
+  <inkml:trace contextRef="#ctx1" brushRef="#br0" timeOffset="57581.98">24254 9450 1439 0,'0'2'0'0,"0"-2"0"0,0 0 0 0,0 0 128 0,0 0-128 0,0 0 0 15,0 0 0-15,0 0 0 0,0 0 448 0,0-2 64 0,4 2 0 0,-1-2 16 16,1 0 272-16,-1-1 48 0,1 1 16 0,1-3 0 16,-2 3-176-16,1 2-48 0,3-1 0 0,-5 1 0 15,3 0-64-15,-2 0-32 16,-1 0 0-16,0 0 0 0,1 0-192 0,-1 1-32 0,-2-1-16 0,2 2 0 16,-1 1 0-16,1 1 0 0,0-1 0 0,0 1 0 15,-1 3 128-15,1-2 16 16,0 2 16-16,1 2 0 0,-1 0-64 0,0-1-16 15,3 3 0-15,0-3 0 0,2 3-128 0,-1-2-16 0,1-1-16 0,0 1 0 16,1 0-224-16,1 1 128 0,1 1-128 0,1-1 0 16,-1 0 0-16,-1 4 0 0,1-1 0 0,-1-1 0 15,0 2 0-15,1-2 0 16,-1 2 0-16,2 0 0 0,2 1 240 0,-2-2 0 16,1-1 0-16,4 4 0 0,-4-4-32 0,5-2 0 0,-1 6 0 0,0-4 0 15,-1-2-208-15,-4 4 0 16,1-3 0-16,2-1 0 0,-3 4 0 0,-1-5 0 15,-1 5 0-15,-1-2 0 0,3 0 0 0,-2 2 0 0,1 0 128 0,-1-3-128 0,-2 3 320 0,0-1-16 16,0 1-16-16,0-1 0 0,1 2-144 0,-2 1-16 16,-3 0-128-16,2-1 192 0,2 3-192 0,-2-4 144 15,2 3-144-15,0 0 128 16,0-3-128-16,2 0 0 0,-4 0 0 0,2 2 0 16,2 1 0-16,-4-1 0 0,0 0 0 0,2-2 0 15,-5 0 0-15,3 1 0 0,-1 3 0 0,-2-1 0 0,1-3 0 0,1 0 0 16,-4 3 0-16,3 1 0 15,-3-3 0-15,2 3 0 0,0-1 0 0,-1 1 0 16,1-1 0-16,-2-1 0 0,2-2 0 0,-2 0 0 16,0 0-320-16,2-6 64 0,-2 5 16 0,3-8 0 15,-1 3-928-15,-2-2-192 0,0-3-48 0,2 1-5760 16</inkml:trace>
+  <inkml:trace contextRef="#ctx1" brushRef="#br0" timeOffset="57973.04">24294 10573 2751 0,'-5'6'128'0,"0"-5"16"0,1 3-144 0,3-1 0 0,-1-3 0 0,2 0 0 15,0 0 656-15,0-3 112 0,0 1 0 0,2-1 16 16,3-1-224-16,2-8-48 0,0 3-16 0,5-5 0 0,0-3-32 0,2-2 0 16,2-2 0-16,1-4 0 0,1-1 48 0,1 2 16 15,4-4 0-15,-1-3 0 0,1-2 224 0,3-6 32 16,2 3 16-16,0-3 0 0,0 1-176 0,-1 1-48 15,0-3 0-15,2 0 0 0,1 0-256 0,-1 0-48 16,-1-3-16-16,2 1 0 16,-2-3-32-16,0-4-16 0,0 5 0 0,0-4 0 0,-1 7-208 0,1 0 0 15,0 4 0-15,0 1 0 0,0-1 0 0,3 0-256 16,4-1 48-16,-3-2-7408 16</inkml:trace>
+</inkml:ink>
+</file>
+
+<file path=ppt/ink/ink12.xml><?xml version="1.0" encoding="utf-8"?>
+<inkml:ink xmlns:inkml="http://www.w3.org/2003/InkML">
+  <inkml:definitions>
+    <inkml:context xml:id="ctx0">
+      <inkml:inkSource xml:id="inkSrc0">
+        <inkml:traceFormat>
+          <inkml:channel name="X" type="integer" max="30347" units="cm"/>
+          <inkml:channel name="Y" type="integer" max="20231" units="cm"/>
+          <inkml:channel name="F" type="integer" max="65535" units="dev"/>
+          <inkml:channel name="T" type="integer" max="2.14748E9" units="dev"/>
+        </inkml:traceFormat>
+        <inkml:channelProperties>
+          <inkml:channelProperty channel="X" name="resolution" value="1000.23071" units="1/cm"/>
+          <inkml:channelProperty channel="Y" name="resolution" value="1000.04944" units="1/cm"/>
+          <inkml:channelProperty channel="F" name="resolution" value="0" units="1/dev"/>
+          <inkml:channelProperty channel="T" name="resolution" value="1" units="1/dev"/>
+        </inkml:channelProperties>
+      </inkml:inkSource>
+      <inkml:timestamp xml:id="ts0" timeString="2023-09-29T22:48:48.318"/>
+    </inkml:context>
+    <inkml:brush xml:id="br0">
+      <inkml:brushProperty name="width" value="0.05292" units="cm"/>
+      <inkml:brushProperty name="height" value="0.05292" units="cm"/>
+      <inkml:brushProperty name="color" value="#FF0000"/>
+    </inkml:brush>
+  </inkml:definitions>
+  <inkml:trace contextRef="#ctx0" brushRef="#br0">25471 483 4079 0,'-4'0'368'0,"2"0"-368"0,-1 2 0 0,1-2 0 0,0 0 0 0,-1 0 0 0,1 2 0 0,-1 0 0 16,-3 3 0-16,1-2 0 16,-4 1 0-16,1-1 0 0,1-1 0 0,0 0 0 0,2 0 176 0,3-2-48 15,-3 3 0-15,1-6 32 0,2 1-160 0,2 0 0 16,0 0 0-16,-1 1 0 15,1-3-192-15,-2 2 32 0,2 1 0 0,0-1 32 0,0-2-80 0,-2 3-16 16,2-1 0-16,0 0 16 0,-2 2 0 0,2-2 0 16,-3 1 0-16,1-1 16 0,0 0 192 0,-1 1 0 15,0 1 128-15,-1-4-128 0,-5 2 432 16,4 2-16-16,0 0 0 0,-4 0 16 0,2 0 96 0,2 0 32 0,-2 0 0 0,-2 0 16 16,6 0-32-16,-6 0-16 0,2 0 0 0,0 2 16 15,2-2 32-15,-2 4 16 16,2-4 0-16,-1 0 32 0,1 0-112 0,0-4 0 0,-4 4-16 0,1 0 16 15,1 0-64-15,-2 0-32 0,0 0 0 0,2 4 16 16,0-3-112-16,-1 3-32 0,1-1 0 0,-2-1 16 16,2 5-32-16,0 0 0 0,-2 0 0 0,0 2 0 15,3-2-32-15,0 1-16 16,-1-1 0-16,0 0 0 0,0 4-224 0,2-4 0 0,-2 5 0 0,2-3 0 16,0 3 0-16,-2-2 0 15,0 2 0-15,2 2 0 0,-2 0 272 0,0-2 16 0,1 6 0 0,1 1 0 16,0 0 16-16,-2 2 0 15,3 2 0-15,-2-2 0 0,0-1-96 0,1 0-16 0,-2 2 0 0,2-1 0 16,0 0-192-16,-1 0 0 0,1 2 0 16,0-2 0-16,0-1 0 0,-2 0 0 0,2-1 0 0,-1 0 0 15,1 0 0-15,2 0 0 0,-1 0 0 0,-1-1 0 16,3-1 240-16,2-1 96 0,0 0 32 0,0-2 0 0,0 1-128 0,4-3-32 0,1-3 0 16,4 3 0-16,-6-5-208 0,7 5 0 15,1-1 0-15,5-1 0 0,1-1 0 0,0 1-128 0,-17-10 128 16,0 0-160-16,0 0 160 0,0 0 0 15,98 23 0-15,-98-23-128 0,0 0 128 0,0 0 0 0,0 0 0 0,106 12 0 16,-106-12 0-16,0 0-208 16,0 0 80-16,89 4 128 0,-89-4-160 0,0 0 160 0,0 0 0 15,93-11-144 1,-93 11 144-16,0 0 0 0,0 0 0 0,80-28-128 0,-65 16-32 0,1 2 0 16,-2-4 0-16,0-2 0 0,2-1 368 0,-2-2 80 15,1-2 16-15,3-4 0 0,-1-1-32 16,1 2 0-16,-4 3 0 0,-1-2 0 0,5 2-80 0,-2 1 0 15,1 0-16-15,-5 3 0 0,0 3 16 0,1-2 16 16,-1-1 0-16,-2-2 0 0,1 3 96 0,-3-1 16 16,1 3 0-16,-2-4 0 0,0 3-112 0,-5-3-16 15,0 3 0-15,-4-3 0 0,-3 2-192 0,-1 3 0 16,-4-5 0-16,1 1 0 0,-3 1 0 0,2-1 0 16,-4-3 0-16,-2 1 0 0,0 2 0 0,1-1 0 15,1-1 0-15,0 2 0 0,1-1 384 0,5 1 0 0,-4-2-16 16,1 0 0-16,1 0-144 0,-1-1-32 0,-1 3 0 15,0 0 0-15,-4 3-192 0,-1 0 176 0,-1 2-176 16,-1 3 160-16,0-2 64 0,0 4 16 0,-2 2 0 0,2-4 0 16,3 6-240-16,2-4 0 0,-2-2 0 0,6 2 0 31,3-1-832-31,3 1-128 0,1 0 0 0,3 0-10496 0</inkml:trace>
+  <inkml:trace contextRef="#ctx0" brushRef="#br0" timeOffset="1331.59">25338 1919 911 0,'-7'3'0'0,"2"1"0"15,-2-1 0-15,2-1 0 0,1 0 304 0,3-1-32 16,-1 1 0-16,-5 0 0 0,-2 7 448 0,-5-1 96 0,-2 3 16 0,1-1 0 16,-3 4-32-16,4-2 0 15,-1-1 0-15,1 3 0 0,5 0 64 0,-5-4 16 0,2 7 0 0,1-3 0 16,1 2-48-16,1-4-16 0,-3 4 0 0,5 1 0 15,-5 1 144-15,5-3 48 0,-3 3 0 16,3-1 0-16,-4 1-304 0,4 1-48 0,0-2-16 0,2 2 0 16,0-1-224-16,1-4-48 15,4 1-16-15,0 1 0 0,0 0 80 0,0 0 16 16,2 1 0-16,1-3 0 0,1 3-128 0,-2 1-32 16,1-1 0-16,2 1 0 0,-1-1-288 0,-1 0 0 15,3 3 0-15,1-5 0 0,-4 3 128 0,2-4-128 16,4 1 0-16,-2 1 0 0,3 0 336 0,-3-2-32 15,6-2-16-15,-5 3 0 0,6-1-160 0,-2-3-128 16,4 3 144-16,0 0-144 0,1-4 0 0,2 2 0 0,1-7 0 16,0 2 0-16,0-3 0 0,-1-4 0 0,2-2 0 15,-2-5 0-15,0 0 192 0,-2-5 112 0,-1 2 16 0,0-6 0 16,-2-3 0-16,-2-4 16 0,2-5 0 0,-2 0 0 16,0-3 64-16,1-2 16 0,-1 2 0 0,2-6 0 15,0-1 256-15,0-1 48 0,1 3 16 0,-1-1 0 16,4 1-480-16,-3 3-80 0,3-1-32 0,-3 7 0 15,-1-1-144-15,-1 5 0 0,-1 2 0 0,0 2 0 16,-3 0 0-16,1 1 0 0,-5-1 0 0,1 2 0 16,-3 1 0-16,2 4 0 0,-5-2 0 0,0-2 0 0,-1 6-144 0,-6-4 144 15,0 0 0-15,-2 0 0 0,2 5-384 0,-4-3 16 16,1 5 16-16,-2-3 0 16,1 3-144-16,-1-4-16 0,-2 4-16 15,0-1 0-15,-3-3 528 0,-1 4 0 0,1-1 0 0,0 4 0 16,-3 1 0-16,-1-1 0 0,1 2 0 0,-3-1 0 0,2 3-144 0,-2 0-32 15,4 0 0-15,0-2 0 16,2 2-528-16,3-3-96 0,3 1-32 0,6-3-10816 16</inkml:trace>
+  <inkml:trace contextRef="#ctx0" brushRef="#br0" timeOffset="66762.47">25755 11106 5519 0,'-2'4'496'0,"-2"1"-496"0,3-1 0 0,1-4 0 16,0 0 832-16,0 1 64 0,-4 4 0 0,2 1 16 15,-5 4 144-15,2-5 32 0,0 4 0 0,3-5 0 16,-3-1-192-16,2-3-48 0,1 0 0 0,-2 0 0 15,3 0-64-15,-1 0-16 0,2 0 0 0,0 0 0 0,0-3 96 0,0 1 16 16,2-3 0-16,-1-2 0 0,1 1-48 0,2-6 0 16,-1 4 0-16,2-6 0 15,-1 0-336-15,1-4-80 0,5-1-16 0,-3-4 0 0,6-4-400 0,-3-3 0 16,2 0 0-16,-1-3 0 0,1-2 0 0,0 2 0 16,4-5 0-16,-2 0 0 15,1 1 0-15,1-5 0 0,2 1 0 0,-3-3 0 0,3 2 0 0,1 0 0 16,0-3 0-16,-2 0 0 0,3 3 0 0,0 2 0 15,3 2 0-15,-2 3 0 0,-2 2-128 0,-19 33 128 16,37-58 0-16,-37 58 0 0,0 0 0 0,49-54-176 0,-37 46 176 16,-4-1-128-16,1 5-96 0,0 4-16 15,-6 2 0-15,3 7 0 0,-1 1 240 0,0 6 0 16,-1 1 0-16,-1 4 0 0,2 4 432 0,2 6 16 16,-3 2 16-16,1 2 0 0,-2 3-272 0,3 1-64 15,-3-3-128-15,-1 4 192 0,1 0-192 0,-1-1 0 16,-2-1 0-16,2 0 0 0,-2-1 336 0,0 3-16 15,2-2-16-15,-2-1 0 0,0 1 80 0,0 0 32 16,0-1 0-16,0 1 0 0,0 1-288 0,0-3-128 0,-2 2 128 0,-2-1-128 16,3-4 0-16,-1 0 0 0,0-1 0 0,0 1 0 31,1-2-688-31,-3-5-16 0,2-3 0 0,1-2 0 0,1-4-1376 16,0 0-288-16,0-1-48 0,1 0-7184 0</inkml:trace>
+  <inkml:trace contextRef="#ctx0" brushRef="#br0" timeOffset="67033.67">25906 10843 7359 0,'-8'0'656'0,"2"0"-528"0,1 0-128 0,5 0 0 0,0 0 1504 0,-2 0 272 15,-3 0 48-15,0-1 16 0,-4 1-304 0,0-2-48 0,6 0-16 0,-1 0 0 16,3 1-304-16,2-1-64 0,3 2-16 0,-1-4 0 15,4 3 624-15,4 1 112 0,-2-2 32 0,5 0 0 16,1 0-368-16,-15 2-64 0,0 0-16 0,0 0 0 0,89-34-864 0,-89 34-176 16,0 0-48-16,84-32 0 0,-84 32-320 0,0 0-160 15,0 0 16-15,94-35 0 16,-94 35-720-16,0 0-144 16,0 0-16-16,0 0-16 0,101-29-864 0,-101 29-160 0,0 0-48 0,0 0-9920 15</inkml:trace>
+  <inkml:trace contextRef="#ctx0" brushRef="#br0" timeOffset="67339.62">26574 10549 1839 0,'0'-5'0'0,"0"3"0"0,0 2 0 0,1-2 160 0,1 1-160 0,0 1 0 0,0 0 0 0,3-2 0 15,4 2 1376-15,4-2 240 0,1 0 48 0,-14 2 16 16,0 0 1184-16,0 0 224 0,93-15 48 0,-93 15 16 16,0 0-784-16,92-25-176 0,-92 25-16 0,0 0-16 0,94-29-1392 0,-94 29-288 15,0 0-48-15,89-32-16 0,-89 32-416 0,0 0 0 16,0 0 0-16,101-31 0 15,-101 31-944-15,0 0-64 0,0 0-16 0,0 0 0 16,87-30-384-16,-71 29-96 0,-6-5-16 0,-1 3-7888 16</inkml:trace>
+  <inkml:trace contextRef="#ctx0" brushRef="#br0" timeOffset="67566.64">26673 10761 12431 0,'-12'4'256'0,"5"-2"64"0,2-2 16 0,3 0 48 0,5 0-384 0,-1-2 0 0,2-2 0 0,1 1 0 16,5-4 1056-16,4 0 144 0,-14 7 16 0,0 0 16 15,0 0 944-15,93-42 192 0,-93 42 48 0,0 0 0 16,0 0-288-16,99-47-48 0,-99 47-16 0,0 0 0 16,83-36-1104-16,-83 36-208 0,0 0-48 0,89-32-16 15,-89 32-544-15,0 0-144 0,0 0 0 0,108-28 0 16,-108 28 0-16,0 0 0 0,0 0 0 0,0 0 0 15,100-3-624-15,-88 3-32 0,-2 2-16 0,-1-1-14368 16</inkml:trace>
+  <inkml:trace contextRef="#ctx0" brushRef="#br0" timeOffset="68339.21">27816 10234 14735 0,'-2'0'1312'0,"2"0"-1056"16,0 0-256-16,0 0 0 0,0 0 912 0,0 0 128 15,-3 0 32-15,1 0 0 0,-1 0 32 0,-1-2 16 0,-1 4 0 0,-2-2 0 16,0 0-368-16,0 1-80 0,-3 5-16 0,1-3 0 15,-3 4 208-15,3 0 32 16,-2 2 16-16,3 0 0 0,-1 1-208 0,4 0-64 0,-6 3 0 0,4-3 0 16,4 4-256-16,-4 2-48 0,3-1-16 0,1 1 0 15,1-2-80-15,2 3-32 0,2 3 0 0,0 0 0 16,1 7-208-16,2-1 0 0,1 2 0 0,2-1 0 16,3-4-160-16,-1 5 160 0,4-2-128 0,0-3 128 15,4 3 0-15,1-5-160 16,2 0 160-16,0-4 0 0,3-1-160 0,2-6 160 15,-26-10-128-15,0 0 128 0,77 16-272 0,-77-16 16 0,0 0 16 0,0 0 0 16,99-14-96-16,-99 14-32 16,0 0 0-16,0 0 0 0,103-45 224 0,-103 45 144 0,0 0-192 0,70-61 192 15,-51 35 0-15,-2 1 0 0,-3-3 0 0,-3 0 0 0,-4 2 128 0,-6-3-128 16,-1 4 0 0,-1-4 144-16,-8 4 112 0,-2 1 0 0,-3 0 16 0,-3 1 0 15,-4 4 176-15,-2 1 48 0,-4 6 0 16,-3 0 0-16,-1 5-272 0,-2 0-48 0,-1 5-16 0,1 2 0 15,2 0-160-15,0 0 0 0,1 2 0 0,2 5 0 16,4-2-448-16,1 0 0 16,4 6-16-16,1-2-8976 0,3 1-1792 0</inkml:trace>
+  <inkml:trace contextRef="#ctx0" brushRef="#br0" timeOffset="69411.64">29796 9730 8287 0,'3'2'736'0,"1"2"-592"16,-3-3-144-16,-1 3 0 0,2-2 224 0,-2 3 16 0,5 0 0 0,-3 9 0 15,0 3 608-15,1 6 128 0,-1 1 32 0,-2 6 0 16,-2 0 416-16,1-1 96 0,-1 6 16 0,-2 2 0 16,-1 4-480-16,0-1-96 0,0 8 0 0,1-5-16 15,-1 8-112-15,1-6-32 0,1 4 0 0,0-6 0 16,-3 1-320-16,3-1-64 0,1-1-16 0,-1-4 0 16,1-5-400-16,0-3 0 0,0 0-192 0,2-6 192 15,0 2-1536-15,0-5-176 0</inkml:trace>
+  <inkml:trace contextRef="#ctx0" brushRef="#br0" timeOffset="69887.7">29951 9777 3679 0,'3'6'160'0,"1"-5"32"0,1 3-192 0,-5-4 0 0,3 3 0 0,-1-1 0 0,2 3 1024 0,-1 2 176 0,6 4 16 0,0 1 16 16,1 5 176-16,0 1 16 0,-1 3 16 0,-2-2 0 16,-2 2-208-16,1-2-32 15,-5 0-16-15,1 0 0 0,-2 0-256 0,-2-1-48 16,-1-1-16-16,-8-1 0 0,4 0-448 0,-5-1-96 0,-2 3 0 0,-1-1-16 15,-1-3-304-15,-1 3 0 16,-3-1 0-16,1 1-144 0,0-3-16 0,0-3 0 0,0 3 0 0,-6-7 0 31,6 3-288-31,5-6-48 0,-3-1-16 0,3-3 0 0,3 4 288 0,1-8 48 16,-1 1 16-16,4 3 0 0,2-4 160 0,-2 1 0 0,4-1 160 16,3 1-160-16,2 1 224 0,1 0-48 0,4 1-16 0,2 1 0 0,1 0 464 0,4-2 80 15,2 2 32-15,1 2 0 16,-17-2 608-16,0 0 128 0,0 0 32 0,77 19 0 15,-56-11-224-15,-21-8-32 0,0 0-16 0,73 33 0 16,-73-33-272-16,63 27-48 0,-63-27-16 0,62 21 0 0,-62-21-528 16,0 0-112-16,95 27-32 0,-95-27 0 15,0 0-368-15,74 32-80 0,-54-20-16 0,-6-3 0 16,0 5-1344-16,-4-4-272 16,2 4-48-16,-8 2-11760 0</inkml:trace>
+  <inkml:trace contextRef="#ctx0" brushRef="#br0" timeOffset="70207.27">30521 9938 9215 0,'3'1'816'0,"2"-1"-656"15,-3 0-160-15,2 0 0 0,-1-1 336 0,2 1 48 16,6 0 0-16,4-2 0 0,-15 2-384 0,0 0 0 0,0 0 0 0,105-11-192 16,-105 11 192-16,0 0 0 0,92-8 0 0,-92 8 0 15,0 0 0-15,114-14 0 0,-114 14 0 0,0 0 0 16,113-16-128-16,-113 16 0 0,0 0 0 0,0 0 0 15,104-14 128-15,-88 18 128 0,-4-1-128 0,-19-1 192 16</inkml:trace>
+  <inkml:trace contextRef="#ctx0" brushRef="#br0" timeOffset="70411.03">30557 10232 13823 0,'-5'7'608'0,"3"-5"128"0,2-1-592 0,4-1-144 15,-1 0 0-15,1-1 0 0,3 1 576 0,0-2 96 16,7-2 16-16,-14 4 0 0,0 0 464 0,0 0 112 16,111-31 16-16,-111 31 0 0,0 0 32 0,119-28 16 15,-119 28 0-15,90-19 0 0,-90 19-512 0,91-16-112 16,-91 16 0-16,85-19-16 0,-85 19-496 0,0 0-192 0,115-31 128 0,-115 31-128 31,0 0-896-31,96-28-272 0,-96 28-48 0,0 0-10176 0</inkml:trace>
+  <inkml:trace contextRef="#ctx0" brushRef="#br0" timeOffset="70806.72">31627 9762 18431 0,'-19'12'816'0,"5"-2"160"0,0-3-784 0,5 2-192 0,4-5 0 0,3-1 0 0,-5 0 464 0,-1 8 48 16,-8 5 16-16,-5 3 0 15,2 5 112-15,0-3 32 0,1 3 0 0,6-1 0 0,2 0 480 0,1-2 80 16,6 0 32-16,3-2 0 0,3-2-256 0,4 1-48 16,2-3-16-16,3 1 0 0,0-2-496 0,2 1-112 15,2-2-16-15,-1-5 0 0,3 3-320 16,1-6 0-16,0 4 0 0,-19-9 0 0,0 0 0 0,0 0 0 15,92 10 0-15,-92-10 0 0,0 0 0 0,0 0 0 16,89-10 0-16,-89 10 0 16,0 0 0-16,0 0 0 0,0 0 0 0,72-51 0 15,-62 37 0-15,-6-3 0 0,1 1 0 0,-2-3 0 16,3 2 0-16,-6-4 128 0,0 0 0 0,-4 0 0 0,2-2 256 0,-3 2 64 16,0 0 16-16,-5 4 0 0,1 1-16 0,-2 2 0 15,-3 6 0-15,1 1 0 0,-7 3-224 0,-4 6-48 0,-4 7-16 16,-5-1-16064-16</inkml:trace>
+  <inkml:trace contextRef="#ctx0" brushRef="#br0" timeOffset="102824.3">25723 12315 5519 0,'-1'2'496'0,"1"1"-496"16,0-3 0-16,0 0 0 0,0 0 448 0,0 0 0 15,0 0 0-15,0 0 0 0,-4 0-160 0,2 0-32 0,1 0-16 0,-1 0 0 16,0-3 480-16,0 1 112 0,1 0 0 0,-1 1 16 0,0-1 256 0,2-2 48 16,0-1 16-16,0-2 0 0,0 4-528 0,-3-3-128 15,1-2 0-15,0 4-16 0,-1-3-368 0,-1-3-128 16,1 3 0-16,1-4 0 0,-5 6 0 0,2-5 0 15,-1 5-176-15,1 1 176 16,-2-1-256-16,2 3 64 0,-2-1 0 0,-2 3 16 0,4-2 16 0,-5 2 0 16,3 0 0-16,0 2 0 15,0 5 160-15,0-2 0 0,2 2-144 0,-2 3 144 0,1-3 0 0,-2 7 0 16,1 0 0-16,1 0 0 0,-4 2-128 0,1 1 128 16,-1 2 0-16,1 4 0 0,-3 0 0 0,1-1 0 15,-1 3 128-15,2 2-128 0,1 0 336 0,-1 0-16 16,1 3 0-16,0 1 0 15,2-3 624-15,4 0 112 0,3-7 32 0,0-2 0 16,2-5-32-16,4-5 0 0,5 1 0 0,-1-3 0 0,1-5-672 0,1-2-144 16,4 0-32-16,-2-5 0 15,3 0-208-15,-1-4 0 0,1 0 0 0,2-3-160 0,-1 0 160 0,1 0 0 0,0-4-144 0,-1-2 144 16,-18 18 0 0,0 0-176-16,54-61 176 0,-39 37-128 0,1 3 128 0,0-1 0 0,-1 2 0 0,3-1-128 15,-8-1-32-15,2 1 0 16,2 0 0-16,-7 2 0 0,4-2-192 0,-6 5-32 0,4 1-16 0,-4 1 0 15,-2 0 16-15,-1 5 0 0,-2-1 0 16,0 4 0-16,0 3 384 0,0 1-160 16,-2 0 160-16,1 6 0 0,1-1 0 0,-2 3 0 0,-2 4 0 0,1-1 0 0,-1 5 464 0,1 0 0 15,1 1 0-15,1 1 0 0,1 1 128 16,-2 1 32-16,-2 3 0 0,4-2 0 0,0 4-48 0,0-6-16 16,4-1 0-16,-2-2 0 0,1-1-304 0,2-6-64 15,6 4-16-15,-3-8 0 0,5 1-368 0,2-4-64 16,-1-4 0-16,2-1-16 31,-16 5-1488-31,0 0-288 0,0 0-64 0,77-49-7616 0</inkml:trace>
+  <inkml:trace contextRef="#ctx0" brushRef="#br0" timeOffset="103261.86">26189 12233 5519 0,'-4'7'240'0,"2"-2"64"0,1-1-304 0,1-1 0 0,0-1 0 0,0 0 0 0,0 1 640 0,0 6 64 0,0 0 0 0,-2 5 16 16,2 0 112-16,-2-2 0 0,2 4 16 0,0-1 0 16,-2 1 48-16,2-2 16 0,0-2 0 0,0 4 0 15,0-1-288-15,2 1-64 0,-2 0-16 0,2 1 0 16,-2-1-224-16,0 1-64 0,-2 1 0 0,2 1 0 16,0-2-256-16,0 1 0 0,-2-1 0 0,2-5 0 15,0-1 0-15,0-1 0 0,0-3 0 0,-1-3 0 0,1 1 128 0,-4-2-128 16,4-1 144-16,0 0-144 0,-2-2 128 0,2 0-128 31,0-2 0-31,2-1 0 0,-2-4 304 0,5 1-48 0,-5-1 0 0,4-5 0 0,-1-3 128 0,3-3 0 31,-1-3 16-31,-2 0 0 0,4-1 64 0,-2-6 16 16,1 3 0-16,1-2 0 0,-2-1 144 0,0 2 16 16,-1-6 16-16,1 6 0 0,-2 0-160 0,4 3-48 15,-5 1 0-15,1 2 0 0,1 5-272 0,-2 1-176 16,1 5 192-16,2 0-192 0,-3 6 0 0,2-1 0 0,1 3 0 15,2 1 0-15,-4 0 240 0,4-2-64 0,2 2-16 0,1-2 0 16,3 1 80-16,1-1 16 0,-2-3 0 0,3 3 0 16,1 0-256-16,-2 0-160 0,0 1 32 0,-2 1 0 15,2 0-864 1,4 0-160-16,-4 0-48 0,1 0 0 16,1 0-688-16,0 1-144 0,-16-1-16 0,0 0-6064 0</inkml:trace>
+  <inkml:trace contextRef="#ctx0" brushRef="#br0" timeOffset="103679.57">26802 12106 2751 0,'-4'11'256'0,"3"-5"-256"16,-3-2 0-16,4 1 0 0,0-1 1152 0,-2 1 176 15,-1 7 32-15,-2 7 16 0,1 7-352 0,-4 4-80 16,1-2-16-16,3 1 0 0,-1-2-336 0,1-5-64 15,3 4-16-15,1-3 0 0,0 0-64 0,-2-4 0 0,2 0-16 0,-2-2 0 16,2 1-304-16,-2-6-128 0,1-2 128 0,1 3-128 16,-2-5 256-16,2-1-48 0,-2-1 0 0,2-3 0 15,0-3 176-15,0-2 16 0,2-3 16 0,-2-2 0 16,3 0-160-16,3-7-16 0,-1 4-16 0,2-8 0 16,0 1-416-16,2-2-96 0,-3-4-16 0,3-3 0 15,-2 3 304-15,2-5 272 0,1 1-48 0,1-3-16 16,-2 2 448-16,-1 0 96 15,3 0 16-15,-3 1 0 0,3-3-176 0,-2 6-16 0,-1-3-16 16,1 7 0-16,0 0-240 0,-2 5-32 0,3 4-16 0,-5 1 0 16,2 5-16-16,0 1-16 0,2 2 0 0,0-1 0 15,-1 3 144-15,5 0 16 0,-5 0 16 0,3 2 0 16,1-2 0-16,0 1 0 0,2-1 0 0,2 2 0 0,-2 0-288 0,0 0-128 16,1-1 128-16,-1-1-128 31,-1 2-672-31,2 2-224 0,1 1-32 0,-2 0-16 0,5-2-608 0,-5 1-128 0,3 1-32 0,3 0-7184 15</inkml:trace>
+  <inkml:trace contextRef="#ctx0" brushRef="#br0" timeOffset="104255.74">27595 11780 1839 0,'-5'0'160'0,"-1"0"-160"0,3 0 0 0,1 0 0 0,0 0 1008 0,-1 0 160 16,-6 0 48-16,-3 0 0 15,-5 0-688-15,-4 0-128 0,1 2-16 0,-4 0-16 0,3 1-368 0,2 3 144 16,0-3-144-16,1 1 0 15,6-1 336-15,-3-3-32 0,4 2-16 0,2-1 0 16,4-1 32-16,-4 0 16 0,4-1 0 0,-2-1 0 0,2 2-336 0,1 0 0 16,1-2 0-16,1 2 0 0,1-1-336 0,-3 1 16 15,2 3 0-15,2-1 0 0,0 1 48 0,0 4 16 16,0 0 0-16,0 4 0 0,2-3 256 0,2 6 0 16,-3 2 0-16,4 0 0 15,-1 3 128-15,-1 2 144 0,3 1 32 0,-3 1 0 16,1 1 320-16,-1 4 64 0,1-2 16 0,-1 4 0 15,-1-2 208-15,-2 3 48 0,0 1 16 0,0-5 0 16,0 3 80-16,0-4 16 0,2 5 0 0,-2-3 0 16,0 5 80-16,1-6 32 0,1 0 0 0,0-4 0 15,3-4-608-15,0 0-128 0,-3 1-32 0,2-7 0 16,1 1-288-16,-2-3-128 0,4-2 0 0,-3-2 128 0,3-4 32 0,1-3 0 16,-2 0 0-16,1 0 0 0,1-5 0 0,1-4 0 15,1 4 0-15,-1-4 0 0,0 0-160 0,0 2 0 16,-1 2 144-16,-2-2-144 0,0 6 0 0,1-1 0 15,-3 0 0-15,-1 2 0 0,1 0 0 0,3 2 0 16,-4 0 0-16,3-2 0 0,-1 3 0 0,2-1 0 16,0 1-144-16,3 1 144 0,-3-3-144 0,5 1 144 15,-3 0-192-15,5 0 192 16,2-1-1472-16,-4-1-176 0,4 0-32 0,-4 0-7856 0</inkml:trace>
+  <inkml:trace contextRef="#ctx0" brushRef="#br0" timeOffset="104656.46">27874 12535 2751 0,'0'0'256'16,"0"-2"-256"-16,1-2 0 0,1-3 0 0,0 4 624 0,0-1 80 15,-1-1 0-15,6-5 16 16,-1-9-432-16,2-6-96 0,3-6 0 0,3-2-16 0,-6 1 848 0,3-2 192 0,-2-1 16 0,1-2 16 31,-5 2 688-31,2 0 144 0,2 2 32 0,-4-1 0 0,6-1-704 0,-6 0-128 0,2-2-16 0,1 2-16 16,-2 6-800-16,1-4-144 15,1-2-48-15,1 5 0 0,2 2-256 0,-1 4 128 0,2 1-128 0,0 4 0 16,2-2 0-16,-14 21 0 16,0 0 0-16,0 0 0 0,0 0 0 0,74-47 0 15,-62 47 0-15,0 2 0 0,-3 0 0 0,-2 7 0 16,1-3 0-16,-2 7 0 0,2 1 176 0,-6 3 128 15,1 4 16-15,1 3 16 0,-1 1 448 0,3 4 96 16,-3 3 16-16,2 2 0 0,-1 1-384 0,3 2-80 0,-4 3-16 0,4 0 0 16,-1-2-416-16,-1-1 0 0,0 3 128 15,2 2-128-15,0 1 0 0,3-3 0 16,1-1 0-16,3-3 0 0,-4-1-176 0,4-4-64 0,2-1-16 0,-2-7-8304 16,1-1-1664-16</inkml:trace>
+  <inkml:trace contextRef="#ctx0" brushRef="#br0" timeOffset="104862.66">28116 12285 15663 0,'-7'0'688'0,"3"-1"144"0,4-4-656 0,2 1-176 0,0 2 0 0,1 1 0 16,3-3 912-16,1-1 160 0,3-4 16 0,4 0 16 15,2-1-128-15,-1 1-16 0,-1 2-16 0,2 4 0 16,-4-1 272-16,2 1 64 0,3-4 16 0,-1 3 0 0,2-3-560 0,1-1-112 16,0 2-32-16,-2 0 0 0,-17 6-752 0,0 0-160 15,0 0-16-15,0 0-12576 16</inkml:trace>
+  <inkml:trace contextRef="#ctx0" brushRef="#br0" timeOffset="105430.81">28921 11592 10127 0,'-4'4'896'0,"4"-4"-704"0,2 0-192 0,0 0 0 0,3 0 1584 0,-3 0 272 16,3 0 64-16,2-2 16 0,4 0-80 0,2 1-32 16,1-5 0-16,2 1 0 0,-2 2-1040 0,0-3-208 15,0 3-32-15,-2-2-16 0,0 1 112 0,-1 2 32 16,1 1 0-16,2-1 0 0,-5 2 64 0,1 2 16 15,-3-1 0-15,0 3 0 16,-2 5-336-16,-1-2-64 0,-1 1-16 0,-1 3 0 0,0 4-80 0,-1 1-32 16,-1 2 0-16,0 2 0 0,2 5-80 0,-2-4-16 15,4 5 0-15,-4 0 0 0,3-3 16 0,1 4 0 16,-1-2 0-16,4-1 0 0,-2 6-16 0,2-2 0 0,4 3 0 16,-1-1 0-16,2-1-128 0,2 3 0 0,-3-3 0 0,4 1 0 15,-2-4 0-15,-1 2 0 16,-2-4 0-16,3-3 0 0,-7-2 0 0,1 0 0 0,0-1 0 0,-3-1 0 15,-2 1 128-15,-2-4-128 0,-2-4 0 0,0 2 128 16,-1-3-128-16,-6 1 0 0,0-3 0 0,-1 2 0 16,-1-4 432-16,-3 4 0 0,0-2 0 0,1-2 0 15,-1 6 16-15,-4-4 0 16,-3 3 0-16,-1-1 0 0,-3 5-240 0,-1-2-32 0,2-2-16 0,-2 4 0 16,3-3-32-16,0 3 0 0,-1 0 0 0,1-4 0 15,2 4-128-15,0-4 0 0,4-3 144 0,-2 2-144 0,3-4-176 16,6-1-96-16,-4-4-32 0,5-4-11024 15,5-1-2192-15</inkml:trace>
+  <inkml:trace contextRef="#ctx0" brushRef="#br0" timeOffset="105961.58">29794 11925 15663 0,'-5'0'1392'0,"1"-4"-1120"16,4 4-272-16,0 0 0 0,0 0 736 0,-2 0 96 15,1 4 0-15,-3-4 16 0,1 2 16 0,3-1 0 0,-4-1 0 0,4 2 0 16,4 0 416-16,-1-2 96 0,6 0 16 0,1-4 0 16,6 1-544-16,3-4-96 0,-1 3-32 0,-3-1 0 15,-15 5-320-15,0 0-64 0,0 0-16 0,98-28 0 16,-98 28-160-16,0 0-32 0,96-17-128 0,-96 17 192 15,0 0-528-15,118-16-112 16,-118 16-32-16,0 0 0 0,119-15-1056 16,-119 15-224-16,0 0-32 0,89-16-9408 0</inkml:trace>
+  <inkml:trace contextRef="#ctx0" brushRef="#br0" timeOffset="106220.38">29932 12157 2751 0,'-14'5'256'0,"5"-2"-256"15,2 1 0-15,3-4 0 0,4-4 1536 0,0 3 256 16,2-1 48-16,0 0 16 0,1-5-1328 0,-1-2-256 16,3 4-48-16,8-5-16 0,-5 3-208 0,6-2-160 0,-14 9 32 0,0 0 0 15,0 0 1280-15,110-38 272 0,-110 38 48 0,89-28 16 16,-89 28 624-16,101-25 112 0,-101 25 16 0,101-27 16 15,-101 27-976-15,0 0-192 0,124-37-32 0,-124 37-16 32,0 0-1440-32,0 0-304 0,99-16-48 0,-81 13-10448 0</inkml:trace>
+  <inkml:trace contextRef="#ctx0" brushRef="#br0" timeOffset="106637.1">31052 11725 15663 0,'5'-7'688'0,"-1"-2"144"0,1 2-656 0,0-2-176 0,0 6 0 0,-1 1 0 16,1-3 192-16,4-6 0 16,5-1 0-16,3-7 0 0,-17 19-192 0,0 0-144 0,0 0 144 0,72-56-208 15,-58 49 688-15,1 6 144 16,-2-1 16-16,0 4 16 0,3-1 832 0,0 8 176 0,-6 0 16 0,2 3 16 16,1 0-320-16,-6 4-64 0,0 3-16 0,0 5 0 15,1 1-480-15,1-1-112 0,-4 6 0 0,4-4-16 16,0 5 224-16,-2-3 48 15,1 5 16-15,-1-1 0 0,0-3-144 0,0 2-16 16,2 3-16-16,0-7 0 0,-2 5-528 0,3-8-96 16,-1 1-32-16,1-1 0 0,-1-3-144 0,3-2 0 15,0-2 0-15,1-4 0 0,1 1-480 16,1-6 32-16,-3 1 0 0,4-6 0 0,-2 3-1072 0,2-5-208 0,-2 1-32 16,0-4-12768-16</inkml:trace>
+  <inkml:trace contextRef="#ctx0" brushRef="#br0" timeOffset="106885.2">31861 11537 11055 0,'-6'3'976'0,"3"0"-784"0,1 3-192 0,0-3 0 0,2 1 1776 0,-1-3 304 0,-3 5 64 0,-1 4 16 16,-4 6 528-16,-6 6 96 0,-6 8 32 0,-5 1 0 15,-2 6-512-15,-4 0-80 16,-1 3-32-16,-2 1 0 0,-5 6-864 0,0-3-176 0,0 0-48 0,2-3 0 16,-2 1-768-16,1-2-144 0,-1-2-48 0,2-1 0 15,1-4-144-15,1-5 0 0,-1 0 0 0,2-11-12240 16,6-6-2448-16</inkml:trace>
+  <inkml:trace contextRef="#ctx0" brushRef="#br0" timeOffset="148271.1">16305 5244 14735 0,'1'0'1312'0,"1"-2"-1056"16,2 2-256-16,-1-2 0 0,1 2 416 0,1-3 32 16,3 1 0-16,8-2 0 0,5 3 64 0,-21 1 32 15,0 0 0-15,0 0 0 0,101-6 592 0,-75 6 112 16,0 2 32-16,1-2 0 0,-27 0-48 0,0 0 0 16,0 0 0-16,113-8 0 0,-113 8-464 0,0 0-112 0,0 0-16 0,115-20 0 15,-115 20-272-15,0 0-64 0,0 0-16 0,0 0 0 16,94-5-288-16,-82 5 0 0,-7 5 0 0,-3 2 0 15,0 0 0-15,-6 2 0 16,1 1 0-16,-4 6 0 0,0 2 0 0,-5 2 0 0,1 0 0 0,-4 1 0 16,-1 6 0-16,-3 1 0 0,0 2 0 0,-1-2 0 15,3 1 0-15,0-3 0 0,-3 6 0 0,-1-3 0 16,1 5 0-16,-1-3 0 0,0 4 0 0,0-2 0 16,-4 3 0-16,-1 1 128 0,4-2-128 0,1 3 0 15,-4-1 416-15,4-4-32 0,2-5 0 0,4 1 0 0,1-3 0 16,0 2 0-16,3-2 0 0,3 0 0 0,-1 1-16 0,4-5-16 15,-1 3 0-15,6-3 0 0,0-3-224 0,6-5-128 16,2 2 160-16,-1-4-160 0,7-5 0 0,5-3 0 16,6-1 0-16,-25-3 0 0,0 0 0 0,99-10 0 15,-99 10 0-15,0 0 0 16,113-23-560-16,-113 23-48 0,0 0-16 0,128-24 0 16,-128 24-1616-16,88-11-336 0,-88 11-64 0,96-8-9264 0</inkml:trace>
+  <inkml:trace contextRef="#ctx0" brushRef="#br0" timeOffset="149674.93">18260 5319 15663 0,'-7'7'1392'0,"3"-7"-1120"0,1 1-272 0,1 1 0 31,2-2-320-31,0-2-112 0,0 1-16 0,-2 1-16 16,2-4 16-16,-5-1 16 0,2 0 0 0,-3-1 0 0,1 6 432 0,-4 0 0 16,1 0 0-16,-3 4 176 0,1 3 784 15,-2 0 176-15,-2 0 16 0,1 7 16 0,-4 0-224 0,1 3-48 0,-1 2-16 0,0 2 0 16,3 0-496-16,-4 2-80 0,6 3-32 0,-5 2 0 15,4-1-80-15,-1 1 0 0,2 5-16 0,0 1 0 0,3-1-176 32,1 3 128-32,1 1-128 0,3-2 128 0,1-4-128 0,3-3 0 15,5 0 0-15,4-6 0 0,1 1 0 0,7-4 0 16,-3 0 0-16,6-1 0 0,4-1 0 0,-1-1-144 16,8-2 144-16,-31-14 0 0,0 0-176 0,101 22 176 15,-101-22-160-15,0 0 160 0,129-3-256 0,-129 3 64 16,92-24 0-16,-92 24 0 15,84-41-224-15,-84 41-32 0,75-47-16 0,-75 47 0 0,63-57 144 0,-41 26 16 0,-3-2 16 16,1-2 0-16,-3 3 464 0,-5-4 80 16,-1 1 32-16,-3-3 0 0,-1-1-16 0,-7 3 0 0,-5 3 0 0,-2-4 0 15,-5 7 144-15,-5-1 32 0,-6 0 0 0,-5 8 0 16,-2 6-256-16,-8-1-64 0,-7 11 0 0,-6 2 0 16,-3 7-128-16,5 3 0 0,-1 4 0 0,6 5 0 15,3 1-320-15,2 3-32 0,8 3-16 0,-1-2 0 16,8 0-752-1,5-2-160-15</inkml:trace>
+  <inkml:trace contextRef="#ctx0" brushRef="#br0" timeOffset="150084.54">18209 5845 13823 0,'0'1'1216'0,"0"1"-960"0,2 0-256 0,1-2 0 15,1 0 528-15,1 0 64 0,4 2 16 0,7-1 0 0,4 1-608 16,5 5-128-16,3 2-32 0,0-1 0 0,1 5 528 0,3 4 96 16,-3 0 32-16,3 3 0 0,1-1 368 0,-7 2 80 15,2 1 16-15,-2 4 0 0,-3-1-368 0,-3-4-64 16,0 1-16-16,-3 1 0 0,2 0-192 0,-1-6-32 15,-1 0-16-15,0-4 0 32,1 1-1072-32,-1-7-224 0</inkml:trace>
+  <inkml:trace contextRef="#ctx0" brushRef="#br0" timeOffset="151242.92">19410 5947 10127 0,'2'-3'896'0,"3"-4"-704"0,-2-2-192 0,1 6 0 16,1-4 384-16,2-5 64 0,7-9 0 0,10-16 0 15,6-5 320-15,-4-5 64 0,4 2 0 0,-8 0 16 16,3 5 160-16,-6 1 16 0,-2 3 16 0,-1 4 0 16,-2 1-304-16,-4 5-64 0,-1 5-16 0,0 5 0 15,-4 2-352-15,0 4-80 0,1 6-16 0,-3 3 0 0,1 2 48 0,-3 3 16 16,3 5 0-16,-3-1 0 0,1 6 32 0,2 2 0 15,-1 1 0-15,1 2 0 16,3 2-64-16,-4 0-16 0,4 2 0 0,0-2 0 0,-2 5-96 0,2 0 0 16,0-2-128-16,-2 8 192 0,1-1 160 0,-3 1 32 15,2 2 0-15,-5 3 0 0,2 0 176 0,-2-3 32 16,0-1 16-16,-2-5 0 0,2 0-96 0,0-7-32 16,0-2 0-16,0-8 0 0,4-1-480 0,-1-6 128 15,3-3-128-15,2-6 0 16,1-4-640-16,2-3-192 0,1-7-16 0,2-4-16 15,1-4 160-15,1-5 48 0,1 1 0 0,1-6 0 0,1-1 224 0,0-4 48 0,-1-1 16 0,-1 1 0 32,-3-2-256-32,0 1-48 0,0 1-16 0,-2 5 0 15,0 3 224-15,-1 4 32 0,1 0 16 0,-2 4 0 0,4 4 224 0,-3-1 64 16,1 9 0-16,-2 2 0 0,1 0 128 0,-1 6 0 0,1 5 0 0,1 1 0 16,-3 3 384-16,1 8 48 0,-3-3 16 15,0 8 0-15,-2-4 592 0,1 7 128 0,1 4 32 0,-1 5 0 16,0 5 0-16,-1 3 0 0,4 5 0 0,-6 2 0 0,1 2-208 15,-1 1-32-15,1 2-16 0,-1-2 0 16,-3-1-432-16,-3 0-64 0,1 6-32 0,-2-6 0 0,3 2-416 0,-3-3 0 16,1-4 0-16,1 0-176 31,-3-2-1168-31,3-5-256 0,2-3-32 0,2-8-11824 0</inkml:trace>
+  <inkml:trace contextRef="#ctx0" brushRef="#br0" timeOffset="152130.13">21360 5339 11967 0,'-2'-1'1072'0,"2"-1"-864"0,0 0-208 0,0 2 0 15,0 0 256-15,0 0 16 0,-2 0 0 0,1 0 0 16,-1 2 656-16,0 0 128 0,2 1 32 0,-2 1 0 16,-1 1 160-16,3 2 32 0,0 0 16 0,0 5 0 0,0-3-336 0,3 3-64 15,-3 2 0-15,0 0-16 0,0 3-208 0,0 2-32 16,-3 6-16-16,3-3 0 0,0 5 0 15,0 2 0-15,0 1 0 0,3 3 0 16,-1 7-144-16,-2 3-32 0,0 1 0 0,2-2 0 16,-2-2 624-16,0 3 112 0,0-4 32 0,0-1 0 15,2-5-1760-15,-2 0-352 0,0-3-64 0,1-4 0 16,3-5 320-16,-1-4 80 0,4-5 16 0,-5-5-12992 0</inkml:trace>
+  <inkml:trace contextRef="#ctx0" brushRef="#br0" timeOffset="152712.37">21398 5477 2751 0,'-5'7'256'0,"1"-4"-256"15,3-1 0-15,1-4 0 0,0 2 336 0,-4 0 32 16,-1 4 0-16,-2-1 0 0,0-1 608 0,-2 2 128 16,4 1 32-16,-2-3 0 15,4-2 720-15,3-2 128 0,0 0 48 0,3-5 0 0,4 4-512 0,0-6-112 16,5 0 0-16,0 2-16 0,6-3-864 0,-1-1-160 16,4 3-48-16,0-1 0 0,-21 9-48 0,0 0-16 15,0 0 0-15,101-35 0 0,-101 35-256 0,0 0 0 16,0 0 0-16,0 0 0 0,105-17 0 0,-90 19 0 15,-2 1 0-15,-3 4 0 0,-3 2 0 0,-2 3 0 16,-1-2 0-16,-6 8 0 0,0-1 144 0,-3 2 32 16,-2 0 0-16,-5 4 0 0,0 5 272 0,-4-4 64 0,-1 1 16 0,-3 3 0 15,0-1-16-15,-3 3-16 0,0-6 0 0,2 3 0 16,-1-3 80-16,1-3 32 0,0-2 0 0,2-3 0 16,3 1 0-16,2-6 0 0,2 3 0 0,1-9 0 15,4 2-128-15,4-4-32 0,-1-3 0 0,4-2 0 16,2-5-448-16,3 2 0 0,6-3 0 0,-2-3 0 15,1-3-208-15,4 2-96 0,2-2-16 0,1-3 0 16,2 3 112-16,2 0 16 0,-21 14 0 0,0 0 0 16,0 0 848-16,103-44 176 0,-103 44 48 0,0 0 0 31,92-12-1776-31,-92 12-368 0,0 0-64 0,0 0-16 0,91 17 960 0,-79-6 192 16,-1 6 48-16,-6 2 0 0,-3 1 144 0,-4 4 0 0,-3 6 128 0,-2-3-128 15,-4 7 784-15,-5 0 96 0,-1 0 16 16,-4 2 0-16,-1 4 0 0,-5-2 0 0,1 3 0 0,-3-3 0 0,-3 0-384 0,-4-1-64 15,1-6 0-15,0-5-16 0,2-1-176 0,1-8-48 16,-2-1 0-16,-1-8 0 16,0-4-912-16,-3-11-192 0</inkml:trace>
+  <inkml:trace contextRef="#ctx0" brushRef="#br0" timeOffset="186519.89">23085 5296 1839 0,'-5'-4'160'0,"3"3"-160"0,0-1 0 0,1 0 0 0,1 0 448 0,0 1 64 15,0-1 16-15,0-2 0 0,0-4 224 0,0 3 32 16,-2-8 16-16,-2 8 0 0,1-5 608 0,1 4 112 16,-5 3 16-16,2-1 16 0,0-2-208 0,-2 2-32 15,1 2-16-15,1-1 0 0,0-2-384 0,1-1-80 16,1 3 0-16,0-1-16 0,1 1-192 0,0-1-48 15,0-1 0-15,-3 3 0 0,2 1 272 0,-1 1 48 16,1-2 16-16,1 4 0 0,0-2-208 0,-1 1-64 16,1 6 0-16,0-3 0 0,2 1-176 0,-2 6-32 15,2-3-16-15,-3 10 0 0,1-3-96 0,0 5-32 0,1 2 0 0,-6 1 0 16,3 3 16-16,1 2 0 16,-1 3 0-16,3-1 0 0,1 5-112 0,0-1-32 15,0 3 0-15,0-2 0 0,0 3-160 0,0-1 0 0,0 1 0 16,-4 0 0-16,4-1 0 0,-3 1 0 0,1 1 0 0,-2 1 128 15,1-2 192-15,-1 2 16 16,1-2 16-16,-2-3 0 0,3 0-144 0,0-4-16 0,0-3-16 0,1 4 0 16,1-5-176-16,0 0 0 0,0-3 0 0,0-5 0 15,3-1-272-15,-1-5-48 0,1 0 0 0,1-1 0 16,1-5-1216-16,-1 0-256 0,1-4-64 16,-2-1-10720-16</inkml:trace>
+  <inkml:trace contextRef="#ctx0" brushRef="#br0" timeOffset="187059.11">23165 5265 3679 0,'-10'-9'320'0,"3"4"-320"0,3 1 0 0,2 1 0 16,4 1 3344-16,2 0 608 0,-1-1 112 0,4-1 32 16,-2 1-3792-16,6-4-752 0,-1-2-160 0,2 6-32 31,-5-3-1600-31,0-1-336 0,0 4-64 0,0 1-16 0,0 2 2048 0,2 0 416 0,0 0 192 0,-9 0-192 16,0 0 1984-16,0 0 384 0,0 0 96 0,0 0 16 15,94 0 336-15,-94 0 64 0,0 0 0 0,0 0 16 16,0 0-1296-16,90 11-256 0,-90-11-48 0,0 0-16 15,0 0-832-15,0 0-256 0,61 47 128 0,-55-30-128 0,-3-1 160 16,-3 1-32 0,-2-1-128-16,-1 1 192 0,-6 4 0 0,1 2-16 0,-6-1 0 0,-2-2 0 0,0-1-176 0,-3 0 0 15,-2-2 0-15,-3 2 0 0,1 1 0 0,-7-1 0 16,3 0 128-16,-5-3-128 16,1-1 0-16,1-1 0 0,1-3 0 0,1 1 0 0,-2-3 0 0,4 3 0 0,2-7 0 15,-1 4 0-15,3-4 0 16,-1-2 0-16,2 3 0 0,-2-1 0 0,4 0 0 0,0-1 0 15,7-3 0-15,-4 6 0 0,6-3 0 0,1-1 240 16,4 1-64-16,-2-1-16 0,5 4-32 0,0-2-128 16,4 1 192-16,3 4-64 0,0-3-128 0,2 5 0 15,6-3 0-15,-13-9 0 0,0 0 240 0,0 0 64 0,82 59 16 16,-82-59 0-16,0 0 512 16,108 51 96-16,-108-51 32 0,94 33 0 0,-94-33-416 0,106 24-80 15,-106-24-16-15,106 21 0 0,-106-21-672 0,91 26-144 16,-91-26-16-16,0 0-15456 0</inkml:trace>
+  <inkml:trace contextRef="#ctx0" brushRef="#br0" timeOffset="-154933.87">25610 14017 2751 0,'0'0'256'0,"-2"0"-256"15,2-2 0-15,0 2 0 0,0-3 352 0,0 1 32 0,0-2 0 0,0 1 0 16,0-2-256-16,-3-4-128 0,6 4 128 0,-6-1-128 16,3-1 448-16,0 4 0 0,0 0 16 0,0-3 0 15,0 5 592-15,3-5 112 0,-1 5 32 0,-2-1 0 0,2-2 128 0,1-1 16 16,1 0 16-16,1 1 0 16,0 1 16-16,2-4 0 0,0-2 0 0,0 1 0 15,4-3-224-15,-3 1-32 0,1-1-16 16,0-4 0-16,-1 2-320 0,1-2-64 0,2-1-16 0,-1-3 0 0,-1 3-224 0,-1-5-48 15,5-1-16 1,-1-5 0-16,2 3-80 0,-4-2-16 0,1 0 0 0,4 3 0 16,-2-5 64-16,0 0 16 0,-13 28 0 0,34-61 0 15,-19 28-112-15,3 2-32 0,-6 3 0 0,-12 28 0 0,33-61-16 16,-33 61-16-16,35-64 0 0,-35 64 0 0,36-58-224 0,-18 34 0 0,-4 1 0 16,0 2 0-1,0 6 0-15,0 1 0 0,-4 2 0 0,1 3 0 16,-1 2 0-16,-1 2 0 0,-1 1 0 0,1 4 0 0,0 2 192 0,0 0-16 15,-2 3 0-15,0 2 0 0,1 0 80 16,1 5 0-16,-2-3 16 0,2 5 0 0,-1 3-32 0,-1-1-16 0,0 3 0 0,2 0 0 16,0 2-224-16,-1 0 144 15,-1 5-144-15,4-3 128 16,-2 1-128-16,1 0 0 0,0 6 144 0,1 1-144 0,-2 2 0 16,1 4 144-16,1 3-144 0,-3 2 0 0,3-2 0 0,-1 0 0 15,-1 0 0-15,0-3 0 0,-2-4 0 0,1-5 0 16,1 1 0-16,1-4 0 15,-3-6-1024-15,6-4-192 0,-6-2-64 0,5-6-13184 16</inkml:trace>
+  <inkml:trace contextRef="#ctx0" brushRef="#br0" timeOffset="-154623.08">26114 13512 3679 0,'-13'7'160'0,"8"-4"32"0,0 2-192 0,0-1 0 0,3-2 0 0,0-2 0 16,2 0 944-16,0 1 144 0,-2-1 16 0,-1 0 16 16,1 2-352-16,4-2-64 0,1-2 0 0,-1 2-16 15,0 0-240-15,1 0-64 0,3 0 0 0,1 0 0 16,1-1 848-16,3 1 176 0,-4-2 16 0,5 2 16 15,0-2 352-15,2 0 64 0,4-3 0 0,-3 3 16 16,4-1-480-16,-1 3-112 0,1-4 0 0,2 1-16 16,-21 3-768-16,0 0-160 0,0 0-16 0,91-16-16 31,-91 16-1152-31,0 0-240 0,0 0-32 0,88-15-10704 0</inkml:trace>
+  <inkml:trace contextRef="#ctx0" brushRef="#br0" timeOffset="-154009.02">27161 13407 5519 0,'-5'7'496'0,"-1"-5"-496"0,3 0 0 0,1-2 0 0,2-2 736 0,0 0 48 15,2 0 16-15,-2-3 0 0,2 2 112 0,-1-6 32 16,5-1 0-16,-5 3 0 0,3-4-144 0,1 6-32 16,-1 1 0-16,1 1 0 0,-2-1 512 0,3 4 112 15,-1 0 16-15,0 4 0 0,2-2 128 0,-2 1 48 16,4 1 0-16,0-3 0 0,1 3-368 0,6 1-80 15,-2-1-16-15,1-3 0 0,5 1-768 0,-1 0-160 16,5 0-16-16,-3-2-16 0,2 0-160 0,1 0 0 16,4 0 0-16,-7-2 0 15,2 0-1280-15,-4 0-144 0,-2 2-32 0,-3 0-10320 0</inkml:trace>
+  <inkml:trace contextRef="#ctx0" brushRef="#br0" timeOffset="-153772.95">27274 13527 20271 0,'-5'11'896'0,"3"-4"192"0,-1-2-880 0,3-2-208 0,0-1 0 0,3 0 0 16,-1 0 960-16,0 3 128 0,3 0 48 0,2-1 0 15,3-1-512-15,4 4-112 0,-3-5 0 0,3 0-16 16,1-1-336-16,3 1-160 0,1-4 160 0,4 1-160 15,-3 1-192-15,3-2-128 0,-23 2-16 0,0 0-16 16,0 0-1408-16,108-12-288 0,-108 12-48 0,0 0-6976 16</inkml:trace>
+  <inkml:trace contextRef="#ctx0" brushRef="#br0" timeOffset="-153055.47">28557 13642 1839 0,'-2'14'160'0,"-2"-7"-160"0,3 0 0 0,1-2 0 15,0-3 2016-15,0 0 368 16,0-2 80-16,0 3 16 0,0 1-1120 0,0-2-208 0,-4 5-64 0,1-4 0 16,1 1-448-16,-1-1-112 0,-1-3-16 0,2 0 0 15,-3 0 208-15,3 0 48 0,1-2 0 0,-1-1 0 0,2-2 192 0,2-2 64 16,1 1 0-16,2-6 0 15,2 2-336-15,0-4-64 0,2-4-16 0,5-3 0 16,-4 1-160-16,4-5-48 0,2-3 0 0,1 0 0 0,-4-3-32 16,2-2-16-16,1 0 0 0,0 0 0 15,1-2-64-15,0 0-16 0,-3 0 0 0,2 0 0 0,0 8 192 16,-1-3 48-16,-1 7 0 0,0 2 0 0,0 6-176 0,-3 1-16 16,-1 3-16-16,-1 1 0 15,0 5-176-15,-1-1-128 0,-2 1 144 0,2 2-144 16,-1 1 0-16,0 2 128 0,4 2-128 0,-6 0 0 0,4 3 192 0,-1 0-16 0,-1 0 0 15,0 6 0 1,2-1 192-16,-4 6 32 0,0-1 16 0,1 3 0 0,-3 3-144 0,1 1-16 0,1 3-16 0,-3 4 0 16,1-2-64-16,1 4-16 15,-1-2 0-15,4-1 0 0,-3 2-160 0,-1-2 128 0,2 3-128 0,4-3 128 16,-6 3-128-16,3-1 0 0,-1-4 0 0,0 0 0 16,-1 4 0-16,-3-7 0 0,3-1 0 0,-2-1 0 31,-1-2-512-31,1-3-64 0,2 0-32 0,-4-1 0 15,0-6-1456-15,0 1-304 0,0-6-48 0,0-2-10128 0</inkml:trace>
+  <inkml:trace contextRef="#ctx0" brushRef="#br0" timeOffset="-152794.72">28808 13416 2751 0,'-9'-7'256'0,"4"2"-256"15,-2 1 0-15,5 1 0 0,2 1 1232 0,0 0 208 16,0-1 32-16,0-1 16 0,0 1 448 0,0-4 96 16,2 0 16-16,1 3 0 0,2-1-1200 0,-3 3-224 15,3 4-48-15,-1-2-16 0,3 4 352 0,-4-3 80 16,4 5 16-16,2 1 0 0,-2-2 544 0,5-3 112 0,-1-1 32 0,1-1 0 16,4-1-592-16,-3 1-112 0,5-4-32 0,-1-1 0 15,2-2-768-15,1 2-192 0,-3-1 0 0,1-2 0 31,1 4-960-31,2-1-224 0,-2 0-48 0,0-2-16 16,2 2-1024-16,-4-1-208 0</inkml:trace>
+  <inkml:trace contextRef="#ctx0" brushRef="#br0" timeOffset="-152541.95">29729 12989 3503 0,'-1'2'0'0,"1"1"144"0,0 1-144 0,0-2 192 0,1-1-192 0,-1 3 0 16,0-1 0-16,0 9 0 0,0-1 1088 0,0 5 192 16,0 1 16-16,0 2 16 0,-1-1 16 0,1 1 0 15,0 0 0-15,-2 5 0 0,0 4 304 0,0 2 64 16,1 6 16-16,-1 3 0 0,0 1-576 0,-1-2-112 0,-1 2-32 0,1-3 0 15,1-6-688-15,2 0-144 0,4-4-32 0,-3-1-6944 16,6-11-1392-16</inkml:trace>
+  <inkml:trace contextRef="#ctx0" brushRef="#br0" timeOffset="-152289.91">29485 13357 16575 0,'-10'8'736'0,"8"-4"160"0,-1 1-720 0,1-1-176 0,4-3 0 0,-2 1 0 0,3 0 1024 0,1 0 192 15,3 6 16-15,3-1 16 0,6 0-576 0,-2 4-112 16,3-6-32-16,6 0 0 0,0 2-96 0,-3-5-32 16,8-2 0-16,-28 0 0 0,0 0-112 0,98-9-32 15,-98 9 0-15,0 0 0 0,103-19-256 0,-103 19 160 16,0 0-160-16,96-16 128 15,-96 16-1136-15,0 0-224 0,0 0-48 0,108-22-8800 0</inkml:trace>
+  <inkml:trace contextRef="#ctx0" brushRef="#br0" timeOffset="-152068.9">30383 13101 13823 0,'-4'1'1216'0,"4"1"-960"0,0 0-256 0,0-2 0 16,2 2 1584-16,-2 1 272 0,0 2 48 0,-2 2 16 16,1 9-320-16,1 0-48 0,-4 3-16 0,1 3 0 15,-1-1 32-15,2 4 0 0,-1-1 0 0,1-1 0 16,2-1-288-16,0 3-64 0,0-1-16 0,2 1 0 0,1 4-768 0,-1-1-160 16,0 7-16-16,-2-2-16 0,0 0-240 0,0-3 128 15,0 1-128-15,2-5 0 0,-1-5 0 0,5-5-256 16,-3-4 16-16,11-14-16096 15</inkml:trace>
+  <inkml:trace contextRef="#ctx0" brushRef="#br0" timeOffset="-147408.27">28449 13066 2751 0,'0'0'256'0,"0"0"-256"0,0 2 0 0,-2-2 0 15,2 1 800-15,-2-1 112 0,0 4 32 0,1-1 0 16,-5 2 384-16,1-1 80 15,0 5 0-15,0-2 16 0,-2-2-464 0,2 2-112 0,-1-2-16 0,3-1 0 0,-4 1-128 0,2 2-16 16,1-2-16-16,1 0 0 16,1 2 32-16,-5-2 16 0,3 1 0 0,1 2 0 15,0-1-256-15,1-2-48 0,-3 6-16 0,-1-4 0 16,3 7-208-16,-1-2-32 0,-1 5-16 0,2 3 0 0,-1 0 192 0,2 3 48 16,1 0 0-16,1 6 0 0,-2 1 288 0,4 5 64 15,-1 3 16-15,3 2 0 0,-1 4-368 0,4-4-80 16,-1 5-16-16,1 4 0 0,1 0-288 0,3 3 0 15,1 0 0-15,4 0 0 32,5-5-448-32,3 0-64 0,4-5 0 0,5-3-10640 0</inkml:trace>
+  <inkml:trace contextRef="#ctx0" brushRef="#br0" timeOffset="-146712.89">30608 12899 7359 0,'1'1'656'0,"-1"3"-528"15,2-2-128-15,-2-1 0 0,2 1 1136 0,0 2 192 16,1-3 32-16,2 8 16 0,2 1 160 0,4 1 48 16,-1-1 0-16,4 2 0 0,0-5-512 0,0 6-112 15,4-6 0-15,-1 5-16 0,4-3-512 0,3 4-112 16,-3 5 0-16,5 3-16 0,4 5-112 0,-2 0 0 0,1 5-16 0,-1-1 0 15,0 5 256-15,-10 0 48 0,-6-1 16 0,-3 1 0 16,-4-2-112-16,-5 4-32 0,-4 1 0 0,-3-5 0 16,-3 2 32-16,-2-3 16 0,-4-5 0 0,0 5 0 15,-3-4-112-15,-7 5-32 16,-2 0 0-16,-5-2 0 0,-2 2-256 0,-1 4-144 0,-5-2 16 0,0 0 0 16,2-2-768-1,1-4-160-15,5 3-32 0,1-8-6592 0,8-5-1312 0</inkml:trace>
+  <inkml:trace contextRef="#ctx0" brushRef="#br0" timeOffset="-145908.1">31451 13069 10127 0,'-9'5'896'0,"4"-1"-704"16,3-2-192-16,1-2 0 0,1 0 624 0,0 1 80 0,-6 1 32 0,1 2 0 16,-3 4-560-16,-1-2-176 0,2-1 0 0,0 2 0 15,2 0-176-15,-1-4-144 0,3 6-16 0,1-2-16 16,2-2 544-16,2 6 96 0,-2-6 32 0,2 7 0 15,5-5 352-15,1 3 80 0,-1-3 16 0,6 2 0 16,-1 0-368-16,2-6-64 0,3 8-16 0,-1-6 0 16,3-3-320-16,0-2 0 0,0-4 0 0,-3-1 0 15,1-5 0-15,-8 3 0 0,3-4 0 16,-5 2 0-16,4-3 0 0,-6 4 0 0,2-5 0 0,0-1 0 0,-4 4 0 16,-1 0 0-16,0-4 0 0,-2 3-128 15,-2-3 128-15,-3 5 0 0,-2-1 0 0,-2 0 128 16,1 1-128-16,-3 0 0 0,-1 2 0 0,-2 2 0 15,0 1 0-15,-2 3 128 0,-1 1-128 0,-1 1 0 0,1 3 0 0,0-1-160 16,1 6 16-16,4-4-4752 16,0 1-944-16</inkml:trace>
+  <inkml:trace contextRef="#ctx0" brushRef="#br0" timeOffset="-145524.58">31941 12956 2751 0,'-11'17'128'0,"4"-3"16"0,0-1-144 0,2-5 0 15,2-2 0-15,-1 0 0 0,1 1 832 0,-6 7 128 16,-5 9 16-16,-5 7 16 16,-4 3-192-16,1 3-32 0,-1 1-16 0,-1-1 0 0,-1 1 144 0,1 3 16 15,3-2 16-15,-5 4 0 0,1 0 560 0,1 2 112 16,-4-3 32-16,2 3 0 0,0-2-16 0,0 0 0 16,-1-1 0-16,-2 5 0 0,4-3-528 0,-1-1-96 15,2-2-32-15,3-5 0 0,0 0-544 0,4-4-112 16,3-5-32-16,0-3 0 31,5-1-576-31,4-6-112 0,-2-2-32 0,3-4 0 16,1-1-1392-16,3-5-272 0,-2-3-64 0,4-1-16 0,-2 0-288 0,2-3-48 0</inkml:trace>
+  <inkml:trace contextRef="#ctx0" brushRef="#br0" timeOffset="-145144.1">31927 13651 5119 0,'-9'9'0'0,"2"-6"224"0,2 1-64 0,3-3-16 0,-3 1-144 0,3-2 0 15,-1 2 0-15,-2 1 0 0,-6 3 480 0,1-1 64 16,-8 5 16-16,1 1 0 0,1 4-240 0,0-1-64 15,1 2 0-15,3 1 0 0,-4-1 912 0,2 2 176 0,5-1 48 0,-1-1 0 16,1 3 272-16,0-4 64 0,2 5 16 0,4-5 0 16,-4 3-688-16,3-1-144 0,3-3-16 0,1 0-16 15,3 0-624-15,1-5-128 0,1-1-128 0,0-1 176 16,6-5-176-16,1 2-176 0,0-1 48 0,4-6 0 0,-6 1-96 0,2-2-16 16,-1-4 0-16,1-3 0 0,0 1 240 0,-3-4 0 15,1 0 0-15,-1-4-144 0,1 3 416 0,-1-3 96 16,2 4 16-16,-6-3 0 0,4 0 288 0,-4-1 64 15,2 1 16-15,-4 1 0 16,-1 2-256-16,-2 4-48 0,0-3-16 0,-2 5 0 16,-1-3-432-16,-1 6 0 0,1-5 0 0,-6 3-12032 0</inkml:trace>
+  <inkml:trace contextRef="#ctx0" brushRef="#br0" timeOffset="-141696.17">32791 13010 7359 0,'0'4'656'0,"0"-4"-528"0,0 0-128 0,0 0 0 15,0 0 704-15,0-2 96 0,0 2 32 0,-2 0 0 0,-3 0-352 0,2-2-64 16,-3 2-16-16,3-2 0 0,-6 2 304 0,2-1 48 16,2 1 16-16,-5-2 0 0,3 0 432 0,-4-1 80 0,2-3 32 0,1 3 0 15,-1 1 16-15,0-3 0 0,1 0 0 0,-1-4 0 16,0 5-800-16,1-2-144 15,-3-3-48-15,2 5 0 16,-1 1-336-16,-1 1 0 0,1 4 0 0,-6 1 0 16,1 1 0-16,-1 6 0 0,0-1 0 0,2 1 0 15,-3 1 0-15,-1 3-128 0,5 0 128 0,-1-2-128 16,1 5 128-16,3 1-192 0,1-1 192 0,0 2-192 16,4 2 192-16,0 0-192 0,5 4 192 0,-3-1-192 15,3-1 48-15,3 4 0 0,1 0 0 0,1-7 0 0,3 3 144 16,-1 0 0-16,7-4 0 0,0 0-128 0,4-3 128 0,3 1 0 15,1-1 0-15,-3 0 0 0,1-3 128 0,-1-2-128 16,0 3 160-16,-5 0-160 0,-2-2 0 0,-1 4 0 16,-8 1 0-16,1 2 0 0,-3-1 0 0,1 1 128 15,-4 2-128-15,-1 5 0 0,1-4 176 0,-1 1-16 16,-4-2 0-16,0 0 0 0,1-2 32 0,-4 0 0 16,-2 2 0-16,-2-2 0 15,-5-3-528-15,-1 0-112 0,-4-6 0 0,1-3-16 16,1-3-240-16,-1-3-32 0,2-1-16 0,2-3 0 0,2 1 1248 0,3-7 240 0,1-3 48 0,5-2 16 15,4-5 64-15,-1-2 16 0,9-1 0 0,-3-8 0 16,4 2-384-16,2-3-80 16,4-2-16-16,-1 1 0 0,4-1-224 0,2-2-48 0,1 2-128 0,3 0 192 15,1 2-192-15,1-6 144 0,-22 37-144 0,58-75 128 16,-58 75 0-16,54-68 0 0,-54 68 0 0,69-80 0 16,-69 80-128-16,86-83 0 0,-86 83 0 0,99-86 128 15,-99 86-128-15,96-83 0 0,-96 83 0 0,85-77-8816 16,-85 77-1712-16</inkml:trace>
+  <inkml:trace contextRef="#ctx0" brushRef="#br0" timeOffset="-140788.1">30981 15060 10127 0,'-7'4'896'0,"3"-3"-704"16,1 3-192-16,1-4 0 0,0 0 560 0,2 0 80 0,0 0 0 0,-2 0 16 15,-1 0 496-15,1 0 80 16,0 2 32-16,1-2 0 0,2 1-240 0,3-1-64 16,1 0 0-16,6-3 0 0,-1-4 16 0,2 2 0 0,6-6 0 0,-1 1 0 0,8-4-432 0,-3-4-96 15,3 1 0-15,-25 17-16 16,0 0-432-16,0 0 0 0,92-75 0 0,-71 54 0 31,0 2-448-31,-2-4-32 0,0-1 0 0,-1 0 0 0,-1 1-608 0,-1 2-112 0,1 2-16 0,-1 0-16 0,1 1 800 16,-3 1 176-16,0 1 16 0,2 4 16 15,-1 0 224-15,1 0 0 0,-2 3 0 0,2 0 0 16,-2 6 0-16,0 1 0 0,-2 2 0 0,2 0 0 0,-2 2 0 0,0 5 0 0,-1 1 0 16,-1 1 0-16,1 2 192 0,1-1-64 15,-4 2 0-15,3 2-128 16,-1-2 880-16,3-1 64 0,0 4 16 0,1-2 0 16,4-3 208-16,-1 4 48 0,2-2 16 0,2-3 0 15,0 1-624-15,4-1-128 0,-6-4-32 0,3 2 0 16,3-2-288-16,-4-3-160 0,-4 2 160 0,-1 1-160 0,-2-2-208 0,0-1-144 0,-7 2-32 0,1-1 0 15,-2 2-1520-15,-5-1-304 16,-1 1-64-16,-1-3-7632 0</inkml:trace>
+  <inkml:trace contextRef="#ctx0" brushRef="#br0" timeOffset="-140474.99">31477 14790 3679 0,'2'-3'160'0,"0"-3"32"0,-1 3-192 0,1 1 0 0,0 2 0 0,-2 0 0 16,3 2 128-16,-1-2 0 0,2 2-128 0,-1 5 192 15,1 0-32-15,-3 1-16 0,1 6 0 0,-2 2 0 16,0 1 624-16,0 1 112 0,0 3 16 0,0 0 16 15,4-1 976-15,-4 3 192 0,0 8 32 0,1-1 16 16,5 1-144-16,-5 4-48 0,3 4 0 0,-4-3 0 16,0 6-688-16,-2 0-144 0,-1 1-16 0,-1-1-16 15,1-2-640-15,-6 2-128 0,0-2-32 0,2-7 0 16,-1 2-400-16,-1-4-96 0,0-3-16 0,2 2 0 16,-2-6-1136-16,4-1-224 0,2-1-64 0,1-8-8448 0</inkml:trace>
+  <inkml:trace contextRef="#ctx0" brushRef="#br0" timeOffset="-139035.58">30946 16345 9215 0,'-7'7'816'0,"2"-3"-656"0,1-1-160 0,1-3 0 16,1 0 1136-16,2 0 192 0,0 2 32 0,0 0 16 15,-5 0 80-15,1 3 16 0,1-3 0 0,1 1 0 16,2-1-960-16,0 1-192 0,0 4-48 0,0-2 0 15,0 1-64-15,0 2-16 0,2 1 0 0,-2 3 0 16,0-1 384-16,1 4 64 0,-1 1 0 0,2 0 16 0,0 3 160 0,3 0 16 16,-3 4 16-16,-2-1 0 0,0 5-336 0,0-5-64 15,0 3 0-15,0-3-16 0,-5 3-432 0,-1-6 0 16,1 2 0-16,0-6 0 0,-4-1 0 16,2 2-256-16,0-6 48 0,2-3 0 15,2-1-368-15,-1-5-80 0,4 3-16 0,0-4 0 16,0-5 96-16,2-1 0 0,3-1 16 0,0-5 0 15,4-3-144-15,-2-1-16 0,2-3-16 0,-1 0 0 0,3-2 400 16,-4 0 80-16,5 0 0 0,-5-2 16 0,5 1 96 0,-3-5 16 16,1 3 0-16,1-6 0 0,-1 4 128 0,1-3 224 0,1 4-48 15,0 4-16-15,2-1 384 0,-2 3 80 16,2 3 16-16,-2 2 0 0,1 7-416 0,-3-2-80 0,2 8-16 0,-1 1 0 16,-1 5-128-16,2 0 160 0,1 0-160 15,-5 6 160-15,3-1 208 0,-1 4 32 16,-3 0 16-16,2-2 0 0,1 6 96 0,1 1 0 0,1-2 16 0,-2 1 0 15,1-1-256-15,1-5-48 0,-3-1-16 0,3-3 0 16,0-1-208-16,0-5 128 0,2 0-128 0,2-4 0 16,-7 0 0-16,3-1 0 0,-3-6 0 0,-1 2 0 15,-4 0 0-15,1-3 0 0,-1 3 0 0,1-5 0 16,-3 1 0-16,-2 1 0 0,0-4 0 0,0 5 0 16,-2-1 0-16,-3 1 0 0,1-3 0 0,-3 3 144 15,-2-1-144-15,1 4 0 0,-5-2 0 0,3 4 0 16,-4 2 0-16,0 2-144 0,4 6 144 0,-3 1 0 0,5 0 0 15,-3 5 0-15,3 0 0 0,1 2 0 0,0 2 0 0,1-1 0 16,5 3 0-16,-3-1 0 0,2 0 272 0,1-1 16 16,1 5 0-16,1-2 0 0,1 0 32 0,2 1 16 15,3-5 0-15,-4 3 0 0,4-4-176 0,2-1-32 16,1-4-128-16,2 0 192 0,4-4-192 0,2-3 0 16,-1-2 0-16,-3 0 0 15,3-4-560-15,-3 1-48 0,2-6-16 0,0 4 0 16,-2-7-528-16,0 3-96 0,-2-3-32 0,3 0 0 15,-4-2 368-15,1-2 64 0,4-1 16 0,-6 1 0 0,1-1 496 0,1-1 96 0,0-1 32 0,0 3 0 16,-1 1 208-16,1-1-192 0,0 0 192 16,-5 1-192-16,2 2-48 0,0 3 0 0,-2 1 0 0,-1 1 0 15,0 8 240-15,-3-2-176 0,-1 4 176 0,1 3-160 16,-1 5 160-16,3-1 128 16,-5 5-128-16,0 2 176 0,0-1 592 0,0 3 112 15,-1 1 16-15,-3 2 16 0,1 1-144 0,-1-1-16 0,-1 7-16 0,1-4 0 16,-2 1-368-16,-1 3-80 0,1-2-16 0,-2-2 0 15,1 2-272-15,3-5 0 0,-3-3 0 0,0-4 0 16,4-4-144-16,-6 1-144 0,6-3-32 0,-3-4 0 16,6-3 128-16,-1-1 0 0,-3-1 16 0,8-3 0 15,-3-3-304-15,1-5-64 0,5-2-16 16,2 0 0-16,-4-5 0 0,4-5 0 0,-1 1 0 16,3-1 0-16,-1-1 368 0,2-1 64 0,-3 3 128 0,3-3-208 15,-1 0 208-15,-1 2-144 0,1 1 144 0,-3-3-128 0,1 3 128 16,-2 1 0-16,0 1 0 0,-2 2 128 15,2 3 208-15,-1 0 48 0,-1 9 16 0,2 0 0 0,-5 4 64 0,-1 5 16 16,3 5 0-16,-4 0 0 0,1 5 64 0,-1 0 16 16,2 5 0-16,-2 1 0 0,0 1 320 0,-2 0 64 15,2 7 16-15,0-1 0 0,-1-1-432 0,1 4-80 0,0 0 0 0,0 0-16 16,1 0-304-16,1 1-128 0,2-3 0 16,1-5 128-16,-3 0-352 0,3-5-80 0,-2-2-16 0,1-6 0 31,1 1-704-31,-1-4-128 0,-1-1-48 0,-1-2 0 15,0-2 160-15,-1-2 16 0,1 0 16 0,2-5 0 16,-3-2 384-16,3 1 80 0,-3-4 16 0,3-4 0 0,-1 2 224 0,3-5 48 16,-5 0 16-16,1-6 0 0,2 3 80 0,-3-3 16 0,3-1 0 0,-2 2 0 15,5-4 144-15,-6-2 0 0,6-3-144 0,2 3 144 16,-4 1 0-16,4 3 0 16,0 3 0-16,-1-1 128 0,3 3 128 0,-1 2 0 0,1 8 16 0,-3 2 0 0,3 4-272 0,-2 5 0 15,-1 4 128-15,-1 1-128 0,2 5 496 16,-4 4 32-16,2-1 16 0,-2 4 0 15,2 2 128-15,0 4 32 0,0 3 0 16,0-2 0 0,2 6-1024-16,-4-2-208 0,1 3-48 0,2-1-8592 0</inkml:trace>
+  <inkml:trace contextRef="#ctx0" brushRef="#br0" timeOffset="-138057.45">32272 16452 4607 0,'-9'-2'400'0,"0"2"-400"0,6 0 0 0,-1 0 0 31,3 2 1728-31,-1-2 256 0,-10 1 48 0,-4 3 16 0,-1 6-752 0,-4 1-144 0,2 3-16 0,1 5-16 32,3 4-896-32,1 1-224 0,0 0 0 0,1 1 0 0,3 3 0 0,1-2 0 15,2-2 0-15,4 2 0 0,1-5 144 0,-1-2 48 0,6-1 0 0,-1-4 0 16,1-2 48-16,3-2 16 0,2-3 0 0,-1-5 0 15,2 0-256-15,0-2-160 16,1-2 32-16,2 0 0 16,-1-5-496-16,-1-3-80 0,1 3-32 0,1-7 0 0,-2 0-16 0,2 0 0 0,-3-2 0 0,2-1 0 0,-1-2 304 0,-1 0 48 15,0 1 16-15,1-1 0 16,-5 0 384-16,2 0-128 0,0 1 128 0,-3-1 0 16,-1 2 0-16,1-1 128 0,-3 3 0 0,1 2 0 0,2 5 304 15,-4 1 64-15,0 0 16 0,-4 5 0 0,4 2-112 0,-2 5-16 16,1 1 0-16,1-1 0 0,-2 3 112 0,0 1 16 15,0 2 0-15,2-1 0 16,-1 7-80-16,1-1-16 0,0 2 0 0,1 1 0 0,-1 2-224 0,2 0-32 31,0 3-16-31,1 4 0 0,4-4 32 0,-3-1 0 0,1-1 0 0,0-6 0 16,4-2-176-16,0-3 0 0,-1-5 0 0,6-4 0 16,-3 0-128-16,1-4-128 0,0-1 0 0,0-4-16 31,-1-2-736-31,-4-1-144 0,2-3-16 0,-2-2-16 15,-1-4 528-15,3 1 96 0,-4-1 32 0,2-4 0 0,0-1 528 0,0 0 128 0,0 1 0 0,-1 2 16 16,1-3 272-16,-4 1 48 0,4 0 16 0,-5 3 0 16,-1 0 16-16,1 1 0 0,-2 7 0 0,0-2 0 15,0 2 144-15,0 7 48 0,0 1 0 0,0 2 0 16,0 6-256-16,-2 3-48 0,1 5-16 0,-1 2 0 0,-3 5-128 0,3 0-32 16,-1 4 0-16,-1 1 0 0,1 6 304 0,3-2 64 15,-2 1 16-15,2-1 0 0,0 4-16 0,2-6 0 16,-1 2 0-16,5-4 0 0,-1-5-416 0,2-3-160 15,3-6 0-15,1 2 144 16,-1-8-768-16,4-1-144 0,0 3-48 0,2-8 0 16,-4-2-976-16,0-1-192 0,2 0-32 0,-5-4-16 15,1 1 592-15,1-6 112 0,-1 1 32 0,-1-4 0 0,-1 0 912 0,-1-4 192 16,4-2 48-16,-2 2 0 0,1-1 432 0,-3 1 96 16,3 0 0-16,-4-4 16 0,2 3 176 0,-1 1 48 15,2 2 0-15,-2 3 0 0,-2 2 16 0,1 2 0 0,-1 3 0 0,0 2 0 16,-3 5-144-16,1 2-32 0,-1 2 0 0,1 7 0 15,-1 0 288-15,-2 3 48 0,0 0 16 0,0 2 0 16,0 3 208-16,-2 2 32 0,1 2 16 0,-1 0 0 16,2 0-448-16,-2 4-96 0,0-3-16 0,2 1 0 15,0-4-352-15,0 4-160 0,0-1 128 0,0-1-128 16,2-3 0-16,0-6 0 0,0 0 0 0,-1-7 0 16,1-1-608-16,3-3-208 15,-3-2-32-15,3-3-16 0,1 1-416 0,-3-4-64 0,2-2-32 0,-1-5 0 16,1 4 816-16,-1-6 176 0,1-1 16 0,0-4 16 15,0-2 496-15,-1 0 112 0,1-3 0 0,-2 4 16 0,1-1 240 16,-1 0 32-16,1-3 16 0,1 2 0 0,-1 1 176 0,1-3 32 16,4 3 16-16,-6 4 0 15,2 0-96-15,2 2-32 0,-2 6 0 0,-1 3 0 0,1 4-208 0,0 2-64 16,1 8 0-16,-1-3 0 0,0 7 64 0,2-1 16 16,-3 5 0-16,1 0 0 0,3 3 192 0,-4 1 48 15,3 3 0-15,2 0 0 0,-4 0-528 0,4-1-176 16,-2 3 0-16,3 2 144 15,0-3-1872-15,3 1-368 0,-1-2-80 0,0-2-8960 0</inkml:trace>
+  <inkml:trace contextRef="#ctx0" brushRef="#br0" timeOffset="-137439.95">33133 16659 911 0,'-9'-14'0'0,"2"5"0"0,2-3 0 0,-2 7 0 15,3 0 2128-15,1-1 352 0,-1 3 64 0,-3-7 16 16,-5-4-48-16,-2-2 0 0,-3-2 0 0,-1 10 0 15,4-1-880-15,1 9-176 0,0 7-48 0,5 0 0 16,-5 7-448-16,6 0-80 0,-1 3-32 0,3 2 0 16,1 4-400-16,2-2-96 0,2 0-16 0,2 0 0 15,2-2-64-15,1-2-16 0,5-1 0 0,-1-5 0 16,3-1-400-16,0-3-96 0,4-4-16 0,0-3 0 16,-1 0-1024-16,1-3-192 0,1-2-64 0,-4-6 0 15,-1 3-256-15,0-6-64 0,-5-4-16 0,0-1 0 16,-2-2 704-16,2-3 144 15,-2-4 16-15,1 2 16 0,-5-2 512 0,1 2 96 0,0-4 32 0,0 2 0 0,-2-3 160 16,-2 3 48-16,2-3 0 0,-2-4 0 16,2 4 832-16,-2-4 160 0,2-2 48 0,0-1 0 0,0-1 448 0,0 6 112 15,0 4 16-15,2 6 0 0,-2 7-576 0,0 11-128 16,0 7 0-16,-2 8-16 0,2 6-240 0,-5 7-32 16,2 5-16-16,-1 6 0 0,-1 3 688 15,3 1 128-15,-1 9 16 0,3-1 16 16,3-1-608-16,-3 5-112 0,4 4-16 0,1-3-16 0,0-4-400 0,0 2-160 0,-1-4 128 0,1-3-128 15,0 0 0-15,1-11 0 16,1 4 0-16,0-7 0 0,1-6-384 0,-1-4-16 16,2-3 0-16,-2-4 0 0,3-1 112 0,-4-3 32 15,1-5 0-15,0-2 0 16,1 0-560-16,-3-5-96 0,2-4-32 0,0 2 0 0,-1-5 352 16,1 0 64-16,0-4 16 0,1-3 0 0,-4 1 512 0,3-4 0 0,1-3 192 0,-4 1-48 15,3-2 48-15,-4-2 16 0,3 2 0 16,-6-2 0-16,0 4-208 0,0 3 0 0,-6-2 0 0,3 2 0 15,-1 2 0-15,-1 3 0 0,0 4 0 0,-2 5 144 16,2 2 256-16,1 2 48 0,-3 8 16 0,2 0 0 16,2 4 560-16,1 5 96 0,0 3 32 0,2 4 0 0,0 2-576 0,0 3-128 15,2-4 0-15,-2 1-16 0,3 7-176 0,3-1-16 16,-1 3-16-16,2-5 0 0,-2 0-224 16,2-3 0-16,2-1 0 0,1-2 0 0,1-1 0 0,1-4 0 31,2-2-144-31,1 0 144 0,3-7-1408 0,1 2-176 0,7-2-32 0,-5-6-11056 0</inkml:trace>
+  <inkml:trace contextRef="#ctx0" brushRef="#br0" timeOffset="-137078.34">33497 16596 15663 0,'-7'-7'688'0,"3"4"144"0,-1 1-656 0,3 0-176 0,2 2 0 0,0 2 0 16,0-2 1200-16,-1 2 208 0,-1 1 32 0,0 6 16 15,1 1-240-15,-1 6-32 16,2 2-16-16,-2 1 0 0,2 0 176 0,2 4 48 0,-2 3 0 0,2-2 0 16,1-1-384-16,0 3-80 0,-1-4-16 0,0-2 0 15,-2-3-704-15,-2-1-208 0,-1-6 0 0,-4 4 128 32,0-5-1040-32,-2 1-208 0,-1-3-32 0,1 2-16 15,0-4 512-15,1-3 96 0,1-2 32 0,-2-2 0 0,2-3 528 0,0-6-128 0,2 1 128 0,1-6 0 0,1-1 0 0,3-6 0 16,1-3 0-1,1 0 0-15,2-4 0 0,4 3 0 0,-1-7 0 0,6 0 0 0,-3 2 432 0,4-3-16 16,2 4 0 0,-16 31 0-16,0 0 352 0,57-90 80 0,-57 90 16 15,0 0 0-15,0 0-448 0,86-86-96 0,-69 69 0 0,0 1-16 0,-1 0-176 0,0-1-128 16,-1 7 144-16,-4-1-144 31,3-3-496-31,-2 5-192 0,-2-3-32 0,1 2-8768 0,-1-2-1760 0</inkml:trace>
+  <inkml:trace contextRef="#ctx0" brushRef="#br0" timeOffset="-107160.02">28961 14919 4287 0,'12'-12'0'15,"-3"1"0"1,-7 8 0-16,-2 1 0 0,0 2 0 0,1 0 0 16,5-7 0-16,4-3 0 0,1 1 0 0,-1-3 0 15,0 7 0-15,-1-1 0 0,0 1 0 0,0 3 0 16,-2 1 0-16,-1 1 0 0,3-2 0 0,2 0 0 15,-1-1 0-15,-1-3 0 0,3 3 0 0,-2-1 0 0,-1 1 0 0,2-2 0 16,-3 0 0-16,3 1 0 0,-4 1 240 0,0-1 64 0,0 1 16 0,-2-1 0 16,0 1 560-16,0 1 112 0,-1 2 32 0,-2 0 32 15,1 0 144-15,-3 0 16 0,2 0 16 0,-4 0 48 16,2 0-208-16,-2 0-48 0,1 0 0 0,-1 2 0 16,0-1-192-16,2-1-64 15,0 2 0-15,0 2 48 0,2-3-16 0,0-1 0 0,1 2 0 0,-1 0 0 16,1-2-112-16,3 0-32 0,-5 2 0 0,1-1 48 15,0 1 48-15,0 0 16 0,-2 1 0 0,0 1 32 16,0-1 48-16,-2 1 16 0,2-1 0 0,-2-3 0 0,0 4-128 0,2-3-32 16,-5 5 0-16,5-5 48 0,-2 3-320 0,2-2-64 15,-1 1-16-15,-1 2 32 0,0 1-112 0,0-1-16 16,2-2-16-16,-1 6 0 0,-1-2-64 0,2 2-16 16,-2 1 0-16,2 1 0 0,-2-3 0 0,-1 4 0 15,-1 2 0-15,1-1 0 0,-1 4 16 0,1-3 0 16,1 2 0-16,-3-2 0 0,3 1-32 0,1 1 0 15,1 0 0-15,0-4 0 0,0-2-144 0,1 2 192 16,-1-3-192-16,2 3 192 0,0-3-192 0,1 0 0 16,-1-2 0-16,-2 0 0 0,2 0 0 0,-1-4 0 15,1 1 0-15,2-3 0 0,-1 3 0 0,2-2 0 0,1-2 0 0,1-2 0 16,1 2-144-16,-1 0 144 0,5 0 0 0,-3-4 0 16,0 8 0-16,3-2-128 0,0-1 128 0,2 3 0 15,0-1 0-15,-2 2 0 0,1 2 0 0,-1 0 0 16,0 2 0-16,-2 0 0 15,-3 3 0-15,0-3 0 0,0 5 0 0,-3 1 0 0,-2 1 0 0,-1 0 0 16,-2 3 0-16,-1 4 0 16,-2-3 0-16,-4 3 0 0,-1 0 192 0,-3 5 64 0,0 1 0 0,-2 1 0 15,-4-2 96-15,-3 3 32 0,2 0 0 0,-4-1 0 16,8-4-176-16,-8 0-16 0,0-1-16 0,1-3 0 0,-1-1-176 0,2-7 128 16,-3-2-128-16,5-7 128 0,3-1-128 0,-1-6 0 15,3-1 0-15,1-4 0 16,3-5-736-16,1 1-128 0,2-5-32 0,2-1 0 15,-2 0-2048-15,4-1-432 0,-1 3-80 0,4-5 0 16,0 3-176-16,0-4-16 0</inkml:trace>
+  <inkml:trace contextRef="#ctx0" brushRef="#br0" timeOffset="-106815.18">29219 14881 5519 0,'0'1'496'0,"0"1"-496"0,2-2 0 0,-1 0 0 0,1 0 1968 0,2-2 288 16,-3 2 64-16,3-1 16 0,3-5-144 0,1 3-16 16,1-1-16-16,0-1 0 0,1-3-800 0,1 4-144 15,-1-3-48-15,2 0 0 0,2 2-192 0,0 0-32 16,2-2-16-16,1 3 0 0,6-3-128 0,2-1-32 16,1 2 0-16,3-2 0 0,-29 8-160 0,0 0-32 15,107-32-16-15,-107 32 0 0,0 0-432 0,120-38-128 16,-120 38 0-16,0 0 0 15,124-58-832-15,-124 58-288 0</inkml:trace>
+  <inkml:trace contextRef="#ctx0" brushRef="#br0" timeOffset="-24067.98">21302 15577 7359 0,'-3'4'656'0,"1"-2"-528"0,2-2-128 0,0 0 0 0,0 0 640 0,2 0 112 0,-2-4 16 0,3 2 0 16,1-1 240-16,3-1 48 0,-4 3 16 0,1-3 0 16,1 1-608-16,0 1-112 0,-3 0-32 0,1-1 0 15,-3 3 336-15,2 5 64 0,-2-2 16 0,-2 3 0 32,1-1 480-32,-1 4 112 0,-5-1 16 0,2 6 0 0,0-2 0 0,-1 1 0 0,1 1 0 0,-2 1 0 15,5 3-448-15,-3 1-96 16,2 2-16-16,-1 0 0 15,2 3-464-15,1 4-80 0,-1 0-32 0,2 3 0 16,0-5-208-16,0 6 0 0,3-8 0 0,-1 2 0 16,0-3-272-16,1-2 48 0,3-4 16 0,-5-3 0 0,1-5-48 0,2 1 0 15,-3-5 0-15,-1-3 0 16,0 2-128-16,0-4-16 0,0 0-16 0,-1-4 0 16,-3 4-144-16,2-5-16 0,-5-4-16 0,2 4 0 15,0-2 96-15,-2-5 32 0,2-2 0 16,-1 2 0-16,3-6 320 0,1-1 144 0,-3 0-128 0,5-5 128 0,0 1 0 0,5-2 0 15,-3-1 0-15,3 0 0 0,2 0 0 0,2-4 0 16,0 4 0-16,-1-2 0 0,1 6 0 0,2 1 0 16,1 2 0-16,0 0 0 0,0 3 0 0,-3-1 0 15,3 6 0-15,-3 1 0 0,-1 3 0 0,-1 0 144 16,0 5 0-16,0 0 0 0,0 6 336 0,0 3 64 16,-3 0 16-16,1 1 0 0,0 3 144 0,2 4 48 0,-2-1 0 0,1 2 0 15,2-4-240-15,1 4-64 0,0 1 0 0,-2-1 0 16,5 1 496-16,-5-1 80 0,5-2 32 0,-3 2 0 31,3-4-1680-31,-2-3-336 0,4-1-64 0,-1-2 0 0,1-3 1600 0,0-1 336 0,-2-2 64 0,2-2 16 31,-6 0-1632-31,5-3-320 0,-5-4-64 0,3 2 0 0,-1-5 1024 0,1 4 0 0,-1-5 176 0,1 3-16 16,-1-2 96-16,2-4 32 0,-1 2 0 0,-1 0 0 16,1-2-16-16,-1 1 0 0,0-3 0 0,-1 1 0 15,2-2-272-15,-4 0 160 0,0-1-160 0,-2 1 128 16,-2 2-128-16,-3-2 0 0,-1 1 0 0,-3 6 0 0,-3-2 0 0,-2 0 0 15,-3 7 0-15,0-1 0 0,-2 6 0 0,-2 4 0 16,-1 5 0-16,0 1 0 0,1 6 128 16,2 0-128-16,0 5 192 0,4 2-64 0,-1 0 80 0,6 2 16 15,1-1 0-15,3 5 0 0,6-3-96 0,-2-1 0 16,6-1-128-16,0 4 192 0,1-3-192 0,2 0 0 16,2-4 0-16,2 2 0 0,1 0-336 0,1-6-16 15,3 3 0-15,1-4 0 16,3-6-672-16,1 1-128 0,-26-9-16 0,0 0-16 15,96 7-1216-15,-96-7-240 0</inkml:trace>
+  <inkml:trace contextRef="#ctx0" brushRef="#br0" timeOffset="-23741.07">22289 15327 911 0,'-11'-6'0'0,"8"3"0"16,-4-1 0-16,1 1 0 0,3 3 1920 0,0 3 288 0,1-1 64 0,-9 3 16 15,-1 1 208-15,-2 7 64 0,-5 3 0 0,0 3 0 16,1 0-1344-16,-1 4-256 0,2-4-48 0,1 4-16 16,2 1-448-16,5-5-112 0,-3 1-16 0,7-1 0 0,2 0 304 0,-1 0 48 15,4 0 16-15,5-1 0 0,-1-1 80 0,3 2 32 16,3-3 0-16,-1 3 0 0,1-2-480 0,3 1-112 16,-1-1-16-16,-2 1 0 0,1-4-192 0,-3 1 0 15,-1-1 0-15,-3 0 0 16,-1 4-160-16,-4-4 160 0,-1 1-128 0,-3-1 128 15,-1 0 0-15,-2 2 0 0,-1-1 0 0,-1 1 128 0,-1-2 320 0,-1 0 64 16,-2 3 0-16,-3-1 16 0,-3 0-240 0,1-1-48 16,-2-2-16-16,-3 1 0 0,3-2-224 0,0-2 0 15,-3-1-192-15,4-4 192 16,7 0-1344-16,-1-5-176 0,5-1-16 0,2-5-16 16,3-2-1168-16,4-1-224 0</inkml:trace>
+  <inkml:trace contextRef="#ctx0" brushRef="#br0" timeOffset="-23408.29">22294 15682 3679 0,'3'9'320'0,"-1"-4"-320"0,0 0 0 0,0-3 0 16,-1 1 1728-16,1 1 288 0,0-3 48 0,3 5 16 16,-3-3-352-16,5 8-64 15,1-1 0-15,-4 2-16 0,1-3-1024 0,-1 1-208 0,-3-3-32 0,3 4-16 16,-4-4 176-16,-4 3 32 0,3-3 16 0,-1 2 0 0,0-2 592 0,-1-2 112 15,1 4 32-15,-2-2 0 16,4 2 32-16,-3-3 16 0,1-2 0 0,2 1 0 16,0 0-544-16,2-1-128 0,1-2 0 0,1-2-16 15,1-2-416-15,4-3-80 0,-2-2 0 0,5 0-16 0,-2-5-176 0,3 3 0 16,-1-5 0-16,2-2 0 0,0 1 0 0,0 1 0 16,-2-6 0-16,2 3 0 0,0 0-128 15,-2-1 128-15,-2 1 0 0,3 1 0 16,-5 0 0-16,3 6 0 0,-6 0-144 0,2-1 144 15,0 1-176-15,-7-1 32 0,3 6 0 0,1-2 0 16,-1-2-1248-16,1 4-240 0</inkml:trace>
+  <inkml:trace contextRef="#ctx0" brushRef="#br0" timeOffset="-23169.44">22973 14997 15663 0,'-1'2'688'0,"-1"0"144"0,2 0-656 0,2-1-176 31,-2 1 0-31,0 0 0 0,1 5 1280 0,3 0 208 16,1 3 48-16,2 8 16 0,-3 3-528 0,1 3-128 15,-2 4 0-15,1 3-16 0,-1 4-736 0,-3 0-144 16,2 5 0-16,-4 2 0 0,-1 3 0 0,1 2 0 15,-1 2 0-15,-1-2 0 0,1 0 160 0,1-4 32 0,2-1 0 0,0 0 0 16,0-4-448-16,3-3-64 0</inkml:trace>
+  <inkml:trace contextRef="#ctx0" brushRef="#br0" timeOffset="-22906.92">23179 15072 10127 0,'7'2'448'0,"-2"0"96"15,2 1-544-15,-5-1 0 0,1 1 0 0,1 1 0 0,-1 1 1440 16,4 4 176-16,0 8 48 0,6 8 0 0,-6 4-352 0,-2 8-64 16,-3 3-16-16,-2 2 0 0,-2 6-592 0,-2 1-112 15,1 0-16-15,-2 3-16 0,3 1 80 0,-5-6 32 16,3 5 0-16,1-3 0 0,-1-4-144 0,4-3-16 15,0-2-16-15,4-5 0 16,1-2-1168-16,0-9-224 0</inkml:trace>
+  <inkml:trace contextRef="#ctx0" brushRef="#br0" timeOffset="-22723.52">23020 15555 12895 0,'0'-4'576'0,"2"2"112"0,3 1-560 0,-3-1-128 0,0 0 0 0,1 1 0 16,3 1 1536-16,2-2 256 0,5-3 64 0,6 1 16 0,5 2-400 0,2 1-96 15,-26 1-16-15,0 0 0 0,0 0-912 0,129-14-192 16,-129 14-48-16,0 0 0 31,122-20-1184-31,-122 20-240 0</inkml:trace>
+  <inkml:trace contextRef="#ctx0" brushRef="#br0" timeOffset="-22375.58">23702 15490 911 0,'-7'4'0'0,"2"-4"0"16,1 1 0-16,1-1 0 0,3 0 1888 0,0 0 288 0,3 0 64 0,-1-1 16 0,-2 1 832 0,5-4 176 15,4-1 16-15,3-4 16 0,4 4-1792 0,1-2-352 16,4-2-80-16,0 6-16 0,3-2-704 15,3-1-144-15,-3 5-16 0,2-3-16 0,0 4-176 0,0 0 192 32,-3 0-192-32,0 2 192 0,-4 1-448 0,-5 3-96 0,-2 1-16 0,-5 0-7024 15,-2 5-1408-15</inkml:trace>
+  <inkml:trace contextRef="#ctx0" brushRef="#br0" timeOffset="-22217.81">23688 15860 2751 0,'-7'6'256'0,"3"-2"-256"0,3-4 0 0,1 0 0 0,1 0 2080 0,3 0 368 16,3 0 80-16,-2-4 16 0,9 1 480 0,4-7 112 0,4 3 0 0,4-7 16 15,4 0-1408-15,-30 14-272 16,0 0-64-16,94-47-16 16,-64 31-1248-16,-30 16-144 0,0 0-224 0,0 0 48 15,115-37-2096-15,-93 30-416 0</inkml:trace>
+  <inkml:trace contextRef="#ctx0" brushRef="#br0" timeOffset="-21758.52">24427 15536 11055 0,'2'-9'480'0,"-1"-3"112"0,3 3-464 0,-3-2-128 0,1 6 0 15,2 0 0-15,-3-4 432 0,-1-1 64 0,6-8 16 0,-3-2 0 16,-1-3-704-16,-4 4-128 16,-1 8-16-16,-3 3-16 0,-4 4 176 0,1 6 48 0,-1 5 0 0,-1 2 0 15,-4 6 1040-15,2 3 224 0,-2 4 32 0,-1 8 16 16,2-1 160-16,0 5 48 0,2-3 0 0,2 0 0 16,1 6-912-16,2-2-176 0,2 3-48 0,-1-1 0 15,5-3-256-15,1-6-224 0,0 0 32 0,3-7 16 16,2-2 176-16,2-7-128 0,4-3 128 0,3-5-128 15,3-3 128-15,1-4 0 0,-1-1 0 0,2-8 128 0,0 0-128 0,1-7 0 16,-3-2 0-16,0-5 0 0,-1 5 0 0,0-5-256 16,-1-4 64-16,-2 1 0 0,-1 1 192 0,-2 0 0 15,1 0 0-15,-3-2 0 0,3 1 256 0,-4-1-32 16,0 6 0-16,-2-1 0 0,0 3 192 0,2 3 32 16,-3 3 16-16,-1 4 0 0,1 6-336 0,-2 6-128 15,-1 4 0-15,-1 3 144 0,-1 7-144 0,-1 3 0 16,0 4 0-16,-1 2 0 0,1 3 272 0,-2-2-16 15,3 6-16-15,-3-2 0 0,4 1 96 0,0-2 32 16,0 4 0-16,5-5 0 0,-5-3-208 0,6-1-32 0,2-6-128 16,4-2 192-1,4-2-880-15,2-5-176 0,4-7-32 0,3 0-9520 0</inkml:trace>
+  <inkml:trace contextRef="#ctx0" brushRef="#br0" timeOffset="-21379.31">24988 15354 8287 0,'-5'18'368'0,"1"-8"80"0,2 4-448 0,2-7 0 16,0 2 0-16,0-2 0 0,-1 2 1088 0,1 4 144 0,-2 14 32 0,0 4 0 16,0 9-560-16,1-2-128 0,1-3 0 0,0 0-16 0,-4 0-432 0,4-2-128 15,0-2 0-15,4-3 0 0,-4-3 0 0,-4-1 0 16,4-3 0-16,0-4 0 0,-2-3 0 0,2 0 0 15,-1-3 0-15,1-4 0 0,0-6 0 0,0 1 0 16,0-4 0-16,0 2 0 16,1-5 0-16,1-4 0 0,2 2 0 0,-4-7 0 0,3 2 0 0,1-3 0 15,-3-3 0-15,1-1 0 0,-2 0 224 0,0-4-64 16,-2-1-16-16,1-2 0 0,-1-4 880 0,-2 0 160 16,4-3 32-16,-1-5 16 0,1 1 304 0,0-3 64 0,3-1 16 15,1 1 0-15,3 3-720 16,-2 0-160-16,4 6-32 0,1 0 0 0,-3 8-384 0,0 6-96 0,2 4-16 0,-2 3 0 15,0 3 16-15,-4 0 0 0,4 4 0 16,2 3 0-16,-2-2-96 0,5 2 0 16,-3 2-128-16,1-2 192 15,4 3-816-15,0 2-160 0,2 1-48 0,1-3-11776 0</inkml:trace>
+  <inkml:trace contextRef="#ctx0" brushRef="#br0" timeOffset="-14261.9">25434 15381 911 0,'-4'0'0'0,"3"-2"0"0,-1 2 0 0,0-2 0 0,2 2 1904 0,0-2 288 16,0 1 64-16,0-3 16 0,0-5-992 0,2 2-208 0,1-3-48 0,-1 1 0 15,2-1-160-15,1 1-32 0,-3 0-16 0,-1 4 0 16,3 0 448-16,-4-2 80 0,2 5 32 0,-2 0 0 31,0 4 448-31,-2 0 96 0,-2 5 0 0,1 0 16 0,1-2-144 0,-1 6-48 16,-3 1 0-16,1-2 0 0,2 4-528 0,-2 0-96 15,3-2-32-15,-2 4 0 0,3 0-576 0,-3 1-112 16,2 0-16-16,1 3-16 16,1 1-368-16,0 1 0 0,-2 1 0 0,-3 5 0 0,3 0 0 0,0 1 0 0,0 1 0 15,2 3 0-15,0 2 0 0,0 0 0 16,0-1 0-16,0-2 0 0,0 1 0 0,2-4 0 16,0-4 0-16,1-4 0 0,3 0-256 0,-5-4 0 15,5-1-16-15,-3-8 0 16,4 1-416-16,-3-5-80 0,-1-4 0 0,2-2-16 15,-1-3-48-15,1-6 0 0,-3 2 0 0,1-3 0 16,1-3 64-16,-1-3 16 0,4 1 0 0,-5-4 0 0,1 2 512 0,1-2 112 16,5-2 128-16,-8-5-208 0,5 4 208 0,-1-6 0 15,2 1 0-15,-4-4 0 0,2 1 0 0,-1-4 0 16,1-6 0-16,-3 0 0 0,-2 2 400 0,0-2 80 0,0-3 16 16,0 3 0-16,2 6-176 0,-2 6-16 0,1 6-16 15,1 10 0-15,0 3-128 0,0 8-32 0,-1 1 0 0,-1 2 0 16,4 0 128-16,1 2 0 0,0 1 16 0,1-1 0 15,2 5-80-15,1-4-32 0,1 4 0 0,1-3 0 16,3 3-160-16,-2-4 0 0,0 1 0 0,0-3 0 16,2 1-1024-16,0-2-176 0,2-2-32 0,0-1-12624 15</inkml:trace>
+  <inkml:trace contextRef="#ctx0" brushRef="#br0" timeOffset="-13509.37">26347 14788 5519 0,'4'0'496'0,"-3"-1"-496"0,1-3 0 0,-2 2 0 0,0 2 1216 0,0-1 128 16,0 1 48-16,-2-2 0 0,1 2 448 0,-5-2 80 16,1 0 32-16,-4 2 0 0,2 0-816 0,-5 0-176 15,0 0-16-15,2 2-16 0,-6-2-144 0,2 2-16 16,0-2-16-16,0 0 0 0,-2 2-128 0,1-1-32 15,-1 1 0-15,0 2 0 0,-1 1-368 0,1-2-80 16,-1 1-16-16,-1 3 0 0,3-2-128 0,1 0 0 16,0-3 0-16,3 5 0 0,3-4 0 0,-1 1 160 15,4-1-160-15,-1 1 160 0,1 5-160 0,4-2 0 0,-1 5 0 0,2-2 0 16,0 4 0-16,2 5 0 0,1 0 0 0,4 8 0 16,-2 2 0-16,2 3 0 0,2 2 0 15,-2 5 0-15,3 2 0 0,-4 1 0 0,2 0 0 16,1 3 0-16,-4 1 0 0,0-5 0 0,2 5 192 0,0-4-64 15,-1-2 496-15,-1-2 80 16,-3-3 32-16,-2-2 0 0,1-4-96 0,1 5 0 0,-2-7-16 0,-2 0 0 16,1-5-112-16,-1 4-32 0,0-3 0 0,-1 1 0 15,-1-3-160-15,1 0-16 0,1 0-16 0,0-4 0 16,2-1-288-16,0-4 0 0,0-5 128 0,2-1-128 16,3 0 0-16,2-4 0 0,-2-2 0 0,2-2 0 15,2 2 0-15,1-1 0 0,-1-1 0 0,2-1 0 0,-1 1 0 16,1 0 0-16,1 0 0 0,0 2 0 15,0-3 0-15,0 1 0 0,2 0 0 0,-3 1 0 16,1-1-288-16,4-2-16 0,-6 4 0 0,2 0 0 16,2 0-1264-16,-5 0-256 0,1 4-48 0,-1-4-11056 15</inkml:trace>
+  <inkml:trace contextRef="#ctx0" brushRef="#br0" timeOffset="-13143.06">26542 14987 10127 0,'-5'2'896'0,"2"-2"-704"16,3-2-192-16,0 0 0 0,0 2 1488 0,0 0 272 0,0 0 48 0,0 0 16 16,0 0-544-16,-2 2-96 0,2 1-32 0,2 6 0 0,-2-2 208 0,0 7 48 15,3-2 0-15,-1 2 0 16,1 5-80-16,1 4-16 0,1 1 0 0,-3 2 0 0,1 6-224 0,1 1-64 16,-3 3 0-16,1 5 0 0,-2 0-480 0,0 1-96 15,0 0-32-15,-2 1 0 16,2-2-288-16,0-7-128 0,2 1 0 0,0-5 128 0,0 3-384 0,1-9-64 15,-3-1-32-15,2-4 0 32,-2-2-1520-32,0-1-304 0,-2-2-64 0,2-7-10944 0</inkml:trace>
+  <inkml:trace contextRef="#ctx0" brushRef="#br0" timeOffset="-12637.56">26645 15084 7359 0,'-10'0'320'0,"3"-1"80"0,5-1-400 0,-3 0 0 0,5 2 0 0,0-2 0 16,0 1 896-16,1-4 80 0,3-4 32 0,-2 0 0 15,1-3-304-15,2 1-64 16,6 1-16-16,-2-4 0 0,3 5-128 0,3-3-32 0,-2 5 0 0,2-3 0 0,3 5 336 0,1-1 64 15,0 1 16-15,0 3 0 0,0 1 256 0,2-1 48 16,-2 4 16-16,-1-1 0 0,-2 5-560 16,-1-1-96-16,-4 0-32 0,-3 9 0 0,1 0-320 0,-4 2-64 31,-5 4 0-31,-3 0-128 0,-2 2 448 0,-2 3 0 16,0-3-16-16,-2 3 0 0,-1 1 240 0,-3-4 48 15,-1 3 16-15,-1 3 0 0,-1-2-496 0,-3 3-112 16,-2-4 0-16,-3 1-128 0,-1-3 0 0,1-6 0 0,3-5 0 15,2 2 0-15,1-7 0 0,-1 0 0 0,3-3 0 0,2-3 0 16,2-1 0-16,2 0 0 0,1-1 0 0,4-1 0 16,0-2 0-16,1-1 0 0,4 2 0 15,0 1 0-15,4-3-128 0,1-1 128 0,5-1-208 0,3 4 80 16,0-2 128-16,7 1 0 0,1-1 0 16,3 3-128-16,2 1 128 0,0 2 0 0,0 3 0 0,2 3 0 15,-2 0 0-15,2-2 144 0,-5 5-144 0,1-3 0 16,1 4 432-16,-1-3-32 0,1 3 0 0,-1-4 0 15,4 3-144-15,-7-1-48 0,1 3 0 0,-1 0 0 16,-2 1-208-16,-5 2 0 0,-3-1 0 0,-2 2 0 16,-2 1-320-16,-2-1-128 15,-4 1 0-15,-1-1-16 0,2 0-1440 0,-2-2-272 0</inkml:trace>
+  <inkml:trace contextRef="#ctx0" brushRef="#br0" timeOffset="-11940.79">27119 14811 4607 0,'-2'-3'400'0,"2"-3"-400"0,0 5 0 0,0 1 0 16,0-2 1408-16,2 0 192 0,0 2 32 0,0-3 16 15,3-3 400-15,-2 1 96 0,2 2 16 0,2 3 0 16,-1 0 128-16,1 1 16 0,1 1 16 0,1 3 0 16,-2-1-288-16,5-2-64 0,-1 1-16 0,1-1 0 0,4 0-656 0,1-1-128 15,-1 3-16-15,-1-2-16 0,5-1-400 16,-3 1-80-16,0-2-16 0,1 2 0 0,-1-1-368 15,-3-1-80-15,-2 2 0 0,1-2-16 0,-1 2-176 0,-4 0 0 16,1-1 0-16,-4 5 0 0,1-5 0 0,-1 1 0 16,0 0 0-16,-1-2 0 0,1 0 0 0,0 0 128 15,0 0-128-15,1-4 128 0,-1 3-128 0,2 1 160 16,-6 0-160-16,3 0 160 0,-1 0-160 0,-3 1 0 16,0 3 0-16,-1-1 0 0,-1 6 0 0,0-2 0 15,0 4 0-15,2-1 0 0,-1 2 0 0,-3 0 0 16,1 4 0-16,1 1 0 0,0-1 0 0,1 0 0 0,-1 3 0 15,0-2 0-15,2 4 160 0,0-2-160 16,0 2 192-16,2 0-192 0,0-2 128 0,-1 2-128 16,4 0 0-16,2-2 0 0,-1 4 0 0,1-4 0 15,0 2 0-15,1 0 0 0,3 2 128 0,-1-3-128 16,2 5 0-16,1 1 0 0,-1-3 0 0,0-2 0 0,2 3 0 0,-4 0 0 16,1 2 0-16,1-1 0 15,-1 3 0-15,-3 0 0 0,3 3 0 0,-3-1 0 0,1-3 0 0,-4 1 0 16,4-2 0-16,-5-3 0 0,-1 3 0 15,1-3 0-15,-3-4 0 0,3-3 0 0,-1-2 0 0,-3 1 0 0,0-4 0 0,0-4 0 16,0-2 0-16,0 0 0 0,-5-5 0 0,0-2 0 16,0-3 0-16,-2 2 0 0,0-4 0 15,0-4 0-15,-4 3 0 0,1-5 0 0,-6-1 128 0,-1 2-128 16,-1-2 0-16,-1-1 0 0,-2 4 128 0,-2-1-128 16,-3 3 0-16,-2 4 0 0,-3 0 0 0,-2 3 0 15,-5 6 0-15,-2-1-12400 16,-2 9-2544-16</inkml:trace>
+  <inkml:trace contextRef="#ctx0" brushRef="#br0" timeOffset="12710.83">21492 16802 911 0,'0'2'0'0,"-1"-1"0"0,1-1 0 0,0 0 0 16,0 0 592-16,0 0 48 0,0 0 0 0,0 0 0 0,0-1-272 0,1-1-48 16,-1-3-16-16,0 1 0 0,0-3-304 0,0-2 0 15,0 6 0-15,-1-4 0 0,-1 0 608 0,0 2 64 16,2 0 16-16,-3-1 0 0,1 1 608 0,-2 2 128 16,1 1 32-16,1 0 0 15,0 0 80-15,2-1 0 0,0 1 16 0,0-3 0 0,0 3-656 0,0 2-128 16,2 0-16-16,2-2-16 0,1 1-368 0,-3 1-80 15,-1 0-16-15,3 1 0 0,-1 1 224 0,-1 0 32 16,1 5 16-16,1 0 0 0,-2-2 208 0,-1 6 32 16,3-4 16-16,1 5 0 0,-1-2-32 0,-1 4 0 0,1 5 0 0,-1 0 0 15,2 4-176-15,1 1-32 0,-3 3-16 0,1 0 0 16,-1 3-320-16,0 5-64 0,3 1-16 16,-5 6 0-1,3 0-144-15,-2 5 192 0,-1 2-192 0,-1 1 192 16,-1 3 80-16,-1-3 32 0,-2-1 0 0,4 0 0 0,-1-8-176 15,-3 0-128-15,4-3 192 0,0-9-192 0,4-6-352 0,-3-9-176 16,1-5-48-16,3-6-13568 0</inkml:trace>
+  <inkml:trace contextRef="#ctx0" brushRef="#br0" timeOffset="13241.28">21447 16934 5519 0,'-11'7'496'0,"6"-5"-496"32,0 0 0-32,3-2 0 0,-1 0 1072 0,1-2 112 0,2 0 32 0,0-3 0 15,2-4 64-15,3-3 32 0,-1-4 0 0,4-3 0 16,4-2-992-16,2 0-192 0,6-1-128 0,-1 1 160 15,-19 21-160-15,0 0 0 0,75-51 0 0,-75 51 0 16,0 0 832-16,0 0 96 0,113-31 16 0,-113 31 0 16,0 0 160-16,0 0 48 0,108 12 0 0,-85-1 0 15,-2 6-576-15,-4 0-128 0,-8 4 0 0,-4 0-16 16,-2 5 0-16,-6 0 0 0,-2 1 0 0,-4 4 0 16,-3-1 208-16,-2-1 32 0,-4 4 16 0,1 2 0 0,-4-4-160 0,2 3-16 15,-4 0-16-15,2-2 0 16,-1-4-240-16,1-1-32 0,0-2-16 0,-4-2 0 15,1-3 640-15,0 1 128 0,3-2 32 0,-4-3 0 0,4 2-816 0,2-6-192 16,0-4 0-16,3 3 0 16,4-4-832-16,0-4-224 0,3 3-32 0,2-5-16 0,2-1 848 15,2 0 256-15,3-1-128 0,0-5 128 0,3 3 0 0,4 1 0 16,4-3-144-16,-1 1 144 0,2 1 0 0,4 1 0 16,3 2 0-16,0 2 0 0,4 3 0 0,-1 2 0 15,5 4-128-15,-5-1 128 0,4 6 240 0,-1 1 96 16,-3 4 32-16,1 0 0 0,0 2 160 0,-2 4 48 0,3-2 0 15,-5-3 0-15,2 1-320 0,-3-2-64 16,1-2-16-16,0-1 0 0,2-8-176 0,-4 2 0 16,1-5-160-16,1 0 160 15,-5-3-1808-15,1-3-272 0</inkml:trace>
+  <inkml:trace contextRef="#ctx0" brushRef="#br0" timeOffset="13929.39">22233 17030 4607 0,'-2'0'400'0,"0"-2"-400"0,1 2 0 0,-1 0 0 16,2 0 976-16,-2-2 112 15,0-1 32-15,-1 1 0 0,1 1 272 0,2-1 48 0,0 0 16 0,0-3 0 16,5 0-112-16,1 1-32 0,2 1 0 0,3-4 0 15,3-2-16-15,1 4 0 0,3-6 0 0,1 4 0 16,0-5-144-16,-19 12-48 16,0 0 0-16,0 0 0 15,94-30-336-15,-94 30-64 0,0 0 0 0,0 0-16 0,112-17-288 0,-112 17-48 0,0 0-16 0,0 0 0 16,113-10-208-16,-90 10-128 0,-1 0 160 0,-2 1-160 16,-3 5 0-16,-5-5-288 15,0 1 32-15,-5 2 16 16,0-1-1072-16,-1 4-224 0,-5 0-32 0,-2 0-6480 15,-3 2-1296-15</inkml:trace>
+  <inkml:trace contextRef="#ctx0" brushRef="#br0" timeOffset="14157.42">22318 17248 6447 0,'-15'12'272'0,"6"-9"80"0,0 3-352 0,2-1 0 16,4-3 0-16,3-2 0 15,-2 1 1600-15,-3 1 240 0,1 0 48 0,2 0 16 0,4-2 16 0,2 0 0 16,3 0 0-16,1-2 0 0,3 0-480 0,1 0-96 15,2-1 0-15,3-2-16 0,1 3-176 0,1 0-16 0,4 2-16 0,1 0 0 32,4 2-352-32,-28-2-64 0,0 0 0 0,96 5-16 15,-96-5-240-15,0 0-32 0,101-9-16 0,-101 9 0 16,0 0-400-16,0 0 0 0,108-19 0 0,-87 16 0 31,0-4-1376-31,-2-2-256 0</inkml:trace>
+  <inkml:trace contextRef="#ctx0" brushRef="#br0" timeOffset="17705.21">23641 16448 18431 0,'-2'4'1632'0,"0"-3"-1312"0,1-1-320 0,-1 0 0 15,2 0 848-15,-2 2 112 0,-3 5 0 0,-2 0 16 31,0 0-400-31,-7 5-64 0,4-3-32 0,-3 5 0 0,1-2-272 0,3-1-48 16,-4 2-16-16,2 1 0 16,1 2 128-16,-1 3 32 0,2 2 0 0,2 2 0 0,2 1 432 0,0 6 96 0,2-2 0 0,-4 5 16 15,1 0 48 1,1 3 16-16,3 3 0 0,2-3 0 0,0 3-384 0,0 2-80 16,4 1 0-16,3 7-16 15,3-4-432-15,2 6 0 0,2-4 128 0,2 0-128 16,2-4 0-16,1-3 0 0,2-3 0 0,1-2 0 15,6-7-576-15,-2-6 0 0,4-2 0 16,1-5 0-16,4-4-1088 0,-35-11-224 0,80 15-32 0,-80-15-9920 16</inkml:trace>
+  <inkml:trace contextRef="#ctx0" brushRef="#br0" timeOffset="18052.8">24120 16755 8287 0,'-3'12'368'0,"3"-5"80"0,0-2-448 0,0 2 0 0,0-2 0 0,0-1 0 16,3 5 1152-16,-1 1 128 0,0 14 48 0,3 6 0 16,-2 5-224-16,1 1-32 0,1 3-16 0,-5-1 0 15,2 2-128-15,-2 2-32 0,-2 5 0 0,0-4 0 16,-3 8 80-16,2-4 16 0,-3 4 0 0,1-6 0 0,-4 4 48 0,2-9 16 16,0-4 0-16,-1-3 0 0,2-8-624 0,0-3-128 15,0-3-32-15,1-5 0 16,0 2-1408-16,1-9-272 15</inkml:trace>
+  <inkml:trace contextRef="#ctx0" brushRef="#br0" timeOffset="18457.45">24254 16804 11055 0,'7'-16'480'0,"-3"4"112"0,3 3-464 0,-4-1-128 0,2 3 0 0,-1 1 0 16,5-2 1072-16,3-1 192 0,-12 9 32 0,0 0 16 15,75-58-672-15,-75 58-128 0,0 0-16 0,0 0-16 16,94-29-176-16,-77 31-48 0,-1 8 0 0,-2 0 0 16,-4 6 736-16,-1 2 144 0,-4-1 16 0,-1 2 16 15,-4 0-160-15,-4 0-48 0,-3 1 0 0,-3 0 0 16,-1 0-144-16,-6 2-48 0,0 4 0 0,-4-1 0 16,1-3-288-16,-4 6-64 0,0-2-16 0,-4-1 0 15,2 3-400-15,-2-4 0 0,2-1 0 0,3 1 0 16,2-6-432-16,0-5-16 15,5 3 0-15,3-4 0 0,0-5 144 0,5 2 32 0,1-6 0 0,3-1 0 0,2-2 272 0,2-2 0 16,2-1 0-16,3-4 0 16,2 5 0-16,4-3 192 0,3-4-16 0,0 4-16 0,1 2 224 0,3-3 32 15,1 1 16-15,2 3 0 0,3 2-224 16,-3 0-32-16,4 6-16 0,-1-1 0 0,2 0-160 0,-5 6 192 16,0-3-192-16,0 6 192 0,-2 0-64 0,0 0 0 15,0 9 0-15,-3-2 0 0,0 1-128 0,-2 1 0 16,0 1 0-16,-4 4 128 0,1-3-128 0,-3-5 0 15,3 7 0-15,-3-7 0 16,3 0-720-16,-2-5-240 0</inkml:trace>
+  <inkml:trace contextRef="#ctx0" brushRef="#br0" timeOffset="18713.55">25045 16608 13823 0,'-1'6'608'0,"1"-3"128"0,0 1-592 0,0-1-144 15,0-1 0-15,-4 5 0 0,4 0 1120 0,-2 5 192 0,1 11 32 0,-3 5 16 16,-1 8 208-16,-2 4 32 0,-2 5 16 0,2-1 0 0,-3 5-224 0,3-2-48 16,-4 5-16-16,4-1 0 0,0-1-448 0,2 2-96 15,2 1-16-15,-1-8 0 0,3 4-368 0,1-8-80 16,-4 3 0-16,4-2-16 31,4-6-640-31,-4-6-128 0,1 1-32 0,-1-8-13760 0</inkml:trace>
+  <inkml:trace contextRef="#ctx0" brushRef="#br0" timeOffset="18918.28">24709 17122 18431 0,'-12'4'816'0,"7"-3"160"0,3 1-784 0,0 0-192 0,2-2 0 0,2 0 0 16,1 2 1088-16,3-1 160 0,4 6 32 0,6-3 16 16,3 1-256-16,0-3-48 0,0 1-16 0,4 1 0 15,0-2-624-15,1-2-128 0,2 0-32 0,-26 0 0 16,0 0-192-16,0 0 0 0,124-18 0 0,-124 18 0 16,0 0 0-16,108-33 0 0,-108 33 0 0,0 0-8096 15,115-49-1584-15</inkml:trace>
+  <inkml:trace contextRef="#ctx0" brushRef="#br0" timeOffset="19122.6">25554 16779 22111 0,'-19'30'976'0,"5"-9"208"0,4-2-944 0,1-7-240 15,5-5 0-15,3 2 0 0,-3 1 1328 0,-3 8 208 16,-1 11 64-16,-8 8 0 15,2 5-448-15,0-1-96 0,2-1-16 0,0-3 0 16,5 0-464-16,-2-4-80 0,4 0-32 0,-1-2 0 0,6 4-336 0,0 0-128 16,0 0 0-16,2-6 0 0,0 3 0 0,1-8-256 15,3 2 16-15,1-7-14384 0</inkml:trace>
+  <inkml:trace contextRef="#ctx0" brushRef="#br0" timeOffset="19468.39">25706 16546 9215 0,'-2'5'816'0,"2"0"-656"0,0 0-160 0,2-1 0 16,0-2 1248-16,-1-1 224 0,3 6 32 0,1 0 16 15,2 6-192-15,3 2-48 0,4 8 0 0,0 1 0 0,2 1-512 0,-2 1-96 16,3 0-32-16,4-2 0 0,4 6-32 0,1-4-16 16,3 5 0-16,5-6 0 15,2 4 176-15,-1-4 48 0,0-3 0 0,-6 4 0 0,-6-5-416 0,-5 2-80 16,-6-2 0-16,-7 3-16 0,-3 6-304 0,-6-4 0 16,-8 5 0-16,-4 1 0 0,-5 4 0 0,-3 1-144 15,-7 1 144-15,-2 4-128 0,-4 2 128 16,-1-4 176-16,-1 0-48 0,3-2 0 0,3 2 288 0,-1-5 48 15,5-2 16-15,1-5 0 0,7-4-480 0,2-6 0 32,1-8 0-32,10-1-13136 0</inkml:trace>
+  <inkml:trace contextRef="#ctx0" brushRef="#br0" timeOffset="20065.04">26405 16666 2751 0,'0'5'128'0,"0"-3"16"0,1-2-144 0,1 0 0 0,-2 0 0 0,2 0 0 0,0 0 320 0,-1 0 48 15,6 0 0-15,-5 0 0 0,5-2 48 0,-4 2 16 16,4 2 0-16,-5 0 0 0,0 3 784 0,0-3 144 15,-1 5 48-15,-1-2 0 0,2-2 208 0,-2 1 48 16,0-1 16-16,0 4 0 0,2-3-528 0,-4-1-128 16,2 1 0-16,0 1-16 0,-2 2-320 0,1-4-64 15,-1 6-16-15,-2 0 0 0,-1-1 64 0,2 3 16 0,-2 1 0 0,-1-1 0 16,5 2 64-16,-6 0 16 16,3-1 0-16,1 0 0 0,1-5 752 0,2 3 144 0,3-6 48 0,3-1 0 15,2-3-1168-15,-1 0-224 16,5-3-64-16,1-2 0 0,2-4-256 0,3 2 0 15,1-2 0-15,0-3 0 16,2 0 0-16,-2 2 0 0,0-3-128 0,-3 1 128 16,-2 2-848-16,0-2-128 0,-4 3-32 0,1-2 0 15,-6 3 1008-15,0-3 336 0,-1 4 0 0,-1-1 0 0,-6 2 80 16,-1-1 16-16,-3-1 0 0,-1 4 0 16,-3-1-144-16,-3-2-32 0,-1 5 0 0,-3-1 0 15,1 3 0-15,-3-4-16 0,0 2 0 0,-1-1 0 0,1 1-240 16,1-1 176-16,0-1-176 0,2 3 160 0,5 1-160 0,-2-4 0 15,5 2 0-15,4-1-10624 16,5 1-2128-16</inkml:trace>
+  <inkml:trace contextRef="#ctx0" brushRef="#br0" timeOffset="20443.32">27103 16335 3679 0,'-8'3'320'0,"1"-1"-320"0,1-2 0 0,5 2 0 16,1 0 288-16,-6-1-16 0,-2 8 0 0,-6 0 0 15,-5 7-272-15,-2 1 0 0,-2 4 0 0,4 2 0 16,0 3 1008-16,0 0 192 0,1 5 32 0,-1 2 16 15,2-1 1648-15,-1 4 336 0,1 4 64 0,-1 0 16 0,-1 4-496 0,-2-2-112 16,2-2-16-16,-2 3 0 0,-2 2-1040 0,3-1-224 16,-5-4-32-16,-1 7-16 0,2-2-592 0,-6 2-112 15,4 2-32-15,-4 0 0 0,2-4-320 16,0 4-80-16,1 0-16 0,0 1 0 0,1 3 672 0,2-8 144 16,0 2 32-16,4-7 0 15,6-5-1664-15,-1-9-336 0,4-3-64 16,4-8-16-16,6-3 64 0,1-6 16 0,0-6 0 0,5-6-15472 0</inkml:trace>
+  <inkml:trace contextRef="#ctx0" brushRef="#br0" timeOffset="20790.18">26873 17300 8287 0,'-8'5'368'0,"2"0"80"0,1-3-448 0,3 0 0 0,-3 0 0 0,2 1 0 16,-1-1 1072-16,-3 5 128 0,-7 2 16 0,-5 3 16 0,-2 5-128 0,0 2-16 15,-3 2-16-15,3 0 0 16,2 2 160-16,1-2 48 0,6 1 0 0,-2 6 0 0,4-3 32 0,3-5 16 16,2 7 0-16,5-7 0 0,0 1-624 0,3-2-112 15,4-1-16-15,4-6-16 16,-1 0-416-16,4-6-144 0,5 0 0 0,2-6 144 0,2 2-144 15,-1-5 0-15,-1-6 0 0,-2 0 0 0,-1-1 0 0,-4-4 0 16,-2 3-128-16,0-2 128 0,-7-1 256 0,1 3 112 16,-3-1 16-16,1 2 16 0,-8-1 416 0,-1-1 80 15,-4 3 0-15,-1-3 16 0,-1 3 16 0,-4-1 0 16,2 3 0-16,1-2 0 0,2 4-624 0,-2 0-128 16,3-1-32-16,2-2 0 15,2 1-1424-15,5-5-272 0</inkml:trace>
+  <inkml:trace contextRef="#ctx0" brushRef="#br0" timeOffset="22375.37">27874 16689 6447 0,'-18'12'576'0,"2"0"-576"15,6-7 0-15,3-1 0 0,0 1 704 0,-5 2 16 16,-11 9 16-16,-13 6 0 0,-8 8 224 0,-6-1 64 0,6 3 0 15,6-8 0-15,5-5-528 0,6-3-112 0,6-2 0 0,8-5-16 16,-1 3-32-16,10-5 0 0,-1 5 0 0,8-5 0 16,-1 5-16-16,7-5 0 0,3 4 0 15,5-4 0-15,3-4 288 0,2 4 48 0,6-2 16 0,2-3 0 16,3 3 304-16,3 2 64 0,-36-7 16 0,75 9 0 16,-38 0-608-16,-2-1-128 0,7 3-32 0,-6-1 0 15,-3 8-288-15,-1-3 0 0,-1 4 0 0,-10 1 0 16,0 0-160-16,-7 1 160 0,-4 5-160 0,-6-1 160 15,-4-1 0-15,-5 4 192 0,-2 0-16 0,-6 3 0 16,-1-1 176-16,-3 1 32 0,-4 1 16 0,-1-6 0 0,-1 3-400 0,0-2 128 16,-1-5-128-16,-2-1 0 15,0-4 0-15,-1-1 0 0,-2-2 0 0,1-9 0 0,3-1 432 0,3-8 48 16,3 1 16-16,-1-9 0 0,7 1 272 0,2-8 48 16,2-4 16-16,6-4 0 0,1-8-320 0,2-2-48 15,5-3-16-15,4-5 0 0,3-6 0 0,6-4-16 16,3-3 0-16,0 1 0 0,1-1-112 0,3-3 0 15,1-7-16-15,5-1 0 0,-1-5-96 0,-2 1-16 0,1 0 0 16,-4 5 0-16,-4 7-192 0,-6 5-128 0,-8 6 128 0,-5 10-208 31,-4 3-1136-31,-3 11-208 0,-9 7-48 0,0 9-16 16,0 8-1840-16,-5 12-352 0</inkml:trace>
+  <inkml:trace contextRef="#ctx0" brushRef="#br0" timeOffset="34691.41">21524 18380 1839 0,'-18'14'160'0,"6"-9"-160"0,3 4 0 0,6-6 0 15,-1-1 3856-15,4-2 752 0,0 0 128 0,-1 2 48 0,-1-1-2128 0,-2 3-416 0,4-4-96 0,0 0-16 16,2 0-1536-16,-2 0-304 0,2-4-64 0,0 8-16 16,-2-2-384-16,0-1-80 0,0 3 0 0,0 1-16 15,-2 4 272-15,0-1-160 0,-1 6 160 0,-1-3-128 16,2 5 832-16,1 3 160 0,-3 2 32 0,2 3 16 15,-1 0 160 1,-1-1 16-16,1 7 16 0,1-4 0 0,-3 3-464 0,1 1-80 0,3 1-32 0,-3-6 0 16,3 1-528-16,-1-5 0 15,2-9 0-15,-2 0 0 0,2-7-608 0,0-3-176 16,0-2-48-16,-2-3 0 16,-1-1-272-16,-1-3-64 0,3-3-16 0,-3-1 0 15,2-4 448-15,1-5 96 0,-1-1 0 0,2-6 16 0,-4-1 624 0,3-2 0 16,-1-3 0-16,2 3 0 0,0 1 576 0,0-4 64 15,3 3 32-15,1-1 0 0,-2-2-288 0,3 3-64 16,2-1-16-16,2 1 0 0,-1 2-304 0,1 4 0 16,1 1 0-16,1 6 0 0,-1 5 0 0,1-1 0 15,-3 8 0-15,-1 5-144 0,0 2 144 0,2 5 0 0,-4 0 0 16,1 0 128-16,1 7 512 0,-2-4 128 0,0 1 0 16,4 3 16-16,-2 1 128 0,5-3 32 0,-2 2 0 0,3 2 0 15,2 2-400-15,-3-5-80 0,2 1-16 0,0 0 0 16,2 4-144-16,-16-18-48 0,0 0 0 0,0 0 0 15,58 38-112-15,-58-38-16 0,0 0-128 0,0 0 192 16,0 0-192-16,95 2 0 0,-95-2 0 0,0 0 0 16,0 0 0-16,75-25 0 0,-75 25 0 0,0 0 0 15,0 0 0-15,47-34 0 0,-38 21 0 0,-7 3 0 16,0-4 0-16,-1 0 0 0,-4 2 0 0,-1-2 144 0,-4-2 32 16,-1 1 0-16,-3-3 0 0,-1 4 0 0,0-1-176 0,-5-3 0 15,1 4 0-15,-2-1 128 16,-1 4-128-16,1 1 0 0,0 4 0 0,0 3 0 0,0 1 0 15,0 4 0-15,-1 3 0 0,3 0 0 0,-1 9-176 0,3-2 176 16,1 6-128-16,3 1 128 0,-4 4 0 0,4 1 0 16,3 4 0-16,1 0 0 0,3 1 144 0,1 1 16 15,1 5 0-15,2 0 0 0,2 1 32 0,1 1 16 16,6-1 0-16,-2-8 0 0,3 2-80 0,4-6-128 0,9-1 176 16,-23-23-176-16,50 35 0 0,-50-35 0 0,0 0 0 0,108 22 0 15,-108-22 0-15,84-1-192 16,-84 1 0-16,92-13 0 15,-92 13-1008-15,82-24-192 0,-82 24-32 0,63-35-15008 0</inkml:trace>
+  <inkml:trace contextRef="#ctx0" brushRef="#br0" timeOffset="35338.11">22738 17878 10127 0,'-5'-9'896'15,"0"4"-704"-15,3 0-192 0,2-2 0 16,0 4 752-16,-3-3 112 0,-3-8 32 0,-1-5 0 0,-1-5-544 0,-3-4-96 15,1 4-32-15,-1 6 0 32,1 3-544-32,1 4-128 0,0 1 0 0,1 6-16 0,-1 2 688 0,0 4 144 0,2 0 16 0,-1 8 16 0,2 1 1136 0,-2 6 208 15,1 2 48-15,1 7 16 0,-1 1 112 0,2 4 32 16,0 0 0-16,3 6 0 0,2 3-480 0,-3 5-80 16,3 1-32-16,0 4 0 0,3 1-640 0,-1-1-128 15,1 4-16-15,1 2-16 0,-1-2-384 0,4 2-176 16,-5 1 160-16,0 0-160 15,1-1-480-15,-1-2-192 0,0-5-32 0,0 0-16 16,-2-4-1200-16,-2-7-224 0,0-1-48 0,-3-4-9856 0</inkml:trace>
+  <inkml:trace contextRef="#ctx0" brushRef="#br0" timeOffset="35765.92">22283 18397 10127 0,'-1'-10'448'0,"-1"-1"96"0,4 8-544 0,-1-2 0 16,5 1 0-16,-1 1 0 0,-2 1 1504 0,4-2 192 0,-7 4 32 0,0 0 16 0,0 0-176 0,84-10-32 16,-84 10-16-16,0 0 0 0,92 10-768 0,-92-10-160 15,0 0-16-15,96 20-16 16,-96-20-224-16,0 0-32 0,103 19-16 0,-103-19 0 0,0 0 256 0,87 10 48 16,-87-10 16-16,0 0 0 0,0 0 224 0,0 0 64 15,87 9 0-15,-76-7 0 16,-3-1-256-16,-1 3-32 0,-1-2-16 0,-3-1 0 0,-1 3-16 0,-2-1-16 15,0-1 0-15,-4 2 0 0,3 3-96 0,-3-2-16 16,2-2 0-16,1 6 0 0,-5-2-256 0,3-2-64 16,-1 4-128-16,3 0 192 0,-3 3-192 0,2-4 0 15,-3 6 0-15,2 4 0 0,-1 3 0 0,-1-2 0 16,3 3-160-16,-5 5 160 0,4-3 0 0,-1 2 0 16,3 5 0-16,-1-1-128 0,2 0 352 0,0-1 80 15,3-4 16-15,3-6 0 0,2-3 208 0,-3-3 48 0,4-4 16 16,0 0 0-1,1-4-272-15,-1-1-64 0,5-3-16 0,-5-2 0 16,3-3-240-16,-2-5 0 0,3 1 128 0,1-8-128 0,-1-1 0 0,1-4 0 0,4 2 128 0,-1-9-128 16,2-2 0-16,1-5 0 15,-3 0 0-15,0 2 0 0,-1-2-256 0,-4 1-80 16,1-1-32-16,-1 0 0 16,-2 7-1856-16,-1-2-368 0,3 6-80 0,-3 1-12064 0</inkml:trace>
+  <inkml:trace contextRef="#ctx0" brushRef="#br0" timeOffset="36569.9">23547 18441 18431 0,'0'8'816'0,"-2"-2"160"0,0 1-784 0,2-2-192 15,0-3 0-15,0-2 0 0,0 3 1408 0,0 2 256 16,-1 4 32-16,-1 3 16 0,0-1-688 0,2 4-144 0,-5-1-32 0,3 0 0 15,-1-2-672-15,-1 6-176 0,1-2 0 0,-1-1 0 16,1 4 0-16,-3 1 0 0,1 2 0 0,2 1 0 16,-4 5 448-16,2-2 64 0,-1 3 16 0,3-2 0 15,-6-3 240-15,4 2 32 0,-2-2 16 0,0-1 0 16,0 1-624-16,-2-4-192 0,1 1 0 0,-1-4 0 16,0-3 0-16,0 2 0 0,2-6 0 0,0-3 0 15,0-2 0-15,2-1 0 0,3-3 0 0,2-2 0 16,0-5 272-16,2-2 0 0,2-4 0 0,3-8 0 15,-4 3-272-15,6-6 0 0,1-5 128 0,1-3-128 16,1-2 0-16,2-5 0 0,0-1 0 0,2-2-144 16,-2-5-288-16,1 3-48 0,1 4-16 15,-4 5 0-15,2 4-400 0,0 2-96 0,-4 9-16 0,3 2 0 16,-1 8 560-16,-2 2 96 0,-1 5 32 0,1 2 0 0,1 5 528 0,-1 1 112 16,3-1 32-16,-13-5 0 0,0 0 464 0,0 0 80 15,55 38 32-15,-55-38 0 0,0 0-288 0,0 0-48 16,70 42-16-16,-70-42 0 0,0 0-384 0,0 0-192 15,66 33 160-15,-66-33-160 16,0 0-448-16,0 0-176 0,0 0-32 0,86 10-16 16,-86-10-896-16,0 0-176 0,0 0-48 0,0 0 0 15,78-12-16-15,-78 12-16 0,0 0 0 0,0 0 0 16,0 0 944-16,65-45 192 0,-55 35 48 0,0-4 0 0,1 5 1056 0,-2-5 224 0,-2 5 32 16,-2-1 16-16,0 3 176 0,-3-2 32 0,-2 6 16 0,0 1 0 15,-2 2 256-15,-3 2 48 0,1 1 16 0,-1 6 0 16,-2 1 400-16,0 6 80 0,-2 5 16 0,-1 5 0 15,-2 2-416-15,1 5-80 0,-4 4-16 0,-3 1 0 16,1 0-480-16,-4 0-96 0,0 1-32 0,2-4 0 16,0-1-96-16,-1-7-32 0,8-8 0 0,4-2 0 15,-3-10-288-15,6 0-48 0,1-5-16 0,-3-2 0 16,6-4-128-16,-3-6 0 0,2-4 0 0,2-5 0 16,0-4-464-16,0-3-32 0,2-5 0 15,2-2 0-15,1 1 64 0,0-1 16 16,4-2 0-16,1-1 0 0,4 1 256 0,0 0 160 0,2 4-192 0,1-4 192 15,4 2-224-15,0 5 64 0,-21 28 16 0,49-52 0 0,-49 52-176 0,54-42-16 16,-54 42-16-16,61-35 0 0,-61 35 64 0,0 0 16 16,85-30 0-16,-85 30 0 0,0 0 272 0,0 0 0 15,86 14 0-15,-86-14 0 0,0 0 288 0,50 46 160 16,-38-24 48-16,2 4 0 0,0 6 464 0,-2 4 112 16,-1 4 16-16,-1 4 0 0,-1-4-560 0,0 7-96 15,0-2-32-15,-1-3 0 0,1-4-128 0,0-4-16 16,3-12-16-16,-12-22 0 0,0 0-240 0,0 0-192 0</inkml:trace>
+  <inkml:trace contextRef="#ctx0" brushRef="#br0" timeOffset="37704.72">25279 18646 21183 0,'-4'7'1888'0,"1"-3"-1504"32,3-3-384-32,2-1 0 0,-1-1 640 0,1 1 48 0,2 0 16 0,-1-2 0 15,2 0-1296-15,-3-5-256 0,3-1-48 0,-1 1-16 32,-2-4-592-32,-2 4-112 0,-2 0-32 0,0 4 0 0,-1 1 2272 0,-3 2 448 0,1 2 80 0,-2 5 32 15,2 0 1056-15,-2 0 224 0,2 5 32 0,-2 2 16 0,5-4-384 0,-5 6-80 0,5 0 0 0,1-1-16 16,1 3-1104-16,0-1-224 0,0 0-32 0,0 3-16 15,0 1-656-15,0-1 0 16,0 3-256-16,-2-2 80 16,2 3-880-16,-2 1-176 0,0-1-48 0,1-3 0 15,-1 2 384-15,-3-2 64 0,1-1 0 16,1-4 16-16,-1-2 592 0,2-3 224 0,1-8-176 0,-3-1 176 16,4-2 0-16,-2-4 0 0,2-4 0 0,-1-1 0 0,-1-5 0 0,0-5 0 15,-1-2 0-15,-1-9 160 0,4 2-32 0,-5-5-128 0,3-5 192 0,2 1-64 16,0-1 192-16,2 0 48 0,0-1 0 0,3-1 0 0,0 4-96 15,2-2-16-15,2-3 0 0,0 5 0 0,3 1-256 16,2 4 0-16,-2 5 0 0,-12 26 0 0,30-40 0 0,-30 40 0 16,0 0 0-16,0 0-144 0,0 0 144 0,0 0 0 15,80-28 0-15,-80 28 0 0,0 0 0 0,0 0 0 16,0 0 144-16,83 24-144 0,-83-24 240 0,0 0-64 31,60 28-16-31,-60-28 0 0,0 0-160 0,62 30 0 0,-62-30 0 0,0 0 0 16,68 26 0-16,-68-26 0 0,0 0 0 0,0 0 0 15,75 29 0-15,-75-29 0 0,0 0 0 0,0 0 0 0,0 0 320 0,86-2 96 16,-86 2 16-16,0 0 0 0,0 0 448 0,0 0 80 16,76-38 32-16,-76 38 0 15,0 0-416-15,0 0-96 0,0 0-16 0,51-43 0 0,-46 37-240 16,2-1-48-16,-5 0-16 0,-2 4 0 0,0-4-160 0,0 2 160 0,-2 1-160 0,-1 3 160 16,-3 1 32-16,1-4 16 0,-4 1 0 0,1-1 0 15,-3-3-64-15,-3 4-16 0,0-1 0 0,-3-1 0 16,-1 0-128-16,-1 1 0 0,0 3 144 0,0 1-144 15,-2 0 0-15,-2 1 0 0,3 4 0 0,-3 4 128 16,2 0-128-16,2 3 0 0,1 2 0 0,1-2 0 31,5 6 0-31,1 3 128 0,4 3-128 0,4 2 128 16,-4-2-128-16,5 6 0 0,6-2 0 0,1 2 0 16,0-4 0-16,2 5 0 0,3 0 0 0,6-3 0 0,-4 5 0 15,6-7 0-15,3 1 0 0,-21-27 0 0,43 36 0 0,-43-36 0 16,0 0 0-16,94 33 0 0,-94-33-224 15,0 0-16-15,114 11 0 0,-114-11 0 16,82-6-1232-16,-82 6-256 0,87-12-64 0,-87 12-14640 16</inkml:trace>
+  <inkml:trace contextRef="#ctx0" brushRef="#br0" timeOffset="38065.44">26652 18328 4607 0,'5'-14'400'0,"-1"1"-400"15,-1 8 0-15,-1 0 0 0,-2 0 2432 0,0 0 416 0,3-9 80 0,-1-6 16 16,2-2-224-16,-6-1-32 0,-3 6-16 0,-6 1 0 16,-1 11-992-16,-5 1-192 0,-1 8-32 0,-1-1-16 15,0 8-656-15,0-3-128 0,0 6-16 0,-1 0-16 16,5-1-496-16,1 2-128 0,2 3 0 0,1-4 0 16,6-2 0-16,-2 3 0 0,3 1 0 0,4 2 0 15,4-3 0-15,-1 3 0 0,6-1 0 0,0 0 0 16,0 3 0-16,1-1 0 0,2 0 0 0,0 0 0 15,1 2 0-15,-3 0 0 0,0 0 0 0,-1 0 0 16,-4-2 0-16,-3 0 0 0,0 2 0 0,-6 0 0 16,1 1 704-16,-4-2 192 0,-3-1 16 0,1-2 16 15,-3-1 192-15,-2-2 32 0,0 1 16 0,-2-2 0 16,-1-5-592-16,-4-1-112 0,-5 2-16 0,-2-2-16 0,-2 3-176 0,0-3-48 16,-3 6 0-16,0-3 0 0,2 4-208 0,-2-2 144 15,3-3-144-15,6 0 128 0,3-4-128 0,3-3-176 16,8-2 48-16,5-6 0 15,6-4-1296-15,5 1-256 0,-6 9-48 0,0 0-15120 16</inkml:trace>
+  <inkml:trace contextRef="#ctx0" brushRef="#br0" timeOffset="38380.31">26960 18375 25791 0,'-6'8'2304'0,"2"-4"-1856"0,2-1-448 0,2-3 0 16,2 0 2464-16,0-1 400 0,0-1 80 0,1 0 0 16,2 0-1632-16,2-3-336 0,0 2-64 0,2 1-16 31,-6 0-1648-31,1 2-336 0,-1 0-64 0,-1 4 0 0,-2 4-1616 0,-2 3-320 0,1 4-64 0,-3 3-16 16,1 4 2560-16,1 3 608 0,-3 6 0 0,5-1 0 15,0-2 2448-15,5 1 544 0,0-3 96 0,4-6 32 16,1-1-1312-16,4-7-256 0,-14-12-48 0,0 0-16 15,0 0-1056-15,86 10-224 0,-86-10-32 0,0 0-16 0,0 0-160 0,85-41 0 16,-85 41 0-16,42-44 0 16,-42 44-192-16,43-54 192 0,-20 21-192 0,0-2 192 15,-4 6-320-15,0-3 48 0,-2 4 16 0,-4 0 0 16,-3 4-1008-16,-3-2-192 0,2 3-32 0,-9 2-14752 16</inkml:trace>
+  <inkml:trace contextRef="#ctx0" brushRef="#br0" timeOffset="38712.22">27905 17946 21183 0,'-7'0'944'0,"4"-3"192"0,1 1-912 0,2-2-224 0,2 1 0 0,1 1 0 16,-1 0 384-16,1-5 16 0,4 4 16 0,-2-2 0 15,2 3-992-15,0 4-208 0,-1 6-48 0,-3 10 0 16,-1 1 112-16,-2 11 16 0,0 1 0 0,-4 2 0 0,-1 5 3120 0,2-1 624 16,-6 5 128-16,2 5 32 0,-2-4-576 0,1 4-96 15,-1-1-32-15,-2 2 0 0,1-1-1696 0,-2 4-352 16,-2 1-64-16,0-3 0 15,-2 2-672-15,4-6-128 0,-4 7-32 0,4-10 0 16,2-4-1280-16,3-6-256 16</inkml:trace>
+  <inkml:trace contextRef="#ctx0" brushRef="#br0" timeOffset="38995.93">28733 17652 28559 0,'7'-9'1264'0,"-2"4"272"0,2 0-1232 0,0-2-304 0,-2 3 0 0,0 2 0 15,2 1 1344-15,-7 1 224 0,0 0 32 0,0 0 16 16,61-32-1488-16,-61 32-288 0,0 0-64 0,0 0-16 31,25 37-1664-31,-31-11-336 0,-2 4-64 0,-4 8 0 0,-1 9 2128 0,-1 5 432 16,2 2 96-16,0 11 16 0,5 6 1872 0,0 0 384 15,0 8 80-15,2-1 16 0,0-1-1200 0,-1 1-240 0,1-1-64 0,2-4 0 0,-6-3-864 16,2-8-176-16,2-2-48 0,-4-10 0 16,2-6-464-16,0-6-112 0,2-3 0 0,-2-9-16 15,-2-2-1456-15,-1-6-304 0</inkml:trace>
+  <inkml:trace contextRef="#ctx0" brushRef="#br0" timeOffset="39184.65">28421 18312 32255 0,'-11'7'2864'0,"8"-5"-2288"0,3-1-576 0,7-2 0 16,2-1 1776-16,4 0 240 0,-13 2 48 0,0 0 16 16,89-31-1168-16,-89 31-224 0,152-44-48 0,-63 16-16 15,-4 0-624-15,-3 2-208 0,-5 0 0 0,-77 26 0 31,146-38-1664-31,-146 38-336 0</inkml:trace>
+  <inkml:trace contextRef="#ctx0" brushRef="#br0" timeOffset="58607.07">16637 6695 9215 0,'-7'0'816'0,"4"0"-656"0,-1 1-160 0,3-1 0 16,1 0 704-16,-2 0 96 0,-7 0 32 0,1 2 0 15,-6 0 208-15,0-2 48 0,3 1 16 0,-3 3 0 16,9-1-256-16,-4 1-48 0,2-1-16 0,4 1 0 15,-1-1 384-15,3 6 80 0,1-4 16 0,-2 1 0 16,2 4-320-16,0-3-64 0,0 5-16 0,-2 0 0 16,2 1 16-16,0 4 0 15,-2 2 0-15,2 0 0 0,-1 7-288 0,-1 4-48 0,0 3-16 0,0 4 0 16,1 4-192-16,-5 3-32 0,3 7-16 0,0-3 0 16,-3-1 16-16,5 2 0 0,-6 2 0 0,3-1 0 0,1 2 160 15,-1-5 48-15,2 6 0 16,-1-6 0-16,-1-2-224 0,3-5-32 0,-1 0-16 15,0-3 0-15,-1-1-400 0,1-4-80 0,2-8-16 0,0-3 0 16,0-4-1536-16,2-3-320 0,-1-7-64 0,1-2-16 16,2-5-880-16,-1-7-160 0,4 2-32 0,-5-9-5808 0</inkml:trace>
+  <inkml:trace contextRef="#ctx0" brushRef="#br0" timeOffset="59020.93">16545 6890 15663 0,'0'-7'688'0,"0"-2"144"0,4 4-656 0,-1-1-176 0,1 1 0 0,-1 0 0 15,2 3 560-15,6-6 80 0,4-5 0 0,6-2 16 16,-21 15 64-16,0 0 16 0,0 0 0 0,89-37 0 16,-70 34 688-16,2 1 144 0,-21 2 32 0,0 0 0 15,0 0-592-15,0 0-112 0,107 0-32 0,-88 2 0 16,-5 6-384-16,0 1-80 0,-4 3-16 0,-1 2 0 15,-4 5 16-15,-2 6 0 0,-3-1 0 0,-3 2 0 0,-2 7-64 0,-4-1-16 16,0 3 0-16,-3-2 0 16,-4 1-320-16,-1 3 128 0,-2 0-128 0,-2 1 0 0,-5 0-160 0,-2-1-96 31,0-1-32-31,2-1 0 0,1-9 160 0,1-1 128 0,3-6-192 0,0-9 192 0,4 4 0 0,1-7 320 16,2 2-32-16,2-6-16 0,5 1 208 0,-3-4 32 15,4 0 16-15,3 0 0 0,3 0-304 0,0-2-64 16,3 2-16-16,4-2 0 0,2 2-144 0,-2 0 0 31,5 0 0-31,2 2 0 0,2 0 0 0,3 1 128 16,5 6-128-16,-1-2 0 0,5 7 512 0,0 0 0 0,-28-14 16 15,63 31 0-15,-32-12-256 0,-31-19-48 0,66 42-16 0,-31-21 0 16,0 0-16-16,-35-21-16 0,71 35 0 0,-71-35 0 31,70 28-544-31,-70-28-96 0</inkml:trace>
+  <inkml:trace contextRef="#ctx0" brushRef="#br0" timeOffset="65105.24">11715 5317 9215 0,'-2'-2'816'0,"0"2"-656"0,2 0-160 0,0-3 0 0,0 3 272 0,0-2 32 16,-2 0 0-16,1 0 0 0,-1-1 240 0,-3-1 48 15,-4 1 16-15,0-1 0 0,-5 3 352 0,-1 1 64 16,-3-2 0-16,1 2 16 0,-2 2 128 0,-2-1 32 16,0 6 0-16,-4-1 0 0,4-1-160 0,-5 5-16 15,4-3-16-15,1 7 0 0,0 2-496 0,2 0-112 16,1 1-16-16,3 2 0 0,1-3-112 0,1-1-16 16,3 3-16-16,3-1 0 0,0-1-240 0,2-2 176 15,3 3-176-15,-1-1 160 0,1 1-160 0,4 3 0 16,-1-1 0-16,1-2 0 0,2 2 0 0,-1 2 0 15,6 4-144-15,5-1 144 0,-4-1 0 0,6-2 144 0,0-4-16 0,1-1 0 16,4-1 16-16,3-3 0 0,-24-12 0 0,0 0 0 16,91 25-144-16,-91-25 160 0,0 0-160 0,0 0 160 15,113 10-160-15,-92-3 0 0,-4-1 0 0,-3 0-176 16,-3 5-80-16,-4-1-32 0,-2 1 0 0,-3 1 0 16,0-2 448-16,-2 4 96 0,-2-1 0 0,-2-3 16 15,1 4 688-15,-8-4 144 0,3 1 32 0,-8 1 0 0,-3-1-416 16,-2 4-80-16,-7-1 0 0,-2 4-16 15,-6 2-64-15,-1 3-16 0,-3 1 0 0,-2 6 0 16,0 0-112-16,-1-1-32 0,1-4 0 0,0-6 0 0,9-3-208 0,5-11-32 16,9-9-16-16,9-10-16832 15</inkml:trace>
+  <inkml:trace contextRef="#ctx0" brushRef="#br0" timeOffset="68117.56">12689 7421 4607 0,'-4'9'400'0,"1"-4"-400"15,1-4 0-15,-1 1 0 0,1 0 672 0,0 3 48 0,-3 4 16 0,-6 3 0 16,1-1 240-16,-1 2 48 0,1-4 16 0,3-2 0 0,2-3 320 0,1-4 64 15,3 1 16-15,-1-2 0 0,2-5 288 0,2-2 48 16,3-3 16-16,0-3 0 0,2-1-768 0,-2-3-160 16,2-3-32-16,2-3 0 0,0 0-176 0,1-6-32 15,4-1-16-15,-5-4 0 0,3-5-96 0,0 1-32 16,0 5 0-16,2-8 0 0,-3 0-64 16,3 0-16-16,1-1 0 0,3-3 0 0,-1 3-272 15,-3 1-128-15,2 0 0 0,-1 4 128 16,-2 8-128-16,2-1 0 0,-4 3 0 0,1 0 0 0,-2 7 0 15,1 2 0-15,-2 2 0 0,-1 6 0 0,1 3 0 0,0 2 0 16,-2 1 0-16,3 2 0 16,-5 1 0-16,2 4 0 0,2-2 0 0,0 3 0 0,0 1 0 0,-2-1 0 0,3 1 0 0,-5-1 0 15,6 4 192-15,-4 0-32 0,0 3-16 0,0 1 0 16,-4 5 256-16,2 1 48 0,-3 4 16 16,0 1 0-16,1 6 112 0,1 0 0 0,-3 7 16 0,1 3 0 15,2 4-96-15,-3 5-32 0,3 0 0 0,-2 5 0 16,3 2-208-16,-3 0-64 0,-1 2 0 0,1-5 0 15,0 1-64-15,1 0-128 0,3-7 176 0,-1 3-176 16,2-5 144-16,3-3-144 0,-5-2 0 0,4-3 144 16,0-2-304-16,-4-5-64 0,4 2-16 0,-4-8 0 15,0 6-1648 1,4-7-336-16</inkml:trace>
+  <inkml:trace contextRef="#ctx0" brushRef="#br0" timeOffset="68355.3">12818 7135 2751 0,'-13'11'256'0,"6"-8"-256"0,4 1 0 0,-2-1 0 0,3 1 1184 0,2-4 192 15,2 1 32-15,1 3 16 0,-1 1 816 0,5-2 176 16,5 4 16-16,7-5 16 0,2-2-208 0,7-7-32 15,-28 7-16-15,0 0 0 0,113-31-32 0,-113 31-16 0,89-35 0 0,-89 35 0 16,91-38-1616-16,-91 38-320 0,82-37-64 0,-82 37-14624 16</inkml:trace>
+  <inkml:trace contextRef="#ctx0" brushRef="#br0" timeOffset="75749.54">7395 8116 11967 0,'5'0'1072'0,"2"-2"-864"15,0 0-208-15,-2-1 0 16,2-2 272-16,9-4 16 0,5-2 0 0,15-9 0 0,-36 20-288 0,94-53 0 16,-94 53 0-16,79-50 0 15,-46 32 0-15,-9-1 0 0,-1 4 208 0,-2 2-64 0,-2 3 1104 0,-2-4 224 16,-1 5 32-16,0-3 16 0,0 5 80 0,1-5 0 16,-5 7 16-16,0-6 0 0,2 6-752 0,-5 0-160 15,3 0-16-15,-5 1-16 0,0 2-544 0,-3 4-128 16,-3 3 0-16,-2 2 0 0,1 0 0 0,-6 7 0 0,-1 2 0 0,0 3 0 15,-5 2 0-15,-3 3 128 16,-1 8-128-16,-3-1 128 0,-2 4 192 0,-2-2 48 0,2 2 0 16,2 1 0-16,0-1 112 0,1-2 32 0,3-1 0 15,-3 1 0-15,3 0-240 0,-4-2-32 0,-1 0-16 0,1 4 0 16,0-2-224-16,2-3 0 16,-4 1 0-16,2-1 0 0,1-4 0 0,2-3 0 0,2 1 0 0,2-5 0 15,5-3 320-15,0 0 32 0,4-2 0 0,3-7 0 16,2 1-112-16,5-3-32 15,-2 1 0-15,3-3 0 0,6-1-208 0,4-4 128 16,3-5-128-16,3 2 0 0,1-5 0 0,1 1 0 16,3-5 0-16,3-2 0 0,-3 4 0 0,4-4 0 0,-5 1 0 0,-28 15 0 15,0 0-256-15,89-39-128 0,-64 29-48 16,2 5-13984-16</inkml:trace>
+  <inkml:trace contextRef="#ctx0" brushRef="#br0" timeOffset="76732.34">6462 9298 4607 0,'2'-1'400'0,"-2"-3"-400"0,0 2 0 0,0 2 0 0,0 0 1024 0,-2 0 112 16,2-3 16-16,-1-1 16 0,-6 1 176 0,-2 3 48 15,0 2 0-15,-1 5 0 0,-2 1-256 0,-2 6-48 16,0 0-16-16,-2 0 0 0,2 2-304 0,-2 1-48 15,6 2-16-15,-4-1 0 0,2-1-96 0,1-1-32 0,-1 0 0 0,5 1 0 16,-3 2-64-16,1-3 0 0,2 7-16 0,0-4 0 16,4 2 112-16,1-1 32 15,2 1 0-15,0 0 0 0,2-2-160 0,1 2-32 0,4-1 0 0,2-3 0 16,3 2-256-16,0-1-64 16,4-3-128-16,0-3 192 0,1-1-192 0,2-1 0 15,4-3 128-15,3-5-128 0,2-2 0 0,-28 0 0 16,0 0 128-16,0 0-128 0,118-28 176 0,-118 28-16 0,0 0 0 15,91-45 0-15,-58 26 176 0,-3 0 48 0,1-2 0 0,-3-2 0 16,0-1 48-16,-2-3 16 0,-2 5 0 0,-1-1 0 16,-6 2-96-16,-3 0-16 0,0 4 0 0,-7-2 0 15,-1 1 112-15,-6 4 32 0,0-1 0 0,-6-1 0 16,1 4 0-16,-4-6 0 0,-5 3 0 0,-1-1 0 16,-3 0-64-16,-4 4-16 0,-1 0 0 0,-3 0 0 15,-4 7-80-15,-3 1-32 0,0 2 0 0,2 6 0 16,-4-1-144-16,3 6-16 0,5 2-128 0,-5 1 192 0,6 0-192 0,0 0 0 15,5 2 0-15,2-5 0 0,5-1 0 0,3-6 0 16,4-2-176-16,2-2 176 31,3-4-1920-31,4-1-256 0,2-6-48 0,3 3-13040 0</inkml:trace>
+  <inkml:trace contextRef="#ctx0" brushRef="#br0" timeOffset="77030.23">6567 9638 3679 0,'-3'-3'0'0,"-1"-1"144"0,1 1-144 0,3-1 208 0,-2 4-208 0,-2 0 0 0,3 0 0 0,-5-2 0 16,-1 2 1152-16,-7 2 192 0,-1 5 48 0,-1 0 0 0,0 2 1120 0,2-1 240 15,4 5 32-15,1-5 16 0,6 3 256 0,1-4 48 16,7 1 16-16,-1-2 0 0,4-1-1392 0,5 0-256 16,1 2-64-16,0-2-16 15,0-3-880-15,1 7-192 0,4-2-16 0,2 3-16 0,2 1-288 0,3 4 0 16,-2 3 0-16,6-1 0 0,0 4-192 0,1 0-64 16,4 0 0-16,2-4-10240 15,1 1-2064-15</inkml:trace>
+  <inkml:trace contextRef="#ctx0" brushRef="#br0" timeOffset="79103.17">4603 9718 11055 0,'-3'7'976'0,"1"-5"-784"0,0 1-192 0,2-1 0 15,0-2 0-15,0 0 0 0,0 0 128 0,-3 2-128 0,1 0 1408 0,-2-1 256 0,3 3 32 0,-3-4 16 16,1-4-480-16,3 1-80 15,-2-2-32-15,2-9 0 0,0 5-160 0,2-5-16 0,-2-3-16 0,1-3 0 32,3 0-96-32,-2-3-32 0,1 0 0 0,1-3 0 0,-1 4 160 0,2-3 48 15,2-3 0-15,0 2 0 0,0-3-432 0,4 2-96 0,-6-4-16 0,2 1 0 16,2-1-320-16,-4 0-144 0,4 5 128 16,-2-2-128-16,-2 5 0 0,0 6 0 0,2 4 0 15,-4 3 0-15,1 5 0 0,-1 1 0 16,-1 4 0-16,3 0 0 0,-5 4 0 0,2 1 0 15,2 4 0-15,1-1 0 0,2 5 0 0,-2-5 0 16,2 8 192-16,2 1-64 0,-4 4-128 0,4 2 0 0,-1 5 144 0,-1 0-144 0,0 3 144 16,-3-1-144-1,1 3 192-15,-1 0-192 0,3-2 352 0,-4-1-32 0,0-1-16 16,1-2 0-16,-1 0-80 0,3-6-16 0,-5-7 0 16,5-2 0-16,1 1-208 0,0-8 176 15,0-3-176-15,3-6 160 0,-1-1-160 0,3-6 0 16,0-2 0-16,2-1 0 0,0-6-144 0,0-2 144 0,-2-1-192 0,2 1 192 15,-2-5-224-15,0 0 64 0,1 0 16 0,-1-2 0 16,-2 3 16-16,-1-4 0 0,2 6 0 0,-3-1 0 16,-1 1 128-16,-2 3 0 0,2 2 0 0,-3 3-128 15,1 2 128-15,-1 2 0 0,3 0 0 0,-2 7 0 16,0-1 0-16,2 5 0 0,0 2 0 0,0-1-128 16,3 6 128-16,3-5 0 0,-6 5 0 0,5 1 0 15,-4 1 0-15,5 4 0 0,1 6 0 0,0 3 128 0,-2 3 80 16,2 11 32-16,-4 5 0 0,1 9 0 0,-6-2 96 0,0 9 32 15,2 8 0-15,-7 0 0 0,0-1 48 0,-7 2 16 16,4-4 0-16,-3-11 0 16,5-10-256-16,1-17-48 0,7-9-128 0,6-28-17024 15</inkml:trace>
+  <inkml:trace contextRef="#ctx0" brushRef="#br0" timeOffset="79859.14">3592 8077 7359 0,'-3'2'656'0,"1"2"-528"16,2-3-128-16,0-1 0 15,0 2 512-15,-2-2 64 0,1 2 0 0,-3 1 16 0,2-1 720 0,-3 0 144 16,2 0 16-16,-1-2 16 0,4 0-272 0,-1 1-64 16,-1 5-16-16,2-5 0 0,0 5 320 0,0-5 64 15,2 5 16-15,1 0 0 16,1 1-304-16,-1-1-48 0,2 4-16 0,-1 1 0 16,1-1-304-16,2 6-64 0,-5 1-16 0,1 4 0 15,-1 2-208-15,0 8-64 0,-2-1 0 0,0 4 0 16,-2 3-96-16,-2 3-32 0,3 7 0 0,-6-3 0 15,3-4-16-15,-1 5-16 0,1-3 0 0,1-2 0 0,1-4-176 0,2-2-48 16,-1-7 0-16,2 0 0 16,1-3-416-16,1-7-96 0,1 1 0 0,1-8-16 15,0 1-2304-15,1-6-464 0</inkml:trace>
+  <inkml:trace contextRef="#ctx0" brushRef="#br0" timeOffset="80356.77">3587 8187 11055 0,'-15'5'976'0,"8"-1"-784"0,3-1-192 0,-3-1 0 15,5-2 1152-15,2 0 192 0,0-2 48 0,2 1 0 16,0-1 16-16,3-3 0 0,2 3 0 0,0 0 0 16,2 2-1184-16,-1-2-224 0,3 4 0 0,1-2 0 15,-1 2 368-15,2 0 176 0,5 3 32 0,-1-2 16 16,2 1 512-16,2-1 112 0,0-3 0 0,-2 4 16 15,-5 1-624-15,0 0-128 0,0 0-32 0,-3 1 0 0,-3 4-272 0,-4-1-176 16,-1 3 192-16,-3 4-192 0,-7 1 448 0,2 2 0 16,-5 2-16-16,-4 2 0 0,-2 6-96 0,-3-1-16 15,0 7 0-15,1-5 0 0,1-4-320 0,1-3 128 16,2-3-128-16,2 0 0 0,3-3 128 0,2-1-128 16,4-4 128-16,-2-5-128 15,8 2 128-15,-1-6-128 0,1 2 128 0,3-3-128 0,2 0 0 0,-2-2 0 16,1 0 0-16,1 2 0 0,3-2 0 0,-1-2 0 15,1 4-144-15,3-1 144 0,0 3 0 16,0-1 0-16,-4-1 0 0,2 0 128 16,4-1-128-16,-2 3 0 0,5 1 0 0,-2-1 0 15,1-1 0-15,-3 1 0 0,1-1 0 0,0 6 0 0,0-4 0 0,-6 2 0 0,2 3 0 0,-3-3 0 16,0 6 0 0,-6-1 0-16,1 0 0 0,-4 4 0 0,-4-2 144 0,1 1 160 0,-8 4 16 15,1 1 16-15,-4 2 512 0,-4-1 112 16,1 2 0-16,-4-1 16 0,-2 6-240 0,-6-2-48 15,-6 8-16-15,-3-1 0 0,-3 1-288 0,1 0-64 16,0 2-16-16,2-3 0 0,5-8-304 0,7-11 128 16,5-11-128-16,14-26-18096 15</inkml:trace>
+  <inkml:trace contextRef="#ctx0" brushRef="#br0" timeOffset="82004.18">3917 6214 11967 0,'0'0'1072'0,"0"0"-864"16,0 0-208-16,0-2 0 0,0 2 608 0,0-2 80 15,0 2 16-15,-4 0 0 0,1-1-320 0,-1 1-48 16,1 1-16-16,-1 3 0 0,-1 3 864 0,1 0 160 16,3 0 48-16,-1 5 0 0,0 0-112 0,2 0 0 15,-2 6-16-15,1 1 0 0,-1 5-416 0,-2 1-80 16,3 1 0-16,-1 5-16 0,-2-3-112 0,-1 3 0 0,2 2-16 0,-4 1 0 15,2-3-80-15,-1 0-16 0,1 1 0 0,2-5 0 16,-3 1-192-16,1-3-32 0,0-4-16 16,0-4 0-16,1 0-512 0,1-3-96 0,-1-1-32 0,1-1 0 31,-1-4-1600-31,4 1-320 0,0-4-64 0,2-1-9472 0</inkml:trace>
+  <inkml:trace contextRef="#ctx0" brushRef="#br0" timeOffset="82413.26">3936 6057 6447 0,'0'0'272'0,"0"0"80"0,1 0-352 0,-1 0 0 0,2 0 0 0,0 0 0 0,1 2 832 0,4-2 80 15,6 0 32-15,4 2 0 0,6-2-320 0,-1 0-64 16,4 0-16-16,-1 0 0 0,3-2 48 0,-7 2 16 15,1 0 0-15,1 0 0 0,-4 2 288 0,-3-2 64 16,-1 3 16-16,-4 2 0 0,-1 0 64 0,-4-1 16 16,-3 5 0-16,-3-4 0 0,-2 2 32 0,-5 5 16 0,-1-2 0 15,-5 4 0-15,0 6-560 0,-5-1-112 0,-1 7-32 0,-5 0 0 16,1 0-128-16,-7 4-16 0,6-2-16 16,-6 3 0-16,6-1-240 0,1-3 176 0,-3 1-176 15,5-2 160-15,4-5-160 0,-1 0 0 16,3-2 0-16,2-1 0 0,3 1 0 0,3-5 0 15,2 0 0-15,-2-5 0 0,5 1 368 0,0-3 80 0,4-2 32 0,0 2 0 16,5-3 16-16,-2-1 0 0,2-1 0 0,2 0 0 16,1-1-336-16,2 1-160 0,2 2 160 0,0-3-160 15,4 1 0-15,3-2 0 0,1 2 0 0,-1 0 0 16,2-1 0-16,1 1 0 0,2 3 0 0,-1 0 0 16,1 1 0-16,0-3 0 0,0 4 0 0,2-2 0 0,-4-1-192 0,1-2 32 15,-1-2 0-15,-24 0-13664 16</inkml:trace>
+  <inkml:trace contextRef="#ctx0" brushRef="#br0" timeOffset="83125.77">5410 5040 6447 0,'0'-4'576'15,"-2"3"-576"-15,0-1 0 0,2-2 0 0,-3 4 928 0,-1-1 80 0,-2-3 16 0,-5 1 0 32,-3-1 304-32,-9 2 64 0,1 4 16 0,-1 3 0 0,0-1 128 0,1 6 48 0,-4-1 0 0,1 7 0 31,1-1-576-31,-7 5-112 0,-1 2-32 0,3-1 0 15,1 7-272-15,0-5-48 0,3-1-16 0,6-3 0 0,5-1-320 0,0-6-64 16,7-3-16-16,0-1 0 0,6-2-128 0,2-3 0 0,3-3 0 0,1 2-176 16,0 0-48-16,1-1-16 0,2 5 0 0,1 1 0 15,1-2 64-15,1 7 16 0,-1-3 0 0,4 5 0 0,-5 3 288 0,3 2 48 16,0 2 16-16,2 2 0 16,2 3 400-16,0-2 96 15,1 1 16-15,-3-3 0 0,0-1 48 0,-2-2 16 16,-1 1 0-16,-3-5 0 0,1-1-96 0,-2 2-16 15,-2-4 0-15,-1-2 0 0,-2 3-208 0,-4-1-32 16,0-3-16-16,-5 3 0 0,-2-2 64 0,-1 4 16 0,-8 0 0 0,-1-2 0 16,-2 2-96-16,-3 4-32 15,1-4 0-15,1 1 0 0,3-1-352 0,3-2 0 16,4-6 0-16,5-6-16576 0</inkml:trace>
+  <inkml:trace contextRef="#ctx0" brushRef="#br0" timeOffset="88144.37">7240 4186 911 0,'1'6'0'0,"-1"-3"0"0,2-1 0 0,-2 0 0 0,0-1 400 0,0 3 0 0,0 1 0 0,0 2 0 16,0 5 752-16,0-5 128 0,-2 2 48 0,-1-4 0 15,1-3 128-15,0-2 16 16,-1-4 16-16,1-1 0 0,0-2-80 0,2 2-32 0,-1-2 0 0,1-2 0 15,0 2-400-15,0-1-80 0,1 1 0 0,-1 0-16 16,2-2-224-16,0 2-32 0,1-3-16 0,-1 3 0 16,0-4 224-16,0 2 32 0,1-3 16 0,1 2 0 15,3-4 224-15,-6-2 48 0,3-1 16 0,-2-2 0 32,1-1-304-32,1-2-64 0,1 3-16 0,-5-4 0 15,5-3-384-15,-2 1-80 0,3 1 0 0,-1-4-16 16,2 2-80-16,0-4-16 0,3-1 0 0,4-2 0 0,-2 0-80 0,2-2 0 15,4 0-128-15,-2 2 192 0,3 2-192 16,-2-1 0-16,1 8 0 0,-1 0 0 0,-5 5 0 0,0-1 0 16,2 5 0-16,-3 3 0 0,-1 3 0 0,1 0 0 15,-3 6 0-15,1-1 0 0,0 4 0 0,-2-2 0 16,1 4 0-16,-4 2 0 0,1-1 0 0,-1 4 0 16,-3 0 0-16,1-2 0 0,2 9 0 0,-4-2 0 15,0 2 128-15,-4 6-128 0,1 2 400 0,1 1-16 16,-2 3 0-16,1 2 0 0,1 3 128 0,2 2 32 0,0-1 0 15,0-6 0-15,5 3-176 0,1-1-48 0,2 0 0 0,-1-2 0 16,4-3-320-16,-2-1 144 16,3 1-144-16,0-2 0 0,2-4 0 0,2 1 0 15,1-4 0-15,0 0 0 0,1 3 0 0,1-3-256 0,-5-2 64 16,3 2 0 0,1 5-768-16,-1-3-128 0,-1 0-48 0,-2 1 0 15,2 2-1296-15,-3 0-272 0</inkml:trace>
+  <inkml:trace contextRef="#ctx0" brushRef="#br0" timeOffset="88538.26">7344 3855 7359 0,'-10'4'320'0,"6"-2"80"0,-3-1-400 0,4 3 0 0,1-4 0 0,2 0 0 15,0 2 1184-15,2-2 160 0,0 1 16 0,-1 1 16 16,1 2 544-16,3-4 96 0,0 1 32 0,1 1 0 16,1 0 16-16,1-2 16 0,3 0 0 0,-1 0 0 15,3-2-928-15,2-1-176 0,3 3-32 0,1-6-16 16,0-1-352-16,5 0-80 0,8-5-16 0,-32 12 0 16,0 0-480-16,113-43-320 0,-113 43 64 0,91-44-13824 15</inkml:trace>
+  <inkml:trace contextRef="#ctx0" brushRef="#br0" timeOffset="91747.72">8968 8581 5519 0,'0'2'496'0,"0"-2"-496"0,0 1 0 0,-3-1 0 15,3 2 928-15,0 0 96 0,-2 3 0 0,0 0 16 16,-1 0 0-16,-1 6 0 0,3-4 0 0,-1 3 0 16,2-1-32-16,0 1-16 0,-2-3 0 0,2 6 0 15,0-5-128-15,0 5-32 0,0-5 0 0,2 4 0 16,-2-3 144-16,0 3 32 0,0 1 0 0,-2-3 0 0,-1 4 16 0,-1 0 16 16,2 3 0-16,-1 1 0 0,1 1-192 0,0 0-32 15,1 4-16-15,-5-1 0 0,3 3-160 0,-2 3-48 16,1-1 0-16,1 7 0 0,-2-3-208 0,1 0-32 15,1 4-16-15,-1 2 0 16,2-1-144-16,-3-1-16 0,2-4-16 0,1 1 0 0,0-1-160 16,-1-5 0-16,-1 4 0 0,1-8 0 15,1 3-656-15,-2-3-112 0,3-4-32 0,-3-4 0 16,3 3-1872-16,-1-1-368 0</inkml:trace>
+  <inkml:trace contextRef="#ctx0" brushRef="#br0" timeOffset="92200.32">8906 8631 9215 0,'-4'-8'400'0,"2"2"96"0,1 1-496 0,1 0 0 0,0 1 0 0,0 3 0 15,1 1 1344-15,1-6 160 0,3-2 32 0,1 1 16 0,-3 0-16 0,2-2 0 16,6 4 0-16,-4 1 0 0,3 1 32 0,1-4 0 15,3 5 0-15,1-3 0 0,3 2-400 0,1-4-80 16,2 5 0-16,0-2-16 0,0 3-432 0,-2 1-64 16,-2 0-32-16,-1 1 0 0,-1 3-352 0,-6 5-192 15,2 1 192-15,-4 2-192 0,-4 4 128 0,-1 1-128 16,-4 4 0-16,-1 2 0 0,-3 1 368 0,-2 6-48 16,-3 5 0-16,-4-4 0 15,-1 4-128-15,0 0-48 0,-1-2 0 0,-1-4 0 0,4 4-144 0,-3-8 0 16,1 1 0-16,1-7 128 0,-1 0-128 0,0-3 0 15,2-6 0-15,0 3 0 0,2-5 0 0,3-1 0 16,1-3 0-16,2-3 0 16,5 1 0-16,2-2 0 0,3 0 0 0,5-2 128 0,-4 1-128 0,4 1 0 15,-1 0 144-15,3 0-144 0,1 3 0 0,0 1 0 0,4 4 0 16,-6 1 0-16,6 5 0 0,1 0 0 16,1 2-144-16,3 1 144 15,0 1 128-15,3 1 112 0,2-2 16 0,4 1 0 0,3-3 320 0,-2 3 80 0,6-1 16 0,0 4 0 16,3 2-224-16,-2-3-64 0,-1 7 0 0,1-5-11680 31,-7 3-2336-31</inkml:trace>
+  <inkml:trace contextRef="#ctx0" brushRef="#br0" timeOffset="113041.83">25390 11594 9215 0,'0'0'816'0,"0"0"-656"0,0 0-160 0,88-17 0 31,-75 13 192-31,-13 4 16 0,82-17 0 0,0-2 0 16,25-4-1104-16,8-7-208 0,-2 6-48 0,-9-6-16 16,-11 8 208-16,-4-4 64 0,1 3 0 0,3-3 0 0,2 7 896 0,5-4 272 15,6 2 16-15,0-7 0 0,1 0 1008 0,1-5 208 16,3 4 32-16,9-4 16 0,16-1-720 0,-7 0-128 15,-5 9-48-15,-4-6 0 0,-3 6-656 0,9-1 0 0,8 2 0 16,-12 5-176-16,-14 3 176 0,5 4-160 0,11-2 160 0,1 0-160 0,-1 5 400 0,-7-1 80 16,-9 6 0-1,3-1 16-15,6 2 80 0,1-3 16 0,3 5 0 0,-13-1 0 16,-5-3-304-16,5 1-128 0,0-3 0 0,3 4 128 16,4-2-560-1,-7-4-112-15,-10 0-32 0,-2-3 0 0,-6 5 448 0,-4-7 128 16</inkml:trace>
+  <inkml:trace contextRef="#ctx0" brushRef="#br0" timeOffset="114115.83">25338 11871 16575 0,'-5'5'1472'0,"3"-3"-1168"0,2-2-304 0,2 0 0 16,1 0 816-16,1 0 96 0,1 0 32 0,0-2 0 16,4-1-496-16,3-3-80 0,0-2-32 0,-3-1 0 15,0-1-336-15,-7-4 0 0,-1 5 0 0,-2-3 0 16,-8 5 0-16,-5-2 0 0,0 4 128 0,-7 5-128 0,-5 0 592 0,-4 3 48 16,1 6 16-16,-6 1 0 0,-2 6 208 0,2 2 32 15,2-1 16-15,-2 6 0 0,1 6-400 0,-1-3-64 16,3 7-32-16,6-6 0 0,7 2-128 0,2-4-32 15,8 1 0-15,2-4 0 0,5-2-256 0,4-5 128 16,3 3-128-16,-1-6 0 16,3 3-560-16,3 1-208 0,-5 2-64 0,2 1 0 15,0 0-176-15,-1 2-32 0,-1 0-16 0,2-2 0 0,-4 0 1056 0,2-2 0 16,1-1 0-16,-1-2 192 0,2-2 896 0,0 0 160 16,2-3 32-16,-1 2 16 0,1-3-224 0,0 1-48 0,-1-2-16 0,1 3 0 15,2-1-496-15,-4 2-80 0,-1-1-32 0,1 6 0 16,-3-2-400-16,-1 3 128 0,-1 4-128 0,-4 0 0 15,-1 0 0-15,-2 0 0 0,-1 0-144 0,-2 1 144 16,3-3-384-16,-6 1 16 0,4-7 16 0,-2 3 0 16,2-4 352-16,0-1 0 0,-1 1 0 0,1-7 0 15,0 4 128-15,2-4 64 0,-2-1 0 0,-2-1 0 16,0 2 64-16,-1 1 0 0,-1-1 16 0,-6 3 0 16,-1 3-272-16,-1 3 160 0,-2 3-160 0,-3 2 128 15,-2 4-128-15,0 1 0 0,-4 6 0 0,4 1 0 16,-4-1 0-16,8 1 0 0,2-3 0 0,7-2 0 0,4-5 0 0,7-5 0 15,4-4 0-15,1-1 0 0,4-6 0 0,2 4 0 16,0-4 0-16,1-2 0 16,1 1-784-16,-4 3-48 0,1-4 0 0,-4 2 0 15,3 1 128-15,-7 2 0 0,1-2 16 0,1 2 0 0,2-1 560 16,-1-3 128-16,4 4 0 0,-2-2 0 0,4-3 304 0,2-1 80 16,-1 1 32-16,0 3 0 0,3-1 96 0,-1-2 32 15,-2 6 0-15,-3 0 0 0,2 5-336 0,-9-2-64 16,2 4-16-16,-4 3 0 0,-3 5-128 0,-2 2 0 15,0 2 0-15,-2 3 0 0,4 2 400 0,1-5 0 0,3 4 0 16,4-8 0-16,6 6 400 0,3-8 80 0,4-2 16 0,5-5 0 16,-21-15-704-16,0 0-192 0,85 28 0 0,-85-28-16128 15</inkml:trace>
+  <inkml:trace contextRef="#ctx0" brushRef="#br0" timeOffset="115135.89">20666 15494 18431 0,'-14'8'1632'0,"-1"-1"-1312"31,8-3-320-31,3-4 0 0,2 0 1632 0,-1 2 256 16,-9 1 48-16,-4 4 16 0,-3-2-176 0,3-1-48 0,1-2 0 0,1-2 0 16,0 0-1280-16,1-2-256 0,-2-2-48 0,-1 4-16 31,-3 0-960-31,0 0-192 0,-2 0-32 0,-2 4-16 16,-1 6-304-16,-1-1-64 0,-1 7-16 0,-3 3 0 15,2 0 480-15,-4 4 80 0,2 4 32 0,2-2 0 0,1 3 544 0,2-4 96 0,3 0 32 0,2-1 0 16,3 0 192-16,4-4 0 0,1 0 0 0,4-1 0 15,4-5 224-15,1 3 96 0,2-2 0 0,2 2 16 16,0 1-112-16,1 1-32 0,4 4 0 0,0 1 0 16,-3 1-192-16,-1 2 0 0,2 2 0 0,1 0-160 15,-5 2 160-15,3 1 0 0,-2 2 0 0,-2-1 0 0,1 2 640 0,-1 1 176 16,2-2 16-16,0-3 16 0,1 3 432 0,1-3 64 16,-3-4 32-16,1-4 0 0,0 1-160 0,0 0-48 15,1-2 0-15,-5-2 0 0,1 3-720 0,-3 1-128 16,1 5-48-16,-8 0 0 0,4 1-464 0,-5-1-80 15,0-2-32-15,-2-1 0 16,-5-1-400-16,0 0-96 0,-4 1-16 0,2-4 0 16,0-4 208-16,5-5 32 0,3 1 16 0,-3-8 0 0,7 2 560 15,0-6-128-15,8-2 128 0,-1-1 0 0,5-3-208 0,1 0 16 0,3-1 0 0,3-4 0 32,3 3-896-32,-5-4-160 0,4 6-32 0,1-2-16 15,-1 0 240-15,0 4 48 0,0 1 16 0,-1 2 0 0,-3 0 784 0,3 2 208 0,1 1 0 0,-3 3 0 16,3-3 1088-16,2 2 288 0,2-1 64 0,3 3 16 15,0-2 240-15,0 0 48 0,0 7 16 0,2-3 0 16,-3 5-688-16,-4 2-144 0,-1 3-32 0,-2 2 0 16,-2 3-624-16,-6 7-128 0,-1-3-16 0,-6 5-128 15,-1 7 192-15,-4 4-64 0,-1 1 0 0,-6 4-128 0,2 0 496 16,0 7-16-16,0-1 0 0,-3 3 0 16,-2 1 32-16,1 0 16 0,3 6 0 0,-1-6 0 15,4 0-128-15,-2 0-16 0,2 6-16 0,0-1 0 0,-2 4-112 0,0-5 0 16,0-2-16-16,5-5 0 0,-1-4-240 0,1-3 0 15,4-1 0-15,3 1 0 16,4-5 0-16,5-6 0 0,8-3 0 0,4-9 0 0,9 0 0 0,9-7 0 16,-37-19 0-16,99 18 0 0,-99-18 0 0,120-4 0 15,-120 4 128-15,170-36-128 0,-76 8 0 0,-2-2 0 0,-3-3 0 16,-4-2-18048-16</inkml:trace>
+</inkml:ink>
+</file>
+
+<file path=ppt/ink/ink13.xml><?xml version="1.0" encoding="utf-8"?>
+<inkml:ink xmlns:inkml="http://www.w3.org/2003/InkML">
+  <inkml:definitions>
+    <inkml:context xml:id="ctx0">
+      <inkml:inkSource xml:id="inkSrc0">
+        <inkml:traceFormat>
+          <inkml:channel name="X" type="integer" max="30347" units="cm"/>
+          <inkml:channel name="Y" type="integer" max="20231" units="cm"/>
+          <inkml:channel name="F" type="integer" max="65535" units="dev"/>
+          <inkml:channel name="T" type="integer" max="2.14748E9" units="dev"/>
+        </inkml:traceFormat>
+        <inkml:channelProperties>
+          <inkml:channelProperty channel="X" name="resolution" value="1000.23071" units="1/cm"/>
+          <inkml:channelProperty channel="Y" name="resolution" value="1000.04944" units="1/cm"/>
+          <inkml:channelProperty channel="F" name="resolution" value="0" units="1/dev"/>
+          <inkml:channelProperty channel="T" name="resolution" value="1" units="1/dev"/>
+        </inkml:channelProperties>
+      </inkml:inkSource>
+      <inkml:timestamp xml:id="ts0" timeString="2023-09-29T22:59:19.207"/>
+    </inkml:context>
+    <inkml:brush xml:id="br0">
+      <inkml:brushProperty name="width" value="0.05292" units="cm"/>
+      <inkml:brushProperty name="height" value="0.05292" units="cm"/>
+      <inkml:brushProperty name="color" value="#FF0000"/>
+    </inkml:brush>
+  </inkml:definitions>
+  <inkml:trace contextRef="#ctx0" brushRef="#br0">1947 7297 4287 0,'-7'-9'0'16,"2"4"0"0,3 5 0-16,1-2 0 0,1 2 0 0,-4-3 0 15,-1-6 0-15,-5-1 0 0,-1-6 0 0,2 0 0 16,1 6 0-16,4 0 0 0,-1 1 0 0,1 0 0 0,3 4 0 0,-3 0 0 15,3-1 0-15,-1 5 0 16,-3-1 464-16,1 2 96 0,-1 0 16 0,0 0 0 0,1 0 160 0,-3 2 32 16,2-1 16-16,-2 5 16 0,0-3-240 0,0 1-48 15,-2-1-16-15,2 1 0 0,4 3 0 0,-6-4 0 16,2 2 0-16,4-1 16 0,-4 1 208 0,3 0 48 16,1-1 16-16,-1-3 0 0,3 1 16 0,-3 0 0 15,2 0 0-15,2-2 16 0,-1 3-368 0,-1-3-64 16,0 2 0-16,0 0-16 0,1-1-208 0,-1 3-32 15,0-1-128-15,-3 6 192 0,3-2 144 0,-1 4 32 0,-3-1 0 0,3 6 16 16,-6-1 0-16,6 1 0 16,-3 1 0-16,5-3 0 0,1 4 0 0,-2-3 0 15,4 5 0-15,-1-5 0 0,3 3-240 0,1-3-144 0,2-2 160 0,-3 0-160 16,1 0 0-16,2-5 0 0,3 8 0 0,-1-4 0 16,1 2 0-16,1 4 0 0,-2-1 0 0,-2 2-128 15,1 2 128-15,1 3 0 0,-2-1 0 0,-2 1 0 16,0 6 0-16,-3-4 0 0,-2 4 0 0,0-4 0 15,-2 4 0-15,-1-4 0 0,-1 3 0 0,1-1 0 16,-2 2 0-16,3-6 0 0,-1-1 0 0,3-4 0 0,1 0 0 0,3-3 0 16,1-2 0-16,2-6 0 15,3 3 0-15,-3-6-128 0,6 0 128 0,-1 2 0 0,2 0 0 0,-2-3 0 16,5 6 0-16,-8-3-128 0,5 5 128 0,-4 2 0 16,3-1 0-16,-5 2 0 0,1 4 0 0,-4 0 0 15,4 1 0-15,-7 1 0 0,1-1 0 16,2 0 0-16,2-1 0 0,-3-5 0 0,1 1 0 0,6-4 0 15,-4-1 0-15,5-4 0 16,-3 4 0-16,1-7 0 0,0 3 0 0,1 2 0 0,-1-2 0 0,1-3 0 16,-1 4 128-16,1-2-128 0,-3-1 384 0,1 1 16 0,0 2 0 0,1 0 0 15,-1-4 96-15,1 4 16 16,3-3 0-16,-3-2 0 0,4-1-192 0,2-1-16 16,-4 0-16-16,4-3 0 0,-1-1-288 0,3-3 0 15,1 2 0-15,2-2 0 0,1-1 0 0,3 1 0 16,-4-2 0-16,-2 2 0 0,4 0 0 0,-1-4 0 15,1 6 0-15,1-3 0 0,-3 2 0 0,2 1 0 0,1-4 0 0,4 4 0 16,-5 0 0-16,5-4 0 16,1 4 0-16,-1-4 0 0,-28 9 0 0,0 0 0 15,98-29 0-15,-98 29 0 0,0 0 0 0,0 0 0 0,117-33-128 0,-91 29 128 16,-2 2 0-16,0 2 0 0,-1 0 0 0,0 2 0 16,1 0 0-16,-1 1 0 0,-4 4 0 0,0-2 0 15,2 1 0-15,0 1 0 0,2 0 128 0,-2-2-128 16,5 2 0-16,-4 0 0 0,6-2 0 0,0 2 0 15,0-2 0-15,0-1 0 0,1-3 0 0,-1 3 0 16,0 1 208-16,0-1-64 0,-2-1-16 0,-1 1 0 16,-1 1 384-16,-1-3 80 0,-1 1 16 0,1-3 0 0,3 0-480 15,-3-2-128-15,3-1 0 0,0-2 0 16,-3 1 0-16,3-1 0 0,2-2 0 0,0 2 0 16,0-1 0-16,-1-2 0 0,1 3 0 0,-28 5-128 15,0 0 128-15,0 0 0 0,115-14 0 0,-90 10 0 0,4 2 0 0,-1-1 0 16,-28 3 0-16,0 0 0 15,0 0 0-15,112-5 0 0,-88 5 0 0,2 0 0 0,-1 1 0 0,-3 1 0 16,4 2 0-16,-3-3 0 0,1 5 0 0,1 1 0 16,-1 0 0-16,-3-4 0 0,2 4 0 0,-1 0 0 15,6-2 0-15,0 2 0 0,-28-7 0 0,0 0 0 16,94 12 0-16,-94-12 0 0,0 0 0 0,105 11 0 16,-105-11 0-16,0 0 0 0,113 3 0 0,-113-3 0 0,0 0 0 0,98 0 0 15,-98 0 0-15,0 0 0 0,0 0 0 0,120 2 0 16,-94-2 0-16,-26 0 0 15,0 0 0-15,0 0 0 0,119 7 0 0,-119-7 0 0,0 0 0 0,97 3 128 16,-97-3-128-16,0 0 0 16,105 2 0-16,-105-2 0 0,0 0 0 0,104 0 0 15,-104 0 0-15,0 0 0 0,0 0 0 0,122-5 0 0,-122 5 0 16,0 0 0-16,0 0 672 0,124-19 64 16,-124 19 16-16,0 0 0 0,106-28-624 0,-106 28-128 15,0 0 0-15,122-40 0 0,-122 40 0 0,0 0 0 0,128-37 0 0,-128 37 0 0,0 0 0 0,111-29 0 16,-111 29 0-16,0 0 0 15,0 0 0-15,119-11 0 0,-93 11 0 0,-26 0 0 16,0 0 0-16,0 0 0 0,113 2 0 0,-89-2 0 16,-24 0 0-16,0 0 0 0,0 0-128 0,128-2 128 15,-128 2 0-15,0 0 0 0,111-12 0 0,-111 12 0 0,0 0 0 0,119-19-128 16,-119 19 128-16,0 0 0 0,106-11 0 0,-106 11 0 16,0 0 0-16,96-12 0 0,-96 12 0 15,0 0 0-15,99-14 0 0,-99 14 0 16,0 0 0-16,103-12 0 0,-103 12 0 0,0 0 0 0,103-12 0 0,-103 12 0 15,0 0 0-15,0 0 0 16,127-7 0-16,-103 9 0 0,2-1 0 0,1 1 0 16,-5 0 0-16,-1 1 0 0,2-1 0 0,-1 2 0 15,3 1 0-15,-4-3 0 0,3 1 0 0,4 1 0 0,-4-3 0 0,3 1 0 16,-27-2 0-16,0 0 0 0,0 0-128 0,115-3 128 16,-115 3 0-16,0 0 0 0,106-20 0 0,-106 20 0 15,0 0 0-15,127-26 0 0,-127 26 0 0,0 0 0 16,113-14 0-16,-113 14 0 0,0 0 0 0,0 0-128 15,105 0 128-15,-81 2 0 0,-5 3 0 0,2 2 0 16,0 0 0-16,0-1 0 0,0 4 0 0,2-7 0 0,-2 6 0 16,1-4 0-16,-1 1 0 0,-2-5 0 0,4 5 0 15,0-5 0-15,1 1 0 0,0-2 0 0,3 0 0 16,-27 0 0-16,0 0 0 0,0 0 0 0,122-10 0 0,-122 10 0 0,0 0 0 0,95-11 0 16,-95 11 0-16,0 0 0 0,0 0 0 0,114-9 0 31,-92 8 0-31,-22 1 0 0,0 0 0 0,0 0 0 0,108-6 0 0,-108 6 0 0,0 0 0 0,0 0 0 15,101-3 0-15,-101 3 0 16,0 0 0-16,0 0 0 0,110-3 0 0,-110 3 0 16,0 0 0-16,0 0 0 0,115 3 0 0,-115-3 0 0,0 0 0 0,0 0 0 0,121 0 0 0,-95 0 0 31,-26 0 0-31,0 0 0 0,0 0 0 0,108-9 0 16,-84 8 0-16,0-3 0 0,-24 4-128 0,0 0 128 15,0 0 0-15,95-17 0 0,-95 17 0 0,0 0 0 16,0 0 0-16,97-18 0 0,-78 13 0 0,-3-2 0 15,0 4 0-15,-1 1 0 0,-4-2 0 0,-1 1 0 16,-1 1 0-16,0-1 0 0,-6 3 0 0,4-2 0 16,0 2 0-16,-5-2 0 0,0 2 0 0,1-2 0 0,-1 2 0 15,-2 0 0-15,2 0 0 0,-4 0 0 16,2-1 0-16,-2-1 0 0,0 0 0 0,-1 0 0 16,3-1 0-16,-2-2 0 0,-1 1 0 0,1 2 0 0,-2-1 0 0,1-2 0 15,1 0 0-15,-1 1 0 0,3-1 0 0,-5 0 0 16,1-1 0-16,1 3 0 0,-1-1 0 0,1-1 0 15,1-4-128-15,-3 4 128 0,1-3 0 0,1 1 0 16,1-6-128-16,0 3 128 0,0-4-144 0,2-5 144 0,0 0-208 0,0-2 80 31,0-2-304-31,4-3-48 0,-1 2-16 0,1-4 0 0,-1-2 496 0,3-1 0 16,-3 1 0-16,2-1 0 0,1 5 0 0,-1-2 0 0,-4 5 0 16,1 1 0-16,0 1 0 0,-2 2 0 0,0 3 0 0,-2 0 0 15,-1 2 0-15,1 2 0 0,-3 0 0 0,-2 0 0 16,2 6 0-16,-6-1 0 0,1-1 0 0,-6 1 0 15,0 0 0-15,-1-2 0 0,-4 7 0 0,-2-1 0 16,1-1 0-16,-6 1 0 0,-5 1 0 0,-4 0 0 16,0 2 0-16,-3 0 128 0,0 0-128 0,0 0 0 0,2 0 128 15,-9 0-128-15,-7 0 0 0,-11-1 0 16,3 1 0-16,1 0 0 0,-4 1 0 0,4-1 0 16,0 2 0-16,0-2 0 0,2 0 0 0,-2-2 0 15,2-1 0-15,-4-2 0 0,-8-4 0 0,1 4 0 16,0-2 0-16,2-4 0 0,2 4 0 0,1 0-144 0,-1 2 144 0,-3 2 0 15,-1-1 0-15,-9 1 0 16,1-2 0-16,-4 1 0 0,2 1 0 0,2-1 0 0,1-1 0 0,-2 3 0 16,4 0 0-16,-10 1 0 15,0-1 0-15,-8 0 0 0,6 0 0 0,4-1 0 16,1 3 0-16,-2 0 0 0,4 0 0 0,-11 0 0 0,-5 0 0 0,2 0 0 16,-2 0 0-16,4 3 0 0,5 3 0 15,-4-3 0-15,3 9 0 0,-14-5 0 0,0 2 0 0,6-4 0 16,9 6 0-16,-6-3 0 0,3 1 0 0,-3 0 0 15,-1-2 0-15,-2 1 0 0,6-2 0 0,-4-5 0 0,1 6 0 0,6-3 0 16,7-1 0-16,-4-3 0 16,1 0 0-16,-3-5 128 0,6-4-128 0,7 2 0 0,5-6 0 0,0-1 128 15,4 0-128-15,-1-4 0 0,2 1 0 0,2-2 0 16,-10-2 0-16,3 0 0 16,2-2 0-16,3 8 0 0,7-1 0 0,-3 0 0 0,-2 2 0 0,-2 0 0 0,4 6 0 0,-7 1 0 31,-2 1 0-31,-5 6 0 0,-6 0 0 0,4 2 128 15,7 3-128-15,-3 1 0 0,-2 2 128 0,0 5-128 0,3 0 160 0,-5 0-160 16,-5 1 368-16,0 1-32 0,-2 1 0 0,5 0 0 16,2 3 16-16,2 3 0 0,1 1 0 0,3 1 0 15,-1 4 112-15,-1 0 32 0,-4 5 0 0,3-5 0 16,8-3-176-16,-1-3-48 0,6-3 0 0,7-10-11040 16,6-9-2224-16</inkml:trace>
+  <inkml:trace contextRef="#ctx0" brushRef="#br0" timeOffset="22623.67">6522 10579 3679 0,'-7'5'320'16,"2"2"-320"-16,1-4 0 0,1-1 0 0,1 0 448 0,-3 1 0 15,-4 8 16-15,-5 3 0 0,-4 5-304 0,-1-5-160 16,2 1 160-16,3-1-160 16,-2-5 0-16,2 1 128 0,2-4-128 0,-2 2 0 0,2 1 0 0,-2-4 0 15,2 6 0-15,-2-6 0 0,-2 7 464 0,2-5 112 16,2 4 0-16,-2-3 16 0,0 3 192 0,-1-4 48 0,2 3 0 0,-4-3 0 15,3 5-448-15,0-5-64 16,2 6-32-16,-2-7 0 0,5 5-288 0,-1-2 0 0,1 3 0 16,0-3 0-16,4 4 0 0,-4-2 0 0,4-1-128 15,0 6 128-15,3 0 0 0,-3-1 0 16,1 3 0-16,3-3 0 0,-3 8 0 0,2-2 240 0,1 0-48 0,-5 3-16 16,1-1 32-16,2 3 16 15,1-2 0-15,0-1 0 0,1 3 32 0,1-3 16 0,0 0 0 0,0-3 0 16,1 0-16-16,3 0 0 15,-2 5 0-15,-1-4 0 0,-1 0-112 0,2-2-16 16,0 0-128-16,-2-2 192 0,1 1 80 0,3-4 16 0,-2 0 0 0,1-2 0 16,4-3 64-16,2-1 16 0,1-1 0 0,1-3 0 15,4 3-368-15,-1-6 0 0,6 1 0 0,-3-2 0 16,4 2 0-16,-4-2 0 0,3 0 0 0,-3 2 0 16,-1-1 0-16,-1-1 0 0,-1 6 0 0,0-1 0 15,0-2 0-15,0 3 0 0,0-3 0 0,-2 4 0 0,0-2 208 0,2-1 32 16,-3-3 0-16,3 1 0 15,0 0-80-15,0-2-16 0,0-2 0 0,3-1 0 0,0-2-144 0,-1-6 0 16,0 6 0-16,3-9 128 0,0 2 48 0,2-4 0 0,0 0 0 0,2-1 0 31,-2-2-48-31,1 1-128 0,1-1 192 0,-4 2-64 16,4-1 16-16,-4 1 0 0,-2 5 0 0,-1-2 0 0,3 0-16 0,-7 3-128 0,2 1 192 0,-2-4-64 16,-1 5 96-16,1-5 16 0,0 6 0 0,-5-3 0 15,5 1 64-15,-5-2 16 16,7-2 0-16,-5-2 0 0,2 4-128 0,-1-2 0 0,0-2-16 0,1-3 0 15,1 0-176-15,0 1 0 16,-3-1 0-16,1 2 0 0,1 1 0 0,-2 2 0 16,-2 0 128-16,0-1-128 0,-2-1 0 0,-2 6 0 15,-1-1 0-15,-2-3 0 0,0 7 0 0,-3-5 192 0,1 7-64 0,-5-6 0 0,0 3 512 16,2-1 112 0,-4 0 16-16,0 1 0 0,-1-3-128 0,1 1-32 0,-1-1 0 0,1-3 0 15,2 4-304-15,-2-2-64 16,0-4-16-16,1 5 0 0,1 1-224 0,-5-4 176 15,-1 4-176-15,1-4 160 0,0 0 0 0,-2 5 0 16,-3-5 0-16,-1 0 0 0,3 5 128 0,-3-4 32 0,-1 6 0 0,0-4 0 0,-4 8 64 0,0-3 32 16,-3 3 0-16,0-2 0 15,4 3-96-15,-1-2-32 0,0 3 0 0,1-6-10400 16,-3-7-2064-16</inkml:trace>
+</inkml:ink>
+</file>
+
+<file path=ppt/ink/ink14.xml><?xml version="1.0" encoding="utf-8"?>
+<inkml:ink xmlns:inkml="http://www.w3.org/2003/InkML">
+  <inkml:definitions>
+    <inkml:context xml:id="ctx0">
+      <inkml:inkSource xml:id="inkSrc0">
+        <inkml:traceFormat>
+          <inkml:channel name="X" type="integer" max="30347" units="cm"/>
+          <inkml:channel name="Y" type="integer" max="20231" units="cm"/>
+          <inkml:channel name="F" type="integer" max="65535" units="dev"/>
+          <inkml:channel name="T" type="integer" max="2.14748E9" units="dev"/>
+        </inkml:traceFormat>
+        <inkml:channelProperties>
+          <inkml:channelProperty channel="X" name="resolution" value="1000.23071" units="1/cm"/>
+          <inkml:channelProperty channel="Y" name="resolution" value="1000.04944" units="1/cm"/>
+          <inkml:channelProperty channel="F" name="resolution" value="0" units="1/dev"/>
+          <inkml:channelProperty channel="T" name="resolution" value="1" units="1/dev"/>
+        </inkml:channelProperties>
+      </inkml:inkSource>
+      <inkml:timestamp xml:id="ts0" timeString="2023-09-29T23:02:45.594"/>
+    </inkml:context>
+    <inkml:brush xml:id="br0">
+      <inkml:brushProperty name="width" value="0.05292" units="cm"/>
+      <inkml:brushProperty name="height" value="0.05292" units="cm"/>
+      <inkml:brushProperty name="color" value="#FF0000"/>
+    </inkml:brush>
+  </inkml:definitions>
+  <inkml:trace contextRef="#ctx0" brushRef="#br0">4924 3437 911 0,'-7'-1'0'0,"3"-1"0"16,1 0 0-16,1-1 0 0,0 1 720 0,1 0 64 0,1 1 16 0,0-1 0 15,-4-3 32-15,2-6 16 0,1 4 0 0,-3-3 0 16,4 1 176-16,-2-3 16 15,2 5 16-15,0-4 0 0,2 6 288 0,2-5 64 0,-4 4 16 0,0 3 0 16,3-2-144-16,-3-2-48 0,0 5 0 0,-2 0 0 16,1 2-336-16,-3 0-80 0,1 0-16 0,-1 0 0 15,1 2-304-15,-1 2-64 0,2-1-16 0,-1 1 0 16,1-1-64-16,2-1-16 0,0-1 0 0,2 3 0 16,3 1-112-16,-3-1-32 0,3-1 0 0,0 1 0 15,1-3-192-15,-1 6 0 0,2 0 0 0,0 0 0 16,0 5 0-16,0 4 0 0,0 3 128 0,0 4-128 0,3 3 256 15,-6 5 0-15,3 8 0 0,0-1 0 16,-6 11-16-16,3-4 0 0,-1 6 0 0,1-4 0 16,-3 3-96-16,5-5-16 0,-5 2 0 0,-1-5 0 0,4-2-128 0,-2-5 0 15,1-2 0-15,-1-5 0 16,0 5-480-16,-1-10-176 0,3 1-48 16,-2-5 0-16,1-1-1280 0,1-6-256 0,1 2-48 0,2-7-7120 15</inkml:trace>
+  <inkml:trace contextRef="#ctx0" brushRef="#br0" timeOffset="489.89">4946 3518 1839 0,'-12'3'0'0,"3"-1"160"0,3 1-160 0,0-3 0 0,3 0 0 0,1 0 0 0,-1-3 752 0,-4 1 112 15,0-1 32-15,-4-3 0 0,2-2 256 0,1 1 48 32,4 0 16-32,-1-2 0 0,2 4 496 0,3 0 96 0,0-1 32 0,1 3 0 0,6-1-496 0,-5 1-112 31,3 1-16-31,0 0 0 0,4-1-368 0,-2 3-80 15,4 0 0-15,-1 0-16 0,2 0-240 0,4 0-64 16,-2 3 0-16,3-1 0 0,2 0-192 0,-19-2-64 16,0 0 0-16,0 0 0 0,105 19-192 0,-105-19 0 15,0 0 128-15,105 24-128 0,-105-24 0 0,0 0 0 16,116 23 0-16,-116-23-160 0,0 0-144 0,110 26-16 0,-110-26-16 16,0 0 0-1,86 35-384-15,-67-23-80 0,-4 6-16 0,-6 1 0 0,-4 0 592 0,-8 4 224 0,-2 4-176 0,-4 0 176 16,-7 4 192-16,-1 0 128 0,-2 1 16 0,-4 4 16 15,-7 1 160-15,2-2 16 0,1-2 16 0,-3 3 0 16,-7 4-32-16,2 0-16 0,1 0 0 0,-1-3 0 16,2 0-128-16,1-6-32 0,-1-3 0 0,5-5 0 15,4 1-80-15,0-5 0 0,3-3-16 0,1-2 0 16,5-2-240-16,1-5 0 0,5-4 0 0,0-3 0 16,4 0-1712-16,3-1-432 0</inkml:trace>
+  <inkml:trace contextRef="#ctx0" brushRef="#br0" timeOffset="1044.67">5614 3909 6047 0,'0'6'128'0,"-4"-3"16"0,3 2 16 0,1-1 32 0,1-2-192 15,-1-2 0-15,4 1 0 0,-2 1 0 0,5-2 608 0,1 4 96 0,1 3 0 0,3-4 16 16,-1-1-32-16,1 1-16 0,3-3 0 0,3 2 0 15,-2 0 336-15,-16-2 64 0,0 0 16 0,0 0 0 16,87-9-560-16,-87 9-96 0,0 0-32 0,0 0 0 0,94-30-240 0,-94 30-160 16,0 0 192-16,0 0-192 0,0 0 128 0,0 0-128 15,73-38 0-15,-68 35 0 16,2-3 256-16,-5-4-48 0,0 5-16 0,-4-7 0 0,2 3-32 0,-7-5-16 16,2 3 0-16,-2-1 0 0,-4-2-144 0,3 4 0 15,-3-2 0-15,-1-2 0 0,2 7 240 16,-1-4 16-16,1 6 0 0,-1 0 0 0,1 1 128 0,-1 4 48 15,3 2 0-15,-8 5 0 16,2 4-176-16,-2 1-16 0,1 5-16 0,-1 4 0 0,-2 3 112 0,1-3 32 16,1 5 0-16,1-3 0 15,1 5 144-15,1-2 16 0,-2-1 16 0,3 4 0 0,1 1 176 0,-3-1 48 0,7 1 0 0,-1-2 0 16,2 0 64-16,3-2 32 16,3-5 0-16,2-2 0 0,5-2-96 0,3-1-32 15,4-4 0-15,3-1 0 0,4-6-736 0,-21-5 0 0,0 0 0 0,0 0 0 16,120-7-1328-1,-120 7-256-15,0 0-48 0,121-40-11392 0</inkml:trace>
+  <inkml:trace contextRef="#ctx0" brushRef="#br0" timeOffset="1376.28">6401 3849 2751 0,'-13'17'128'0,"2"-7"16"0,2 3-144 0,1-6 0 16,2 0 0-16,3-4 0 0,-1 2 560 0,-8 7 80 0,-2 6 0 15,-5 4 16-15,-2 5-16 0,0 2 0 16,4-4 0-16,5-5 0 0,5 0 896 0,3-3 192 15,6-3 16-15,5-4 16 0,2 4-128 0,3-5-32 0,2 2 0 0,0 1 0 16,3-4-128-16,1 5-16 16,-1-1-16-16,0-2 0 0,-1 4-64 0,2-5-16 0,-1 5 0 0,2-4 0 15,2-3-576-15,-4-3-112 16,3 3-32-16,-1-6 0 0,-19-1-640 0,0 0 0 16,0 0 0-16,94-27-9424 0,-94 27-1872 0</inkml:trace>
+  <inkml:trace contextRef="#ctx0" brushRef="#br0" timeOffset="1764.65">6604 3324 2751 0,'0'5'256'0,"0"-3"-256"0,1 0 0 0,1-2 0 16,3 2 1024-16,-3 1 144 0,2 2 48 0,4 1 0 15,3 4 448-15,3 1 112 0,-2 2 16 0,0 0 0 16,2-3 592-16,-5 4 128 0,3 2 32 0,-2-1 0 15,3 5-560-15,-1 2-128 0,-2 3 0 0,1-3-16 16,-3 10-752-16,1 1-160 0,0 2-32 0,-4 3 0 0,0-2-384 0,-3 3-96 16,1 1-16-16,-3 0 0 0,4 2-96 0,-4-2-32 15,0 0 0-15,0 3 0 0,0 1-272 16,0-2 0-16,-2 5 128 0,2-6-128 0,0 1-256 16,2-3-128-16,1 2 0 0,3-4-16 15,-3-2-816-15,4-7-144 0,2-6-48 0,-2-3-7728 0,3-8-1552 16</inkml:trace>
+  <inkml:trace contextRef="#ctx0" brushRef="#br0" timeOffset="2158.85">7161 3676 6447 0,'0'11'576'0,"-2"-3"-576"15,2-1 0-15,0-3 0 0,-3 1 1488 0,0 5 192 16,-4 8 48-16,-4 6 0 0,-1 13-64 0,-7-1 0 16,0 3 0-16,-6-1 0 0,3-8-464 0,-1-4-112 15,0-4 0-15,2-1-16 0,2-3-496 0,-4-3-80 0,4-1-32 0,-2-5 0 32,2 3-608-32,0-7-128 0,3 4-32 0,1-4 0 15,-3-3-96-15,3-2-32 0,4 0 0 0,-1 0 0 0,3-3 432 0,-1-1 0 16,3-3 0-16,-2 2-128 15,6 1-240-15,-3-1-32 0,5-2-16 0,1 5 0 16,1-3-96-16,6 2 0 0,-1-4-16 0,2 3 0 0,6 1 304 0,2 1 64 0,1 2 16 0,-17 0 0 31,0 0 496-31,79 9 96 0,-79-9 32 0,0 0 0 0,90 29 1008 0,-90-29 208 0,63 27 32 0,-63-27 16 16,65 33-16-16,-34-16 0 16,-31-17 0-16,63 30 0 0,-63-30-960 0,64 22-192 0,-64-22-32 0,0 0-16 0,94 19-528 0,-94-19-176 15,0 0 0-15,93-8-9696 16,-93 8-1952-16</inkml:trace>
+  <inkml:trace contextRef="#ctx0" brushRef="#br0" timeOffset="21388.85">20184 12798 9215 0,'-20'7'816'0,"6"3"-656"31,7-5-160-31,2-3 0 0,4 1 944 0,-5 3 144 0,-8 2 48 0,-8 8 0 0,-3 1 16 0,1-1 16 31,5 0 0-31,5-6 0 0,0 2-784 0,3-5-176 16,1 6-16-16,-1-3-16 0,1 4-176 0,-4 0 0 15,-2 2 0-15,-5 1-176 0,-1 4 176 0,-6 5 0 16,0 4 0-16,0-1 0 0,0 8 208 0,-1 1 128 0,1 7 32 0,-2-1 0 16,4 0 288-16,3 4 64 15,-1-1 16-15,3 7 0 0,2 2-336 0,0 5-64 0,1 9-16 0,1 3 0 16,5 3-320-16,0 1 0 0,5 3 0 0,0-1 0 16,1-3 0-16,5-1 0 0,2-3 0 0,3 1-128 15,3 0-128-15,0 0-32 0,3 0 0 0,-5-3 0 31,4-6-368-31,2 4-80 0,-3-2-16 0,1 4 0 0,1-4 352 0,-1 4 64 0,-2 0 16 0,2-3 0 16,-2 7 320-16,0 1 0 0,-2 1 0 0,2 1 0 16,-2 6 464-16,2-2 64 0,2 6 16 0,1-2 0 15,4 7 32-15,4-5 0 0,3-5 0 0,3-3 0 16,6-4-368-16,5-4-64 0,6-10-16 0,6 0 0 16,7-2-128-16,0-3 0 0,-1-6 0 0,-1 3 0 0,0 2 0 0,-52-55-176 15,101 94 176-15,-101-94-128 0,105 87-32 0,-105-87 0 16,115 86 0-16,-115-86 0 0,125 85 160 0,-125-85 192 15,115 68-32-15,-115-68-16 0,105 64 608 0,-105-64 112 16,108 53 32-16,-108-53 0 0,115 31 32 0,-115-31 16 0,143 31 0 16,-143-31 0-16,164 27-608 0,-164-27-112 0,157 24-32 0,-157-24 0 15,142 21-192-15,-142-21 0 16,149 28 0-16,-149-28 0 0,155 36-208 0,-155-36 64 0,148 40 16 0,-148-40 0 16,125 42 128-16,-125-42 0 15,122 51 0-15,-122-51 0 0,124 50 128 0,-124-50-128 0,145 56 160 0,-145-56-160 16,137 57 352-16,-137-57-32 0,119 54 0 15,-119-54 0-15,120 58 48 0,-120-58 0 16,122 50 0-16,-122-50 0 0,145 37 112 0,-145-37 32 0,155 17 0 0,-155-17 0 16,157 14-160-16,-157-14-32 15,153 2 0-15,-153-2 0 0,160-7-320 0,-76 0 0 0,3 4 0 16,-7 1 0-16,-80 2 0 0,141 0 0 0,-141 0 0 0,134 9 0 16,-134-9 0-16,129 8 0 0,-129-8 0 0,150 7 0 15,-150-7 0-15,150 12 0 0,-150-12 0 0,140 18 0 0,-140-18 0 0,146 23 0 16,-59-6 0-16,7-8 0 15,5-6 0-15,-4-1 0 0,-5-4 0 0,-1 0 0 0,-2-3 0 16,-3-2 0-16,5-2 0 0,3-4-128 0,4-3 128 16,-7 0 0-16,-7 6 0 0,-82 10 0 0,150-16 0 15,-150 16 144-15,149-12-144 0,-68 7 160 0,4-1-160 0,-7 1 0 16,-78 5 0-16,148-5 0 0,-148 5 0 0,138-16 0 16,-138 16 176-16,148-22-176 0,-62 3 288 0,6-4-32 0,9 0-16 0,-5-1 0 15,-2 1-240 1,0-3 0-16,0-2 0 0,9 0 0 0,10 2 0 0,-8 4 0 0,-4 2-128 15,-5 3 128-15,-2 7-192 0,-5 1 32 16,1 9 0-16,-6 0 0 0,0 0-160 0,-84 0-48 16,134 0 0-16,-134 0 0 0,113 0 368 0,-113 0 0 0,112 16 0 0,-112-16 0 15,106 15 0-15,-106-15 0 16,111 5 0-16,-111-5 0 0,119-1 384 0,-119 1 0 16,117-13 0-16,-117 13 0 0,113-19-176 0,-113 19-32 15,113-22-16-15,-113 22 0 0,101-19-160 0,-101 19 0 16,98-20 0-16,-98 20 0 0,89-15 0 0,-89 15 0 15,76-19 0-15,-76 19 0 0,0 0 0 0,93-41 0 16,-93 41 0-16,57-38 0 0,-57 38 0 0,54-50 0 16,-54 50 0-16,56-58 0 0,-56 58 0 0,54-57 0 15,-23 22 176-15,4-5-176 0,4-2 176 0,1 2-176 0,3-4 192 16,-1-1-192-16,2 5 0 0,1 2-224 0,-5 1 16 0,-3-3 0 31,-4 5-192-31,-4-1-48 0,-2 1 0 0,-3 3 0 0,0-1 448 0,-3-1-160 0,0 0 160 16,-2 3 0-16,0 1 0 0,-1-3 0 0,-2 4 128 0,-1-4-128 15,3-2 320-15,-4-3-48 0,0-1 0 0,-2 3 0 16,-2-6 32-16,-1 0 0 0,1-1 0 0,-3 1 0 16,4 2-112-16,-1-6-32 0,4 1 0 0,0-2 0 15,2-3 272-15,1-6 48 0,4 2 16 0,2-4 0 16,1 3-352-16,-1-3-144 0,3 2 128 0,-5 1-128 16,2-1 0-16,-8-2 0 0,3 3 0 0,-6-5 0 15,0-2 0-15,-7 1 0 0,-1-2 0 0,-2 4 0 0,-2 3 0 0,-2-1 0 16,0 1 0-16,2 0 0 0,-3-3 0 0,-1-2 0 15,-1-3 0-15,-2-1 0 0,0-1 0 16,-7 3 0-16,2 1 0 0,-4-3 0 0,2 4-304 16,-7-2 64-16,-1-1 16 0,-1 3 0 0,-1 2-48 0,-4-2-16 15,-4 2 0-15,-1-1 0 0,0 8 288 0,-5 2 0 16,3-1 0-16,-5 6 0 0,-2-4 0 0,-2 7 0 16,-4 2 0-16,2-2 0 0,-1 4 0 0,0-2 176 15,-7 2-48-15,2-6-128 0,0 6 176 0,-2-2-176 16,0-2 160-16,0 0-160 0,1 0 0 0,-1 2 0 15,2 0-208-15,-4 2 64 0,0 0-96 0,-5 1-16 16,-1 1 0-16,-4 1 0 0,-2-2 0 0,-6 4-16 16,6-2 0-16,0-1 0 0,-1 1 144 0,-1 0 128 15,4 0-192-15,-7 2 192 0,-6-7-160 0,-6 5 160 16,-1 4-128-16,-4-2 128 16,1 3-432-16,-3-1 0 0,3-2 0 0,-7 6 0 15,-3-2-240-15,-4 3-48 0,-2-2-16 0,4 3 0 16,5 3 144-16,-5-1 16 0,0-1 16 0,-3 1 0 0,-3 1 160 0,-2-1 16 0,4 2 16 0,2 4 0 31,4 3-64-31,-13 0-16 0,-3 2 0 0,-1 1 0 0,7-1 272 0,1 7 176 0,7 3-208 0,-8-3 80 16,-5-1 448-16,5 1 80 0,4-2 32 0,0 4 0 15,10-2-192-15,-5 1-48 0,-1 2 0 0,-2-5 0 16,2-1-192-16,2 2 0 0,8 1 0 0,1 0 0 16,1 3 0-16,-12 4 0 0,-7 5 0 0,1-2 0 15,12 0 0-15,-3 9 0 0,-3-1 128 0,-5-3-128 16,-4 4 256-16,0-4-64 0,2-1 0 0,5 2 0 0,9-1-336 15,0 2-80-15,3-1-16 0,-4 1 0 16,-5-9-480-16,6 6-112 0,7-2 0 0,3 2-16 16,1 3-592-16,-6 2-112 0,-2 0-32 0,-5-4 0 15,-3 4 240-15,0 0 64 0,-1 5 0 0,-1 2 0 0,0 2 816 0,-8-2 160 16,-12 0 48-16,5-1 0 0,2 7 256 0,-4 0 272 16,-2 7-48-16,-15 6-16 0,-1 8-208 0,-5 5-192 15,11 8 48-15,2 1 0 16,5 1-1008-16,6 1-208 0</inkml:trace>
+  <inkml:trace contextRef="#ctx0" brushRef="#br0" timeOffset="42645.76">2435 5703 4607 0,'0'2'400'0,"0"-2"-400"0,2 0 0 0,-2 0 0 15,0 2 448-15,0-2 0 16,0 3 0-16,0-3 0 0,0 2-240 0,0 0-32 0,0-2-16 0,-2 0 0 0,2 0 416 0,-3-2 96 15,1 2 16 1,0 0 0-16,-3-2 320 0,2 2 64 0,-1 0 16 0,-1 0 0 16,3 4-48-16,-3-2 0 0,3 1 0 0,0-1 0 0,2 0-416 0,0 1-96 15,0 4-16-15,2-3 0 0,0-3-512 0,5 1 0 16,-4 2 0-16,6-3 0 0,2 4 0 0,-1-3 0 16,2-2 0-16,4 0-144 15,0 0-112-15,1 0 0 0,2 0-16 0,0 0 0 0,1 2 272 0,0-2 0 16,3 0 0-16,0 2 0 15,-1-1 160-15,1 1 96 0,0-2 0 0,1 2 16 16,1 0-16-16,-3 1 0 0,1 1 0 0,-2-3 0 0,-2 3-256 0,2-2 128 0,-2-1-128 0,0 1 0 16,-1 3 0-16,-1-1 0 0,2-1 0 0,0 1 0 15,2-4 0-15,0 2 0 16,7-4 0-16,-4 2 0 0,1-2 0 16,3-1 0-16,3-3 0 0,-31 6 0 0,0 0 0 15,101-19-144-15,-101 19 144 0,73-10-192 16,-73 10 192-16,77-11-208 0,-77 11 80 0,73-7 128 15,-40 4 0-15,-3-1 0 0,1-1 0 0,-6 2 128 0,1-1 128 0,2 1 0 0,0-3 16 0,1-1 0 16,1 2-272-16,-1-2 0 0,3-1 0 0,-1-1 0 0,8-2 0 16,1-3-224-16,5 4 16 0,2-4 0 31,4-2-176-31,-1 4-16 0,1 0-16 0,-4-2 0 16,-4 7 272-16,-1-3 144 0,-42 10-160 0,75-9 160 0,-75 9 0 0,0 0 0 15,103-12 0-15,-103 12 160 0,0 0 160 0,101-5 48 16,-101 5 0-16,0 0 0 0,103-4-144 0,-103 4-32 15,0 0 0-15,104 0 0 0,-104 0-192 0,0 0 0 16,103 2 0-16,-77 0 0 0,0 1 128 0,-3-1 0 16,-2 0-128-16,2 1 192 0,1 4 0 0,0-4 0 15,-3 1 0-15,4-1 0 0,1 4 80 0,0-3 16 0,-26-4 0 0,0 0 0 16,0 0-16-16,115 3 0 0,-115-3 0 0,0 0 0 16,115-7-272-16,-115 7 128 0,89-10-128 0,-89 10 0 31,89-14-256-31,-89 14-176 0,87-5-16 0,-87 5-9360 0</inkml:trace>
+  <inkml:trace contextRef="#ctx0" brushRef="#br0" timeOffset="97613.99">14379 5451 11967 0,'-5'3'1072'0,"0"1"-864"16,3-4-208-16,0 0 0 15,0 2 848-15,1-1 128 0,-3 5 32 0,-6-1 0 0,1 2-48 16,-3 3 0-16,0-5 0 0,3 1 0 0,5 1 160 0,-3-6 32 16,4 1 0-16,1 0 0 15,4-2-448-15,3 0-96 0,2-2-16 0,2-1 0 0,3-4-592 0,5 0 0 0,-17 7 0 16,0 0 0 15,84-32-320-31,-84 32-64 0,0 0-32 0,105-29 0 16,-105 29-336-16,0 0-64 0,116-28-16 0,-116 28 0 0,89-18 544 0,-89 18 96 0,103-15 32 0,-103 15 0 0,119-18 16 0,-119 18 0 15,127-10 0-15,-127 10 0 16,113-5-528 0,-113 5-96-16,94 5-32 0,-94-5 0 0,0 0-576 0,113 16-112 0</inkml:trace>
+  <inkml:trace contextRef="#ctx0" brushRef="#br0" timeOffset="98304.28">13827 7351 8287 0,'-4'0'736'0,"1"0"-592"0,1 0-144 0,2 0 0 15,0 0 128-15,-2 0-128 0,-1 0 192 0,1 0-64 16,-5 0 560-16,3 2 96 0,3-2 32 0,-1 2 0 16,5-1 784-16,3 1 176 0,4 0 16 0,6-2 16 15,1 0-432-15,-17 0-96 0,0 0 0 0,0 0-16 16,108-14-368-16,-108 14-64 0,0 0 0 0,126-24-16 15,-126 24-496-15,115-21-80 0,-115 21-32 0,146-26 0 32,-62 13-592-32,1-2-112 0,1 1-16 0,-3 2-6992 0,-83 12-1392 0</inkml:trace>
+  <inkml:trace contextRef="#ctx0" brushRef="#br0" timeOffset="99203.24">20112 8765 1839 0,'5'-8'160'0,"-1"3"-160"0,1 1 0 0,0-5 0 0,1 4 704 0,2 0 128 0,3-6 0 0,4 3 16 31,-15 8-1392-31,51-37-288 0,-51 37-48 0,61-40-16 0,-61 40 752 0,0 0 144 0,73-38 0 0,-73 38 0 16,0 0 1088-16,0 0 160 15,0 0 32-15,0 0 16 16,84-26 384-16,-72 26 80 0,2 5 16 0,-14-5 0 0,0 0-160 0,0 0-16 16,94 9-16-16,-94-9 0 0,85-9-1104 0,-85 9-224 0,98-26-32 15,-98 26-16-15</inkml:trace>
+  <inkml:trace contextRef="#ctx0" brushRef="#br0" timeOffset="114905.48">14114 15226 2751 0,'2'-2'256'0,"-2"-2"-256"0,2 1 0 0,-2 1 0 0,0 0 0 0,1 1 176 15,1-3-176-15,-2-3 160 16,2-2-32-16,0 2 0 0,-2-1 0 0,0 3 0 0,-2 1 640 0,2-1 112 16,-2 1 16-16,2 3 16 0,0-1 624 0,0 0 128 15,-2 2 32-15,2-2 0 0,-1 1-240 0,1-1-48 16,-2 0-16-16,2 0 0 0,-2 1-448 0,2-3-96 16,0 2-16-16,0 1 0 0,-2-1-352 0,2-2-80 15,-3 1-16-15,3-2 0 0,-2 1-96 0,0 3-32 16,-1-1 0-16,-1-2 0 0,1 3 32 0,-4-1 0 15,2 2 0-15,-2 0 0 16,2 0 256-16,-4 2 48 0,0-1 16 0,0 1 0 0,-1 2-128 0,-2-3-32 0,0 6 0 0,1 0 0 16,-3 0-256-16,0 5-64 0,2 2-128 0,0 2 192 15,0-2-192-15,3 5 0 0,-2 0 0 16,3 6 0-16,-3 1 0 0,3 0 0 0,-1 5 0 0,0 1 0 16,2-3 0-16,2 4 0 15,0 4 0-15,1-4 0 0,-1-3 0 0,3 3 0 0,1 1 0 0,1 0 0 16,1-8 0-16,1 3-128 0,3-4 128 0,-1-4-208 15,3-2-16-15,1-2 0 0,1-1 0 0,2-6 0 16,-1 4 80-16,2-5 16 16,2-2 0-16,-2-5 0 0,2-2-640 0,0-2-112 0,-2-3-16 15,1-4-16 1,-1 4-304-16,-2-7-48 0,1 3-16 0,1-5 0 0,-2 3 720 0,-1-2 144 0,0-1 32 0,0-4 0 16,-1 2 192-16,-1-1 64 0,2-2 0 0,-6 0 0 0,1 0-128 0,-2-2 0 15,-1 0-16-15,-2-4 0 0,-1 3 80 0,-2-3 32 16,1 4 0-16,1 1 0 0,-3 0 160 0,2 1 0 15,1 2 0-15,0-1 0 16,2 10 0-16,0-3 304 0,2 6-48 0,1 3-16 0,4 2 144 0,-5 2 16 16,1 2 16-16,1 1 0 0,-1 7 32 0,4 0 16 15,-5 6 0-15,2 1 0 0,1 2 464 0,-3 3 96 16,1 2 0-16,2 5 16 0,-5 3 16 0,0-1 0 0,0-2 0 16,-1 4 0-16,-3-2-256 0,2-9-48 15,1 2-16-15,-1-5 0 0,4-3-512 0,-1-6-96 0,6-2-128 0,2-4 176 31,1-5-1936-31,4-2-384 0</inkml:trace>
+  <inkml:trace contextRef="#ctx0" brushRef="#br0" timeOffset="115539.52">14905 15400 5519 0,'-1'-2'240'0,"-3"0"64"0,2 0-304 0,1 1 0 0,-1 1 0 0,0-2 0 0,0-3 992 0,-1 1 144 16,-6-3 16-16,-1-5 16 15,-4 2-384-15,0-3-80 0,2 1 0 0,-6 2-16 0,2-2 112 0,1 3 32 0,-1-2 0 0,-1 3 0 16,-2-3 256-16,1 4 48 0,1 0 16 0,-1 2 0 15,3 2-48-15,-3-1 0 0,1 2 0 0,1 1 0 16,0 2-464-16,1 1-112 0,-1 3-16 0,2-1 0 16,-3 6-352-16,3 1-160 0,0 4 128 0,2 3-128 15,1 3 0-15,2-2 0 16,1 4 0-16,1 4 0 16,3-2 0-16,-3 6 0 0,5 2 0 0,2-3 0 15,2 3 0-15,2-2 0 0,1 1 0 0,2 1 0 16,3-7 0-16,1 0-176 0,3-5 176 0,3-5-192 15,2-8 64-15,1-1 0 0,2-5 0 0,3-7 0 16,-25 5-640-16,0 0-128 0,0 0-32 0,85-58 0 16,-68 39-976-16,-1-3-192 0,3-10-32 15,-5 1-16-15,0-2 784 0,-2-2 144 0,1-3 48 0,-5-1 0 16,1 3 896-16,-4-6 272 0,0-2-128 0,-1 1 128 0,-1 3 192 0,-1 1 128 16,-2 1 0-16,0 0 16 0,-2-1 0 0,1 1 0 15,-3 0 0-15,1-2 0 0,-1 0-336 0,-3 0 0 16,4-2 0-16,-3 4 128 0,3 4-128 0,-2 3 0 15,1 3 0-15,3 7 0 0,-1 11 0 0,2 3 0 0,2 7 192 0,-2 5-64 16,1 4 704-16,1 3 128 0,2 0 48 16,-1 9 0-16,-3 2 640 0,3 3 128 15,1 7 16-15,-1 0 16 0,1 4-624 0,1 3-128 0,-3 3-32 0,1 1 0 16,1 5-416-16,1-2-96 0,0 3 0 0,-3-1-16 16,2 1-208-16,1 4-32 0,-2 2-16 0,3 0 0 15,-3 0-240-15,0-4 176 0,1 2-176 0,-2-5 160 16,3-1-160-16,-3-4-256 0,-1 1 64 0,5-3 16 31,-3-4-1136-31,4-3-224 0,-2-3-64 0,4-3-9216 0</inkml:trace>
+  <inkml:trace contextRef="#ctx0" brushRef="#br0" timeOffset="116115.46">15435 15412 6447 0,'0'-7'272'0,"-2"3"80"0,2 3-352 0,0-3 0 15,0 1 0-15,-1-1 0 0,-3-3 1664 0,1 2 256 0,-3-9 48 0,-1-2 16 16,-5-3 32-16,0 2 16 0,0 3 0 0,-4 0 0 15,4 0-816-15,-2 4-176 0,0-1-16 0,2 8-16 16,-2-1-496-16,2 6-112 0,-1 3-16 0,1 6 0 16,2 3-48-16,-2 5-16 15,1 7 0-15,-1 2 0 0,0 7 64 0,1 3 0 0,-1 4 0 0,5 5 0 16,-2-4-48-16,2 3 0 0,4-1 0 0,1-5 0 16,-1-4-336-16,3-6 144 0,3-2-144 15,-1-7 0-15,3-2 0 0,2-3 0 0,2-6 0 0,3-5 0 0,0-1-272 16,2-4-64-16,2-4-16 0,-4-3 0 15,4-1-592-15,-1-5-112 0,3 1-32 0,-2-7 0 16,1-2 576-16,2-3 96 0,-5 1 32 0,2 1 0 16,-2-1 256-16,0-5 128 0,-2 5-128 0,0-1 128 0,0 3 0 0,-5-3 0 15,0-1 0-15,-2 3-128 0,1-3 128 0,-5-1 0 16,1 4 0-16,0-1 0 0,-2 4 0 0,-2 0 0 16,2 5 0-16,0 1 0 0,-2 8 0 0,2 5 0 15,0 0 0-15,0 9 0 0,0 1 288 0,2 3 32 16,-2 2 16-16,0 1 0 0,0 7 464 0,2-1 96 15,-2 3 0-15,0-1 16 0,2 7-448 0,-1-1-80 0,3-2-32 0,-2 1 0 16,-2-6-352-16,3-4 0 16,1-1 0-16,-1-4 128 0,6-6-128 0,-6-4-192 15,6-3 64-15,1-2 0 16,3-1-1296-16,-5-5-256 0,5-5-48 0,-1 3-16 16,-2-1-640-16,4-4-128 0,-3-2-32 0,1-5-4688 15</inkml:trace>
+  <inkml:trace contextRef="#ctx0" brushRef="#br0" timeOffset="116298.33">15738 15276 2751 0,'0'-5'256'16,"0"3"-256"-16,0 4 0 0,0 3 0 0,0 0 1440 0,-2 2 240 16,2 7 48-16,-1 5 16 0,-1 7 512 0,-3 11 112 15,1 7 0-15,-1-1 16 16,2 1-480-16,-4 4-112 0,3-1 0 0,-1 6-16 16,1-1-768-16,-1 2-160 0,2 3-16 0,1 3-16 15,0-3-240-15,2 2-32 16,0 1-16-16,0-5 0 0,2-1-528 0,0-3 0 0,1-6 0 0,2-3 0 15,1-2-1120 1,1-7-288-16,1 2-48 0,-1-7-9872 0</inkml:trace>
+  <inkml:trace contextRef="#ctx0" brushRef="#br0" timeOffset="116565.81">15801 16109 911 0,'3'-39'0'0,"3"4"0"0,-6 11 0 0,1 7 0 15,3-1 1248-15,-1-15 160 0,6-30 48 0,0-36 0 16,7-18 592-16,1-1 112 0,0 8 16 0,3 18 16 15,-3 17-688-15,-3 18-144 16,0 17-16-16,-4 6-16 0,1 15-304 0,-3 9-48 16,-1 1-16-16,0 7 0 0,-1 4-208 0,-1 5-48 0,0 0-16 0,2 0 0 15,-2 5-48-15,1 4-16 0,0 1 0 0,-2 4 0 16,3 0-400-16,-2 2-80 16,0 8-16-16,-1-3 0 0,-2 5-128 0,-2 0 0 0,-2 2 0 0,-2 2 0 15,-3-1 224-15,-1 2 112 0,-4 1 32 0,-2-3 0 16,0-3 80-16,0 1 0 15,-2-7 16-15,0-2 0 0,2-6-464 0,-3-5 128 16,3-5-128-16,-2-4 0 16,4-5-1216-16,0-5-272 0,1-2-64 0,5-7-10400 15</inkml:trace>
+  <inkml:trace contextRef="#ctx0" brushRef="#br0" timeOffset="116826.77">16458 14327 25791 0,'0'14'1152'0,"2"-7"224"0,-1 1-1104 0,1-1-272 0,0-3 0 0,1 1 0 16,-1 2 608-16,3 2 64 0,2 8 16 0,0 11 0 0,0 2-464 0,-3 4-96 15,-3 5 0-15,-1 4-128 0,-1 3 240 0,1-1-64 16,0 7-16-16,0 2 0 0,1 2 544 0,1 0 96 15,3 1 32-15,1 2 0 0,-1 1-352 0,2 4-64 16,0 0-16-16,0 3 0 0,0 1-560 0,-2-1-112 16,5-4-32-16,-6-7-9488 15,3-6-1920-15</inkml:trace>
+  <inkml:trace contextRef="#ctx0" brushRef="#br0" timeOffset="117324.07">16176 15149 11631 0,'1'-9'256'0,"1"4"48"0,2 1 16 0,1-1 0 0,-3 0-320 0,3 3 0 16,2 1 0-16,5-3 0 0,9-3 1088 0,-21 7 128 15,0 0 48-15,108-26 0 0,-108 26-976 0,0 0-288 0,127-12 128 0,-127 12-128 16,87-9 0-16,-87 9 0 0,0 0 0 0,120-17-192 15,-120 17 400-15,0 0 80 0,100-20 16 0,-100 20 0 16,0 0 32-16,0 0 16 0,92-24 0 0,-76 19 0 16,-6-2-352-16,-1 5 0 0,-4-1 0 0,0 1 0 15,-1-2 192-15,-1-1 112 0,-3 3 16 0,0 1 16 16,-5-1 304-16,0 2 64 0,0 0 16 0,-2 3 0 16,-2 4 32-16,2 0 0 0,-2 0 0 0,1 6 0 15,-1 2 208-15,-1 1 32 0,3 1 16 0,0 3 0 16,1-3-176-16,1 6-48 0,3 1 0 0,1 4 0 15,-1 0-288-15,4 1-64 0,1-1-16 0,2 5 0 16,-1-5-240-16,3 3-48 0,2-6-128 0,-1 1 192 0,4-3-64 16,1-2-128-16,2-4 176 0,3-5-176 0,1-1 0 0,4-8 0 15,3 2 0-15,2-8 0 16,-28 3-384-16,0 0-128 0,95-30-16 0,-95 30-16 16,0 0-176-16,84-57-48 0,-67 36 0 0,-4-4 0 0,-3 3 400 0,-3-1 80 15,0 1 16-15,-5-5 0 0,3 3 432 0,-3 3 96 16,0-3 0-16,-2-4 16 0,0 3 512 0,-2-4 112 15,0 3 0-15,-1 0 16 0,-1-1-448 0,-5 3-80 16,2 1-32-16,-5-3 0 0,-2 5-352 0,-5 4 0 16,-2 7 0-16,-3 3 0 15,-1 12-1344-15,-8 4-304 0</inkml:trace>
+  <inkml:trace contextRef="#ctx0" brushRef="#br0" timeOffset="117986.9">17526 14921 2751 0,'0'1'256'0,"2"1"-256"15,0 0 0-15,-2 0 0 0,1-1 1216 0,1 3 192 16,0 5 32-16,1-1 16 0,3 8 512 0,-3 7 96 0,2 3 32 0,-3 0 0 0,0-2-224 0,-1 8-32 16,-1-1-16-16,0 0 0 0,-1 4-592 0,1 0-112 15,0 0-32-15,0-2 0 0,0-2-592 0,1 2-128 16,3-3-32-16,-2-4 0 0,-2-5-336 0,1 0 0 15,-1-2-192-15,0-3 64 0,-1-1 128 0,1-8-192 16,-2 4 192-16,-3-8-192 0,1-1 192 0,3-2 0 16,-3-2 160-16,2-1-160 15,1-6 288-15,1-1-32 0,0-4-16 0,0-4 0 0,0-1-240 0,0-2 0 16,0-3 0-16,0-6 0 0,1 2 256 0,3-5 144 16,-1-2 48-16,1-3 0 0,3 2 656 0,-4-8 144 0,4-3 32 15,2 0 0-15,-4-4-256 0,4-4-32 16,0-3-16-16,1-3 0 0,2-5-416 0,0 9-96 15,6 4-16-15,-4 8 0 0,1 5-208 0,1 7-48 16,0 10-16-16,1 8 0 0,-1 4 32 0,1 4 16 16,-1 4 0-16,7 4 0 0,-2-1-16 0,3 4 0 15,2 3 0-15,2-2 0 0,0 0-80 16,2 6-128-16,3-6 176 0,-2 2-176 0,4-3 0 0,-35-4 0 16,0 0-240-16,124-32-18016 0</inkml:trace>
+</inkml:ink>
+</file>
+
 <file path=ppt/ink/ink2.xml><?xml version="1.0" encoding="utf-8"?>
 <inkml:ink xmlns:inkml="http://www.w3.org/2003/InkML">
   <inkml:definitions>
@@ -6183,7 +7110,7 @@
   <inkml:trace contextRef="#ctx0" brushRef="#br0" timeOffset="-167045.85">33058 2427 6447 0,'-2'2'576'0,"0"-2"-576"0,2 0 0 0,0-2 0 0,0 2 800 0,0-1 48 0,-1 1 16 0,-5-6 0 15,3 1-272-15,-1-5-48 0,3-4-16 0,1 2 0 16,3-6 240-16,2-3 32 0,4-1 16 15,0-3 0-15,3 1-256 0,-2-6-48 0,3 2-16 0,-1-3 0 16,0 5-256-16,0-2-48 0,0 2-16 0,-3-2 0 16,2 5 0-16,-1 4 0 0,2-2 0 0,2 4 0 15,-5-1 0-15,1 3 0 0,-1 6 0 0,2-1 0 16,-5 6 32-16,0 2 16 0,1 2 0 0,-4 2 0 16,2 2 80-16,-3 3 16 0,2 0 0 0,1-2 0 15,-3 5 128-15,1-1 48 0,2 3 0 0,-1 0 0 16,1-1-320-16,-3 4-176 0,5 1 192 0,-4-2-192 15,-1 2 192-15,3-1-192 0,-3 3 192 0,0-1-192 16,-2-1 384-16,0-2-48 16,0-2 0-16,0 2 0 0,0-2 144 0,0-3 32 0,1 1 0 0,-1-3 0 0,2-2-160 0,-2 2-32 15,4-5 0-15,-3 0 0 0,5-2-320 0,-5-4 128 16,3 1-128-16,-1-4 0 0,3 2 0 0,-1-2 0 16,3-5 0-16,3-2-192 0,-2 0 0 0,3 0-16 15,5-4 0 1,1-3 0-16,-1-3-240 15,2 1-32-15,2 1-16 0,-2-1 0 0,1 1-32 0,-7 2-16 0,1 3 0 0,-3 3 0 16,-4 0-1216-16,-4 9-240 0,3-4-48 0,-10 6-5696 0</inkml:trace>
   <inkml:trace contextRef="#ctx0" brushRef="#br0" timeOffset="-166792.93">33443 2157 4607 0,'-2'0'400'0,"2"-1"-400"0,2 1 0 0,0-2 0 16,3 0 1152-16,-3 2 128 16,3-3 48-16,2 1 0 0,5-2-304 0,4 3-48 0,1-3-16 0,2 2 0 0,-3 1-64 0,1-1 0 15,-6 2-16-15,3 0 0 0,0 2 208 0,-2-2 32 16,0 1 16-16,2-1 0 0,-5 0-784 0,3 0-160 15,-2-1-16-15,3-5-16 32,1 3-912-32,-4-2-176 0</inkml:trace>
   <inkml:trace contextRef="#ctx0" brushRef="#br0" timeOffset="-166605.92">33842 1896 9215 0,'-5'2'816'0,"1"3"-656"0,3 2-160 16,1-4 0 0,0 1 1184-16,-2 1 208 0,0 7 32 0,-5 8 16 0,-2 4-544 0,1 9-128 0,-1 5 0 0,2-1-16 15,-2-1 160-15,4 3 48 0,2-1 0 0,3-1 0 16,0 1-192-16,-2-3-48 16,4-4 0-16,-2-1 0 15,0-2-1296-15,-2-4-256 0</inkml:trace>
-  <inkml:trace contextRef="#ctx0" brushRef="#br0" timeOffset="-165478.24">27328 3894 9215 0,'-16'3'816'0,"6"3"-656"0,1-3-160 0,4 0 0 16,5-1 0-16,-2-2 0 0,-1 2 0 0,-1 0 0 16,-1 5 0-16,0 0 0 0,-4 0 0 0,2 3 0 15,4-1 272-15,-2 1 128 0,3-3 32 0,0 5 0 16,2-5 768-16,0 7 144 0,0-2 48 0,-2 1 0 16,-1 2-432-16,-2 1-64 0,-1 0-32 0,-1 1 0 15,0 4-192-15,-1 0-32 0,-1 2-16 0,0-1 0 16,1 4-240-16,-3-1-64 0,1-3 0 0,-1 4 0 15,2-1-96-15,-3-3-32 0,5 1 0 0,-1-4 0 16,2-1 192-16,3-3 48 0,5-1 0 0,-1-5 0 0,6 1 32 0,0-4 16 16,4-1 0-16,3 0 0 0,1-3-320 0,3-4-160 15,3-3 160-15,0 0-160 0,3-1 0 0,2-4 0 16,-1 1 0-16,-1-5 0 16,2 0-544-16,-5 2 0 0,0-3 0 0,-2-3 0 15,0 1-1360-15,-1-2-272 0,-1-2-48 0,-5 0-3600 16,-1 2-736-16</inkml:trace>
+  <inkml:trace contextRef="#ctx0" brushRef="#br0" timeOffset="-165478.25">27328 3894 9215 0,'-16'3'816'0,"6"3"-656"0,1-3-160 0,4 0 0 16,5-1 0-16,-2-2 0 0,-1 2 0 0,-1 0 0 16,-1 5 0-16,0 0 0 0,-4 0 0 0,2 3 0 15,4-1 272-15,-2 1 128 0,3-3 32 0,0 5 0 16,2-5 768-16,0 7 144 0,0-2 48 0,-2 1 0 16,-1 2-432-16,-2 1-64 0,-1 0-32 0,-1 1 0 15,0 4-192-15,-1 0-32 0,-1 2-16 0,0-1 0 16,1 4-240-16,-3-1-64 0,1-3 0 0,-1 4 0 15,2-1-96-15,-3-3-32 0,5 1 0 0,-1-4 0 16,2-1 192-16,3-3 48 0,5-1 0 0,-1-5 0 0,6 1 32 0,0-4 16 16,4-1 0-16,3 0 0 0,1-3-320 0,3-4-160 15,3-3 160-15,0 0-160 0,3-1 0 0,2-4 0 16,-1 1 0-16,-1-5 0 16,2 0-544-16,-5 2 0 0,0-3 0 0,-2-3 0 15,0 1-1360-15,-1-2-272 0,-1-2-48 0,-5 0-3600 16,-1 2-736-16</inkml:trace>
   <inkml:trace contextRef="#ctx0" brushRef="#br0" timeOffset="-165249.22">27361 3756 11967 0,'-22'2'528'0,"8"-2"112"0,3 2-512 0,4-2-128 15,6 0 0-15,-3 0 0 0,2-2 640 0,-3 2 80 16,-2-2 32-16,-5 0 0 0,3 1-592 0,-1-4-160 16,4 3 0-16,5 0 0 15,1 0-1152-15,3-3-288 0,8-4-64 0,3 2-16 0,7-7 1328 0,1 2 192 16,6 0 192-16,3 0 0 0</inkml:trace>
   <inkml:trace contextRef="#ctx0" brushRef="#br0" timeOffset="-164975.47">27722 3927 9263 0,'-7'0'192'0,"2"0"64"0,1 0 0 0,3 0 0 0,-1 0-256 0,2 0 0 0,0 0 0 0,0 0 0 0,-5 2 1456 0,3-1 224 16,0 1 48-16,0 0 16 0,4 5-96 0,5-7-32 16,-2-4 0-16,4 1 0 0,8-1-912 0,-1-3-192 15,3-3-48-15,0 3 0 0,2-3-464 0,2 3 0 16,0-2 0-16,1 4 0 0,-1-1-240 0,-1 3 64 16,3 3 16-16,-6 0 0 15,0 2-1056-15,-1 1-192 0,-6 2-64 0,-2 4-6928 16</inkml:trace>
   <inkml:trace contextRef="#ctx0" brushRef="#br0" timeOffset="-164786.75">27821 4162 7359 0,'0'0'656'0,"2"0"-528"0,0 0-128 0,0 0 0 15,-1-2 672-15,1 2 96 0,3 0 32 0,0 0 0 16,2 2 80-16,-1-2 16 0,1 5 0 0,-2-3 0 15,2 1-256-15,-4 1-64 0,3-2 0 0,2 1 0 16,-2 1-576-16,2-3-208 0,3 1 0 0,3-4-6512 16</inkml:trace>
@@ -6191,7 +7118,7 @@
   <inkml:trace contextRef="#ctx0" brushRef="#br0" timeOffset="-163601.3">29933 3889 4607 0,'4'5'400'0,"-1"-2"-400"0,3-1 0 0,-6 2 0 15,1-3 256-15,1 3-48 0,3 1 0 0,4 7 0 16,0 0 448-16,1 8 96 0,-5 2 16 0,2 1 0 16,-1-1 352-16,-5 1 80 0,-1 1 16 0,0 1 0 15,0-1-256-15,0-1-64 16,0 1 0-16,0 1 0 0,0-3 64 0,0-1 0 0,0 2 0 0,0 1 0 16,-1-3-208-16,-3 0-48 0,1 0 0 0,-1-4 0 0,1 1-208 0,-1-4-48 31,-3-2-16-31,2 2 0 0,-2-4-48 0,-2-3-16 15,1-2 0-15,-1 2 0 0,-2-1 32 0,1-3 16 16,-1-1 0-16,-2 0 0 0,0-1-112 0,-1-1-32 16,0-1 0-16,-3-1 0 0,0 2 48 0,-1-2 0 15,1 0 0-15,-1 1 0 0,1 1-160 0,-2 0-32 0,0 0 0 0,1 0 0 16,1 1-304-16,1-2-64 0,2 1-16 0,0-4 0 31,7-1-976-31,-2 0-208 0,6-2-32 0,3-4-9392 0</inkml:trace>
   <inkml:trace contextRef="#ctx0" brushRef="#br0" timeOffset="-163384.05">29940 3782 8287 0,'-8'2'736'0,"2"0"-592"0,5 1-144 0,-5-1 0 0,5 0 1024 0,1-2 192 15,0 2 16-15,-2-1 16 0,0 1-96 0,-3 0-32 16,3 1 0-16,-3-1 0 0,1 1-1120 0,3-6 0 16,1 1-272-16,3-1 48 15,4-4-1280-15,-2-4-256 0,8 4-48 0,-5-5-16 16,6 2 544-16,2-2 128 0</inkml:trace>
   <inkml:trace contextRef="#ctx0" brushRef="#br0" timeOffset="-163101.66">30311 3916 4607 0,'-8'0'400'0,"-1"0"-400"0,6-1 0 0,1 1 0 15,2-2 576-15,-2 2 48 0,-5 0 0 0,-2-4 0 16,-3 1 432-16,2 0 96 0,1-1 0 0,4 1 16 16,3 1 256-16,2 0 48 0,4 0 16 0,4-1 0 15,-1 1-768-15,2 0-144 0,3-3-48 0,2 2 0 16,2 3-528-16,-2-2 0 0,1 2 0 0,-1 0 0 16,2 2-304-16,0-2-64 0,3 3-16 0,-2 2-4768 15,-3 2-960-15</inkml:trace>
-  <inkml:trace contextRef="#ctx0" brushRef="#br0" timeOffset="-162901.71">30475 4178 1839 0,'7'-2'0'0,"-2"2"160"0,2-2-160 0,-1 0 0 16,-3 2 0-16,-1 0 0 0,3 0 576 0,0-1 96 15,4-1 16-15,3 2 0 0,4-2-432 0,0-1-96 16,-4 3-16-16,2 0 0 16,1 0-784-16,-1-2-144 0,6-1-48 0,-1-1 0 0,-2-3 832 0</inkml:trace>
+  <inkml:trace contextRef="#ctx0" brushRef="#br0" timeOffset="-162901.72">30475 4178 1839 0,'7'-2'0'0,"-2"2"160"0,2-2-160 0,-1 0 0 16,-3 2 0-16,-1 0 0 0,3 0 576 0,0-1 96 15,4-1 16-15,3 2 0 0,4-2-432 0,0-1-96 16,-4 3-16-16,2 0 0 16,1 0-784-16,-1-2-144 0,6-1-48 0,-1-1 0 0,-2-3 832 0</inkml:trace>
   <inkml:trace contextRef="#ctx0" brushRef="#br0" timeOffset="-162518.12">31052 3854 3679 0,'7'0'160'0,"-2"0"32"16,1 0-192-16,-1-2 0 0,-4 2 0 0,1 2 0 0,2-1 704 0,1 1 80 15,2 3 32-15,3 4 0 0,3 3 144 0,-3-1 16 16,-1 6 16-16,-2-1 0 0,1 1-80 0,-4 1-16 15,1 1 0-15,-3 2 0 0,0 0-192 0,-2 1-32 16,-2-1-16-16,-2 0 0 0,-1 5 208 0,-2-3 32 0,0 0 16 0,0-4 0 16,-5 2-144-16,3-2-48 0,-5-2 0 0,2 1 0 15,-2 1-560-15,0-2-160 0,2-3 0 0,0 0 0 16,0-4-128-16,3-1-112 0,0-2-16 0,2-3 0 31,4-4-208-31,1-4-48 0,2-1-16 0,0-6 0 16,4 1 16-16,1-2 16 0,2-4 0 0,3 1 0 0,-1-1 144 0,3 2 32 0,-1 0 0 0,3 0 0 15,-1 4 192-15,0-1 128 0,-1 4-160 0,2-3 160 16,-2 6 0-16,0-1 0 0,0 0 0 0,1 1 0 16,1 3 0-16,-2 1 0 0,0 0 0 0,0 0 0 15,0 1-576-15,-1-1-208 0</inkml:trace>
   <inkml:trace contextRef="#ctx0" brushRef="#br0" timeOffset="-162329.25">31537 4308 5519 0,'-11'19'496'0,"1"-6"-496"0,4-3 0 0,1 1 0 0,3-6 736 0,1 2 48 15,-3 1 16-15,-1 6 0 0,-2 9 48 0,-3 5 16 16,-3 5 0-16,1 2 0 0,-2-6 912 0,2-1 176 16,3-3 32-16,1-3 16 0,1-2-736 0,1-8-160 0,-1 5-16 0,0-5-16 15,4-3-1072-15,1 1 0 0,-1-4-208 0,6-3-6384 16,-1-1-1280-1</inkml:trace>
   <inkml:trace contextRef="#ctx0" brushRef="#br0" timeOffset="-162109.58">31969 4364 13823 0,'-2'4'608'0,"2"-3"128"0,2 3-592 0,-1-4-144 0,1 0 0 0,0-4 0 0,3 4 0 0,-3-1-224 16,3-1 48-16,4 2 16 15,-2-4-752-15,1-1-160 0,-1-2-16 0,0 4-16 0,4-4 736 0,-2-2 160 16,3 2 16-16,-2-3 16 0,6-1 176 0,0-3 0 16,-1 0 0-16</inkml:trace>
@@ -6255,7 +7182,7 @@
   <inkml:trace contextRef="#ctx0" brushRef="#br0" timeOffset="-7426.22">27429 14579 1839 0,'-10'9'160'0,"1"-7"-160"0,2 1 0 0,4 2 0 0,-3-3 1264 0,5-2 208 16,-1 0 64-16,-3 0 0 0,-1-2 160 0,-2-1 32 16,1-2 16-16,3 0 0 0,4-6-880 0,2 2-176 15,2-5-48-15,2 1 0 0,5-1-256 0,1-2-48 16,4 2-16-16,-1-3 0 0,5 3 256 0,-3 1 64 15,1 1 0-15,-1-2 0 0,-1 7 240 0,-2 2 48 16,0 0 16-16,-1 8 0 0,1 4-256 0,-8 0-48 16,2 7-16-16,-2 5 0 0,-5 2-128 0,1 5-32 15,-4 2 0-15,1 7 0 0,-6 2 256 0,0 1 48 16,0 0 16-16,-4-1 0 0,2-2 0 0,-3-6 0 0,2 4 0 0,-1-5 0 16,1-3-272-16,1-6-64 0,2 0-16 15,0-5 0-15,0-4-304 0,0 1-128 0,2-4 128 0,-2-2-128 16,0 0 0-16,2-5 0 0,0 0 0 0,1-1 0 15,-3-5 0-15,4 3 0 0,1-2 0 0,0-4 0 16,2 0 0-16,0-5-144 0,2-1 144 0,1-3 0 16,1 3-192-16,3-3 192 0,-2-1-192 0,4-4 192 15,1 4-256-15,3 3 64 0,-5 1 16 0,3 3 0 16,-3 3-16-16,-1 2-16 0,2 5 0 0,-4 2 0 16,4 7 208-16,-5 0 0 0,1 2 0 0,0 3-144 15,0-2 144-15,0 3 0 0,1 4 128 0,2 0-128 16,-2-1 144-16,2-2-144 0,1 0 192 0,5 0-192 0,-4-4 0 0,4-1 0 15,2 0-160-15,3-6 160 16,2 3-1264-16,4-6-128 0,2 0-16 0,-4-4-7264 16,3-5-1440-16</inkml:trace>
   <inkml:trace contextRef="#ctx0" brushRef="#br0" timeOffset="-7142.98">28079 14377 9215 0,'0'-5'400'0,"0"0"96"0,2 1-496 0,0 4 0 16,-1 0 0-16,1 0 0 0,0 0 1472 0,0 2 208 0,5 2 48 0,-2 3 0 15,4 0 464-15,-1 5 112 0,3 3 0 0,-1-1 16 16,4 5 16-16,-3 4 0 0,1 3 0 0,-2 0 0 16,2 7-672-16,1 4-128 0,1 3-16 0,-2-2-16 15,3 2-688-15,-1 2-144 0,-5-2-32 0,2-1 0 16,-4-1-256-16,-2-1-48 0,2 1-16 0,-7-2 0 15,2 5-192-15,-2-3-128 0,-2 4 160 0,-3-4-160 16,-1 2 0-16,-2 2 128 0,-5 3-128 0,-2-1 0 16,-3 4 0-16,-1-4 0 0,-4-6 0 0,1 1-160 31,-1-8-800-31,-3-7-176 0,2-3-16 0,1-5-16000 0</inkml:trace>
   <inkml:trace contextRef="#ctx0" brushRef="#br0" timeOffset="-5449.17">29116 14229 6447 0,'-2'0'576'0,"-1"0"-576"0,1 0 0 0,2 0 0 15,0 0 496-15,-2-1-16 0,1-1 0 0,-3 0 0 16,-1-5-96-16,0 4 0 15,-1-3-16-15,1 1 0 0,2-2 224 0,1 2 48 0,-3-2 16 0,3-2 0 16,2 6 256-16,0-4 48 0,2 0 16 0,-1 2 0 16,3-1 112-16,-2-1 0 0,-1 4 16 0,3 1 0 15,-1-1-208-15,3-1-64 0,-1-1 0 0,4 2 0 16,1-1-208-16,1-1-48 0,-1-4-16 0,2 2 0 16,-1-3-272-16,1 3-48 0,2-5-16 0,1 1 0 15,1-1-224-15,0 5 0 0,-1-2 0 0,3 4 0 16,-6 2 0-16,0 1 0 0,2 2 0 0,-7 3 0 0,4 2 0 0,-8 2 128 15,2 4-128-15,-3 3 144 0,-2 1 240 0,0 5 64 16,-3-1 0-16,-1 0 0 0,2 2 224 0,-6 2 48 16,1 1 16-16,-2 4 0 0,0-2 16 0,-1 4 0 15,1-3 0-15,-1 5 0 0,1-6-176 0,-1 5-16 16,1 1-16-16,0-5 0 0,2 5-128 0,2-6-32 0,1 4 0 0,-3-4 0 31,6-2-208-31,-3 2-48 0,4-3-128 0,-2-4 192 0,4-2-320 0,0-1-80 0,1 0-16 0,1-6 0 31,3 2-1600-31,0-5-320 0,3 4-64 0,1-4-6912 0,1 1-1376 0</inkml:trace>
-  <inkml:trace contextRef="#ctx0" brushRef="#br0" timeOffset="-5239.62">29451 15248 19343 0,'-7'19'848'0,"3"-10"192"0,2-2-832 0,1-4-208 0,1 1 0 0,0-2 0 16,0 1 1296-16,0 1 224 0,0 3 32 0,-6-2 16 15,-1 4-656-15,1-4-128 0,-7 4-16 0,1-3-16 32,0-2-1264-32,0-2-240 0,0 3-48 0,1-9-16 0</inkml:trace>
+  <inkml:trace contextRef="#ctx0" brushRef="#br0" timeOffset="-5239.63">29451 15248 19343 0,'-7'19'848'0,"3"-10"192"0,2-2-832 0,1-4-208 0,1 1 0 0,0-2 0 16,0 1 1296-16,0 1 224 0,0 3 32 0,-6-2 16 15,-1 4-656-15,1-4-128 0,-7 4-16 0,1-3-16 32,0-2-1264-32,0-2-240 0,0 3-48 0,1-9-16 0</inkml:trace>
   <inkml:trace contextRef="#ctx0" brushRef="#br0" timeOffset="6581.11">19938 16581 7359 0,'-11'1'656'0,"4"1"-528"15,6-2-128-15,1 0 0 0,0-2 1072 0,-2 2 176 16,-5 0 32-16,2-3 16 0,0 1-272 0,-2-7-64 16,5 4-16-16,0-5 0 15,6 3-752-15,-4-2-192 0,0 0 0 0,0 4 0 0,-2-2 0 0,-2 2 0 32,-1 3 0-32,-2 0 0 0,0-1 0 0,0 1 0 0,-2 0 0 0,1-1 128 0,3 1 144 0,-1-1 32 15,1 3 0-15,2-4 0 0,1 1 224 0,-2-1 48 16,3-1 16-16,-1 3 0 0,0 2 48 0,0 0 16 15,2 0 0-15,-1 2 0 0,-1 3-16 0,0 2-16 16,2 0 0-16,0 7 0 0,0 0-160 0,0 4-16 0,4 1-16 0,-4 3 0 31,1 4-240-31,1 4-32 0,0 3-16 0,0-1 0 16,-1 1-144-16,5 1 0 0,-5 0 144 0,3 0-144 16,1 1 256-16,2 2 0 0,-2 1-16 0,2-1 0 15,2 4 224-15,0 0 48 0,-1-3 16 0,3 4 0 16,-1-1-32-16,2 5-16 0,2-1 0 0,-1-1 0 15,-1 3-96-15,0-4 0 0,2-3-16 0,-2 0 0 16,0 4-176-16,2-2-48 0,0-1 0 0,-2-2 0 0,1-3-144 0,-3-1 0 16,4 0 0-16,-4 0 0 0,3-2 0 0,-1 2 0 15,0 1 0-15,-1-3 0 0,1 0 0 0,-4-3 0 16,3 3 0-16,-2-1 0 0,1-5-128 0,-1 3 128 16,-1-4 0-16,1 6 0 0,-2-6 0 0,0 3 0 15,4-3 0-15,-6-1 0 0,4-1 704 0,-1 2 256 16,1-1 48-16,1 3 16 15,3-4-1648-15,-3 2-320 0,4-2-64 0,-2 1-16 0,2-4 832 0,2 0 192 16,1 1 0-16,2-3 0 0,2-3 0 0,0 1 0 16,4-1 0-16,-1-2 0 0,-24-14 0 0,0 0 0 15,92 35 0-15,-92-35 0 0,0 0 0 0,105 17 0 16,-105-17 0-16,0 0 0 0,108 2 0 0,-108-2 0 0,0 0 128 0,113-9-128 16,-113 9 0-16,0 0 0 0,127-5 128 0,-127 5-128 15,0 0 0-15,135 0 0 0,-135 0 0 0,0 0 0 16,141 2 0-16,-141-2 0 0,0 0 0 0,134 0 0 15,-134 0 0-15,0 0 0 0,131-2 0 0,-131 2 160 16,0 0-32-16,137-9 0 0,-137 9 0 0,101-12 0 16,-101 12 48-16,114-17 0 0,-114 17 0 0,120-23 0 15,-120 23 64-15,111-26 16 0,-111 26 0 0,119-26 0 16,-119 26-64-16,120-23-16 0,-120 23 0 0,126-19 0 16,-126 19-176-16,125-12 0 0,-125 12 0 0,122 0 0 0,-122 0 176 15,122 5-48-15,-122-5-128 0,129 7 192 0,-129-7 32 0,141 4 0 16,-141-4 0-16,143-7 0 0,-143 7-64 0,146-20-16 15,-146 20 0-15,140-27 0 0,-140 27 80 0,139-39 16 16,-139 39 0-16,159-47 0 0,-159 47-240 0,162-47 0 16,-162 47 0-16,136-38 0 0,-136 38-192 0,115-33-128 15,-115 33-16-15,106-25-16 0,-106 25-32 0,101-15 0 16,-101 15 0-16,106-4 0 0,-106 4 384 0,114-1 0 16,-114 1 0-16,104-6 0 0,-104 6 0 0,103-10 0 15,-103 10 0-15,105-12 0 0,-105 12 128 0,102-11-128 16,-102 11 192-16,112-14-64 0,-112 14-128 0,115-17 0 15,-115 17 0-15,101-12 128 0,-101 12-128 0,91-16 0 0,-91 16 0 0,0 0 0 16,120-28 192-16,-120 28-64 0,0 0 0 16,108-26 0-16,-108 26 64 0,0 0 16 0,118-37 0 0,-118 37 0 15,88-34-80-15,-88 34 0 0,90-42-128 0,-90 42 192 16,80-39-192-16,-80 39 0 0,74-33 0 0,-74 33 0 16,0 0 0-16,101-33 0 0,-101 33-128 0,0 0 128 31,101-3-464-31,-101 3 16 0,0 0 0 0,90 16 0 0,-90-16 0 0,0 0 16 15,101 27 0-15,-101-27 0 0,0 0 240 0,100 23 64 0,-100-23 0 0,0 0 0 16,0 0 128-16,120 12 0 0,-120-12 0 0,0 0 128 0,0 0 16 16,117 14 16-16,-117-14 0 0,0 0 0 0,90 5-160 15,-90-5 0-15,0 0 0 0,100 11 0 0,-100-11 0 0,0 0 0 16,108 10 0-16,-108-10 0 16,90 11 0-16,-90-11 0 0,105 7 0 0,-105-7 0 0,103 1 0 0,-103-1 0 15,96 0 0-15,-96 0 0 0,90-5-128 0,-90 5 128 16,89-9-160-16,-89 9 160 0,94-8-128 0,-94 8 128 15,105-11 0-15,-105 11-144 0,120-10 0 0,-120 10 0 16,113-5 0-16,-113 5 0 16,110-6-224-16,-110 6-32 0,96-17-16 0,-96 17 0 0,83-30 48 0,-83 30 16 15,79-40 0-15,-79 40 0 0,73-36 352 0,-73 36 128 0,70-35 0 16,-70 35 0-16,0 0 400 0,92-44 80 0,-92 44 16 16,0 0 0-16,75-36-192 0,-75 36-48 0,0 0 0 0,0 0 0 15,98-37-256-15,-98 37-128 16,0 0 0-16,0 0 128 0,102-29-128 0,-102 29 0 0,0 0 0 0,86-6 0 15,-86 6 0-15,0 0-176 0,0 0 48 0,110-19 0 16,-110 19 128-16,0 0-128 0,83-15 128 0,-83 15-128 16,0 0-144-16,0 0-32 0,100-35 0 0,-78 21 0 31,-3-4-80-31,1-6-32 0,-1 1 0 0,-2 1 0 0,-5-1-672 0,-3-3-128 0,-2 2-16 0,-5-1-16 16,-4-3-576-16,-5 4-112 0,-2-2-32 0,-3-2 0 15,-4 4 384-15,-3-4 80 0,2 3 16 0,-4-1 0 0,2-2 1328 0,-2 0 160 16,3-1 256-16,-1 1-64 15,4-3 512-15,1-6 128 0,5-1 0 0,-3-6 16 0,7-5-336 0,5 1-64 16,0-8 0-16,0-5-16 0,3 0-432 0,2 2 0 16,0 1 0-16,1 4 0 0,-5 2 0 0,1 7-320 15,2-2 48-15,-4 5 16 0,0 4-80 0,-2-2-16 16,2 1 0-16,-2 1 0 0,4 1 352 0,0 1 0 16,-2-1 0-16,1-1 0 0,1 1 176 0,0 1 0 15,-2 4 0-15,0 1 0 0,-2 1-176 0,-1 6 160 16,-3 1-160-16,-1 2 160 0,-1 4-160 0,-4 1 0 15,-6 1 144-15,-3 1-144 0,-1 5 176 0,-5 2-48 0,-4 0 0 16,0 4 0-16,-1-1 384 0,-3 2 64 16,-3 1 0-16,-2 1 16 0,-4 0-144 0,-1 0-48 0,2 1 0 0,-10 3 0 15,5-2-176-15,-6-1-32 0,-4-1-16 0,-3 2 0 16,5-2-176-16,-1 4 0 16,-1-1-192-16,1 1 192 15,-2-1-624-15,-1-1 0 0,3 0 0 0,-8 3 0 0,-1 2-224 16,-5-2-48-16,-4 0-16 0,0 2 0 0,5-3 208 15,-3 1 64-15,1-2 0 0,-1 3 0 0,2-1 384 0,-6-2 96 0,-3 1 16 16,-7 3 0-16,5-4 352 0,-2 1 80 0,-1-1 16 0,3-1 0 16,0 0-112-16,-2 1-32 0,-6-1 0 0,-3 3 0 15,3-1 32-15,-1 1 16 0,4 5 0 0,2-3 0 0,1 4-208 0,-3-3 0 16,-5 8 0-16,1 1 0 0,4-1-176 0,-2 2-128 16,4-1-16-16,-1 2-16 0,6-1-48 0,-7-1 0 15,-2 4 0-15,2-2 0 0,3 0 384 0,1-3 0 16,4-2 0-16,4 1 128 0,4-4 192 0,-6-4 16 15,0-4 16-15,1-1 0 0,-4 2 160 0,3-3 48 16,0 1 0-16,2 0 0 0,2 1-192 0,0 1-48 16,-2 5 0-16,-7-4 0 0,0-2-320 0,0 6 0 15,0-2 0-15,6 0 0 32,1 5-512-32,2-5 0 0,5 3-16 0,-5-6 0 0,1-1 240 0,-1-3 48 0,-2 0 16 0,9-3 0 0,8 1 512 0,-5-3 96 0,4 0 32 0,2 0 0 15,1 5 144-15,0-2 16 0,0 0 16 0,-5 0 0 16,0 1-48-16,-5-1-16 15,4 2 0-15,1 2 0 0,0 5-32 0,3 1-16 0,-1 4 0 0,0 6 0 16,3 1-32-16,-3-2 0 0,-1 4 0 0,-4-3 0 16,-1-1 0-16,4-3-16 0,4 0 0 0,5-4 0 15,8 3-16 1,-1-6 0-16,3-2 0 0,0 0 0 0,7-3-272 0,-1 0-144 0,1-2 160 0,2-2-160 16,0 2 0-16,-4-2 0 0,-1 0 0 0,-1 2 0 15,3-3-256-15,-6 3 64 0,-7 3 16 0,-1-1 0 0,1 2 176 16,-2-1 0-16,4-1-144 0,2 5 144 15,1-2-128-15,-1 0 128 0,3-3-160 0,2-2-11888 16</inkml:trace>
 </inkml:ink>
 </file>
@@ -6327,7 +7254,7 @@
   <inkml:trace contextRef="#ctx0" brushRef="#br0">11028 14273 4607 0,'0'2'400'0,"0"1"-400"15,0-3 0-15,0 0 0 0,0 0 864 0,0 2 96 16,0-2 0-16,0 2 16 0,2-1 32 0,-2-1 0 15,2-1 0-15,-2-1 0 0,0-3-256 0,0 1-48 16,0 1-16-16,-2-1 0 0,2-1-176 0,0 0-16 16,0 1-16-16,-2 2 0 0,0-1 288 0,1 1 64 15,-1-1 16-15,-3-3 0 0,-1 5-16 0,1 1-16 16,-2-2 0-16,0-1 0 0,0 1-432 0,-3-2-64 16,1-1-32-16,-1 2 0 0,1 1-288 0,-2-3 0 15,-1-2 0-15,-2 1 0 0,2 1-208 0,-2 0 48 0,2-4 16 0,-2 4 0 16,0 0-176-16,2-2-16 0,-4 3-16 0,0-1 0 15,4 2 128-15,0-1 32 0,-5 2 0 0,-1 4 0 16,3 3 64-16,-1 1 128 0,0 1-208 0,1 5 80 16,1 0-112-16,-4 0-16 0,2 6 0 0,1 1 0 15,-1-2 80-15,4 2 16 0,-2 2 0 0,3 0 0 16,3-2 160-16,-1 0 0 0,2 1 0 0,2-1 0 16,3 5 0-16,-3-1 192 0,3-1-32 0,0 1-16 15,2 1 352-15,0 1 64 0,2 1 16 0,0 5 0 16,1 1 32-16,-1 1 16 0,0 3 0 0,0 1 0 15,1-1-32-15,-1 10 0 0,0 1 0 0,-1 5 0 0,1 0-112 16,-2 4-32-16,-2 2 0 0,1-1 0 0,-1 0-64 0,-2 1-32 16,-1 1 0-16,-2-3 0 0,2-4-80 15,0-3-16-15,-2 3 0 0,-2-5 0 0,4-2-256 0,-2-4 0 16,2-7 0-16,-1-6 0 0,5 2-192 0,-3-8-80 16,2 1-32-16,2-4-8160 15,0-3-1648-15</inkml:trace>
   <inkml:trace contextRef="#ctx0" brushRef="#br0" timeOffset="251.03">10214 15304 3679 0,'-2'0'320'0,"2"-2"-320"0,0 2 0 0,2 0 0 15,0 0 1680-15,0 0 272 0,3 0 48 0,4 2 16 16,-1 0-80-16,6-1-16 0,2 3 0 0,3 3 0 16,-1 0-624-16,1 0-128 0,2 0-16 0,1-2-16 15,3 4-64-15,1-6-16 0,-2 2 0 0,4-5 0 16,-28 0-96-16,0 0-32 0,99-8 0 0,-99 8 0 16,0 0-608-16,109-26-128 0,-109 26-32 0,0 0 0 15,118-30-480-15,-118 30-80 0,0 0-32 0,122-31 0 16,-122 31-1168-16,0 0-256 0,112-34-32 0,-112 34-8704 15</inkml:trace>
   <inkml:trace contextRef="#ctx0" brushRef="#br0" timeOffset="612.41">11715 14757 5423 0,'-7'0'0'0,"1"2"0"16,-1-2 0-16,2 1 0 0,0 3 0 0,-2 3 0 15,-7 0 1008-15,-12 9 224 0,-2 1 48 0,-2 2 48 16,4 2 352-16,5-2 80 0,2 0 16 0,4 1 16 15,2-1-512-15,3-2-80 0,-1 1-32 0,4-1 32 16,0 6-496-16,1-1-80 0,-1 6-32 0,1-2 32 16,1 7-32-16,2 0 0 0,-1 0 0 0,2 9 16 15,2 0 96-15,0 2 32 0,0 4 0 0,4-1 32 16,-1 6-192-16,4-3-48 0,0-1 0 0,2-2 32 0,3-3-352 0,2-6-64 16,0-5-16-16,3-7 16 0,4-2-144 0,6-8-272 15,0-2 64-15,7-3-8432 16,-34-11-1696-16</inkml:trace>
-  <inkml:trace contextRef="#ctx0" brushRef="#br0" timeOffset="1146.64">12173 14834 6447 0,'-9'3'272'0,"6"-1"80"0,-1 3-352 0,2-3 0 0,1 0 0 0,1-1 0 15,0 3 1504-15,0-1 224 0,-2 8 64 0,-3 3 0 16,1 1-368-16,1 3-64 0,-1 4-16 0,-1 1 0 16,2 1-368-16,-1 3-80 0,1 4 0 0,-1 0-16 15,2 6 208-15,-3-1 32 0,3 4 16 0,-1-1 0 16,-1-1-240-16,1 0-32 0,1-1-16 0,-3-2 0 0,2-4-464 0,-1 2-80 15,1-3-32-15,-1-4 0 0,-1-2-272 0,1-4 0 16,1-3 0-16,1-3 0 16,0-4-368-16,2-4-80 0,-1-5 0 0,2-1-16 15,1-3-912-15,2-8-176 0,1 4-48 0,2-7 0 16,-2-1-192-16,4-4-64 0,1-2 0 0,2-5 0 16,-1-4 720-16,1 0 144 0,4-3 32 0,-2-3 0 15,1-1 624-15,1-3 128 0,3 2 16 0,-1-4 16 0,1-2 176 0,0 4 128 16,0-1-128-16,0 2 176 0,0 1 320 0,2 5 64 15,0 1 16-15,-2 8 0 0,-1 3 64 0,-2 4 32 16,-1 3 0-16,-1 9 0 0,-5 1 192 0,1 4 32 16,-3 4 16-16,0 1 0 0,-1 7 432 0,-1 0 96 0,-2 0 16 15,-1 6 0-15,0 4 112 0,-1 8 32 0,-1 0 0 0,-1 3 0 16,-1 2-416-16,-1 1-80 0,-3 3-16 0,3-1 0 16,-6 0-624-16,4 0-128 0,0 3-16 0,-2-5-16 15,3-1-304-15,1-5 0 0,1-4 0 0,0-7 0 31,4 2-1072-31,0-6-208 0,1-1-64 0,2-5-12800 0</inkml:trace>
+  <inkml:trace contextRef="#ctx0" brushRef="#br0" timeOffset="1146.63">12173 14834 6447 0,'-9'3'272'0,"6"-1"80"0,-1 3-352 0,2-3 0 0,1 0 0 0,1-1 0 15,0 3 1504-15,0-1 224 0,-2 8 64 0,-3 3 0 16,1 1-368-16,1 3-64 0,-1 4-16 0,-1 1 0 16,2 1-368-16,-1 3-80 0,1 4 0 0,-1 0-16 15,2 6 208-15,-3-1 32 0,3 4 16 0,-1-1 0 16,-1-1-240-16,1 0-32 0,1-1-16 0,-3-2 0 0,2-4-464 0,-1 2-80 15,1-3-32-15,-1-4 0 0,-1-2-272 0,1-4 0 16,1-3 0-16,1-3 0 16,0-4-368-16,2-4-80 0,-1-5 0 0,2-1-16 15,1-3-912-15,2-8-176 0,1 4-48 0,2-7 0 16,-2-1-192-16,4-4-64 0,1-2 0 0,2-5 0 16,-1-4 720-16,1 0 144 0,4-3 32 0,-2-3 0 15,1-1 624-15,1-3 128 0,3 2 16 0,-1-4 16 0,1-2 176 0,0 4 128 16,0-1-128-16,0 2 176 0,0 1 320 0,2 5 64 15,0 1 16-15,-2 8 0 0,-1 3 64 0,-2 4 32 16,-1 3 0-16,-1 9 0 0,-5 1 192 0,1 4 32 16,-3 4 16-16,0 1 0 0,-1 7 432 0,-1 0 96 0,-2 0 16 15,-1 6 0-15,0 4 112 0,-1 8 32 0,-1 0 0 0,-1 3 0 16,-1 2-416-16,-1 1-80 0,-3 3-16 0,3-1 0 16,-6 0-624-16,4 0-128 0,0 3-16 0,-2-5-16 15,3-1-304-15,1-5 0 0,1-4 0 0,0-7 0 31,4 2-1072-31,0-6-208 0,1-1-64 0,2-5-12800 0</inkml:trace>
   <inkml:trace contextRef="#ctx0" brushRef="#br0" timeOffset="1419.87">12809 14506 4607 0,'5'-7'400'0,"0"4"-400"16,1-1 0-16,-3 3 0 0,2 1 1920 0,2-2 288 16,6-2 64-16,7-1 16 15,7 5-160-15,0 7-16 0,0 3-16 0,-5 10 0 16,-1 8-816-16,-3-1-176 0,-3 12-16 0,-1 1-16 16,2 3-64-16,-4 3-16 0,2-3 0 0,0 4 0 15,2-2-192-15,-2 2-32 0,1-3-16 0,-3 5 0 16,2-4-112-16,-7 4 0 0,0-2-16 0,-3 5 0 15,-2 0-64-15,-4-3-16 0,-3 3 0 0,-2-8 0 0,-4-1-80 0,-1-2-16 16,-4 0 0-16,-1-6 0 16,-1-2-704-16,-4-8-160 0</inkml:trace>
   <inkml:trace contextRef="#ctx0" brushRef="#br0" timeOffset="2912.26">14769 14614 2751 0,'-7'14'256'0,"2"-10"-256"0,3 3 0 0,1-4 0 16,1-1 1552-16,0 0 272 0,0-2 48 0,1 0 16 15,1 3-624-15,2 4-128 0,4-4-32 0,1 1 0 16,0-1-768-16,-1 4-144 0,1-1-48 0,0-1 0 16,-4 5 160-16,0-1 16 0,2 5 16 0,-7 3 0 0,0 4 400 0,-1 4 80 15,-5 4 16-15,1 1 0 0,-2 3-64 0,-2 2-16 16,1 1 0-1,-4 3 0-15,3-1-496 0,-5 0-80 0,3 1-32 0,-1-6 0 0,4-4-144 0,1-1 0 16,3-7 0-16,4-7-6304 16,2-7-1328-16</inkml:trace>
   <inkml:trace contextRef="#ctx0" brushRef="#br0" timeOffset="3262.58">15548 14457 11055 0,'-7'6'976'0,"2"1"-784"0,2-4-192 0,-1-1 0 0,2 0 1216 0,2-2 208 16,-1 1 48-16,-5 1 0 0,1 5-608 0,-5 2-112 31,-2-1-32-31,-2 3 0 0,0 3-720 0,1 0 0 16,-4 3 0-16,3-3-208 0,0 2 208 0,2 1 0 15,3-1 0-15,1-2 0 0,2-2 448 0,3 4 144 16,-1-4 32-16,4-2 0 0,0 6-176 0,2-2-16 15,0 3-16-15,-2 3 0 0,2 0-144 0,-1 3-16 16,3 5-16-16,-2-2 0 0,-2-2-16 0,0 8 0 16,0 1 0-16,0-2 0 0,-2 4 320 0,-3 0 64 0,1 1 16 15,-5-2 0-15,-1-1 80 0,-1-4 0 0,-6 1 16 0,1-2 0 16,-5 3-368-16,2-5-80 0,-5 4-16 0,-2-6 0 16,-4 1 64-16,-1-3 0 0,-1-6 0 0,-4 0 0 15,-1-2-320-15,-1-8 0 0,5 0 0 0,1-8 0 31,3-5-960-31,4-3-208 0,4-8-48 0,6-6-11264 0</inkml:trace>
@@ -6340,7 +7267,7 @@
   <inkml:trace contextRef="#ctx0" brushRef="#br0" timeOffset="6362.21">20616 14137 9903 0,'-2'-2'208'0,"-1"0"48"0,3 1 16 0,0-1 16 0,3 2-288 0,-1 0 0 0,-1 0 0 0,3 0 0 16,3 0 1280-16,0 2 192 0,2 3 32 0,1 7 16 16,-3-1-944-16,-2 4-176 0,0 4-32 0,-1 6-16 15,1 1 256-15,0 0 48 0,1 9 16 0,-1 1 0 16,2 1-64-16,2 3-16 0,1-2 0 0,2 1 0 15,2 3 400-15,0-1 80 0,2-1 16 0,1-1 0 16,-1-1-448-16,0-5-96 0,-1-2-16 0,-6 3 0 16,1-8-528-16,-6 3 0 0,-4-4 0 0,-4 3 0 15,-1-4 0-15,-7-1-272 0,-4-1 48 0,-3 4 16 16,0-3-368-16,-4 1-64 0,-5 4 0 0,-1-3-16 16,-4-1-128-16,0 4-32 15,-2-4 0-15,5-3 0 0,-3-2-272 0,9-3-64 0,4-2-16 0,3-7-6960 16</inkml:trace>
   <inkml:trace contextRef="#ctx0" brushRef="#br0" timeOffset="6802.84">21313 13594 7359 0,'-4'13'656'0,"3"-6"-528"0,1 6-128 0,1-8 0 0,3 4 1072 0,-2-4 176 16,1 2 32-16,4 7 16 0,3 8 816 0,6 11 144 16,3 6 48-16,-1-1 0 0,1 2-496 0,0 5-80 15,0 2-32-15,4 4 0 0,0-1-192 0,-1 3-32 16,4 2-16-16,2 5 0 0,2 4-496 0,1-1-80 16,2 6-32-16,0-4 0 0,1 5-544 0,-10-6-112 15,0 4-32-15,-8-5 0 16,-4-1-16-16,-7-2 0 0,-5-3 0 0,-5-1 0 15,-5-4-624-15,-8-5-128 0,-4-3-32 0,-4-3 0 16,-1-2-1472-16,-1-10-288 0,-3 1-64 0,-2-7-9952 16</inkml:trace>
   <inkml:trace contextRef="#ctx0" brushRef="#br0" timeOffset="8117.63">10477 16417 6447 0,'-8'-2'576'0,"2"0"-576"0,1 1 0 0,5-1 0 16,0 0 624-16,0 0 16 0,0-3 0 0,0 2 0 16,0-4 768-16,0-5 176 0,0-4 16 0,2 4 16 0,1-2-1040 0,-1 0-192 15,0 3-64-15,-2-1 0 0,0 0-64 0,-2 3-32 16,0-1 0-16,-1 5 0 0,1-1 272 0,-5-1 48 15,0 4 16-15,2 1 0 0,3 2 368 0,-3-2 80 16,3-1 16-16,2-1 0 0,4-1-320 0,3 0-64 16,1 0-16-16,6-4 0 0,4 2-496 0,5-5-128 15,1 1 0-15,-24 11 0 0,0 0 0 0,103-40 0 16,-103 40 0-16,0 0-192 0,139-38 0 0,-139 38 0 16,115-16 0-16,-115 16 0 15,127-10-528-15,-127 10-112 16,122-2-32-16,-122 2 0 0,115-7 432 0,-115 7 96 0,115-8 16 0,-115 8 0 0,131-9 320 0,-131 9 192 0,150-14-32 0,-150 14 0 15,153-26 432-15,-153 26 96 0,152-37 16 0,-152 37 0 16,150-42-416-16,-150 42-80 0,172-50-16 0,-172 50 0 16,178-52-192-16,-178 52 0 0,157-44 0 0,-157 44 0 15,136-38 0-15,-136 38 0 0,127-33-144 0,-127 33 144 32,132-30-576-32,-132 30 0 0,114-23-16 0,-114 23 0 0,0 0-560 0,120-20-96 0,-120 20-32 0,0 0-6624 15</inkml:trace>
-  <inkml:trace contextRef="#ctx0" brushRef="#br0" timeOffset="8582.86">10646 16682 4607 0,'7'0'400'16,"0"0"-400"-16,-1 0 0 0,-1-2 0 0,0 2 960 0,5 0 96 16,13-2 32-16,-23 2 0 0,0 0 432 0,150-21 80 31,-150 21 32-31,131-22 0 0,-131 22-272 0,130-30-48 0,-130 30-16 0,133-28 0 0,-133 28-256 0,151-35-48 15,-151 35-16-15,187-48 0 0,-83 21-80 0,-2-2 0 16,-3 6-16-16,0-5 0 0,-3 2-240 0,16 0-32 16,15-5-16-16,-2 3 0 0,-1-2-464 0,1-1-128 15,4 6 0-15,6-1 0 16,7 0-768-16,-4 2-240 0</inkml:trace>
+  <inkml:trace contextRef="#ctx0" brushRef="#br0" timeOffset="8582.85">10646 16682 4607 0,'7'0'400'16,"0"0"-400"-16,-1 0 0 0,-1-2 0 0,0 2 960 0,5 0 96 16,13-2 32-16,-23 2 0 0,0 0 432 0,150-21 80 31,-150 21 32-31,131-22 0 0,-131 22-272 0,130-30-48 0,-130 30-16 0,133-28 0 0,-133 28-256 0,151-35-48 15,-151 35-16-15,187-48 0 0,-83 21-80 0,-2-2 0 16,-3 6-16-16,0-5 0 0,-3 2-240 0,16 0-32 16,15-5-16-16,-2 3 0 0,-1-2-464 0,1-1-128 15,4 6 0-15,6-1 0 16,7 0-768-16,-4 2-240 0</inkml:trace>
   <inkml:trace contextRef="#ctx0" brushRef="#br0" timeOffset="25909.93">9667 13904 18431 0,'-5'3'1632'0,"3"-1"-1312"0,2 0-320 0,0-2 0 16,0 0 688-16,0 1 64 0,0-1 16 0,-2 4 0 16,1 3-480-16,-1-2-96 0,2-2 0 0,-2-3-16 15,2 4-400-15,0-1-80 0,2 1-16 0,-2-2 0 16,2 3-48-16,-2-2-16 0,1 8 0 0,1-3 0 16,0 8 128-16,1 0 32 0,-1 5 0 0,-2 1 0 15,0 8 224-15,0 5 160 0,-2 1-32 0,-1 4 0 16,-1 2 48-16,1 2 0 0,3 10 0 0,-4 2 0 0,3 4-176 15,-1 7 0-15,0 4 0 0,-3-1 0 0,3-1-176 0,0 1 176 16,-1 3-128-16,1-3 128 0,0 1 0 0,2 1 0 16,0 4 0-16,-1 3 0 0,1 10 0 0,0-8 0 15,-2 3 0-15,-1-2 176 0,1-5 320 0,-3 6 64 16,-1 2 16-16,-1 6 0 0,-1 1-64 0,-3-8 0 16,1 0 0-16,-2-10 0 0,1-6-32 0,1 4-16 15,3-3 0-15,-4-4 0 0,4-6-48 0,4-3-16 16,-4-2 0-16,5-5 0 0,0-6-208 0,2-3-64 15,2 0 0-15,0-5 0 0,1 0-128 0,4-2 0 0,0-3 0 0,5 1-176 16,1 0-80-16,2-3-32 0,-15-28 0 0,44 56 0 16,-44-56 0-16,52 49 0 0,-52-49 0 0,0 0 0 15,94 55 288-15,-94-55-128 0,0 0 128 0,108 41 0 16,-108-41-192-16,86 12 192 0,-86-12-192 0,101 5 192 16,-101-5-176-16,122-10 176 0,-122 10-160 0,146-20 160 15,-68 10 0-15,-78 10 0 0,149-18 0 0,-149 18 0 16,146-12 192-16,-64 0 64 0,8 5 32 0,5-3 0 15,2 1 288-15,-4-1 64 0,-6 4 16 0,0 3 0 16,2-4-144-16,8-2-16 0,10 0-16 0,-1-1 0 16,-5 1-352-16,2-1-128 0,-9-2 0 0,10-1 144 15,10-4-144-15,1-2 0 0,3 0 0 0,-1 0 0 0,-11 3 0 0,7 0 0 16,9 2 0-16,-5 4 0 0,3-2-128 16,-1 5 128-16,-9-2 0 0,3 5 0 0,5 4 0 0,-1-1 0 15,3 1 0-15,-5-2 0 0,-6-2 160 0,9 1 0 16,9-4 0-16,0 2 0 0,-5-6 224 0,-3 1 32 15,-1-4 16-15,10 4 0 0,6-3-224 0,-2-1-32 16,-5 0-16-16,-3 1 0 0,3 0-160 0,4 1 160 16,2 7-160-16,-5-2 160 0,-9-5-32 0,3 7 0 15,7-4 0-15,-4 5 0 0,3 1-128 0,-8-4 128 16,-5 0-128-16,7 5 128 0,0 2-128 0,1-3 128 16,-2 1-128-16,-6 0 128 0,-5 0-128 0,6 1 0 15,8-3 0-15,-4 1 0 0,-1-2 0 0,-3-8 0 0,-1 5 0 16,6-6 0-16,8 3 0 0,-4-3 0 0,-8 0 0 0,-2 0 0 15,-4 4-128-15,8-2 128 0,6 3-160 0,-3 2 160 16,-10 5 0-16,-2 4-144 0,-2-2 144 0,3 0 0 16,6 2 0-16,-5 3 272 0,-1 2-32 0,-8-5-16 15,1 1 400-15,8-4 80 0,5-1 0 0,-1-5 16 16,-7 0-272-16,2 0-48 0,-5-9-16 0,6-1 0 16,3-6-384-16,-4 1 0 0,-8 1 128 0,-14 0-128 15,0 2-144-15,-4 1-64 0,2-1-16 0,-5 0 0 16,-5 3 96-16,-7 2 128 0,-70 14-208 0,111-19 80 15,-111 19 128-15,79-14 0 0,-79 14 0 0,0 0 0 0,82-3-256 0,-82 3 16 16,0 0 16-16,0 0 0 0,0 0 224 0,83-20 0 16,-83 20 0-16,0 0 0 0,54-40 0 0,-54 40 0 15,44-43 0-15,-16 13 0 0,-4-3-224 0,2 0 48 16,-3-3 16-16,1-5 0 16,-3-2-352-16,-2 1-80 0,-5-1-16 0,0 3 0 15,-5 3 64-15,-4 2 16 0,0 0 0 0,-5 0 0 0,0 1 528 0,-1 4 256 16,-3-1-32-16,1-4 0 0,1 0 384 0,-2 0 80 15,3 2 16-15,-1-4 0 0,0-1-352 0,2-2-64 16,-2-3-16-16,-1-1 0 0,1 0-272 0,-1-3 0 16,1 6 0-16,-1-3 0 0,-1-1 0 0,4 1 0 15,-2-3 0-15,2 2 0 0,2 1 0 0,0-4 0 16,7 1 0-16,-1-6 0 0,6-2 160 0,0-5 32 16,2-2 0-16,-1 1 0 0,1 3 48 0,-2 3 16 0,-2-1 0 0,1 4 0 15,-8 5-256-15,0-2-192 0,-3 2 48 0,-2-2 0 16,-2 5-112-16,0-4-32 0,-1 4 0 0,-2-1 0 15,-1-2 288-15,1 5 0 0,2 0 0 0,-3 0 144 16,5 4 96-16,-6 3 16 0,0 4 0 0,-2 0 0 16,-2 6-256-16,-2-1 0 0,-5 0 0 0,-3 5 0 15,-1 2-576-15,-5 0-16 16,0 1 0-16,0 1 0 0,-2 1 128 0,4 2 16 16,-1-1 16-16,2-3 0 0,-1 1 432 0,1-1 0 0,0 3 0 0,-4-5 0 15,-2 3 0-15,-3 0 0 0,0 3 0 0,-11-2 0 0,3 2 0 16,-5-2 0-16,-1 2 0 0,-9 2 0 0,-3 0 480 0,-5 3 32 15,-3 1 0-15,3 2 0 0,-2 1-112 0,-6-3-16 16,-3 4 0-16,-1-1 0 0,-1-2-256 0,-7 3-128 16,-4 4 0-16,-7 0 128 0,5 4-128 0,-4-2 0 15,-2 3 0-15,-2-2 128 0,-3 1-128 0,-3 1 0 16,-4 5 144-16,0-3-144 0,3 2 0 0,2-4 0 16,2-1 0-16,-3-1 0 0,-8 3 0 0,1-3 192 15,3 1-64-15,3-3 0 0,-1-1-272 0,-8 4-48 16,-6 3-16-16,0-2 0 15,-2 2-256-15,2 2-48 0,1-2-16 0,-11 1 0 0,-5 3 288 0,1 1 64 16,3 2 16-16,-1-2 0 0,0 5-48 0,-3-4-16 16,1-5 0-16,2 5 0 0,5-1 224 0,-4-4 0 0,-7 3 0 15,6-4 0-15,6-4 192 0,-3 6-64 0,2 0 0 0,-5-7-128 16,-2-1 0-16,3-1 0 0,5 2 0 0,-1-2 0 16,0 2-176-16,-2-4 176 0,4-1-192 0,1 3 192 15,2 0 0-15,-5 0-128 0,-8 0 128 0,3 0 0 16,3 1 0-16,-2 8-160 0,6 0 160 0,-13 3-128 15,1-3 128-15,4 6 0 0,1 3 0 0,-1-1 0 16,-6 4 320-16,-1-2 112 0,5 0 16 0,2-1 0 16,4-1 272-16,-2 1 64 0,-3 1 16 0,2-2 0 15,8 1-240-15,4-6-48 0,0 2-16 0,-6-2 0 16,1 4-224-16,4-4-32 0,3 2-16 0,-1-2 0 16,-1-3-96-16,-2 1 0 0,2 0-128 0,3 3 192 0,6-8-48 0,-3 4-16 15,1-1 0-15,0-1 0 0,0 7 16 0,8 0 0 16,6 4 0-16,1 2 0 0,2 3-144 0,-6 7 0 15,-1-2 144-15,7 3-144 16,4-1-592-16,4 3-192 0</inkml:trace>
   <inkml:trace contextRef="#ctx0" brushRef="#br0" timeOffset="38909.75">12304 9767 2751 0,'-4'2'256'0,"2"-2"-256"0,2 0 0 0,0 0 0 0,0 0 400 0,-1 0 48 15,-1 0 0-15,-3 0 0 0,1 1-208 0,-3-1-48 16,0 2 0-16,2 0 0 0,-4 3 128 0,1-3 0 16,1 1 16-16,-2 1 0 0,-2-1 624 0,1 4 112 15,-2-1 16-15,-2-3 16 0,0 2 16 0,-2 0 0 16,1 1 0-16,-1-3 0 0,2 1-224 0,0 3-32 16,2-2-16-16,0-2 0 0,3 4-512 0,-2-1-96 15,3-1-32-15,2 0 0 0,-4 2-208 0,3 0 0 16,2 2 0-16,0-2 0 0,3-2 272 0,-2 5 64 15,3-3 16-15,1 4 0 0,-2-3 304 0,2 5 64 16,-2-5 16-16,2 6 0 0,-3-2-96 0,1-1 0 16,0 5-16-16,-1-3 0 0,1 0-112 0,-2 2-32 0,3 3 0 0,-5 1 0 15,3 0-144-15,-2 4-16 0,0 1-16 0,-2-1 0 16,1-1-48-16,1 3-16 0,0 1 0 0,1-2 0 16,4-1 96-16,-1 1 32 0,2-1 0 0,3-2 0 15,3 0-160-15,0-2-16 0,3-2-16 0,2 2 0 16,1 1-176-16,2-3 0 0,1 0 0 0,1 1 0 15,-3-6 0-15,6 2 0 0,-3 2 0 0,2-2 0 16,-1-4 0-16,1 4-144 0,-2-2 144 0,1-1 0 16,-1 1 0-16,-1-3 0 0,-1 1 0 0,3-3 0 15,-6 2 0-15,4-4 192 0,-1-2-48 0,1-1-16 16,2 0 32-16,-1-4 0 0,2 2 0 0,0-3 0 0,0-1-160 0,1-3 0 16,1-2 0-16,-2-3 128 0,0 2-128 0,0-4 0 15,-2-4 0-15,1 3 0 0,-1-1 0 0,-4-1 0 16,0 1 0-16,0-3 0 0,-5 0 0 0,3-2 0 15,-4 2 0-15,0-4 0 0,0 2 0 0,0 2 0 16,-2 0 144-16,0 0-144 0,2-1 224 0,-2 3-32 16,2-4 0-16,-1 2 0 0,1 2-32 0,-1-1-16 15,1 1 0-15,2 1 0 0,-4-1-144 0,2-1 0 16,2 3 0-16,-5-1 128 0,4-2-128 0,-1 5 128 16,-3 0-128-16,-3-1 128 0,1-1-128 0,-2 4 192 15,0-1-192-15,-2-2 192 0,1 4 96 0,-3-4 32 0,3-2 0 16,-5 2 0-16,1 2 64 0,2-2 0 0,-1-2 16 15,-1-3 0-15,0 4-192 0,-1 1-32 0,3 0-16 0,-8 0 0 16,3 0-160-16,-4 2 0 0,-1-2 0 0,-1-2 0 16,2 6 0-16,-3-4 0 0,1 1 0 0,0 3 0 15,-2-2 0-15,2-2 192 0,0 3-192 0,2-1 192 16,-2-3 0-16,2 4 16 0,0-1 0 0,-1 0 0 16,1 3-80-16,-2-3 0 0,-1 5-128 0,-3-4 192 15,2 6-192-15,-3-2 0 0,-2 2 128 0,-3 1-128 16,0 3 0-16,-3 1 0 0,1 3 0 0,-5 4 0 15,3 0 0-15,-2-2 0 0,3 6 0 0,0-4 0 0,3 3 0 16,3-3-288-16,-2 4 32 0,4-4-10768 16,5-2-2160-16</inkml:trace>
   <inkml:trace contextRef="#ctx0" brushRef="#br0" timeOffset="40829.31">9554 10821 6447 0,'0'1'576'0,"-2"1"-576"0,2-2 0 0,0 0 0 16,-3 0 976-16,1 0 96 0,0 5 16 0,-1 2 0 31,-3 0 0-31,-1 4 0 0,0-3 0 0,0 3 0 0,2-1 160 0,-2 3 32 0,0 1 16 0,0-4 0 16,0 6 80-16,4-2 16 0,-4 0 0 15,2-1 0-15,1 3-208 0,1 2-32 0,3-5-16 16,-2 0 0-16,4-1-304 0,-2 2-64 0,3-4-16 0,1 2 0 16,3-5-400-16,-2 4-80 0,2-4-16 15,0 3 0-15,3-1-256 0,1 1 128 0,-4-1-128 0,1 3 0 16,3-5 192-16,-2 5-64 0,3-5 0 0,0 4-128 15,-3-6 272-15,3 4-48 0,4-2-16 0,-4-4 0 16,2 6-64-16,3-6-16 0,-1 3 0 0,-1-6 0 0,5 1-128 0,-1-2 0 16,2 1 0-16,-2 0 0 0,2-4 0 0,-2 2 0 15,2-1 0-15,2-2 0 0,-1 0 0 0,1 3 0 32,3-3 0-32,-2-2 0 0,1 1 0 0,-1 1 192 0,4-4-192 0,0 2 192 0,-28 7 0 0,0 0 16 15,0 0 0-15,127-34 0 0,-127 34-80 0,0 0-128 16,101-21 176-16,-101 21-176 0,0 0 0 0,0 0 0 15,126-18 0-15,-100 18 0 0,3 0 0 0,-4 0 0 16,1 4 0-16,0-2 0 0,-26-2 0 0,0 0 160 16,0 0-160-16,106 8 128 0,-106-8 48 0,0 0 0 15,100-8 0-15,-100 8 0 16,0 0-176-16,115-9 160 0,-115 9-160 0,0 0 160 0,120-18-160 0,-120 18 0 0,0 0 0 0,112-15 128 31,-112 15-128-31,0 0 0 0,97-9 0 0,-69 7 0 0,0-3 0 0,2 3 0 0,-30 2 0 0,0 0 0 16,0 0 0-16,97-3 0 0,-74 3 0 0,-4 0 0 15,-2 0 0-15,-1 3 0 0,0 3 0 0,-6-1 0 16,1 0 0-16,-3 4 0 0,1-1 128 0,-5 5-128 16,1-3 0-16,-2 7 0 0,2 1 0 0,-3 1 0 15,-2 0 144-15,0 2-144 0,0 2 160 0,-5 3-160 16,1-3 0-16,1-1 128 16,-2 6-128-16,1-4 0 0,-3 1 0 0,2 1 0 15,0 0 0-15,-2-2 0 0,0 4 0 0,2-5 0 16,-2-2 0-16,0-2 0 0,2-2 0 0,-1-3 0 15,-1 0-128-15,2-3 128 16,-2-3-448-16,2 1-48 0,0-5 0 0,-2-1 0 16,3 1-16-16,-1-4 0 0,3-6 0 0,1 3 0 0,-1-2 192 0,2-4 16 15,2-1 16-15,1-4 0 0,2-4-48 0,2 1-16 16,0-2 0-16,2-2 0 0,3 0 176 0,2-4 48 16,2-1 0-16,3 4 0 0,0-3 128 0,0 1 0 15,4-1 0-15,1 5 0 0,4-1 0 0,-3 2 0 16,4 1 0-16,-3 2-128 0,2 4 128 0,0-2 0 0,0 0 0 0,2 4 0 15,-30 10 0-15,0 0 0 0,90-38 0 0,-90 38 0 16,0 0 144-16,100-37-144 0,-100 37 192 0,0 0-192 16,106-33 208-16,-106 33-64 0,0 0-16 0,117-33 0 15,-117 33-128-15,0 0 0 0,118-19 144 0,-118 19-144 16,0 0 272-16,106-9-16 0,-76 9 0 0,-2 2 0 16,-2-1 160-16,0 3 32 0,-1-1 0 0,-1 3 0 15,2 2-96-15,-3-2-16 0,1 2 0 0,-3-1 0 16,0-2-144-16,0 4-48 0,3-2 0 0,-1-2 0 15,3 6-144-15,0-6 160 0,0 4-160 0,4-2 160 16,1-4-32-16,2 1 0 0,-1 3 0 0,3-4 0 16,-35-3 0-16,0 0-128 0,97 11 192 0,-67-10-64 0,-2 1-128 15,-2 0 0-15,2 0 0 0,-7-1 128 0,1 1-128 0,-3 2 0 16,2 3 0-16,-3-2 128 0,1-2-128 0,0 6 0 16,-3 0 144-16,0-4-144 0,-4 4 272 0,2-2-16 15,1 3 0-15,1-1 0 0,1-1-64 0,1-1-32 16,1-1 0-16,0 2 0 0,0-2-160 0,2-3 0 15,2 4 144-15,-2-2-144 0,3 0 0 0,1-1 0 16,-8 3 0-16,4 0 0 0,2-4 0 0,-2 4 0 16,-1-3 0-16,0-1 0 0,-5 1 0 0,1-4 0 15,0 0 0-15,-2 0 0 0,0 0 0 0,-1 0 0 0,1-2 0 16,0-1 0-16,2-3 176 0,0-1-48 0,-1 2 0 0,1-5 0 16,2 4-128-16,-6-2 0 0,3-3 144 0,-1 4-144 15,2-3 0-15,-2 1 0 0,0-1 0 0,0 1 0 16,0-3 0-16,3-6 0 0,2 3 0 0,-3-4 0 15,3-1 0-15,4-1 0 0,-4 2 0 0,4-3 0 16,-1-1 0-16,1-3 0 0,3 2 0 0,-1-8 0 16,-1 4 0-16,2-1 0 0,-3 4 0 0,-2 1 0 15,0 3 0-15,-6-2 0 0,1 9 0 0,-7 1 0 16,-4-3-336-16,-5 2-48 0</inkml:trace>
@@ -6403,6 +7330,244 @@
   <inkml:trace contextRef="#ctx0" brushRef="#br0" timeOffset="-187149.52">32195 17147 911 0,'-7'-2'0'0,"0"-2"0"0,4 3 0 0,1-5 0 16,2 5 2544-16,2-1 416 0,1 2 96 0,2-4 16 15,1-1 640-15,1-3 144 0,5 1 32 0,2-2 0 16,-2 5-1696-16,2-1-336 0,2 2-64 0,-1-3 0 0,3 3-944 0,-3 1-176 16,3 1-32-16,-1-1-16 0,4 0-288 0,-2 2-48 15,4 0-16-15,-4 4 0 0,4-3-272 0,-2 3 0 16,1 3-176-16,1-2 176 16,3 0-1616-16,0 2-224 0,-1-2-32 0,-3-3-11904 15</inkml:trace>
   <inkml:trace contextRef="#ctx0" brushRef="#br0" timeOffset="-186673.2">32897 16802 11055 0,'-19'10'480'0,"7"-6"112"0,0 4-464 0,5-4-128 0,2-2 0 0,3 1 0 15,-3 4 1984-15,-2 2 384 0,-5 5 80 0,-4 3 16 16,0 4-576-16,2 2-112 0,0-1-32 0,6 3 0 15,1-3-624-15,1-1-128 0,5 0-32 0,1 0 0 16,0 2-320-16,5 5-64 0,-2-4 0 0,3 0-16 16,-1 6-160-16,0-4-16 15,2 4-16-15,0-4 0 0,0 3-176 0,0-4-48 0,-2 3 0 0,0-4 0 16,-1-1-144-16,-4-6-192 0,0-1 32 0,-2-7 16 16,-1 1-752-1,-1-7-128-15,4 1-48 0,-5-4 0 0,3-2 80 0,0-3 16 0,2-7 0 0,2 0 0 16,3-4 160-16,-3-5 48 0,5-5 0 0,4 0 0 0,-4-6 368 0,5 3 80 15,-2-6 0-15,4-2 16 0,0 1 304 0,0-1-160 16,0-1 160-16,0 1-128 0,0-1 128 0,0-2 0 16,1 0 0-16,-1 2-128 0,0 1 128 0,-1 6 0 15,-1 3 0-15,2 3 128 0,-6 11 480 0,1 2 96 16,0 2 32-16,0 5 0 0,-4 5 656 0,0 0 128 16,0 3 16-16,0 8 16 0,1-4-208 0,-1 5-32 15,-2 2-16-15,3 1 0 0,-3 8-512 0,1 1-96 16,-1 1-32-16,-1 4 0 0,3 1-320 0,-3 3-64 15,1 4-16-15,3-1 0 0,-1 3-48 0,0-3-16 16,2 1 0-16,-2-3 0 0,2 3-192 0,-2-2 144 0,1-2-144 0,-5 2 128 16,3-2-288-16,-2-5-64 0,-2 0-16 15,0-7 0 1,-2-4-1104-16,2-5-240 0,0-3-32 0,0-6-13568 0</inkml:trace>
   <inkml:trace contextRef="#ctx0" brushRef="#br0" timeOffset="-186166.55">33225 15938 14735 0,'-2'0'640'0,"-1"-2"160"0,3 0-640 0,3-1-160 0,-3 1 0 0,2 0 0 15,3 2 1200-15,-1-1 208 0,5-1 32 0,-3-2 16 16,1 3-240-16,2-1-32 0,-2 4-16 0,2-2 0 16,0 1 112-16,1 3 0 0,-3-1 16 0,5 4 0 0,-3-1 240 15,1-1 64-15,3 5 0 0,0-3 0 0,0 0-576 16,2 5-128-16,-2 1 0 0,-1-1-16 0,-2 5-592 0,-1 1-112 15,-2 3-32-15,-2-1 0 0,-5 7-144 0,-5-3 0 16,0 6 0-16,-6-3 0 0,1 1 0 16,-4 0 0-16,-2 4 0 0,2-5 0 0,-3 1-128 0,-1-5-16 15,3 0 0-15,-1-6 0 16,4-1-432-16,-2-4-64 0,0-2-32 0,0-4 0 16,4 0 96-16,-1-4 32 0,2-2 0 0,2-3 0 0,2-4 288 0,3 2 48 15,2-4 16-15,0-2 0 0,6-3 192 0,2-3 0 16,1 0 0-16,3 3 0 0,0-2 400 0,6-1 128 15,3-4 32-15,-21 21 0 0,0 0 400 0,85-82 96 0,-85 82 16 0,0 0 0 16,94-66-672-16,-94 66-128 0,0 0-16 0,0 0-16 16,96-30-400-16,-80 37-80 0,-2 0-16 0,-6 3 0 31,-1 1-1136-31,0 1-224 0,0-5-48 0,2 3-13760 0</inkml:trace>
+</inkml:ink>
+</file>
+
+<file path=ppt/ink/ink5.xml><?xml version="1.0" encoding="utf-8"?>
+<inkml:ink xmlns:inkml="http://www.w3.org/2003/InkML">
+  <inkml:definitions>
+    <inkml:context xml:id="ctx0">
+      <inkml:inkSource xml:id="inkSrc0">
+        <inkml:traceFormat>
+          <inkml:channel name="X" type="integer" max="30347" units="cm"/>
+          <inkml:channel name="Y" type="integer" max="20231" units="cm"/>
+          <inkml:channel name="F" type="integer" max="65535" units="dev"/>
+          <inkml:channel name="T" type="integer" max="2.14748E9" units="dev"/>
+        </inkml:traceFormat>
+        <inkml:channelProperties>
+          <inkml:channelProperty channel="X" name="resolution" value="1000.23071" units="1/cm"/>
+          <inkml:channelProperty channel="Y" name="resolution" value="1000.04944" units="1/cm"/>
+          <inkml:channelProperty channel="F" name="resolution" value="0" units="1/dev"/>
+          <inkml:channelProperty channel="T" name="resolution" value="1" units="1/dev"/>
+        </inkml:channelProperties>
+      </inkml:inkSource>
+      <inkml:timestamp xml:id="ts0" timeString="2023-09-29T21:43:16.044"/>
+    </inkml:context>
+    <inkml:brush xml:id="br0">
+      <inkml:brushProperty name="width" value="0.05292" units="cm"/>
+      <inkml:brushProperty name="height" value="0.05292" units="cm"/>
+      <inkml:brushProperty name="color" value="#FF0000"/>
+    </inkml:brush>
+  </inkml:definitions>
+  <inkml:trace contextRef="#ctx0" brushRef="#br0">6314 6348 6447 0,'4'0'576'0,"-1"0"-576"16,3-2 0-16,-10 0 0 0,-1 1 0 0,5 1-192 0,7-2 0 0,3-3 0 16,6-2 192-16</inkml:trace>
+  <inkml:trace contextRef="#ctx0" brushRef="#br0" timeOffset="1367.49">6595 6238 911 0,'9'-3'0'0,"-1"1"0"0,-2 0 0 0,-3 0 0 16,1 2 0-16,-3 0 0 0,4 0 176 0,1 0-48 0,2 0-128 15,3 0 192-15,1 2-192 0,-5 0 176 0,2 3-176 0,-4-1 160 0,0 1 288 0,-1-2 48 16,-1 4 16-16,-1-3 0 0,1 1 128 0,-1-1 48 16,-2 2 0-16,0 0 0 15,-2-3-160-15,-1 6-16 0,-1-4-16 0,-1 0 0 0,0-1 144 0,-2 5 48 16,0-4 0-16,2-3 0 0,-4 3-144 0,2 0-32 16,4-2 0-16,-4-1 0 0,3 2 192 0,1-4 16 15,3 1 16-15,-2-1 0 0,4 2 224 0,-1-2 32 16,5 0 16-16,1 0 0 0,-2 2-176 0,2-2-48 15,2 0 0-15,-1 0 0 0,1-2-336 0,-2 2-80 16,3-2-16-16,-4 2 0 0,1-1-352 16,1-1 0-16,-1 0 0 0,4-3 0 15,-3 0 0-15,3 0 0 0,1 1 0 0,2-3 0 0,0 0 0 0,3 0 0 16,1-2 128-16,-1 2-128 16,-1 0 512-16,0-3 16 0,3 7 16 0,-5-6 0 0,0 4-96 0,-2-2 0 0,0 0-16 0,0 1 0 15,-1 3-208-15,-1 0-32 0,-1-1-16 0,0 1 0 31,-1 1-176-31,-2 0 0 0,1 2 0 0,1 0 0 0,-1 0 0 0,-2 4 0 0,2-1 0 0,0-1 0 16,-1 0 0-16,-1-1 0 0,4 3 0 0,-6-3 0 16,2 1 0-16,0 0 0 0,2 3 0 0,-1-3 0 0,-1 1-144 15,2 1 144-15,0-1 0 0,0 1 0 16,0 1 0-16,2-1 128 0,1-1 0 0,-1-1 16 16,1 1 176-16,1 1 16 0,1-1 16 0,0-1 0 15,0 0-96-15,0-1 0 0,1 1-16 0,-1-2 0 16,2 2-240-16,0-2 0 0,1 0 128 0,-2 0-128 0,2 0 0 0,1-2 0 31,1 0 0-31,1 1 0 0,-1-3 0 0,1 1 0 16,-4-1 0-16,3 1 0 0,-1 1 0 0,-1 2 0 15,3 0 0-15,-3 0 0 0,-1 0 0 0,-1 0 0 0,2 2 160 16,-1 0-32-16,0-1 192 0,0 3 32 0,2-3 16 0,-1-1 0 16,1 0-16-16,0 0 0 0,1 2 0 0,-1 0 0 15,1-2-32-15,-3 2 0 0,2-1 0 0,-2 1 0 16,0-2-96-16,-2 2-32 0,2 0 0 0,-5-1 0 15,3 5-192-15,-2-5 0 0,1 1 0 0,-1-2 0 16,1 2 0-16,1-2 0 0,-2 2 0 0,1-2 0 16,1 1 0-16,-1-1 0 0,4 0 0 0,-4 0 0 15,1 0 336-15,2 0-16 0,-2-1-16 0,4-1 0 0,-1-2-16 16,3-3 0-16,-1 4 0 0,1-1 0 0,3-3-160 16,-2 1-128-16,2 2 192 0,-2 1-192 0,-2-1 0 15,1 2 0-15,-3-3 0 0,-1 3 0 0,0 2 0 0,-3-1 0 16,-1 2 0-16,1-1 0 0,-3 2 0 0,3-2 0 15,-3 2 0-15,3-2 0 0,-1 3 0 0,3-6 0 16,-1 3 0-16,-2 0 0 0,4-2 0 0,-2 2 0 16,6-2 0-16,-4 1 0 0,3 1 0 0,1-2 0 15,1 0 0-15,-2 0 0 0,4 2 192 0,-2-1 0 16,2 1-16-16,-2-2 0 0,2 0-32 0,0-1 0 16,-2 1 0-16,0-2 0 0,1 4-144 0,-1-1 0 0,0-1 0 15,0-1 0-15,2-1 0 0,2-1 0 16,-1 1 0-16,1 1 0 0,1-1 0 0,1-3 0 15,-25 7 0-15,0 0 0 0,71-7 0 0,-71 7 0 0,0 0 0 16,68-7 0-16,-68 7 0 0,0 0 0 0,0 0 0 0,82 0 0 16,-64 0 0-16,1 2 0 0,0 0 0 0,-2 0 0 15,-1 1 0-15,0-3 0 0,1 4 0 0,-1 3 0 16,1-4 0-16,1 1 0 0,-18-4 0 0,0 0 0 16,0 0 0-16,80 12 0 0,-80-12 0 0,0 0 0 15,76 7 0-15,-76-7 0 0,0 0 0 0,86 1 128 16,-86-1 32-16,63-1 0 0,-63 1 0 0,0 0 0 15,90-4-160-15,-90 4 0 0,0 0 0 0,80-5 0 16,-57 0 0-16,1 1 0 0,-3 4 128 0,0-3-128 16,-2-1 0-16,4 1 0 0,-2-4 0 0,0 5 0 0,0 0 0 0,1-3 0 15,-1 2 0-15,0-3 0 0,-2 3 128 0,2 1-128 16,0 1 192-16,0-3-64 16,2 2-128-16,1-3 0 0,-3 2 0 0,4 1 128 0,-1-2-128 0,0 1 0 15,2-2 0-15,-26 5 0 16,56-6 0-16,-30 5 0 0,-26 1 0 0,0 0 0 0,75-6 0 0,-75 6 0 0,0 0 0 0,68 0 0 15,-45 0 0-15,-23 0 0 16,0 0 0-16,0 0 0 0,77 7 0 0,-63-5 0 0,3 2 0 0,-1 1 0 16,1-2 0-16,-5 1 0 15,6-2 0-15,-1-1 0 0,-17-1 0 0,0 0 0 0,0 0 0 0,84 2 0 16,-84-2 0-16,0 0 0 0,69-3 0 0,-69 3 0 16,0 0 0-16,74-2 0 0,-74 2 0 0,0 0 0 15,76-4 0-15,-53 3 0 0,-23 1 0 0,0 0 0 16,68-4 0-16,-45 1 0 15,-4 3 0-15,0-2 0 0,5 0 0 0,-5 0 0 16,2 2 0-16,-1-1 0 0,2-3 0 0,1 2 0 16,0-5 0-16,3 4 0 0,-5 1 0 0,3 1 0 0,0-1 0 15,1-2 0-15,-3 3 0 0,1-1 0 0,-23 2 0 0,0 0 0 16,77-9 0-16,-77 9 0 0,0 0 0 0,76-5 0 16,-76 5 0-16,0 0 0 15,72-9 0-15,-49 7 0 0,-3 1 0 0,0-1 0 0,-1 0 0 0,-4 0 0 16,-1 2 0-16,-1-1 0 0,-5 1 0 0,-1-2 0 15,0 0 0-15,-3-3 0 0,-1 3 0 0,-3 1 0 16,-2-1-1168 0,1-3-112-16,1 1-32 0,-2-3-14528 0</inkml:trace>
+  <inkml:trace contextRef="#ctx0" brushRef="#br0" timeOffset="30871.12">12976 6285 911 0,'5'0'0'0,"-3"0"0"31,-2 0 0-31,0 0 0 0,0 0 192 0,0 2-64 0,2 0 0 0,-2-1 0 0,0 6 208 0,-2-1 48 0,-3-1 0 0,-2 5 0 16,0-3 272-16,-3 5 64 15,-3-1 16-15,1 1 0 0,-3 2-224 0,1-5-32 0,-4 3-16 0,4-7 0 16,-3 6-208-16,1-8-32 0,4 1-16 0,3-3 0 16,4 1 256-16,5-2 48 0,3 0 16 15,1-2 0-15,5 1 384 0,3-1 80 0,4-3 16 0,1-2 0 32,6 1-320-32,-1-1-64 0,1-1-16 0,3 1 0 15,2-5-320-15,2 3-64 0,-3-3-16 0,0 3 0 16,-7-1-208-16,0 1 0 0,-3-2 0 0,-3 6 0 15,-2-4 0-15,0 4 0 0,-6 2 0 0,1-3 0 0,0 5 0 0,-4-4 0 16,1 5 0-16,-3-2 0 16,3 4 352-16,-2-1 80 0,1 3 16 0,-1-1 0 0,1 1-96 0,2-1-16 15,1 2 0-15,1 1 0 0,1-3 32 0,3 2 0 16,-1-3 0-16,2 0 0 0,1 3-112 0,1-3-32 16,-2 1 0-16,2-3 0 0,3 0 32 0,-5 0 16 15,6 2 0-15,-6-2 0 0,4-2-80 0,-1 2-32 16,-1 0 0-16,0 0 0 0,0-1-32 0,2-1-128 15,-6 0 192-15,4 2-64 0,0-3-128 0,-2 1 0 16,1 2 0-16,1 0 0 0,-4 0 0 0,0 0 0 16,1 0-144-16,1 0 144 0,0 0 0 0,1 2 0 0,0 3 0 15,3-3 0-15,0-1 0 0,1 1 320 0,-17-2-32 16,0 0-16-16,0 0 32 0,70 9 0 0,-70-9 0 0,0 0 0 16,0 0-96-16,68 12-16 0,-68-12 0 0,0 0 0 15,0 0 48-15,0 0 0 0,70 16 0 0,-58-15 0 16,-2 1-240-16,4 0 176 0,-5 1-176 0,3-3 160 15,-1 0-160-15,1 0 0 0,2 0 0 0,-2-3 0 16,2 1 0-16,0 0 0 0,3-1 0 0,-3-4 128 16,4 3 128-16,-1 1 0 0,-1-1 16 0,1-1 0 15,-1-2 96-15,-1 6 16 0,3-1 0 0,-4-2 0 16,0 3-144-16,1 1-32 0,1-2 0 0,2 4 0 16,-4-1-208-16,-1 3 0 0,0-2 0 0,2-1 0 0,-2 3 0 0,0 1 128 15,-13-5-128-15,0 0 0 0,0 0 0 0,75 17 144 16,-75-17-144-16,0 0 128 0,81-3 48 0,-81 3 0 15,62-5 0-15,-32 1 0 0,0-1-176 0,-1-2 128 16,1 2-128-16,-1 0 128 16,3-2-128-16,-1 1 0 0,4 3 0 0,-5-4 0 0,-1 0 240 0,3 3 16 15,-1 1 0-15,2-2 0 0,2 0 0 0,0 1 0 16,-35 4 0-16,70-5 0 0,-34 1-256 0,2-3 0 16,1 6 0-16,-3-6 0 0,3-4 0 0,-4 4 0 15,1-5 0-15,1 5 0 0,-2-5 0 0,-1 3 0 16,-2-1-128-16,-1 5 128 0,-1-2 0 0,-2 0 0 0,3 5 0 0,-1-2 0 15,-1 1 0-15,4 1 0 0,-33 2 0 0,61 0 0 16,-61 0 0-16,61 4 0 0,-61-4 0 0,0 0 0 16,91 8-128-16,-91-8 128 0,0 0 0 0,80 16 0 15,-80-16-128-15,0 0 128 0,84 16 0 0,-84-16 0 16,0 0 0-16,83 12 0 0,-83-12 0 0,0 0 0 16,88 9 0-16,-88-9 0 0,62 5 0 0,-62-5 0 15,70 5 0-15,-70-5 0 0,73 2 0 0,-73-2 0 16,77 2 0-16,-77-2 0 0,64 3 0 15,-64-3 0-15,60 2 0 0,-60-2 0 0,0 0-128 0,71 5 128 0,-71-5-368 16,0 0-16-16</inkml:trace>
+  <inkml:trace contextRef="#ctx0" brushRef="#br0" timeOffset="61662.72">3476 6872 7359 0,'-9'7'656'0,"2"-5"-528"0,3 0-128 0,3-2 0 0,1 1 416 0,-4 1 48 16,-1 0 16-16,-9 7 0 15,0-1-1008-15,0-1-208 0,0 2-32 0,4-4-16 0,1 0 784 0,2 1 0 16,0-5 0-16,4-1 128 15,-3-1-128-15,5-5 0 0,-3 5 0 0,2-3 0 0,1 4 0 0,-3-3 0 0,3 1 0 0,1 0 0 16,-6 0 0-16,3 2-144 0,-2 2 144 16,-1 2 0-16,-2-1-144 0,-1 1 144 0,-2 6-128 0,1-1 128 31,-6 5-336-31,-1 1 0 0,-1 5 0 0,-1-3 16 0,2 0 320 0,1 1 0 0,1-1-144 0,2-5 144 16,1 4 0-16,5-4 0 15,-3-1 0-15,3 1 128 0,5 0 224 0,-3-1 32 16,1-1 16-16,3-3 16 0,1-2 480 0,1 2 112 15,1-3 16-15,3-3 16 0,-3 1 48 0,3-2 16 0,0 0 0 0,4 0 16 16,-2 0 48-16,-2 0 16 0,2 0 0 0,0-2 16 16,0 1-624-16,0-1-128 0,-2 0-32 0,1 0 16 15,-1 1-432-15,-2-3 0 0,3 1 0 0,-3 1 0 0,2 2-176 16,-3-2 16-16,2 1 0 0,-1-1 16 0,2 2 144 0,2-2 0 16,0 2-144-16,4 0 144 0,-1-2 128 0,2 2 64 15,4 0 32-15,1-1 16 0,3 1 0 0,-1 0 0 31,0-4 0-31,2 4 0 0,0-2-48 0,1 1 0 0,3 1 0 0,-1-4 0 0,2 2-32 0,-1-3-16 16,-1 0 0 0,-3 1 0-16,2-1-144 0,-2 0 160 0,0 0-160 0,-4 1 160 15,0-1 32-15,-1 2 16 0,0-3 0 0,-4 3 0 16,2 1 80-16,-2 0 16 0,-1 2 0 0,1-1 0 0,2-1 80 0,-4-2 32 16,2 3 0-16,-1-3 0 15,3 1-48-15,0-1-16 0,1 1 0 0,-1-2 0 16,2-1-128-16,0 3-32 0,-2-1 0 0,3-1 0 15,0 0-192-15,3 1 0 0,-1 1 0 0,-2-2 0 0,1-1 0 0,-4 3 0 16,5 1 0-16,-2 2 0 16,1 0 0-16,-1-2 0 0,2 2 0 0,-1-1 0 15,1 1 160-15,0-2-160 0,0 2 160 0,0 0-160 16,-1 0 256-16,-1 2-64 0,2-2 0 0,-1 1 0 16,1 1-48-16,0-2-16 0,0 4 0 0,-1-3 0 15,1 5 64-15,0-3 16 0,-2 1 0 0,3-1 0 16,-1 1-48-16,-2 1-16 0,1-2 0 0,-1-1 0 0,2 2-144 0,0-3 0 15,1 5 0-15,-1-5 0 0,0 3 0 16,2-3 0-16,1 3 0 0,-1-2 0 0,2 1 0 0,1 1 128 16,-1-3-128-16,3 1 192 0,2-2 0 0,2 0 0 15,-1 0 0-15,-1-3 0 0,2-1-64 0,-2 1-128 16,-2 1 192-16,-2-2-64 0,2 1-128 0,-1 0 0 16,-1-3 144-16,1 5-144 0,-1-1 0 0,0-2 0 15,-1 3 0-15,-2-1 0 0,0 0 0 0,0-1 0 16,1 3 0-16,-2-2 0 0,-1 2 0 0,0-2 0 15,2 0 0-15,0 2 0 0,1 0 0 0,3-3 0 0,-1 1 0 0,4-1 0 16,0-3 0-16,2 3 0 0,-1 1 0 0,4-1 0 16,-5-2 0-16,2-2 144 0,1 3-144 0,-1 1 160 15,-2-1-32-15,1 1-128 0,-1-3 192 0,-2 3-64 16,2 1-128-16,-2 0 0 0,-3-1 0 0,0 1 0 16,-1 0 0-16,-1-1 0 0,2 1 0 0,-2-1 0 15,0 3 0-15,0-2 0 0,1 0 0 0,-1 1 0 16,-2-3 0-16,1 1 0 0,0-1 0 0,1 2 0 15,2 2 0-15,-4-1 0 0,2-1 0 0,-2 0 0 16,0 0 0-16,1 2 0 0,-1 0 0 0,-2 0 0 0,2 0 0 16,-1 0 0-16,-1 0 0 0,2 2 0 15,1 2 0-15,-3-3 0 0,-3 1 0 0,2 0 0 0,-1 3 0 16,-1-1 0-16,2 1 0 0,-6-4 0 0,4 3 0 0,0 3 0 16,-2-2 0-16,1-3 0 0,1 3 0 0,-1 0 0 15,1 1 0-15,0-5 0 0,0 1 0 0,-3 0 0 16,3 1 0-16,0 3 0 0,0-3 0 0,0-1 0 15,1 1 0-15,1-1 0 0,1 5 0 0,1-4 0 0,1 3 0 0,0-5 0 16,0 3 0-16,0-2 0 0,1 3 0 0,-1-3 0 16,0 1 0-16,2-1 0 0,0 0 0 0,-2-2 0 15,2 1 0-15,-4-1 0 0,2 2 0 0,-1-2 0 16,1 4-128-16,0-3 128 0,2-1 0 0,0 2 0 16,2-2 0-16,-1 0 0 0,1 2 0 0,0-2 0 15,1 0 0-15,2 1 0 0,-1-1 0 0,1 0 0 16,-2 2 0-16,2-2 0 15,2 0 0-15,-3 0 0 0,-1 2 0 0,4-2-144 0,-6 0 144 0,5 0-160 0,0 0-160 16,-2 0-16-16,4-2-16 0,-4 0 0 0,3-1 224 0,0 1 128 16,0-5-160-1,-2 6 160-15,2-3 0 0,1-1 0 16,1-2 0-16,-1 3 0 0,1 4 0 0,1-3 192 0,3-1-64 0,-1 1-128 0,-2-2 144 16,2 1-144-16,2 4 0 0,-2-2 144 0,5-1-144 15,-1 1 0-15,3-1 0 0,2-2 0 0,3 1 0 0,-1 2 0 0,-1 1 0 0,-1-3 0 16,0 1 0-16,0-1 0 0,1 4 0 0,1-2 0 31,1 2 864-31,1 0 144 0,1 0 16 0,0 0 16 0,1 2-768 0,5 2-144 0,2-3-128 0,1 1 144 31,0 0-928-31,-2-2-192 0,0 2-48 0,0-2 0 16,2-2 384-16,5 2 64 0,5-2 0 0,2 0 16 16,10-3-1376-1,4 0-288-15</inkml:trace>
+  <inkml:trace contextRef="#ctx0" brushRef="#br0" timeOffset="111149.52">9693 7186 9215 0,'-3'1'816'16,"1"1"-656"-16,4-2-160 0,-1 0 0 0,3 0 144 0,-2 0 0 15,5 0 0-15,-4 0 0 0,6 0-272 0,3 0-64 16,2-3-16-16,-2-1 0 15,0-3-400-15,2 2-80 0,0 0-16 0,0-4 0 0,2 4 704 0,-2-2 0 16,3-2 0-16,-5 6 0 0,1-3 800 0,-1 3 240 16,-2-2 48-16,1 3 16 0,1 2 448 0,-3-2 96 15,-1 4 16-15,1 1 0 0,0 3-416 0,0-1-80 16,-1-2-16-16,3 1 0 0,-1 5-704 0,2-4-128 16,2-2-48-16,4 3 0 0,-18-6-80 0,0 0-32 0,0 0 0 0,80 10 0 15,-80-10 224-15,0 0 32 0,80 3 16 0,-80-3 0 16,66-1 144-16,-66 1 48 0,66-2 0 0,-66 2 0 15,67-2-96-15,-67 2-16 0,62-5 0 0,-62 5 0 16,56-7-160-16,-56 7-32 0,56-3-16 0,-28-1 0 16,0 2-128-16,0 1-32 0,-28 1 0 15,57-2 0-15,-57 2 16 0,63 0 0 0,-63 0 0 0,66 0 0 16,-66 0 96-16,71 3 0 0,-71-3 16 0,72 6 0 16,-72-6-16-16,68 3 0 0,-68-3 0 0,0 0 0 0,92 12-256 15,-92-12 160-15,0 0-160 0,87 5 128 0,-87-5-128 16,0 0 0-16,89 11 0 0,-89-11 0 0,68 5 0 0,-68-5 0 15,72 4-144-15,-72-4 144 0,75 7 0 0,-75-7 0 16,80 5 0-16,-80-5 0 0,83 2 0 0,-83-2 0 16,84 0 0-16,-84 0 0 15,77-4 176-15,-77 4-16 0,73-5 0 0,-73 5 0 16,73-4-160-16,-73 4 0 0,70 0 144 0,-70 0-144 0,73 0 0 0,-73 0 0 16,70 7 0-16,-70-7 0 0,75 6 0 0,-75-6 0 15,75 1 0-15,-75-1 0 0,71 6 0 0,-71-6 0 16,64 0 0-16,-64 0 0 0,61 0 0 0,-61 0 0 15,63-2 0-15,-63 2 0 0,68-2 0 0,-35 0 0 0,-33 2 0 16,80-5 0-16,-80 5 0 0,86-3 0 16,-86 3 0-16,92-6 0 0,-92 6 0 0,94-5 0 15,-94 5 0-15,89-5 0 0,-49 0 0 0,-40 5 0 0,73-9 0 16,-36 6-128-16,-4-1 128 0,0 1 0 0,-33 3 0 0,70-6 0 16,-70 6 0-16,66-1 0 15,-66 1 0-15,73 0 0 0,-73 0 0 0,82-2 0 0,-82 2 0 0,86-4-128 16,-86 4 128-16,87-8 0 0,-47 2 0 0,-40 6 0 15,82-5 0-15,-42 2 0 0,3-3 0 0,-4 3 0 16,-39 3 0-16,76-2 0 0,-76 2 0 0,86 2 0 16,-86-2 0-16,85 2 0 0,-85-2 0 0,91 5 0 15,-91-5 0-15,85 0 0 0,-85 0 0 0,75 0 0 0,-75 0 0 16,75-5 0-16,-75 5 0 0,73-2 0 16,-73 2 0-16,77 0 0 0,-77 0 0 0,78-2 0 0,-78 2 0 0,84 0 0 15,-84 0 0-15,87-1 0 0,-87 1 0 0,89-4 0 16,-89 4 0-16,85-9 0 0,-85 9 0 0,75-5 0 15,-42 3 0-15,4-1 128 0,-37 3-128 0,68-2 0 16,-68 2 0-16,66 0 0 16,-66 0 0-16,66 2 0 0,-66-2 0 0,72 2 0 0,-72-2 0 0,75 3 0 15,-75-3 0-15,78 5 0 0,-78-5 0 0,77 6 0 16,-77-6 0-16,73 0-128 0,-73 0 128 0,73 0 0 16,-73 0 0-16,68 0 0 0,-68 0 0 0,66 1 0 0,-66-1 0 15,72 4 0-15,-72-4 0 0,71 3 0 0,-71-3 0 16,77 11 0-16,-77-11 0 0,80 5 0 0,-80-5 0 15,80 5 0-15,-80-5 0 0,79 2 0 16,-79-2 0-16,73 0 0 0,-73 0 0 0,73-2 0 0,-73 2 0 0,72 0 0 16,-72 0 0-16,74 0 0 0,-74 0 0 0,77 2 0 15,-77-2 0-15,79 2 0 0,-79-2 128 16,76 5-128-16,-76-5 128 0,70 5-128 0,-70-5 128 0,61 2-128 16,-61-2 0-16,0 0 0 0,78 3 0 0,-78-3 0 15,0 0 0-15,75 7 0 0,-75-7 0 0,0 0 0 0,73 7 0 16,-73-7 0-16,0 0 0 0,77 7 0 15,-77-7 0-15,0 0 0 0,77 18 0 0,-77-18 0 0,0 0 0 0,73 17 0 16,-73-17 0-16,0 0 0 0,71 26 0 0,-71-26 0 16,0 0 0-16,75 21 0 15,-75-21 0-15,0 0-128 0,70 12 128 0,-70-12 0 0,0 0-192 0,77 6 64 16,-77-6 0-16,52-6 0 0,-26 5 128 0,-1-3-160 16,2 2 160-16,1-1-160 0,0 1 160 0,-2-3 0 15,-1 3 0-15,1-1 0 0,0 3 0 0,2-2 0 16,0 0 0-16,-28 2 0 0,59 0 0 0,-29-2 0 15,-30 2 0-15,61-1 0 0,-61 1-176 0,62-2-48 16,-62 2-16-16,60-2 0 16,-60 2-192-16,54 0-32 0,-54 0-16 0,0 0 0 0,68 5 320 0,-68-5 160 15,0 0-160-15,0 0 160 16,69 9-1408-16,-69-9-176 0,0 0-32 16,0 0-9648-16</inkml:trace>
+</inkml:ink>
+</file>
+
+<file path=ppt/ink/ink6.xml><?xml version="1.0" encoding="utf-8"?>
+<inkml:ink xmlns:inkml="http://www.w3.org/2003/InkML">
+  <inkml:definitions>
+    <inkml:context xml:id="ctx0">
+      <inkml:inkSource xml:id="inkSrc0">
+        <inkml:traceFormat>
+          <inkml:channel name="X" type="integer" max="30347" units="cm"/>
+          <inkml:channel name="Y" type="integer" max="20231" units="cm"/>
+          <inkml:channel name="F" type="integer" max="65535" units="dev"/>
+          <inkml:channel name="T" type="integer" max="2.14748E9" units="dev"/>
+        </inkml:traceFormat>
+        <inkml:channelProperties>
+          <inkml:channelProperty channel="X" name="resolution" value="1000.23071" units="1/cm"/>
+          <inkml:channelProperty channel="Y" name="resolution" value="1000.04944" units="1/cm"/>
+          <inkml:channelProperty channel="F" name="resolution" value="0" units="1/dev"/>
+          <inkml:channelProperty channel="T" name="resolution" value="1" units="1/dev"/>
+        </inkml:channelProperties>
+      </inkml:inkSource>
+      <inkml:timestamp xml:id="ts0" timeString="2023-09-29T21:50:59.505"/>
+    </inkml:context>
+    <inkml:brush xml:id="br0">
+      <inkml:brushProperty name="width" value="0.05292" units="cm"/>
+      <inkml:brushProperty name="height" value="0.05292" units="cm"/>
+      <inkml:brushProperty name="color" value="#FF0000"/>
+    </inkml:brush>
+  </inkml:definitions>
+  <inkml:trace contextRef="#ctx0" brushRef="#br0">3706 12841 1839 0,'-2'0'160'0,"0"0"-160"0,0 0 0 0,2-2 0 16,-1 2 448-16,-1-1 64 0,0 1 16 0,-1-2 0 16,-6-2 320-16,2-3 64 0,4 4 16 0,-4 1 0 15,1-1 16-15,3 3 0 0,1-2 0 0,-3 2 0 16,1 0 80-16,3 2 32 0,-3-1 0 0,2 1 0 15,-1 3 48-15,3 2 16 0,-2-1 0 0,-3 2 0 16,2 1-432-16,1-4-96 0,2 6-16 0,0-4 0 16,-2 1-576-16,2-1 0 0,-2-3 0 0,2 5 0 15,0-2 0-15,0-2-160 0,2 7 160 0,0-2-160 16,0 3 160-16,-1 4 0 0,1 6 0 0,3 3-128 16,-3 2 128-16,1 6 0 0,1 5 0 0,-1-1 0 15,4 6 0-15,-5 1 0 0,0-2 0 0,0-4 0 16,-1-3 0-16,-1-3 0 0,2-3 0 0,-2-2 0 0,2-7 0 0,-2-4-160 15,3-3 160-15,-1-5-8832 16</inkml:trace>
+  <inkml:trace contextRef="#ctx0" brushRef="#br0" timeOffset="478.92">4030 12871 9215 0,'-4'5'816'0,"3"-2"-656"16,1 4-160-16,0-5 0 0,1 0 800 0,-1 3 128 0,0 4 32 0,4 5 0 16,-4 8-384-16,-4 3-80 0,3-1-16 0,-1-1 0 15,0 5-480-15,-1-4 0 0,-3 4-176 0,1 0 176 16,2 0 0-16,-3 0 0 0,1 3 0 0,2-3 0 15,-1 5 240-15,1-2 160 0,1-1 48 0,0 1 0 16,2-5-448-16,0-3 128 0,0-4-128 0,0-3 0 0,0-2 0 0,0-9 0 16,0 0-144-16,2-3 144 0,1-7-320 0,1-1 32 15,1-4 16-15,-1-4 0 16,3-5-880-16,1-4-160 0,-2-5-32 0,1-5-16 0,1 2 1072 0,1-9 288 16,0-5 0-16,-2-2 0 0,3 0 672 0,-3 1 224 15,2-1 64-15,0 2 0 0,3 1-208 0,-4 1-48 16,5 5 0-16,-3 3 0 0,1 5-128 0,-1 0-16 15,0 8-16-15,1 3 0 0,-1 3-48 0,-1 9-16 16,-2 4 0-16,0-1 0 0,2 4 272 0,-4 7 48 16,2 0 16-16,0 2 0 0,-2 1 336 0,0 8 64 0,2-3 0 15,-5 4 16-15,2 4-560 0,-3 1-112 16,1 8-32-16,-2 6 0 0,0 0-528 0,-3 9 0 0,-1 4 0 0,-1 5 0 16,0 5 0-16,-1 0-192 0,3 1 192 0,-2-4-192 31,3-4-768-31,2-11-160 0,5-4-32 0,-1-8-10080 0</inkml:trace>
+  <inkml:trace contextRef="#ctx0" brushRef="#br0" timeOffset="867.05">5002 12082 8287 0,'-5'8'736'0,"3"-1"-592"0,0-3-144 0,2-1 0 0,2-3 624 0,-2 0 80 16,2 0 32-16,0 2 0 0,1-2-64 0,-1 0-16 15,1-2 0-15,-3-1 0 0,0-2-656 16,-1-6 0-16,-1 2-208 0,-3-3 48 0,1-3 160 0,1-3 0 16,-4-1 0-16,0-2-128 0,-2 2 336 0,-1-4 80 15,-1 1 16-15,-1-3 0 0,0 3-176 0,-2 1-128 16,2 0 192-16,-6 3-192 15,4 3 128-15,0 8-128 0,4 5 0 0,-4 4 0 0,3 3 0 0,1 9 0 0,0 3 0 0,1 6 0 16,2 3 496-16,-2 7 32 0,4 4 16 0,-4 1 0 16,4 4-160-16,0 7-48 0,-4 1 0 15,2 6 0-15,4 5 128 0,-4 3 32 0,3 9 0 16,2 2 0-16,1 9 256 0,1-2 48 16,1-2 16-16,-1-3 0 0,4-4-160 0,-1-5-16 15,3-4-16-15,-3-5 0 0,2-3-624 0,1-4 0 0,0-8 0 0,0-1 0 31,-3-3-1472-31,-1-8-272 0</inkml:trace>
+  <inkml:trace contextRef="#ctx0" brushRef="#br0" timeOffset="1408.92">4519 12742 14735 0,'0'3'640'0,"2"1"160"0,-2 1-640 0,4-2-160 0,-1-1 0 0,1 2 0 0,3-3 1296 0,1 8 240 16,12 0 32-16,6 7 16 0,7-3-992 0,-33-13-192 16,0 0-32-16,103 27-16 0,-103-27-352 0,0 0 0 15,108 3-192-15,-108-3 64 0,0 0 128 0,104-12 0 0,-104 12 0 0,0 0 0 16,0 0 720-16,108-28 80 0,-108 28 16 0,0 0 0 16,0 0-352-16,0 0-64 0,94-24-16 0,-83 18 0 15,-1 3-240-15,-1-1-144 0,-2 4 160 0,-5-1-160 31,-1 2 0-31,-1-1 0 0,-1 4 0 0,-1 1 0 0,-5 2 0 0,0-3 0 16,2 6 0-16,-7-1 0 0,1 5 0 0,-1 0 0 0,0 1-128 0,-1 1 128 16,1 3 0-16,0 6 0 0,2 2 0 0,-4 3 0 15,5-2 0-15,0 7 0 0,4 0-128 0,-4-1 128 16,6 1 0-16,-2-5 0 16,3 1 0-16,2-3 0 0,2 3 0 0,1-6 0 0,4-4 0 0,4-6 0 0,2-1 0 15,0-7 0-15,1-2 0 0,3-3 0 0,0-4 0 16,1-3 0-1,-1 2-160-15,1-4 160 0,1-5 0 0,0 1 0 16,0-5 0-16,0-1 0 0,1-4 528 0,-6-3 96 0,1-1 16 0,-3 1 0 0,-1-4 128 0,-2 4 48 31,-2-2 0-31,-2-4 0 0,-3 6-432 0,-2-6-64 16,1 2-32-16,-2-3 0 0,1 3-288 0,-6-3 0 0,-2-2 128 16,-1 3-128-16,-3 0 0 0,-2-1 0 0,0 7 0 0,0-1 0 0,-4 3 0 15,-1-1 0-15,0 2 0 0,-4 4 0 16,4 4 0-16,0 1 0 0,3 5 0 0,-1 0-144 15,3 7-224-15,2 2-32 0,3 5-16 0,2 0 0 16,2 3-928-16,3 1-176 0,0 3-32 0,4-2-6464 0,3 2-1296 16</inkml:trace>
+  <inkml:trace contextRef="#ctx0" brushRef="#br0" timeOffset="1861.11">5694 12557 10127 0,'-14'9'896'0,"7"-6"-704"0,0 3-192 0,2-5 0 0,1 3 1216 0,3 1 224 15,-3 0 32-15,-3 4 16 0,-3 7 240 0,-4 8 64 16,0 4 0-16,-2-2 0 0,4 5-944 0,0-1-176 15,3-2-32-15,-1 0-16 0,4 0 208 0,5 1 32 16,-1-1 16-16,2 3 0 0,3 3-432 0,1-3-96 16,1 0-16-16,2-6 0 0,-2 2-144 0,2-4-16 15,0-2-16-15,0-4 0 0,4 1-160 0,-8-8-144 16,2 4 144-16,1-5-208 16,-1-4-224-16,-5 0-32 0,0-5-16 0,0 0 0 15,-4 0-464-15,1-1-80 0,1-3-32 0,-3-5 0 0,1 4 832 0,3-9 224 0,-5 0 0 0,3-3 0 16,1-4 0-16,-1-3 224 0,1 1-32 0,2-1 0 15,0-6 128-15,2 0 0 0,-1-1 16 0,3-4 0 16,1 2 208-16,2 0 32 0,0-4 16 0,2 1 0 16,1 1 176-16,2 2 16 0,-1 3 16 0,1 4 0 15,0 9-256-15,-1 6-48 0,1 3-16 0,-3 6 0 16,1 5-32-16,1 6-16 0,-1 0 0 0,2 5 0 16,-1 1-16-16,1 1 0 0,4 2 0 0,-4-5 0 15,5 3-416-15,-1 0 0 0,3-2 0 0,0-6 0 16,2 3-1120-16,2-6-304 0,1-3-64 0,-24-2-7936 15,0 0-1584-15</inkml:trace>
+  <inkml:trace contextRef="#ctx0" brushRef="#br0" timeOffset="2501.29">6379 12576 9215 0,'-2'7'816'0,"2"-3"-656"16,0-2-160-16,0-1 0 0,0 1 1776 0,0 0 320 15,2 3 64-15,-2 7 16 0,-2 2-576 0,0 4-128 0,1 1 0 0,-3 2-16 16,2-1-400-16,-5 3-80 0,2 0-16 0,0 3 0 16,1 0 0-16,-3 5-16 0,4 2 0 0,0-3 0 15,1 7-176-15,0-3-16 16,4 3-16-16,-2-2 0 0,2 0-432 0,-1-2-96 0,3 2-16 0,-4-2 0 16,1-2-192-16,1-1 0 15,0-4-144-15,-2-4 144 16,-2-2-640-16,2-5-16 0,-2-4-16 0,1-3 0 0,2-2-416 15,-1-6-96-15,4-4-16 0,1-4 0 0,-3-1 304 16,5-7 64-16,2-5 16 0,-4-3 0 0,2-2 448 0,2-4 96 0,1 1 16 0,0-8 0 16,1 2 256-16,3-3 0 0,-4-1 0 0,2 1 0 0,2-2 256 0,0 0 64 15,2 0 16-15,-4 5 0 0,0 4 352 0,2 5 64 16,0-2 16-16,-1 10 0 0,-1 8-48 0,-4 5 0 16,3 5 0-16,-8 5 0 0,4 0 464 0,0 11 96 15,-5 1 0-15,3 4 16 16,-1 4-80-16,-1 4 0 0,2 4-16 0,-1 4 0 15,-1 1-752-15,-1 0-128 0,2 4-48 0,-3-2 0 0,1 0-272 0,-2 0 0 16,-2-3-128-16,1 0 128 16,-1-4-128-16,0-5 128 0,0 3 0 0,1-10-144 0,-1-2 144 15,0-2-208-15,2-4 80 0,0-8 128 16,0-3-400-16,2-2 32 0,1-6 16 0,3-4 0 16,1-1-544-16,1-4-128 0,3-4 0 0,-2-6-16 15,3-3 16-15,3 0 0 0,-1-5 0 0,4-1 0 0,1-3 512 0,0 0 96 0,6-1 32 0,-5-2 0 16,0 2 384-16,1-1 0 0,-2 5 0 0,3-5 0 15,-1-1 0-15,0-2 0 16,-2 4 0-16,-1 7 128 0,-1 5-128 0,-3 8 0 16,0 6 128-16,-5 7-128 0,1 5 144 0,-6 7-144 0,1 3 192 15,0 2-192-15,0 6 896 0,-3 1 64 0,0 7 0 0,0 0 16 16,-1 4 240-16,1 1 32 16,2 7 16-16,-4 6 0 0,0-1-672 0,-4 5-128 0,1 2-16 0,-3 2-16 0,-1-1-432 0,0-4 0 15,2 0 0-15,-2-4 0 16,2-3-656-16,3-3-112 0,1 0-32 15,2-10-9824-15,5 0-1984 0</inkml:trace>
+  <inkml:trace contextRef="#ctx0" brushRef="#br0" timeOffset="3003.16">7768 12559 18431 0,'5'5'816'0,"-2"-3"160"0,3 1-784 0,-6-1-192 0,1 2 0 0,-1-4 0 0,0 3 1536 0,-1 4 256 16,1 2 48-16,-9 5 16 0,0 1-992 0,-5 3-192 0,-3 1-32 0,-1-2-16 15,-1-3-144-15,-2 4-32 16,0-3 0-16,0-1 0 0,1-3 464 0,0 3 96 0,1-2 16 0,2-2 0 16,-2 4-352-16,3-3-64 15,0-1-16-15,4 6 0 0,0-4-448 0,1 0-144 0,3 4 0 0,1 1 0 16,1-1 0-16,3 5 0 15,3 0 0-15,0 1 0 0,2 5-288 0,3-1 32 0,2-2 16 0,3 0 0 16,1 1-80-16,5-4 0 0,-3-2-16 0,5-5 0 16,-1-4 336-16,4 1 0 0,0-4 0 0,-2-2 0 15,4-3-256-15,-7-4 32 0,3-3 0 0,2-2 0 32,0-5-160-32,-2-1-16 0,0-4-16 0,2-7 0 15,-2-1-272-15,0-4-48 0,-1-5-16 0,-1-2 0 16,1-1-144-16,-6-1-16 0,2 0-16 0,-2 1 0 15,-5 2 224-15,0-3 64 0,-2-4 0 0,-3 2 0 0,1 2 448 0,-1 1 192 0,-2-1-128 0,0 5 128 16,0 1 0-16,-2 12 0 0,-1 4 0 0,-1 11 176 16,-3 3 128-16,2 5 16 0,-2 11 16 0,-3 7 0 15,1 2 1072-15,-5 12 192 0,2 3 64 0,1 2 0 16,-3 7-496-16,4-2-80 0,1 2-32 0,1 0 0 16,1 0-672-16,1-3-144 0,5-2-32 0,1-6 0 15,1-3-208-15,5-8 0 0,1-2-144 0,1-6 144 16,3-3-1456-16,1-11-192 0,2-1-32 15,2-4-16-15,3-5-1344 0,0-7-272 0</inkml:trace>
+  <inkml:trace contextRef="#ctx0" brushRef="#br0" timeOffset="3242.28">8475 11596 2751 0,'4'-11'256'0,"-4"3"-256"0,0 6 0 0,0 0 0 15,0 4 3456-15,-4 0 656 0,4 6 128 0,-3 3 32 16,-1 10-384-16,-1 13-80 0,-4 7-16 0,1 11 0 16,-3 4-1936-16,-1 3-384 0,1-2-64 0,3 2-32 15,1 4-768-15,1 0-160 0,5-4-16 0,1 7-16 16,1 0-416-16,1 1 0 0,3-1 0 0,1 3 0 16,-5 1 0-16,1-4 0 0,2-3-144 0,-1-4 144 15,-1-6 0-15,3-3-128 0,-3-10 128 0,0-2 0 31,1-3-1264-31,-1-9-144 0,0 2-16 0,-4-5-13936 0</inkml:trace>
+  <inkml:trace contextRef="#ctx0" brushRef="#br0" timeOffset="3551.93">8083 12265 25791 0,'7'-9'1152'0,"3"4"224"0,-1-1-1104 0,-2 1-272 15,0 2 0-15,-2 3 0 0,6-4 496 0,3-1 32 16,10-5 16-16,-24 10 0 0,0 0-544 0,103-34 0 0,-103 34 0 0,0 0-144 16,94-24 144-16,-94 24 0 0,0 0 0 0,0 0 0 15,122-17 448-15,-122 17 128 0,0 0 32 0,94 1 0 16,-94-1-80-16,0 0-16 16,96 14 0-16,-72-3 0 0,-1-1-512 0,-7 8 0 0,-4 3 0 0,-9 5 0 15,-1 3 0-15,-2 6 0 0,-3 5 0 0,-3 0-144 16,1 7 144-16,0-1 0 0,0 8 0 15,-2 1 0-15,2 1 320 0,-1 0 80 16,5-1 32-16,-3-1 0 0,4-5-288 0,0 2-144 0,0-8 160 0,4-3-160 31,-3-5-352-31,1-5-160 0,3-6-48 0,2-6-13584 0</inkml:trace>
+  <inkml:trace contextRef="#ctx0" brushRef="#br0" timeOffset="3938.33">9153 12254 13823 0,'-5'9'608'0,"0"-2"128"0,1 0-592 0,2 1-144 0,-1-1 0 0,1-1 0 0,-1 4 1696 0,-3 8 304 16,-2 8 64-16,-5 10 16 0,-2 11-688 0,-1 0-144 0,2 4-32 0,2-6 0 16,0 0-192-16,3-3-32 0,0 0-16 0,2-5 0 15,6-1-400-15,1-1-96 0,0-2-16 0,1-5 0 16,6-7-336-16,4-2-128 15,-2 0 0-15,3-3 144 0,5-4-144 0,-3-3 0 0,7-1 0 0,0-4 0 16,-2-2-128-16,-19-2 128 16,0 0 0-16,0 0 0 15,106-23 160-15,-106 23 96 0,0 0 32 0,96-45 0 16,-96 45-128-16,0 0-32 0,100-72 0 0,-100 72 0 16,64-62-128-16,-64 62 0 0,58-61 0 0,-58 61 0 15,50-70 0-15,-33 33 0 0,1 1 0 0,-11 1 0 0,-2-2 0 16,-8 4 0-16,-6 4 0 0,-7 3 0 0,-6-2-384 0,-10 5 32 15,-3 2 16-15,-5 6 0 16,2 6-304-16,-4 2-64 0,4 10-16 0,-1 3 0 16,1 4-160-16,2 4-16 0,-1 5-16 0,6 0 0 15,3 2 528-15,5-2 128 0,7 0 0 0,1 1 16 16,6-1-592-16,5-2-112 0,3 1-16 0,4-1-8832 0</inkml:trace>
+  <inkml:trace contextRef="#ctx0" brushRef="#br0" timeOffset="4358.62">9976 12099 12671 0,'-7'2'272'0,"1"1"64"0,3 1 16 0,1 3 0 0,0-2-352 0,-1 0 0 0,-1 6 0 0,-1 4 0 15,-4 13 1472-15,-3 11 240 0,-3 9 32 0,-1 3 16 16,0 3-368-16,0 0-80 0,4-4-16 0,0-1 0 15,3 3 64-15,-1 1 16 0,3-3 0 0,-3-3 0 16,3 2-608-16,0-7-128 0,1-4-32 0,-1-3 0 16,4-6-240-16,-1-2-48 0,3-7-16 0,-1-4 0 0,0-5-304 0,2-3 0 15,0-2 0-15,0-6-144 16,0-4-832-16,0-6-176 0,2-3-16 0,1-4-16 16,3-6-80-16,-3-3-16 0,4-3 0 0,0-6 0 0,2-2 896 15,1-5 160-15,2-3 32 0,2 2 16 0,-3-6 176 0,3 0 0 16,1-7 160-16,-1 1-160 0,2-1 128 0,1-3-128 15,3-6 0-15,-1 6 144 0,0 1-144 0,2 4 0 16,2 13 144-16,-4 6-144 0,-19 35 464 0,0 0 32 0,0 0 0 16,0 0 0-16,0 0 1024 0,0 0 208 0,80 5 32 0,-73 21 16 15,-4 4 208-15,3 6 64 0,-5 8 0 0,1 1 0 16,0 6-1280-16,-2-1-240 16,-2 4-48-16,0 0-16 0,1-3-464 0,-1-2 0 15,-2 1-176-15,3-3 176 0,2-3-832 16,5-4-64-16,-3-4 0 0,6-1-10304 15,-1-4-2048-15</inkml:trace>
+  <inkml:trace contextRef="#ctx0" brushRef="#br0" timeOffset="4606.21">9179 11538 36863 0,'-14'9'3264'0,"7"-4"-2608"16,2-3-528-16,5-2-128 0,3 0 1008 0,-6 0 160 0,-2 3 48 0,-4-1 0 16,-5 2-1216-16,2-1-384 0,0-3 0 0,0-3 0 15,1-1 384-15,-10 2 0 0</inkml:trace>
+  <inkml:trace contextRef="#ctx0" brushRef="#br0" timeOffset="5105.68">3462 11918 10127 0,'-7'12'896'0,"3"-7"-704"0,1-1-192 0,3 3 0 0,-2-4 544 0,-1 1 80 0,1-1 16 0,-2 6 0 15,-3 3 1472-15,-1 6 288 0,-1 1 64 0,-2 2 16 16,1 0-528-16,1-6-96 16,4 1-32-16,2 0 0 0,1-4-1216 0,5-4-240 0,4 1-48 0,2-4-13056 15</inkml:trace>
+  <inkml:trace contextRef="#ctx0" brushRef="#br0" timeOffset="6211.52">4162 14147 3679 0,'0'-7'320'0,"0"2"-320"0,0 0 0 0,2 0 0 15,-2 1 0-15,0-3 0 0,2-7 0 0,-1-8 0 16,3-4 0-16,-2-2 176 0,-1 5-176 0,1 2 192 16,-2 4 704-16,0 3 160 0,0 7 32 0,-2 0 0 0,1 5 192 0,-3 2 64 15,1 5 0-15,-1 2 0 0,-3 6-64 0,0-3 0 16,2 9 0-16,-5-1 0 0,3 2-272 0,-4 8-64 16,2 0-16-16,-1 7 0 0,1-2-144 0,-3 7-16 15,5 5-16-15,-7 8 0 0,4 2-64 0,-1 5-16 16,1 4 0-16,-1 2 0 15,3 4-416-15,-1-2-64 0,2 3-32 0,2-1 0 0,3-7-160 0,-1-4-144 16,1-2 144-16,2-4-208 16,2-3-432-16,1-10-64 0,4-5-32 0,2-11 0 15,1-6-944-15,2-8-192 0,1-3-48 0,-1-7 0 16,2-3 352-16,1-9 64 0,3 1 16 0,-1-6 0 16,2-2 784-16,1-8 144 0,-1 1 48 0,2-5 0 0,-2 1 512 0,-2-6 0 0,2 1 0 0,1-2 0 15,-3 4 0-15,2-5-128 0,2 0 128 0,0-2 0 16,0-2 0-16,2 3 0 0,-3 3 0 0,3 3 0 15,-23 33 0-15,42-58 0 16,-23 37 128-16,-3 7-128 0,1 4 480 0,-5 3 0 0,4 5 0 0,-2 6 0 16,2 6 432-16,-4 1 96 0,0 6 16 0,0 2 0 15,-3 9 256-15,1-2 48 0,-1 7 16 0,2-1 0 16,-3 1-816-16,3 3-144 0,-2-1-48 0,1-3 0 16,0-8-336-16,3 6 0 0,2-4 0 0,3-5-128 0,-1-2 128 0,4-2 0 15,0-3 0-15,2-7-128 16,1 2 128-16,2-6 0 0,-5-3 0 0,2-1-128 15,-1-3 128-15,-1-5 0 0,-2 2 0 0,1-5 128 0,-1 2-128 0,-2-4 0 16,1-4 0-16,-3-4 0 16,1-4-192-16,1-1 0 0,-1-4 0 0,-4 2 0 15,1-1-256-15,-1 0-48 16,-4-1-16-16,3-2 0 0,-4 5 320 0,0-3 192 0,0-1-208 0,0 8 80 16,-2 1 128-16,2 6 128 0,-2 3-128 0,0 3 176 0,2 3 304 0,-5 6 64 0,2 0 16 0,-3 2 0 15,3 2 272-15,-2 0 48 0,-1 8 16 16,3 1 0-16,-4 4-256 0,0 6-64 15,-4 9 0-15,3 1 0 0,-5 9-160 0,1 4-32 0,2 1-16 16,-4 4 0-16,3-7 112 0,1 5 32 16,4-4 0-16,3-3 0 0,1-3-224 0,6-8-32 0,3-4-16 0,3-8 0 15,2-1-240-15,2-7-128 0,5-4 128 0,2-3-208 16,-28-2-880 0,0 0-192-16,96-13-16 0,-96 13-6480 0,0 0-1296 0</inkml:trace>
+  <inkml:trace contextRef="#ctx0" brushRef="#br0" timeOffset="7298.56">6426 14403 20271 0,'-16'2'896'0,"7"-4"192"0,1 1-880 0,3-3-208 0,-1 2 0 0,3-1 0 15,-4-2 704-15,-5 0 80 0,-6-4 32 0,-8-2 0 0,-5 4-656 0,-1 7-160 16,-4 6 0-16,3 1 0 0,1 7 0 0,3 5 0 16,-1 0-192-16,6 2 192 0,3 3 128 0,2-3 160 0,1 2 32 0,4-1 0 15,4-1 240-15,-1 2 48 16,3 5 16-16,-1-4 0 0,4 2-368 0,-1-1-64 16,5-1 0-16,-1-1-16 0,2 1-176 0,2-1 0 0,5-4-160 0,0-2 160 15,5-1 0-15,-2-6-144 0,6 3 144 0,3-10 0 31,4-1 0-31,3-4 0 0,-3-5 0 0,-23 7 0 0,0 0 0 0,99-52-128 0,-99 52 128 0,70-68-128 32,-70 68 128-32,61-87 0 0,-32 35 0 0,-3-4 0 0,4 2 0 0,-7-2 0 15,-1-1 0-15,3-3-128 0,-1-1 128 0,-3-3 0 16,-2 3 0-16,-1-7 128 0,-5 5-128 0,0 1 0 0,-6-4 0 0,0 5 128 0,-4-2-128 0,-3 2 0 31,2 5 0-31,-4 13 0 0,0 4 0 0,-1 11 0 0,-2 11 128 16,-1 7-128-16,-1 10 0 0,0 8 0 0,-3 6 0 0,-2 14 128 15,1 7 400-15,-4 7 96 0,1 8 16 0,0 4 0 16,2 7 384-16,-1 0 96 0,5 0 16 0,-1 5 0 16,2-1-464-16,5 3-96 0,-1 1 0 0,1 3-16 15,4-1-560-15,1-1 0 0,3-2 0 0,0-2 0 0,3-5 0 0,0-5 0 32,3-6-144-32,2-6 144 0,-2-6 0 0,6-7-128 0,3-3 128 15,-1-5 0-15,5-4-272 0,1-5 16 16,4-5 16-16,-2-8 0 15,-28-1-432-15,0 0-96 0,92-17 0 0,-92 17-16 16,0 0 224-16,97-57 48 0,-97 57 16 0,65-58 0 0,-65 58 256 0,52-68 48 0,-27 32 16 0,-6-1 0 16,-2-1 176-16,2 1 0 0,-6 2 0 0,1 2-128 15,-4 0-64-15,-3 0-16 0,-4-2 0 0,1 4 0 16,-2-1 208-16,-2 3 0 0,0 8 0 0,-2 3 0 16,0 6 0-16,-1 4 0 0,-1 2 0 0,1 5 0 15,-4 2 880-15,2 5 112 0,-2 2 32 0,0 3 0 0,1 6 64 16,-1 2 0-16,0 4 16 0,0 7 0 0,2 1-544 15,-2 2-112-15,2 4-32 0,0 3 0 0,0 3-208 0,1-3-32 16,1 2-16-16,3-4 0 0,1-1-160 0,3-11 0 16,3-2 0-16,3-6 0 0,2-8 0 0,4 1 0 15,2-6-176-15,1-3 176 16,2-2-608-16,1-7-32 0,-22 7-16 0,0 0 0 16,0 0-256-16,101-52-48 0,-101 52-16 0,0 0 0 0,89-81 592 0,-89 81 128 15,61-68 32-15,-61 68 0 0,63-73 224 0,-63 73 0 16,61-71 0-16,-61 71 0 0,52-65 0 0,-31 34 0 15,-2 8 0-15,-1 1 0 0,-6 1 128 0,0 2-128 16,0 5 144-16,-6 5-144 0,-3 4 448 0,-1 5-16 16,-2 5 0-16,0 2 0 0,-2 7 400 0,-3 3 64 0,1 3 32 15,-3 2 0-15,0 3-288 0,2 6-64 16,-5-1-16-16,3 3 0 0,-2 3-368 0,0-1-64 0,6 2 0 0,-6-1-128 16,6 1 0-16,1-2 0 0,2-4 0 0,0-5 0 15,2-5 0-15,-2-9-176 0,1 0 176 0,1-6-208 31,2-1-288-31,1-7-48 0,-3-1-16 0,5-3 0 16,-1-2-48-16,5-6-16 0,1-5 0 0,2-6 0 16,2-3 112-16,1-6 32 0,4-1 0 0,0-2 0 0,3 2 96 0,-1-3 32 0,0-2 0 0,-1 7 0 15,-1 0-64-15,-2 0-16 0,6-4 0 16,-6 6 0-16,-2-2 288 0,-3 1 144 0,0 8-160 0,-1 3 160 16,-1 5 0-16,-5 6 0 0,1 6 128 0,-1 4-128 0,-5 2 720 15,0 9 48-15,0-1 0 0,-2 6 0 0,0 1 192 0,0 7 32 16,0 4 16-16,-2 0 0 0,0 5-560 0,0 4-128 15,-3 1 0-15,0 6-16 0,-2 3-304 0,0 0 0 16,0 2 0-16,2-4 0 0,-2 2 0 0,2-5 0 16,1-6 0-16,2-6-144 15,4-4-896-15,2-7-176 0,3-3-48 0,1-11-13600 16</inkml:trace>
+  <inkml:trace contextRef="#ctx0" brushRef="#br0" timeOffset="7873.87">8719 13970 5519 0,'-12'8'496'0,"3"-4"-496"0,2-1 0 0,2-1 0 15,2-2 3888-15,-1 0 672 0,1 0 144 0,-6 2 32 16,-3 0-1648-16,-8 5-320 0,-4-2-64 0,-4 2-16 16,0 3-2016-16,0 2-416 0,1 2-64 0,-1 6-32 15,2 6-160-15,3 0 0 0,-3 3 0 0,1 1 0 16,3 7 0-16,1-1 0 0,0 2 192 0,3 3-64 15,1 4 512-15,3-2 80 0,7 1 32 0,0 3 0 16,5-4-384-16,4-1-80 0,7 2-16 0,-2-8 0 16,7-6-272-16,3-7 0 0,1-6 0 0,1-5-144 31,0-8-320-31,4-3-64 0,1-2-16 0,-24 1 0 0,0 0-224 0,0 0-32 0,120-58-16 0,-120 58 0 16,65-59 368-16,-65 59 64 0,69-80 0 0,-69 80 16 15,61-89 368-15,-61 89 0 0,61-99 0 0,-33 48 0 0,-2 1 144 16,-5 1-144-16,-3 0 160 0,-4-1-160 0,0 6 448 0,-7 4-16 15,1 2 0-15,-4 3 0 0,-2 9 144 0,-8 5 48 16,1 9 0-16,-4 7 0 0,-1 8 16 0,-4 7 0 16,2 8 0-16,-7 8 0 0,3 4 64 0,-3 6 0 15,1 9 16-15,-1 4 0 0,-2 9-336 0,0 10-80 16,2 7-16-16,0 5 0 0,0 5-288 0,3 4 0 0,2 8 128 0,2 4-128 16,2 6 0-16,-1-5 0 15,2-4 0-15,1-4 0 0,-3-2 0 0,-1-3 0 0,-4-9 0 0,-1-8-144 31,1-10-496-31,-6-6-112 0,-1-2-16 0,0-12 0 16,2-2-1296-16,-1-7-272 0,1-3-48 0,-2-11-16 0,4-3 688 16,5-11 144-16,-3-7 32 0,3-10 0 0,1-6 1296 0,6-6 240 0,4-7 0 15,1-8 192-15,4-2 0 0,3-5 16 0,6-6 0 0,-1-7 0 16,6-7-208-16,1-11 0 0,4-10 128 0,0 3-128 0,0 1 0 0,-2 3 0 31,-1 5 0-31,-1 0 0 0,2 5 0 0,-5-1 0 0,2 1 0 16,-6 7 0-1,1 2-800-15,-3 2-96 0,1 9-32 0,-4-1-5792 0,1 1-1168 0</inkml:trace>
+  <inkml:trace contextRef="#ctx0" brushRef="#br0" timeOffset="8068.28">7708 13672 19343 0,'-15'14'1728'0,"3"-2"-1392"16,6-5-336-16,5-7 0 0,-1 0 2592 0,-2 3 448 16,-6 6 96-16,-6 0 0 0,-1 3-2080 0,-1-8-416 15,3-4-96-15,-3-6-6784 16,1-6-1360-16,-1-2-272 0</inkml:trace>
+  <inkml:trace contextRef="#ctx0" brushRef="#br0" timeOffset="8273.76">4939 13949 26719 0,'-26'35'1184'0,"16"-21"240"16,6-7-1136-16,8-9-288 0,6-5 0 0</inkml:trace>
+</inkml:ink>
+</file>
+
+<file path=ppt/ink/ink7.xml><?xml version="1.0" encoding="utf-8"?>
+<inkml:ink xmlns:inkml="http://www.w3.org/2003/InkML">
+  <inkml:definitions>
+    <inkml:context xml:id="ctx0">
+      <inkml:inkSource xml:id="inkSrc0">
+        <inkml:traceFormat>
+          <inkml:channel name="X" type="integer" max="30347" units="cm"/>
+          <inkml:channel name="Y" type="integer" max="20231" units="cm"/>
+          <inkml:channel name="F" type="integer" max="65535" units="dev"/>
+          <inkml:channel name="T" type="integer" max="2.14748E9" units="dev"/>
+        </inkml:traceFormat>
+        <inkml:channelProperties>
+          <inkml:channelProperty channel="X" name="resolution" value="1000.23071" units="1/cm"/>
+          <inkml:channelProperty channel="Y" name="resolution" value="1000.04944" units="1/cm"/>
+          <inkml:channelProperty channel="F" name="resolution" value="0" units="1/dev"/>
+          <inkml:channelProperty channel="T" name="resolution" value="1" units="1/dev"/>
+        </inkml:channelProperties>
+      </inkml:inkSource>
+      <inkml:timestamp xml:id="ts0" timeString="2023-09-29T21:53:51.163"/>
+    </inkml:context>
+    <inkml:brush xml:id="br0">
+      <inkml:brushProperty name="width" value="0.05292" units="cm"/>
+      <inkml:brushProperty name="height" value="0.05292" units="cm"/>
+      <inkml:brushProperty name="color" value="#FF0000"/>
+    </inkml:brush>
+  </inkml:definitions>
+  <inkml:trace contextRef="#ctx0" brushRef="#br0">2315 10169 10127 0,'-12'5'896'0,"5"-3"-704"0,2 0-192 15,3-2 0-15,2 2 816 0,0-2 128 0,-5 1 16 0,0 1 16 16,-4-2-432-16,4-2-96 0,3-1 0 0,2-2-16 16,2-4-656-16,-1 0-128 0,1 1-32 0,-2-3 0 31,0 2-384-31,-5 4-64 0,1-3-32 0,-6 2 0 0,1 1 656 0,-5 0 208 0,0 1 0 0,-3 3-160 15,-1-1 464-15,-4 2 80 0,-1 2 32 0,0-1 0 16,-3 5 304-16,0-5 64 0,2-1 16 0,-4 0 0 16,2 2-352-16,1-2-64 0,1 2 0 0,0 0-16 15,3-1-368-15,0 1 144 0,-2 2-144 0,2 1 0 0,0-3 0 16,0 3 0-16,0-2-160 0,-3 8 160 16,0-3-448-16,-4 5 16 0,-2 0 16 0,1 0 0 0,-1 2 240 15,0-1 176-15,2 0-208 0,1-2 80 0,-3 4 352 16,2 0 80-16,-3 1 16 0,5-3 0 0,-6 0 176 0,4 0 32 15,2 0 16-15,3-5 0 0,1 5 48 0,3-4 16 16,-4 0 0-16,4-1 0 0,0 2-160 0,5-1-16 16,-4 1-16-16,4 1 0 0,2 0-288 0,0-2-128 15,-2 6 128-15,2 0-128 0,0-1 0 0,-4 1 0 16,4 0 0-16,-2-1 0 0,2 5 0 0,-1 0 0 0,3 1 0 16,-2 4 0-16,1-3 0 0,3 3 0 15,1 3 0-15,-2-2 0 0,4 0 0 0,1 4 0 0,1-4 0 0,1 3 0 16,0 4 192-16,2-1 48 0,0 3 16 0,0 1 0 15,4 4 128-15,-1 0 48 16,-3 4 0-16,2-1 0 0,0-1 0 0,-1 3 0 0,3-1 0 0,-2-2 0 16,-1 0-144-16,1 3-32 0,3-2 0 0,-3 6 0 15,3-2-32-15,-1 4-16 0,3 1 0 0,-5-3 0 16,-1 5 48-16,-1 0 0 0,2 1 0 0,-2-1 0 16,0-7-64-16,0 2-16 0,2-3 0 0,0-1 0 15,1-3-176-15,-1-1 0 0,3-2 0 0,-3 1 0 0,3 0 0 16,-2 2 0-16,3-2 0 0,-3 0 0 0,-1 2-416 15,1-1 32-15,-1 5 16 0,-2-1 0 16,-2 2-176-16,-1-2-32 0,1 2-16 0,-5 2 0 0,-2 2 208 0,-1 4 32 16,0 3 16-16,-1 4 0 0,-3 12 48 0,2 2 16 15,-4 8 0-15,2-2 0 0,0-9-32 0,0-5 0 16,2-2 0-16,4-9 0 0,-1-3 176 16,4-1 128-16,1-5-192 0,4-1 192 0,0-3 0 15,0-4-128-15,0 0 128 0,0-2 0 0,4-3-192 16,-3-3 0-16,1-6 16 0,0 2 0 15,0-4-208-15,-1-3-32 0,-1 0-16 0,0-2 0 16,0 0 144-16,0-1 32 0,-1 1 0 0,-1-2 0 0,-2 1 256 0,1-3-160 16,1-1 160-16,2-2-128 0,-2 4 128 0,-1-4 0 0,3-3 0 0,0 3-128 15,3-1-48-15,-1-1 0 0,2-3 0 0,1 0 0 32,5-4-192-32,-1-1-32 0,5-2-16 0,3-3 0 0,3-1 80 0,2-4 16 15,-22 8 0-15,0 0 0 0,87-21 656 0,-87 21 144 16,0 0 32-16,103-14 0 0,-103 14 80 0,0 0 32 0,134 5 0 0,-134-5 0 15,117 10-176-15,-117-10-16 0,138 20-16 0,-138-20 0 0,144 22 64 16,-144-22 16-16,192 26 0 16,-75-17 0-16,13 0-304 0</inkml:trace>
+  <inkml:trace contextRef="#ctx0" brushRef="#br0" timeOffset="202464.02">19541 14764 4607 0,'1'5'400'0,"1"-1"-400"0,2-1 0 0,-4-1 0 16,1-2 720-16,1 0 64 0,0 2 16 0,1 6 0 0,2 1 128 0,-5 0 32 15,0 1 0-15,0-1 0 0,-7 0-352 0,2 1-64 16,-2 1-16-16,-1 2 0 0,-1 1-240 0,0-1-48 15,2 4-16-15,0 0 0 0,-1-1 240 16,2 0 48-16,-1 3 16 0,2 4 0 0,2-3 112 0,-1 8 32 16,2 0 0-16,1 9 0 0,-3 1-208 0,1 2-32 15,-1 11-16-15,1 1 0 16,1 7-288-16,0 0-128 0,0 4 0 0,-3 2 128 16,3-1-128-16,2 0 0 0,0-1 0 0,0-2 0 0,0-2-320 0,2 1-32 15,0 0-16-15,1-6 0 16,-3-3-224-16,2-2-48 0,-2-7-16 0,2-6 0 15,0-5-560-15,-2-4-128 0</inkml:trace>
+  <inkml:trace contextRef="#ctx0" brushRef="#br0" timeOffset="202793.6">19994 14693 911 0,'3'-6'0'0,"-1"5"0"0,0-1 0 0,-1 2 0 0,3 0 832 0,-2 0 64 15,1 0 32-15,-1 2 0 16,3 1 400-16,0 6 80 0,2 1 0 0,-3 11 16 0,-3 4-576 15,1 4-112-15,-2 9-32 0,0 9 0 0,2 4 256 0,-2 8 64 16,2 6 0-16,-1 6 0 0,-1 6-160 0,0 5-32 16,-1 6 0-16,-3 1 0 0,1-9-336 0,1 0-80 15,-3 1-16-15,3-7 0 0,0-6-400 0,1 0 0 0,-1-7 0 16,-2-5 0 0,3-5-928-16,-1-8-272 15</inkml:trace>
+  <inkml:trace contextRef="#ctx0" brushRef="#br0" timeOffset="203080.63">19316 15898 10127 0,'-7'-9'896'0,"5"4"-704"16,0 1-192-16,2-1 0 0,2 3 368 0,0 1 32 15,3 1 16-15,-1-2 0 0,6-2 816 0,6-1 176 16,1-2 16-16,0 4 16 0,4 3-928 0,-3 0-192 16,3 0-48-16,-2 3 0 0,5 4-272 0,-1-2 128 0,0 1-128 0,1 4 0 15,4-1 496-15,0 0-16 0,1-2 0 0,1-6 0 16,-30-1-64-16,0 0-16 0,112 0 0 0,-112 0 0 16,0 0-400-16,123-21 0 0,-123 21-192 0,0 0 192 31,117-22-1504-31,-117 22-176 0,0 0-48 0,98-14-5760 0</inkml:trace>
+  <inkml:trace contextRef="#ctx0" brushRef="#br0" timeOffset="203567">20800 15694 3679 0,'-1'-7'320'0,"-3"2"-320"16,2 0 0-16,1 1 0 0,1-1 960 0,-4 0 128 15,1-2 32-15,-8-9 0 0,-3-3 448 0,0-2 96 16,-5 2 0-16,-2 1 16 0,2 4-720 0,-2 1-128 16,0 4-48-16,-1-3 0 0,-1 5-96 0,0-2-32 15,-4 4 0-15,2 3 0 0,2 4-32 0,-1-1-16 16,0 8 0-16,1 2 0 0,2 4 16 0,2 3 0 16,2 3 0-16,3 0 0 0,1 8-96 0,3-1-16 15,1 7 0-15,2 1 0 0,4 1-208 0,1 3-48 16,4-2-16-16,1 1 0 0,4-3-240 0,0-4 0 15,5-4 128-15,2-1-128 0,4-6 0 0,1-2 0 0,4-1 0 16,3-4 0-16,-2-4-304 0,0 2 0 0,4-5 0 16,-3 2 0-1,-1-5-272-15,-3-1-48 0,2-1-16 16,-6 0 0-16,-3-2 64 0,0-4 16 0,0 2 0 0,-2-6 0 0,-1 1 176 0,1-6 48 16,-5 1 0-16,3-5 0 0,-3-2 336 0,0-7 0 0,2-2 0 0,-2-7 0 15,2 0 272-15,-8 0 32 16,3 0 0-16,-1-1 0 0,-1 1 208 0,0 0 64 0,-2 2 0 0,0 3 0 15,0 3 128-15,0 0 48 0,0 3 0 0,0 5 0 0,2 7-368 16,-4 3-80-16,2 5-16 0,0 8 0 0,0 6-80 16,0 4-16-16,-2 7 0 0,2 5 0 15,-2 7 320-15,1 6 64 0,-3 6 16 0,2 9 0 0,1 2-32 0,-5 5-16 16,3 5 0-16,-1-7 0 0,3-3-544 0,-1-7 0 16,2-6 0-16,2-10 0 15,3-7-704-15,4-8-240 0,-1-6-48 0,6-10-11904 16</inkml:trace>
+  <inkml:trace contextRef="#ctx0" brushRef="#br0" timeOffset="203947.49">21721 15231 2751 0,'1'3'256'0,"-1"2"-256"0,-1-1 0 0,-3-1 0 15,2 1 2096-15,-3 5 368 0,-2 1 80 0,-3 9 16 16,-8 9-80-16,-3 0-16 0,-1 7 0 0,-8-4 0 15,4-3-1264-15,-4 0-256 0,4-4-48 0,0-1-16 16,2-4-496-16,-1 0-112 0,6 2-16 0,-5-2 0 16,4 2 176-16,1-3 16 0,0 1 16 0,5 0 0 15,-3 5 48-15,3-3 16 0,2 2 0 0,1-2 0 16,4 1-320-16,0-1-64 0,4-2-16 0,1-1 0 0,5-4-128 0,4 1 0 16,4-6 0-16,1 0 0 0,6-4-176 0,-1 0-64 31,2 2-16-31,0-1 0 0,0-3-128 0,1 6-48 0,-1-2 0 0,-2 1 0 0,-1 1 432 15,-2-2 0-15,0 5 0 0,-7-5-128 0,1 5 128 0,-2-1 0 16,-5 1 0-16,-2 4 0 16,-6-1 160-16,-4 3 16 0,-3-1 0 0,-3 2 0 0,-4 1 272 0,-3-1 64 15,-3 2 16-15,-2-2 0 16,-3 0 144-16,1-3 32 0,-2-4 0 0,2 0 0 0,1-2-368 0,2-4-64 0,2-5-16 0,0-1 0 31,7-3-720-31,3-6-160 0,4 2-16 0,3-5-16 16,4 3-1728-16,1-5-352 0</inkml:trace>
+  <inkml:trace contextRef="#ctx0" brushRef="#br0" timeOffset="204405.3">22350 14241 3679 0,'-18'18'160'0,"9"-9"32"16,-1 5-192-16,3-6 0 0,2 1 0 0,3-7 0 0,-3 5 864 0,-4 7 128 0,-3 8 32 0,-7 8 0 16,-4 3 752-16,4 0 144 0,2 2 48 0,1-2 0 15,-2 0-16-15,1 0 0 0,3 2 0 0,-2 0 0 16,2 0-256-16,0-2-48 0,2 3-16 0,0-1 0 15,0 3-560-15,0 4-112 0,3 0-32 0,0 2 0 0,2 4-656 0,4 1-128 16,-1 3-16-16,4 8-128 0,0 2 0 16,6 4-192-16,-3 6 0 0,4-6 0 15,2 4-896-15,-1-4-192 0,5-2-16 0,1-4-16 16,-2-1-528-16,3 4-96 0,3 1-32 0,-1-3-7488 16</inkml:trace>
+  <inkml:trace contextRef="#ctx0" brushRef="#br0" timeOffset="205037.6">22803 15043 2751 0,'-11'19'256'0,"4"-2"-256"0,0 1 0 0,0-6 0 15,0-3 1104-15,2-4 176 0,-4 7 48 0,-6 5 0 16,-10 13 272-16,-11 10 64 0,-6 2 16 0,-3-4 0 16,-1-3-1328-16,4-5-352 0,-3 1 0 0,3-7 0 15,6 2 0-15,-1-3-176 0,2-2 0 0,4-2 0 0,-2 0 304 0,1-3 64 16,6-2 16-16,0-2 0 0,2 4 640 0,3-4 128 16,3-2 32-16,-1 4 0 0,4-1 112 0,-1-3 32 15,4 6 0-15,1-2 0 0,6 1-384 0,5-1-80 16,2 4-16-16,3-1 0 0,4 2-336 0,3 6-64 15,2-3-16-15,0 3 0 0,5-1-256 0,0 2 0 16,4 0 0-16,-1-3 0 16,6 3-400-16,0-5 16 0,4-4 0 0,1 1 0 15,0-6-144-15,2 2-32 0,-1-4 0 16,-34-10 0-16,86 9 400 0,-86-9 160 0,96 0-128 0,-96 0 128 0,103-19 0 0,-103 19 0 0,0 0 144 0,128-45-144 16,-128 45 224-16,0 0-64 0,107-60-16 15,-107 60 0-15,0 0-144 0,85-55 0 0,-85 55 0 16,0 0 0-16,0 0 0 0,79-65 0 0,-65 48 0 0,-1 1 0 15,-4 2 0-15,0 0 0 0,-2-1 0 16,-4-3 0-16,-1 2 208 0,-2-1 16 0,-3 1 0 0,-3-1 0 16,1-2 112-16,-5 0 32 0,1-4 0 0,-1 2 0 15,1 2 96-15,-2 2 32 16,3 3 0-16,-5 1 0 0,3 6-176 0,-4 2-16 0,2 5-16 0,0 2 0 16,-2 5-288-16,0 3 160 0,0 6-160 0,-2 3 128 15,4 7 0-15,0 2 0 0,0 7 0 0,1 3 0 16,6 4 128-16,-2 7 32 0,3-2 0 0,4 5 0 0,4 0 32 0,5-4 16 15,-2 0 0-15,5-6 0 16,2-4-336-16,3-1 128 0,8-6-128 0,-5-6 0 16,3-4 0-16,3-6 0 0,6 1 0 0,-1-7 0 15,2-1-800-15,-33-8-80 0,0 0-16 0,117-3 0 32,-117 3-512-32,0 0-128 0,137-37 0 0,-137 37-8720 0</inkml:trace>
+  <inkml:trace contextRef="#ctx0" brushRef="#br0" timeOffset="205316.38">23981 14189 8287 0,'-6'14'368'0,"3"-3"80"15,1 4-448-15,2-3 0 0,0-3 0 0,0 3 0 16,0 4 1648-16,-3 14 240 0,1 18 48 0,-3 17 16 16,-2 18-352-16,-2 3-80 0,0 3-16 0,1-4 0 0,-1 4-688 0,0 3-144 15,2 0-32-15,0 4 0 0,-1 2-464 0,-3 6-176 16,2 1 0-16,-1 1 144 16,1-8-144-16,1-4-176 0,1-6 48 0,-2-7 0 15,5-8-656-15,3-5-128 0</inkml:trace>
+  <inkml:trace contextRef="#ctx0" brushRef="#br0" timeOffset="205576.42">24564 14269 17503 0,'-3'-7'768'0,"-1"4"176"16,3 3-752-16,-1 0-192 0,2 0 0 0,-4 3 0 0,4 3 2240 0,-3 8 432 15,0 10 80-15,-6 14 0 0,-5 20-704 0,-5 10-160 16,-2 12-32-16,-4 10 0 0,-1 10-1024 0,0 13-224 16,-2 9-32-16,4 5-16 0,1 9-288 0,6-4-48 15,5 0-16-15,3-8 0 16,7-9-560-16,4-10-112 0,1-13-32 0,13-14-15424 15</inkml:trace>
+  <inkml:trace contextRef="#ctx0" brushRef="#br0" timeOffset="-168357.98">25329 9565 13823 0,'-48'0'1216'0,"13"-2"-960"0,3 0-256 0,13 2 0 15,5 0 896-15,4 0 144 0,-2 0 32 0,-14-1 0 16,-13 1 464-16,-10 0 80 0,-8 1 32 0,3 3 0 15,3 3-816-15,4 2-176 0,-3-1-16 0,1 3-16 0,0-1-352 0,0-1-64 16,2 5-16-16,0-5 0 0,0 1-64 0,-2-1-128 16,4 1 176-16,-5-1-176 0,4 5 400 0,-4-2-16 15,1-2-16-15,-2 6 0 0,-4 3 64 16,-3 4 16-16,-5 3 0 0,2 0 0 0,4 0-32 0,1 0 0 16,2 2 0-16,0 4 0 0,4 2-288 0,-3 5-128 15,3 1 128-15,3 0-128 0,-2 7-160 0,4-2-112 16,-4 6-32-16,2 1 0 15,0 2-656-15,1 5-128 0,6 2-16 0,0-2-16 16,7-1 96-16,0 1 32 0,5 2 0 0,2 3 0 0,2-3 480 0,3 0 112 16,3 4 16-16,4-1 0 15,4-3 208-15,-1 5 176 0,8 1-208 0,-4 2 80 0,7-3 128 0,0 1 0 0,2-1 0 0,3 3 0 16,-2 6 160-16,4 2-32 16,2 7-128-16,2-4 192 0,1 5 304 0,3-1 48 0,3 1 16 0,3-3 0 15,0 0 128-15,3 5 16 16,4 0 16-16,-2-3 0 0,7-3-176 0,2 1-32 15,-2-3-16-15,9-6 0 0,-2-4-176 0,4 1-16 0,6 2-16 0,-3-1 0 16,2 2-48-16,0-3-16 0,-2-4 0 0,3-2 0 16,-1 3-80-16,3-6-16 15,2-2 0-15,7 2 0 0,7 3-128 0,0-1 160 16,9-2-160-16,-5 0 160 0,-5-4-160 0,7-6 0 0,-5-1 0 0,6-4 0 16,9 1 0-16,7-4 0 0,6-3 0 0,1 2 0 15,-4-7 0-15,0-2 128 0,2 2-128 0,7-4 128 16,8-1-128-16,6 3 0 0,0 0 0 0,-4 0 0 15,-2 2 0-15,-3 1 192 0,9 6-192 0,-2-7 192 16,-3 0-192-16,1 0 192 0,0-6-192 0,-1-1 192 16,3 4 704-16,2-8 128 0,5-1 48 0,-2-4 0 15,-5-2-1344 1,7-1-272-16,3 3-48 0,1-3-16 0,-4-2 928 0,-2-4 176 0,-2 2 32 0,3-7 16 16,4-1-128-16,-5-1-32 0,-1-1 0 0,-6-2 0 0,2-2-128 0,2-5-16 0,12 4-16 0,-9-9 0 31,-1 1-224-31,-4-6 0 0,3-4 0 0,-5-5 0 15,6 2 0-15,-4-8-128 0,-7-1-16 0,-4-3 0 16,1-8-304-16,5 0-64 16,3-3-16-16,0-8 0 0,-1-10 352 0,-6 3 176 0,-3-5-160 0,3 1 160 0,8-9 0 0,-5 2 0 15,-2-2-128-15,-8 0 128 16,-3-3-512-16,-6-2-48 0,-1-2-16 0,-2 2 0 16,2-2-288-16,-9 0-64 0,-6 5-16 15,-10-3 0-15,-3-2 624 0,-9-1 128 0,-5 6 32 0,-7-1 0 0,-3 1 480 0,-6-1 112 16,-4 1 16-16,-3-3 0 0,-8 3 256 0,-4-1 64 0,0 0 16 0,-3-6 0 0,-4 0 240 0,0 1 32 15,-3-2 16 1,0-1 0-16,-2-4-272 0,0-8-48 16,0-8-16-16,-2-4 0 0,0 2-368 0,2 2-80 15,-2-4-16-15,-4-1 0 0,-1-1-272 0,-2-1 0 16,-3 0 0-16,-4 1 0 0,-1 1 0 0,-8 1 0 16,-3 2 0-16,-3 2 0 0,-4 0 0 0,-5 3 0 15,-9-2 128-15,0 4-128 0,-3 2 192 0,-4-5-32 16,-1 1 0-16,-8-2 0 0,-1 10-160 0,-7-1 0 0,-2 2 0 15,-3-2 0 1,-3-3-512-16,-2-2 0 0,-3 3 16 0,-4 4 0 16,-3 9-304-16,-4-1-64 0,-6 3-16 0,0-1 0 15,-3 7 272-15,-4 1 48 0,-7-1 16 0,-3 8 0 0,-4 11 224 0,-5 4 64 0,-1 9 0 0,-8 3 0 16,-5 5-96-16,-1 4-16 0,-8 5 0 0,-5 4 0 16,-3 12 368-16,-2 1 0 0,-4 4 0 0,1 6 0 15,-4 9-416-15,-6 5 32 0,-2-1 16 0,-5 12 0 16,3 4 176-16,-9 10 48 0,-6 1 0 0,1 11 0 15,-2 6-64-15,-2 8-16 0,-4 11 0 0,-6 14 0 16,0 3 224-16,-9 13 0 0,0 13 0 0,-4 3 0 16,0-3 160-16,-3 11 32 0,4 3 0 0,1 8 0 0,0-1 240 15,-7 11 48-15,-10 6 16 0,-4 10-14288 16</inkml:trace>
+</inkml:ink>
+</file>
+
+<file path=ppt/ink/ink8.xml><?xml version="1.0" encoding="utf-8"?>
+<inkml:ink xmlns:inkml="http://www.w3.org/2003/InkML">
+  <inkml:definitions>
+    <inkml:context xml:id="ctx0">
+      <inkml:inkSource xml:id="inkSrc0">
+        <inkml:traceFormat>
+          <inkml:channel name="X" type="integer" max="30347" units="cm"/>
+          <inkml:channel name="Y" type="integer" max="20231" units="cm"/>
+          <inkml:channel name="F" type="integer" max="65535" units="dev"/>
+          <inkml:channel name="T" type="integer" max="2.14748E9" units="dev"/>
+        </inkml:traceFormat>
+        <inkml:channelProperties>
+          <inkml:channelProperty channel="X" name="resolution" value="1000.23071" units="1/cm"/>
+          <inkml:channelProperty channel="Y" name="resolution" value="1000.04944" units="1/cm"/>
+          <inkml:channelProperty channel="F" name="resolution" value="0" units="1/dev"/>
+          <inkml:channelProperty channel="T" name="resolution" value="1" units="1/dev"/>
+        </inkml:channelProperties>
+      </inkml:inkSource>
+      <inkml:timestamp xml:id="ts0" timeString="2023-09-29T22:04:14.928"/>
+    </inkml:context>
+    <inkml:brush xml:id="br0">
+      <inkml:brushProperty name="width" value="0.05292" units="cm"/>
+      <inkml:brushProperty name="height" value="0.05292" units="cm"/>
+      <inkml:brushProperty name="color" value="#FF0000"/>
+    </inkml:brush>
+  </inkml:definitions>
+  <inkml:trace contextRef="#ctx0" brushRef="#br0">2139 3967 911 0,'-9'3'0'0,"1"4"0"0,4-1 0 0,1-5 0 16,1 1 0-16,-2 0 0 16,-4 3-192-16,-4 7 192 0,-6 0-128 0,-5 2 128 0,4 2 0 0,-2 1 0 15,4 1 0-15,1-2 0 0,1-1 0 0,1-3 0 16,0 4 0-16,3 2 0 0,-4-1 192 0,1 2-64 16,0 0 80-16,0 2 16 0,-2 2 0 0,6 1 0 15,-1-1 224-15,-3-1 64 0,2 6 0 0,0-3 0 16,3-3 0-16,-1 6 0 0,-4 2 0 0,0 1 0 15,3 4-64-15,-3-4 0 0,2 1 0 0,2-1 0 16,-4 2-240-16,3 2-48 16,3 0-16-16,-1-2 0 0,4-2-144 0,3-3 0 15,0-2 0-15,2-1 0 0,2-3 0 0,0-1 0 16,3-2-128-16,2 1 128 0,3-3 0 0,1-1 0 0,3-1 0 0,-4-2 128 16,1 0-128-16,1 1 0 15,4-1 0-15,-1 2 0 0,-3 1 0 0,4 1 0 0,-4 1 0 0,4 1 0 16,0-2 0-16,-1 2 0 0,5 1 0 0,-1-3 0 15,-19-17 0-15,0 0 0 0,0 0 0 0,99 71 0 0,-99-71 272 0,0 0-16 16,92 48-16-16,-92-48 0 16,0 0 224-16,0 0 48 0,115 55 16 0,-115-55 0 0,0 0-272 0,0 0-48 15,117 39-16-15,-117-39 0 0,0 0-192 0,0 0 0 16,112 27 0-16,-112-27 0 0,0 0 0 0,0 0 0 16,113 14 0-16,-113-14 0 0,0 0 336 0,113 7 80 15,-113-7 16-15,87 4 0 0,-87-4 16 0,0 0 0 16,129 14 0-16,-129-14 0 0,0 0-192 0,115 17-48 0,-115-17 0 0,0 0 0 15,112 9-208-15,-112-9 0 0,78-5 0 0,-78 5 0 32,91-13 0-32,-91 13 0 0,96-20 0 0,-48 7 0 15,3 3 208-15,-2-2 112 0,-7 5 0 0,-2-5 16 16,-4 5-80-16,-3-4-32 0,-3 4 0 0,1-2 0 0,4 4-96 0,-5-2 0 0,-1 0-128 0,5 2 192 0,-5 0-192 16,3 1 0-16,2-3 0 0,0 4 0 0,-34 3 0 0,74-14 0 31,-74 14 0-31,81-12 0 0,-81 12 0 15,78-12 0-15,-41 5 0 0,-2-4 0 0,-6 2 0 0,-1-3 0 16,2-5 0-16,-4-1 0 0,-4 1 0 0,-1 0 0 16,-1-1 0-16,0 1 0 0,-2-4 0 0,-2-2 0 15,-1-1 0-15,-3-6 0 0,-1 4 0 0,-4-5-128 16,2 3 128-16,-9-3 0 0,1-6 304 0,-2 0 160 16,-5-1 48-16,-1 0 0 0,0 1 480 0,-3 4 96 0,1 3 32 15,-3-3 0-15,-2-5-384 0,-3-5-80 0,-1-3-16 0,-3 3 0 16,0-1-368-16,-3-1-80 0,1 5 0 15,-6-5-16-15,1-4 80 0,-2 3 0 0,2-1 16 0,-5 0 0 16,0 6-272-16,0-5 0 0,-5 3 0 0,-4-2 0 16,-2 1 384-16,1 2 0 0,-3 2 16 0,1 5 0 15,9 4-16-15,-10 3-16 0,-1 0 0 0,-3 4 0 16,3-1-144-16,-6-1-32 0,3 4 0 0,-6-3 0 16,0 3-192-16,-1-3 0 0,-4 6 0 0,5 5 0 15,2 0 0-15,3 0 0 0,3 0 0 0,-3 6 0 16,-5-3 0-16,-1 8 224 0,-2 3-32 0,-6 3-16 0,-10 13 48 0,-8 1 16 15,-5 13 0-15,-4 6 0 0,-2 10-464 16,-7 6-96-16,0 7 0 0,-12 2-16 16,-4-2-656-16,4 6-128 0,6-2-32 15,-3 4 0-15,4 1-448 0,-4 4-112 0,-1 1-16 16,6 4-8160-16</inkml:trace>
+  <inkml:trace contextRef="#ctx0" brushRef="#br0" timeOffset="74709.97">14694 15192 2751 0,'-10'9'256'0,"1"-2"-256"0,4-3 0 0,2-1 0 16,-1 4 704-16,-3 0 80 0,-7 12 32 0,-10 4 0 15,-4 8 192-15,3-5 32 0,3 0 16 0,6-8 0 16,4-4 32-16,5-2 16 0,0-2 0 0,4-3 0 15,1-1 128-15,2 1 32 0,0-2 0 0,0-2 0 16,2 6-288-16,-2-4-48 0,1 0-16 0,3-3 0 0,1 2-336 0,-2-1-64 16,4-1 0-16,2-4-16 0,0-1-496 0,3-1 0 15,0-1 0-15,2-6 0 0,2 5 0 0,0-7-192 16,3 5 192-16,2-5-160 0,-2 6 160 0,3-3 0 16,1 5 0-16,-23 5-128 0,0 0 128 0,0 0 0 15,96-16 0-15,-72 16 0 16,1 4 0-16,-3 1 0 0,5 2 0 0,-7 3 0 0,3 2 0 0,-4 6 0 15,-1 4 0-15,-3 6 0 0,-6-2 0 0,0 9-128 16,-7 9 128-16,-2 8-128 0,-9 4 128 0,-2 3 0 0,-6 9 0 0,0 2 0 16,-4 5 0-16,0 1 0 15,-5 1 0-15,1-4 0 0,3-7 0 0,-5 7 128 0,1-5-128 0,-2-3 0 16,0-10 0-16,-1-4 0 0,-1-8 0 0,1-6 0 16,1 0 0-16,2-11 0 0,-1-2 0 0,5-5-128 15,1-8 128-15,0-9 0 0,0-4 0 0,5-5 0 16,1-7 0-16,2-5 176 0,5-7-48 0,-1-6 0 15,4-1 224-15,1-3 32 0,3-1 16 0,1 2 0 16,1 2-240-16,3-2-160 0,1 2 192 0,4-3-192 16,-2 2 0-16,5 5 0 0,-2-1 0 0,4 6 0 15,2-1 128-15,5 1-128 0,2 3 0 0,-1 0 0 16,3 6 0-16,-3 2 0 16,3 1 0-16,-3 2 0 0,3 5 0 0,1 3 0 0,0 2 0 0,0 2 0 0,-1 1 0 15,-3 4 0-15,4 0 0 0,0 5 0 16,4 0 0-16,-2 4 0 0,3 1 0 0,4 1 0 31,2-2-576-31,1 1-64 0,0 0 0 0,3-1-9600 0</inkml:trace>
+  <inkml:trace contextRef="#ctx0" brushRef="#br0" timeOffset="74984.17">16073 15738 1839 0,'2'-6'160'0,"-2"3"-160"16,0 1 0-16,3-3 0 0,-1 3 1920 0,0 0 368 15,3 1 64-15,2-5 16 0,3-1-544 0,2 2-96 0,2 0-32 0,-5 3 0 16,1 4-672-16,-4 5-128 0,-1 3-16 0,-2 6-16 16,1 3 304-16,-2 4 64 15,-2 3 16-15,0 9 0 0,0 3-32 0,0 2-16 0,1 6 0 16,1 1 0-16,0-4-208 0,0 8-32 0,-1-1-16 0,5 1 0 0,-1-1-688 15,2-1-128 1,3-4-128-16,-1-6 192 0,3-1-480 0,4-3-96 0,-4-6 0 0,4-1-13504 16</inkml:trace>
+  <inkml:trace contextRef="#ctx0" brushRef="#br0" timeOffset="75238.22">15874 15884 19343 0,'-9'14'848'0,"4"-7"192"0,3-2-832 0,2 4-208 0,4-6 0 0,1 1 0 16,0-3 1456-16,9 6 240 0,7 0 48 0,9-3 16 15,-30-4-1056-15,0 0-224 0,122 0-32 0,-122 0-16 16,0 0-432-16,122-18-144 0,-122 18 0 0,94-17 0 15,-94 17-32-15,111-19 0 0,-111 19 0 0,131-23 0 0,-131 23-112 0,127-28-32 16,-127 28 0-16,128-31 0 16,-128 31-672-16,130-38-144 0,-130 38-16 0,143-47-8768 15</inkml:trace>
+  <inkml:trace contextRef="#ctx0" brushRef="#br0" timeOffset="75853.11">17878 15238 7775 0,'-12'-9'336'0,"1"7"96"0,1 1-432 0,3 1 0 0,4 1 0 0,-1 1 0 15,1-2 1056-15,-3 3 128 0,-2 4 32 0,-3 0 16 0,6-3 576 0,3 5 112 16,7-6 32-16,4 2 32 0,3-5-944 0,4 2-176 16,3 0-32-16,0-2 0 0,2 2-144 0,4-2-48 15,-4 3 0-15,3-1 32 0,-1 1 16 0,1 1 0 16,-3-3 0-16,3 3 16 0,-1 3-384 0,0 0-64 15,1-4-32-15,-7 8 32 0,3-4-256 0,-8 3-160 16,-3-3 32-16,-6 5 128 0,-3 1-224 0,-5 2 80 16,-4 4 16-16,-7 4 128 0,-3 5-192 0,-5-4 64 15,-1 6 128-15,-2-4-192 0,-3 5-16 0,0-4-16 16,1 2 0-16,-6-3 32 16,3 0-480-16,1-3-96 0,2 0 0 0,-1-6 0 15,5-1 160-15,6-6 32 0,4 1 0 0,6-8 16 0,2-1 144 0,5-4 32 16,6-1 0-16,3-3 0 15,5-2-512-15,2 1-80 0,3-2-32 0,2 4 0 16,4-2-32-16,3 0-16 0,-1 5 0 0,2 0 0 0,-27 2 688 0,0 0 144 0,0 0 32 0,117 6 0 16,-89 4 192-16,2-5 0 15,-1 8 192-15,-1-3-192 0,2 2 144 0,-1 4-144 0,-2 0 0 0,-1 3 144 16,-4 2-144-16,-4 1 0 0,-2-1 144 0,-10 7-144 16,-2-2 0-16,-6 4 0 0,-5 1 0 0,-8 2 0 15,-1 0 448-15,-5 4 32 0,-2 1 0 0,-5 4 0 16,-1-2 480-16,-8 0 80 0,4 0 32 0,-2-2 0 15,4-3-368-15,0-2-80 0,1-3-16 0,0-2-6240 16,1-7-1264-16</inkml:trace>
+  <inkml:trace contextRef="#ctx0" brushRef="#br0" timeOffset="76213.57">18584 15069 6447 0,'-11'2'272'0,"4"-1"80"0,2 1-352 0,-2 0 0 0,6 1 0 0,-1-3 0 16,0 5 1216-16,-1 4 160 0,-1 5 32 16,-3 2 16-16,4 8 112 0,1-1 32 0,5-1 0 0,6-1 0 15,3 0-160-15,6 4-16 16,1-1-16-16,7 0 0 0,0 8-272 0,5 1-48 0,-3-2-16 16,4 6 0-16,3 3-400 0,-2 5-64 0,3-1-32 0,1-1 0 15,-1 6-416-15,3 1-128 16,-1 1 0-16,2 1 0 15,2-1-416-15,-4-4-192 0,1 2-32 0,-3-2-11152 0</inkml:trace>
+  <inkml:trace contextRef="#ctx0" brushRef="#br0" timeOffset="76513.2">19075 14976 9215 0,'2'9'816'0,"0"-4"-656"16,0 4-160-16,-1-4 0 0,4-1 1584 0,-5 3 272 16,2 0 64-16,-2 7 16 0,0 7 192 0,0 6 48 15,-5 10 0-15,-2 5 0 0,0 0-960 0,-5 1-176 16,-2 4-32-16,2 0-16 0,-6 2-64 0,3 0-16 15,-1 5 0-15,0-2 0 0,1 2-272 0,-3 3-48 16,4 1-16-16,-1-2 0 0,-1-2-432 0,0 1-144 16,0 5 0-16,-1-1 0 0,1-3 0 0,-1-6-256 15,1-1 32-15,1-7 0 16,1-2-1776-16,1-11-368 0</inkml:trace>
+  <inkml:trace contextRef="#ctx0" brushRef="#br0" timeOffset="77018.28">19725 14797 9215 0,'5'0'816'0,"-3"0"-656"15,2 0-160-15,-4 0 0 0,1 0 1216 0,-1 0 192 16,4 0 64-16,3 5 0 0,-4 2-256 0,3 2-64 16,-3 5 0-16,-1 0 0 0,-2 3-944 0,-2 1-208 15,0 3 0-15,-1-1 0 0,-1 1 0 0,3 2 0 0,-1 0 0 0,-3 3 0 16,1-2 352-16,1-1 48 0,1-1 16 0,0 3 0 16,2-4 480-16,-2 0 112 15,2-4 16-15,0-1 0 0,2-2-240 0,0 0-32 0,1-2-16 0,1-5 0 16,-1 3-560-16,4-5-176 0,2-1 0 0,2-1 0 15,1 1 0-15,2-2 0 0,1-2-160 0,3-2 160 16,-1-2-160-16,2 1 160 0,1 1 0 0,0-3-144 16,0-4 144-16,-1 4 0 0,-2-4 0 0,1 1 0 31,-1-3-560-31,-1 1-16 0,1-4-16 0,-3 3 0 16,2-4-432-16,-2-5-96 0,1 1-16 0,3-2-8304 0</inkml:trace>
+  <inkml:trace contextRef="#ctx0" brushRef="#br0" timeOffset="77225.5">20114 14475 9215 0,'-7'2'400'0,"0"-2"96"0,2 5-496 0,3 0 0 0,2 0 0 0,0-1 0 0,0 6 1856 0,0 4 288 0,2 16 48 0,-1 6 16 16,1 8 0-16,0 8 0 0,0 0 0 0,1 2 0 15,-1 2-560-15,-2 0-112 0,2 5-32 0,1 1 0 16,2 6-944-16,-1 4-192 15,-1 3-48-15,-1 1 0 0,-2 3-320 0,0-4 0 0,-2 0-160 0,-1-9-9184 16,3-2-1824-16</inkml:trace>
+  <inkml:trace contextRef="#ctx0" brushRef="#br0" timeOffset="78387.8">17707 16845 7359 0,'2'6'656'0,"2"1"-528"15,-3-4-128-15,-1-1 0 16,0-1 848-16,0 3 144 0,0 5 32 0,0 3 0 0,0 5-304 0,0 2-48 16,-7 1-16-16,2-3 0 0,-2 0-32 0,-2-3-16 15,1-1 0-15,-3 1 0 16,1 1 256-16,1-1 48 0,-1-2 16 0,1 2 0 0,0 0 128 0,1-3 32 15,1 3 0-15,1-4 0 0,-1 0-256 0,2 3-64 16,2-5 0-16,1 5 0 0,2-6-448 0,-2 3-80 16,4-5-32-16,-2-1 0 0,5 1-208 0,0-2 0 15,4-3 0-15,0 2 0 0,1-2-128 0,2-2 128 0,2 2 0 0,2-1 0 16,0 1-144-16,1-2 144 16,4 0 0-16,2-1-144 0,1 1 144 0,2-2 0 0,-26 4 0 0,0 0 0 15,96-13 0 1,-96 13 0-16,0 0 0 0,98-21 0 0,-98 21 0 0,0 0 0 15,102-23 0-15,-102 23 0 0,0 0 0 0,103-17 0 16,-103 17 128-16,0 0-128 0,103-7 544 0,-103 7 32 0,0 0 16 0,115-16 0 16,-115 16-224-16,0 0-48 0,136-26-16 0,-136 26 0 15,0 0-176-15,132-39-128 0,-132 39 192 0,96-34-192 16,-96 34 0-16,94-39 0 0,-94 39 0 0,103-45 0 16,-103 45 0-16,96-38 0 0,-96 38-160 0,0 0 160 15,133-40 0-15,-133 40 0 0,0 0-144 0,99-20 144 0,-76 19 0 16,-3-1 0-16,0 5-128 0,-5-1 128 0,3 3-208 0,-8 6 16 15,1-4 0-15,-4 7 0 16,1 0-560-16,-4 3-96 0,-1 2-32 0,1 2 0 16,-3 2 272-16,1-2 48 0,-2 7 16 15,0-4 0-15,2-1-112 0,-2 3-32 0,3-2 0 0,-1 1 0 16,-2-6-400 0,0 2-64-16,0-2-32 0,0-4 0 15,0 1-96-15,0-4-32 0,0-3 0 0,0-4 0 0,0 0 800 0,2-5 176 0,1 0 16 0,1-1 16 0,1-6 304 0,2 2 0 0,0-6 0 16,2 2 0-1,0-5-192-15,1-1 64 0,2-3 128 0,0-1-208 0,2 4 208 0,-5-6 0 16,5-4 0-16,0 1-144 16,3-6 144-16,-3 4 0 0,2-7 0 0,1 3 0 0,1 1 0 0,1-3 0 0,0 6 0 0,2-3 0 15,0 4 0-15,2 3 0 16,-1 4 0-16,1 3 128 0,0 6-128 0,-3 0 128 0,-2 4-128 0,5 3 128 16,1 0-128-16,-3 4 0 0,2 0 128 0,1 3-128 31,2-3 944-31,-3 5 112 0,3-2 32 0,2-1 0 0,0 1 32 0,5 2 16 0,2 0 0 0,-35-7 0 0,74 14 256 15,-74-14 48-15,79 10 16 0,-79-10 0 0,92 12-608 16,-92-12-112-16,107 11-32 0,-107-11 0 0,108 3-576 16,-108-3-128-1,95-12 0-15,-95 12-11776 16</inkml:trace>
+  <inkml:trace contextRef="#ctx0" brushRef="#br0" timeOffset="111524.06">2608 6118 3679 0,'-26'28'320'0,"5"-9"-320"0,3 0 0 0,3-3 0 16,9-6 2912-16,-1 1 512 0,-1-1 96 0,-8 16 32 15,-8 13-2448-15,-11 9-480 0,-5 8-112 0,1 0 0 32,1-4-1344-32,2-5-272 0,-1 4-48 0,6-4-16 0,-1 0 976 0,6 0 192 0,2-2 0 0,-2-3 128 15,3 7 912-15,-2-4 192 0,3 5 48 0,-3-3 0 16,4 4-208-16,-1 1-48 0,1-5 0 0,0 5 0 15,0 1-640-15,0 1-144 0,-1 1-32 0,2 1 0 16,6 2-208-16,-1-1 0 0,3 1 0 0,3-1 0 16,4 2 0-16,1-5 0 0,6-3 0 0,3-4 0 0,2 0 0 0,5-4 0 15,2-3 0-15,7-3 144 0,7-4 320 0,5-5 64 16,-33-28 16-16,80 45 0 0,-80-45-32 0,96 28 0 16,-96-28 0-16,99 19 0 0,-99-19-304 0,102 16-64 15,-102-16-16-15,102 3 0 0,-102-3 128 0,114-3 0 16,-114 3 16-16,134-16 0 0,-134 16 176 0,148-24 16 15,-148 24 16-15,134-31 0 0,-134 31-288 0,122-33-48 16,-122 33-16-16,117-41 0 0,-117 41-128 0,120-40 0 16,-120 40 0-16,115-43 0 0,-115 43 0 0,105-51 0 15,-105 51 0-15,88-45 0 0,-88 45-256 0,70-56 32 16,-38 21 0-16,-1-3 0 16,-3-5-208-16,-6-1-32 0,-6 8-16 0,-2-8 0 0,-5-7 288 0,-4 3 192 15,-3-3-208-15,-4-1 80 0,2 1 128 0,-7-3 0 0,4 0 0 0,-3 0 0 16,-1-3 0-16,0-1 0 0,0-2 0 0,-3-1 0 15,0 3 0-15,-8 2-128 0,1 6 128 0,-4-2 0 16,-2-1-160-16,-5 1 160 16,-3 5-192-16,-6-3 192 0,-6 4 0 0,-13-1 0 0,-9 5 0 0,-9 4 0 15,-8 5 0-15,-7 10 0 0,-9 6 0 0,-8 13 0 16,-4 6-624-16,-15 7-112 16,-3 5-32-16,-9 12-10640 0</inkml:trace>
+  <inkml:trace contextRef="#ctx0" brushRef="#br0" timeOffset="146461.15">2618 9445 9215 0,'-14'1'816'0,"2"-1"-656"0,3-1-160 0,6 1 0 16,1 0 880-16,-6-2 144 0,-6 0 16 0,-11 0 16 15,-3-3-432-15,-5 2-96 0,0-2-16 0,5-1 0 16,-1-2-224-16,2 6-48 0,3-3-16 0,1 3 0 0,1 0 208 0,1 2 32 15,0 2 16-15,2 1 0 16,0 3 240-16,-6-1 48 0,3 7 16 0,-3-2 0 0,-4 1-176 0,-3 3-32 16,-4 0-16-16,-1 0 0 0,2 1-176 0,-1 3-16 15,2-2-16-15,5-1 0 0,-1 1-128 0,6 1-32 16,3-1 0-16,-4 1 0 16,5 4-192-16,0 4 0 0,5 1 128 0,1 2-128 0,2 0 0 0,-1 3 0 15,5-2 0-15,2 5 0 0,1-3-160 0,2-1 32 16,4 4 0-16,3-4 0 0,5-2 128 0,3 1-192 15,2-2 192-15,3-1-192 0,4-5 192 0,4 0 0 16,6-2 0-16,-31-19 0 0,0 0 0 0,120 40 0 16,-120-40 0-16,101 8 0 0,-101-8 0 0,117-3 256 15,-117 3-48-15,115-16 0 0,-115 16-208 0,113-22 0 0,-113 22 128 0,133-33-128 16,-133 33 128-16,151-42 0 0,-151 42-128 0,166-44 192 16,-166 44 0-16,146-49-16 0,-146 49 0 0,127-45 0 15,-127 45-176-15,114-40 0 0,-114 40 0 0,115-40 0 16,-115 40 0-16,111-38 0 0,-111 38 0 0,98-44 0 15,-98 44 0-15,82-40 0 0,-82 40 128 0,66-36-128 16,-36 18 0-16,-6-3 0 16,-3 0 0-16,-5-3 0 0,-10-2 0 0,-6 1 0 0,-3 5 0 0,-7-5 0 0,-6-1 0 15,-5 2 192-15,-3-3-64 0,-6 0 0 16,-3-1 288-16,-6-2 48 16,-9 4 16-16,-8-4 0 0,-7-4-320 0,-7 2-160 0,-3 1 160 0,-5-2-160 0,-2 0 0 0,-4 1-128 15,-1 1-16-15,-9 5 0 16,-4 1 0-16,-1 12 0 0,6 2 0 0,-3 11 0 15,2 9-384-15,4 6-80 0,-1 13-16 0,-1 11-10640 16</inkml:trace>
+  <inkml:trace contextRef="#ctx0" brushRef="#br0" timeOffset="44325.03">14801 2136 8287 0,'-4'7'736'0,"1"2"-592"0,1-5-144 0,2-3 0 16,0-1 400-16,-3 4 48 0,-3 3 16 0,-2 5 0 15,-5 5-144-15,-1-1-48 0,2-2 0 0,-5-5 0 16,1-2 560-16,2-2 96 0,-3-2 32 0,5-1 0 16,-6 0 64-16,1-4 32 0,-2 0 0 0,-1-1 0 0,1-2-320 0,0-1-64 15,-5 1-16-15,-1 2 0 0,1 3-448 0,1 1-80 16,-6 3-128-16,2-1 176 0,3 6-176 0,1-4 0 15,6 1 0-15,1-1 0 0,8 0 0 0,2-1 0 16,1-3 0-16,5 1 0 0,5-2-144 0,2 0 144 16,6 0-192-16,0 0 192 15,7-2-528-15,2 1 0 0,-22 1 0 0,0 0 0 0,0 0 128 0,101 5 16 16,-101-5 16-16,0 0 0 16,0 0-336-16,81 45-64 0,-64-31 0 0,-1 5-16 0,-1 0 304 0,1 6 64 15,-2-1 16-15,0-1 0 0,0 1 400 0,-4 2 0 0,1-1 192 0,-3 2-64 16,-2-2 176-16,-3 1 32 15,1 5 16-15,-4 1 0 0,0-3 32 0,-4 3 16 0,-1 1 0 0,-6-2 0 16,3 4 80-16,-10 0 16 16,3 0 0-16,-3-6 0 0,-1 1 32 0,-2-8 16 0,0-4 0 0,0-4 0 15,-5-6 32-15,0-1 16 0,-2-5 0 0,-1-9 0 16,1 2-256-16,0-5-48 0,0-4-16 0,2-4 0 16,5 3-432-16,0-5-96 0,3 3 0 0,3-2-16 31,3 3-944-31,1 6-176 0,2-1-32 0,1 4-16 0,3-1-208 0,-4 4-32 0,4-5-16 15,1-1-4064-15</inkml:trace>
+  <inkml:trace contextRef="#ctx0" brushRef="#br0" timeOffset="44633.97">15332 1671 9215 0,'-5'13'816'0,"0"-3"-656"0,1 0-160 0,1-4 0 15,1 2 832-15,-1 3 128 0,-4 13 16 0,-6 16 16 16,1 11-96-16,-2 11-32 0,6-2 0 0,1-1 0 15,3 0 208-15,4 0 32 0,0 8 16 0,4-1 0 16,1 0 32-16,0 2 0 0,0 3 0 0,0-1 0 16,1-2-704-16,1 2-128 0,-4 3-16 0,2-4-16 31,-1 1-752-31,-1 0-160 0,1-2-16 0,-4-7-9872 0</inkml:trace>
+  <inkml:trace contextRef="#ctx0" brushRef="#br0" timeOffset="45201.46">14848 2647 7359 0,'-5'-18'320'0,"3"8"80"0,2 5-400 16,2-2 0-16,-1 3 0 0,3 1 0 0,-2-1 976 0,3 2 112 0,9-3 32 0,3-3 0 16,2 2-32-16,-19 6-16 0,0 0 0 0,0 0 0 15,122-3-160-15,-122 3-16 0,0 0-16 0,134-14 0 16,-134 14-464-16,95-16-96 15,-95 16 0-15,97-17-16 0,-97 17-304 0,91-14-144 0,-91 14 16 0,0 0 0 16,123-11-704-16,-123 11-128 0,0 0-16 0,105 0-16 16,-105 0-704-16,0 0-144 0,0 0-16 0,92-5-16 15,-78 3 608-15,0-1 128 16,-5-2 32-16,0 1 0 0,-6 1 784 0,-1 1 176 0,-2-1 144 0,-4-3-208 0,3 5 208 0,-8 1 0 16,0 0 0-16,-3 3 0 15,-4 4 192-15,-1 0 0 16,-2 5-16-16,-2-1 0 0,-4 8 320 0,1 3 64 15,-4 3 16-15,2 1 0 0,2 7 416 0,1 4 96 0,0 3 0 0,4 0 16 0,2 3 176 0,3 1 48 16,2-1 0-16,1 4 0 0,8-5-448 0,1-5-96 16,4-2-16-16,5-8 0 0,3-4-592 0,6-4-176 15,1-3 0-15,-17-16 0 32,0 0-272-32,0 0-128 0,105 26-32 0,-105-26 0 0,0 0-352 0,106-28-80 0,-106 28-16 0,66-38 0 15,-38 15-32-15,-2-1-16 0,-5-4 0 0,-3 0 0 16,-3-3 112-16,-2-4 32 0,-1 0 0 0,-5 4 0 15,0 1-176-15,-4-5-16 0,-1 2-16 0,1 4 0 0,-3-4 608 0,0 6 112 0,-3-2 16 0,3 3 16 16,0 3 832-16,-2 0 176 0,2 4 16 0,0 5 16 16,0 2 224-16,0 5 32 15,0 2 16-15,0 7 0 16,-2 5 144-16,1 1 16 0,-3 10 16 0,-1-4 0 0,5 1 272 0,-7 5 48 0,2 6 16 0,-2 8 0 16,2 5-496-16,-1-1-80 15,1 2-32-15,2-2 0 0,-1 1-672 0,4-4-144 0,4-1-32 0,-1-6 0 16,8-3-1408-1,2-8-304-15</inkml:trace>
+  <inkml:trace contextRef="#ctx0" brushRef="#br0" timeOffset="45438.46">16390 2514 2751 0,'-23'20'256'0,"8"-7"-256"16,2-2 0-16,5 1 0 0,4-5 1408 0,1 2 224 16,-1-1 48-16,-4 12 16 0,-3 13-64 0,-6 9-16 0,3 6 0 0,2 1 0 15,6 2 496-15,5-6 80 0,6 4 32 0,3-9 0 16,5-4-768-16,2-3-160 0,3-5-16 16,3 0-16-16,5-5-1264 0,-26-23 0 0,0 0-256 0,94 43-7696 15,-94-43-1552-15</inkml:trace>
+  <inkml:trace contextRef="#ctx0" brushRef="#br0" timeOffset="45658.22">17329 1621 23039 0,'-15'10'1024'0,"4"-4"192"0,2 2-960 0,2-1-256 15,4-2 0-15,-1 2 0 0,3 2 752 0,-12 9 96 16,-2 4 32-16,-4 13 0 0,-4 5 224 0,2 0 48 16,2 4 16-16,3-1 0 0,4 2-400 0,3 9-96 15,2 6-16-15,2 9 0 0,2 6-416 0,3 0-96 16,1 5-16-16,3 2 0 0,3-2-128 0,-2-1 0 16,9-1 0-16,-4 4 0 15,8-2-1280-15,1 0-192 0</inkml:trace>
+  <inkml:trace contextRef="#ctx0" brushRef="#br0" timeOffset="46007.84">17812 2049 11055 0,'-23'-1'976'0,"4"1"-784"0,0 0-192 0,3 0 0 16,6 1 720-16,1-1 112 0,-5 4 0 0,-9 3 16 16,-11 1 128-16,-10 5 32 0,-6 2 0 0,1 3 0 15,5-4 16-15,8 1 16 0,2 5 0 0,5-5 0 16,6 3-336-16,1-1-80 0,2 4-16 0,5 0 0 0,1 0-224 0,3-2-32 16,4 2-16-16,4-2 0 0,5-2-144 0,1 1-48 15,4-1 0-15,2 1 0 0,-1-3-144 0,3 3 128 16,5-1-128-16,-6 2 128 0,1 0-128 0,1 1 0 15,0-1 144-15,0 2-144 16,0 0 0-16,2-1 0 0,2 5 0 0,-2 1 0 16,0-5-432-16,3 2 0 0,2-4 0 0,4 2 0 15,-23-21-336-15,51 38-80 0,-51-38-16 0,0 0-5744 16,97 36-1152-16</inkml:trace>
+  <inkml:trace contextRef="#ctx0" brushRef="#br0" timeOffset="46824.72">19070 2370 2751 0,'-12'3'256'0,"7"1"-256"0,-4-1 0 0,2-1 0 0,3 0 1408 0,3-1 224 16,-6 1 48-16,-4 0 16 0,-3 5-256 0,-7 0-48 15,-5 0-16-15,0 2 0 0,0-2-304 0,0 1-64 16,3-1-16-16,1-2 0 0,2 4-32 0,3-4 0 16,1 1 0-16,1 1 0 0,2 0 64 0,-2-2 16 15,-1 3 0-15,2 1 0 16,2 5-288-16,-4 0-64 0,2-2-16 0,0 4 0 0,4 0-416 0,-2-4-64 16,5-2-32-16,0 2 0 0,3-3-160 0,4 2 0 0,4-4 0 0,3 3 0 31,5-3 0-31,2 3 0 0,2-1 0 0,3 0-176 0,0 0 176 0,4 3-208 15,-23-12 80-15,0 0 128 0,74 42-176 0,-74-42 176 16,51 36-128-16,-28-17 128 0,-6-1 0 16,-1-1 0-16,-4 1 0 0,-5-1 0 0,-2-3 128 0,-5 3 48 0,-2 1 16 0,-3-1 0 15,-4 2 512-15,-1 0 96 0,-6-1 32 0,-3-1 0 16,-2 1 32-16,-3-1 16 0,-2-1 0 0,-4 1 0 16,-1 1-192-16,-4-3-48 0,-2 3 0 0,1-3 0 15,-4 1-640-15,0-7 0 0,-1 3 0 0,5-7 0 31,3 0-1408-31,3-5-256 0,7-1-48 0,8-5-7840 0,6 3-1584 0</inkml:trace>
+  <inkml:trace contextRef="#ctx0" brushRef="#br0" timeOffset="47720.92">19422 2561 14735 0,'-2'11'1312'0,"1"-4"-1056"15,1 2-256-15,-2-4 0 16,0-4 368-16,0 8 16 16,-1 2 0-16,-6 11 0 0,0 10 160 0,-3 2 32 15,-2 1 16-15,2-3 0 0,2-1 400 0,-1 0 80 16,-3-3 16-16,2 5 0 0,2 4-176 0,-4-2-16 0,1 1-16 0,1 1 0 16,-2-4-688-16,2 2-192 0,2-2 0 0,-3-2 0 31,6-1-512-31,-3-2-160 0,3-4-32 0,2-6-16 15,1-6-864-15,4-7-160 0,0-2-48 0,2-3 0 16,3-3 864-16,-1-6 160 0,3 4 48 0,1-11 0 0,3-1 576 0,1-4 144 0,2 0 0 0,-2-3 0 16,6-11 256-16,-1-5 96 0,2-2 16 0,0-3 0 15,1 1-368-15,-3-3 0 0,0 4 0 0,-1 3 128 16,0 3-128-16,1-1 0 0,-1 3 0 0,1 2 0 16,-1 7 480-16,2 0 80 0,1-1 16 0,-2 6 0 15,2 4 176-15,-3 8 32 0,0-1 16 0,-1 8 0 16,-1 2-112-16,4 4-32 0,-3 6 0 0,-1-1 0 15,2 6 288-15,-4 1 48 0,2 5 16 0,-2 2 0 16,-1 5-288-16,-3 1-48 0,-6 6-16 0,-2 3 0 0,-2 8-384 0,-4-1-80 16,-1 4 0-16,-4-1-16 0,-1-2-176 0,0-3-144 15,3-1 144-15,-5-4-208 16,4-1-320-16,-1-7-64 0,2-6-16 0,1-3 0 16,2-4 96-16,-2-6 32 0,1-6 0 0,3-3 0 0,-1-4 96 15,3-3 0-15,1-4 16 0,2-8 0 16,3-3-304-16,3-4-64 0,0-7-16 0,5-4 0 15,0-3-32-15,4-4-16 0,0-4 0 0,3-1 0 16,2-7 224-16,0 6 32 0,-2-1 16 0,5 2 0 0,0-2 528 0,1-1 0 16,-2 4 0-16,1 5 0 0,-3 2 0 0,-2 6 0 0,0 3 0 0,-1 10 144 15,-3 4 176-15,-4 9 48 16,1 5 0-16,-3 4 0 0,-1 1 528 0,1 8 96 0,0-1 32 0,0 8 0 16,1 3 352-16,-1 10 80 15,1 4 16-15,-3 7 0 0,4 5-704 0,-6 8-128 0,2 8-16 0,0 2-16 16,-2 6-416-16,2-3-192 0,0-4 160 0,0-3-160 15,0-3-464-15,2-6-192 16,1-1-48-16,2-10-11488 0</inkml:trace>
+  <inkml:trace contextRef="#ctx0" brushRef="#br0" timeOffset="48191.9">20795 2563 6447 0,'9'0'272'15,"-6"0"80"-15,3 0-352 0,-3 0 0 0,-1 0 0 0,-2 0 0 0,3 0 1280 0,-3 4 192 0,2-4 48 0,-2 1 0 16,0-1 608-16,-2 0 128 0,-3 2 32 0,-2-2 0 16,-2-2-384-16,-1 2-80 0,0-1-16 0,-3 1 0 15,-4-4-704-15,1 4-144 0,-1 4-16 0,-1-3-16 16,-1 3-400-16,-2 1-80 0,-1 4 0 0,1-1-16 0,-2 8-432 0,-1 2 0 15,-1 4 0-15,3 3 0 16,-3 6-416-16,3 2 32 0,2 5 16 0,5 2 0 0,3 2 160 0,1 5 16 31,6 0 16-31,1 0 0 0,6-5-144 0,3-4-48 0,2-3 0 0,6-9 0 32,4-1-400-32,2-8-64 0,4-1-32 0,3-4 0 15,-3-7-528-15,-23-5-96 0,0 0-32 0,95-19 0 16,-95 19 48-16,65-36 0 0,-36 11 0 0,-1-4 0 15,-1-1 192-15,-5-3 64 0,1-2 0 0,-2-2 0 0,-2 1 656 0,-2-1 144 0,1 6 32 0,-4-2 0 0,0 1 384 0,-6 5 0 16,5-3 0-16,-8 4-128 0,0-2 704 0,2 5 128 16,-5 2 48-1,-1 2 0-15,1 4 1024 0,-2 6 208 0,-2 2 32 0,1 7 16 16,-5 9 48-16,1-1 16 0,0 10 0 0,-4 4 0 16,1 3 384-16,1 4 80 0,-6 8 0 0,1 1 16 15,0 4-2576-15,0 0-384 0,5 1-128 0,-4-4-48 16,8-3-112-16,1-8-32 0,6-2 0 0,1-10-8704 15,4-6-1728-15</inkml:trace>
+  <inkml:trace contextRef="#ctx0" brushRef="#br0" timeOffset="48523.29">21529 2199 13823 0,'-19'0'608'0,"5"0"128"0,2 2-592 0,1 0-144 0,4 3 0 16,0-2 0-16,-2 3 672 0,-5 0 96 0,-10 10 32 0,-6 5 0 16,-1 3 800-16,5 1 176 0,5-4 16 0,5 0 16 15,8-4-320-15,2-1-64 0,6 1-16 0,4-1 0 16,3 1-768-16,3-1-176 0,4 1-16 0,-2 2-16 16,4 4-16-16,-2-2 0 15,0 2 0-15,2 1 0 0,-2 6-288 0,0-1-128 0,1 6 128 0,-4 2-128 16,3 1 896-16,-4-1 112 0,2 1 16 0,-1 0 0 15,-4 1-1024-15,0-3-128 0,-6-3-64 0,-2 2-16 32,-6-4-1136-32,-5 2-208 0,-1-1-48 0,-4-4-16 0,-2 3 1008 0,-2-5 208 0,3 2 32 0,-2-5 16 0,-3-2 144 15,-2-2 16-15,-1-2 16 0,0-1 0 16,2-4-1440-16,-2-2-304 16</inkml:trace>
+  <inkml:trace contextRef="#ctx0" brushRef="#br0" timeOffset="48821.79">21959 1428 3679 0,'-5'1'320'0,"3"3"-320"0,2 1 0 0,2-2 0 16,-2 1 2960-16,4-1 528 0,-1 6 96 0,2 2 32 15,2 9-2016-15,2 12-416 0,1 8-80 0,-4 0-16 16,-1 5 736-16,-3-1 144 16,-4 5 16-16,-3 1 16 0,-1 4-448 0,-1 4-80 0,-1 1-32 0,-3 5 0 15,-1 2-624-15,0 8-128 0,-2 0-32 0,2 1 0 16,-4 0-464-16,0 0-192 0,2-3 176 0,4-8-176 16,-4-1-480-16,4-2-192 15,-3 0-32-15,3-4-16 0,5-1-1728 0,-1-13-352 0,1 1-64 16,2-13-16-16,1 1-48 0,2-10-16 0</inkml:trace>
+  <inkml:trace contextRef="#ctx0" brushRef="#br0" timeOffset="49011.96">21897 2995 911 0,'7'-14'0'0,"-2"4"0"15,-4 4 0-15,1-1 0 0,3 1 1072 0,6-19 128 16,10-24 16-16,7-17 16 0,7-14 432 0,-9 2 96 16,2 5 16-16,-9 12 0 0,-7 10-208 0,-2 13-32 15,-4 13-16-15,-3 6 0 16,-3 14 112-16,-2 5 32 0,-1 5 0 0,-1 9 0 0,3 5 400 15,-6 6 96-15,0 6 16 0,1 6 0 0,-2 4-800 0,1 5-160 0,2 6-16 0,-2 4-16 16,1-1-784-16,3 1-144 0,3 0-48 16,-2-4 0-1,4-3-528-15,1-2-128 0,4-5 0 0,0-6-9968 16,4-3-1984-16</inkml:trace>
+  <inkml:trace contextRef="#ctx0" brushRef="#br0" timeOffset="49249.27">22608 2359 8287 0,'-11'9'736'0,"1"-4"-592"16,4 4-144-16,3-4 0 0,1-1 1184 0,-3 4 208 31,-6 8 32-31,-4 8 16 0,-4 6 64 0,-1 7 16 0,6-3 0 0,6 1 0 0,4 0-160 0,1 0-16 15,6 0-16-15,-1-2 0 0,5 2-1120 0,-2 0-208 16,2 1 0-16,0-3-7040 16,0-3-1344-16</inkml:trace>
+  <inkml:trace contextRef="#ctx0" brushRef="#br0" timeOffset="49522.37">22916 2239 12895 0,'-5'14'576'0,"3"-7"112"0,2 4-560 0,0-6-128 0,2 3 0 0,-4-2 0 0,2-1 1024 0,-2 12 160 15,0 11 32-15,-3 5 16 0,0 13 736 0,-7-1 144 16,1 2 16-16,-3 0 16 0,4 0-416 0,-2 0-96 15,0 3-16-15,-1-3 0 0,5 2-912 0,-5-5-176 16,5 5-32-16,-3-6-16 0,3-1-480 0,-3-4-160 16,4-5 0-16,-2-3 0 15,1-4-1280-15,1-5-256 0,2-2-48 0,1-3-10736 16</inkml:trace>
+  <inkml:trace contextRef="#ctx0" brushRef="#br0" timeOffset="49722.61">22991 2699 4607 0,'24'-51'192'0,"-8"11"64"0,0 0-256 0,-4 9 0 0,-5 10 0 0,-2 4 0 16,4-8 1360-16,6-20 240 0,8-16 32 0,5-14 16 16,-2 5 272-16,-5 20 48 0,-5 12 16 0,-6 13 0 15,-3 15 384-15,-3 6 64 0,-3 10 32 0,3 1 0 16,-4 8-544-16,0 6-96 0,-4 5-32 0,1 4 0 16,1 6-896-16,-1 4-192 0,-1 6-48 0,2 1 0 15,1 3-400-15,-3 3-64 0,4-3-32 0,-2 4 0 16,2 2-160-16,-1 0 0 0,1 1 0 0,-4-1 0 15,2 1-752-15,-1-1-128 16,1-2-16-16,2-5-9200 0,2-6-1824 0</inkml:trace>
+  <inkml:trace contextRef="#ctx0" brushRef="#br0" timeOffset="50339.15">23632 2168 15663 0,'-17'0'688'0,"5"3"144"0,3 1-656 0,-2-1-176 15,3-1 0-15,1 3 0 0,-2 4 864 0,-8 5 144 0,-11 8 16 0,-7 6 16 16,-7 9 688-16,4-1 128 0,6 3 16 0,3-3 16 16,4 1-320-16,4 1-64 15,4 1-16-15,3-1 0 0,4 0-432 0,4 2-96 16,5 2 0-16,1-4-16 0,7 1-576 0,1-6-112 0,6 0-32 0,0-3 0 31,5-4-512-31,6-5-96 0,-4-2-32 0,3-2 0 16,-24-17-960-16,0 0-192 0,85 28-32 0,-85-28-16 0,0 0-64 15,94-14-16-15,-94 14 0 0,0 0 0 0,102-52 16 0,-102 52 0 16,68-52 0-16,-41 20 0 0,1 1-448 0,-7-4-96 16,-2 0-16-16,-1 4 0 0,-4-1 576 0,0-2 128 15,-2-1 0-15,-3 0 16 0,-1 0 976 0,-4 2 192 0,-2 2 32 0,-6 5 16 0,2 3 304 0,-6 6 256 16,-1 3-64-16,-3 5 0 0,-1 5 1152 0,0 8 208 15,-1 6 48-15,-2 4 16 16,0 5 624-16,-1 6 128 0,3 4 32 0,-4 4 0 0,1 6-96 0,1 6 0 16,-1 7-16-16,-2 8 0 0,1 4-624 0,1 9-128 15,-1 4-32-15,-2 6 0 16,0 3-592-16,-1-1-112 0,1 0-32 0,-3 6 0 16,-2-2-256-16,-1-2-48 0,0 0-16 0,-3-7 0 0,1 0-192 0,-5-5-64 15,-1-3 0-15,1-8 0 0,2-7-192 0,-4-6-240 16,4-1 48-16,1-8 16 15,1-2-960-15,4-7-192 0,1-3-32 0,3-9-16 16,3-7-160-16,4-7-48 0,1-7 0 0,0-11 0 16,5-3-16-16,1-13 0 0,1-3 0 0,3-12 0 15,5 0 400-15,5-6 80 0,1-8 16 0,8-9 0 0,3-2 1104 0,7-17 336 0,6-8 16 0,4-8 0 16,1-9 864-16,3-1 192 16,0-3 16-16,0 6 16 0,0-2-704 0,-3 2-144 0,-6 6-16 0,-3 11-16 15,-5 10-336-15,-6 10-64 0,-1 9-16 16,-6 5 0-16,-3 4-400 0,-3 5-64 15,-6 2-32-15,-3 1-9744 0</inkml:trace>
+  <inkml:trace contextRef="#ctx0" brushRef="#br0" timeOffset="50466.13">22348 1866 16575 0,'-18'13'1472'0,"4"-5"-1168"0,11-2-304 0,1-3 0 0,2-1 0 0,-5 3 0 15,-4 9-208-15,-3 2 80 0,2 1 128 0</inkml:trace>
+  <inkml:trace contextRef="#ctx0" brushRef="#br0" timeOffset="161380.98">21400 11063 6447 0,'-2'2'576'0,"0"-1"-576"0,2 1 0 0,0-2 0 15,0 0 768-15,-1 0 32 0,-1 5 16 16,0 4 0-16,0 1-304 0,-5 6-64 0,4 1-16 0,-1 3 0 16,-1 2 160-16,4 4 48 15,-5 1 0-15,5-7 0 0,-3 7 384 16,4-7 96-16,0 5 16 0,0-4 0 0,2 5-240 0,-4 0-32 0,2-2-16 0,-2 4 0 0,1-2-400 0,1 4-96 15,-2-2-16-15,0 5 0 0,2 4-208 0,0-1-128 16,0 4 160-16,0 0-160 0,2 2 144 16,0 7-144-1,3 5 128-15,-2 2-128 0,4-2 400 16,-2-2 0-16,4 4 0 0,2-3 0 0,-3 3-144 16,5-2-16-16,-3-2-16 0,4 2 0 0,-2 2-224 0,0 0 128 15,1 1-128-15,-3 1 0 0,0 1-192 0,-1 0-144 16,-2 1-32-16,0-5 0 15,-5-2-304-15,1-1-64 0,1-2-16 0,-4 3 0 0,0-5 448 0,-2-2 96 16,0-5 16-16,-1-1 0 0,-4 2 192 0,2-5 0 16,-1-4 0-16,-1 0 160 0,2-2-160 0,-2-3 128 0,4 4-128 15,-4-6 128-15,5 2-128 0,0-6 0 0,2 1 0 16,0-4 128-16,4-2-128 0,-1-1 0 0,3-9 0 0,-3 4 0 16,4-6 0-16,0-2-176 0,-2 2 176 0,0-1-128 15,4-2 128-15,-4-1 192 0,2 1-32 0,0-2-16 16,0 2 240-16,-2-2 32 0,2 0 16 0,-3 2 0 15,-1 1-32-15,3 2 0 0,-1-1 0 0,-3 1 0 16,1-1-16-16,2 3 0 0,1-4 0 0,1 1 0 16,1-4-256-16,1 1-128 0,1-1 128 0,1-1-128 15,5-3 0-15,-2 1 128 0,1-4-128 0,3 1 0 0,3-2 352 16,3-1-16-16,0-2 0 0,-24 11 0 0,0 0-64 0,96-27-16 16,-96 27 0-16,0 0 0 0,119-21-96 15,-119 21-32-15,0 0 0 0,127-18 0 0,-127 18-128 0,0 0 0 16,138-5 0-16,-138 5 0 15,101-2 0-15,-101 2 0 0,102-1 0 0,-102 1 0 0,122 0 0 0,-122 0 0 16,119 3 0-16,-119-3 0 0,110 5 0 0,-110-5 0 16,96 9 0-16,-96-9 0 0,0 0-128 0,125 10 128 15,-125-10-160-15,0 0 160 16,120 6-784-16,-120-6-64 0,0 0-16 0,105-16 0 16,-105 16-96-16,0 0-32 0,0 0 0 0,104-40 0 15,-86 31 352-15,-3-6 64 0,-6 4 0 0,0-3 16 0,-7 0 128 0,-1-3 32 16,-2 3 0-16,-1-2 0 0,-3 1 144 0,-1-1 48 0,-1-2 0 0,0-2 0 15,0 0 544-15,2-4 112 0,-2-6 32 0,0-4 0 16,2-3 400-16,-4-3 80 0,2 2 0 0,0-8 16 16,2-2-240-16,0-8-48 0,2 0-16 0,1-7 0 15,2-5 160-15,-4-6 48 0,4-5 0 0,0-8 0 16,0 3-192-16,0-6-48 0,0 3 0 0,0-2 0 16,6-3-48-16,-3-4-16 0,0-3 0 0,3-1 0 15,1 8-224-15,-2 7-48 0,2 5-16 0,0-4 0 16,2 4-288-16,-1-6 128 0,-3 6-128 0,2 4 0 0,0 3 0 15,-1 10 0-15,1 7-240 0,1 4 80 0,5 5-48 16,2-4-16-16,4-1 0 0,2-5 0 16,4-4 224-16,-3-7-192 0,1 0 192 0,-4 0-14080 15</inkml:trace>
+</inkml:ink>
+</file>
+
+<file path=ppt/ink/ink9.xml><?xml version="1.0" encoding="utf-8"?>
+<inkml:ink xmlns:inkml="http://www.w3.org/2003/InkML">
+  <inkml:definitions>
+    <inkml:context xml:id="ctx0">
+      <inkml:inkSource xml:id="inkSrc0">
+        <inkml:traceFormat>
+          <inkml:channel name="X" type="integer" max="30347" units="cm"/>
+          <inkml:channel name="Y" type="integer" max="20231" units="cm"/>
+          <inkml:channel name="F" type="integer" max="65535" units="dev"/>
+          <inkml:channel name="T" type="integer" max="2.14748E9" units="dev"/>
+        </inkml:traceFormat>
+        <inkml:channelProperties>
+          <inkml:channelProperty channel="X" name="resolution" value="1000.23071" units="1/cm"/>
+          <inkml:channelProperty channel="Y" name="resolution" value="1000.04944" units="1/cm"/>
+          <inkml:channelProperty channel="F" name="resolution" value="0" units="1/dev"/>
+          <inkml:channelProperty channel="T" name="resolution" value="1" units="1/dev"/>
+        </inkml:channelProperties>
+      </inkml:inkSource>
+      <inkml:timestamp xml:id="ts0" timeString="2023-09-29T22:17:31.970"/>
+    </inkml:context>
+    <inkml:brush xml:id="br0">
+      <inkml:brushProperty name="width" value="0.05292" units="cm"/>
+      <inkml:brushProperty name="height" value="0.05292" units="cm"/>
+      <inkml:brushProperty name="color" value="#FF0000"/>
+    </inkml:brush>
+  </inkml:definitions>
+  <inkml:trace contextRef="#ctx0" brushRef="#br0">6633 10681 2751 0,'-2'7'256'0,"-4"-1"-256"16,2 0 0-16,2-4 0 0,1 0 176 0,-3 1-16 15,-3 3 0-15,-5 6 0 0,-4 2 32 0,-3 3 16 16,-4-1 0-16,4 0 0 0,-5-1 528 0,3-3 96 15,-2 1 32-15,2 1 0 0,2-2 16 0,0-4 0 16,3 3 0-16,1-4 0 0,4 2-384 0,-3-2-80 0,2-2-16 0,2 2 0 16,-3 0-96-16,1 0-32 0,-2 3 0 0,0-1 0 15,0 3-272-15,4 0 0 0,-4-3-176 0,2 5 176 16,3-4 0-16,2 3 0 0,0-3 0 0,2 0 0 16,3-1 192-16,-3 0 112 0,3 1 16 0,-1-1 0 15,3 1-176-15,-2-1-16 0,2 3-128 0,-2-1 192 16,2 3-192-16,-2 0 0 0,-1 0 0 0,3-2 0 15,-2 5 0-15,-1-3 0 0,3 0 0 0,0-3 0 16,3 4 0-16,-1-4-128 0,0-1 128 0,5 2 0 16,1-5 0-16,-1 4 0 0,7-3 0 0,-1-2 0 15,2 2 0-15,4-2-128 0,1 2 128 0,0-2 0 16,1-1 0-16,2-2-128 0,0 4 128 0,1-3 0 16,-1-1 0-16,1-1 0 0,-24-2 0 0,0 0 0 15,0 0 0-15,101 9 0 0,-101-9 0 0,0 0 0 0,0 0 0 0,108 1 0 16,-108-1 0-16,0 0 0 0,0 0 0 0,107 2 0 15,-107-2 0-15,0 0 0 0,0 0 0 0,120-10 0 16,-120 10 0-16,0 0 0 0,97-32 0 0,-64 15-128 16,-5-4 128-16,0-3 0 0,-3 3 0 0,-4-4 0 15,-2 1 0-15,-4-2 0 0,-1 5 0 0,-7 0 144 16,0 2-144-16,-2 0 192 0,-3 3 800 0,0-3 160 0,-4 1 48 0,-3-1 0 16,0 2-288-16,0-2-48 0,-1 1-16 0,-4-1 0 15,1 2-304-15,-5-2-64 0,2-1-16 0,-4 1 0 16,1 0-464-16,-3 0 0 15,-1 3 0-15,-4-3 0 0,-1-2 0 0,-2 0 0 0,-4 0 0 0,-5-3 0 16,2-2 0-16,-3 1 0 0,-1 3 0 0,-1-3 0 16,3-1 640-16,-2 5 128 0,2-1 16 0,6 6 16 15,3 2 16-15,0 9 0 0,-2 7 0 0,0 8 0 16,-4 9-176-16,3 13-16 0,-1 16-16 16,-1 12 0-16,1 18-800 0,-3 14-176 0,2 16-16 0,-1 19-12928 15</inkml:trace>
+  <inkml:trace contextRef="#ctx0" brushRef="#br0" timeOffset="41042.94">2421 7374 1151 0,'0'-4'0'0,"-1"1"0"0,1-1 0 15,0 4 0-15,0 0 0 0,0 0 0 0,-2-1 0 0,-2-3 0 16,1 1 304-16,-2-1-48 0,-2 4 0 0,0 2 0 0,-2 1 384 0,-1 1 64 16,-1 5 0-16,2-2 16 0,-6 3-80 0,1 0-32 15,2 3 0-15,-2-3 0 0,3 2-304 0,3-3-64 16,-3 3-16-16,2-3 0 0,1 0-16 0,-1-2 0 16,0 1 0-16,0-3 0 0,1 4 304 0,-1-2 64 0,-1-2 16 0,-1 4 0 15,-1-2 64-15,0 0 16 16,-4 2 0-16,-1-2 0 15,1 3-160-15,-3-5-16 0,0 6-16 0,-1-6 0 16,1-1-352-16,-2-1-128 0,2 4 0 0,-2-4 0 16,-1 3 0-16,-1-5 0 0,2 6 0 0,0 0 0 15,0-1 0-15,-1 2-128 0,-1 1 128 0,0 1 0 16,4-1 0-16,-5 7 0 0,-1 0 0 0,-4 1 0 16,3 0 0-16,-2-3 0 0,3 7 0 0,3-7 0 15,-4 4 0-15,3-1 0 0,0 0 0 0,4-3 0 0,0 2 384 0,1-4 64 16,3 4 32-16,-1-4 0 15,4-1-144-15,0 2-16 0,5 0-16 0,-4-3 0 0,4 2-304 0,0-3 0 16,4 3 0-16,-2-1 0 0,3-3 0 16,0 3 0-16,2-3 0 0,0-1 0 0,-2 6 0 0,2-6 0 15,0 5 0-15,0-2 0 0,0-3 0 0,2 4 0 16,-2-1 0-16,4 1 0 0,-1-1 0 0,1 4 0 16,3 0 128-16,-4-4-128 0,4 6 368 0,-2-4 16 15,2 0 0-15,0 2 0 0,2 0-384 0,-2 0 0 16,2 0 0-16,-1 0 128 0,-1 0-128 0,2-4 0 15,1 3 0-15,-1-3 0 0,2 1 0 0,-3-1 0 16,3-1 0-16,-1-1 128 0,4-1-128 0,-3 0 0 0,1 2 0 16,2-4 0-16,-2 1 0 0,2 2 0 0,0-3 144 15,-2-1-144-15,2 5 496 0,0-2-16 0,2 1 0 0,-2-1 0 16,-2 5-272-16,0-1-48 16,0 1-16-16,-1-3 0 0,-1 5 240 0,0-4 32 0,3 1 16 0,-3 3 0 15,1-4-432-15,1 2 0 0,2-1 0 0,0-3 0 16,1-2 0-16,5 1 0 0,0 0 0 0,3-6 0 15,-23-1 0-15,0 0 0 0,0 0 0 0,106 11 0 16,-106-11-128-16,0 0 128 0,86-4 0 0,-58 1 0 16,0-1 0-16,-1 1 0 0,-2-2-144 0,-1-2 144 15,2 1 0-15,-1 3 0 0,-1-4-128 0,2 0 128 16,-3 3 0-16,1-1-192 0,1 0 192 0,-1 2-160 0,1 1 160 0,-3 2 0 16,1-2 0-16,1 2 0 0,1 0 0 15,-1 0 0-15,-24 0 0 0,0 0 0 0,0 0 0 0,115 4 0 16,-115-4 0-16,0 0 0 0,99 1 0 0,-99-1 0 15,0 0 0-15,96-3-128 0,-96 3 128 16,0 0 0-16,93-2 0 0,-93 2 0 0,0 0 0 0,0 0 0 16,104 4 0-16,-104-4 0 0,0 0 0 0,0 0 0 15,98 26 0-15,-98-26 0 0,0 0 0 0,0 0 0 16,99 29 0-16,-99-29 0 0,0 0 0 0,0 0 0 0,113 30 0 16,-113-30 0-16,0 0 0 0,0 0 0 0,105 23 0 15,-79-20 0-15,-5 2 0 0,2 0 0 16,-1-1 128-16,-1-1-128 0,2-1 0 0,-1 0 0 15,-1 3 0-15,2-3 128 0,-23-2-128 0,0 0 0 0,0 0 0 0,96 9 0 16,-96-9 0-16,0 0 0 0,0 0 0 0,99 12 0 16,-99-12 0-16,0 0 0 0,0 0 0 0,101 15 0 15,-101-15 0-15,0 0 0 0,0 0 0 0,113 13 0 16,-113-13 0-16,0 0 0 0,91 0 0 0,-91 0-128 16,0 0 128-16,87-9 0 0,-87 9 0 0,0 0-128 15,91-17 128-15,-91 17 0 0,0 0 0 0,94-18 0 16,-94 18 0-16,0 0 0 0,96-14 0 0,-96 14 0 15,0 0 0-15,97-5 0 0,-97 5 0 0,0 0 0 16,105-2 0-16,-105 2 0 0,0 0 0 0,106-2 0 16,-106 2 0-16,0 0 0 0,101-6 0 0,-101 6 0 15,0 0 0-15,94-9-160 0,-94 9 160 0,0 0 0 16,94-11 0-16,-94 11 0 0,0 0 0 0,100-1 0 0,-100 1 0 0,0 0 0 16,111 1 0-16,-111-1 0 0,0 0 0 0,119 7 144 15,-119-7-144-15,0 0 128 0,111 11-128 0,-111-11 0 16,0 0 0-16,94 12 0 0,-94-12 0 0,0 0 0 0,95 7 0 0,-95-7 0 15,0 0 0-15,101 9 0 0,-101-9 0 16,0 0 0-16,113 5 0 0,-113-5 0 16,94 2 0-16,-94-2 0 0,106 3 0 0,-106-3 0 0,98 0 0 0,-98 0 0 15,87 0 0-15,-87 0 0 0,0 0 0 0,124 0 0 16,-124 0 0-16,89 5 0 0,-89-5 128 0,97 0-128 16,-97 0 0-16,108-5 0 0,-108 5 0 0,117-3 0 15,-117 3 0-15,105-11 0 0,-105 11 0 0,99-16 0 16,-99 16 0-16,101-17 0 15,-101 17 0-15,99-16 0 0,-99 16 0 0,114-15 0 16,-114 15 128-16,123-11-128 0,-123 11 0 0,119-17 0 16,-119 17 0-16,106-26 0 0,-106 26 0 0,108-30 0 0,-108 30 0 0,112-31 0 0,-112 31 0 15,129-35 0 1,-63 16 0-16,2 0 0 0,-4-1 0 0,-5 0 0 16,-5 0 0-16,-54 20 0 0,109-34 0 0,-109 34 128 15,102-37-128-15,-49 18 0 0,-1 0 800 0,5-1 80 0,-57 20 16 0,114-34 0 0,-60 16-768 0,-54 18-128 16,94-28 0-16,-51 11 0 0,-4 1 0 0,-39 16-128 15,82-33 128-15,-82 33 0 16,83-33 0-16,-83 33 0 0,89-31 0 0,-89 31-128 0,92-30 128 0,-92 30 0 0,93-24 0 16,-93 24 0-16,85-18 0 0,-85 18 0 0,75-15 0 15,-75 15 0 1,0 0 0-16,101-23 0 0,-101 23 0 0,0 0-128 16,93-19 128-16,-93 19 0 0,0 0 0 0,83-18 0 15,-83 18 0-15,0 0 0 0,72-19 0 0,-53 12 0 16,-5-3 0-16,0 1 0 0,-2-1 0 0,-2 1-128 15,-1-1 128-15,-2-1 0 0,0-1 128 0,-2-4-128 0,-1 2 0 16,-4 0 0-16,0-3 0 0,-4 0 0 0,2-1 0 16,-4-1 128-16,0 2-128 0,-1-3 0 0,-1 1 0 0,-1-3 0 15,-5 1 0-15,2-2 128 0,0 4-128 0,-4 0 0 16,0 0 0-16,-5-1 0 0,0-1 0 0,0 2 0 16,1 0 0-16,-7 0 0 0,1 3 0 0,-2 2 0 15,-1-1 0-15,-1-1 0 0,2 0 0 0,-3 2 0 16,1 6 0-16,-1-4 128 0,-2 3-128 0,-2-3 0 0,-3 6 0 15,-6-4 0-15,2 5 0 0,-7-4 0 16,6 0 0-16,-1 4 0 0,6 2 0 0,-4-3 0 0,0 5 0 0,1 1 0 16,-7 1 0-16,3 5-128 15,0-1 128-15,-2-2 0 0,-2 1 0 0,-2 3 0 0,-4-2 0 0,-3-2-128 0,-3 1 128 16,5 1 0-16,4-1 0 0,2-1 0 0,4 1 0 0,-6 1 0 16,2 5 0-16,-3-6 0 15,4 6 0-15,-1-3 0 0,-4-2 0 0,-5 4 0 0,-1-4 0 0,1 1 0 16,0 1 0-16,3-2 0 15,0 0 0-15,1 2 0 0,-1 0 0 0,4-4 0 16,3 4 0-16,-2-1 0 0,-3-3 0 0,-5-1-128 0,-4 0 128 0,0-2 0 16,3 1 0-16,2-1 0 0,6 4 0 0,-1-4 0 15,-2 3 0-15,-1-1 0 0,4 2 0 0,-4-3 0 16,-3-1 0-16,-4 0 0 0,-2 0 0 0,-1 2 0 16,3 0 0-16,2-1-128 0,6 3 128 0,-6-2 0 15,1 1 0-15,1-1 0 0,0 0 0 0,-2-1-128 0,-3-1 128 0,-3 0 0 16,-1 2 0-16,2-2 0 0,3 2 0 0,2-2 0 15,2 2 0-15,0 1 0 16,0-1 0-16,1 0 128 0,1-1-128 16,-8-1 0-16,1 0 128 0,-1 0-128 0,2 2 0 0,2-2 0 0,-1 2 0 0,1-2 0 15,2 2 0-15,-1-2 0 0,5 0 0 0,-3 0 0 16,4 1 0-16,-4-1 0 0,-3 0 0 0,-3 2-128 16,0 0 128-16,3 1 0 0,3 1 0 0,-3-1 128 15,2 1-128-15,-2-4 0 16,2 3 0-16,-2 2 0 0,-4-1 0 0,-1-2 128 0,-2 3-128 0,3-5 0 0,8 3 0 15,-6 1 0 1,6-2 0-16,-3-2 0 0,3 1 0 0,-1 1 0 0,1 0 0 0,-6-2 0 0,-1 2 0 0,-2-1 0 16,-2 3 0-16,5 3 128 15,4-2 240-15,-8 2 48 0,1 2 16 0,-5-2 0 0,-4 5-240 0,-5-3-32 16,-11 6-16-16,2 1 0 16,5-2-144-16,-6 0 0 0,3 1 0 0,-4 1-176 15,2-2 176-15,-10-2 0 16,-7 2 0-16,5 0 0 0,6-2-512 0,1-1-32 0,0 4 0 0,-5-1-7312 15,-9 0-1456-15</inkml:trace>
+  <inkml:trace contextRef="#ctx0" brushRef="#br0" timeOffset="155812.35">16777 11362 6447 0,'0'0'576'0,"-2"-1"-576"0,2-1 0 16,0 2 0-16,-2-4 912 0,1 3 80 0,1-3 16 0,-7-1 0 16,0-4 336-16,1 1 64 0,-4-5 0 0,1 3 16 15,1-2-144-15,-1-4-48 0,0 6 0 0,2-6 0 16,2 0-336-16,-2 1-64 0,3-3 0 0,1 2-16 15,1 4-192-15,0-2-48 0,4 2 0 0,-2 3 0 16,-2 1-192-16,2 2-64 0,-1 0 0 0,-4-1 0 16,3 3-192-16,2 2-128 15,-2 1 160-15,0-1-160 0,1 2 0 0,-3 3 0 0,2-1 0 0,1 7 0 16,1-1 0-16,-6 10 192 16,5 1-16-16,-3 5-16 0,1 4-160 0,-1 0 128 15,-5 5-128-15,2 0 128 0,-1 0-128 0,1-1-256 0,0 1 64 16,-5-2 16-16,1 1-288 15,1-3-64-15,-1-4-16 0,-1 1 0 0,2-4 80 16,1-1 16-16,-5 0 0 0,2-5 0 0,1 0 288 0,3-8 160 0,-1 3-160 0,2-6 160 16,2-3 0-16,-1-2 0 0,5 0 0 0,-1-2 0 15,0-3-640-15,-1-6-48 16,3 4 0-16,-2-5 0 16,2 3 176-16,-2-3 16 0,2-4 16 0,0 4 0 0,0-3 480 0,0-1 0 0,0-3 0 0,0 1 0 0,0 1 0 0,2-4 192 15,0 0-48-15,3-5 0 0,-5 2-144 0,2-4 192 16,1-4-192-16,2-2 192 0,2-1-192 0,-1-4 0 15,2-1 0-15,3 2 0 0,3-2 0 0,-4 5 0 16,6 2 0-16,-2 7 0 0,3 3 0 0,-3 2 0 16,0 4 0-16,2 1 0 0,-2 2 0 0,3 0 0 15,-3 4 144-15,4-2-144 0,1 3 0 0,-19 9 0 0,0 0 0 0,0 0 128 16,96-38-128-16,-96 38 0 16,0 0 0-16,0 0 0 0,104-26-128 0,-104 26 128 0,0 0-128 0,0 0 128 15,101 10-224-15,-101-10 32 16,0 0 16-16,49 35 0 0,-37-19-320 15,-7-1-64-15,-1 3-16 0,-2 1 0 0,-6 4 576 0,-1-4 0 16,-2 0 0-16,-2 0 0 0,0-3 176 0,-3 5 32 16,-2-6 16-16,-1 1 0 0,-1 1-224 0,2-4 0 15,-2-5 0-15,1-1 0 0,-1-3 0 0,4-4 0 0,0-2 0 0,1-5 0 16,2 3 496-16,-1-4 48 16,1-3 16-16,2 4 0 0,-1-3-128 0,2 5-32 15,1-2 0-15,0-2 0 0,1 4-400 0,3-4 128 0,-1 4-128 0,2 1 0 0,0-1 0 0,-2 0-192 16,4 1 0-16,-2-1 16 31,2 2-464-31,-1-4-112 0,3 3-16 0,-2 3 0 0,-1-1-256 16,3-2-64-16,1 3-16 0,-1-5-5456 0</inkml:trace>
+  <inkml:trace contextRef="#ctx0" brushRef="#br0" timeOffset="156351.7">17272 11084 1839 0,'8'5'0'0,"-4"-2"160"0,3 3-160 0,2-5 0 16,-6 1 0-16,2-2 0 0,6 2 432 0,-1 0 48 15,-10-2 16-15,0 0 0 0,0 0-112 0,112 7-32 16,-112-7 0-16,0 0 0 0,89 7 592 0,-89-7 112 16,0 0 32-16,0 0 0 0,111-7-528 0,-111 7-112 15,0 0 0-15,0 0-16 0,0 0-48 0,92-25 0 16,-79 20 0-16,-3-4 0 0,-1 4 480 0,0-4 96 0,-2 1 0 0,-4 1 16 15,2-6-192-15,-6 5-32 0,-5-3-16 0,-1 3 0 16,0-5-544-16,-7-1-192 0,-1 6 0 0,-3-4 144 16,1 5-144-16,-4-6 0 0,-2 6 0 0,1 0 0 15,-1 2 0-15,-1 5 0 0,1 0 0 0,0 2 0 16,2 5 256-16,-3 2 32 0,3 5 0 0,0 0 0 16,2 1 448-16,2 3 96 0,3 1 0 0,3 0 16 15,6 4 96-15,-2-8 16 0,5 4 0 0,4-1 0 16,0-1-272-16,5 1-48 0,-4-1-16 0,4 0 0 0,4 1-176 0,1-4-48 15,2 0 0-15,1 0 0 0,3-2 400 16,-1-2 80-16,1 4 16 0,1-2 0 0,-19-12-176 0,0 0-16 16,66 39-16-16,-66-39 0 0,0 0-432 0,77 38-96 15,-77-38-16-15,0 0 0 16,83 24-480-16,-83-24-112 0,0 0 0 0,0 0-9808 16,112 0-1968-16</inkml:trace>
+  <inkml:trace contextRef="#ctx0" brushRef="#br0" timeOffset="156900.68">18185 11065 2751 0,'0'5'256'0,"2"3"-256"0,-1-4 0 0,1-2 0 16,0-1 1488-16,1 1 256 0,6 3 48 0,-2 6 16 0,7-2 112 0,3 3 32 15,1-5 0-15,-18-7 0 0,0 0-512 0,0 0-96 16,0 0-32-16,99-2 0 0,-99 2-192 0,0 0-32 16,0 0-16-16,89-24 0 0,-89 24-432 0,0 0-96 15,0 0-16-15,0 0 0 0,89-37-528 16,-79 32 0-16,-3 0 0 0,0-4 0 0,-5 4 0 0,-2-6 0 15,0 6 0-15,0-6 0 16,-2 6 0-16,-1-3 0 0,-1-3 0 0,1 2-144 16,-1-1 144-16,1-4 0 0,-4 4 0 0,0-4 0 0,2 0 0 0,-6 2 0 15,2-2 0-15,-4-2 0 16,0 5 0-16,-2-1 0 0,-1-2 0 0,-1 7 0 0,-3 0 0 0,-1 4-128 16,-1 1 128-16,-1 6-128 0,0 4 128 0,1 1 0 15,3 3 0-15,1 2 0 0,4 4 0 16,0 1 0-16,4 2 0 0,3 0 0 0,2 1 352 15,3-1 48-15,4 7 16 0,-1 0 0 0,6 1 416 0,-1 1 64 0,-1 5 32 16,4 0 0-16,-2 3-176 0,1 0-48 0,1 1 0 16,5-4 0-16,-4-2-128 0,4-6-16 0,4 3-16 15,3-6 0-15,3-4-400 0,-24-20-144 0,0 0 0 0,106 24 144 16,-106-24-336-16,94-10-80 0,-94 10-16 16,103-37 0-1,-103 37-1056-15,89-56-192 0,-47 20-64 0,-5-1-7744 0,-3 2-1536 16</inkml:trace>
+  <inkml:trace contextRef="#ctx0" brushRef="#br0" timeOffset="157298.01">19365 10145 7359 0,'-6'2'656'0,"1"1"-528"16,5 1-128-16,0-3 0 0,0 1 1408 0,-2 2 240 0,-3-1 48 0,-2 9 16 15,-3 0 48-15,-2 6 16 16,1-1 0-16,1 1 0 0,-1-1 128 0,2 2 16 0,2 0 16 0,0-1 0 15,4 1-272-15,1 0-64 0,-1 0-16 0,1 2 0 0,0 5-592 0,1 0-112 16,-1 4-32-16,-3 0 0 0,3 6-224 0,-5 1-48 31,2 1-16-31,1 2 0 0,1 5-224 0,-3-1-32 0,3 0-16 0,-1 6 0 0,-1 4-288 0,2 4 0 16,-4 1 0-16,0 0 0 0,0-2 0 16,0 1 0-16,0-2 0 0,0-2 0 0,2-6-176 0,-1-2 176 15,3-4-192-15,-2-4 192 31,3-3-672-31,2-4-32 0,4-3 0 0,2-2 0 0,3-3-1248 0,5-8-256 0,4-6-48 0,-18-9-11312 16</inkml:trace>
+  <inkml:trace contextRef="#ctx0" brushRef="#br0" timeOffset="157644.59">19697 10615 12895 0,'-1'2'1152'0,"1"-2"-928"0,0 2-224 0,0-1 0 16,0 5 1536-16,-2-1 272 0,0 2 48 0,-5 8 16 15,-3 5-352-15,-4 7-80 0,-2 1-16 0,-3 2 0 16,0-2-704-16,-2 0-144 0,-2 1-16 0,2-3-16 0,0 2-368 0,-3-5-176 16,5 3 160-16,-2-5-160 0,0 0 0 0,0 0 0 15,2-4 0-15,1 1 0 0,1-1 0 0,1-1-128 16,4-2 128-16,-5 1 0 0,5-1 0 0,3 0 0 15,0-2-128-15,4 2 128 0,1-1 0 0,4-1-128 16,0 2 128-16,4-4 0 0,3 1 0 0,2 1-128 16,3-5 128-16,2 5 0 0,3-3 0 0,1 3 0 15,1 0 0-15,-2 0 0 0,4 4 0 0,2 1 0 16,-1 1 0-16,3 3 0 0,-3-1 832 0,1 5 80 16,-2 3 16-16,2 0 0 0,1 5-32 0,-3-2-16 15,5 4 0-15,2-6 0 0,0 1-528 0,-28-30-96 0,63 42-32 0,-63-42-15136 16</inkml:trace>
+  <inkml:trace contextRef="#ctx0" brushRef="#br0" timeOffset="166340.49">6166 11375 1839 0,'-5'-2'160'0,"3"0"-160"0,-3 0 0 0,3 2 0 16,2 0 256-16,-3-1 32 0,-4-3 0 0,-2 1 0 0,-1-6-288 0,-4 5 0 16,3 1 128-16,4-4-128 0,2 5 192 0,0 0-32 15,1 1 0-15,3 1 0 0,1 0 528 0,0 0 96 16,0 0 32-16,0 1 0 0,1 1 464 0,-2 3 112 15,1 1 16-15,0-3 0 16,-2 6 112-16,0 0 16 0,-1 1 16 0,1 0 0 0,-3-1-640 0,3 0-128 16,0-2-16-16,0 2-16 15,1-1-544-15,-1 3-208 0,2-4 176 0,0 3-176 0,2-3 0 0,-2 5 0 0,1-3 0 0,1 5 0 16,0 0 0-16,3 2 0 16,-3 1 0-16,0 4 0 15,1 0 192-15,-1 1 32 0,0 1 16 0,-1 0 0 16,3 5-240-16,1-6 176 0,-3-1-176 0,3-2 160 0,2-1-160 0,-2 1 0 15,0-2 0-15,1-3 0 0,1-2 0 0,-2 2 0 0,0-1 0 0,0-5 0 16,-1 4-128-16,-1-5 128 16,1 6 0-16,-1-6 0 0,-1 3 0 0,0-3 0 15,1 3 0-15,-1-3 0 0,-2 2 0 0,3-4 0 0,3 1 128 0,2-3-128 16,-2 2 0-16,2-1 0 16,-1-3 0-16,2 3 0 0,0-4 0 0,-4 2 0 15,4 1 0-15,-1 2 0 0,1 1 0 0,-2-3 0 0,2 1 0 0,0 1 0 16,-3 0 384-16,3 0 160 0,-2 1 32 0,0 0 0 0,4 1-288 0,-6-5-48 15,4 5-16-15,-1-5 0 16,1 1-224-16,-2-1 0 0,3 0 0 0,3-2 0 0,-1 0 0 0,0 0 0 16,0 0 0-16,2-2 0 0,2 0 0 0,-1-1 0 15,3-2 0-15,-2 3 0 16,-2 0 0-16,3 0 0 0,0-1 0 0,1-1 0 0,-3 1 0 0,3-2 0 16,1 3 192-1,-1 0-48-15,-1 2 208 0,-1-3 32 0,3 1 16 0,-2-1 0 0,1 1-64 0,1-5-16 16,-2 5 0-16,1-3 0 0,1 0-16 0,2-4-16 0,0 5 0 0,0-2 0 31,-1-1-128-31,0 3-32 0,1-1 0 0,-2-2 0 16,0 3-128-16,-3 3 128 0,-1-3-128 0,1 2 128 0,0 2-128 0,-2-1 160 15,1-1-160-15,3-2 160 0,-1 4-160 0,1-3 192 16,-1 1-192-16,0 0 192 0,4 1-192 0,-3 1 160 0,-1-2-160 0,1 0 160 31,-1 2-32-31,2 2 0 0,-5 0 0 0,2 1 0 16,-2-1 128-16,0 1 0 0,1 4 16 0,-4-3 0 0,3 1-80 15,0 2 0-15,0 0-16 0,0-5 0 0,1 3-176 0,1-1 0 16,1-1 0-16,-3-1 128 0,4-1-128 16,-3-1 0-16,1 0 0 0,0 0 0 0,1 0 0 0,1 0 0 15,1 0 0-15,-2 2 0 0,1 0 240 0,-3-2 16 16,1 2 0-16,0 1 0 0,-2 4-48 0,1-2 0 16,-4 1 0-16,1 1 0 0,2 0-208 0,-7-2 0 15,5 3 0-15,-5-1 0 0,5 2 0 0,-3-2 0 16,1-2 0-16,1 2 0 0,-1-1 0 0,1-3 0 15,3-1 0-15,0 0 0 0,3-1 0 0,-5 3 0 16,2-4 0-16,2 0 0 0,1-4 0 0,3 3 0 16,-1-3 0-16,-2 2 0 0,4-3 128 0,-2-2 16 0,0 4 16 15,1-1 0-15,-1-1 48 0,-2-2 16 0,2 3 0 0,-1-1 0 16,-3 0-224-16,5-2 0 0,-6 2 0 0,1 0 0 16,1-1 0-16,-2 3 0 0,3 1 0 0,1-1 0 15,-4-1 0-15,1 1 0 0,-1-1 0 0,0 2 0 16,2-1 0-16,-4 3 0 0,4 0 0 0,-2-2 0 15,1 0 0-15,-1 2 0 0,0-1 0 0,0-3 0 16,2 3 0-16,-4-5 0 0,4 5 0 0,-2-1 0 16,0 2 0-16,3 0 0 0,-5-2 0 0,2 2 0 15,2 0 0-15,0 2 0 0,-3-2 0 0,1 2 0 16,4-1 0-16,-1 1 0 0,-1 5 0 0,1-4 0 16,-3 1 0-16,2-2 0 0,-2 5 0 0,2-4 0 15,1 2 0-15,0-3-128 0,3 3 128 0,-3-1 0 0,2-1 0 0,0-1 0 16,1 2 0-16,-1-3 0 0,-2 1 0 0,2 0 0 15,1 3 0-15,-7-3 0 0,3 1 0 0,-2-1 0 16,-2 0 0-16,-1-1 0 0,1 1 0 0,-2 0 0 16,1 0 0-16,3 1 0 0,-4 1 0 0,2-3-128 15,2 3 128-15,-3-4 0 0,-1 2 0 0,1-1 0 16,1 1 0-16,0-2 0 0,-3 4-144 0,3-3 144 16,-1 1 0-16,1 0-144 0,2 1 144 0,0-1-160 15,1 2 160-15,3-3-160 0,-3 4 160 0,-1-1 0 0,6-1 0 16,-8 1 0-16,2-1 0 0,-4 4 0 0,2-1 0 0,-3-3 0 15,0 4 0-15,-2-2 0 0,-2 0 0 0,0 1 0 16,0 1 0-16,1-4 0 0,-1 1 0 0,0-3 0 16,2 1 0-16,-3-2 0 0,1 0 0 0,0-2 0 15,0 1 0-15,0-1-160 0,-1 0 160 0,-1-1-160 16,3-1 16-16,-5-3 0 16,1 5 0-16,0-3 0 0,0 2 144 0,-1-4 0 0,1 3 0 0,2-1 0 0,-3 0 0 0,3-2 0 15,-2 3 0-15,-2-3 0 0,1 1 0 0,1 0 0 16,2-1 0-16,-1-3 0 0,-1 5 0 0,3-8-160 15,-3 6 160-15,-1-5-208 16,3 2 208-16,-2-1-176 0,-1-1 176 0,-1 3-160 0,0-4 160 0,0 2 0 16,0-3 0-16,-1 0 0 0,2-1 0 0,-1 1 0 0,0-2 0 15,0-1 0-15,-1-1 0 0,1 1 0 16,1-1 0-16,-1 1 0 0,2-1 0 16,0 1 0-16,0 0 0 0,1-3 0 0,-1 3 0 0,-2-2 0 0,2 3 0 0,-2-3 0 31,1 2 0-31,-1-1 0 0,4-1 0 0,-2-2 0 0,3-2 0 0,-2 1 0 0,3 1 0 0,-1-2 0 15,2 1 0-15,-6-4 0 0,6 5 0 0,-1 1 0 16,1 1 0-16,-4 0 0 0,2 2 0 0,-1 1 0 16,1 4 0-1,-3-2 0-15,-2 0 0 0,0 5 0 0,2-3 0 0,-4 5 0 16,2-2 0-16,0 4 0 0,-2-2 0 0,-1 0 0 16,1 4 0-16,0-1 0 0,0 1 0 0,-1 1 0 15,-1 2 0-15,-3 0 0 0,2 0 0 0,-2 2 0 16,0 0 0-16,-1 1 0 0,-1-1 0 0,2 0 0 15,0 1 0-15,-2 2 0 0,2-3 0 0,2 1 0 16,-2 1 0-16,2-2 128 0,1-1-128 0,1 1 0 0,-2 3 0 0,-1-3 0 16,-1 2 0-16,0-3 0 0,-1 3 0 0,-1 3 0 15,-3-2 0-15,-2 0 0 0,0 0 0 0,2 2 0 16,-4 0 0-16,0-3 0 0,2 1 0 0,0-1 128 16,1-3-128-16,-1-1 0 0,-2 0 0 0,2-1 0 15,0-1 0-15,-3 0 0 0,1-1 0 0,0 1 0 16,-1 0 0-16,-4 2 0 0,0 0 0 0,-2 2 0 15,-1-2 0-15,0 2 0 0,-3 1 0 0,-1-1 0 16,1-2 0-16,-3 0 0 0,0-2 0 0,1-1 0 0,3 1 0 16,-2-2 0-16,3 4 0 0,1-3 128 15,0 1-128-15,-1-1 0 0,4 1 0 0,-1-2 0 0,2 3 0 0,-1-3 0 16,-1 4 0-16,-1-3-128 16,2-2 128-16,2-2 0 0,-2 3 0 0,0-1 0 0,2-4 0 0,2 6 0 15,-1-4 0-15,1-2 0 0,-1 4 0 0,1-4 0 16,0 0 0-16,-1 4 0 0,4-4 0 0,-3 2 0 15,-2 1 0-15,3-5 0 0,0 4 0 0,-1-3 0 16,1 3 0-16,-1-2 0 0,-1 2 0 0,-1 0 0 16,2 0 0-16,1 4 0 0,-3-3 0 0,1 5 0 0,-3-1 0 0,-1 2 0 15,1 0 0-15,0 2 0 16,2-1 0-16,0-1 0 0,1 2 0 0,-1 0 0 0,3 0 0 0,-1-1 0 16,3-1 0-16,-3 0 0 0,-1 0 0 0,-3 0 0 15,2 2 0-15,0-2 0 0,-2 2 0 0,2-2 0 16,-2 2 0-16,5-2 0 0,-1 0 0 0,-1-2 0 15,3 0 0-15,-3 0 0 0,3 2 0 16,-3-1 0-16,2 1 0 0,-3 0 0 16,0 0 0-16,-3 0 0 0,-1 1 0 0,0 1 0 0,-3 2 0 0,2 3 0 15,-1-2 0-15,3-2 0 0,-6 6 0 0,3-4 0 0,3-1 0 0,3 3 0 16,-4-2 0-16,4-2-128 16,3 1 128-16,-1-1 0 0,-3 3 0 0,3-3 0 15,-2 0 0-15,0-1 0 0,1 0 0 0,-1 0-128 16,2 3 128-16,-1-2 0 0,1 1 0 0,-1-1 0 0,-1 3 0 0,0 2 0 15,0-2 0-15,0 2-128 0,0-3 128 0,-1 1 0 16,1-3 0-16,2 4 0 16,1-3 0-16,-1-1 0 0,1-3 0 0,2 4 0 0,-2-3 0 0,1 3 0 15,1-1 0-15,2-1-128 16,-6 0 128-16,1 1 0 0,1 1 0 0,0 1-128 0,1-2 128 0,-1-1 0 16,2 0 0-16,-3-2 0 0,3 0 0 0,0-2 0 15,1 0 0-15,-2 1 0 0,-1-5 0 0,0 3 0 0,1 1 0 16,-3 1 0-16,1-1 0 0,-2 0 0 0,-4 0 0 0,-1 2 0 15,-4 0 0-15,-2 4 0 0,1-1 0 0,-3 6 0 16,1 1 0-16,-2 3 0 0,-2 2 0 0,-2-1 0 16,2 5 0-16,-1 4 0 15,-1-4 0-15,6 2 0 16,3 0-448-16,0 0-96 0,2-2-32 0,7 0-13104 0</inkml:trace>
+  <inkml:trace contextRef="#ctx0" brushRef="#br0" timeOffset="182880.96">17341 13064 4607 0,'-1'0'400'0,"1"0"-400"0,0 0 0 0,0 0 0 16,0 0 656-16,-2 0 48 0,2 2 16 0,0 0 0 15,-2-1-400-15,4 3-64 0,0-3-32 0,-1 1 0 16,3-2-224-16,-1 0 0 0,4 0 0 0,2-2 0 16,2-3 0-16,1 2 0 0,3-1-176 0,3-3 176 15,-1-3 0-15,2 5 256 0,1-6 0 0,-3 4-16 16,4-3 384-16,0 3 80 0,1-5 0 0,3 5 16 16,1-4-176-16,4 4-32 0,-1-5-16 0,-29 12 0 0,0 0-288 0,103-30-48 15,-103 30-16-15,0 0 0 0,113-31-144 0,-113 31 128 16,0 0-128-16,94-28 128 15,-64 18-128-15,0 1 0 0,-2-1 0 0,-1 4 0 0,-27 6 0 16,0 0 0-16,86-27 0 0,-60 21 128 0,-2-1-128 0,-1 0 0 16,5 2 0-16,-7 0-176 0,3-2 32 0,1 0 0 15,-1 2 0-15,-1-4 0 16,1 6-528-16,-3-4-96 0,2-2-32 0,-1 4 0 16,-1-2-800-16,-2-2-144 0,-1 4-48 15,-4-4 0-15,0 2 1408 0,-6 4 384 0,1-1 0 0,-5 4 0 0,-3 4 0 0</inkml:trace>
+  <inkml:trace contextRef="#ctx0" brushRef="#br0" timeOffset="183292.75">18065 12890 5519 0,'-4'2'496'0,"2"-1"-496"0,2 1 0 0,0-2 0 0,0 0 976 0,-1 0 112 15,-1 2 0-15,-2 5 16 0,-4 0-272 0,1 0-64 16,-2 5-16-16,-1 0 0 0,1-1-576 0,-2 4-176 15,1-1 0-15,-1 2 0 0,1 0 128 0,1 3-128 16,-1 2 0-16,5-1 0 0,1 1 512 0,-1 2 0 0,3 0 0 0,0 3 0 16,2 3 256-16,0 3 32 0,-1 1 16 0,-1-2 0 15,2 6-288-15,-2-2-48 0,0 1-16 0,1 3 0 16,-1-3-224-16,-3 1-48 0,3-3-16 16,-2 1 0-16,3-2-176 0,-1 4 0 0,-1-2 0 0,1 1 0 15,-3-2 0-15,1-1 0 16,1-4 0-16,-1-1 0 0,2-2-320 0,1-3 48 0,1-2 16 0,0-6-5328 15,0 1-1072-15</inkml:trace>
+  <inkml:trace contextRef="#ctx0" brushRef="#br0" timeOffset="184087.96">19142 13311 5519 0,'-6'4'496'0,"1"1"-496"0,3-3 0 0,1-2 0 15,1 0 864-15,-2 2 80 0,-7 3 16 0,0 2 0 16,-5 1-304-16,1-1-48 0,2 4-16 0,-3-4 0 15,4 2-256-15,-1-2-48 0,1-2-16 0,1 2 0 16,2-2 192-16,2-3 48 0,0-2 0 0,3 0 0 16,4 0 16-16,-1 0 16 0,3-4 0 0,1-1 0 15,2-2-256-15,0 2-48 0,3-4-16 0,3-1 0 16,-1-3 32-16,2 3 0 0,3-2 0 0,-3-2 0 16,2 3 0-16,0-3 0 0,-3 6 0 0,3-3 0 0,-2 1 32 15,0-1 16-15,0 3 0 0,2-3 0 16,-4 1-144-16,-2 5-32 0,4-2 0 0,-5-2 0 15,1 4-128-15,1-2 0 0,1 0 144 0,2 3-144 16,-5 1 0-16,3-1 0 0,-5 3 0 0,3-1 0 0,-4 4 176 0,1 1-48 16,1 1 0-16,-3-1 0 0,1 4 256 0,1 2 32 15,-6 3 16-15,5-2 0 16,-3 6 80-16,4 0 0 0,-5 3 16 0,1 0 0 0,1 2 32 0,-1 3 0 16,1 4 0-16,-1-2 0 0,-1 4-160 0,0-2-16 0,0 5-16 0,-2-2 0 15,0-3-240-15,0 5-128 0,0 0 128 0,0 2-128 16,1-4 0-16,-1 4 0 0,0-2 0 0,2 0 0 15,0-3 0-15,-1 1 0 0,3-3 0 0,-1 0 0 32,-1-3-400-32,-2-3-48 0,2 4-16 0,0-3 0 0,1-2-768 15,-1-5-160-15,1 1-16 0,3-7-5440 0,-5 4-1072 0</inkml:trace>
+  <inkml:trace contextRef="#ctx0" brushRef="#br0" timeOffset="184421.69">19737 13280 4607 0,'4'-7'192'0,"-2"5"64"0,-2-1-256 0,0 1 0 0,0 2 0 0,0 0 0 0,0 0 528 0,-2 0 64 16,-2 2 16-16,-3 1 0 0,-3 9-160 0,0-1-48 0,-6 5 0 0,-2 1 0 15,3 2 176-15,-3 2 48 0,-1 0 0 16,0 5 0-16,0-1 384 0,-2-3 80 0,0 8 0 0,0-4 16 16,2 2-208-16,-5-2-32 0,4 3-16 0,3 1 0 15,1 0-128-15,-1-2-16 16,-2 3-16-16,1-3 0 0,3 5-48 0,-3-5-16 16,2 0 0-16,-1-1 0 0,5 1-384 15,-6-3-80-15,3 1-16 0,-1-7 0 0,4 0-144 0,-2-7 0 16,-2 2 0-16,1 0-176 0,1-2-688 15,3-3-144-15,1-4-16 0,3 4-16 16,0-5-688-16,3-3-144 0</inkml:trace>
+  <inkml:trace contextRef="#ctx0" brushRef="#br0" timeOffset="195738.36">20340 13292 2751 0,'-5'9'256'0,"3"-6"-256"0,2 1 0 0,0-2 0 15,0-2 960-15,0 0 128 16,0 0 48-16,4 0 0 0,1 0 224 0,4 0 48 16,-2 0 16-16,2-2 0 0,1-2-288 0,-1 3-64 0,1-1-16 0,1 0 0 15,-4-1 272-15,-2 3 48 0,4-2 16 0,-8 2 0 16,6 2-256-16,2 1-48 0,-4 1-16 0,4-3 0 15,0 3-432-15,-1-2-64 0,3 1-32 0,1-1 0 16,2 3-256-16,3-3-48 0,3-2-16 0,4 0 0 16,0-2-224-16,1 0 0 0,4-3 0 0,-3 2 0 15,2-1 0-15,2-6 0 0,1 1 0 0,-31 9 0 16,0 0-816 0,93-37-48-16,-93 37-16 0,0 0-10352 0</inkml:trace>
+  <inkml:trace contextRef="#ctx0" brushRef="#br0" timeOffset="196179.23">20678 13381 2751 0,'-5'7'128'0,"-2"-2"16"0,4-1-144 0,-1-1 0 0,1 1 0 0,1-4 0 15,0 3 880-15,-5 4 144 0,-1 2 16 0,-3 1 16 16,1 1-192-16,-1 3-32 0,3-2-16 0,-3-3 0 16,4 3-320-16,-3-5-64 0,3 5-16 0,0-3 0 15,0 3 800-15,2-3 144 0,1 4 48 0,-3-4 0 16,5-2-64-16,1 0 0 0,1 2 0 0,1-4 0 15,1 0-640-15,0 2-128 0,3 0-16 0,-1-3-16 16,3-1-384-16,3 2-160 0,-3-1 128 0,3-2-128 16,-1 1 0-16,2-3 0 0,1 4 0 0,0-1 0 15,2-1 384-15,-4 0 0 0,3 1 0 0,-3 1 0 16,2-3 192-16,0 3 48 0,1 1 0 0,1-2 0 16,-2 3 16-16,0-5 16 0,2 6 0 0,0-3 0 15,2 1-208-15,-3-1-64 0,5 3 0 0,-1-4 0 0,-1 1-256 0,3-1-128 16,2-1 128-16,-2-2-128 15,-1 1-336-15,-1-1-160 0,4 0-16 0,0-1-16 16,3-1-2112 0,-3-1-432-16</inkml:trace>
+  <inkml:trace contextRef="#ctx0" brushRef="#br0" timeOffset="197256.5">22043 12820 8287 0,'0'0'736'0,"-2"0"-592"0,0 0-144 0,2-2 0 15,0 1 928-15,-1-1 160 0,-3 0 16 0,-1 0 16 0,-7-3-400 0,0 2-80 16,-2 1 0-16,-2 0-16 0,0 2-496 0,-1-1-128 0,-1 1 0 0,-1 0 0 15,0 0 0-15,0 0 144 16,0 1-144-16,0 1 0 16,-1-2 272-16,1 2-48 0,2 1-16 0,-2 2 0 0,1 1 112 0,1-3 32 0,1 6 0 0,2-2 0 15,-2 0-80-15,4 2-16 0,2-1 0 0,-2 4 0 16,1-3-256-16,1 5 0 16,1-2 128-16,2 4-128 0,2-2 0 15,-2 2 0-15,2 1 0 0,1 0 0 0,2 3 0 0,2-3 0 0,4 0 0 0,-1-1 0 16,3 0 160-16,2-4-160 15,1 2 128-15,1-5-128 0,6 3 144 0,2-7-144 16,-1 5 160-16,4-6-160 0,2 1 336 0,3 0-16 16,5-1-16-16,2-1 0 0,-33-3 64 0,0 0 16 0,115 6 0 0,-115-6 0 15,0 0-96-15,119 12-16 0,-119-12 0 0,0 0 0 16,0 0-272-16,87 33 0 0,-78-19 0 0,-6 3 0 16,-3 1-144-16,-2-1-48 15,-1 2 0-15,-4 0 0 0,0 1 192 0,-4-1 256 16,1 0-64-16,-2 2-16 0,-4-2 608 0,-3 0 128 15,-2-2 32-15,-9 1 0 0,2 1-368 0,-8-3-64 16,-1-2 0-16,-1-6-16 0,1 5 16 0,-1-6 16 16,0 1 0-16,-1-4 0 0,8-3-64 0,0-1-16 0,3-1 0 15,0-5 0-15,3 0-320 0,3 0-128 0,6-1 0 0,0-3 144 16,8 5-288-16,-1-6-64 0,4 4-16 0,3-3 0 31,2 3-800-31,4-2-176 0,2-1-16 0,7-4-16 16,2 3-672-16,5-3-128 0</inkml:trace>
+  <inkml:trace contextRef="#ctx0" brushRef="#br0" timeOffset="198108.93">22402 13310 911 0,'3'-2'0'0,"-3"-2"0"16,0 3 0-16,0-1 0 0,0 2 256 0,-3-2-48 0,3-3 0 0,-2 0 0 0,0-4 240 0,-1 0 64 15,-2 4 0-15,3-4 0 0,-5 6 608 0,3 1 128 16,-1 2 32-16,2 0 0 16,-4 0 96-16,2 2 32 0,1 1 0 0,1 4 0 0,-3-1-64 0,3-1-16 15,-1 3 0-15,1-1 0 0,1 2-400 0,0-2-80 16,-1-2-16-16,3 2 0 0,0 0-432 0,0-3-80 15,3 3-32-15,-3-2 0 0,0 0-288 0,0-1 0 0,2 3 128 0,0-4-128 16,0 2 0-16,1-1 0 16,-1 1 0-16,0-1 0 0,-1-3 0 0,5 1-192 0,-5-4 16 0,5-1-9488 15</inkml:trace>
+  <inkml:trace contextRef="#ctx0" brushRef="#br0" timeOffset="198664.45">23008 12406 11967 0,'0'0'1072'0,"0"0"-864"0,0 0-208 0,0 1 0 0,2-1 640 0,-2 2 64 16,0 0 32-16,0 3 0 0,2-1-48 0,0 1-16 15,-1 5 0-15,1-1 0 0,0 3-32 0,-2-1 0 16,1 3 0-16,-1 1 0 16,2 1 224-16,0 1 32 0,1 2 16 0,-3 2 0 0,-3 2-64 0,3 0-16 15,-2 8 0-15,0 0 0 0,1 4 16 0,-3 9 0 16,3 1 0-16,-3 6 0 0,-3 3-416 0,2 3-96 16,0 6-16-16,1-1 0 0,-5 6-320 0,2-3 0 15,6 3 0-15,-6-11 128 0,3 1-304 0,1-6-48 16,1-7-16-16,0-8 0 15,2-6-1600-15,0-8-320 0,0-4-64 0,0-9-8432 0</inkml:trace>
+  <inkml:trace contextRef="#ctx0" brushRef="#br0" timeOffset="199182.56">22822 12899 7359 0,'-2'-2'320'0,"-1"2"80"0,3 0-400 0,0 0 0 0,0 2 0 0,3-1 0 16,-1 3 1600-16,1-1 224 0,4 4 48 0,5-2 16 16,2 8-704-16,0-5-144 0,2 1-16 0,1-4-16 0,4 4-752 0,0-4-256 15,4-3 144-15,-6 0-144 0,5-2 0 0,2-2 0 16,2 0 0-16,0-1 0 0,0-2 0 0,-4-4 192 16,4 4-192-16,-5-6 192 0,0 6 192 0,-2-7 64 15,-1 3 0-15,-2-1 0 0,-1 4 16 16,-3 1 16-16,2-4 0 0,-9 4 0 15,0 0-256-15,-5 1-48 0,1 1-16 0,-3 3 0 0,-3 3-160 0,-3 1 0 16,-1 3 0-16,-1 2 0 0,1-1 0 0,-4 5 0 16,3 0 0-16,-3 3 0 0,2 3 0 0,2 6 0 15,-3-1 144-15,5 0-144 0,-2 4 464 0,5 0 32 16,0 4 0-16,2-3 0 0,4 3-208 0,-2-6-32 0,3 3-16 16,3-6 0-16,1 0-240 0,2-4 0 0,4-4 0 15,-1 1 0-15,4-6 0 0,-1-1 0 16,1-4 0-16,-3 2 0 0,1-5 0 0,1-4 0 0,1 1 0 0,-4-6 0 15,1 1 0-15,-2-6 256 16,-5 2-64-16,1-6 0 0,0-1 256 0,-6-6 64 0,1 0 0 0,-4-4 0 16,0-1-64-16,-2-2-16 0,-2-1 0 0,-3 3 0 15,1-5 48-15,-1 3 16 16,-2 1 0-16,-2-3 0 0,-1 4-192 0,0-1-48 0,0 6 0 16,0 2 0-16,-1 2-256 0,1 3 0 0,0 6 0 0,2 1 0 0,-3 2 0 0,5 5 0 15,-1 1 0-15,4 1 0 31,-2 1-448-31,3 1 0 0,2 0 0 0,4 0 0 16,2 1-832-16,3-1-144 0,1 1-48 0,3 3 0 0,6-5-1136 0,-3 1-224 0</inkml:trace>
+  <inkml:trace contextRef="#ctx0" brushRef="#br0" timeOffset="199671.84">23749 12801 2751 0,'16'0'128'0,"-9"0"16"0,3 0-144 0,-7 2 0 0,1 0 0 0,-1-1 0 0,1 3 992 0,1-1 160 16,2 4 48-16,4 5 0 0,-6 4-112 0,-2 1 0 0,-1 3-16 0,-4 2 0 15,1 3 464-15,-5 3 80 0,1 1 32 0,-2 4 0 32,0 2 176-32,-2 3 32 0,1 2 16 0,-1 2 0 0,-1 9-784 0,-1-4-176 0,2 2-16 0,-1 3-16 15,1 4-464-15,-1-1-96 16,1 3 0-16,-3-9-16 0,5 3-304 0,-4-9 0 0,3 3 0 0,-1-10 0 16,0-3-400-1,1-1-144-15,-3 1-32 0,1-9 0 16,3-3 96-16,0-4 16 0,2-3 0 0,1-8 0 0,1 1-32 0,3-11 0 0,0 1 0 0,1-3 0 15,1-6 304-15,2-4 192 0,-1-4-208 0,4-3 80 16,2-3 128-16,1-7-208 0,1-4 80 0,-1-1 128 16,4 1-176-16,-4-8 176 0,4-6-128 0,2-4 128 0,2-5 0 15,-5-4 0-15,5-4 0 0,1-3 176 16,0-4 432-16,0-4 96 0,1 1 0 0,0 3 16 0,3 4 48 16,-4 1 16-1,2 9 0-15,-2 5 0 0,1 9-336 0,-3 6-80 0,0 11-16 0,-3 2 0 0,0 7-80 0,-2 4-16 16,-1 6 0-16,1 3 0 15,0 6 16-15,-3 0 0 0,1 4 0 0,-3 0 0 0,4 8-80 0,-4-1 0 0,0 6-16 16,0 5 0-16,-4 2-176 0,3 3 192 0,-5-1-192 16,-1-1 192-1,-3 6-192-15,-4-1 0 0,-2 2 144 0,-1-2-144 16,-10 5 0-16,1 0 128 0,-3-2-128 0,-4 2 0 0,-1 4 0 0,-4-4 0 0,5-3 0 0,-4 1 128 16,4-3-128-16,2-4 0 0,1-1 128 0,2-6-128 15,2-3-208-15,5-7-112 16,2-2-32-16,3-1 0 15,2-4-1696-15,5-7-352 0,2-2-64 0,6-5-5056 0,1-3-1008 0</inkml:trace>
+  <inkml:trace contextRef="#ctx0" brushRef="#br0" timeOffset="199987.72">24481 12275 2751 0,'-2'4'256'0,"2"-1"-256"16,0-3 0-16,-3 0 0 0,3 2 1600 0,-2-2 288 15,0 1 48-15,-3 5 16 0,-2-3-336 0,-2 8-64 0,0-3-16 0,-1 5 0 16,1-3-544-16,-5 4-112 16,2 3-32-16,0-1 0 0,-2 3 144 0,-2 0 32 0,1 2 0 0,-1 4 0 15,0 4 128-15,1-3 16 16,1 6 16-16,1-1 0 0,1 2-384 0,2 2-80 0,1 3-16 0,2 6 0 15,0-1-336-15,2-1-80 0,0 3-16 0,1-3 0 16,1 2-272-16,3-2 0 0,1-2 0 0,3 0 0 16,3-9 0-16,-4 0 0 0,6-4 0 0,0-1 0 15,0-4 0-15,3-1 0 0,2-2-208 0,0-5 80 16,5-1-832 0,-2-3-144-16,1-5-48 0,1-1-6864 0,5-1-1392 0</inkml:trace>
+  <inkml:trace contextRef="#ctx0" brushRef="#br0" timeOffset="200297.52">24735 12244 13823 0,'-7'3'608'0,"4"-1"128"0,1 1-592 0,-1-1-144 16,3 0 0-16,0 1 0 0,3 3 1328 0,-3 1 224 15,2 3 48-15,-2 4 16 0,3 5-448 0,2 2-80 0,4 3-32 16,-2-3 0-16,7 2 128 0,-2 0 32 16,6 4 0-16,-1 0 0 0,2 6-80 0,0 0-16 0,2 3 0 0,-1-3 0 15,2 6-272-15,-1-1-48 0,-2 0-16 0,-5 4 0 16,0-2-416-16,-5-1-96 0,0-1-16 0,-6-2 0 16,-3 3-256-16,-2-3 0 0,1-1 0 0,-5 2 0 15,3-4 0-15,-6 0 0 0,4 0 0 0,0-5 0 16,-1 5 0-16,1-2 0 0,0-3 0 0,3 2 0 31,-5-6-1152-31,2 1-144 0,-2-1-32 0,2-5-13088 0</inkml:trace>
+  <inkml:trace contextRef="#ctx0" brushRef="#br0" timeOffset="200848.57">25303 12540 9215 0,'-3'-2'816'0,"1"2"-656"0,0-2-160 0,1 2 0 16,1 0 1136-16,-4-1 192 0,2-1 32 0,-6 0 16 15,-1 0 416-15,-3 2 96 0,3 2 16 0,-1 0 0 0,3 1-544 0,1 1-96 16,3 1-32-16,1 0 0 0,2-1-816 0,4-1-160 16,-3 4-48-16,5-3 0 15,-3 1-656-15,4-3-128 0,2 6-16 0,-2-1-16 16,5 0-1568-16,-2 4-320 0</inkml:trace>
+  <inkml:trace contextRef="#ctx0" brushRef="#br0" timeOffset="201023.36">25383 13358 5519 0,'-15'18'496'0,"6"-9"-496"0,2-1 0 0,2-1 0 16,0-3 1536-16,1 1 192 0,-1 2 64 0,-2 2 0 15,-7 6-1200-15,-2 3-224 0,-1-1-48 0,3-8-16 16</inkml:trace>
+  <inkml:trace contextRef="#ctx0" brushRef="#br0" timeOffset="202429.87">26830 12575 2751 0,'-4'3'256'0,"1"2"-256"16,1-3 0-16,0-2 0 0,2 2 944 0,-3 0 144 0,-2 1 16 0,-4 2 16 16,-2 6 96-16,1-6 32 0,0 5 0 0,-1-1 0 15,4-2 64-15,2-2 16 0,0 1 0 0,3-5 0 16,2 3 32-16,-2 1 16 0,4-5 0 0,-2 0 0 15,5 0-304-15,0-5-64 0,4 0-16 0,-4 1 0 16,4-3-224-16,0-3-64 0,1-1 0 0,-1 1 0 16,1-4-416-16,-1 3-96 0,3-3 0 0,-1-1-16 15,-1-1-176-15,-1 0 0 0,1 4 0 0,-3-2 0 16,0 0 0-16,-1 6 0 0,-3-5 0 0,2 6 0 16,-3-1 0-16,1 2 0 0,1 0 0 0,-4-1 0 15,3 5 0-15,-3 2 0 0,2-2 0 0,-2 2 0 0,2 2 0 16,0-2 0-16,-1 5 0 0,1 0 0 0,3-1 0 15,-1 1 0-15,3 4 0 0,2-2 0 16,-1 0 0-16,4 3 0 0,-3-1 0 0,2 3 0 0,1-2-160 0,-2 1 160 16,1 5 0-16,-1-3-144 0,1 3 144 0,-3-2 0 15,5 4 0-15,-5-1 0 16,3 2 0-16,-4-1 0 0,5-1 0 0,-7 2 0 0,4 0 0 0,0 2 0 16,3 2 0-16,-5 3 0 15,5-3 0-15,-5-1 0 0,5-3 0 0,-3 4 0 0,3 0 0 0,2-1 0 16,-2-1 0-16,0 0 0 0,1 0 0 0,0-2-160 15,3-1 160-15,-2-3-208 16,-2-1-976-16,0-2-192 0,1 2-32 0,-3-7-9216 0</inkml:trace>
+  <inkml:trace contextRef="#ctx0" brushRef="#br0" timeOffset="202793.44">26891 12918 9215 0,'-4'-4'400'0,"3"3"96"0,1-3-496 0,0 1 0 0,1 1 0 0,3-2 0 0,-2 3 1328 0,1-3 160 16,4-5 48-16,2-3 0 0,1-2 0 0,2 2 16 0,2-2 0 0,-2 0 0 15,2-1-304-15,0 1-64 0,4-4-16 0,3-3 0 16,0-1-208-16,1-1-32 0,-1 4-16 0,-2-4 0 16,6 1 688-16,-4-6 144 0,1 3 32 0,1-6 0 15,0 3-1328-15,-2-2-256 0,3 3-48 0,-1-1-16 31,-1 3-960-31,1 1-192 0,1 0-32 0,-3-1-16 16,0 4-608-16,2-1-128 0</inkml:trace>
+  <inkml:trace contextRef="#ctx0" brushRef="#br0" timeOffset="203456.79">27513 12501 7359 0,'2'7'656'0,"-2"-3"-528"0,0-1-128 0,0-1 0 16,0 0 768-16,0 1 128 0,-2 8 32 0,-2 1 0 15,1 2 160-15,-1 2 48 0,-1 3 0 0,3-5 0 16,-5-4-288-16,2 2-48 0,2-3-16 0,-1-2 0 15,-1-3-560-15,3 1-224 0,-1 0 176 0,-1-2-176 16,3 1-672-16,-1-2-224 0,2-1-64 0,0 1 0 31,0 0-272-31,0-2-64 0,2 3-16 0,1-3-3808 0</inkml:trace>
+  <inkml:trace contextRef="#ctx0" brushRef="#br0" timeOffset="203598.99">27461 12824 7359 0,'-4'7'320'0,"4"-6"80"0,-2 3-400 0,-1-2 0 16,1-2 0-16,2 0 0 0,-2 1 1680 0,1 1 256 16,-1 3 48-16,-2-1 16 0,1 1-320 0,-2-3-64 15,1 0-16-15,1-2 0 0,1 0-1152 0,0 0-224 16,2-2-48-16,2 0-16 16,0-1-912-16,1-3-176 0</inkml:trace>
+  <inkml:trace contextRef="#ctx0" brushRef="#br0" timeOffset="-138621.59">12626 11073 911 0,'-10'-2'0'0,"3"1"0"0,3-1 0 0,-1 2 0 16,3 0 512-16,2-2 0 0,0 1 16 0,-2-3 0 16,1 1-48-16,-3-6-16 0,2 5 0 0,1-1 0 15,-1-2-464-15,-5 5 0 0,3 1-176 0,-3 1 176 16,-1 0-176-16,-1 1 176 0,-3 3-128 0,-2 5 128 15,2-4 0-15,-7 7 0 0,-1-2 192 0,1 6-64 0,0-2 576 0,0 4 128 16,-6-1 32-16,3 2 0 0,-1 4 320 0,1-1 64 16,-5-2 16-16,3 2 0 0,0 1-272 0,-1-1-48 15,1 1-16-15,1 0 0 0,2-2-480 0,0 0-80 16,2 1-32-16,0-3 0 0,2 2-336 0,-1 0 0 16,-1 0 0-16,2-2 128 15,-3-1 192-15,-1-1 64 0,2 2 0 0,-2 0 0 0,2 1 240 0,0-1 48 16,2 0 16-16,-3 0 0 0,1 4-144 0,0-4-32 15,0 2 0-15,2-2 0 0,-4 2-160 0,3 3-32 16,-1 1-16-16,2-3 0 0,-1 4-128 0,1-1-32 0,1-1 0 16,0 4 0-16,4 0 192 0,0-4 48 0,2 4 0 15,1-4 0-15,5 8 128 0,-3-6 16 16,-1 7 16-16,-1-7 0 0,0 2-288 0,2-2-48 16,-3 9-16-16,1-2 0 0,-1 0 64 0,3-1 16 0,-2 2 0 0,2 1 0 15,0-2-112-15,0-1-32 16,2 4 0-16,1-1 0 0,-4 0 0 0,1 0 0 0,0-2 0 15,0-2 0-15,0 6 32 0,-2-2 0 0,4 1 0 0,0-1 0 16,-2 0-16-16,3-4 0 0,2 4 0 0,4 0 0 16,0-2 96-16,3-5 16 0,4 3 0 0,5-5 0 15,-4 4-128-15,6-6 0 0,0 4-128 0,1-2 192 16,2-1-192-16,0 2 0 0,0 0 0 0,-1 2 0 16,1-1 0-16,-2 3 0 0,1-1 0 0,1 0 0 15,-2 3 0-15,-1-2 0 0,0-1 0 0,0 1 0 16,-1-3 0-16,1 3 0 0,1 4 144 0,1-2-144 0,-3-1 272 15,1 2-16-15,0 1-16 0,-1 0 0 0,1-4-240 0,2 3 128 16,-4 0-128-16,3-4 0 16,-1-2 0-16,1 1 128 0,1-6-128 0,1 1 0 15,0-3 0-15,0 0 0 0,0 2 0 0,2-4 0 0,0 2 0 0,3-4 144 0,-3 1-144 16,5-6 128 0,2 2-128-16,-28-14 192 0,0 0-192 0,0 0 192 15,108 35-64-15,-108-35 0 0,0 0 0 0,0 0 0 0,121 8-128 0,-94-9 0 16,1-3 0-16,-1-6 0 0,2 3 0 0,-6-5 0 15,3 3 0-15,-3-5 0 0,1 4 0 0,0-4 0 0,3 0 128 0,-1 0-128 16,0 0 0-16,2 0 0 16,-4-2 0-16,2 1 0 0,0 2 0 0,4-4 0 0,-2 0 0 0,1-4 0 15,-1 1 0-15,0-4 0 16,0 1 0-16,-3-3 0 0,-1-2 0 0,0 2 0 0,-3-2 0 0,-2 2 0 16,-1 0-144-16,-1-3 144 15,2 6 0-15,-1-7 0 0,-4 6 0 0,3-7 0 16,2 1 0-16,-1-1 0 0,1 4 0 0,2-2 0 15,5-4 0-15,-3 1 0 0,5-1 0 0,-2-1 0 16,0-1 128-16,2 3-128 0,-2-1 0 0,0 0 0 16,2-2 0-16,-2 4 0 0,0 0 0 0,-5-2 0 0,2 5 0 15,-6-2 0-15,-3 2 0 0,-2 0 0 0,-3 7 0 0,-2-1 0 16,-2 1 0-16,0-4 0 0,-3 5 0 0,0-1 0 16,1 0 0-16,-1 2 0 0,0-2 144 0,0 0-144 15,3 2 352-15,-3-2-16 0,-1 0 0 0,1-2 0 16,-4 1-336-16,1-1 0 0,-5-1 0 0,-1-4 0 15,0 2 0-15,-5-4 0 0,0 2 0 0,0-2 0 16,0 4 0-16,-2-2 0 0,1 6 0 0,-4-3 0 0,1 1 0 0,-1-2 0 16,1 5 0-16,-3-2 0 0,2 4 0 15,-1 0 0-15,1 2 0 0,-2-3 0 0,-1 5 0 16,1-3 0-16,2 1 0 0,3 0 0 0,-2-1 0 0,4-3 0 16,2 0 0-16,1-1 0 0,2-8 0 15,5 0 0-15,0-3 0 0,2-3 0 16,0-3 0-16,2-1 0 0,-2 2 0 0,0 3 0 0,2 0-144 0,-2 6 144 15,-2 1-160-15,0 0 160 0,-3 0-224 0,0 4 48 0,0-1 16 0,1 1 0 16,-3 1-176-16,2 4-48 16,0-2 0-16,0 0 0 0,1 1 384 0,-1-1 0 0,1-2 0 0,1 0 0 15,-2 2 0-15,1 1 0 16,1-1 0-16,-1 0 0 0,-1 0 0 0,-2 2 0 16,0 1 0-16,-3 3 0 0,1-1 0 0,-7 4 0 0,4 3 0 0,-4-1 0 15,-1 4 0-15,-2 1 0 0,3 2 0 0,-3-3 0 16,0 5-192-16,0 1 48 15,-2-2 0-15,5 2 0 0,-1-2 144 0,1 0 128 16,2 1-128-16,-2-1 176 0,4 0 0 0,-5-1 0 0,1-1 0 0,2 1 0 16,-2 1-176-16,4 0 128 0,-5-1-128 0,3-2 128 0,0-2-128 0,-2 3 0 15,4-1 0-15,-2-4 0 0,5 6-176 0,-5-6-64 16,4 0-16-16,-2 4-9728 16,-2 0-1968-16</inkml:trace>
+  <inkml:trace contextRef="#ctx0" brushRef="#br0" timeOffset="-136996.1">3251 11495 8287 0,'-5'1'736'0,"1"-1"-592"16,4 0-144-16,0 0 0 0,0 0 768 0,0-1 128 0,0 1 32 0,-2-2 0 15,2 2-464-15,-5-5-80 0,3 3-32 0,-1 0 0 16,-2 1-352-16,1 1 0 16,-4 0-160-16,-1 0 160 0,-2 0 0 0,-3 1-128 0,0 6 128 0,-1-2 0 15,-3 1 272-15,-3-1 112 0,1 4 32 0,-1-1 0 16,-5 5 416-16,3-3 96 0,-2 2 16 0,-1 4 0 16,2 1-176-16,0 2-48 0,-3 4 0 0,1-2 0 0,2 5-208 15,-6 0-64-15,4-1 0 0,0 2 0 0,5-2-320 16,2-4-128-16,3 0 0 0,4-2 144 15,5-2-144-15,4-1 0 0,1 0 0 0,5-2 0 0,4-4 0 0,-3 2 0 16,6 0-176-16,1-1 176 0,3-1 0 0,-4-1-128 16,4 5 128-16,0-5 0 0,2 1 0 0,-2-1-128 15,1 1 128-15,1-1 0 0,0 1 0 0,-1-3 0 16,3 4 0-16,-4-6 0 16,1 5 128-16,1-4 0 0,0-1 0 0,-1 2 0 15,1-2 256-15,1 0 64 0,1-1 16 0,1 5 0 16,0-3-128-16,-1 5-16 0,-3-4-16 0,-1 5 0 0,0-1-304 0,-3 4 160 15,-1-1-160-15,-5 4 128 0,-1-1-128 0,-4 2 0 16,-4 2 0-16,-1 0-176 0,-7 2 176 0,-2-1-128 16,-5 6 128-16,-2-4-128 0,-5 6-176 0,3-4-16 15,-5-3-16-15,0 3 0 0,2-2 336 0,0-1 0 0,3-4 0 16,-4 0 0-16,4-1 288 0,0-1 80 0,2-5 16 0,2-3 0 16,2 2-64-16,-2-4-16 0,1 3 0 15,2-3 0-15,4-2-304 0,0 4 0 0,2-4 0 0,3-1 0 0,0 3 0 0,0-2 0 31,3 0 0-31,2 0 0 0,-3 2 0 0,5-2 0 0,0-1 0 16,4 3 0-16,-3 0 0 0,6-4 0 0,4 4 0 0,-2-3 0 16,5 1 0-16,1-3 0 15,4 1 0-15,2 2 0 0,2 1 0 0,-2-1 0 16,-2 0 0-16,-3 7 0 0,-2 2 0 0,-6-2 0 0,1 9 0 0,-5 2 0 0,-3 5 0 0,-2 7 0 16,-1 1 0-16,-5 6 0 15,-2 9 0-15,-1 1 0 0,-2 5 0 0,-4 4 0 16,0 4 0-16,-1-1 0 0,1-5 0 0,-5 6 0 15,0 8 192-15,-1 2 64 0,-1 7 32 0,4-2 0 0,-6-4 304 0,6-4 64 0,2-8 16 0,3-4 0 16,5-5-432-16,4-2-96 0,5-8-16 0,5-3 0 16,6-9-128-16,8-2 0 15,7-7-160-15,-26-24 160 16,0 0-448-16,124 47 16 0,-124-47 0 0,113 2 0 16,-113-2-272-16,134-22-64 0,-134 22-16 0,150-49-10736 0</inkml:trace>
 </inkml:ink>
 </file>
 
@@ -6555,7 +7720,7 @@
           <a:p>
             <a:fld id="{D9A7EA46-0536-4D79-903D-DCEAC14DEEF3}" type="datetimeFigureOut">
               <a:rPr lang="en-AU" smtClean="0"/>
-              <a:t>28/09/2023</a:t>
+              <a:t>29/09/2023</a:t>
             </a:fld>
             <a:endParaRPr lang="en-AU"/>
           </a:p>
@@ -6755,7 +7920,7 @@
           <a:p>
             <a:fld id="{D9A7EA46-0536-4D79-903D-DCEAC14DEEF3}" type="datetimeFigureOut">
               <a:rPr lang="en-AU" smtClean="0"/>
-              <a:t>28/09/2023</a:t>
+              <a:t>29/09/2023</a:t>
             </a:fld>
             <a:endParaRPr lang="en-AU"/>
           </a:p>
@@ -6965,7 +8130,7 @@
           <a:p>
             <a:fld id="{D9A7EA46-0536-4D79-903D-DCEAC14DEEF3}" type="datetimeFigureOut">
               <a:rPr lang="en-AU" smtClean="0"/>
-              <a:t>28/09/2023</a:t>
+              <a:t>29/09/2023</a:t>
             </a:fld>
             <a:endParaRPr lang="en-AU"/>
           </a:p>
@@ -7165,7 +8330,7 @@
           <a:p>
             <a:fld id="{D9A7EA46-0536-4D79-903D-DCEAC14DEEF3}" type="datetimeFigureOut">
               <a:rPr lang="en-AU" smtClean="0"/>
-              <a:t>28/09/2023</a:t>
+              <a:t>29/09/2023</a:t>
             </a:fld>
             <a:endParaRPr lang="en-AU"/>
           </a:p>
@@ -7441,7 +8606,7 @@
           <a:p>
             <a:fld id="{D9A7EA46-0536-4D79-903D-DCEAC14DEEF3}" type="datetimeFigureOut">
               <a:rPr lang="en-AU" smtClean="0"/>
-              <a:t>28/09/2023</a:t>
+              <a:t>29/09/2023</a:t>
             </a:fld>
             <a:endParaRPr lang="en-AU"/>
           </a:p>
@@ -7709,7 +8874,7 @@
           <a:p>
             <a:fld id="{D9A7EA46-0536-4D79-903D-DCEAC14DEEF3}" type="datetimeFigureOut">
               <a:rPr lang="en-AU" smtClean="0"/>
-              <a:t>28/09/2023</a:t>
+              <a:t>29/09/2023</a:t>
             </a:fld>
             <a:endParaRPr lang="en-AU"/>
           </a:p>
@@ -8124,7 +9289,7 @@
           <a:p>
             <a:fld id="{D9A7EA46-0536-4D79-903D-DCEAC14DEEF3}" type="datetimeFigureOut">
               <a:rPr lang="en-AU" smtClean="0"/>
-              <a:t>28/09/2023</a:t>
+              <a:t>29/09/2023</a:t>
             </a:fld>
             <a:endParaRPr lang="en-AU"/>
           </a:p>
@@ -8266,7 +9431,7 @@
           <a:p>
             <a:fld id="{D9A7EA46-0536-4D79-903D-DCEAC14DEEF3}" type="datetimeFigureOut">
               <a:rPr lang="en-AU" smtClean="0"/>
-              <a:t>28/09/2023</a:t>
+              <a:t>29/09/2023</a:t>
             </a:fld>
             <a:endParaRPr lang="en-AU"/>
           </a:p>
@@ -8379,7 +9544,7 @@
           <a:p>
             <a:fld id="{D9A7EA46-0536-4D79-903D-DCEAC14DEEF3}" type="datetimeFigureOut">
               <a:rPr lang="en-AU" smtClean="0"/>
-              <a:t>28/09/2023</a:t>
+              <a:t>29/09/2023</a:t>
             </a:fld>
             <a:endParaRPr lang="en-AU"/>
           </a:p>
@@ -8692,7 +9857,7 @@
           <a:p>
             <a:fld id="{D9A7EA46-0536-4D79-903D-DCEAC14DEEF3}" type="datetimeFigureOut">
               <a:rPr lang="en-AU" smtClean="0"/>
-              <a:t>28/09/2023</a:t>
+              <a:t>29/09/2023</a:t>
             </a:fld>
             <a:endParaRPr lang="en-AU"/>
           </a:p>
@@ -8981,7 +10146,7 @@
           <a:p>
             <a:fld id="{D9A7EA46-0536-4D79-903D-DCEAC14DEEF3}" type="datetimeFigureOut">
               <a:rPr lang="en-AU" smtClean="0"/>
-              <a:t>28/09/2023</a:t>
+              <a:t>29/09/2023</a:t>
             </a:fld>
             <a:endParaRPr lang="en-AU"/>
           </a:p>
@@ -9224,7 +10389,7 @@
           <a:p>
             <a:fld id="{D9A7EA46-0536-4D79-903D-DCEAC14DEEF3}" type="datetimeFigureOut">
               <a:rPr lang="en-AU" smtClean="0"/>
-              <a:t>28/09/2023</a:t>
+              <a:t>29/09/2023</a:t>
             </a:fld>
             <a:endParaRPr lang="en-AU"/>
           </a:p>
@@ -14051,6 +15216,57 @@
           </a:p>
         </p:txBody>
       </p:sp>
+      <mc:AlternateContent xmlns:mc="http://schemas.openxmlformats.org/markup-compatibility/2006">
+        <mc:Choice xmlns:p14="http://schemas.microsoft.com/office/powerpoint/2010/main" Requires="p14">
+          <p:contentPart p14:bwMode="auto" r:id="rId2">
+            <p14:nvContentPartPr>
+              <p14:cNvPr id="4" name="Ink 3">
+                <a:extLst>
+                  <a:ext uri="{FF2B5EF4-FFF2-40B4-BE49-F238E27FC236}">
+                    <a16:creationId xmlns:a16="http://schemas.microsoft.com/office/drawing/2014/main" id="{8BC54E30-7CD6-3079-A191-D9F35518A9A9}"/>
+                  </a:ext>
+                </a:extLst>
+              </p14:cNvPr>
+              <p14:cNvContentPartPr/>
+              <p14:nvPr/>
+            </p14:nvContentPartPr>
+            <p14:xfrm>
+              <a:off x="1115280" y="2175480"/>
+              <a:ext cx="5666760" cy="443880"/>
+            </p14:xfrm>
+          </p:contentPart>
+        </mc:Choice>
+        <mc:Fallback>
+          <p:pic>
+            <p:nvPicPr>
+              <p:cNvPr id="4" name="Ink 3">
+                <a:extLst>
+                  <a:ext uri="{FF2B5EF4-FFF2-40B4-BE49-F238E27FC236}">
+                    <a16:creationId xmlns:a16="http://schemas.microsoft.com/office/drawing/2014/main" id="{8BC54E30-7CD6-3079-A191-D9F35518A9A9}"/>
+                  </a:ext>
+                </a:extLst>
+              </p:cNvPr>
+              <p:cNvPicPr/>
+              <p:nvPr/>
+            </p:nvPicPr>
+            <p:blipFill>
+              <a:blip r:embed="rId3"/>
+              <a:stretch>
+                <a:fillRect/>
+              </a:stretch>
+            </p:blipFill>
+            <p:spPr>
+              <a:xfrm>
+                <a:off x="1105920" y="2166120"/>
+                <a:ext cx="5685480" cy="462600"/>
+              </a:xfrm>
+              <a:prstGeom prst="rect">
+                <a:avLst/>
+              </a:prstGeom>
+            </p:spPr>
+          </p:pic>
+        </mc:Fallback>
+      </mc:AlternateContent>
     </p:spTree>
     <p:extLst>
       <p:ext uri="{BB962C8B-B14F-4D97-AF65-F5344CB8AC3E}">
@@ -14397,6 +15613,57 @@
           </a:p>
         </p:txBody>
       </p:sp>
+      <mc:AlternateContent xmlns:mc="http://schemas.openxmlformats.org/markup-compatibility/2006">
+        <mc:Choice xmlns:p14="http://schemas.microsoft.com/office/powerpoint/2010/main" Requires="p14">
+          <p:contentPart p14:bwMode="auto" r:id="rId2">
+            <p14:nvContentPartPr>
+              <p14:cNvPr id="6" name="Ink 5">
+                <a:extLst>
+                  <a:ext uri="{FF2B5EF4-FFF2-40B4-BE49-F238E27FC236}">
+                    <a16:creationId xmlns:a16="http://schemas.microsoft.com/office/drawing/2014/main" id="{C3E66DD2-BD0E-3CA0-C3ED-9ED0843623AE}"/>
+                  </a:ext>
+                </a:extLst>
+              </p14:cNvPr>
+              <p14:cNvContentPartPr/>
+              <p14:nvPr/>
+            </p14:nvContentPartPr>
+            <p14:xfrm>
+              <a:off x="1214280" y="4153680"/>
+              <a:ext cx="2442960" cy="1558080"/>
+            </p14:xfrm>
+          </p:contentPart>
+        </mc:Choice>
+        <mc:Fallback>
+          <p:pic>
+            <p:nvPicPr>
+              <p:cNvPr id="6" name="Ink 5">
+                <a:extLst>
+                  <a:ext uri="{FF2B5EF4-FFF2-40B4-BE49-F238E27FC236}">
+                    <a16:creationId xmlns:a16="http://schemas.microsoft.com/office/drawing/2014/main" id="{C3E66DD2-BD0E-3CA0-C3ED-9ED0843623AE}"/>
+                  </a:ext>
+                </a:extLst>
+              </p:cNvPr>
+              <p:cNvPicPr/>
+              <p:nvPr/>
+            </p:nvPicPr>
+            <p:blipFill>
+              <a:blip r:embed="rId3"/>
+              <a:stretch>
+                <a:fillRect/>
+              </a:stretch>
+            </p:blipFill>
+            <p:spPr>
+              <a:xfrm>
+                <a:off x="1204920" y="4144320"/>
+                <a:ext cx="2461680" cy="1576800"/>
+              </a:xfrm>
+              <a:prstGeom prst="rect">
+                <a:avLst/>
+              </a:prstGeom>
+            </p:spPr>
+          </p:pic>
+        </mc:Fallback>
+      </mc:AlternateContent>
     </p:spTree>
     <p:extLst>
       <p:ext uri="{BB962C8B-B14F-4D97-AF65-F5344CB8AC3E}">
@@ -15178,6 +16445,57 @@
           </a:p>
         </p:txBody>
       </p:sp>
+      <mc:AlternateContent xmlns:mc="http://schemas.openxmlformats.org/markup-compatibility/2006">
+        <mc:Choice xmlns:p14="http://schemas.microsoft.com/office/powerpoint/2010/main" Requires="p14">
+          <p:contentPart p14:bwMode="auto" r:id="rId2">
+            <p14:nvContentPartPr>
+              <p14:cNvPr id="6" name="Ink 5">
+                <a:extLst>
+                  <a:ext uri="{FF2B5EF4-FFF2-40B4-BE49-F238E27FC236}">
+                    <a16:creationId xmlns:a16="http://schemas.microsoft.com/office/drawing/2014/main" id="{275DCEBF-783B-1A6B-5DF8-E4E071965735}"/>
+                  </a:ext>
+                </a:extLst>
+              </p14:cNvPr>
+              <p14:cNvContentPartPr/>
+              <p14:nvPr/>
+            </p14:nvContentPartPr>
+            <p14:xfrm>
+              <a:off x="302760" y="2815200"/>
+              <a:ext cx="11286720" cy="3044520"/>
+            </p14:xfrm>
+          </p:contentPart>
+        </mc:Choice>
+        <mc:Fallback>
+          <p:pic>
+            <p:nvPicPr>
+              <p:cNvPr id="6" name="Ink 5">
+                <a:extLst>
+                  <a:ext uri="{FF2B5EF4-FFF2-40B4-BE49-F238E27FC236}">
+                    <a16:creationId xmlns:a16="http://schemas.microsoft.com/office/drawing/2014/main" id="{275DCEBF-783B-1A6B-5DF8-E4E071965735}"/>
+                  </a:ext>
+                </a:extLst>
+              </p:cNvPr>
+              <p:cNvPicPr/>
+              <p:nvPr/>
+            </p:nvPicPr>
+            <p:blipFill>
+              <a:blip r:embed="rId3"/>
+              <a:stretch>
+                <a:fillRect/>
+              </a:stretch>
+            </p:blipFill>
+            <p:spPr>
+              <a:xfrm>
+                <a:off x="293400" y="2805840"/>
+                <a:ext cx="11305440" cy="3063240"/>
+              </a:xfrm>
+              <a:prstGeom prst="rect">
+                <a:avLst/>
+              </a:prstGeom>
+            </p:spPr>
+          </p:pic>
+        </mc:Fallback>
+      </mc:AlternateContent>
     </p:spTree>
     <p:extLst>
       <p:ext uri="{BB962C8B-B14F-4D97-AF65-F5344CB8AC3E}">
@@ -15670,7 +16988,7 @@
         <p:spPr>
           <a:xfrm>
             <a:off x="675801" y="1568578"/>
-            <a:ext cx="7387544" cy="3840731"/>
+            <a:ext cx="7387544" cy="4137095"/>
           </a:xfrm>
           <a:prstGeom prst="rect">
             <a:avLst/>
@@ -15710,7 +17028,7 @@
                 <a:ea typeface="Calibri" panose="020F0502020204030204" pitchFamily="34" charset="0"/>
                 <a:cs typeface="Times New Roman" panose="02020603050405020304" pitchFamily="18" charset="0"/>
               </a:rPr>
-              <a:t>: puts x on top of the stack; error if the stack is full (stack overflow)</a:t>
+              <a:t>: puts x on top of the stack; error if the stack is full (stack overflow); O(1)</a:t>
             </a:r>
             <a:endParaRPr lang="en-AU" sz="1800" kern="100" dirty="0">
               <a:effectLst/>
@@ -15766,7 +17084,7 @@
                 <a:ea typeface="Calibri" panose="020F0502020204030204" pitchFamily="34" charset="0"/>
                 <a:cs typeface="Times New Roman" panose="02020603050405020304" pitchFamily="18" charset="0"/>
               </a:rPr>
-              <a:t>: removes the item on top of the stack; error if the stack is empty (stack underflow)</a:t>
+              <a:t>: removes the item on top of the stack; error if the stack is empty (stack underflow); O(1)</a:t>
             </a:r>
             <a:endParaRPr lang="en-AU" sz="1800" kern="100" dirty="0">
               <a:effectLst/>
@@ -15822,7 +17140,7 @@
                 <a:ea typeface="Calibri" panose="020F0502020204030204" pitchFamily="34" charset="0"/>
                 <a:cs typeface="Times New Roman" panose="02020603050405020304" pitchFamily="18" charset="0"/>
               </a:rPr>
-              <a:t>: returns a copy of the top of the stack without removing it; error if the stack is empty</a:t>
+              <a:t>: returns a copy of the top of the stack without removing it; error if the stack is empty; O(1)</a:t>
             </a:r>
             <a:endParaRPr lang="en-AU" sz="1800" kern="100" dirty="0">
               <a:effectLst/>
@@ -15878,7 +17196,7 @@
                 <a:ea typeface="Calibri" panose="020F0502020204030204" pitchFamily="34" charset="0"/>
                 <a:cs typeface="Times New Roman" panose="02020603050405020304" pitchFamily="18" charset="0"/>
               </a:rPr>
-              <a:t>: returns the number of items in the stack</a:t>
+              <a:t>: returns the number of items in the stack; O(1)</a:t>
             </a:r>
             <a:endParaRPr lang="en-AU" sz="1800" kern="100" dirty="0">
               <a:effectLst/>
@@ -15934,7 +17252,7 @@
                 <a:ea typeface="Calibri" panose="020F0502020204030204" pitchFamily="34" charset="0"/>
                 <a:cs typeface="Times New Roman" panose="02020603050405020304" pitchFamily="18" charset="0"/>
               </a:rPr>
-              <a:t>: returns true if the stack is empty, and false otherwise</a:t>
+              <a:t>: returns true if the stack is empty, and false otherwise; O(1)</a:t>
             </a:r>
             <a:endParaRPr lang="en-AU" sz="1800" kern="100" dirty="0">
               <a:effectLst/>
@@ -16505,6 +17823,57 @@
           </a:p>
         </p:txBody>
       </p:sp>
+      <mc:AlternateContent xmlns:mc="http://schemas.openxmlformats.org/markup-compatibility/2006">
+        <mc:Choice xmlns:p14="http://schemas.microsoft.com/office/powerpoint/2010/main" Requires="p14">
+          <p:contentPart p14:bwMode="auto" r:id="rId2">
+            <p14:nvContentPartPr>
+              <p14:cNvPr id="5" name="Ink 4">
+                <a:extLst>
+                  <a:ext uri="{FF2B5EF4-FFF2-40B4-BE49-F238E27FC236}">
+                    <a16:creationId xmlns:a16="http://schemas.microsoft.com/office/drawing/2014/main" id="{C3F75E55-7252-0984-72A6-B4A2BF5E82E0}"/>
+                  </a:ext>
+                </a:extLst>
+              </p14:cNvPr>
+              <p14:cNvContentPartPr/>
+              <p14:nvPr/>
+            </p14:nvContentPartPr>
+            <p14:xfrm>
+              <a:off x="438120" y="514080"/>
+              <a:ext cx="8166600" cy="5690880"/>
+            </p14:xfrm>
+          </p:contentPart>
+        </mc:Choice>
+        <mc:Fallback>
+          <p:pic>
+            <p:nvPicPr>
+              <p:cNvPr id="5" name="Ink 4">
+                <a:extLst>
+                  <a:ext uri="{FF2B5EF4-FFF2-40B4-BE49-F238E27FC236}">
+                    <a16:creationId xmlns:a16="http://schemas.microsoft.com/office/drawing/2014/main" id="{C3F75E55-7252-0984-72A6-B4A2BF5E82E0}"/>
+                  </a:ext>
+                </a:extLst>
+              </p:cNvPr>
+              <p:cNvPicPr/>
+              <p:nvPr/>
+            </p:nvPicPr>
+            <p:blipFill>
+              <a:blip r:embed="rId3"/>
+              <a:stretch>
+                <a:fillRect/>
+              </a:stretch>
+            </p:blipFill>
+            <p:spPr>
+              <a:xfrm>
+                <a:off x="428760" y="504720"/>
+                <a:ext cx="8185320" cy="5709600"/>
+              </a:xfrm>
+              <a:prstGeom prst="rect">
+                <a:avLst/>
+              </a:prstGeom>
+            </p:spPr>
+          </p:pic>
+        </mc:Fallback>
+      </mc:AlternateContent>
     </p:spTree>
     <p:extLst>
       <p:ext uri="{BB962C8B-B14F-4D97-AF65-F5344CB8AC3E}">
@@ -17348,6 +18717,57 @@
           </a:fontRef>
         </p:style>
       </p:cxnSp>
+      <mc:AlternateContent xmlns:mc="http://schemas.openxmlformats.org/markup-compatibility/2006">
+        <mc:Choice xmlns:p14="http://schemas.microsoft.com/office/powerpoint/2010/main" Requires="p14">
+          <p:contentPart p14:bwMode="auto" r:id="rId2">
+            <p14:nvContentPartPr>
+              <p14:cNvPr id="5" name="Ink 4">
+                <a:extLst>
+                  <a:ext uri="{FF2B5EF4-FFF2-40B4-BE49-F238E27FC236}">
+                    <a16:creationId xmlns:a16="http://schemas.microsoft.com/office/drawing/2014/main" id="{BD3CBEB4-D2A3-493F-7BE8-00AFBFD07A82}"/>
+                  </a:ext>
+                </a:extLst>
+              </p14:cNvPr>
+              <p14:cNvContentPartPr/>
+              <p14:nvPr/>
+            </p14:nvContentPartPr>
+            <p14:xfrm>
+              <a:off x="492840" y="2589480"/>
+              <a:ext cx="9412920" cy="2594160"/>
+            </p14:xfrm>
+          </p:contentPart>
+        </mc:Choice>
+        <mc:Fallback>
+          <p:pic>
+            <p:nvPicPr>
+              <p:cNvPr id="5" name="Ink 4">
+                <a:extLst>
+                  <a:ext uri="{FF2B5EF4-FFF2-40B4-BE49-F238E27FC236}">
+                    <a16:creationId xmlns:a16="http://schemas.microsoft.com/office/drawing/2014/main" id="{BD3CBEB4-D2A3-493F-7BE8-00AFBFD07A82}"/>
+                  </a:ext>
+                </a:extLst>
+              </p:cNvPr>
+              <p:cNvPicPr/>
+              <p:nvPr/>
+            </p:nvPicPr>
+            <p:blipFill>
+              <a:blip r:embed="rId3"/>
+              <a:stretch>
+                <a:fillRect/>
+              </a:stretch>
+            </p:blipFill>
+            <p:spPr>
+              <a:xfrm>
+                <a:off x="483480" y="2580120"/>
+                <a:ext cx="9431640" cy="2612880"/>
+              </a:xfrm>
+              <a:prstGeom prst="rect">
+                <a:avLst/>
+              </a:prstGeom>
+            </p:spPr>
+          </p:pic>
+        </mc:Fallback>
+      </mc:AlternateContent>
     </p:spTree>
     <p:extLst>
       <p:ext uri="{BB962C8B-B14F-4D97-AF65-F5344CB8AC3E}">
@@ -18230,6 +19650,910 @@
             <a:pPr algn="ctr"/>
             <a:r>
               <a:rPr lang="en-CA" sz="3600" dirty="0"/>
+              <a:t>The Stack ADT</a:t>
+            </a:r>
+            <a:endParaRPr lang="en-CA" sz="3600" b="1" dirty="0"/>
+          </a:p>
+        </p:txBody>
+      </p:sp>
+      <p:sp>
+        <p:nvSpPr>
+          <p:cNvPr id="3" name="TextBox 2">
+            <a:extLst>
+              <a:ext uri="{FF2B5EF4-FFF2-40B4-BE49-F238E27FC236}">
+                <a16:creationId xmlns:a16="http://schemas.microsoft.com/office/drawing/2014/main" id="{54F5A8A1-2B70-FD9E-1609-D600D297FD9C}"/>
+              </a:ext>
+            </a:extLst>
+          </p:cNvPr>
+          <p:cNvSpPr txBox="1"/>
+          <p:nvPr/>
+        </p:nvSpPr>
+        <p:spPr>
+          <a:xfrm>
+            <a:off x="675801" y="1568578"/>
+            <a:ext cx="7387544" cy="4247317"/>
+          </a:xfrm>
+          <a:prstGeom prst="rect">
+            <a:avLst/>
+          </a:prstGeom>
+          <a:noFill/>
+        </p:spPr>
+        <p:txBody>
+          <a:bodyPr wrap="square" rtlCol="0">
+            <a:spAutoFit/>
+          </a:bodyPr>
+          <a:lstStyle/>
+          <a:p>
+            <a:r>
+              <a:rPr lang="en-US" b="0" dirty="0">
+                <a:effectLst/>
+                <a:latin typeface="Consolas" panose="020B0609020204030204" pitchFamily="49" charset="0"/>
+              </a:rPr>
+              <a:t>//</a:t>
+            </a:r>
+          </a:p>
+          <a:p>
+            <a:r>
+              <a:rPr lang="en-US" b="0" dirty="0">
+                <a:effectLst/>
+                <a:latin typeface="Consolas" panose="020B0609020204030204" pitchFamily="49" charset="0"/>
+              </a:rPr>
+              <a:t>// T is the type of the elements in the stack. </a:t>
+            </a:r>
+            <a:br>
+              <a:rPr lang="en-US" b="0" dirty="0">
+                <a:effectLst/>
+                <a:latin typeface="Consolas" panose="020B0609020204030204" pitchFamily="49" charset="0"/>
+              </a:rPr>
+            </a:br>
+            <a:r>
+              <a:rPr lang="en-US" b="0" dirty="0">
+                <a:effectLst/>
+                <a:latin typeface="Consolas" panose="020B0609020204030204" pitchFamily="49" charset="0"/>
+              </a:rPr>
+              <a:t>// T must have a copy constructor.</a:t>
+            </a:r>
+          </a:p>
+          <a:p>
+            <a:r>
+              <a:rPr lang="en-US" b="0" dirty="0">
+                <a:effectLst/>
+                <a:latin typeface="Consolas" panose="020B0609020204030204" pitchFamily="49" charset="0"/>
+              </a:rPr>
+              <a:t>//</a:t>
+            </a:r>
+          </a:p>
+          <a:p>
+            <a:r>
+              <a:rPr lang="en-US" b="0" dirty="0">
+                <a:effectLst/>
+                <a:latin typeface="Consolas" panose="020B0609020204030204" pitchFamily="49" charset="0"/>
+              </a:rPr>
+              <a:t>template &lt;typename T&gt;</a:t>
+            </a:r>
+          </a:p>
+          <a:p>
+            <a:r>
+              <a:rPr lang="en-US" b="0" dirty="0">
+                <a:effectLst/>
+                <a:latin typeface="Consolas" panose="020B0609020204030204" pitchFamily="49" charset="0"/>
+              </a:rPr>
+              <a:t>struct </a:t>
+            </a:r>
+            <a:r>
+              <a:rPr lang="en-US" b="0" dirty="0" err="1">
+                <a:effectLst/>
+                <a:latin typeface="Consolas" panose="020B0609020204030204" pitchFamily="49" charset="0"/>
+              </a:rPr>
+              <a:t>Stack_base</a:t>
+            </a:r>
+            <a:endParaRPr lang="en-US" b="0" dirty="0">
+              <a:effectLst/>
+              <a:latin typeface="Consolas" panose="020B0609020204030204" pitchFamily="49" charset="0"/>
+            </a:endParaRPr>
+          </a:p>
+          <a:p>
+            <a:r>
+              <a:rPr lang="en-US" b="0" dirty="0">
+                <a:effectLst/>
+                <a:latin typeface="Consolas" panose="020B0609020204030204" pitchFamily="49" charset="0"/>
+              </a:rPr>
+              <a:t>{</a:t>
+            </a:r>
+          </a:p>
+          <a:p>
+            <a:r>
+              <a:rPr lang="en-US" b="0" dirty="0">
+                <a:effectLst/>
+                <a:latin typeface="Consolas" panose="020B0609020204030204" pitchFamily="49" charset="0"/>
+              </a:rPr>
+              <a:t>    virtual void push(const T &amp;x) = 0;</a:t>
+            </a:r>
+          </a:p>
+          <a:p>
+            <a:r>
+              <a:rPr lang="en-US" b="0" dirty="0">
+                <a:effectLst/>
+                <a:latin typeface="Consolas" panose="020B0609020204030204" pitchFamily="49" charset="0"/>
+              </a:rPr>
+              <a:t>    virtual T pop()               = 0;</a:t>
+            </a:r>
+          </a:p>
+          <a:p>
+            <a:r>
+              <a:rPr lang="en-US" b="0" dirty="0">
+                <a:effectLst/>
+                <a:latin typeface="Consolas" panose="020B0609020204030204" pitchFamily="49" charset="0"/>
+              </a:rPr>
+              <a:t>    virtual const T &amp;top()  const = 0;</a:t>
+            </a:r>
+          </a:p>
+          <a:p>
+            <a:r>
+              <a:rPr lang="en-US" b="0" dirty="0">
+                <a:effectLst/>
+                <a:latin typeface="Consolas" panose="020B0609020204030204" pitchFamily="49" charset="0"/>
+              </a:rPr>
+              <a:t>    virtual bool empty()    const = 0;</a:t>
+            </a:r>
+          </a:p>
+          <a:p>
+            <a:r>
+              <a:rPr lang="en-US" b="0" dirty="0">
+                <a:effectLst/>
+                <a:latin typeface="Consolas" panose="020B0609020204030204" pitchFamily="49" charset="0"/>
+              </a:rPr>
+              <a:t>    virtual int size()      const = 0;</a:t>
+            </a:r>
+          </a:p>
+          <a:p>
+            <a:r>
+              <a:rPr lang="en-US" b="0" dirty="0">
+                <a:effectLst/>
+                <a:latin typeface="Consolas" panose="020B0609020204030204" pitchFamily="49" charset="0"/>
+              </a:rPr>
+              <a:t>    </a:t>
+            </a:r>
+          </a:p>
+          <a:p>
+            <a:r>
+              <a:rPr lang="en-US" b="0" dirty="0">
+                <a:effectLst/>
+                <a:latin typeface="Consolas" panose="020B0609020204030204" pitchFamily="49" charset="0"/>
+              </a:rPr>
+              <a:t>    virtual ~</a:t>
+            </a:r>
+            <a:r>
+              <a:rPr lang="en-US" b="0" dirty="0" err="1">
+                <a:effectLst/>
+                <a:latin typeface="Consolas" panose="020B0609020204030204" pitchFamily="49" charset="0"/>
+              </a:rPr>
+              <a:t>Stack_base</a:t>
+            </a:r>
+            <a:r>
+              <a:rPr lang="en-US" b="0" dirty="0">
+                <a:effectLst/>
+                <a:latin typeface="Consolas" panose="020B0609020204030204" pitchFamily="49" charset="0"/>
+              </a:rPr>
+              <a:t>() {}</a:t>
+            </a:r>
+          </a:p>
+          <a:p>
+            <a:r>
+              <a:rPr lang="en-US" b="0" dirty="0">
+                <a:effectLst/>
+                <a:latin typeface="Consolas" panose="020B0609020204030204" pitchFamily="49" charset="0"/>
+              </a:rPr>
+              <a:t>};</a:t>
+            </a:r>
+            <a:endParaRPr lang="en-CA" kern="100" dirty="0">
+              <a:latin typeface="Calibri" panose="020F0502020204030204" pitchFamily="34" charset="0"/>
+              <a:ea typeface="Calibri" panose="020F0502020204030204" pitchFamily="34" charset="0"/>
+              <a:cs typeface="Times New Roman" panose="02020603050405020304" pitchFamily="18" charset="0"/>
+            </a:endParaRPr>
+          </a:p>
+        </p:txBody>
+      </p:sp>
+      <p:sp>
+        <p:nvSpPr>
+          <p:cNvPr id="4" name="TextBox 3">
+            <a:extLst>
+              <a:ext uri="{FF2B5EF4-FFF2-40B4-BE49-F238E27FC236}">
+                <a16:creationId xmlns:a16="http://schemas.microsoft.com/office/drawing/2014/main" id="{C90CBC19-9323-4A80-605E-45C59FFE6CF9}"/>
+              </a:ext>
+            </a:extLst>
+          </p:cNvPr>
+          <p:cNvSpPr txBox="1"/>
+          <p:nvPr/>
+        </p:nvSpPr>
+        <p:spPr>
+          <a:xfrm>
+            <a:off x="8587300" y="1093033"/>
+            <a:ext cx="3133645" cy="1477328"/>
+          </a:xfrm>
+          <a:prstGeom prst="rect">
+            <a:avLst/>
+          </a:prstGeom>
+          <a:solidFill>
+            <a:schemeClr val="accent4">
+              <a:lumMod val="40000"/>
+              <a:lumOff val="60000"/>
+            </a:schemeClr>
+          </a:solidFill>
+          <a:ln>
+            <a:noFill/>
+          </a:ln>
+        </p:spPr>
+        <p:txBody>
+          <a:bodyPr wrap="square" rtlCol="0">
+            <a:spAutoFit/>
+          </a:bodyPr>
+          <a:lstStyle/>
+          <a:p>
+            <a:pPr algn="ctr"/>
+            <a:r>
+              <a:rPr lang="en-CA" dirty="0"/>
+              <a:t>A “constant reference” is returned here, which returns a reference to the top stack item without making a copy or allowing it to be changed.</a:t>
+            </a:r>
+            <a:endParaRPr lang="en-CA" b="1" dirty="0"/>
+          </a:p>
+        </p:txBody>
+      </p:sp>
+      <p:cxnSp>
+        <p:nvCxnSpPr>
+          <p:cNvPr id="6" name="Straight Connector 5">
+            <a:extLst>
+              <a:ext uri="{FF2B5EF4-FFF2-40B4-BE49-F238E27FC236}">
+                <a16:creationId xmlns:a16="http://schemas.microsoft.com/office/drawing/2014/main" id="{FCBFF419-FC07-B607-EBC9-CABA4B8D457E}"/>
+              </a:ext>
+            </a:extLst>
+          </p:cNvPr>
+          <p:cNvCxnSpPr/>
+          <p:nvPr/>
+        </p:nvCxnSpPr>
+        <p:spPr>
+          <a:xfrm>
+            <a:off x="9521851" y="4141250"/>
+            <a:ext cx="0" cy="1488734"/>
+          </a:xfrm>
+          <a:prstGeom prst="line">
+            <a:avLst/>
+          </a:prstGeom>
+        </p:spPr>
+        <p:style>
+          <a:lnRef idx="1">
+            <a:schemeClr val="accent1"/>
+          </a:lnRef>
+          <a:fillRef idx="0">
+            <a:schemeClr val="accent1"/>
+          </a:fillRef>
+          <a:effectRef idx="0">
+            <a:schemeClr val="accent1"/>
+          </a:effectRef>
+          <a:fontRef idx="minor">
+            <a:schemeClr val="tx1"/>
+          </a:fontRef>
+        </p:style>
+      </p:cxnSp>
+      <p:cxnSp>
+        <p:nvCxnSpPr>
+          <p:cNvPr id="7" name="Straight Connector 6">
+            <a:extLst>
+              <a:ext uri="{FF2B5EF4-FFF2-40B4-BE49-F238E27FC236}">
+                <a16:creationId xmlns:a16="http://schemas.microsoft.com/office/drawing/2014/main" id="{FB32D55D-EAFD-EAF2-BEA3-EEF35507C408}"/>
+              </a:ext>
+            </a:extLst>
+          </p:cNvPr>
+          <p:cNvCxnSpPr/>
+          <p:nvPr/>
+        </p:nvCxnSpPr>
+        <p:spPr>
+          <a:xfrm>
+            <a:off x="10505524" y="4141250"/>
+            <a:ext cx="0" cy="1488734"/>
+          </a:xfrm>
+          <a:prstGeom prst="line">
+            <a:avLst/>
+          </a:prstGeom>
+        </p:spPr>
+        <p:style>
+          <a:lnRef idx="1">
+            <a:schemeClr val="accent1"/>
+          </a:lnRef>
+          <a:fillRef idx="0">
+            <a:schemeClr val="accent1"/>
+          </a:fillRef>
+          <a:effectRef idx="0">
+            <a:schemeClr val="accent1"/>
+          </a:effectRef>
+          <a:fontRef idx="minor">
+            <a:schemeClr val="tx1"/>
+          </a:fontRef>
+        </p:style>
+      </p:cxnSp>
+      <p:cxnSp>
+        <p:nvCxnSpPr>
+          <p:cNvPr id="8" name="Straight Connector 7">
+            <a:extLst>
+              <a:ext uri="{FF2B5EF4-FFF2-40B4-BE49-F238E27FC236}">
+                <a16:creationId xmlns:a16="http://schemas.microsoft.com/office/drawing/2014/main" id="{4E1BED36-5F2A-193B-45F9-AF8FC4FD51C6}"/>
+              </a:ext>
+            </a:extLst>
+          </p:cNvPr>
+          <p:cNvCxnSpPr>
+            <a:cxnSpLocks/>
+          </p:cNvCxnSpPr>
+          <p:nvPr/>
+        </p:nvCxnSpPr>
+        <p:spPr>
+          <a:xfrm>
+            <a:off x="9521851" y="5629984"/>
+            <a:ext cx="983673" cy="0"/>
+          </a:xfrm>
+          <a:prstGeom prst="line">
+            <a:avLst/>
+          </a:prstGeom>
+        </p:spPr>
+        <p:style>
+          <a:lnRef idx="1">
+            <a:schemeClr val="accent1"/>
+          </a:lnRef>
+          <a:fillRef idx="0">
+            <a:schemeClr val="accent1"/>
+          </a:fillRef>
+          <a:effectRef idx="0">
+            <a:schemeClr val="accent1"/>
+          </a:effectRef>
+          <a:fontRef idx="minor">
+            <a:schemeClr val="tx1"/>
+          </a:fontRef>
+        </p:style>
+      </p:cxnSp>
+      <p:sp>
+        <p:nvSpPr>
+          <p:cNvPr id="11" name="TextBox 10">
+            <a:extLst>
+              <a:ext uri="{FF2B5EF4-FFF2-40B4-BE49-F238E27FC236}">
+                <a16:creationId xmlns:a16="http://schemas.microsoft.com/office/drawing/2014/main" id="{69DF518D-394A-B234-7148-F6A7A5350DB2}"/>
+              </a:ext>
+            </a:extLst>
+          </p:cNvPr>
+          <p:cNvSpPr txBox="1"/>
+          <p:nvPr/>
+        </p:nvSpPr>
+        <p:spPr>
+          <a:xfrm>
+            <a:off x="9854830" y="5224643"/>
+            <a:ext cx="317716" cy="369332"/>
+          </a:xfrm>
+          <a:prstGeom prst="rect">
+            <a:avLst/>
+          </a:prstGeom>
+          <a:noFill/>
+        </p:spPr>
+        <p:txBody>
+          <a:bodyPr wrap="none" rtlCol="0">
+            <a:spAutoFit/>
+          </a:bodyPr>
+          <a:lstStyle/>
+          <a:p>
+            <a:r>
+              <a:rPr lang="en-CA" dirty="0"/>
+              <a:t>A</a:t>
+            </a:r>
+            <a:endParaRPr lang="en-AU" dirty="0"/>
+          </a:p>
+        </p:txBody>
+      </p:sp>
+      <p:sp>
+        <p:nvSpPr>
+          <p:cNvPr id="12" name="TextBox 11">
+            <a:extLst>
+              <a:ext uri="{FF2B5EF4-FFF2-40B4-BE49-F238E27FC236}">
+                <a16:creationId xmlns:a16="http://schemas.microsoft.com/office/drawing/2014/main" id="{968CE5A3-37A0-353C-E8BA-F3DA3E0CB3B1}"/>
+              </a:ext>
+            </a:extLst>
+          </p:cNvPr>
+          <p:cNvSpPr txBox="1"/>
+          <p:nvPr/>
+        </p:nvSpPr>
+        <p:spPr>
+          <a:xfrm>
+            <a:off x="9854829" y="4819302"/>
+            <a:ext cx="327334" cy="369332"/>
+          </a:xfrm>
+          <a:prstGeom prst="rect">
+            <a:avLst/>
+          </a:prstGeom>
+          <a:noFill/>
+        </p:spPr>
+        <p:txBody>
+          <a:bodyPr wrap="none" rtlCol="0">
+            <a:spAutoFit/>
+          </a:bodyPr>
+          <a:lstStyle/>
+          <a:p>
+            <a:r>
+              <a:rPr lang="en-CA" dirty="0"/>
+              <a:t>D</a:t>
+            </a:r>
+            <a:endParaRPr lang="en-AU" dirty="0"/>
+          </a:p>
+        </p:txBody>
+      </p:sp>
+      <p:sp>
+        <p:nvSpPr>
+          <p:cNvPr id="13" name="TextBox 12">
+            <a:extLst>
+              <a:ext uri="{FF2B5EF4-FFF2-40B4-BE49-F238E27FC236}">
+                <a16:creationId xmlns:a16="http://schemas.microsoft.com/office/drawing/2014/main" id="{B3B544AE-BF23-83CA-7DE7-03E1F817F734}"/>
+              </a:ext>
+            </a:extLst>
+          </p:cNvPr>
+          <p:cNvSpPr txBox="1"/>
+          <p:nvPr/>
+        </p:nvSpPr>
+        <p:spPr>
+          <a:xfrm>
+            <a:off x="9854830" y="4413961"/>
+            <a:ext cx="317716" cy="369332"/>
+          </a:xfrm>
+          <a:prstGeom prst="rect">
+            <a:avLst/>
+          </a:prstGeom>
+          <a:noFill/>
+        </p:spPr>
+        <p:txBody>
+          <a:bodyPr wrap="none" rtlCol="0">
+            <a:spAutoFit/>
+          </a:bodyPr>
+          <a:lstStyle/>
+          <a:p>
+            <a:r>
+              <a:rPr lang="en-CA" dirty="0"/>
+              <a:t>C</a:t>
+            </a:r>
+            <a:endParaRPr lang="en-AU" dirty="0"/>
+          </a:p>
+        </p:txBody>
+      </p:sp>
+      <p:sp>
+        <p:nvSpPr>
+          <p:cNvPr id="14" name="TextBox 13">
+            <a:extLst>
+              <a:ext uri="{FF2B5EF4-FFF2-40B4-BE49-F238E27FC236}">
+                <a16:creationId xmlns:a16="http://schemas.microsoft.com/office/drawing/2014/main" id="{FAB089C0-67CE-045E-5774-EABA57A5A3F6}"/>
+              </a:ext>
+            </a:extLst>
+          </p:cNvPr>
+          <p:cNvSpPr txBox="1"/>
+          <p:nvPr/>
+        </p:nvSpPr>
+        <p:spPr>
+          <a:xfrm>
+            <a:off x="9619448" y="5665993"/>
+            <a:ext cx="886076" cy="369332"/>
+          </a:xfrm>
+          <a:prstGeom prst="rect">
+            <a:avLst/>
+          </a:prstGeom>
+          <a:noFill/>
+        </p:spPr>
+        <p:txBody>
+          <a:bodyPr wrap="none" rtlCol="0">
+            <a:spAutoFit/>
+          </a:bodyPr>
+          <a:lstStyle/>
+          <a:p>
+            <a:r>
+              <a:rPr lang="en-CA" dirty="0"/>
+              <a:t>bottom</a:t>
+            </a:r>
+            <a:endParaRPr lang="en-AU" dirty="0"/>
+          </a:p>
+        </p:txBody>
+      </p:sp>
+      <p:sp>
+        <p:nvSpPr>
+          <p:cNvPr id="15" name="TextBox 14">
+            <a:extLst>
+              <a:ext uri="{FF2B5EF4-FFF2-40B4-BE49-F238E27FC236}">
+                <a16:creationId xmlns:a16="http://schemas.microsoft.com/office/drawing/2014/main" id="{2AB85AB8-946F-583D-31F5-39B46AAB68A6}"/>
+              </a:ext>
+            </a:extLst>
+          </p:cNvPr>
+          <p:cNvSpPr txBox="1"/>
+          <p:nvPr/>
+        </p:nvSpPr>
+        <p:spPr>
+          <a:xfrm>
+            <a:off x="10653195" y="4413961"/>
+            <a:ext cx="503023" cy="369332"/>
+          </a:xfrm>
+          <a:prstGeom prst="rect">
+            <a:avLst/>
+          </a:prstGeom>
+          <a:noFill/>
+        </p:spPr>
+        <p:txBody>
+          <a:bodyPr wrap="none" rtlCol="0">
+            <a:spAutoFit/>
+          </a:bodyPr>
+          <a:lstStyle/>
+          <a:p>
+            <a:r>
+              <a:rPr lang="en-CA" dirty="0"/>
+              <a:t>top</a:t>
+            </a:r>
+            <a:endParaRPr lang="en-AU" dirty="0"/>
+          </a:p>
+        </p:txBody>
+      </p:sp>
+      <p:cxnSp>
+        <p:nvCxnSpPr>
+          <p:cNvPr id="17" name="Straight Arrow Connector 16">
+            <a:extLst>
+              <a:ext uri="{FF2B5EF4-FFF2-40B4-BE49-F238E27FC236}">
+                <a16:creationId xmlns:a16="http://schemas.microsoft.com/office/drawing/2014/main" id="{29DCEBF4-AC51-192A-A89A-42E876CA9ACD}"/>
+              </a:ext>
+            </a:extLst>
+          </p:cNvPr>
+          <p:cNvCxnSpPr>
+            <a:stCxn id="15" idx="1"/>
+            <a:endCxn id="13" idx="3"/>
+          </p:cNvCxnSpPr>
+          <p:nvPr/>
+        </p:nvCxnSpPr>
+        <p:spPr>
+          <a:xfrm flipH="1">
+            <a:off x="10172546" y="4598627"/>
+            <a:ext cx="480649" cy="0"/>
+          </a:xfrm>
+          <a:prstGeom prst="straightConnector1">
+            <a:avLst/>
+          </a:prstGeom>
+          <a:ln>
+            <a:tailEnd type="triangle"/>
+          </a:ln>
+        </p:spPr>
+        <p:style>
+          <a:lnRef idx="1">
+            <a:schemeClr val="accent1"/>
+          </a:lnRef>
+          <a:fillRef idx="0">
+            <a:schemeClr val="accent1"/>
+          </a:fillRef>
+          <a:effectRef idx="0">
+            <a:schemeClr val="accent1"/>
+          </a:effectRef>
+          <a:fontRef idx="minor">
+            <a:schemeClr val="tx1"/>
+          </a:fontRef>
+        </p:style>
+      </p:cxnSp>
+      <p:cxnSp>
+        <p:nvCxnSpPr>
+          <p:cNvPr id="19" name="Straight Arrow Connector 18">
+            <a:extLst>
+              <a:ext uri="{FF2B5EF4-FFF2-40B4-BE49-F238E27FC236}">
+                <a16:creationId xmlns:a16="http://schemas.microsoft.com/office/drawing/2014/main" id="{601C1FBE-CF5A-E358-252D-08C7D1049955}"/>
+              </a:ext>
+            </a:extLst>
+          </p:cNvPr>
+          <p:cNvCxnSpPr/>
+          <p:nvPr/>
+        </p:nvCxnSpPr>
+        <p:spPr>
+          <a:xfrm>
+            <a:off x="9521851" y="3544245"/>
+            <a:ext cx="279610" cy="476092"/>
+          </a:xfrm>
+          <a:prstGeom prst="straightConnector1">
+            <a:avLst/>
+          </a:prstGeom>
+          <a:ln>
+            <a:tailEnd type="triangle"/>
+          </a:ln>
+        </p:spPr>
+        <p:style>
+          <a:lnRef idx="1">
+            <a:schemeClr val="accent1"/>
+          </a:lnRef>
+          <a:fillRef idx="0">
+            <a:schemeClr val="accent1"/>
+          </a:fillRef>
+          <a:effectRef idx="0">
+            <a:schemeClr val="accent1"/>
+          </a:effectRef>
+          <a:fontRef idx="minor">
+            <a:schemeClr val="tx1"/>
+          </a:fontRef>
+        </p:style>
+      </p:cxnSp>
+      <p:cxnSp>
+        <p:nvCxnSpPr>
+          <p:cNvPr id="20" name="Straight Arrow Connector 19">
+            <a:extLst>
+              <a:ext uri="{FF2B5EF4-FFF2-40B4-BE49-F238E27FC236}">
+                <a16:creationId xmlns:a16="http://schemas.microsoft.com/office/drawing/2014/main" id="{8B1E2ECF-3A9A-BC5B-4214-63696C03BA43}"/>
+              </a:ext>
+            </a:extLst>
+          </p:cNvPr>
+          <p:cNvCxnSpPr>
+            <a:cxnSpLocks/>
+          </p:cNvCxnSpPr>
+          <p:nvPr/>
+        </p:nvCxnSpPr>
+        <p:spPr>
+          <a:xfrm flipV="1">
+            <a:off x="10262440" y="3544245"/>
+            <a:ext cx="302281" cy="462504"/>
+          </a:xfrm>
+          <a:prstGeom prst="straightConnector1">
+            <a:avLst/>
+          </a:prstGeom>
+          <a:ln>
+            <a:tailEnd type="triangle"/>
+          </a:ln>
+        </p:spPr>
+        <p:style>
+          <a:lnRef idx="1">
+            <a:schemeClr val="accent1"/>
+          </a:lnRef>
+          <a:fillRef idx="0">
+            <a:schemeClr val="accent1"/>
+          </a:fillRef>
+          <a:effectRef idx="0">
+            <a:schemeClr val="accent1"/>
+          </a:effectRef>
+          <a:fontRef idx="minor">
+            <a:schemeClr val="tx1"/>
+          </a:fontRef>
+        </p:style>
+      </p:cxnSp>
+      <p:sp>
+        <p:nvSpPr>
+          <p:cNvPr id="23" name="TextBox 22">
+            <a:extLst>
+              <a:ext uri="{FF2B5EF4-FFF2-40B4-BE49-F238E27FC236}">
+                <a16:creationId xmlns:a16="http://schemas.microsoft.com/office/drawing/2014/main" id="{CDA72FC0-7F5C-66E6-8F41-78AE4F4632B2}"/>
+              </a:ext>
+            </a:extLst>
+          </p:cNvPr>
+          <p:cNvSpPr txBox="1"/>
+          <p:nvPr/>
+        </p:nvSpPr>
+        <p:spPr>
+          <a:xfrm>
+            <a:off x="8911381" y="3119611"/>
+            <a:ext cx="639919" cy="369332"/>
+          </a:xfrm>
+          <a:prstGeom prst="rect">
+            <a:avLst/>
+          </a:prstGeom>
+          <a:noFill/>
+        </p:spPr>
+        <p:txBody>
+          <a:bodyPr wrap="none" rtlCol="0">
+            <a:spAutoFit/>
+          </a:bodyPr>
+          <a:lstStyle/>
+          <a:p>
+            <a:r>
+              <a:rPr lang="en-CA" dirty="0"/>
+              <a:t>push</a:t>
+            </a:r>
+            <a:endParaRPr lang="en-AU" dirty="0"/>
+          </a:p>
+        </p:txBody>
+      </p:sp>
+      <p:sp>
+        <p:nvSpPr>
+          <p:cNvPr id="24" name="TextBox 23">
+            <a:extLst>
+              <a:ext uri="{FF2B5EF4-FFF2-40B4-BE49-F238E27FC236}">
+                <a16:creationId xmlns:a16="http://schemas.microsoft.com/office/drawing/2014/main" id="{93663F8C-2364-7225-0DD2-74F6AB0DD54B}"/>
+              </a:ext>
+            </a:extLst>
+          </p:cNvPr>
+          <p:cNvSpPr txBox="1"/>
+          <p:nvPr/>
+        </p:nvSpPr>
+        <p:spPr>
+          <a:xfrm>
+            <a:off x="10448891" y="3115596"/>
+            <a:ext cx="550151" cy="369332"/>
+          </a:xfrm>
+          <a:prstGeom prst="rect">
+            <a:avLst/>
+          </a:prstGeom>
+          <a:noFill/>
+        </p:spPr>
+        <p:txBody>
+          <a:bodyPr wrap="none" rtlCol="0">
+            <a:spAutoFit/>
+          </a:bodyPr>
+          <a:lstStyle/>
+          <a:p>
+            <a:r>
+              <a:rPr lang="en-CA" dirty="0"/>
+              <a:t>pop</a:t>
+            </a:r>
+            <a:endParaRPr lang="en-AU" dirty="0"/>
+          </a:p>
+        </p:txBody>
+      </p:sp>
+      <p:cxnSp>
+        <p:nvCxnSpPr>
+          <p:cNvPr id="9" name="Straight Arrow Connector 8">
+            <a:extLst>
+              <a:ext uri="{FF2B5EF4-FFF2-40B4-BE49-F238E27FC236}">
+                <a16:creationId xmlns:a16="http://schemas.microsoft.com/office/drawing/2014/main" id="{B7B5A1EC-F052-C3C3-BDA7-679D998F6C5F}"/>
+              </a:ext>
+            </a:extLst>
+          </p:cNvPr>
+          <p:cNvCxnSpPr>
+            <a:stCxn id="4" idx="1"/>
+          </p:cNvCxnSpPr>
+          <p:nvPr/>
+        </p:nvCxnSpPr>
+        <p:spPr>
+          <a:xfrm flipH="1">
+            <a:off x="3370433" y="1831697"/>
+            <a:ext cx="5216867" cy="2241539"/>
+          </a:xfrm>
+          <a:prstGeom prst="straightConnector1">
+            <a:avLst/>
+          </a:prstGeom>
+          <a:ln>
+            <a:tailEnd type="triangle"/>
+          </a:ln>
+        </p:spPr>
+        <p:style>
+          <a:lnRef idx="1">
+            <a:schemeClr val="accent1"/>
+          </a:lnRef>
+          <a:fillRef idx="0">
+            <a:schemeClr val="accent1"/>
+          </a:fillRef>
+          <a:effectRef idx="0">
+            <a:schemeClr val="accent1"/>
+          </a:effectRef>
+          <a:fontRef idx="minor">
+            <a:schemeClr val="tx1"/>
+          </a:fontRef>
+        </p:style>
+      </p:cxnSp>
+      <p:sp>
+        <p:nvSpPr>
+          <p:cNvPr id="5" name="TextBox 4">
+            <a:extLst>
+              <a:ext uri="{FF2B5EF4-FFF2-40B4-BE49-F238E27FC236}">
+                <a16:creationId xmlns:a16="http://schemas.microsoft.com/office/drawing/2014/main" id="{FE4B96ED-86BD-B4E4-9359-29445599E813}"/>
+              </a:ext>
+            </a:extLst>
+          </p:cNvPr>
+          <p:cNvSpPr txBox="1"/>
+          <p:nvPr/>
+        </p:nvSpPr>
+        <p:spPr>
+          <a:xfrm>
+            <a:off x="6312515" y="4891320"/>
+            <a:ext cx="2734502" cy="1477328"/>
+          </a:xfrm>
+          <a:prstGeom prst="rect">
+            <a:avLst/>
+          </a:prstGeom>
+          <a:solidFill>
+            <a:schemeClr val="accent4">
+              <a:lumMod val="40000"/>
+              <a:lumOff val="60000"/>
+            </a:schemeClr>
+          </a:solidFill>
+          <a:ln>
+            <a:noFill/>
+          </a:ln>
+        </p:spPr>
+        <p:txBody>
+          <a:bodyPr wrap="square" rtlCol="0">
+            <a:spAutoFit/>
+          </a:bodyPr>
+          <a:lstStyle/>
+          <a:p>
+            <a:pPr algn="ctr"/>
+            <a:r>
+              <a:rPr lang="en-CA" dirty="0"/>
+              <a:t>A stack can be efficiently implemented with an array, vector (comes with </a:t>
+            </a:r>
+            <a:r>
+              <a:rPr lang="en-CA" dirty="0" err="1"/>
+              <a:t>push_back</a:t>
+            </a:r>
+            <a:r>
+              <a:rPr lang="en-CA" dirty="0"/>
+              <a:t> and </a:t>
+            </a:r>
+            <a:r>
+              <a:rPr lang="en-CA" dirty="0" err="1"/>
+              <a:t>pop_back</a:t>
+            </a:r>
+            <a:r>
+              <a:rPr lang="en-CA" dirty="0"/>
+              <a:t>), and linked lists.</a:t>
+            </a:r>
+            <a:endParaRPr lang="en-CA" b="1" dirty="0"/>
+          </a:p>
+        </p:txBody>
+      </p:sp>
+    </p:spTree>
+    <p:extLst>
+      <p:ext uri="{BB962C8B-B14F-4D97-AF65-F5344CB8AC3E}">
+        <p14:creationId xmlns:p14="http://schemas.microsoft.com/office/powerpoint/2010/main" val="2056466361"/>
+      </p:ext>
+    </p:extLst>
+  </p:cSld>
+  <p:clrMapOvr>
+    <a:masterClrMapping/>
+  </p:clrMapOvr>
+</p:sld>
+</file>
+
+<file path=ppt/slides/slide21.xml><?xml version="1.0" encoding="utf-8"?>
+<p:sld xmlns:a="http://schemas.openxmlformats.org/drawingml/2006/main" xmlns:r="http://schemas.openxmlformats.org/officeDocument/2006/relationships" xmlns:p="http://schemas.openxmlformats.org/presentationml/2006/main">
+  <p:cSld>
+    <p:spTree>
+      <p:nvGrpSpPr>
+        <p:cNvPr id="1" name=""/>
+        <p:cNvGrpSpPr/>
+        <p:nvPr/>
+      </p:nvGrpSpPr>
+      <p:grpSpPr>
+        <a:xfrm>
+          <a:off x="0" y="0"/>
+          <a:ext cx="0" cy="0"/>
+          <a:chOff x="0" y="0"/>
+          <a:chExt cx="0" cy="0"/>
+        </a:xfrm>
+      </p:grpSpPr>
+      <p:sp>
+        <p:nvSpPr>
+          <p:cNvPr id="2" name="TextBox 1">
+            <a:extLst>
+              <a:ext uri="{FF2B5EF4-FFF2-40B4-BE49-F238E27FC236}">
+                <a16:creationId xmlns:a16="http://schemas.microsoft.com/office/drawing/2014/main" id="{A4BC1F36-8D19-79F2-3E01-CBC70AAB5D5F}"/>
+              </a:ext>
+            </a:extLst>
+          </p:cNvPr>
+          <p:cNvSpPr txBox="1"/>
+          <p:nvPr/>
+        </p:nvSpPr>
+        <p:spPr>
+          <a:xfrm>
+            <a:off x="652162" y="454734"/>
+            <a:ext cx="3428632" cy="646331"/>
+          </a:xfrm>
+          <a:prstGeom prst="rect">
+            <a:avLst/>
+          </a:prstGeom>
+          <a:solidFill>
+            <a:schemeClr val="accent4">
+              <a:lumMod val="40000"/>
+              <a:lumOff val="60000"/>
+            </a:schemeClr>
+          </a:solidFill>
+          <a:ln>
+            <a:noFill/>
+          </a:ln>
+        </p:spPr>
+        <p:txBody>
+          <a:bodyPr wrap="square" rtlCol="0">
+            <a:spAutoFit/>
+          </a:bodyPr>
+          <a:lstStyle/>
+          <a:p>
+            <a:pPr algn="ctr"/>
+            <a:r>
+              <a:rPr lang="en-CA" sz="3600" dirty="0"/>
               <a:t>The Queue ADT</a:t>
             </a:r>
             <a:endParaRPr lang="en-CA" sz="3600" b="1" dirty="0"/>
@@ -18309,7 +20633,7 @@
                 <a:ea typeface="Calibri" panose="020F0502020204030204" pitchFamily="34" charset="0"/>
                 <a:cs typeface="Times New Roman" panose="02020603050405020304" pitchFamily="18" charset="0"/>
               </a:rPr>
-              <a:t> of the queue; error if queue is full</a:t>
+              <a:t> of the queue; error if queue is full; O(1)</a:t>
             </a:r>
             <a:endParaRPr lang="en-AU" sz="1800" kern="100" dirty="0">
               <a:effectLst/>
@@ -18383,7 +20707,7 @@
                 <a:ea typeface="Calibri" panose="020F0502020204030204" pitchFamily="34" charset="0"/>
                 <a:cs typeface="Times New Roman" panose="02020603050405020304" pitchFamily="18" charset="0"/>
               </a:rPr>
-              <a:t> of the queue; error if queue is empty</a:t>
+              <a:t> of the queue; error if queue is empty; O(1)</a:t>
             </a:r>
             <a:endParaRPr lang="en-AU" sz="1800" kern="100" dirty="0">
               <a:effectLst/>
@@ -18439,7 +20763,7 @@
                 <a:ea typeface="Calibri" panose="020F0502020204030204" pitchFamily="34" charset="0"/>
                 <a:cs typeface="Times New Roman" panose="02020603050405020304" pitchFamily="18" charset="0"/>
               </a:rPr>
-              <a:t>: return a copy of the front queue item without removing it; error if queue is empty</a:t>
+              <a:t>: return a copy of the front queue item without removing it; error if queue is empty; O(1)</a:t>
             </a:r>
             <a:endParaRPr lang="en-AU" sz="1800" kern="100" dirty="0">
               <a:effectLst/>
@@ -18495,7 +20819,7 @@
                 <a:ea typeface="Calibri" panose="020F0502020204030204" pitchFamily="34" charset="0"/>
                 <a:cs typeface="Times New Roman" panose="02020603050405020304" pitchFamily="18" charset="0"/>
               </a:rPr>
-              <a:t>: return number of items in the queue</a:t>
+              <a:t>: return number of items in the queue; O(1)</a:t>
             </a:r>
             <a:endParaRPr lang="en-AU" sz="1800" kern="100" dirty="0">
               <a:effectLst/>
@@ -18551,7 +20875,7 @@
                 <a:ea typeface="Calibri" panose="020F0502020204030204" pitchFamily="34" charset="0"/>
                 <a:cs typeface="Times New Roman" panose="02020603050405020304" pitchFamily="18" charset="0"/>
               </a:rPr>
-              <a:t>: return true if queue is empty, and false otherwise</a:t>
+              <a:t>: return true if queue is empty, and false otherwise; O(1)</a:t>
             </a:r>
             <a:endParaRPr lang="en-AU" sz="1800" kern="100" dirty="0">
               <a:effectLst/>
@@ -19034,6 +21358,57 @@
           </a:fontRef>
         </p:style>
       </p:cxnSp>
+      <mc:AlternateContent xmlns:mc="http://schemas.openxmlformats.org/markup-compatibility/2006">
+        <mc:Choice xmlns:p14="http://schemas.microsoft.com/office/powerpoint/2010/main" Requires="p14">
+          <p:contentPart p14:bwMode="auto" r:id="rId2">
+            <p14:nvContentPartPr>
+              <p14:cNvPr id="5" name="Ink 4">
+                <a:extLst>
+                  <a:ext uri="{FF2B5EF4-FFF2-40B4-BE49-F238E27FC236}">
+                    <a16:creationId xmlns:a16="http://schemas.microsoft.com/office/drawing/2014/main" id="{629D09F6-A695-2440-477C-910C1B809507}"/>
+                  </a:ext>
+                </a:extLst>
+              </p14:cNvPr>
+              <p14:cNvContentPartPr/>
+              <p14:nvPr/>
+            </p14:nvContentPartPr>
+            <p14:xfrm>
+              <a:off x="493920" y="1239480"/>
+              <a:ext cx="9798840" cy="5218920"/>
+            </p14:xfrm>
+          </p:contentPart>
+        </mc:Choice>
+        <mc:Fallback>
+          <p:pic>
+            <p:nvPicPr>
+              <p:cNvPr id="5" name="Ink 4">
+                <a:extLst>
+                  <a:ext uri="{FF2B5EF4-FFF2-40B4-BE49-F238E27FC236}">
+                    <a16:creationId xmlns:a16="http://schemas.microsoft.com/office/drawing/2014/main" id="{629D09F6-A695-2440-477C-910C1B809507}"/>
+                  </a:ext>
+                </a:extLst>
+              </p:cNvPr>
+              <p:cNvPicPr/>
+              <p:nvPr/>
+            </p:nvPicPr>
+            <p:blipFill>
+              <a:blip r:embed="rId3"/>
+              <a:stretch>
+                <a:fillRect/>
+              </a:stretch>
+            </p:blipFill>
+            <p:spPr>
+              <a:xfrm>
+                <a:off x="484560" y="1230120"/>
+                <a:ext cx="9817560" cy="5237640"/>
+              </a:xfrm>
+              <a:prstGeom prst="rect">
+                <a:avLst/>
+              </a:prstGeom>
+            </p:spPr>
+          </p:pic>
+        </mc:Fallback>
+      </mc:AlternateContent>
     </p:spTree>
     <p:extLst>
       <p:ext uri="{BB962C8B-B14F-4D97-AF65-F5344CB8AC3E}">
@@ -19047,7 +21422,7 @@
 </p:sld>
 </file>
 
-<file path=ppt/slides/slide21.xml><?xml version="1.0" encoding="utf-8"?>
+<file path=ppt/slides/slide22.xml><?xml version="1.0" encoding="utf-8"?>
 <p:sld xmlns:a="http://schemas.openxmlformats.org/drawingml/2006/main" xmlns:r="http://schemas.openxmlformats.org/officeDocument/2006/relationships" xmlns:p="http://schemas.openxmlformats.org/presentationml/2006/main">
   <p:cSld>
     <p:spTree>
@@ -19124,7 +21499,7 @@
         <p:spPr>
           <a:xfrm>
             <a:off x="675801" y="1568578"/>
-            <a:ext cx="7387544" cy="4247317"/>
+            <a:ext cx="7387544" cy="3441776"/>
           </a:xfrm>
           <a:prstGeom prst="rect">
             <a:avLst/>
@@ -19137,169 +21512,297 @@
           </a:bodyPr>
           <a:lstStyle/>
           <a:p>
-            <a:r>
-              <a:rPr lang="en-US" b="0" dirty="0">
+            <a:pPr marR="0" lvl="0">
+              <a:lnSpc>
+                <a:spcPct val="107000"/>
+              </a:lnSpc>
+              <a:spcBef>
+                <a:spcPts val="0"/>
+              </a:spcBef>
+              <a:spcAft>
+                <a:spcPts val="0"/>
+              </a:spcAft>
+            </a:pPr>
+            <a:r>
+              <a:rPr lang="en-CA" sz="1800" b="1" kern="100" dirty="0">
                 <a:effectLst/>
-                <a:latin typeface="Consolas" panose="020B0609020204030204" pitchFamily="49" charset="0"/>
+                <a:latin typeface="Calibri" panose="020F0502020204030204" pitchFamily="34" charset="0"/>
+                <a:ea typeface="Calibri" panose="020F0502020204030204" pitchFamily="34" charset="0"/>
+                <a:cs typeface="Times New Roman" panose="02020603050405020304" pitchFamily="18" charset="0"/>
               </a:rPr>
-              <a:t>//</a:t>
-            </a:r>
-          </a:p>
-          <a:p>
-            <a:r>
-              <a:rPr lang="en-US" b="0" dirty="0">
+              <a:t>enqueue(x)</a:t>
+            </a:r>
+            <a:r>
+              <a:rPr lang="en-CA" sz="1800" kern="100" dirty="0">
                 <a:effectLst/>
-                <a:latin typeface="Consolas" panose="020B0609020204030204" pitchFamily="49" charset="0"/>
+                <a:latin typeface="Calibri" panose="020F0502020204030204" pitchFamily="34" charset="0"/>
+                <a:ea typeface="Calibri" panose="020F0502020204030204" pitchFamily="34" charset="0"/>
+                <a:cs typeface="Times New Roman" panose="02020603050405020304" pitchFamily="18" charset="0"/>
               </a:rPr>
-              <a:t>// T is the type of the elements in the queue.</a:t>
-            </a:r>
-          </a:p>
-          <a:p>
-            <a:r>
-              <a:rPr lang="en-US" b="0" dirty="0">
+              <a:t>: add x to the </a:t>
+            </a:r>
+            <a:r>
+              <a:rPr lang="en-CA" sz="1800" b="1" kern="100" dirty="0">
                 <a:effectLst/>
-                <a:latin typeface="Consolas" panose="020B0609020204030204" pitchFamily="49" charset="0"/>
+                <a:latin typeface="Calibri" panose="020F0502020204030204" pitchFamily="34" charset="0"/>
+                <a:ea typeface="Calibri" panose="020F0502020204030204" pitchFamily="34" charset="0"/>
+                <a:cs typeface="Times New Roman" panose="02020603050405020304" pitchFamily="18" charset="0"/>
               </a:rPr>
-              <a:t>// T must have a copy constructor.</a:t>
-            </a:r>
-          </a:p>
-          <a:p>
-            <a:r>
-              <a:rPr lang="en-US" b="0" dirty="0">
+              <a:t>end</a:t>
+            </a:r>
+            <a:r>
+              <a:rPr lang="en-CA" sz="1800" kern="100" dirty="0">
                 <a:effectLst/>
-                <a:latin typeface="Consolas" panose="020B0609020204030204" pitchFamily="49" charset="0"/>
+                <a:latin typeface="Calibri" panose="020F0502020204030204" pitchFamily="34" charset="0"/>
+                <a:ea typeface="Calibri" panose="020F0502020204030204" pitchFamily="34" charset="0"/>
+                <a:cs typeface="Times New Roman" panose="02020603050405020304" pitchFamily="18" charset="0"/>
               </a:rPr>
-              <a:t>//</a:t>
-            </a:r>
-          </a:p>
-          <a:p>
-            <a:r>
-              <a:rPr lang="en-US" b="0" dirty="0">
-                <a:effectLst/>
-                <a:latin typeface="Consolas" panose="020B0609020204030204" pitchFamily="49" charset="0"/>
-              </a:rPr>
-              <a:t>template &lt;typename T&gt;</a:t>
-            </a:r>
-          </a:p>
-          <a:p>
-            <a:r>
-              <a:rPr lang="en-US" b="0" dirty="0">
-                <a:effectLst/>
-                <a:latin typeface="Consolas" panose="020B0609020204030204" pitchFamily="49" charset="0"/>
-              </a:rPr>
-              <a:t>struct </a:t>
-            </a:r>
-            <a:r>
-              <a:rPr lang="en-US" b="0" dirty="0" err="1">
-                <a:effectLst/>
-                <a:latin typeface="Consolas" panose="020B0609020204030204" pitchFamily="49" charset="0"/>
-              </a:rPr>
-              <a:t>Queue_base</a:t>
-            </a:r>
-            <a:endParaRPr lang="en-US" b="0" dirty="0">
+              <a:t> of the queue; error if queue is full; O(1)</a:t>
+            </a:r>
+            <a:endParaRPr lang="en-AU" sz="1800" kern="100" dirty="0">
               <a:effectLst/>
-              <a:latin typeface="Consolas" panose="020B0609020204030204" pitchFamily="49" charset="0"/>
+              <a:latin typeface="Calibri" panose="020F0502020204030204" pitchFamily="34" charset="0"/>
+              <a:ea typeface="Calibri" panose="020F0502020204030204" pitchFamily="34" charset="0"/>
+              <a:cs typeface="Times New Roman" panose="02020603050405020304" pitchFamily="18" charset="0"/>
             </a:endParaRPr>
           </a:p>
           <a:p>
-            <a:r>
-              <a:rPr lang="en-US" b="0" dirty="0">
-                <a:effectLst/>
-                <a:latin typeface="Consolas" panose="020B0609020204030204" pitchFamily="49" charset="0"/>
-              </a:rPr>
-              <a:t>{</a:t>
-            </a:r>
-          </a:p>
-          <a:p>
-            <a:r>
-              <a:rPr lang="en-US" b="0" dirty="0">
-                <a:effectLst/>
-                <a:latin typeface="Consolas" panose="020B0609020204030204" pitchFamily="49" charset="0"/>
-              </a:rPr>
-              <a:t>    virtual void enqueue(const T &amp;x) = 0;</a:t>
-            </a:r>
-          </a:p>
-          <a:p>
-            <a:r>
-              <a:rPr lang="en-US" b="0" dirty="0">
-                <a:effectLst/>
-                <a:latin typeface="Consolas" panose="020B0609020204030204" pitchFamily="49" charset="0"/>
-              </a:rPr>
-              <a:t>    virtual T dequeue() = 0;</a:t>
-            </a:r>
-          </a:p>
-          <a:p>
-            <a:r>
-              <a:rPr lang="en-US" b="0" dirty="0">
-                <a:effectLst/>
-                <a:latin typeface="Consolas" panose="020B0609020204030204" pitchFamily="49" charset="0"/>
-              </a:rPr>
-              <a:t>    virtual const T &amp;front() const = 0;</a:t>
-            </a:r>
-          </a:p>
-          <a:p>
-            <a:r>
-              <a:rPr lang="en-US" b="0" dirty="0">
-                <a:effectLst/>
-                <a:latin typeface="Consolas" panose="020B0609020204030204" pitchFamily="49" charset="0"/>
-              </a:rPr>
-              <a:t>    virtual bool empty() const = 0;</a:t>
-            </a:r>
-          </a:p>
-          <a:p>
-            <a:r>
-              <a:rPr lang="en-US" b="0" dirty="0">
-                <a:effectLst/>
-                <a:latin typeface="Consolas" panose="020B0609020204030204" pitchFamily="49" charset="0"/>
-              </a:rPr>
-              <a:t>    virtual int size() const = 0;</a:t>
-            </a:r>
-          </a:p>
-          <a:p>
-            <a:endParaRPr lang="en-US" b="0" dirty="0">
+            <a:pPr marR="0" lvl="0">
+              <a:lnSpc>
+                <a:spcPct val="107000"/>
+              </a:lnSpc>
+              <a:spcBef>
+                <a:spcPts val="0"/>
+              </a:spcBef>
+              <a:spcAft>
+                <a:spcPts val="0"/>
+              </a:spcAft>
+            </a:pPr>
+            <a:endParaRPr lang="en-CA" sz="1800" b="1" kern="100" dirty="0">
               <a:effectLst/>
-              <a:latin typeface="Consolas" panose="020B0609020204030204" pitchFamily="49" charset="0"/>
+              <a:latin typeface="Calibri" panose="020F0502020204030204" pitchFamily="34" charset="0"/>
+              <a:ea typeface="Calibri" panose="020F0502020204030204" pitchFamily="34" charset="0"/>
+              <a:cs typeface="Times New Roman" panose="02020603050405020304" pitchFamily="18" charset="0"/>
             </a:endParaRPr>
           </a:p>
           <a:p>
-            <a:r>
-              <a:rPr lang="en-US" b="0" dirty="0">
+            <a:pPr marR="0" lvl="0">
+              <a:lnSpc>
+                <a:spcPct val="107000"/>
+              </a:lnSpc>
+              <a:spcBef>
+                <a:spcPts val="0"/>
+              </a:spcBef>
+              <a:spcAft>
+                <a:spcPts val="0"/>
+              </a:spcAft>
+            </a:pPr>
+            <a:r>
+              <a:rPr lang="en-CA" sz="1800" b="1" kern="100" dirty="0">
                 <a:effectLst/>
-                <a:latin typeface="Consolas" panose="020B0609020204030204" pitchFamily="49" charset="0"/>
+                <a:latin typeface="Calibri" panose="020F0502020204030204" pitchFamily="34" charset="0"/>
+                <a:ea typeface="Calibri" panose="020F0502020204030204" pitchFamily="34" charset="0"/>
+                <a:cs typeface="Times New Roman" panose="02020603050405020304" pitchFamily="18" charset="0"/>
               </a:rPr>
-              <a:t>    virtual ~</a:t>
-            </a:r>
-            <a:r>
-              <a:rPr lang="en-US" b="0" dirty="0" err="1">
+              <a:t>dequeue()</a:t>
+            </a:r>
+            <a:r>
+              <a:rPr lang="en-CA" sz="1800" kern="100" dirty="0">
                 <a:effectLst/>
-                <a:latin typeface="Consolas" panose="020B0609020204030204" pitchFamily="49" charset="0"/>
+                <a:latin typeface="Calibri" panose="020F0502020204030204" pitchFamily="34" charset="0"/>
+                <a:ea typeface="Calibri" panose="020F0502020204030204" pitchFamily="34" charset="0"/>
+                <a:cs typeface="Times New Roman" panose="02020603050405020304" pitchFamily="18" charset="0"/>
               </a:rPr>
-              <a:t>Queue_base</a:t>
-            </a:r>
-            <a:r>
-              <a:rPr lang="en-US" b="0" dirty="0">
+              <a:t>: remove the item at the </a:t>
+            </a:r>
+            <a:r>
+              <a:rPr lang="en-CA" sz="1800" b="1" kern="100" dirty="0">
                 <a:effectLst/>
-                <a:latin typeface="Consolas" panose="020B0609020204030204" pitchFamily="49" charset="0"/>
+                <a:latin typeface="Calibri" panose="020F0502020204030204" pitchFamily="34" charset="0"/>
+                <a:ea typeface="Calibri" panose="020F0502020204030204" pitchFamily="34" charset="0"/>
+                <a:cs typeface="Times New Roman" panose="02020603050405020304" pitchFamily="18" charset="0"/>
               </a:rPr>
-              <a:t>() {}</a:t>
-            </a:r>
+              <a:t>front</a:t>
+            </a:r>
+            <a:r>
+              <a:rPr lang="en-CA" sz="1800" kern="100" dirty="0">
+                <a:effectLst/>
+                <a:latin typeface="Calibri" panose="020F0502020204030204" pitchFamily="34" charset="0"/>
+                <a:ea typeface="Calibri" panose="020F0502020204030204" pitchFamily="34" charset="0"/>
+                <a:cs typeface="Times New Roman" panose="02020603050405020304" pitchFamily="18" charset="0"/>
+              </a:rPr>
+              <a:t> of the queue; error if queue is empty; O(1)</a:t>
+            </a:r>
+            <a:endParaRPr lang="en-AU" sz="1800" kern="100" dirty="0">
+              <a:effectLst/>
+              <a:latin typeface="Calibri" panose="020F0502020204030204" pitchFamily="34" charset="0"/>
+              <a:ea typeface="Calibri" panose="020F0502020204030204" pitchFamily="34" charset="0"/>
+              <a:cs typeface="Times New Roman" panose="02020603050405020304" pitchFamily="18" charset="0"/>
+            </a:endParaRPr>
           </a:p>
           <a:p>
-            <a:r>
-              <a:rPr lang="en-US" b="0" dirty="0">
+            <a:pPr marR="0" lvl="0">
+              <a:lnSpc>
+                <a:spcPct val="107000"/>
+              </a:lnSpc>
+              <a:spcBef>
+                <a:spcPts val="0"/>
+              </a:spcBef>
+              <a:spcAft>
+                <a:spcPts val="0"/>
+              </a:spcAft>
+            </a:pPr>
+            <a:endParaRPr lang="en-CA" sz="1800" b="1" kern="100" dirty="0">
+              <a:effectLst/>
+              <a:latin typeface="Calibri" panose="020F0502020204030204" pitchFamily="34" charset="0"/>
+              <a:ea typeface="Calibri" panose="020F0502020204030204" pitchFamily="34" charset="0"/>
+              <a:cs typeface="Times New Roman" panose="02020603050405020304" pitchFamily="18" charset="0"/>
+            </a:endParaRPr>
+          </a:p>
+          <a:p>
+            <a:pPr marR="0" lvl="0">
+              <a:lnSpc>
+                <a:spcPct val="107000"/>
+              </a:lnSpc>
+              <a:spcBef>
+                <a:spcPts val="0"/>
+              </a:spcBef>
+              <a:spcAft>
+                <a:spcPts val="0"/>
+              </a:spcAft>
+            </a:pPr>
+            <a:r>
+              <a:rPr lang="en-CA" sz="1800" b="1" kern="100" dirty="0">
                 <a:effectLst/>
-                <a:latin typeface="Consolas" panose="020B0609020204030204" pitchFamily="49" charset="0"/>
+                <a:latin typeface="Calibri" panose="020F0502020204030204" pitchFamily="34" charset="0"/>
+                <a:ea typeface="Calibri" panose="020F0502020204030204" pitchFamily="34" charset="0"/>
+                <a:cs typeface="Times New Roman" panose="02020603050405020304" pitchFamily="18" charset="0"/>
               </a:rPr>
-              <a:t>}; // class </a:t>
-            </a:r>
-            <a:r>
-              <a:rPr lang="en-US" b="0" dirty="0" err="1">
+              <a:t>front()</a:t>
+            </a:r>
+            <a:r>
+              <a:rPr lang="en-CA" sz="1800" kern="100" dirty="0">
                 <a:effectLst/>
-                <a:latin typeface="Consolas" panose="020B0609020204030204" pitchFamily="49" charset="0"/>
+                <a:latin typeface="Calibri" panose="020F0502020204030204" pitchFamily="34" charset="0"/>
+                <a:ea typeface="Calibri" panose="020F0502020204030204" pitchFamily="34" charset="0"/>
+                <a:cs typeface="Times New Roman" panose="02020603050405020304" pitchFamily="18" charset="0"/>
               </a:rPr>
-              <a:t>Queue_base</a:t>
-            </a:r>
-            <a:endParaRPr lang="en-CA" kern="100" dirty="0">
+              <a:t>: return a copy of the front queue item without removing it; error if queue is empty; O(1)</a:t>
+            </a:r>
+            <a:endParaRPr lang="en-AU" sz="1800" kern="100" dirty="0">
+              <a:effectLst/>
+              <a:latin typeface="Calibri" panose="020F0502020204030204" pitchFamily="34" charset="0"/>
+              <a:ea typeface="Calibri" panose="020F0502020204030204" pitchFamily="34" charset="0"/>
+              <a:cs typeface="Times New Roman" panose="02020603050405020304" pitchFamily="18" charset="0"/>
+            </a:endParaRPr>
+          </a:p>
+          <a:p>
+            <a:pPr marR="0" lvl="0">
+              <a:lnSpc>
+                <a:spcPct val="107000"/>
+              </a:lnSpc>
+              <a:spcBef>
+                <a:spcPts val="0"/>
+              </a:spcBef>
+              <a:spcAft>
+                <a:spcPts val="0"/>
+              </a:spcAft>
+            </a:pPr>
+            <a:endParaRPr lang="en-CA" sz="1800" b="1" kern="100" dirty="0">
+              <a:effectLst/>
+              <a:latin typeface="Calibri" panose="020F0502020204030204" pitchFamily="34" charset="0"/>
+              <a:ea typeface="Calibri" panose="020F0502020204030204" pitchFamily="34" charset="0"/>
+              <a:cs typeface="Times New Roman" panose="02020603050405020304" pitchFamily="18" charset="0"/>
+            </a:endParaRPr>
+          </a:p>
+          <a:p>
+            <a:pPr marR="0" lvl="0">
+              <a:lnSpc>
+                <a:spcPct val="107000"/>
+              </a:lnSpc>
+              <a:spcBef>
+                <a:spcPts val="0"/>
+              </a:spcBef>
+              <a:spcAft>
+                <a:spcPts val="0"/>
+              </a:spcAft>
+            </a:pPr>
+            <a:r>
+              <a:rPr lang="en-CA" sz="1800" b="1" kern="100" dirty="0">
+                <a:effectLst/>
+                <a:latin typeface="Calibri" panose="020F0502020204030204" pitchFamily="34" charset="0"/>
+                <a:ea typeface="Calibri" panose="020F0502020204030204" pitchFamily="34" charset="0"/>
+                <a:cs typeface="Times New Roman" panose="02020603050405020304" pitchFamily="18" charset="0"/>
+              </a:rPr>
+              <a:t>size()</a:t>
+            </a:r>
+            <a:r>
+              <a:rPr lang="en-CA" sz="1800" kern="100" dirty="0">
+                <a:effectLst/>
+                <a:latin typeface="Calibri" panose="020F0502020204030204" pitchFamily="34" charset="0"/>
+                <a:ea typeface="Calibri" panose="020F0502020204030204" pitchFamily="34" charset="0"/>
+                <a:cs typeface="Times New Roman" panose="02020603050405020304" pitchFamily="18" charset="0"/>
+              </a:rPr>
+              <a:t>: return number of items in the queue; O(1)</a:t>
+            </a:r>
+            <a:endParaRPr lang="en-AU" sz="1800" kern="100" dirty="0">
+              <a:effectLst/>
+              <a:latin typeface="Calibri" panose="020F0502020204030204" pitchFamily="34" charset="0"/>
+              <a:ea typeface="Calibri" panose="020F0502020204030204" pitchFamily="34" charset="0"/>
+              <a:cs typeface="Times New Roman" panose="02020603050405020304" pitchFamily="18" charset="0"/>
+            </a:endParaRPr>
+          </a:p>
+          <a:p>
+            <a:pPr marR="0" lvl="0">
+              <a:lnSpc>
+                <a:spcPct val="107000"/>
+              </a:lnSpc>
+              <a:spcBef>
+                <a:spcPts val="0"/>
+              </a:spcBef>
+              <a:spcAft>
+                <a:spcPts val="800"/>
+              </a:spcAft>
+            </a:pPr>
+            <a:endParaRPr lang="en-CA" sz="1800" b="1" kern="100" dirty="0">
+              <a:effectLst/>
+              <a:latin typeface="Calibri" panose="020F0502020204030204" pitchFamily="34" charset="0"/>
+              <a:ea typeface="Calibri" panose="020F0502020204030204" pitchFamily="34" charset="0"/>
+              <a:cs typeface="Times New Roman" panose="02020603050405020304" pitchFamily="18" charset="0"/>
+            </a:endParaRPr>
+          </a:p>
+          <a:p>
+            <a:pPr marR="0" lvl="0">
+              <a:lnSpc>
+                <a:spcPct val="107000"/>
+              </a:lnSpc>
+              <a:spcBef>
+                <a:spcPts val="0"/>
+              </a:spcBef>
+              <a:spcAft>
+                <a:spcPts val="800"/>
+              </a:spcAft>
+            </a:pPr>
+            <a:r>
+              <a:rPr lang="en-CA" sz="1800" b="1" kern="100" dirty="0">
+                <a:effectLst/>
+                <a:latin typeface="Calibri" panose="020F0502020204030204" pitchFamily="34" charset="0"/>
+                <a:ea typeface="Calibri" panose="020F0502020204030204" pitchFamily="34" charset="0"/>
+                <a:cs typeface="Times New Roman" panose="02020603050405020304" pitchFamily="18" charset="0"/>
+              </a:rPr>
+              <a:t>empty()</a:t>
+            </a:r>
+            <a:r>
+              <a:rPr lang="en-CA" sz="1800" kern="100" dirty="0">
+                <a:effectLst/>
+                <a:latin typeface="Calibri" panose="020F0502020204030204" pitchFamily="34" charset="0"/>
+                <a:ea typeface="Calibri" panose="020F0502020204030204" pitchFamily="34" charset="0"/>
+                <a:cs typeface="Times New Roman" panose="02020603050405020304" pitchFamily="18" charset="0"/>
+              </a:rPr>
+              <a:t>: return true if queue is empty, and false otherwise; O(1)</a:t>
+            </a:r>
+            <a:endParaRPr lang="en-AU" sz="1800" kern="100" dirty="0">
+              <a:effectLst/>
               <a:latin typeface="Calibri" panose="020F0502020204030204" pitchFamily="34" charset="0"/>
               <a:ea typeface="Calibri" panose="020F0502020204030204" pitchFamily="34" charset="0"/>
               <a:cs typeface="Times New Roman" panose="02020603050405020304" pitchFamily="18" charset="0"/>
@@ -19346,7 +21849,4662 @@
             <a:pPr algn="ctr"/>
             <a:r>
               <a:rPr lang="en-CA" dirty="0"/>
-              <a:t>A “constant reference” is returned here, which returns a reference to the front item without making a copy or allowing it to be changed.</a:t>
+              <a:t>In practice, all these operations usually have </a:t>
+            </a:r>
+            <a:r>
+              <a:rPr lang="en-CA" b="1" dirty="0"/>
+              <a:t>worst-case O(1) running time</a:t>
+            </a:r>
+            <a:r>
+              <a:rPr lang="en-CA" dirty="0"/>
+              <a:t>, i.e. they are all very fast and </a:t>
+            </a:r>
+            <a:r>
+              <a:rPr lang="en-CA" b="1" dirty="0"/>
+              <a:t>don’t</a:t>
+            </a:r>
+            <a:r>
+              <a:rPr lang="en-CA" dirty="0"/>
+              <a:t> depend on the size of the queue.</a:t>
+            </a:r>
+            <a:endParaRPr lang="en-CA" b="1" dirty="0"/>
+          </a:p>
+        </p:txBody>
+      </p:sp>
+      <p:cxnSp>
+        <p:nvCxnSpPr>
+          <p:cNvPr id="6" name="Straight Connector 5">
+            <a:extLst>
+              <a:ext uri="{FF2B5EF4-FFF2-40B4-BE49-F238E27FC236}">
+                <a16:creationId xmlns:a16="http://schemas.microsoft.com/office/drawing/2014/main" id="{FCBFF419-FC07-B607-EBC9-CABA4B8D457E}"/>
+              </a:ext>
+            </a:extLst>
+          </p:cNvPr>
+          <p:cNvCxnSpPr>
+            <a:cxnSpLocks/>
+          </p:cNvCxnSpPr>
+          <p:nvPr/>
+        </p:nvCxnSpPr>
+        <p:spPr>
+          <a:xfrm>
+            <a:off x="8441287" y="5805223"/>
+            <a:ext cx="1753230" cy="0"/>
+          </a:xfrm>
+          <a:prstGeom prst="line">
+            <a:avLst/>
+          </a:prstGeom>
+        </p:spPr>
+        <p:style>
+          <a:lnRef idx="1">
+            <a:schemeClr val="accent1"/>
+          </a:lnRef>
+          <a:fillRef idx="0">
+            <a:schemeClr val="accent1"/>
+          </a:fillRef>
+          <a:effectRef idx="0">
+            <a:schemeClr val="accent1"/>
+          </a:effectRef>
+          <a:fontRef idx="minor">
+            <a:schemeClr val="tx1"/>
+          </a:fontRef>
+        </p:style>
+      </p:cxnSp>
+      <p:sp>
+        <p:nvSpPr>
+          <p:cNvPr id="11" name="TextBox 10">
+            <a:extLst>
+              <a:ext uri="{FF2B5EF4-FFF2-40B4-BE49-F238E27FC236}">
+                <a16:creationId xmlns:a16="http://schemas.microsoft.com/office/drawing/2014/main" id="{69DF518D-394A-B234-7148-F6A7A5350DB2}"/>
+              </a:ext>
+            </a:extLst>
+          </p:cNvPr>
+          <p:cNvSpPr txBox="1"/>
+          <p:nvPr/>
+        </p:nvSpPr>
+        <p:spPr>
+          <a:xfrm>
+            <a:off x="9849093" y="5250893"/>
+            <a:ext cx="317716" cy="369332"/>
+          </a:xfrm>
+          <a:prstGeom prst="rect">
+            <a:avLst/>
+          </a:prstGeom>
+          <a:noFill/>
+        </p:spPr>
+        <p:txBody>
+          <a:bodyPr wrap="none" rtlCol="0">
+            <a:spAutoFit/>
+          </a:bodyPr>
+          <a:lstStyle/>
+          <a:p>
+            <a:r>
+              <a:rPr lang="en-CA" dirty="0"/>
+              <a:t>A</a:t>
+            </a:r>
+            <a:endParaRPr lang="en-AU" dirty="0"/>
+          </a:p>
+        </p:txBody>
+      </p:sp>
+      <p:sp>
+        <p:nvSpPr>
+          <p:cNvPr id="12" name="TextBox 11">
+            <a:extLst>
+              <a:ext uri="{FF2B5EF4-FFF2-40B4-BE49-F238E27FC236}">
+                <a16:creationId xmlns:a16="http://schemas.microsoft.com/office/drawing/2014/main" id="{968CE5A3-37A0-353C-E8BA-F3DA3E0CB3B1}"/>
+              </a:ext>
+            </a:extLst>
+          </p:cNvPr>
+          <p:cNvSpPr txBox="1"/>
+          <p:nvPr/>
+        </p:nvSpPr>
+        <p:spPr>
+          <a:xfrm>
+            <a:off x="9208314" y="5250893"/>
+            <a:ext cx="327334" cy="369332"/>
+          </a:xfrm>
+          <a:prstGeom prst="rect">
+            <a:avLst/>
+          </a:prstGeom>
+          <a:noFill/>
+        </p:spPr>
+        <p:txBody>
+          <a:bodyPr wrap="none" rtlCol="0">
+            <a:spAutoFit/>
+          </a:bodyPr>
+          <a:lstStyle/>
+          <a:p>
+            <a:r>
+              <a:rPr lang="en-CA" dirty="0"/>
+              <a:t>D</a:t>
+            </a:r>
+            <a:endParaRPr lang="en-AU" dirty="0"/>
+          </a:p>
+        </p:txBody>
+      </p:sp>
+      <p:sp>
+        <p:nvSpPr>
+          <p:cNvPr id="13" name="TextBox 12">
+            <a:extLst>
+              <a:ext uri="{FF2B5EF4-FFF2-40B4-BE49-F238E27FC236}">
+                <a16:creationId xmlns:a16="http://schemas.microsoft.com/office/drawing/2014/main" id="{B3B544AE-BF23-83CA-7DE7-03E1F817F734}"/>
+              </a:ext>
+            </a:extLst>
+          </p:cNvPr>
+          <p:cNvSpPr txBox="1"/>
+          <p:nvPr/>
+        </p:nvSpPr>
+        <p:spPr>
+          <a:xfrm>
+            <a:off x="8577153" y="5250893"/>
+            <a:ext cx="317716" cy="369332"/>
+          </a:xfrm>
+          <a:prstGeom prst="rect">
+            <a:avLst/>
+          </a:prstGeom>
+          <a:noFill/>
+        </p:spPr>
+        <p:txBody>
+          <a:bodyPr wrap="none" rtlCol="0">
+            <a:spAutoFit/>
+          </a:bodyPr>
+          <a:lstStyle/>
+          <a:p>
+            <a:r>
+              <a:rPr lang="en-CA" dirty="0"/>
+              <a:t>C</a:t>
+            </a:r>
+            <a:endParaRPr lang="en-AU" dirty="0"/>
+          </a:p>
+        </p:txBody>
+      </p:sp>
+      <p:sp>
+        <p:nvSpPr>
+          <p:cNvPr id="14" name="TextBox 13">
+            <a:extLst>
+              <a:ext uri="{FF2B5EF4-FFF2-40B4-BE49-F238E27FC236}">
+                <a16:creationId xmlns:a16="http://schemas.microsoft.com/office/drawing/2014/main" id="{FAB089C0-67CE-045E-5774-EABA57A5A3F6}"/>
+              </a:ext>
+            </a:extLst>
+          </p:cNvPr>
+          <p:cNvSpPr txBox="1"/>
+          <p:nvPr/>
+        </p:nvSpPr>
+        <p:spPr>
+          <a:xfrm>
+            <a:off x="8145679" y="5871245"/>
+            <a:ext cx="619080" cy="369332"/>
+          </a:xfrm>
+          <a:prstGeom prst="rect">
+            <a:avLst/>
+          </a:prstGeom>
+          <a:noFill/>
+        </p:spPr>
+        <p:txBody>
+          <a:bodyPr wrap="none" rtlCol="0">
+            <a:spAutoFit/>
+          </a:bodyPr>
+          <a:lstStyle/>
+          <a:p>
+            <a:r>
+              <a:rPr lang="en-CA" dirty="0"/>
+              <a:t>back</a:t>
+            </a:r>
+            <a:endParaRPr lang="en-AU" dirty="0"/>
+          </a:p>
+        </p:txBody>
+      </p:sp>
+      <p:sp>
+        <p:nvSpPr>
+          <p:cNvPr id="15" name="TextBox 14">
+            <a:extLst>
+              <a:ext uri="{FF2B5EF4-FFF2-40B4-BE49-F238E27FC236}">
+                <a16:creationId xmlns:a16="http://schemas.microsoft.com/office/drawing/2014/main" id="{2AB85AB8-946F-583D-31F5-39B46AAB68A6}"/>
+              </a:ext>
+            </a:extLst>
+          </p:cNvPr>
+          <p:cNvSpPr txBox="1"/>
+          <p:nvPr/>
+        </p:nvSpPr>
+        <p:spPr>
+          <a:xfrm>
+            <a:off x="10024782" y="5823005"/>
+            <a:ext cx="650114" cy="369332"/>
+          </a:xfrm>
+          <a:prstGeom prst="rect">
+            <a:avLst/>
+          </a:prstGeom>
+          <a:noFill/>
+        </p:spPr>
+        <p:txBody>
+          <a:bodyPr wrap="none" rtlCol="0">
+            <a:spAutoFit/>
+          </a:bodyPr>
+          <a:lstStyle/>
+          <a:p>
+            <a:r>
+              <a:rPr lang="en-CA" dirty="0"/>
+              <a:t>front</a:t>
+            </a:r>
+            <a:endParaRPr lang="en-AU" dirty="0"/>
+          </a:p>
+        </p:txBody>
+      </p:sp>
+      <p:cxnSp>
+        <p:nvCxnSpPr>
+          <p:cNvPr id="19" name="Straight Arrow Connector 18">
+            <a:extLst>
+              <a:ext uri="{FF2B5EF4-FFF2-40B4-BE49-F238E27FC236}">
+                <a16:creationId xmlns:a16="http://schemas.microsoft.com/office/drawing/2014/main" id="{601C1FBE-CF5A-E358-252D-08C7D1049955}"/>
+              </a:ext>
+            </a:extLst>
+          </p:cNvPr>
+          <p:cNvCxnSpPr>
+            <a:cxnSpLocks/>
+            <a:stCxn id="23" idx="3"/>
+          </p:cNvCxnSpPr>
+          <p:nvPr/>
+        </p:nvCxnSpPr>
+        <p:spPr>
+          <a:xfrm>
+            <a:off x="7586241" y="5376329"/>
+            <a:ext cx="815285" cy="0"/>
+          </a:xfrm>
+          <a:prstGeom prst="straightConnector1">
+            <a:avLst/>
+          </a:prstGeom>
+          <a:ln>
+            <a:tailEnd type="triangle"/>
+          </a:ln>
+        </p:spPr>
+        <p:style>
+          <a:lnRef idx="1">
+            <a:schemeClr val="accent1"/>
+          </a:lnRef>
+          <a:fillRef idx="0">
+            <a:schemeClr val="accent1"/>
+          </a:fillRef>
+          <a:effectRef idx="0">
+            <a:schemeClr val="accent1"/>
+          </a:effectRef>
+          <a:fontRef idx="minor">
+            <a:schemeClr val="tx1"/>
+          </a:fontRef>
+        </p:style>
+      </p:cxnSp>
+      <p:cxnSp>
+        <p:nvCxnSpPr>
+          <p:cNvPr id="20" name="Straight Arrow Connector 19">
+            <a:extLst>
+              <a:ext uri="{FF2B5EF4-FFF2-40B4-BE49-F238E27FC236}">
+                <a16:creationId xmlns:a16="http://schemas.microsoft.com/office/drawing/2014/main" id="{8B1E2ECF-3A9A-BC5B-4214-63696C03BA43}"/>
+              </a:ext>
+            </a:extLst>
+          </p:cNvPr>
+          <p:cNvCxnSpPr>
+            <a:cxnSpLocks/>
+          </p:cNvCxnSpPr>
+          <p:nvPr/>
+        </p:nvCxnSpPr>
+        <p:spPr>
+          <a:xfrm>
+            <a:off x="10223966" y="5421984"/>
+            <a:ext cx="544794" cy="0"/>
+          </a:xfrm>
+          <a:prstGeom prst="straightConnector1">
+            <a:avLst/>
+          </a:prstGeom>
+          <a:ln>
+            <a:tailEnd type="triangle"/>
+          </a:ln>
+        </p:spPr>
+        <p:style>
+          <a:lnRef idx="1">
+            <a:schemeClr val="accent1"/>
+          </a:lnRef>
+          <a:fillRef idx="0">
+            <a:schemeClr val="accent1"/>
+          </a:fillRef>
+          <a:effectRef idx="0">
+            <a:schemeClr val="accent1"/>
+          </a:effectRef>
+          <a:fontRef idx="minor">
+            <a:schemeClr val="tx1"/>
+          </a:fontRef>
+        </p:style>
+      </p:cxnSp>
+      <p:sp>
+        <p:nvSpPr>
+          <p:cNvPr id="23" name="TextBox 22">
+            <a:extLst>
+              <a:ext uri="{FF2B5EF4-FFF2-40B4-BE49-F238E27FC236}">
+                <a16:creationId xmlns:a16="http://schemas.microsoft.com/office/drawing/2014/main" id="{CDA72FC0-7F5C-66E6-8F41-78AE4F4632B2}"/>
+              </a:ext>
+            </a:extLst>
+          </p:cNvPr>
+          <p:cNvSpPr txBox="1"/>
+          <p:nvPr/>
+        </p:nvSpPr>
+        <p:spPr>
+          <a:xfrm>
+            <a:off x="6568014" y="5191663"/>
+            <a:ext cx="1018227" cy="369332"/>
+          </a:xfrm>
+          <a:prstGeom prst="rect">
+            <a:avLst/>
+          </a:prstGeom>
+          <a:noFill/>
+        </p:spPr>
+        <p:txBody>
+          <a:bodyPr wrap="none" rtlCol="0">
+            <a:spAutoFit/>
+          </a:bodyPr>
+          <a:lstStyle/>
+          <a:p>
+            <a:r>
+              <a:rPr lang="en-CA" dirty="0"/>
+              <a:t>enqueue</a:t>
+            </a:r>
+            <a:endParaRPr lang="en-AU" dirty="0"/>
+          </a:p>
+        </p:txBody>
+      </p:sp>
+      <p:sp>
+        <p:nvSpPr>
+          <p:cNvPr id="24" name="TextBox 23">
+            <a:extLst>
+              <a:ext uri="{FF2B5EF4-FFF2-40B4-BE49-F238E27FC236}">
+                <a16:creationId xmlns:a16="http://schemas.microsoft.com/office/drawing/2014/main" id="{93663F8C-2364-7225-0DD2-74F6AB0DD54B}"/>
+              </a:ext>
+            </a:extLst>
+          </p:cNvPr>
+          <p:cNvSpPr txBox="1"/>
+          <p:nvPr/>
+        </p:nvSpPr>
+        <p:spPr>
+          <a:xfrm>
+            <a:off x="10768760" y="5191663"/>
+            <a:ext cx="1018227" cy="369332"/>
+          </a:xfrm>
+          <a:prstGeom prst="rect">
+            <a:avLst/>
+          </a:prstGeom>
+          <a:noFill/>
+        </p:spPr>
+        <p:txBody>
+          <a:bodyPr wrap="none" rtlCol="0">
+            <a:spAutoFit/>
+          </a:bodyPr>
+          <a:lstStyle/>
+          <a:p>
+            <a:r>
+              <a:rPr lang="en-CA" dirty="0"/>
+              <a:t>dequeue</a:t>
+            </a:r>
+            <a:endParaRPr lang="en-AU" dirty="0"/>
+          </a:p>
+        </p:txBody>
+      </p:sp>
+      <p:cxnSp>
+        <p:nvCxnSpPr>
+          <p:cNvPr id="10" name="Straight Connector 9">
+            <a:extLst>
+              <a:ext uri="{FF2B5EF4-FFF2-40B4-BE49-F238E27FC236}">
+                <a16:creationId xmlns:a16="http://schemas.microsoft.com/office/drawing/2014/main" id="{DB5EE6BE-F629-AB37-32E4-481217F34BE3}"/>
+              </a:ext>
+            </a:extLst>
+          </p:cNvPr>
+          <p:cNvCxnSpPr>
+            <a:cxnSpLocks/>
+          </p:cNvCxnSpPr>
+          <p:nvPr/>
+        </p:nvCxnSpPr>
+        <p:spPr>
+          <a:xfrm>
+            <a:off x="8470736" y="5065894"/>
+            <a:ext cx="1753230" cy="0"/>
+          </a:xfrm>
+          <a:prstGeom prst="line">
+            <a:avLst/>
+          </a:prstGeom>
+        </p:spPr>
+        <p:style>
+          <a:lnRef idx="1">
+            <a:schemeClr val="accent1"/>
+          </a:lnRef>
+          <a:fillRef idx="0">
+            <a:schemeClr val="accent1"/>
+          </a:fillRef>
+          <a:effectRef idx="0">
+            <a:schemeClr val="accent1"/>
+          </a:effectRef>
+          <a:fontRef idx="minor">
+            <a:schemeClr val="tx1"/>
+          </a:fontRef>
+        </p:style>
+      </p:cxnSp>
+      <p:sp>
+        <p:nvSpPr>
+          <p:cNvPr id="5" name="TextBox 4">
+            <a:extLst>
+              <a:ext uri="{FF2B5EF4-FFF2-40B4-BE49-F238E27FC236}">
+                <a16:creationId xmlns:a16="http://schemas.microsoft.com/office/drawing/2014/main" id="{2C01406B-AFF3-9CA3-7E80-3AFAD0A3887A}"/>
+              </a:ext>
+            </a:extLst>
+          </p:cNvPr>
+          <p:cNvSpPr txBox="1"/>
+          <p:nvPr/>
+        </p:nvSpPr>
+        <p:spPr>
+          <a:xfrm>
+            <a:off x="920708" y="5191663"/>
+            <a:ext cx="4527855" cy="1200329"/>
+          </a:xfrm>
+          <a:prstGeom prst="rect">
+            <a:avLst/>
+          </a:prstGeom>
+          <a:solidFill>
+            <a:schemeClr val="accent4">
+              <a:lumMod val="40000"/>
+              <a:lumOff val="60000"/>
+            </a:schemeClr>
+          </a:solidFill>
+          <a:ln>
+            <a:noFill/>
+          </a:ln>
+        </p:spPr>
+        <p:txBody>
+          <a:bodyPr wrap="square" rtlCol="0">
+            <a:spAutoFit/>
+          </a:bodyPr>
+          <a:lstStyle/>
+          <a:p>
+            <a:pPr algn="ctr"/>
+            <a:r>
+              <a:rPr lang="en-CA" dirty="0"/>
+              <a:t>A </a:t>
+            </a:r>
+            <a:r>
+              <a:rPr lang="en-CA" b="1" dirty="0"/>
+              <a:t>queue</a:t>
+            </a:r>
+            <a:r>
+              <a:rPr lang="en-CA" dirty="0"/>
+              <a:t> can be efficiently implemented with a linked list. It’s a bit trickier with arrays/vectors: usually you use a </a:t>
+            </a:r>
+            <a:r>
+              <a:rPr lang="en-CA" b="1" dirty="0"/>
+              <a:t>circular array</a:t>
+            </a:r>
+            <a:r>
+              <a:rPr lang="en-CA" dirty="0"/>
+              <a:t> to make both enqueueing and </a:t>
+            </a:r>
+            <a:r>
+              <a:rPr lang="en-CA" dirty="0" err="1"/>
+              <a:t>dequeing</a:t>
+            </a:r>
+            <a:r>
+              <a:rPr lang="en-CA" dirty="0"/>
+              <a:t> O(1)</a:t>
+            </a:r>
+          </a:p>
+        </p:txBody>
+      </p:sp>
+      <mc:AlternateContent xmlns:mc="http://schemas.openxmlformats.org/markup-compatibility/2006">
+        <mc:Choice xmlns:p14="http://schemas.microsoft.com/office/powerpoint/2010/main" Requires="p14">
+          <p:contentPart p14:bwMode="auto" r:id="rId2">
+            <p14:nvContentPartPr>
+              <p14:cNvPr id="7" name="Ink 6">
+                <a:extLst>
+                  <a:ext uri="{FF2B5EF4-FFF2-40B4-BE49-F238E27FC236}">
+                    <a16:creationId xmlns:a16="http://schemas.microsoft.com/office/drawing/2014/main" id="{4B480A47-B52C-F952-39D6-15822D7DDFBC}"/>
+                  </a:ext>
+                </a:extLst>
+              </p14:cNvPr>
+              <p14:cNvContentPartPr/>
+              <p14:nvPr/>
+            </p14:nvContentPartPr>
+            <p14:xfrm>
+              <a:off x="8278560" y="2942280"/>
+              <a:ext cx="3777480" cy="3328560"/>
+            </p14:xfrm>
+          </p:contentPart>
+        </mc:Choice>
+        <mc:Fallback>
+          <p:pic>
+            <p:nvPicPr>
+              <p:cNvPr id="7" name="Ink 6">
+                <a:extLst>
+                  <a:ext uri="{FF2B5EF4-FFF2-40B4-BE49-F238E27FC236}">
+                    <a16:creationId xmlns:a16="http://schemas.microsoft.com/office/drawing/2014/main" id="{4B480A47-B52C-F952-39D6-15822D7DDFBC}"/>
+                  </a:ext>
+                </a:extLst>
+              </p:cNvPr>
+              <p:cNvPicPr/>
+              <p:nvPr/>
+            </p:nvPicPr>
+            <p:blipFill>
+              <a:blip r:embed="rId3"/>
+              <a:stretch>
+                <a:fillRect/>
+              </a:stretch>
+            </p:blipFill>
+            <p:spPr>
+              <a:xfrm>
+                <a:off x="8269200" y="2932920"/>
+                <a:ext cx="3796200" cy="3347280"/>
+              </a:xfrm>
+              <a:prstGeom prst="rect">
+                <a:avLst/>
+              </a:prstGeom>
+            </p:spPr>
+          </p:pic>
+        </mc:Fallback>
+      </mc:AlternateContent>
+    </p:spTree>
+    <p:extLst>
+      <p:ext uri="{BB962C8B-B14F-4D97-AF65-F5344CB8AC3E}">
+        <p14:creationId xmlns:p14="http://schemas.microsoft.com/office/powerpoint/2010/main" val="1608135223"/>
+      </p:ext>
+    </p:extLst>
+  </p:cSld>
+  <p:clrMapOvr>
+    <a:masterClrMapping/>
+  </p:clrMapOvr>
+</p:sld>
+</file>
+
+<file path=ppt/slides/slide23.xml><?xml version="1.0" encoding="utf-8"?>
+<p:sld xmlns:a="http://schemas.openxmlformats.org/drawingml/2006/main" xmlns:r="http://schemas.openxmlformats.org/officeDocument/2006/relationships" xmlns:p="http://schemas.openxmlformats.org/presentationml/2006/main">
+  <p:cSld>
+    <p:spTree>
+      <p:nvGrpSpPr>
+        <p:cNvPr id="1" name=""/>
+        <p:cNvGrpSpPr/>
+        <p:nvPr/>
+      </p:nvGrpSpPr>
+      <p:grpSpPr>
+        <a:xfrm>
+          <a:off x="0" y="0"/>
+          <a:ext cx="0" cy="0"/>
+          <a:chOff x="0" y="0"/>
+          <a:chExt cx="0" cy="0"/>
+        </a:xfrm>
+      </p:grpSpPr>
+      <p:sp>
+        <p:nvSpPr>
+          <p:cNvPr id="2" name="TextBox 1">
+            <a:extLst>
+              <a:ext uri="{FF2B5EF4-FFF2-40B4-BE49-F238E27FC236}">
+                <a16:creationId xmlns:a16="http://schemas.microsoft.com/office/drawing/2014/main" id="{A4BC1F36-8D19-79F2-3E01-CBC70AAB5D5F}"/>
+              </a:ext>
+            </a:extLst>
+          </p:cNvPr>
+          <p:cNvSpPr txBox="1"/>
+          <p:nvPr/>
+        </p:nvSpPr>
+        <p:spPr>
+          <a:xfrm>
+            <a:off x="652162" y="454734"/>
+            <a:ext cx="3428632" cy="646331"/>
+          </a:xfrm>
+          <a:prstGeom prst="rect">
+            <a:avLst/>
+          </a:prstGeom>
+          <a:solidFill>
+            <a:schemeClr val="accent4">
+              <a:lumMod val="40000"/>
+              <a:lumOff val="60000"/>
+            </a:schemeClr>
+          </a:solidFill>
+          <a:ln>
+            <a:noFill/>
+          </a:ln>
+        </p:spPr>
+        <p:txBody>
+          <a:bodyPr wrap="square" rtlCol="0">
+            <a:spAutoFit/>
+          </a:bodyPr>
+          <a:lstStyle/>
+          <a:p>
+            <a:pPr algn="ctr"/>
+            <a:r>
+              <a:rPr lang="en-CA" sz="3600" dirty="0"/>
+              <a:t>Circular Arrays</a:t>
+            </a:r>
+            <a:endParaRPr lang="en-CA" sz="3600" b="1" dirty="0"/>
+          </a:p>
+        </p:txBody>
+      </p:sp>
+      <p:sp>
+        <p:nvSpPr>
+          <p:cNvPr id="5" name="TextBox 4">
+            <a:extLst>
+              <a:ext uri="{FF2B5EF4-FFF2-40B4-BE49-F238E27FC236}">
+                <a16:creationId xmlns:a16="http://schemas.microsoft.com/office/drawing/2014/main" id="{2C01406B-AFF3-9CA3-7E80-3AFAD0A3887A}"/>
+              </a:ext>
+            </a:extLst>
+          </p:cNvPr>
+          <p:cNvSpPr txBox="1"/>
+          <p:nvPr/>
+        </p:nvSpPr>
+        <p:spPr>
+          <a:xfrm>
+            <a:off x="920708" y="5191663"/>
+            <a:ext cx="4527855" cy="1200329"/>
+          </a:xfrm>
+          <a:prstGeom prst="rect">
+            <a:avLst/>
+          </a:prstGeom>
+          <a:solidFill>
+            <a:schemeClr val="accent4">
+              <a:lumMod val="40000"/>
+              <a:lumOff val="60000"/>
+            </a:schemeClr>
+          </a:solidFill>
+          <a:ln>
+            <a:noFill/>
+          </a:ln>
+        </p:spPr>
+        <p:txBody>
+          <a:bodyPr wrap="square" rtlCol="0">
+            <a:spAutoFit/>
+          </a:bodyPr>
+          <a:lstStyle/>
+          <a:p>
+            <a:pPr algn="ctr"/>
+            <a:r>
+              <a:rPr lang="en-CA" dirty="0"/>
+              <a:t>A </a:t>
+            </a:r>
+            <a:r>
+              <a:rPr lang="en-CA" b="1" dirty="0"/>
+              <a:t>queue</a:t>
+            </a:r>
+            <a:r>
+              <a:rPr lang="en-CA" dirty="0"/>
+              <a:t> can be efficiently implemented with a linked list. It’s a bit trickier with arrays/vectors: usually you use a </a:t>
+            </a:r>
+            <a:r>
+              <a:rPr lang="en-CA" b="1" dirty="0"/>
+              <a:t>circular array</a:t>
+            </a:r>
+            <a:r>
+              <a:rPr lang="en-CA" dirty="0"/>
+              <a:t> to make both enqueueing and </a:t>
+            </a:r>
+            <a:r>
+              <a:rPr lang="en-CA" dirty="0" err="1"/>
+              <a:t>dequeing</a:t>
+            </a:r>
+            <a:r>
+              <a:rPr lang="en-CA" dirty="0"/>
+              <a:t> O(1)</a:t>
+            </a:r>
+          </a:p>
+        </p:txBody>
+      </p:sp>
+      <p:grpSp>
+        <p:nvGrpSpPr>
+          <p:cNvPr id="48" name="Group 47">
+            <a:extLst>
+              <a:ext uri="{FF2B5EF4-FFF2-40B4-BE49-F238E27FC236}">
+                <a16:creationId xmlns:a16="http://schemas.microsoft.com/office/drawing/2014/main" id="{3CCA0827-59F7-F10A-9A31-484E1ADEBD22}"/>
+              </a:ext>
+            </a:extLst>
+          </p:cNvPr>
+          <p:cNvGrpSpPr/>
+          <p:nvPr/>
+        </p:nvGrpSpPr>
+        <p:grpSpPr>
+          <a:xfrm>
+            <a:off x="920708" y="1418700"/>
+            <a:ext cx="2335381" cy="2419620"/>
+            <a:chOff x="1748377" y="1475455"/>
+            <a:chExt cx="2335381" cy="2419620"/>
+          </a:xfrm>
+        </p:grpSpPr>
+        <p:sp>
+          <p:nvSpPr>
+            <p:cNvPr id="7" name="Oval 6">
+              <a:extLst>
+                <a:ext uri="{FF2B5EF4-FFF2-40B4-BE49-F238E27FC236}">
+                  <a16:creationId xmlns:a16="http://schemas.microsoft.com/office/drawing/2014/main" id="{4080EC74-92A2-04DD-48C6-AECF51E44ABC}"/>
+                </a:ext>
+              </a:extLst>
+            </p:cNvPr>
+            <p:cNvSpPr/>
+            <p:nvPr/>
+          </p:nvSpPr>
+          <p:spPr>
+            <a:xfrm>
+              <a:off x="1923393" y="1727901"/>
+              <a:ext cx="1961230" cy="1948618"/>
+            </a:xfrm>
+            <a:prstGeom prst="ellipse">
+              <a:avLst/>
+            </a:prstGeom>
+            <a:noFill/>
+          </p:spPr>
+          <p:style>
+            <a:lnRef idx="2">
+              <a:schemeClr val="accent1">
+                <a:shade val="15000"/>
+              </a:schemeClr>
+            </a:lnRef>
+            <a:fillRef idx="1">
+              <a:schemeClr val="accent1"/>
+            </a:fillRef>
+            <a:effectRef idx="0">
+              <a:schemeClr val="accent1"/>
+            </a:effectRef>
+            <a:fontRef idx="minor">
+              <a:schemeClr val="lt1"/>
+            </a:fontRef>
+          </p:style>
+          <p:txBody>
+            <a:bodyPr rtlCol="0" anchor="ctr"/>
+            <a:lstStyle/>
+            <a:p>
+              <a:pPr algn="ctr"/>
+              <a:endParaRPr lang="en-CA"/>
+            </a:p>
+          </p:txBody>
+        </p:sp>
+        <p:sp>
+          <p:nvSpPr>
+            <p:cNvPr id="8" name="Oval 7">
+              <a:extLst>
+                <a:ext uri="{FF2B5EF4-FFF2-40B4-BE49-F238E27FC236}">
+                  <a16:creationId xmlns:a16="http://schemas.microsoft.com/office/drawing/2014/main" id="{2DEB5E2D-C9D6-72AF-3F80-6AD96CC4210E}"/>
+                </a:ext>
+              </a:extLst>
+            </p:cNvPr>
+            <p:cNvSpPr/>
+            <p:nvPr/>
+          </p:nvSpPr>
+          <p:spPr>
+            <a:xfrm>
+              <a:off x="2290204" y="2088406"/>
+              <a:ext cx="1203435" cy="1234965"/>
+            </a:xfrm>
+            <a:prstGeom prst="ellipse">
+              <a:avLst/>
+            </a:prstGeom>
+            <a:noFill/>
+          </p:spPr>
+          <p:style>
+            <a:lnRef idx="2">
+              <a:schemeClr val="accent1">
+                <a:shade val="15000"/>
+              </a:schemeClr>
+            </a:lnRef>
+            <a:fillRef idx="1">
+              <a:schemeClr val="accent1"/>
+            </a:fillRef>
+            <a:effectRef idx="0">
+              <a:schemeClr val="accent1"/>
+            </a:effectRef>
+            <a:fontRef idx="minor">
+              <a:schemeClr val="lt1"/>
+            </a:fontRef>
+          </p:style>
+          <p:txBody>
+            <a:bodyPr rtlCol="0" anchor="ctr"/>
+            <a:lstStyle/>
+            <a:p>
+              <a:pPr algn="ctr"/>
+              <a:endParaRPr lang="en-CA"/>
+            </a:p>
+          </p:txBody>
+        </p:sp>
+        <p:cxnSp>
+          <p:nvCxnSpPr>
+            <p:cNvPr id="16" name="Straight Connector 15">
+              <a:extLst>
+                <a:ext uri="{FF2B5EF4-FFF2-40B4-BE49-F238E27FC236}">
+                  <a16:creationId xmlns:a16="http://schemas.microsoft.com/office/drawing/2014/main" id="{1FB963A7-0F7F-CC94-3BE0-DEDF747C79A3}"/>
+                </a:ext>
+              </a:extLst>
+            </p:cNvPr>
+            <p:cNvCxnSpPr>
+              <a:stCxn id="7" idx="0"/>
+              <a:endCxn id="8" idx="0"/>
+            </p:cNvCxnSpPr>
+            <p:nvPr/>
+          </p:nvCxnSpPr>
+          <p:spPr>
+            <a:xfrm flipH="1">
+              <a:off x="2891922" y="1727901"/>
+              <a:ext cx="12086" cy="360505"/>
+            </a:xfrm>
+            <a:prstGeom prst="line">
+              <a:avLst/>
+            </a:prstGeom>
+          </p:spPr>
+          <p:style>
+            <a:lnRef idx="1">
+              <a:schemeClr val="accent1"/>
+            </a:lnRef>
+            <a:fillRef idx="0">
+              <a:schemeClr val="accent1"/>
+            </a:fillRef>
+            <a:effectRef idx="0">
+              <a:schemeClr val="accent1"/>
+            </a:effectRef>
+            <a:fontRef idx="minor">
+              <a:schemeClr val="tx1"/>
+            </a:fontRef>
+          </p:style>
+        </p:cxnSp>
+        <p:cxnSp>
+          <p:nvCxnSpPr>
+            <p:cNvPr id="18" name="Straight Connector 17">
+              <a:extLst>
+                <a:ext uri="{FF2B5EF4-FFF2-40B4-BE49-F238E27FC236}">
+                  <a16:creationId xmlns:a16="http://schemas.microsoft.com/office/drawing/2014/main" id="{AE1B8E4C-A2B6-BF74-27AB-8E492A18B133}"/>
+                </a:ext>
+              </a:extLst>
+            </p:cNvPr>
+            <p:cNvCxnSpPr>
+              <a:stCxn id="8" idx="7"/>
+              <a:endCxn id="7" idx="7"/>
+            </p:cNvCxnSpPr>
+            <p:nvPr/>
+          </p:nvCxnSpPr>
+          <p:spPr>
+            <a:xfrm flipV="1">
+              <a:off x="3317400" y="2013269"/>
+              <a:ext cx="280008" cy="255993"/>
+            </a:xfrm>
+            <a:prstGeom prst="line">
+              <a:avLst/>
+            </a:prstGeom>
+          </p:spPr>
+          <p:style>
+            <a:lnRef idx="1">
+              <a:schemeClr val="accent1"/>
+            </a:lnRef>
+            <a:fillRef idx="0">
+              <a:schemeClr val="accent1"/>
+            </a:fillRef>
+            <a:effectRef idx="0">
+              <a:schemeClr val="accent1"/>
+            </a:effectRef>
+            <a:fontRef idx="minor">
+              <a:schemeClr val="tx1"/>
+            </a:fontRef>
+          </p:style>
+        </p:cxnSp>
+        <p:cxnSp>
+          <p:nvCxnSpPr>
+            <p:cNvPr id="22" name="Straight Connector 21">
+              <a:extLst>
+                <a:ext uri="{FF2B5EF4-FFF2-40B4-BE49-F238E27FC236}">
+                  <a16:creationId xmlns:a16="http://schemas.microsoft.com/office/drawing/2014/main" id="{744EDF48-98E9-6389-F6E5-99C80393B6F7}"/>
+                </a:ext>
+              </a:extLst>
+            </p:cNvPr>
+            <p:cNvCxnSpPr>
+              <a:cxnSpLocks/>
+              <a:stCxn id="8" idx="6"/>
+              <a:endCxn id="7" idx="6"/>
+            </p:cNvCxnSpPr>
+            <p:nvPr/>
+          </p:nvCxnSpPr>
+          <p:spPr>
+            <a:xfrm flipV="1">
+              <a:off x="3493639" y="2702210"/>
+              <a:ext cx="390984" cy="3679"/>
+            </a:xfrm>
+            <a:prstGeom prst="line">
+              <a:avLst/>
+            </a:prstGeom>
+          </p:spPr>
+          <p:style>
+            <a:lnRef idx="1">
+              <a:schemeClr val="accent1"/>
+            </a:lnRef>
+            <a:fillRef idx="0">
+              <a:schemeClr val="accent1"/>
+            </a:fillRef>
+            <a:effectRef idx="0">
+              <a:schemeClr val="accent1"/>
+            </a:effectRef>
+            <a:fontRef idx="minor">
+              <a:schemeClr val="tx1"/>
+            </a:fontRef>
+          </p:style>
+        </p:cxnSp>
+        <p:cxnSp>
+          <p:nvCxnSpPr>
+            <p:cNvPr id="27" name="Straight Connector 26">
+              <a:extLst>
+                <a:ext uri="{FF2B5EF4-FFF2-40B4-BE49-F238E27FC236}">
+                  <a16:creationId xmlns:a16="http://schemas.microsoft.com/office/drawing/2014/main" id="{B2297B44-E0B3-0C2B-386C-AFE6984E2C60}"/>
+                </a:ext>
+              </a:extLst>
+            </p:cNvPr>
+            <p:cNvCxnSpPr>
+              <a:stCxn id="8" idx="5"/>
+              <a:endCxn id="7" idx="5"/>
+            </p:cNvCxnSpPr>
+            <p:nvPr/>
+          </p:nvCxnSpPr>
+          <p:spPr>
+            <a:xfrm>
+              <a:off x="3317400" y="3142515"/>
+              <a:ext cx="280008" cy="248636"/>
+            </a:xfrm>
+            <a:prstGeom prst="line">
+              <a:avLst/>
+            </a:prstGeom>
+          </p:spPr>
+          <p:style>
+            <a:lnRef idx="1">
+              <a:schemeClr val="accent1"/>
+            </a:lnRef>
+            <a:fillRef idx="0">
+              <a:schemeClr val="accent1"/>
+            </a:fillRef>
+            <a:effectRef idx="0">
+              <a:schemeClr val="accent1"/>
+            </a:effectRef>
+            <a:fontRef idx="minor">
+              <a:schemeClr val="tx1"/>
+            </a:fontRef>
+          </p:style>
+        </p:cxnSp>
+        <p:cxnSp>
+          <p:nvCxnSpPr>
+            <p:cNvPr id="29" name="Straight Connector 28">
+              <a:extLst>
+                <a:ext uri="{FF2B5EF4-FFF2-40B4-BE49-F238E27FC236}">
+                  <a16:creationId xmlns:a16="http://schemas.microsoft.com/office/drawing/2014/main" id="{A2A4D2CD-8EA1-D8C7-2A09-D2652B35ED8D}"/>
+                </a:ext>
+              </a:extLst>
+            </p:cNvPr>
+            <p:cNvCxnSpPr>
+              <a:cxnSpLocks/>
+              <a:stCxn id="8" idx="4"/>
+              <a:endCxn id="7" idx="4"/>
+            </p:cNvCxnSpPr>
+            <p:nvPr/>
+          </p:nvCxnSpPr>
+          <p:spPr>
+            <a:xfrm>
+              <a:off x="2891922" y="3323371"/>
+              <a:ext cx="12086" cy="353148"/>
+            </a:xfrm>
+            <a:prstGeom prst="line">
+              <a:avLst/>
+            </a:prstGeom>
+          </p:spPr>
+          <p:style>
+            <a:lnRef idx="1">
+              <a:schemeClr val="accent1"/>
+            </a:lnRef>
+            <a:fillRef idx="0">
+              <a:schemeClr val="accent1"/>
+            </a:fillRef>
+            <a:effectRef idx="0">
+              <a:schemeClr val="accent1"/>
+            </a:effectRef>
+            <a:fontRef idx="minor">
+              <a:schemeClr val="tx1"/>
+            </a:fontRef>
+          </p:style>
+        </p:cxnSp>
+        <p:cxnSp>
+          <p:nvCxnSpPr>
+            <p:cNvPr id="33" name="Straight Connector 32">
+              <a:extLst>
+                <a:ext uri="{FF2B5EF4-FFF2-40B4-BE49-F238E27FC236}">
+                  <a16:creationId xmlns:a16="http://schemas.microsoft.com/office/drawing/2014/main" id="{01774CDA-F57F-1BB0-30DA-972630EF7586}"/>
+                </a:ext>
+              </a:extLst>
+            </p:cNvPr>
+            <p:cNvCxnSpPr>
+              <a:stCxn id="8" idx="3"/>
+              <a:endCxn id="7" idx="3"/>
+            </p:cNvCxnSpPr>
+            <p:nvPr/>
+          </p:nvCxnSpPr>
+          <p:spPr>
+            <a:xfrm flipH="1">
+              <a:off x="2210608" y="3142515"/>
+              <a:ext cx="255835" cy="248636"/>
+            </a:xfrm>
+            <a:prstGeom prst="line">
+              <a:avLst/>
+            </a:prstGeom>
+          </p:spPr>
+          <p:style>
+            <a:lnRef idx="1">
+              <a:schemeClr val="accent1"/>
+            </a:lnRef>
+            <a:fillRef idx="0">
+              <a:schemeClr val="accent1"/>
+            </a:fillRef>
+            <a:effectRef idx="0">
+              <a:schemeClr val="accent1"/>
+            </a:effectRef>
+            <a:fontRef idx="minor">
+              <a:schemeClr val="tx1"/>
+            </a:fontRef>
+          </p:style>
+        </p:cxnSp>
+        <p:cxnSp>
+          <p:nvCxnSpPr>
+            <p:cNvPr id="35" name="Straight Connector 34">
+              <a:extLst>
+                <a:ext uri="{FF2B5EF4-FFF2-40B4-BE49-F238E27FC236}">
+                  <a16:creationId xmlns:a16="http://schemas.microsoft.com/office/drawing/2014/main" id="{D0BBDB88-8E69-BA64-2795-84A958E36ED1}"/>
+                </a:ext>
+              </a:extLst>
+            </p:cNvPr>
+            <p:cNvCxnSpPr>
+              <a:stCxn id="8" idx="2"/>
+              <a:endCxn id="7" idx="2"/>
+            </p:cNvCxnSpPr>
+            <p:nvPr/>
+          </p:nvCxnSpPr>
+          <p:spPr>
+            <a:xfrm flipH="1" flipV="1">
+              <a:off x="1923393" y="2702210"/>
+              <a:ext cx="366811" cy="3679"/>
+            </a:xfrm>
+            <a:prstGeom prst="line">
+              <a:avLst/>
+            </a:prstGeom>
+          </p:spPr>
+          <p:style>
+            <a:lnRef idx="1">
+              <a:schemeClr val="accent1"/>
+            </a:lnRef>
+            <a:fillRef idx="0">
+              <a:schemeClr val="accent1"/>
+            </a:fillRef>
+            <a:effectRef idx="0">
+              <a:schemeClr val="accent1"/>
+            </a:effectRef>
+            <a:fontRef idx="minor">
+              <a:schemeClr val="tx1"/>
+            </a:fontRef>
+          </p:style>
+        </p:cxnSp>
+        <p:cxnSp>
+          <p:nvCxnSpPr>
+            <p:cNvPr id="37" name="Straight Connector 36">
+              <a:extLst>
+                <a:ext uri="{FF2B5EF4-FFF2-40B4-BE49-F238E27FC236}">
+                  <a16:creationId xmlns:a16="http://schemas.microsoft.com/office/drawing/2014/main" id="{50F6B1ED-36E2-D732-18B8-6BB74AF5C9BC}"/>
+                </a:ext>
+              </a:extLst>
+            </p:cNvPr>
+            <p:cNvCxnSpPr>
+              <a:stCxn id="8" idx="1"/>
+              <a:endCxn id="7" idx="1"/>
+            </p:cNvCxnSpPr>
+            <p:nvPr/>
+          </p:nvCxnSpPr>
+          <p:spPr>
+            <a:xfrm flipH="1" flipV="1">
+              <a:off x="2210608" y="2013269"/>
+              <a:ext cx="255835" cy="255993"/>
+            </a:xfrm>
+            <a:prstGeom prst="line">
+              <a:avLst/>
+            </a:prstGeom>
+          </p:spPr>
+          <p:style>
+            <a:lnRef idx="1">
+              <a:schemeClr val="accent1"/>
+            </a:lnRef>
+            <a:fillRef idx="0">
+              <a:schemeClr val="accent1"/>
+            </a:fillRef>
+            <a:effectRef idx="0">
+              <a:schemeClr val="accent1"/>
+            </a:effectRef>
+            <a:fontRef idx="minor">
+              <a:schemeClr val="tx1"/>
+            </a:fontRef>
+          </p:style>
+        </p:cxnSp>
+        <p:sp>
+          <p:nvSpPr>
+            <p:cNvPr id="38" name="TextBox 37">
+              <a:extLst>
+                <a:ext uri="{FF2B5EF4-FFF2-40B4-BE49-F238E27FC236}">
+                  <a16:creationId xmlns:a16="http://schemas.microsoft.com/office/drawing/2014/main" id="{B446A664-8001-8CC1-828E-33E863E4B9E3}"/>
+                </a:ext>
+              </a:extLst>
+            </p:cNvPr>
+            <p:cNvSpPr txBox="1"/>
+            <p:nvPr/>
+          </p:nvSpPr>
+          <p:spPr>
+            <a:xfrm>
+              <a:off x="2290204" y="1475455"/>
+              <a:ext cx="301686" cy="369332"/>
+            </a:xfrm>
+            <a:prstGeom prst="rect">
+              <a:avLst/>
+            </a:prstGeom>
+            <a:noFill/>
+          </p:spPr>
+          <p:txBody>
+            <a:bodyPr wrap="none" rtlCol="0">
+              <a:spAutoFit/>
+            </a:bodyPr>
+            <a:lstStyle/>
+            <a:p>
+              <a:r>
+                <a:rPr lang="en-CA" dirty="0"/>
+                <a:t>0</a:t>
+              </a:r>
+            </a:p>
+          </p:txBody>
+        </p:sp>
+        <p:sp>
+          <p:nvSpPr>
+            <p:cNvPr id="39" name="TextBox 38">
+              <a:extLst>
+                <a:ext uri="{FF2B5EF4-FFF2-40B4-BE49-F238E27FC236}">
+                  <a16:creationId xmlns:a16="http://schemas.microsoft.com/office/drawing/2014/main" id="{10B6DAB3-F918-6DBC-7817-3AAD1BC51ABB}"/>
+                </a:ext>
+              </a:extLst>
+            </p:cNvPr>
+            <p:cNvSpPr txBox="1"/>
+            <p:nvPr/>
+          </p:nvSpPr>
+          <p:spPr>
+            <a:xfrm>
+              <a:off x="3197395" y="1489305"/>
+              <a:ext cx="301686" cy="369332"/>
+            </a:xfrm>
+            <a:prstGeom prst="rect">
+              <a:avLst/>
+            </a:prstGeom>
+            <a:noFill/>
+          </p:spPr>
+          <p:txBody>
+            <a:bodyPr wrap="none" rtlCol="0">
+              <a:spAutoFit/>
+            </a:bodyPr>
+            <a:lstStyle/>
+            <a:p>
+              <a:r>
+                <a:rPr lang="en-CA" dirty="0"/>
+                <a:t>1</a:t>
+              </a:r>
+            </a:p>
+          </p:txBody>
+        </p:sp>
+        <p:sp>
+          <p:nvSpPr>
+            <p:cNvPr id="40" name="TextBox 39">
+              <a:extLst>
+                <a:ext uri="{FF2B5EF4-FFF2-40B4-BE49-F238E27FC236}">
+                  <a16:creationId xmlns:a16="http://schemas.microsoft.com/office/drawing/2014/main" id="{941DD913-E035-1FAC-CA99-CF267DEAFE47}"/>
+                </a:ext>
+              </a:extLst>
+            </p:cNvPr>
+            <p:cNvSpPr txBox="1"/>
+            <p:nvPr/>
+          </p:nvSpPr>
+          <p:spPr>
+            <a:xfrm>
+              <a:off x="3782072" y="2114322"/>
+              <a:ext cx="301686" cy="369332"/>
+            </a:xfrm>
+            <a:prstGeom prst="rect">
+              <a:avLst/>
+            </a:prstGeom>
+            <a:noFill/>
+          </p:spPr>
+          <p:txBody>
+            <a:bodyPr wrap="none" rtlCol="0">
+              <a:spAutoFit/>
+            </a:bodyPr>
+            <a:lstStyle/>
+            <a:p>
+              <a:r>
+                <a:rPr lang="en-CA" dirty="0"/>
+                <a:t>2</a:t>
+              </a:r>
+            </a:p>
+          </p:txBody>
+        </p:sp>
+        <p:sp>
+          <p:nvSpPr>
+            <p:cNvPr id="41" name="TextBox 40">
+              <a:extLst>
+                <a:ext uri="{FF2B5EF4-FFF2-40B4-BE49-F238E27FC236}">
+                  <a16:creationId xmlns:a16="http://schemas.microsoft.com/office/drawing/2014/main" id="{A67C9136-5751-D973-08F3-4EDAB160B8B6}"/>
+                </a:ext>
+              </a:extLst>
+            </p:cNvPr>
+            <p:cNvSpPr txBox="1"/>
+            <p:nvPr/>
+          </p:nvSpPr>
+          <p:spPr>
+            <a:xfrm>
+              <a:off x="3752669" y="2911670"/>
+              <a:ext cx="301686" cy="369332"/>
+            </a:xfrm>
+            <a:prstGeom prst="rect">
+              <a:avLst/>
+            </a:prstGeom>
+            <a:noFill/>
+          </p:spPr>
+          <p:txBody>
+            <a:bodyPr wrap="none" rtlCol="0">
+              <a:spAutoFit/>
+            </a:bodyPr>
+            <a:lstStyle/>
+            <a:p>
+              <a:r>
+                <a:rPr lang="en-CA" dirty="0"/>
+                <a:t>3</a:t>
+              </a:r>
+            </a:p>
+          </p:txBody>
+        </p:sp>
+        <p:sp>
+          <p:nvSpPr>
+            <p:cNvPr id="42" name="TextBox 41">
+              <a:extLst>
+                <a:ext uri="{FF2B5EF4-FFF2-40B4-BE49-F238E27FC236}">
+                  <a16:creationId xmlns:a16="http://schemas.microsoft.com/office/drawing/2014/main" id="{055A6711-6923-AC82-CD40-299B62DB062F}"/>
+                </a:ext>
+              </a:extLst>
+            </p:cNvPr>
+            <p:cNvSpPr txBox="1"/>
+            <p:nvPr/>
+          </p:nvSpPr>
+          <p:spPr>
+            <a:xfrm>
+              <a:off x="3197395" y="3525743"/>
+              <a:ext cx="301686" cy="369332"/>
+            </a:xfrm>
+            <a:prstGeom prst="rect">
+              <a:avLst/>
+            </a:prstGeom>
+            <a:noFill/>
+          </p:spPr>
+          <p:txBody>
+            <a:bodyPr wrap="none" rtlCol="0">
+              <a:spAutoFit/>
+            </a:bodyPr>
+            <a:lstStyle/>
+            <a:p>
+              <a:r>
+                <a:rPr lang="en-CA" dirty="0"/>
+                <a:t>4</a:t>
+              </a:r>
+            </a:p>
+          </p:txBody>
+        </p:sp>
+        <p:sp>
+          <p:nvSpPr>
+            <p:cNvPr id="43" name="TextBox 42">
+              <a:extLst>
+                <a:ext uri="{FF2B5EF4-FFF2-40B4-BE49-F238E27FC236}">
+                  <a16:creationId xmlns:a16="http://schemas.microsoft.com/office/drawing/2014/main" id="{CE3F65E6-98D1-4B49-F451-19EBF8157C87}"/>
+                </a:ext>
+              </a:extLst>
+            </p:cNvPr>
+            <p:cNvSpPr txBox="1"/>
+            <p:nvPr/>
+          </p:nvSpPr>
+          <p:spPr>
+            <a:xfrm>
+              <a:off x="2327687" y="3525743"/>
+              <a:ext cx="301686" cy="369332"/>
+            </a:xfrm>
+            <a:prstGeom prst="rect">
+              <a:avLst/>
+            </a:prstGeom>
+            <a:noFill/>
+          </p:spPr>
+          <p:txBody>
+            <a:bodyPr wrap="none" rtlCol="0">
+              <a:spAutoFit/>
+            </a:bodyPr>
+            <a:lstStyle/>
+            <a:p>
+              <a:r>
+                <a:rPr lang="en-CA" dirty="0"/>
+                <a:t>5</a:t>
+              </a:r>
+            </a:p>
+          </p:txBody>
+        </p:sp>
+        <p:sp>
+          <p:nvSpPr>
+            <p:cNvPr id="44" name="TextBox 43">
+              <a:extLst>
+                <a:ext uri="{FF2B5EF4-FFF2-40B4-BE49-F238E27FC236}">
+                  <a16:creationId xmlns:a16="http://schemas.microsoft.com/office/drawing/2014/main" id="{2FC9D8BC-B3E7-5F4F-77C6-D284BB908166}"/>
+                </a:ext>
+              </a:extLst>
+            </p:cNvPr>
+            <p:cNvSpPr txBox="1"/>
+            <p:nvPr/>
+          </p:nvSpPr>
+          <p:spPr>
+            <a:xfrm>
+              <a:off x="1760045" y="2944485"/>
+              <a:ext cx="301686" cy="369332"/>
+            </a:xfrm>
+            <a:prstGeom prst="rect">
+              <a:avLst/>
+            </a:prstGeom>
+            <a:noFill/>
+          </p:spPr>
+          <p:txBody>
+            <a:bodyPr wrap="none" rtlCol="0">
+              <a:spAutoFit/>
+            </a:bodyPr>
+            <a:lstStyle/>
+            <a:p>
+              <a:r>
+                <a:rPr lang="en-CA" dirty="0"/>
+                <a:t>6</a:t>
+              </a:r>
+            </a:p>
+          </p:txBody>
+        </p:sp>
+        <p:sp>
+          <p:nvSpPr>
+            <p:cNvPr id="45" name="TextBox 44">
+              <a:extLst>
+                <a:ext uri="{FF2B5EF4-FFF2-40B4-BE49-F238E27FC236}">
+                  <a16:creationId xmlns:a16="http://schemas.microsoft.com/office/drawing/2014/main" id="{9BB9B9A2-EF6D-650A-D91F-5E228B302DBF}"/>
+                </a:ext>
+              </a:extLst>
+            </p:cNvPr>
+            <p:cNvSpPr txBox="1"/>
+            <p:nvPr/>
+          </p:nvSpPr>
+          <p:spPr>
+            <a:xfrm>
+              <a:off x="1748377" y="2155206"/>
+              <a:ext cx="301686" cy="369332"/>
+            </a:xfrm>
+            <a:prstGeom prst="rect">
+              <a:avLst/>
+            </a:prstGeom>
+            <a:noFill/>
+          </p:spPr>
+          <p:txBody>
+            <a:bodyPr wrap="none" rtlCol="0">
+              <a:spAutoFit/>
+            </a:bodyPr>
+            <a:lstStyle/>
+            <a:p>
+              <a:r>
+                <a:rPr lang="en-CA" dirty="0"/>
+                <a:t>7</a:t>
+              </a:r>
+            </a:p>
+          </p:txBody>
+        </p:sp>
+      </p:grpSp>
+      <p:graphicFrame>
+        <p:nvGraphicFramePr>
+          <p:cNvPr id="47" name="Table 47">
+            <a:extLst>
+              <a:ext uri="{FF2B5EF4-FFF2-40B4-BE49-F238E27FC236}">
+                <a16:creationId xmlns:a16="http://schemas.microsoft.com/office/drawing/2014/main" id="{C30C9823-503B-B637-FCFC-B0314975BD2D}"/>
+              </a:ext>
+            </a:extLst>
+          </p:cNvPr>
+          <p:cNvGraphicFramePr>
+            <a:graphicFrameLocks noGrp="1"/>
+          </p:cNvGraphicFramePr>
+          <p:nvPr>
+            <p:extLst>
+              <p:ext uri="{D42A27DB-BD31-4B8C-83A1-F6EECF244321}">
+                <p14:modId xmlns:p14="http://schemas.microsoft.com/office/powerpoint/2010/main" val="3569525362"/>
+              </p:ext>
+            </p:extLst>
+          </p:nvPr>
+        </p:nvGraphicFramePr>
+        <p:xfrm>
+          <a:off x="3833211" y="1211813"/>
+          <a:ext cx="4782696" cy="1030166"/>
+        </p:xfrm>
+        <a:graphic>
+          <a:graphicData uri="http://schemas.openxmlformats.org/drawingml/2006/table">
+            <a:tbl>
+              <a:tblPr firstRow="1" bandRow="1">
+                <a:tableStyleId>{5940675A-B579-460E-94D1-54222C63F5DA}</a:tableStyleId>
+              </a:tblPr>
+              <a:tblGrid>
+                <a:gridCol w="597837">
+                  <a:extLst>
+                    <a:ext uri="{9D8B030D-6E8A-4147-A177-3AD203B41FA5}">
+                      <a16:colId xmlns:a16="http://schemas.microsoft.com/office/drawing/2014/main" val="976978479"/>
+                    </a:ext>
+                  </a:extLst>
+                </a:gridCol>
+                <a:gridCol w="597837">
+                  <a:extLst>
+                    <a:ext uri="{9D8B030D-6E8A-4147-A177-3AD203B41FA5}">
+                      <a16:colId xmlns:a16="http://schemas.microsoft.com/office/drawing/2014/main" val="855892960"/>
+                    </a:ext>
+                  </a:extLst>
+                </a:gridCol>
+                <a:gridCol w="597837">
+                  <a:extLst>
+                    <a:ext uri="{9D8B030D-6E8A-4147-A177-3AD203B41FA5}">
+                      <a16:colId xmlns:a16="http://schemas.microsoft.com/office/drawing/2014/main" val="211377997"/>
+                    </a:ext>
+                  </a:extLst>
+                </a:gridCol>
+                <a:gridCol w="597837">
+                  <a:extLst>
+                    <a:ext uri="{9D8B030D-6E8A-4147-A177-3AD203B41FA5}">
+                      <a16:colId xmlns:a16="http://schemas.microsoft.com/office/drawing/2014/main" val="1748040070"/>
+                    </a:ext>
+                  </a:extLst>
+                </a:gridCol>
+                <a:gridCol w="597837">
+                  <a:extLst>
+                    <a:ext uri="{9D8B030D-6E8A-4147-A177-3AD203B41FA5}">
+                      <a16:colId xmlns:a16="http://schemas.microsoft.com/office/drawing/2014/main" val="2444696065"/>
+                    </a:ext>
+                  </a:extLst>
+                </a:gridCol>
+                <a:gridCol w="597837">
+                  <a:extLst>
+                    <a:ext uri="{9D8B030D-6E8A-4147-A177-3AD203B41FA5}">
+                      <a16:colId xmlns:a16="http://schemas.microsoft.com/office/drawing/2014/main" val="3683808895"/>
+                    </a:ext>
+                  </a:extLst>
+                </a:gridCol>
+                <a:gridCol w="597837">
+                  <a:extLst>
+                    <a:ext uri="{9D8B030D-6E8A-4147-A177-3AD203B41FA5}">
+                      <a16:colId xmlns:a16="http://schemas.microsoft.com/office/drawing/2014/main" val="1584911352"/>
+                    </a:ext>
+                  </a:extLst>
+                </a:gridCol>
+                <a:gridCol w="597837">
+                  <a:extLst>
+                    <a:ext uri="{9D8B030D-6E8A-4147-A177-3AD203B41FA5}">
+                      <a16:colId xmlns:a16="http://schemas.microsoft.com/office/drawing/2014/main" val="2064645859"/>
+                    </a:ext>
+                  </a:extLst>
+                </a:gridCol>
+              </a:tblGrid>
+              <a:tr h="515083">
+                <a:tc>
+                  <a:txBody>
+                    <a:bodyPr/>
+                    <a:lstStyle/>
+                    <a:p>
+                      <a:pPr algn="ctr"/>
+                      <a:r>
+                        <a:rPr lang="en-CA" sz="1100" dirty="0"/>
+                        <a:t>0</a:t>
+                      </a:r>
+                    </a:p>
+                  </a:txBody>
+                  <a:tcPr anchor="b">
+                    <a:lnL w="12700" cmpd="sng">
+                      <a:noFill/>
+                    </a:lnL>
+                    <a:lnR w="12700" cmpd="sng">
+                      <a:noFill/>
+                    </a:lnR>
+                    <a:lnT w="12700" cmpd="sng">
+                      <a:noFill/>
+                    </a:lnT>
+                    <a:lnB w="12700" cap="flat" cmpd="sng" algn="ctr">
+                      <a:solidFill>
+                        <a:schemeClr val="tx1"/>
+                      </a:solidFill>
+                      <a:prstDash val="solid"/>
+                      <a:round/>
+                      <a:headEnd type="none" w="med" len="med"/>
+                      <a:tailEnd type="none" w="med" len="med"/>
+                    </a:lnB>
+                    <a:lnTlToBr w="12700" cmpd="sng">
+                      <a:noFill/>
+                      <a:prstDash val="solid"/>
+                    </a:lnTlToBr>
+                    <a:lnBlToTr w="12700" cmpd="sng">
+                      <a:noFill/>
+                      <a:prstDash val="solid"/>
+                    </a:lnBlToTr>
+                  </a:tcPr>
+                </a:tc>
+                <a:tc>
+                  <a:txBody>
+                    <a:bodyPr/>
+                    <a:lstStyle/>
+                    <a:p>
+                      <a:pPr algn="ctr"/>
+                      <a:r>
+                        <a:rPr lang="en-CA" sz="1100" dirty="0"/>
+                        <a:t>1</a:t>
+                      </a:r>
+                    </a:p>
+                  </a:txBody>
+                  <a:tcPr anchor="b">
+                    <a:lnL w="12700" cmpd="sng">
+                      <a:noFill/>
+                    </a:lnL>
+                    <a:lnR w="12700" cmpd="sng">
+                      <a:noFill/>
+                    </a:lnR>
+                    <a:lnT w="12700" cmpd="sng">
+                      <a:noFill/>
+                    </a:lnT>
+                    <a:lnB w="12700" cap="flat" cmpd="sng" algn="ctr">
+                      <a:solidFill>
+                        <a:schemeClr val="tx1"/>
+                      </a:solidFill>
+                      <a:prstDash val="solid"/>
+                      <a:round/>
+                      <a:headEnd type="none" w="med" len="med"/>
+                      <a:tailEnd type="none" w="med" len="med"/>
+                    </a:lnB>
+                    <a:lnTlToBr w="12700" cmpd="sng">
+                      <a:noFill/>
+                      <a:prstDash val="solid"/>
+                    </a:lnTlToBr>
+                    <a:lnBlToTr w="12700" cmpd="sng">
+                      <a:noFill/>
+                      <a:prstDash val="solid"/>
+                    </a:lnBlToTr>
+                  </a:tcPr>
+                </a:tc>
+                <a:tc>
+                  <a:txBody>
+                    <a:bodyPr/>
+                    <a:lstStyle/>
+                    <a:p>
+                      <a:pPr algn="ctr"/>
+                      <a:r>
+                        <a:rPr lang="en-CA" sz="1100" dirty="0"/>
+                        <a:t>2</a:t>
+                      </a:r>
+                    </a:p>
+                  </a:txBody>
+                  <a:tcPr anchor="b">
+                    <a:lnL w="12700" cmpd="sng">
+                      <a:noFill/>
+                    </a:lnL>
+                    <a:lnR w="12700" cmpd="sng">
+                      <a:noFill/>
+                    </a:lnR>
+                    <a:lnT w="12700" cmpd="sng">
+                      <a:noFill/>
+                    </a:lnT>
+                    <a:lnB w="12700" cap="flat" cmpd="sng" algn="ctr">
+                      <a:solidFill>
+                        <a:schemeClr val="tx1"/>
+                      </a:solidFill>
+                      <a:prstDash val="solid"/>
+                      <a:round/>
+                      <a:headEnd type="none" w="med" len="med"/>
+                      <a:tailEnd type="none" w="med" len="med"/>
+                    </a:lnB>
+                    <a:lnTlToBr w="12700" cmpd="sng">
+                      <a:noFill/>
+                      <a:prstDash val="solid"/>
+                    </a:lnTlToBr>
+                    <a:lnBlToTr w="12700" cmpd="sng">
+                      <a:noFill/>
+                      <a:prstDash val="solid"/>
+                    </a:lnBlToTr>
+                  </a:tcPr>
+                </a:tc>
+                <a:tc>
+                  <a:txBody>
+                    <a:bodyPr/>
+                    <a:lstStyle/>
+                    <a:p>
+                      <a:pPr algn="ctr"/>
+                      <a:r>
+                        <a:rPr lang="en-CA" sz="1100" dirty="0"/>
+                        <a:t>3</a:t>
+                      </a:r>
+                    </a:p>
+                  </a:txBody>
+                  <a:tcPr anchor="b">
+                    <a:lnL w="12700" cmpd="sng">
+                      <a:noFill/>
+                    </a:lnL>
+                    <a:lnR w="12700" cmpd="sng">
+                      <a:noFill/>
+                    </a:lnR>
+                    <a:lnT w="12700" cmpd="sng">
+                      <a:noFill/>
+                    </a:lnT>
+                    <a:lnB w="12700" cap="flat" cmpd="sng" algn="ctr">
+                      <a:solidFill>
+                        <a:schemeClr val="tx1"/>
+                      </a:solidFill>
+                      <a:prstDash val="solid"/>
+                      <a:round/>
+                      <a:headEnd type="none" w="med" len="med"/>
+                      <a:tailEnd type="none" w="med" len="med"/>
+                    </a:lnB>
+                    <a:lnTlToBr w="12700" cmpd="sng">
+                      <a:noFill/>
+                      <a:prstDash val="solid"/>
+                    </a:lnTlToBr>
+                    <a:lnBlToTr w="12700" cmpd="sng">
+                      <a:noFill/>
+                      <a:prstDash val="solid"/>
+                    </a:lnBlToTr>
+                  </a:tcPr>
+                </a:tc>
+                <a:tc>
+                  <a:txBody>
+                    <a:bodyPr/>
+                    <a:lstStyle/>
+                    <a:p>
+                      <a:pPr algn="ctr"/>
+                      <a:r>
+                        <a:rPr lang="en-CA" sz="1100" dirty="0"/>
+                        <a:t>4</a:t>
+                      </a:r>
+                    </a:p>
+                  </a:txBody>
+                  <a:tcPr anchor="b">
+                    <a:lnL w="12700" cmpd="sng">
+                      <a:noFill/>
+                    </a:lnL>
+                    <a:lnR w="12700" cmpd="sng">
+                      <a:noFill/>
+                    </a:lnR>
+                    <a:lnT w="12700" cmpd="sng">
+                      <a:noFill/>
+                    </a:lnT>
+                    <a:lnB w="12700" cap="flat" cmpd="sng" algn="ctr">
+                      <a:solidFill>
+                        <a:schemeClr val="tx1"/>
+                      </a:solidFill>
+                      <a:prstDash val="solid"/>
+                      <a:round/>
+                      <a:headEnd type="none" w="med" len="med"/>
+                      <a:tailEnd type="none" w="med" len="med"/>
+                    </a:lnB>
+                    <a:lnTlToBr w="12700" cmpd="sng">
+                      <a:noFill/>
+                      <a:prstDash val="solid"/>
+                    </a:lnTlToBr>
+                    <a:lnBlToTr w="12700" cmpd="sng">
+                      <a:noFill/>
+                      <a:prstDash val="solid"/>
+                    </a:lnBlToTr>
+                  </a:tcPr>
+                </a:tc>
+                <a:tc>
+                  <a:txBody>
+                    <a:bodyPr/>
+                    <a:lstStyle/>
+                    <a:p>
+                      <a:pPr algn="ctr"/>
+                      <a:r>
+                        <a:rPr lang="en-CA" sz="1100" dirty="0"/>
+                        <a:t>5</a:t>
+                      </a:r>
+                    </a:p>
+                  </a:txBody>
+                  <a:tcPr anchor="b">
+                    <a:lnL w="12700" cmpd="sng">
+                      <a:noFill/>
+                    </a:lnL>
+                    <a:lnR w="12700" cmpd="sng">
+                      <a:noFill/>
+                    </a:lnR>
+                    <a:lnT w="12700" cmpd="sng">
+                      <a:noFill/>
+                    </a:lnT>
+                    <a:lnB w="12700" cap="flat" cmpd="sng" algn="ctr">
+                      <a:solidFill>
+                        <a:schemeClr val="tx1"/>
+                      </a:solidFill>
+                      <a:prstDash val="solid"/>
+                      <a:round/>
+                      <a:headEnd type="none" w="med" len="med"/>
+                      <a:tailEnd type="none" w="med" len="med"/>
+                    </a:lnB>
+                    <a:lnTlToBr w="12700" cmpd="sng">
+                      <a:noFill/>
+                      <a:prstDash val="solid"/>
+                    </a:lnTlToBr>
+                    <a:lnBlToTr w="12700" cmpd="sng">
+                      <a:noFill/>
+                      <a:prstDash val="solid"/>
+                    </a:lnBlToTr>
+                  </a:tcPr>
+                </a:tc>
+                <a:tc>
+                  <a:txBody>
+                    <a:bodyPr/>
+                    <a:lstStyle/>
+                    <a:p>
+                      <a:pPr algn="ctr"/>
+                      <a:r>
+                        <a:rPr lang="en-CA" sz="1100" dirty="0"/>
+                        <a:t>6</a:t>
+                      </a:r>
+                    </a:p>
+                  </a:txBody>
+                  <a:tcPr anchor="b">
+                    <a:lnL w="12700" cmpd="sng">
+                      <a:noFill/>
+                    </a:lnL>
+                    <a:lnR w="12700" cmpd="sng">
+                      <a:noFill/>
+                    </a:lnR>
+                    <a:lnT w="12700" cmpd="sng">
+                      <a:noFill/>
+                    </a:lnT>
+                    <a:lnB w="12700" cap="flat" cmpd="sng" algn="ctr">
+                      <a:solidFill>
+                        <a:schemeClr val="tx1"/>
+                      </a:solidFill>
+                      <a:prstDash val="solid"/>
+                      <a:round/>
+                      <a:headEnd type="none" w="med" len="med"/>
+                      <a:tailEnd type="none" w="med" len="med"/>
+                    </a:lnB>
+                    <a:lnTlToBr w="12700" cmpd="sng">
+                      <a:noFill/>
+                      <a:prstDash val="solid"/>
+                    </a:lnTlToBr>
+                    <a:lnBlToTr w="12700" cmpd="sng">
+                      <a:noFill/>
+                      <a:prstDash val="solid"/>
+                    </a:lnBlToTr>
+                  </a:tcPr>
+                </a:tc>
+                <a:tc>
+                  <a:txBody>
+                    <a:bodyPr/>
+                    <a:lstStyle/>
+                    <a:p>
+                      <a:pPr algn="ctr"/>
+                      <a:r>
+                        <a:rPr lang="en-CA" sz="1100" dirty="0"/>
+                        <a:t>7</a:t>
+                      </a:r>
+                    </a:p>
+                  </a:txBody>
+                  <a:tcPr anchor="b">
+                    <a:lnL w="12700" cmpd="sng">
+                      <a:noFill/>
+                    </a:lnL>
+                    <a:lnR w="12700" cmpd="sng">
+                      <a:noFill/>
+                    </a:lnR>
+                    <a:lnT w="12700" cmpd="sng">
+                      <a:noFill/>
+                    </a:lnT>
+                    <a:lnB w="12700" cap="flat" cmpd="sng" algn="ctr">
+                      <a:solidFill>
+                        <a:schemeClr val="tx1"/>
+                      </a:solidFill>
+                      <a:prstDash val="solid"/>
+                      <a:round/>
+                      <a:headEnd type="none" w="med" len="med"/>
+                      <a:tailEnd type="none" w="med" len="med"/>
+                    </a:lnB>
+                    <a:lnTlToBr w="12700" cmpd="sng">
+                      <a:noFill/>
+                      <a:prstDash val="solid"/>
+                    </a:lnTlToBr>
+                    <a:lnBlToTr w="12700" cmpd="sng">
+                      <a:noFill/>
+                      <a:prstDash val="solid"/>
+                    </a:lnBlToTr>
+                  </a:tcPr>
+                </a:tc>
+                <a:extLst>
+                  <a:ext uri="{0D108BD9-81ED-4DB2-BD59-A6C34878D82A}">
+                    <a16:rowId xmlns:a16="http://schemas.microsoft.com/office/drawing/2014/main" val="3273213331"/>
+                  </a:ext>
+                </a:extLst>
+              </a:tr>
+              <a:tr h="515083">
+                <a:tc>
+                  <a:txBody>
+                    <a:bodyPr/>
+                    <a:lstStyle/>
+                    <a:p>
+                      <a:pPr algn="ctr"/>
+                      <a:endParaRPr lang="en-CA" dirty="0"/>
+                    </a:p>
+                  </a:txBody>
+                  <a:tcPr>
+                    <a:lnL w="12700" cap="flat" cmpd="sng" algn="ctr">
+                      <a:solidFill>
+                        <a:schemeClr val="tx1"/>
+                      </a:solidFill>
+                      <a:prstDash val="solid"/>
+                      <a:round/>
+                      <a:headEnd type="none" w="med" len="med"/>
+                      <a:tailEnd type="none" w="med" len="med"/>
+                    </a:lnL>
+                    <a:lnR w="12700" cap="flat" cmpd="sng" algn="ctr">
+                      <a:solidFill>
+                        <a:schemeClr val="tx1"/>
+                      </a:solidFill>
+                      <a:prstDash val="solid"/>
+                      <a:round/>
+                      <a:headEnd type="none" w="med" len="med"/>
+                      <a:tailEnd type="none" w="med" len="med"/>
+                    </a:lnR>
+                    <a:lnT w="12700" cap="flat" cmpd="sng" algn="ctr">
+                      <a:solidFill>
+                        <a:schemeClr val="tx1"/>
+                      </a:solidFill>
+                      <a:prstDash val="solid"/>
+                      <a:round/>
+                      <a:headEnd type="none" w="med" len="med"/>
+                      <a:tailEnd type="none" w="med" len="med"/>
+                    </a:lnT>
+                    <a:lnB w="12700" cap="flat" cmpd="sng" algn="ctr">
+                      <a:solidFill>
+                        <a:schemeClr val="tx1"/>
+                      </a:solidFill>
+                      <a:prstDash val="solid"/>
+                      <a:round/>
+                      <a:headEnd type="none" w="med" len="med"/>
+                      <a:tailEnd type="none" w="med" len="med"/>
+                    </a:lnB>
+                  </a:tcPr>
+                </a:tc>
+                <a:tc>
+                  <a:txBody>
+                    <a:bodyPr/>
+                    <a:lstStyle/>
+                    <a:p>
+                      <a:pPr algn="ctr"/>
+                      <a:endParaRPr lang="en-CA" dirty="0"/>
+                    </a:p>
+                  </a:txBody>
+                  <a:tcPr>
+                    <a:lnL w="12700" cap="flat" cmpd="sng" algn="ctr">
+                      <a:solidFill>
+                        <a:schemeClr val="tx1"/>
+                      </a:solidFill>
+                      <a:prstDash val="solid"/>
+                      <a:round/>
+                      <a:headEnd type="none" w="med" len="med"/>
+                      <a:tailEnd type="none" w="med" len="med"/>
+                    </a:lnL>
+                    <a:lnR w="12700" cap="flat" cmpd="sng" algn="ctr">
+                      <a:solidFill>
+                        <a:schemeClr val="tx1"/>
+                      </a:solidFill>
+                      <a:prstDash val="solid"/>
+                      <a:round/>
+                      <a:headEnd type="none" w="med" len="med"/>
+                      <a:tailEnd type="none" w="med" len="med"/>
+                    </a:lnR>
+                    <a:lnT w="12700" cap="flat" cmpd="sng" algn="ctr">
+                      <a:solidFill>
+                        <a:schemeClr val="tx1"/>
+                      </a:solidFill>
+                      <a:prstDash val="solid"/>
+                      <a:round/>
+                      <a:headEnd type="none" w="med" len="med"/>
+                      <a:tailEnd type="none" w="med" len="med"/>
+                    </a:lnT>
+                    <a:lnB w="12700" cap="flat" cmpd="sng" algn="ctr">
+                      <a:solidFill>
+                        <a:schemeClr val="tx1"/>
+                      </a:solidFill>
+                      <a:prstDash val="solid"/>
+                      <a:round/>
+                      <a:headEnd type="none" w="med" len="med"/>
+                      <a:tailEnd type="none" w="med" len="med"/>
+                    </a:lnB>
+                  </a:tcPr>
+                </a:tc>
+                <a:tc>
+                  <a:txBody>
+                    <a:bodyPr/>
+                    <a:lstStyle/>
+                    <a:p>
+                      <a:pPr algn="ctr"/>
+                      <a:endParaRPr lang="en-CA" dirty="0"/>
+                    </a:p>
+                  </a:txBody>
+                  <a:tcPr>
+                    <a:lnL w="12700" cap="flat" cmpd="sng" algn="ctr">
+                      <a:solidFill>
+                        <a:schemeClr val="tx1"/>
+                      </a:solidFill>
+                      <a:prstDash val="solid"/>
+                      <a:round/>
+                      <a:headEnd type="none" w="med" len="med"/>
+                      <a:tailEnd type="none" w="med" len="med"/>
+                    </a:lnL>
+                    <a:lnR w="12700" cap="flat" cmpd="sng" algn="ctr">
+                      <a:solidFill>
+                        <a:schemeClr val="tx1"/>
+                      </a:solidFill>
+                      <a:prstDash val="solid"/>
+                      <a:round/>
+                      <a:headEnd type="none" w="med" len="med"/>
+                      <a:tailEnd type="none" w="med" len="med"/>
+                    </a:lnR>
+                    <a:lnT w="12700" cap="flat" cmpd="sng" algn="ctr">
+                      <a:solidFill>
+                        <a:schemeClr val="tx1"/>
+                      </a:solidFill>
+                      <a:prstDash val="solid"/>
+                      <a:round/>
+                      <a:headEnd type="none" w="med" len="med"/>
+                      <a:tailEnd type="none" w="med" len="med"/>
+                    </a:lnT>
+                    <a:lnB w="12700" cap="flat" cmpd="sng" algn="ctr">
+                      <a:solidFill>
+                        <a:schemeClr val="tx1"/>
+                      </a:solidFill>
+                      <a:prstDash val="solid"/>
+                      <a:round/>
+                      <a:headEnd type="none" w="med" len="med"/>
+                      <a:tailEnd type="none" w="med" len="med"/>
+                    </a:lnB>
+                  </a:tcPr>
+                </a:tc>
+                <a:tc>
+                  <a:txBody>
+                    <a:bodyPr/>
+                    <a:lstStyle/>
+                    <a:p>
+                      <a:pPr algn="ctr"/>
+                      <a:endParaRPr lang="en-CA" dirty="0"/>
+                    </a:p>
+                  </a:txBody>
+                  <a:tcPr>
+                    <a:lnL w="12700" cap="flat" cmpd="sng" algn="ctr">
+                      <a:solidFill>
+                        <a:schemeClr val="tx1"/>
+                      </a:solidFill>
+                      <a:prstDash val="solid"/>
+                      <a:round/>
+                      <a:headEnd type="none" w="med" len="med"/>
+                      <a:tailEnd type="none" w="med" len="med"/>
+                    </a:lnL>
+                    <a:lnR w="12700" cap="flat" cmpd="sng" algn="ctr">
+                      <a:solidFill>
+                        <a:schemeClr val="tx1"/>
+                      </a:solidFill>
+                      <a:prstDash val="solid"/>
+                      <a:round/>
+                      <a:headEnd type="none" w="med" len="med"/>
+                      <a:tailEnd type="none" w="med" len="med"/>
+                    </a:lnR>
+                    <a:lnT w="12700" cap="flat" cmpd="sng" algn="ctr">
+                      <a:solidFill>
+                        <a:schemeClr val="tx1"/>
+                      </a:solidFill>
+                      <a:prstDash val="solid"/>
+                      <a:round/>
+                      <a:headEnd type="none" w="med" len="med"/>
+                      <a:tailEnd type="none" w="med" len="med"/>
+                    </a:lnT>
+                    <a:lnB w="12700" cap="flat" cmpd="sng" algn="ctr">
+                      <a:solidFill>
+                        <a:schemeClr val="tx1"/>
+                      </a:solidFill>
+                      <a:prstDash val="solid"/>
+                      <a:round/>
+                      <a:headEnd type="none" w="med" len="med"/>
+                      <a:tailEnd type="none" w="med" len="med"/>
+                    </a:lnB>
+                  </a:tcPr>
+                </a:tc>
+                <a:tc>
+                  <a:txBody>
+                    <a:bodyPr/>
+                    <a:lstStyle/>
+                    <a:p>
+                      <a:pPr algn="ctr"/>
+                      <a:endParaRPr lang="en-CA" dirty="0"/>
+                    </a:p>
+                  </a:txBody>
+                  <a:tcPr>
+                    <a:lnL w="12700" cap="flat" cmpd="sng" algn="ctr">
+                      <a:solidFill>
+                        <a:schemeClr val="tx1"/>
+                      </a:solidFill>
+                      <a:prstDash val="solid"/>
+                      <a:round/>
+                      <a:headEnd type="none" w="med" len="med"/>
+                      <a:tailEnd type="none" w="med" len="med"/>
+                    </a:lnL>
+                    <a:lnR w="12700" cap="flat" cmpd="sng" algn="ctr">
+                      <a:solidFill>
+                        <a:schemeClr val="tx1"/>
+                      </a:solidFill>
+                      <a:prstDash val="solid"/>
+                      <a:round/>
+                      <a:headEnd type="none" w="med" len="med"/>
+                      <a:tailEnd type="none" w="med" len="med"/>
+                    </a:lnR>
+                    <a:lnT w="12700" cap="flat" cmpd="sng" algn="ctr">
+                      <a:solidFill>
+                        <a:schemeClr val="tx1"/>
+                      </a:solidFill>
+                      <a:prstDash val="solid"/>
+                      <a:round/>
+                      <a:headEnd type="none" w="med" len="med"/>
+                      <a:tailEnd type="none" w="med" len="med"/>
+                    </a:lnT>
+                    <a:lnB w="12700" cap="flat" cmpd="sng" algn="ctr">
+                      <a:solidFill>
+                        <a:schemeClr val="tx1"/>
+                      </a:solidFill>
+                      <a:prstDash val="solid"/>
+                      <a:round/>
+                      <a:headEnd type="none" w="med" len="med"/>
+                      <a:tailEnd type="none" w="med" len="med"/>
+                    </a:lnB>
+                  </a:tcPr>
+                </a:tc>
+                <a:tc>
+                  <a:txBody>
+                    <a:bodyPr/>
+                    <a:lstStyle/>
+                    <a:p>
+                      <a:pPr algn="ctr"/>
+                      <a:endParaRPr lang="en-CA" dirty="0"/>
+                    </a:p>
+                  </a:txBody>
+                  <a:tcPr>
+                    <a:lnL w="12700" cap="flat" cmpd="sng" algn="ctr">
+                      <a:solidFill>
+                        <a:schemeClr val="tx1"/>
+                      </a:solidFill>
+                      <a:prstDash val="solid"/>
+                      <a:round/>
+                      <a:headEnd type="none" w="med" len="med"/>
+                      <a:tailEnd type="none" w="med" len="med"/>
+                    </a:lnL>
+                    <a:lnR w="12700" cap="flat" cmpd="sng" algn="ctr">
+                      <a:solidFill>
+                        <a:schemeClr val="tx1"/>
+                      </a:solidFill>
+                      <a:prstDash val="solid"/>
+                      <a:round/>
+                      <a:headEnd type="none" w="med" len="med"/>
+                      <a:tailEnd type="none" w="med" len="med"/>
+                    </a:lnR>
+                    <a:lnT w="12700" cap="flat" cmpd="sng" algn="ctr">
+                      <a:solidFill>
+                        <a:schemeClr val="tx1"/>
+                      </a:solidFill>
+                      <a:prstDash val="solid"/>
+                      <a:round/>
+                      <a:headEnd type="none" w="med" len="med"/>
+                      <a:tailEnd type="none" w="med" len="med"/>
+                    </a:lnT>
+                    <a:lnB w="12700" cap="flat" cmpd="sng" algn="ctr">
+                      <a:solidFill>
+                        <a:schemeClr val="tx1"/>
+                      </a:solidFill>
+                      <a:prstDash val="solid"/>
+                      <a:round/>
+                      <a:headEnd type="none" w="med" len="med"/>
+                      <a:tailEnd type="none" w="med" len="med"/>
+                    </a:lnB>
+                  </a:tcPr>
+                </a:tc>
+                <a:tc>
+                  <a:txBody>
+                    <a:bodyPr/>
+                    <a:lstStyle/>
+                    <a:p>
+                      <a:pPr algn="ctr"/>
+                      <a:endParaRPr lang="en-CA" dirty="0"/>
+                    </a:p>
+                  </a:txBody>
+                  <a:tcPr>
+                    <a:lnL w="12700" cap="flat" cmpd="sng" algn="ctr">
+                      <a:solidFill>
+                        <a:schemeClr val="tx1"/>
+                      </a:solidFill>
+                      <a:prstDash val="solid"/>
+                      <a:round/>
+                      <a:headEnd type="none" w="med" len="med"/>
+                      <a:tailEnd type="none" w="med" len="med"/>
+                    </a:lnL>
+                    <a:lnR w="12700" cap="flat" cmpd="sng" algn="ctr">
+                      <a:solidFill>
+                        <a:schemeClr val="tx1"/>
+                      </a:solidFill>
+                      <a:prstDash val="solid"/>
+                      <a:round/>
+                      <a:headEnd type="none" w="med" len="med"/>
+                      <a:tailEnd type="none" w="med" len="med"/>
+                    </a:lnR>
+                    <a:lnT w="12700" cap="flat" cmpd="sng" algn="ctr">
+                      <a:solidFill>
+                        <a:schemeClr val="tx1"/>
+                      </a:solidFill>
+                      <a:prstDash val="solid"/>
+                      <a:round/>
+                      <a:headEnd type="none" w="med" len="med"/>
+                      <a:tailEnd type="none" w="med" len="med"/>
+                    </a:lnT>
+                    <a:lnB w="12700" cap="flat" cmpd="sng" algn="ctr">
+                      <a:solidFill>
+                        <a:schemeClr val="tx1"/>
+                      </a:solidFill>
+                      <a:prstDash val="solid"/>
+                      <a:round/>
+                      <a:headEnd type="none" w="med" len="med"/>
+                      <a:tailEnd type="none" w="med" len="med"/>
+                    </a:lnB>
+                  </a:tcPr>
+                </a:tc>
+                <a:tc>
+                  <a:txBody>
+                    <a:bodyPr/>
+                    <a:lstStyle/>
+                    <a:p>
+                      <a:pPr algn="ctr"/>
+                      <a:endParaRPr lang="en-CA" dirty="0"/>
+                    </a:p>
+                  </a:txBody>
+                  <a:tcPr>
+                    <a:lnL w="12700" cap="flat" cmpd="sng" algn="ctr">
+                      <a:solidFill>
+                        <a:schemeClr val="tx1"/>
+                      </a:solidFill>
+                      <a:prstDash val="solid"/>
+                      <a:round/>
+                      <a:headEnd type="none" w="med" len="med"/>
+                      <a:tailEnd type="none" w="med" len="med"/>
+                    </a:lnL>
+                    <a:lnR w="12700" cap="flat" cmpd="sng" algn="ctr">
+                      <a:solidFill>
+                        <a:schemeClr val="tx1"/>
+                      </a:solidFill>
+                      <a:prstDash val="solid"/>
+                      <a:round/>
+                      <a:headEnd type="none" w="med" len="med"/>
+                      <a:tailEnd type="none" w="med" len="med"/>
+                    </a:lnR>
+                    <a:lnT w="12700" cap="flat" cmpd="sng" algn="ctr">
+                      <a:solidFill>
+                        <a:schemeClr val="tx1"/>
+                      </a:solidFill>
+                      <a:prstDash val="solid"/>
+                      <a:round/>
+                      <a:headEnd type="none" w="med" len="med"/>
+                      <a:tailEnd type="none" w="med" len="med"/>
+                    </a:lnT>
+                    <a:lnB w="12700" cap="flat" cmpd="sng" algn="ctr">
+                      <a:solidFill>
+                        <a:schemeClr val="tx1"/>
+                      </a:solidFill>
+                      <a:prstDash val="solid"/>
+                      <a:round/>
+                      <a:headEnd type="none" w="med" len="med"/>
+                      <a:tailEnd type="none" w="med" len="med"/>
+                    </a:lnB>
+                  </a:tcPr>
+                </a:tc>
+                <a:extLst>
+                  <a:ext uri="{0D108BD9-81ED-4DB2-BD59-A6C34878D82A}">
+                    <a16:rowId xmlns:a16="http://schemas.microsoft.com/office/drawing/2014/main" val="1541564516"/>
+                  </a:ext>
+                </a:extLst>
+              </a:tr>
+            </a:tbl>
+          </a:graphicData>
+        </a:graphic>
+      </p:graphicFrame>
+      <p:sp>
+        <p:nvSpPr>
+          <p:cNvPr id="49" name="TextBox 48">
+            <a:extLst>
+              <a:ext uri="{FF2B5EF4-FFF2-40B4-BE49-F238E27FC236}">
+                <a16:creationId xmlns:a16="http://schemas.microsoft.com/office/drawing/2014/main" id="{DAB68F40-9358-0D63-EB97-75A96EEC269A}"/>
+              </a:ext>
+            </a:extLst>
+          </p:cNvPr>
+          <p:cNvSpPr txBox="1"/>
+          <p:nvPr/>
+        </p:nvSpPr>
+        <p:spPr>
+          <a:xfrm>
+            <a:off x="8881400" y="112443"/>
+            <a:ext cx="3229925" cy="1477328"/>
+          </a:xfrm>
+          <a:prstGeom prst="rect">
+            <a:avLst/>
+          </a:prstGeom>
+          <a:solidFill>
+            <a:schemeClr val="accent4">
+              <a:lumMod val="40000"/>
+              <a:lumOff val="60000"/>
+            </a:schemeClr>
+          </a:solidFill>
+          <a:ln>
+            <a:noFill/>
+          </a:ln>
+        </p:spPr>
+        <p:txBody>
+          <a:bodyPr wrap="square" rtlCol="0">
+            <a:spAutoFit/>
+          </a:bodyPr>
+          <a:lstStyle/>
+          <a:p>
+            <a:pPr algn="ctr"/>
+            <a:r>
+              <a:rPr lang="en-CA" b="1" dirty="0"/>
+              <a:t>R</a:t>
+            </a:r>
+            <a:r>
+              <a:rPr lang="en-CA" dirty="0"/>
+              <a:t>: index of next item to remove (front item of queue)</a:t>
+            </a:r>
+            <a:br>
+              <a:rPr lang="en-CA" dirty="0"/>
+            </a:br>
+            <a:r>
+              <a:rPr lang="en-CA" b="1" dirty="0"/>
+              <a:t>A</a:t>
+            </a:r>
+            <a:r>
+              <a:rPr lang="en-CA" dirty="0"/>
+              <a:t>: index of next location where an item will be added (back of queue)</a:t>
+            </a:r>
+          </a:p>
+        </p:txBody>
+      </p:sp>
+      <p:sp>
+        <p:nvSpPr>
+          <p:cNvPr id="51" name="TextBox 50">
+            <a:extLst>
+              <a:ext uri="{FF2B5EF4-FFF2-40B4-BE49-F238E27FC236}">
+                <a16:creationId xmlns:a16="http://schemas.microsoft.com/office/drawing/2014/main" id="{60F7F488-6F4C-3DBF-BD11-D37CE5333AF7}"/>
+              </a:ext>
+            </a:extLst>
+          </p:cNvPr>
+          <p:cNvSpPr txBox="1"/>
+          <p:nvPr/>
+        </p:nvSpPr>
+        <p:spPr>
+          <a:xfrm>
+            <a:off x="6476474" y="3764805"/>
+            <a:ext cx="2566408" cy="369332"/>
+          </a:xfrm>
+          <a:prstGeom prst="rect">
+            <a:avLst/>
+          </a:prstGeom>
+          <a:noFill/>
+        </p:spPr>
+        <p:txBody>
+          <a:bodyPr wrap="none" rtlCol="0">
+            <a:spAutoFit/>
+          </a:bodyPr>
+          <a:lstStyle/>
+          <a:p>
+            <a:r>
+              <a:rPr lang="en-CA" b="1" dirty="0"/>
+              <a:t>Make new empty queue</a:t>
+            </a:r>
+            <a:r>
+              <a:rPr lang="en-CA" dirty="0"/>
+              <a:t>:</a:t>
+            </a:r>
+          </a:p>
+        </p:txBody>
+      </p:sp>
+      <p:sp>
+        <p:nvSpPr>
+          <p:cNvPr id="52" name="TextBox 51">
+            <a:extLst>
+              <a:ext uri="{FF2B5EF4-FFF2-40B4-BE49-F238E27FC236}">
+                <a16:creationId xmlns:a16="http://schemas.microsoft.com/office/drawing/2014/main" id="{CB3FAC90-6EC0-0F61-A376-63D6637FCBB4}"/>
+              </a:ext>
+            </a:extLst>
+          </p:cNvPr>
+          <p:cNvSpPr txBox="1"/>
+          <p:nvPr/>
+        </p:nvSpPr>
+        <p:spPr>
+          <a:xfrm>
+            <a:off x="7651565" y="4164935"/>
+            <a:ext cx="1390124" cy="646331"/>
+          </a:xfrm>
+          <a:prstGeom prst="rect">
+            <a:avLst/>
+          </a:prstGeom>
+          <a:noFill/>
+        </p:spPr>
+        <p:txBody>
+          <a:bodyPr wrap="none" rtlCol="0">
+            <a:spAutoFit/>
+          </a:bodyPr>
+          <a:lstStyle/>
+          <a:p>
+            <a:r>
+              <a:rPr lang="en-CA" b="1" dirty="0"/>
+              <a:t>enqueue(x)</a:t>
+            </a:r>
+            <a:r>
+              <a:rPr lang="en-CA" dirty="0"/>
+              <a:t>: </a:t>
+            </a:r>
+            <a:br>
+              <a:rPr lang="en-CA" dirty="0"/>
+            </a:br>
+            <a:endParaRPr lang="en-CA" dirty="0"/>
+          </a:p>
+        </p:txBody>
+      </p:sp>
+      <p:sp>
+        <p:nvSpPr>
+          <p:cNvPr id="53" name="TextBox 52">
+            <a:extLst>
+              <a:ext uri="{FF2B5EF4-FFF2-40B4-BE49-F238E27FC236}">
+                <a16:creationId xmlns:a16="http://schemas.microsoft.com/office/drawing/2014/main" id="{51A8B4FE-E129-7874-1293-DA34EE051BA2}"/>
+              </a:ext>
+            </a:extLst>
+          </p:cNvPr>
+          <p:cNvSpPr txBox="1"/>
+          <p:nvPr/>
+        </p:nvSpPr>
+        <p:spPr>
+          <a:xfrm>
+            <a:off x="7651565" y="4933200"/>
+            <a:ext cx="1337226" cy="369332"/>
+          </a:xfrm>
+          <a:prstGeom prst="rect">
+            <a:avLst/>
+          </a:prstGeom>
+          <a:noFill/>
+        </p:spPr>
+        <p:txBody>
+          <a:bodyPr wrap="none" rtlCol="0">
+            <a:spAutoFit/>
+          </a:bodyPr>
+          <a:lstStyle/>
+          <a:p>
+            <a:r>
+              <a:rPr lang="en-CA" b="1" dirty="0"/>
+              <a:t>dequeue(x)</a:t>
+            </a:r>
+            <a:r>
+              <a:rPr lang="en-CA" dirty="0"/>
+              <a:t>:</a:t>
+            </a:r>
+          </a:p>
+        </p:txBody>
+      </p:sp>
+      <mc:AlternateContent xmlns:mc="http://schemas.openxmlformats.org/markup-compatibility/2006">
+        <mc:Choice xmlns:p14="http://schemas.microsoft.com/office/powerpoint/2010/main" Requires="p14">
+          <p:contentPart p14:bwMode="auto" r:id="rId2">
+            <p14:nvContentPartPr>
+              <p14:cNvPr id="54" name="Ink 53">
+                <a:extLst>
+                  <a:ext uri="{FF2B5EF4-FFF2-40B4-BE49-F238E27FC236}">
+                    <a16:creationId xmlns:a16="http://schemas.microsoft.com/office/drawing/2014/main" id="{B40B6D10-5673-BDD9-8FA9-F52D0B72B580}"/>
+                  </a:ext>
+                </a:extLst>
+              </p14:cNvPr>
+              <p14:cNvContentPartPr/>
+              <p14:nvPr/>
+            </p14:nvContentPartPr>
+            <p14:xfrm>
+              <a:off x="1258200" y="100800"/>
+              <a:ext cx="10890000" cy="6764040"/>
+            </p14:xfrm>
+          </p:contentPart>
+        </mc:Choice>
+        <mc:Fallback>
+          <p:pic>
+            <p:nvPicPr>
+              <p:cNvPr id="54" name="Ink 53">
+                <a:extLst>
+                  <a:ext uri="{FF2B5EF4-FFF2-40B4-BE49-F238E27FC236}">
+                    <a16:creationId xmlns:a16="http://schemas.microsoft.com/office/drawing/2014/main" id="{B40B6D10-5673-BDD9-8FA9-F52D0B72B580}"/>
+                  </a:ext>
+                </a:extLst>
+              </p:cNvPr>
+              <p:cNvPicPr/>
+              <p:nvPr/>
+            </p:nvPicPr>
+            <p:blipFill>
+              <a:blip r:embed="rId3"/>
+              <a:stretch>
+                <a:fillRect/>
+              </a:stretch>
+            </p:blipFill>
+            <p:spPr>
+              <a:xfrm>
+                <a:off x="1248840" y="91440"/>
+                <a:ext cx="10908720" cy="6782760"/>
+              </a:xfrm>
+              <a:prstGeom prst="rect">
+                <a:avLst/>
+              </a:prstGeom>
+            </p:spPr>
+          </p:pic>
+        </mc:Fallback>
+      </mc:AlternateContent>
+    </p:spTree>
+    <p:extLst>
+      <p:ext uri="{BB962C8B-B14F-4D97-AF65-F5344CB8AC3E}">
+        <p14:creationId xmlns:p14="http://schemas.microsoft.com/office/powerpoint/2010/main" val="3670372921"/>
+      </p:ext>
+    </p:extLst>
+  </p:cSld>
+  <p:clrMapOvr>
+    <a:masterClrMapping/>
+  </p:clrMapOvr>
+</p:sld>
+</file>
+
+<file path=ppt/slides/slide24.xml><?xml version="1.0" encoding="utf-8"?>
+<p:sld xmlns:a="http://schemas.openxmlformats.org/drawingml/2006/main" xmlns:r="http://schemas.openxmlformats.org/officeDocument/2006/relationships" xmlns:p="http://schemas.openxmlformats.org/presentationml/2006/main">
+  <p:cSld>
+    <p:spTree>
+      <p:nvGrpSpPr>
+        <p:cNvPr id="1" name=""/>
+        <p:cNvGrpSpPr/>
+        <p:nvPr/>
+      </p:nvGrpSpPr>
+      <p:grpSpPr>
+        <a:xfrm>
+          <a:off x="0" y="0"/>
+          <a:ext cx="0" cy="0"/>
+          <a:chOff x="0" y="0"/>
+          <a:chExt cx="0" cy="0"/>
+        </a:xfrm>
+      </p:grpSpPr>
+      <p:sp>
+        <p:nvSpPr>
+          <p:cNvPr id="2" name="TextBox 1">
+            <a:extLst>
+              <a:ext uri="{FF2B5EF4-FFF2-40B4-BE49-F238E27FC236}">
+                <a16:creationId xmlns:a16="http://schemas.microsoft.com/office/drawing/2014/main" id="{A4BC1F36-8D19-79F2-3E01-CBC70AAB5D5F}"/>
+              </a:ext>
+            </a:extLst>
+          </p:cNvPr>
+          <p:cNvSpPr txBox="1"/>
+          <p:nvPr/>
+        </p:nvSpPr>
+        <p:spPr>
+          <a:xfrm>
+            <a:off x="652162" y="454734"/>
+            <a:ext cx="3428632" cy="646331"/>
+          </a:xfrm>
+          <a:prstGeom prst="rect">
+            <a:avLst/>
+          </a:prstGeom>
+          <a:solidFill>
+            <a:schemeClr val="accent4">
+              <a:lumMod val="40000"/>
+              <a:lumOff val="60000"/>
+            </a:schemeClr>
+          </a:solidFill>
+          <a:ln>
+            <a:noFill/>
+          </a:ln>
+        </p:spPr>
+        <p:txBody>
+          <a:bodyPr wrap="square" rtlCol="0">
+            <a:spAutoFit/>
+          </a:bodyPr>
+          <a:lstStyle/>
+          <a:p>
+            <a:pPr algn="ctr"/>
+            <a:r>
+              <a:rPr lang="en-CA" sz="3600" dirty="0"/>
+              <a:t>Circular Arrays</a:t>
+            </a:r>
+            <a:endParaRPr lang="en-CA" sz="3600" b="1" dirty="0"/>
+          </a:p>
+        </p:txBody>
+      </p:sp>
+      <p:sp>
+        <p:nvSpPr>
+          <p:cNvPr id="5" name="TextBox 4">
+            <a:extLst>
+              <a:ext uri="{FF2B5EF4-FFF2-40B4-BE49-F238E27FC236}">
+                <a16:creationId xmlns:a16="http://schemas.microsoft.com/office/drawing/2014/main" id="{2C01406B-AFF3-9CA3-7E80-3AFAD0A3887A}"/>
+              </a:ext>
+            </a:extLst>
+          </p:cNvPr>
+          <p:cNvSpPr txBox="1"/>
+          <p:nvPr/>
+        </p:nvSpPr>
+        <p:spPr>
+          <a:xfrm>
+            <a:off x="920708" y="5191663"/>
+            <a:ext cx="4527855" cy="1200329"/>
+          </a:xfrm>
+          <a:prstGeom prst="rect">
+            <a:avLst/>
+          </a:prstGeom>
+          <a:solidFill>
+            <a:schemeClr val="accent4">
+              <a:lumMod val="40000"/>
+              <a:lumOff val="60000"/>
+            </a:schemeClr>
+          </a:solidFill>
+          <a:ln>
+            <a:noFill/>
+          </a:ln>
+        </p:spPr>
+        <p:txBody>
+          <a:bodyPr wrap="square" rtlCol="0">
+            <a:spAutoFit/>
+          </a:bodyPr>
+          <a:lstStyle/>
+          <a:p>
+            <a:pPr algn="ctr"/>
+            <a:r>
+              <a:rPr lang="en-CA" dirty="0"/>
+              <a:t>A </a:t>
+            </a:r>
+            <a:r>
+              <a:rPr lang="en-CA" b="1" dirty="0"/>
+              <a:t>queue</a:t>
+            </a:r>
+            <a:r>
+              <a:rPr lang="en-CA" dirty="0"/>
+              <a:t> can be efficiently implemented with a linked list. It’s a bit trickier with arrays/vectors: usually you use a </a:t>
+            </a:r>
+            <a:r>
+              <a:rPr lang="en-CA" b="1" dirty="0"/>
+              <a:t>circular array</a:t>
+            </a:r>
+            <a:r>
+              <a:rPr lang="en-CA" dirty="0"/>
+              <a:t> to make both enqueueing and </a:t>
+            </a:r>
+            <a:r>
+              <a:rPr lang="en-CA" dirty="0" err="1"/>
+              <a:t>dequeing</a:t>
+            </a:r>
+            <a:r>
+              <a:rPr lang="en-CA" dirty="0"/>
+              <a:t> O(1)</a:t>
+            </a:r>
+          </a:p>
+        </p:txBody>
+      </p:sp>
+      <p:grpSp>
+        <p:nvGrpSpPr>
+          <p:cNvPr id="48" name="Group 47">
+            <a:extLst>
+              <a:ext uri="{FF2B5EF4-FFF2-40B4-BE49-F238E27FC236}">
+                <a16:creationId xmlns:a16="http://schemas.microsoft.com/office/drawing/2014/main" id="{3CCA0827-59F7-F10A-9A31-484E1ADEBD22}"/>
+              </a:ext>
+            </a:extLst>
+          </p:cNvPr>
+          <p:cNvGrpSpPr/>
+          <p:nvPr/>
+        </p:nvGrpSpPr>
+        <p:grpSpPr>
+          <a:xfrm>
+            <a:off x="920708" y="1418700"/>
+            <a:ext cx="2335381" cy="2419620"/>
+            <a:chOff x="1748377" y="1475455"/>
+            <a:chExt cx="2335381" cy="2419620"/>
+          </a:xfrm>
+        </p:grpSpPr>
+        <p:sp>
+          <p:nvSpPr>
+            <p:cNvPr id="7" name="Oval 6">
+              <a:extLst>
+                <a:ext uri="{FF2B5EF4-FFF2-40B4-BE49-F238E27FC236}">
+                  <a16:creationId xmlns:a16="http://schemas.microsoft.com/office/drawing/2014/main" id="{4080EC74-92A2-04DD-48C6-AECF51E44ABC}"/>
+                </a:ext>
+              </a:extLst>
+            </p:cNvPr>
+            <p:cNvSpPr/>
+            <p:nvPr/>
+          </p:nvSpPr>
+          <p:spPr>
+            <a:xfrm>
+              <a:off x="1923393" y="1727901"/>
+              <a:ext cx="1961230" cy="1948618"/>
+            </a:xfrm>
+            <a:prstGeom prst="ellipse">
+              <a:avLst/>
+            </a:prstGeom>
+            <a:noFill/>
+          </p:spPr>
+          <p:style>
+            <a:lnRef idx="2">
+              <a:schemeClr val="accent1">
+                <a:shade val="15000"/>
+              </a:schemeClr>
+            </a:lnRef>
+            <a:fillRef idx="1">
+              <a:schemeClr val="accent1"/>
+            </a:fillRef>
+            <a:effectRef idx="0">
+              <a:schemeClr val="accent1"/>
+            </a:effectRef>
+            <a:fontRef idx="minor">
+              <a:schemeClr val="lt1"/>
+            </a:fontRef>
+          </p:style>
+          <p:txBody>
+            <a:bodyPr rtlCol="0" anchor="ctr"/>
+            <a:lstStyle/>
+            <a:p>
+              <a:pPr algn="ctr"/>
+              <a:endParaRPr lang="en-CA"/>
+            </a:p>
+          </p:txBody>
+        </p:sp>
+        <p:sp>
+          <p:nvSpPr>
+            <p:cNvPr id="8" name="Oval 7">
+              <a:extLst>
+                <a:ext uri="{FF2B5EF4-FFF2-40B4-BE49-F238E27FC236}">
+                  <a16:creationId xmlns:a16="http://schemas.microsoft.com/office/drawing/2014/main" id="{2DEB5E2D-C9D6-72AF-3F80-6AD96CC4210E}"/>
+                </a:ext>
+              </a:extLst>
+            </p:cNvPr>
+            <p:cNvSpPr/>
+            <p:nvPr/>
+          </p:nvSpPr>
+          <p:spPr>
+            <a:xfrm>
+              <a:off x="2290204" y="2088406"/>
+              <a:ext cx="1203435" cy="1234965"/>
+            </a:xfrm>
+            <a:prstGeom prst="ellipse">
+              <a:avLst/>
+            </a:prstGeom>
+            <a:noFill/>
+          </p:spPr>
+          <p:style>
+            <a:lnRef idx="2">
+              <a:schemeClr val="accent1">
+                <a:shade val="15000"/>
+              </a:schemeClr>
+            </a:lnRef>
+            <a:fillRef idx="1">
+              <a:schemeClr val="accent1"/>
+            </a:fillRef>
+            <a:effectRef idx="0">
+              <a:schemeClr val="accent1"/>
+            </a:effectRef>
+            <a:fontRef idx="minor">
+              <a:schemeClr val="lt1"/>
+            </a:fontRef>
+          </p:style>
+          <p:txBody>
+            <a:bodyPr rtlCol="0" anchor="ctr"/>
+            <a:lstStyle/>
+            <a:p>
+              <a:pPr algn="ctr"/>
+              <a:endParaRPr lang="en-CA"/>
+            </a:p>
+          </p:txBody>
+        </p:sp>
+        <p:cxnSp>
+          <p:nvCxnSpPr>
+            <p:cNvPr id="16" name="Straight Connector 15">
+              <a:extLst>
+                <a:ext uri="{FF2B5EF4-FFF2-40B4-BE49-F238E27FC236}">
+                  <a16:creationId xmlns:a16="http://schemas.microsoft.com/office/drawing/2014/main" id="{1FB963A7-0F7F-CC94-3BE0-DEDF747C79A3}"/>
+                </a:ext>
+              </a:extLst>
+            </p:cNvPr>
+            <p:cNvCxnSpPr>
+              <a:stCxn id="7" idx="0"/>
+              <a:endCxn id="8" idx="0"/>
+            </p:cNvCxnSpPr>
+            <p:nvPr/>
+          </p:nvCxnSpPr>
+          <p:spPr>
+            <a:xfrm flipH="1">
+              <a:off x="2891922" y="1727901"/>
+              <a:ext cx="12086" cy="360505"/>
+            </a:xfrm>
+            <a:prstGeom prst="line">
+              <a:avLst/>
+            </a:prstGeom>
+          </p:spPr>
+          <p:style>
+            <a:lnRef idx="1">
+              <a:schemeClr val="accent1"/>
+            </a:lnRef>
+            <a:fillRef idx="0">
+              <a:schemeClr val="accent1"/>
+            </a:fillRef>
+            <a:effectRef idx="0">
+              <a:schemeClr val="accent1"/>
+            </a:effectRef>
+            <a:fontRef idx="minor">
+              <a:schemeClr val="tx1"/>
+            </a:fontRef>
+          </p:style>
+        </p:cxnSp>
+        <p:cxnSp>
+          <p:nvCxnSpPr>
+            <p:cNvPr id="18" name="Straight Connector 17">
+              <a:extLst>
+                <a:ext uri="{FF2B5EF4-FFF2-40B4-BE49-F238E27FC236}">
+                  <a16:creationId xmlns:a16="http://schemas.microsoft.com/office/drawing/2014/main" id="{AE1B8E4C-A2B6-BF74-27AB-8E492A18B133}"/>
+                </a:ext>
+              </a:extLst>
+            </p:cNvPr>
+            <p:cNvCxnSpPr>
+              <a:stCxn id="8" idx="7"/>
+              <a:endCxn id="7" idx="7"/>
+            </p:cNvCxnSpPr>
+            <p:nvPr/>
+          </p:nvCxnSpPr>
+          <p:spPr>
+            <a:xfrm flipV="1">
+              <a:off x="3317400" y="2013269"/>
+              <a:ext cx="280008" cy="255993"/>
+            </a:xfrm>
+            <a:prstGeom prst="line">
+              <a:avLst/>
+            </a:prstGeom>
+          </p:spPr>
+          <p:style>
+            <a:lnRef idx="1">
+              <a:schemeClr val="accent1"/>
+            </a:lnRef>
+            <a:fillRef idx="0">
+              <a:schemeClr val="accent1"/>
+            </a:fillRef>
+            <a:effectRef idx="0">
+              <a:schemeClr val="accent1"/>
+            </a:effectRef>
+            <a:fontRef idx="minor">
+              <a:schemeClr val="tx1"/>
+            </a:fontRef>
+          </p:style>
+        </p:cxnSp>
+        <p:cxnSp>
+          <p:nvCxnSpPr>
+            <p:cNvPr id="22" name="Straight Connector 21">
+              <a:extLst>
+                <a:ext uri="{FF2B5EF4-FFF2-40B4-BE49-F238E27FC236}">
+                  <a16:creationId xmlns:a16="http://schemas.microsoft.com/office/drawing/2014/main" id="{744EDF48-98E9-6389-F6E5-99C80393B6F7}"/>
+                </a:ext>
+              </a:extLst>
+            </p:cNvPr>
+            <p:cNvCxnSpPr>
+              <a:cxnSpLocks/>
+              <a:stCxn id="8" idx="6"/>
+              <a:endCxn id="7" idx="6"/>
+            </p:cNvCxnSpPr>
+            <p:nvPr/>
+          </p:nvCxnSpPr>
+          <p:spPr>
+            <a:xfrm flipV="1">
+              <a:off x="3493639" y="2702210"/>
+              <a:ext cx="390984" cy="3679"/>
+            </a:xfrm>
+            <a:prstGeom prst="line">
+              <a:avLst/>
+            </a:prstGeom>
+          </p:spPr>
+          <p:style>
+            <a:lnRef idx="1">
+              <a:schemeClr val="accent1"/>
+            </a:lnRef>
+            <a:fillRef idx="0">
+              <a:schemeClr val="accent1"/>
+            </a:fillRef>
+            <a:effectRef idx="0">
+              <a:schemeClr val="accent1"/>
+            </a:effectRef>
+            <a:fontRef idx="minor">
+              <a:schemeClr val="tx1"/>
+            </a:fontRef>
+          </p:style>
+        </p:cxnSp>
+        <p:cxnSp>
+          <p:nvCxnSpPr>
+            <p:cNvPr id="27" name="Straight Connector 26">
+              <a:extLst>
+                <a:ext uri="{FF2B5EF4-FFF2-40B4-BE49-F238E27FC236}">
+                  <a16:creationId xmlns:a16="http://schemas.microsoft.com/office/drawing/2014/main" id="{B2297B44-E0B3-0C2B-386C-AFE6984E2C60}"/>
+                </a:ext>
+              </a:extLst>
+            </p:cNvPr>
+            <p:cNvCxnSpPr>
+              <a:stCxn id="8" idx="5"/>
+              <a:endCxn id="7" idx="5"/>
+            </p:cNvCxnSpPr>
+            <p:nvPr/>
+          </p:nvCxnSpPr>
+          <p:spPr>
+            <a:xfrm>
+              <a:off x="3317400" y="3142515"/>
+              <a:ext cx="280008" cy="248636"/>
+            </a:xfrm>
+            <a:prstGeom prst="line">
+              <a:avLst/>
+            </a:prstGeom>
+          </p:spPr>
+          <p:style>
+            <a:lnRef idx="1">
+              <a:schemeClr val="accent1"/>
+            </a:lnRef>
+            <a:fillRef idx="0">
+              <a:schemeClr val="accent1"/>
+            </a:fillRef>
+            <a:effectRef idx="0">
+              <a:schemeClr val="accent1"/>
+            </a:effectRef>
+            <a:fontRef idx="minor">
+              <a:schemeClr val="tx1"/>
+            </a:fontRef>
+          </p:style>
+        </p:cxnSp>
+        <p:cxnSp>
+          <p:nvCxnSpPr>
+            <p:cNvPr id="29" name="Straight Connector 28">
+              <a:extLst>
+                <a:ext uri="{FF2B5EF4-FFF2-40B4-BE49-F238E27FC236}">
+                  <a16:creationId xmlns:a16="http://schemas.microsoft.com/office/drawing/2014/main" id="{A2A4D2CD-8EA1-D8C7-2A09-D2652B35ED8D}"/>
+                </a:ext>
+              </a:extLst>
+            </p:cNvPr>
+            <p:cNvCxnSpPr>
+              <a:cxnSpLocks/>
+              <a:stCxn id="8" idx="4"/>
+              <a:endCxn id="7" idx="4"/>
+            </p:cNvCxnSpPr>
+            <p:nvPr/>
+          </p:nvCxnSpPr>
+          <p:spPr>
+            <a:xfrm>
+              <a:off x="2891922" y="3323371"/>
+              <a:ext cx="12086" cy="353148"/>
+            </a:xfrm>
+            <a:prstGeom prst="line">
+              <a:avLst/>
+            </a:prstGeom>
+          </p:spPr>
+          <p:style>
+            <a:lnRef idx="1">
+              <a:schemeClr val="accent1"/>
+            </a:lnRef>
+            <a:fillRef idx="0">
+              <a:schemeClr val="accent1"/>
+            </a:fillRef>
+            <a:effectRef idx="0">
+              <a:schemeClr val="accent1"/>
+            </a:effectRef>
+            <a:fontRef idx="minor">
+              <a:schemeClr val="tx1"/>
+            </a:fontRef>
+          </p:style>
+        </p:cxnSp>
+        <p:cxnSp>
+          <p:nvCxnSpPr>
+            <p:cNvPr id="33" name="Straight Connector 32">
+              <a:extLst>
+                <a:ext uri="{FF2B5EF4-FFF2-40B4-BE49-F238E27FC236}">
+                  <a16:creationId xmlns:a16="http://schemas.microsoft.com/office/drawing/2014/main" id="{01774CDA-F57F-1BB0-30DA-972630EF7586}"/>
+                </a:ext>
+              </a:extLst>
+            </p:cNvPr>
+            <p:cNvCxnSpPr>
+              <a:stCxn id="8" idx="3"/>
+              <a:endCxn id="7" idx="3"/>
+            </p:cNvCxnSpPr>
+            <p:nvPr/>
+          </p:nvCxnSpPr>
+          <p:spPr>
+            <a:xfrm flipH="1">
+              <a:off x="2210608" y="3142515"/>
+              <a:ext cx="255835" cy="248636"/>
+            </a:xfrm>
+            <a:prstGeom prst="line">
+              <a:avLst/>
+            </a:prstGeom>
+          </p:spPr>
+          <p:style>
+            <a:lnRef idx="1">
+              <a:schemeClr val="accent1"/>
+            </a:lnRef>
+            <a:fillRef idx="0">
+              <a:schemeClr val="accent1"/>
+            </a:fillRef>
+            <a:effectRef idx="0">
+              <a:schemeClr val="accent1"/>
+            </a:effectRef>
+            <a:fontRef idx="minor">
+              <a:schemeClr val="tx1"/>
+            </a:fontRef>
+          </p:style>
+        </p:cxnSp>
+        <p:cxnSp>
+          <p:nvCxnSpPr>
+            <p:cNvPr id="35" name="Straight Connector 34">
+              <a:extLst>
+                <a:ext uri="{FF2B5EF4-FFF2-40B4-BE49-F238E27FC236}">
+                  <a16:creationId xmlns:a16="http://schemas.microsoft.com/office/drawing/2014/main" id="{D0BBDB88-8E69-BA64-2795-84A958E36ED1}"/>
+                </a:ext>
+              </a:extLst>
+            </p:cNvPr>
+            <p:cNvCxnSpPr>
+              <a:stCxn id="8" idx="2"/>
+              <a:endCxn id="7" idx="2"/>
+            </p:cNvCxnSpPr>
+            <p:nvPr/>
+          </p:nvCxnSpPr>
+          <p:spPr>
+            <a:xfrm flipH="1" flipV="1">
+              <a:off x="1923393" y="2702210"/>
+              <a:ext cx="366811" cy="3679"/>
+            </a:xfrm>
+            <a:prstGeom prst="line">
+              <a:avLst/>
+            </a:prstGeom>
+          </p:spPr>
+          <p:style>
+            <a:lnRef idx="1">
+              <a:schemeClr val="accent1"/>
+            </a:lnRef>
+            <a:fillRef idx="0">
+              <a:schemeClr val="accent1"/>
+            </a:fillRef>
+            <a:effectRef idx="0">
+              <a:schemeClr val="accent1"/>
+            </a:effectRef>
+            <a:fontRef idx="minor">
+              <a:schemeClr val="tx1"/>
+            </a:fontRef>
+          </p:style>
+        </p:cxnSp>
+        <p:cxnSp>
+          <p:nvCxnSpPr>
+            <p:cNvPr id="37" name="Straight Connector 36">
+              <a:extLst>
+                <a:ext uri="{FF2B5EF4-FFF2-40B4-BE49-F238E27FC236}">
+                  <a16:creationId xmlns:a16="http://schemas.microsoft.com/office/drawing/2014/main" id="{50F6B1ED-36E2-D732-18B8-6BB74AF5C9BC}"/>
+                </a:ext>
+              </a:extLst>
+            </p:cNvPr>
+            <p:cNvCxnSpPr>
+              <a:stCxn id="8" idx="1"/>
+              <a:endCxn id="7" idx="1"/>
+            </p:cNvCxnSpPr>
+            <p:nvPr/>
+          </p:nvCxnSpPr>
+          <p:spPr>
+            <a:xfrm flipH="1" flipV="1">
+              <a:off x="2210608" y="2013269"/>
+              <a:ext cx="255835" cy="255993"/>
+            </a:xfrm>
+            <a:prstGeom prst="line">
+              <a:avLst/>
+            </a:prstGeom>
+          </p:spPr>
+          <p:style>
+            <a:lnRef idx="1">
+              <a:schemeClr val="accent1"/>
+            </a:lnRef>
+            <a:fillRef idx="0">
+              <a:schemeClr val="accent1"/>
+            </a:fillRef>
+            <a:effectRef idx="0">
+              <a:schemeClr val="accent1"/>
+            </a:effectRef>
+            <a:fontRef idx="minor">
+              <a:schemeClr val="tx1"/>
+            </a:fontRef>
+          </p:style>
+        </p:cxnSp>
+        <p:sp>
+          <p:nvSpPr>
+            <p:cNvPr id="38" name="TextBox 37">
+              <a:extLst>
+                <a:ext uri="{FF2B5EF4-FFF2-40B4-BE49-F238E27FC236}">
+                  <a16:creationId xmlns:a16="http://schemas.microsoft.com/office/drawing/2014/main" id="{B446A664-8001-8CC1-828E-33E863E4B9E3}"/>
+                </a:ext>
+              </a:extLst>
+            </p:cNvPr>
+            <p:cNvSpPr txBox="1"/>
+            <p:nvPr/>
+          </p:nvSpPr>
+          <p:spPr>
+            <a:xfrm>
+              <a:off x="2290204" y="1475455"/>
+              <a:ext cx="301686" cy="369332"/>
+            </a:xfrm>
+            <a:prstGeom prst="rect">
+              <a:avLst/>
+            </a:prstGeom>
+            <a:noFill/>
+          </p:spPr>
+          <p:txBody>
+            <a:bodyPr wrap="none" rtlCol="0">
+              <a:spAutoFit/>
+            </a:bodyPr>
+            <a:lstStyle/>
+            <a:p>
+              <a:r>
+                <a:rPr lang="en-CA" dirty="0"/>
+                <a:t>0</a:t>
+              </a:r>
+            </a:p>
+          </p:txBody>
+        </p:sp>
+        <p:sp>
+          <p:nvSpPr>
+            <p:cNvPr id="39" name="TextBox 38">
+              <a:extLst>
+                <a:ext uri="{FF2B5EF4-FFF2-40B4-BE49-F238E27FC236}">
+                  <a16:creationId xmlns:a16="http://schemas.microsoft.com/office/drawing/2014/main" id="{10B6DAB3-F918-6DBC-7817-3AAD1BC51ABB}"/>
+                </a:ext>
+              </a:extLst>
+            </p:cNvPr>
+            <p:cNvSpPr txBox="1"/>
+            <p:nvPr/>
+          </p:nvSpPr>
+          <p:spPr>
+            <a:xfrm>
+              <a:off x="3197395" y="1489305"/>
+              <a:ext cx="301686" cy="369332"/>
+            </a:xfrm>
+            <a:prstGeom prst="rect">
+              <a:avLst/>
+            </a:prstGeom>
+            <a:noFill/>
+          </p:spPr>
+          <p:txBody>
+            <a:bodyPr wrap="none" rtlCol="0">
+              <a:spAutoFit/>
+            </a:bodyPr>
+            <a:lstStyle/>
+            <a:p>
+              <a:r>
+                <a:rPr lang="en-CA" dirty="0"/>
+                <a:t>1</a:t>
+              </a:r>
+            </a:p>
+          </p:txBody>
+        </p:sp>
+        <p:sp>
+          <p:nvSpPr>
+            <p:cNvPr id="40" name="TextBox 39">
+              <a:extLst>
+                <a:ext uri="{FF2B5EF4-FFF2-40B4-BE49-F238E27FC236}">
+                  <a16:creationId xmlns:a16="http://schemas.microsoft.com/office/drawing/2014/main" id="{941DD913-E035-1FAC-CA99-CF267DEAFE47}"/>
+                </a:ext>
+              </a:extLst>
+            </p:cNvPr>
+            <p:cNvSpPr txBox="1"/>
+            <p:nvPr/>
+          </p:nvSpPr>
+          <p:spPr>
+            <a:xfrm>
+              <a:off x="3782072" y="2114322"/>
+              <a:ext cx="301686" cy="369332"/>
+            </a:xfrm>
+            <a:prstGeom prst="rect">
+              <a:avLst/>
+            </a:prstGeom>
+            <a:noFill/>
+          </p:spPr>
+          <p:txBody>
+            <a:bodyPr wrap="none" rtlCol="0">
+              <a:spAutoFit/>
+            </a:bodyPr>
+            <a:lstStyle/>
+            <a:p>
+              <a:r>
+                <a:rPr lang="en-CA" dirty="0"/>
+                <a:t>2</a:t>
+              </a:r>
+            </a:p>
+          </p:txBody>
+        </p:sp>
+        <p:sp>
+          <p:nvSpPr>
+            <p:cNvPr id="41" name="TextBox 40">
+              <a:extLst>
+                <a:ext uri="{FF2B5EF4-FFF2-40B4-BE49-F238E27FC236}">
+                  <a16:creationId xmlns:a16="http://schemas.microsoft.com/office/drawing/2014/main" id="{A67C9136-5751-D973-08F3-4EDAB160B8B6}"/>
+                </a:ext>
+              </a:extLst>
+            </p:cNvPr>
+            <p:cNvSpPr txBox="1"/>
+            <p:nvPr/>
+          </p:nvSpPr>
+          <p:spPr>
+            <a:xfrm>
+              <a:off x="3752669" y="2911670"/>
+              <a:ext cx="301686" cy="369332"/>
+            </a:xfrm>
+            <a:prstGeom prst="rect">
+              <a:avLst/>
+            </a:prstGeom>
+            <a:noFill/>
+          </p:spPr>
+          <p:txBody>
+            <a:bodyPr wrap="none" rtlCol="0">
+              <a:spAutoFit/>
+            </a:bodyPr>
+            <a:lstStyle/>
+            <a:p>
+              <a:r>
+                <a:rPr lang="en-CA" dirty="0"/>
+                <a:t>3</a:t>
+              </a:r>
+            </a:p>
+          </p:txBody>
+        </p:sp>
+        <p:sp>
+          <p:nvSpPr>
+            <p:cNvPr id="42" name="TextBox 41">
+              <a:extLst>
+                <a:ext uri="{FF2B5EF4-FFF2-40B4-BE49-F238E27FC236}">
+                  <a16:creationId xmlns:a16="http://schemas.microsoft.com/office/drawing/2014/main" id="{055A6711-6923-AC82-CD40-299B62DB062F}"/>
+                </a:ext>
+              </a:extLst>
+            </p:cNvPr>
+            <p:cNvSpPr txBox="1"/>
+            <p:nvPr/>
+          </p:nvSpPr>
+          <p:spPr>
+            <a:xfrm>
+              <a:off x="3197395" y="3525743"/>
+              <a:ext cx="301686" cy="369332"/>
+            </a:xfrm>
+            <a:prstGeom prst="rect">
+              <a:avLst/>
+            </a:prstGeom>
+            <a:noFill/>
+          </p:spPr>
+          <p:txBody>
+            <a:bodyPr wrap="none" rtlCol="0">
+              <a:spAutoFit/>
+            </a:bodyPr>
+            <a:lstStyle/>
+            <a:p>
+              <a:r>
+                <a:rPr lang="en-CA" dirty="0"/>
+                <a:t>4</a:t>
+              </a:r>
+            </a:p>
+          </p:txBody>
+        </p:sp>
+        <p:sp>
+          <p:nvSpPr>
+            <p:cNvPr id="43" name="TextBox 42">
+              <a:extLst>
+                <a:ext uri="{FF2B5EF4-FFF2-40B4-BE49-F238E27FC236}">
+                  <a16:creationId xmlns:a16="http://schemas.microsoft.com/office/drawing/2014/main" id="{CE3F65E6-98D1-4B49-F451-19EBF8157C87}"/>
+                </a:ext>
+              </a:extLst>
+            </p:cNvPr>
+            <p:cNvSpPr txBox="1"/>
+            <p:nvPr/>
+          </p:nvSpPr>
+          <p:spPr>
+            <a:xfrm>
+              <a:off x="2327687" y="3525743"/>
+              <a:ext cx="301686" cy="369332"/>
+            </a:xfrm>
+            <a:prstGeom prst="rect">
+              <a:avLst/>
+            </a:prstGeom>
+            <a:noFill/>
+          </p:spPr>
+          <p:txBody>
+            <a:bodyPr wrap="none" rtlCol="0">
+              <a:spAutoFit/>
+            </a:bodyPr>
+            <a:lstStyle/>
+            <a:p>
+              <a:r>
+                <a:rPr lang="en-CA" dirty="0"/>
+                <a:t>5</a:t>
+              </a:r>
+            </a:p>
+          </p:txBody>
+        </p:sp>
+        <p:sp>
+          <p:nvSpPr>
+            <p:cNvPr id="44" name="TextBox 43">
+              <a:extLst>
+                <a:ext uri="{FF2B5EF4-FFF2-40B4-BE49-F238E27FC236}">
+                  <a16:creationId xmlns:a16="http://schemas.microsoft.com/office/drawing/2014/main" id="{2FC9D8BC-B3E7-5F4F-77C6-D284BB908166}"/>
+                </a:ext>
+              </a:extLst>
+            </p:cNvPr>
+            <p:cNvSpPr txBox="1"/>
+            <p:nvPr/>
+          </p:nvSpPr>
+          <p:spPr>
+            <a:xfrm>
+              <a:off x="1760045" y="2944485"/>
+              <a:ext cx="301686" cy="369332"/>
+            </a:xfrm>
+            <a:prstGeom prst="rect">
+              <a:avLst/>
+            </a:prstGeom>
+            <a:noFill/>
+          </p:spPr>
+          <p:txBody>
+            <a:bodyPr wrap="none" rtlCol="0">
+              <a:spAutoFit/>
+            </a:bodyPr>
+            <a:lstStyle/>
+            <a:p>
+              <a:r>
+                <a:rPr lang="en-CA" dirty="0"/>
+                <a:t>6</a:t>
+              </a:r>
+            </a:p>
+          </p:txBody>
+        </p:sp>
+        <p:sp>
+          <p:nvSpPr>
+            <p:cNvPr id="45" name="TextBox 44">
+              <a:extLst>
+                <a:ext uri="{FF2B5EF4-FFF2-40B4-BE49-F238E27FC236}">
+                  <a16:creationId xmlns:a16="http://schemas.microsoft.com/office/drawing/2014/main" id="{9BB9B9A2-EF6D-650A-D91F-5E228B302DBF}"/>
+                </a:ext>
+              </a:extLst>
+            </p:cNvPr>
+            <p:cNvSpPr txBox="1"/>
+            <p:nvPr/>
+          </p:nvSpPr>
+          <p:spPr>
+            <a:xfrm>
+              <a:off x="1748377" y="2155206"/>
+              <a:ext cx="301686" cy="369332"/>
+            </a:xfrm>
+            <a:prstGeom prst="rect">
+              <a:avLst/>
+            </a:prstGeom>
+            <a:noFill/>
+          </p:spPr>
+          <p:txBody>
+            <a:bodyPr wrap="none" rtlCol="0">
+              <a:spAutoFit/>
+            </a:bodyPr>
+            <a:lstStyle/>
+            <a:p>
+              <a:r>
+                <a:rPr lang="en-CA" dirty="0"/>
+                <a:t>7</a:t>
+              </a:r>
+            </a:p>
+          </p:txBody>
+        </p:sp>
+      </p:grpSp>
+      <p:graphicFrame>
+        <p:nvGraphicFramePr>
+          <p:cNvPr id="47" name="Table 47">
+            <a:extLst>
+              <a:ext uri="{FF2B5EF4-FFF2-40B4-BE49-F238E27FC236}">
+                <a16:creationId xmlns:a16="http://schemas.microsoft.com/office/drawing/2014/main" id="{C30C9823-503B-B637-FCFC-B0314975BD2D}"/>
+              </a:ext>
+            </a:extLst>
+          </p:cNvPr>
+          <p:cNvGraphicFramePr>
+            <a:graphicFrameLocks noGrp="1"/>
+          </p:cNvGraphicFramePr>
+          <p:nvPr/>
+        </p:nvGraphicFramePr>
+        <p:xfrm>
+          <a:off x="3833211" y="1211813"/>
+          <a:ext cx="4782696" cy="1030166"/>
+        </p:xfrm>
+        <a:graphic>
+          <a:graphicData uri="http://schemas.openxmlformats.org/drawingml/2006/table">
+            <a:tbl>
+              <a:tblPr firstRow="1" bandRow="1">
+                <a:tableStyleId>{5940675A-B579-460E-94D1-54222C63F5DA}</a:tableStyleId>
+              </a:tblPr>
+              <a:tblGrid>
+                <a:gridCol w="597837">
+                  <a:extLst>
+                    <a:ext uri="{9D8B030D-6E8A-4147-A177-3AD203B41FA5}">
+                      <a16:colId xmlns:a16="http://schemas.microsoft.com/office/drawing/2014/main" val="976978479"/>
+                    </a:ext>
+                  </a:extLst>
+                </a:gridCol>
+                <a:gridCol w="597837">
+                  <a:extLst>
+                    <a:ext uri="{9D8B030D-6E8A-4147-A177-3AD203B41FA5}">
+                      <a16:colId xmlns:a16="http://schemas.microsoft.com/office/drawing/2014/main" val="855892960"/>
+                    </a:ext>
+                  </a:extLst>
+                </a:gridCol>
+                <a:gridCol w="597837">
+                  <a:extLst>
+                    <a:ext uri="{9D8B030D-6E8A-4147-A177-3AD203B41FA5}">
+                      <a16:colId xmlns:a16="http://schemas.microsoft.com/office/drawing/2014/main" val="211377997"/>
+                    </a:ext>
+                  </a:extLst>
+                </a:gridCol>
+                <a:gridCol w="597837">
+                  <a:extLst>
+                    <a:ext uri="{9D8B030D-6E8A-4147-A177-3AD203B41FA5}">
+                      <a16:colId xmlns:a16="http://schemas.microsoft.com/office/drawing/2014/main" val="1748040070"/>
+                    </a:ext>
+                  </a:extLst>
+                </a:gridCol>
+                <a:gridCol w="597837">
+                  <a:extLst>
+                    <a:ext uri="{9D8B030D-6E8A-4147-A177-3AD203B41FA5}">
+                      <a16:colId xmlns:a16="http://schemas.microsoft.com/office/drawing/2014/main" val="2444696065"/>
+                    </a:ext>
+                  </a:extLst>
+                </a:gridCol>
+                <a:gridCol w="597837">
+                  <a:extLst>
+                    <a:ext uri="{9D8B030D-6E8A-4147-A177-3AD203B41FA5}">
+                      <a16:colId xmlns:a16="http://schemas.microsoft.com/office/drawing/2014/main" val="3683808895"/>
+                    </a:ext>
+                  </a:extLst>
+                </a:gridCol>
+                <a:gridCol w="597837">
+                  <a:extLst>
+                    <a:ext uri="{9D8B030D-6E8A-4147-A177-3AD203B41FA5}">
+                      <a16:colId xmlns:a16="http://schemas.microsoft.com/office/drawing/2014/main" val="1584911352"/>
+                    </a:ext>
+                  </a:extLst>
+                </a:gridCol>
+                <a:gridCol w="597837">
+                  <a:extLst>
+                    <a:ext uri="{9D8B030D-6E8A-4147-A177-3AD203B41FA5}">
+                      <a16:colId xmlns:a16="http://schemas.microsoft.com/office/drawing/2014/main" val="2064645859"/>
+                    </a:ext>
+                  </a:extLst>
+                </a:gridCol>
+              </a:tblGrid>
+              <a:tr h="515083">
+                <a:tc>
+                  <a:txBody>
+                    <a:bodyPr/>
+                    <a:lstStyle/>
+                    <a:p>
+                      <a:pPr algn="ctr"/>
+                      <a:r>
+                        <a:rPr lang="en-CA" sz="1100" dirty="0"/>
+                        <a:t>0</a:t>
+                      </a:r>
+                    </a:p>
+                  </a:txBody>
+                  <a:tcPr anchor="b">
+                    <a:lnL w="12700" cmpd="sng">
+                      <a:noFill/>
+                    </a:lnL>
+                    <a:lnR w="12700" cmpd="sng">
+                      <a:noFill/>
+                    </a:lnR>
+                    <a:lnT w="12700" cmpd="sng">
+                      <a:noFill/>
+                    </a:lnT>
+                    <a:lnB w="12700" cap="flat" cmpd="sng" algn="ctr">
+                      <a:solidFill>
+                        <a:schemeClr val="tx1"/>
+                      </a:solidFill>
+                      <a:prstDash val="solid"/>
+                      <a:round/>
+                      <a:headEnd type="none" w="med" len="med"/>
+                      <a:tailEnd type="none" w="med" len="med"/>
+                    </a:lnB>
+                    <a:lnTlToBr w="12700" cmpd="sng">
+                      <a:noFill/>
+                      <a:prstDash val="solid"/>
+                    </a:lnTlToBr>
+                    <a:lnBlToTr w="12700" cmpd="sng">
+                      <a:noFill/>
+                      <a:prstDash val="solid"/>
+                    </a:lnBlToTr>
+                  </a:tcPr>
+                </a:tc>
+                <a:tc>
+                  <a:txBody>
+                    <a:bodyPr/>
+                    <a:lstStyle/>
+                    <a:p>
+                      <a:pPr algn="ctr"/>
+                      <a:r>
+                        <a:rPr lang="en-CA" sz="1100" dirty="0"/>
+                        <a:t>1</a:t>
+                      </a:r>
+                    </a:p>
+                  </a:txBody>
+                  <a:tcPr anchor="b">
+                    <a:lnL w="12700" cmpd="sng">
+                      <a:noFill/>
+                    </a:lnL>
+                    <a:lnR w="12700" cmpd="sng">
+                      <a:noFill/>
+                    </a:lnR>
+                    <a:lnT w="12700" cmpd="sng">
+                      <a:noFill/>
+                    </a:lnT>
+                    <a:lnB w="12700" cap="flat" cmpd="sng" algn="ctr">
+                      <a:solidFill>
+                        <a:schemeClr val="tx1"/>
+                      </a:solidFill>
+                      <a:prstDash val="solid"/>
+                      <a:round/>
+                      <a:headEnd type="none" w="med" len="med"/>
+                      <a:tailEnd type="none" w="med" len="med"/>
+                    </a:lnB>
+                    <a:lnTlToBr w="12700" cmpd="sng">
+                      <a:noFill/>
+                      <a:prstDash val="solid"/>
+                    </a:lnTlToBr>
+                    <a:lnBlToTr w="12700" cmpd="sng">
+                      <a:noFill/>
+                      <a:prstDash val="solid"/>
+                    </a:lnBlToTr>
+                  </a:tcPr>
+                </a:tc>
+                <a:tc>
+                  <a:txBody>
+                    <a:bodyPr/>
+                    <a:lstStyle/>
+                    <a:p>
+                      <a:pPr algn="ctr"/>
+                      <a:r>
+                        <a:rPr lang="en-CA" sz="1100" dirty="0"/>
+                        <a:t>2</a:t>
+                      </a:r>
+                    </a:p>
+                  </a:txBody>
+                  <a:tcPr anchor="b">
+                    <a:lnL w="12700" cmpd="sng">
+                      <a:noFill/>
+                    </a:lnL>
+                    <a:lnR w="12700" cmpd="sng">
+                      <a:noFill/>
+                    </a:lnR>
+                    <a:lnT w="12700" cmpd="sng">
+                      <a:noFill/>
+                    </a:lnT>
+                    <a:lnB w="12700" cap="flat" cmpd="sng" algn="ctr">
+                      <a:solidFill>
+                        <a:schemeClr val="tx1"/>
+                      </a:solidFill>
+                      <a:prstDash val="solid"/>
+                      <a:round/>
+                      <a:headEnd type="none" w="med" len="med"/>
+                      <a:tailEnd type="none" w="med" len="med"/>
+                    </a:lnB>
+                    <a:lnTlToBr w="12700" cmpd="sng">
+                      <a:noFill/>
+                      <a:prstDash val="solid"/>
+                    </a:lnTlToBr>
+                    <a:lnBlToTr w="12700" cmpd="sng">
+                      <a:noFill/>
+                      <a:prstDash val="solid"/>
+                    </a:lnBlToTr>
+                  </a:tcPr>
+                </a:tc>
+                <a:tc>
+                  <a:txBody>
+                    <a:bodyPr/>
+                    <a:lstStyle/>
+                    <a:p>
+                      <a:pPr algn="ctr"/>
+                      <a:r>
+                        <a:rPr lang="en-CA" sz="1100" dirty="0"/>
+                        <a:t>3</a:t>
+                      </a:r>
+                    </a:p>
+                  </a:txBody>
+                  <a:tcPr anchor="b">
+                    <a:lnL w="12700" cmpd="sng">
+                      <a:noFill/>
+                    </a:lnL>
+                    <a:lnR w="12700" cmpd="sng">
+                      <a:noFill/>
+                    </a:lnR>
+                    <a:lnT w="12700" cmpd="sng">
+                      <a:noFill/>
+                    </a:lnT>
+                    <a:lnB w="12700" cap="flat" cmpd="sng" algn="ctr">
+                      <a:solidFill>
+                        <a:schemeClr val="tx1"/>
+                      </a:solidFill>
+                      <a:prstDash val="solid"/>
+                      <a:round/>
+                      <a:headEnd type="none" w="med" len="med"/>
+                      <a:tailEnd type="none" w="med" len="med"/>
+                    </a:lnB>
+                    <a:lnTlToBr w="12700" cmpd="sng">
+                      <a:noFill/>
+                      <a:prstDash val="solid"/>
+                    </a:lnTlToBr>
+                    <a:lnBlToTr w="12700" cmpd="sng">
+                      <a:noFill/>
+                      <a:prstDash val="solid"/>
+                    </a:lnBlToTr>
+                  </a:tcPr>
+                </a:tc>
+                <a:tc>
+                  <a:txBody>
+                    <a:bodyPr/>
+                    <a:lstStyle/>
+                    <a:p>
+                      <a:pPr algn="ctr"/>
+                      <a:r>
+                        <a:rPr lang="en-CA" sz="1100" dirty="0"/>
+                        <a:t>4</a:t>
+                      </a:r>
+                    </a:p>
+                  </a:txBody>
+                  <a:tcPr anchor="b">
+                    <a:lnL w="12700" cmpd="sng">
+                      <a:noFill/>
+                    </a:lnL>
+                    <a:lnR w="12700" cmpd="sng">
+                      <a:noFill/>
+                    </a:lnR>
+                    <a:lnT w="12700" cmpd="sng">
+                      <a:noFill/>
+                    </a:lnT>
+                    <a:lnB w="12700" cap="flat" cmpd="sng" algn="ctr">
+                      <a:solidFill>
+                        <a:schemeClr val="tx1"/>
+                      </a:solidFill>
+                      <a:prstDash val="solid"/>
+                      <a:round/>
+                      <a:headEnd type="none" w="med" len="med"/>
+                      <a:tailEnd type="none" w="med" len="med"/>
+                    </a:lnB>
+                    <a:lnTlToBr w="12700" cmpd="sng">
+                      <a:noFill/>
+                      <a:prstDash val="solid"/>
+                    </a:lnTlToBr>
+                    <a:lnBlToTr w="12700" cmpd="sng">
+                      <a:noFill/>
+                      <a:prstDash val="solid"/>
+                    </a:lnBlToTr>
+                  </a:tcPr>
+                </a:tc>
+                <a:tc>
+                  <a:txBody>
+                    <a:bodyPr/>
+                    <a:lstStyle/>
+                    <a:p>
+                      <a:pPr algn="ctr"/>
+                      <a:r>
+                        <a:rPr lang="en-CA" sz="1100" dirty="0"/>
+                        <a:t>5</a:t>
+                      </a:r>
+                    </a:p>
+                  </a:txBody>
+                  <a:tcPr anchor="b">
+                    <a:lnL w="12700" cmpd="sng">
+                      <a:noFill/>
+                    </a:lnL>
+                    <a:lnR w="12700" cmpd="sng">
+                      <a:noFill/>
+                    </a:lnR>
+                    <a:lnT w="12700" cmpd="sng">
+                      <a:noFill/>
+                    </a:lnT>
+                    <a:lnB w="12700" cap="flat" cmpd="sng" algn="ctr">
+                      <a:solidFill>
+                        <a:schemeClr val="tx1"/>
+                      </a:solidFill>
+                      <a:prstDash val="solid"/>
+                      <a:round/>
+                      <a:headEnd type="none" w="med" len="med"/>
+                      <a:tailEnd type="none" w="med" len="med"/>
+                    </a:lnB>
+                    <a:lnTlToBr w="12700" cmpd="sng">
+                      <a:noFill/>
+                      <a:prstDash val="solid"/>
+                    </a:lnTlToBr>
+                    <a:lnBlToTr w="12700" cmpd="sng">
+                      <a:noFill/>
+                      <a:prstDash val="solid"/>
+                    </a:lnBlToTr>
+                  </a:tcPr>
+                </a:tc>
+                <a:tc>
+                  <a:txBody>
+                    <a:bodyPr/>
+                    <a:lstStyle/>
+                    <a:p>
+                      <a:pPr algn="ctr"/>
+                      <a:r>
+                        <a:rPr lang="en-CA" sz="1100" dirty="0"/>
+                        <a:t>6</a:t>
+                      </a:r>
+                    </a:p>
+                  </a:txBody>
+                  <a:tcPr anchor="b">
+                    <a:lnL w="12700" cmpd="sng">
+                      <a:noFill/>
+                    </a:lnL>
+                    <a:lnR w="12700" cmpd="sng">
+                      <a:noFill/>
+                    </a:lnR>
+                    <a:lnT w="12700" cmpd="sng">
+                      <a:noFill/>
+                    </a:lnT>
+                    <a:lnB w="12700" cap="flat" cmpd="sng" algn="ctr">
+                      <a:solidFill>
+                        <a:schemeClr val="tx1"/>
+                      </a:solidFill>
+                      <a:prstDash val="solid"/>
+                      <a:round/>
+                      <a:headEnd type="none" w="med" len="med"/>
+                      <a:tailEnd type="none" w="med" len="med"/>
+                    </a:lnB>
+                    <a:lnTlToBr w="12700" cmpd="sng">
+                      <a:noFill/>
+                      <a:prstDash val="solid"/>
+                    </a:lnTlToBr>
+                    <a:lnBlToTr w="12700" cmpd="sng">
+                      <a:noFill/>
+                      <a:prstDash val="solid"/>
+                    </a:lnBlToTr>
+                  </a:tcPr>
+                </a:tc>
+                <a:tc>
+                  <a:txBody>
+                    <a:bodyPr/>
+                    <a:lstStyle/>
+                    <a:p>
+                      <a:pPr algn="ctr"/>
+                      <a:r>
+                        <a:rPr lang="en-CA" sz="1100" dirty="0"/>
+                        <a:t>7</a:t>
+                      </a:r>
+                    </a:p>
+                  </a:txBody>
+                  <a:tcPr anchor="b">
+                    <a:lnL w="12700" cmpd="sng">
+                      <a:noFill/>
+                    </a:lnL>
+                    <a:lnR w="12700" cmpd="sng">
+                      <a:noFill/>
+                    </a:lnR>
+                    <a:lnT w="12700" cmpd="sng">
+                      <a:noFill/>
+                    </a:lnT>
+                    <a:lnB w="12700" cap="flat" cmpd="sng" algn="ctr">
+                      <a:solidFill>
+                        <a:schemeClr val="tx1"/>
+                      </a:solidFill>
+                      <a:prstDash val="solid"/>
+                      <a:round/>
+                      <a:headEnd type="none" w="med" len="med"/>
+                      <a:tailEnd type="none" w="med" len="med"/>
+                    </a:lnB>
+                    <a:lnTlToBr w="12700" cmpd="sng">
+                      <a:noFill/>
+                      <a:prstDash val="solid"/>
+                    </a:lnTlToBr>
+                    <a:lnBlToTr w="12700" cmpd="sng">
+                      <a:noFill/>
+                      <a:prstDash val="solid"/>
+                    </a:lnBlToTr>
+                  </a:tcPr>
+                </a:tc>
+                <a:extLst>
+                  <a:ext uri="{0D108BD9-81ED-4DB2-BD59-A6C34878D82A}">
+                    <a16:rowId xmlns:a16="http://schemas.microsoft.com/office/drawing/2014/main" val="3273213331"/>
+                  </a:ext>
+                </a:extLst>
+              </a:tr>
+              <a:tr h="515083">
+                <a:tc>
+                  <a:txBody>
+                    <a:bodyPr/>
+                    <a:lstStyle/>
+                    <a:p>
+                      <a:pPr algn="ctr"/>
+                      <a:endParaRPr lang="en-CA" dirty="0"/>
+                    </a:p>
+                  </a:txBody>
+                  <a:tcPr>
+                    <a:lnL w="12700" cap="flat" cmpd="sng" algn="ctr">
+                      <a:solidFill>
+                        <a:schemeClr val="tx1"/>
+                      </a:solidFill>
+                      <a:prstDash val="solid"/>
+                      <a:round/>
+                      <a:headEnd type="none" w="med" len="med"/>
+                      <a:tailEnd type="none" w="med" len="med"/>
+                    </a:lnL>
+                    <a:lnR w="12700" cap="flat" cmpd="sng" algn="ctr">
+                      <a:solidFill>
+                        <a:schemeClr val="tx1"/>
+                      </a:solidFill>
+                      <a:prstDash val="solid"/>
+                      <a:round/>
+                      <a:headEnd type="none" w="med" len="med"/>
+                      <a:tailEnd type="none" w="med" len="med"/>
+                    </a:lnR>
+                    <a:lnT w="12700" cap="flat" cmpd="sng" algn="ctr">
+                      <a:solidFill>
+                        <a:schemeClr val="tx1"/>
+                      </a:solidFill>
+                      <a:prstDash val="solid"/>
+                      <a:round/>
+                      <a:headEnd type="none" w="med" len="med"/>
+                      <a:tailEnd type="none" w="med" len="med"/>
+                    </a:lnT>
+                    <a:lnB w="12700" cap="flat" cmpd="sng" algn="ctr">
+                      <a:solidFill>
+                        <a:schemeClr val="tx1"/>
+                      </a:solidFill>
+                      <a:prstDash val="solid"/>
+                      <a:round/>
+                      <a:headEnd type="none" w="med" len="med"/>
+                      <a:tailEnd type="none" w="med" len="med"/>
+                    </a:lnB>
+                  </a:tcPr>
+                </a:tc>
+                <a:tc>
+                  <a:txBody>
+                    <a:bodyPr/>
+                    <a:lstStyle/>
+                    <a:p>
+                      <a:pPr algn="ctr"/>
+                      <a:endParaRPr lang="en-CA" dirty="0"/>
+                    </a:p>
+                  </a:txBody>
+                  <a:tcPr>
+                    <a:lnL w="12700" cap="flat" cmpd="sng" algn="ctr">
+                      <a:solidFill>
+                        <a:schemeClr val="tx1"/>
+                      </a:solidFill>
+                      <a:prstDash val="solid"/>
+                      <a:round/>
+                      <a:headEnd type="none" w="med" len="med"/>
+                      <a:tailEnd type="none" w="med" len="med"/>
+                    </a:lnL>
+                    <a:lnR w="12700" cap="flat" cmpd="sng" algn="ctr">
+                      <a:solidFill>
+                        <a:schemeClr val="tx1"/>
+                      </a:solidFill>
+                      <a:prstDash val="solid"/>
+                      <a:round/>
+                      <a:headEnd type="none" w="med" len="med"/>
+                      <a:tailEnd type="none" w="med" len="med"/>
+                    </a:lnR>
+                    <a:lnT w="12700" cap="flat" cmpd="sng" algn="ctr">
+                      <a:solidFill>
+                        <a:schemeClr val="tx1"/>
+                      </a:solidFill>
+                      <a:prstDash val="solid"/>
+                      <a:round/>
+                      <a:headEnd type="none" w="med" len="med"/>
+                      <a:tailEnd type="none" w="med" len="med"/>
+                    </a:lnT>
+                    <a:lnB w="12700" cap="flat" cmpd="sng" algn="ctr">
+                      <a:solidFill>
+                        <a:schemeClr val="tx1"/>
+                      </a:solidFill>
+                      <a:prstDash val="solid"/>
+                      <a:round/>
+                      <a:headEnd type="none" w="med" len="med"/>
+                      <a:tailEnd type="none" w="med" len="med"/>
+                    </a:lnB>
+                  </a:tcPr>
+                </a:tc>
+                <a:tc>
+                  <a:txBody>
+                    <a:bodyPr/>
+                    <a:lstStyle/>
+                    <a:p>
+                      <a:pPr algn="ctr"/>
+                      <a:endParaRPr lang="en-CA" dirty="0"/>
+                    </a:p>
+                  </a:txBody>
+                  <a:tcPr>
+                    <a:lnL w="12700" cap="flat" cmpd="sng" algn="ctr">
+                      <a:solidFill>
+                        <a:schemeClr val="tx1"/>
+                      </a:solidFill>
+                      <a:prstDash val="solid"/>
+                      <a:round/>
+                      <a:headEnd type="none" w="med" len="med"/>
+                      <a:tailEnd type="none" w="med" len="med"/>
+                    </a:lnL>
+                    <a:lnR w="12700" cap="flat" cmpd="sng" algn="ctr">
+                      <a:solidFill>
+                        <a:schemeClr val="tx1"/>
+                      </a:solidFill>
+                      <a:prstDash val="solid"/>
+                      <a:round/>
+                      <a:headEnd type="none" w="med" len="med"/>
+                      <a:tailEnd type="none" w="med" len="med"/>
+                    </a:lnR>
+                    <a:lnT w="12700" cap="flat" cmpd="sng" algn="ctr">
+                      <a:solidFill>
+                        <a:schemeClr val="tx1"/>
+                      </a:solidFill>
+                      <a:prstDash val="solid"/>
+                      <a:round/>
+                      <a:headEnd type="none" w="med" len="med"/>
+                      <a:tailEnd type="none" w="med" len="med"/>
+                    </a:lnT>
+                    <a:lnB w="12700" cap="flat" cmpd="sng" algn="ctr">
+                      <a:solidFill>
+                        <a:schemeClr val="tx1"/>
+                      </a:solidFill>
+                      <a:prstDash val="solid"/>
+                      <a:round/>
+                      <a:headEnd type="none" w="med" len="med"/>
+                      <a:tailEnd type="none" w="med" len="med"/>
+                    </a:lnB>
+                  </a:tcPr>
+                </a:tc>
+                <a:tc>
+                  <a:txBody>
+                    <a:bodyPr/>
+                    <a:lstStyle/>
+                    <a:p>
+                      <a:pPr algn="ctr"/>
+                      <a:endParaRPr lang="en-CA" dirty="0"/>
+                    </a:p>
+                  </a:txBody>
+                  <a:tcPr>
+                    <a:lnL w="12700" cap="flat" cmpd="sng" algn="ctr">
+                      <a:solidFill>
+                        <a:schemeClr val="tx1"/>
+                      </a:solidFill>
+                      <a:prstDash val="solid"/>
+                      <a:round/>
+                      <a:headEnd type="none" w="med" len="med"/>
+                      <a:tailEnd type="none" w="med" len="med"/>
+                    </a:lnL>
+                    <a:lnR w="12700" cap="flat" cmpd="sng" algn="ctr">
+                      <a:solidFill>
+                        <a:schemeClr val="tx1"/>
+                      </a:solidFill>
+                      <a:prstDash val="solid"/>
+                      <a:round/>
+                      <a:headEnd type="none" w="med" len="med"/>
+                      <a:tailEnd type="none" w="med" len="med"/>
+                    </a:lnR>
+                    <a:lnT w="12700" cap="flat" cmpd="sng" algn="ctr">
+                      <a:solidFill>
+                        <a:schemeClr val="tx1"/>
+                      </a:solidFill>
+                      <a:prstDash val="solid"/>
+                      <a:round/>
+                      <a:headEnd type="none" w="med" len="med"/>
+                      <a:tailEnd type="none" w="med" len="med"/>
+                    </a:lnT>
+                    <a:lnB w="12700" cap="flat" cmpd="sng" algn="ctr">
+                      <a:solidFill>
+                        <a:schemeClr val="tx1"/>
+                      </a:solidFill>
+                      <a:prstDash val="solid"/>
+                      <a:round/>
+                      <a:headEnd type="none" w="med" len="med"/>
+                      <a:tailEnd type="none" w="med" len="med"/>
+                    </a:lnB>
+                  </a:tcPr>
+                </a:tc>
+                <a:tc>
+                  <a:txBody>
+                    <a:bodyPr/>
+                    <a:lstStyle/>
+                    <a:p>
+                      <a:pPr algn="ctr"/>
+                      <a:endParaRPr lang="en-CA" dirty="0"/>
+                    </a:p>
+                  </a:txBody>
+                  <a:tcPr>
+                    <a:lnL w="12700" cap="flat" cmpd="sng" algn="ctr">
+                      <a:solidFill>
+                        <a:schemeClr val="tx1"/>
+                      </a:solidFill>
+                      <a:prstDash val="solid"/>
+                      <a:round/>
+                      <a:headEnd type="none" w="med" len="med"/>
+                      <a:tailEnd type="none" w="med" len="med"/>
+                    </a:lnL>
+                    <a:lnR w="12700" cap="flat" cmpd="sng" algn="ctr">
+                      <a:solidFill>
+                        <a:schemeClr val="tx1"/>
+                      </a:solidFill>
+                      <a:prstDash val="solid"/>
+                      <a:round/>
+                      <a:headEnd type="none" w="med" len="med"/>
+                      <a:tailEnd type="none" w="med" len="med"/>
+                    </a:lnR>
+                    <a:lnT w="12700" cap="flat" cmpd="sng" algn="ctr">
+                      <a:solidFill>
+                        <a:schemeClr val="tx1"/>
+                      </a:solidFill>
+                      <a:prstDash val="solid"/>
+                      <a:round/>
+                      <a:headEnd type="none" w="med" len="med"/>
+                      <a:tailEnd type="none" w="med" len="med"/>
+                    </a:lnT>
+                    <a:lnB w="12700" cap="flat" cmpd="sng" algn="ctr">
+                      <a:solidFill>
+                        <a:schemeClr val="tx1"/>
+                      </a:solidFill>
+                      <a:prstDash val="solid"/>
+                      <a:round/>
+                      <a:headEnd type="none" w="med" len="med"/>
+                      <a:tailEnd type="none" w="med" len="med"/>
+                    </a:lnB>
+                  </a:tcPr>
+                </a:tc>
+                <a:tc>
+                  <a:txBody>
+                    <a:bodyPr/>
+                    <a:lstStyle/>
+                    <a:p>
+                      <a:pPr algn="ctr"/>
+                      <a:endParaRPr lang="en-CA" dirty="0"/>
+                    </a:p>
+                  </a:txBody>
+                  <a:tcPr>
+                    <a:lnL w="12700" cap="flat" cmpd="sng" algn="ctr">
+                      <a:solidFill>
+                        <a:schemeClr val="tx1"/>
+                      </a:solidFill>
+                      <a:prstDash val="solid"/>
+                      <a:round/>
+                      <a:headEnd type="none" w="med" len="med"/>
+                      <a:tailEnd type="none" w="med" len="med"/>
+                    </a:lnL>
+                    <a:lnR w="12700" cap="flat" cmpd="sng" algn="ctr">
+                      <a:solidFill>
+                        <a:schemeClr val="tx1"/>
+                      </a:solidFill>
+                      <a:prstDash val="solid"/>
+                      <a:round/>
+                      <a:headEnd type="none" w="med" len="med"/>
+                      <a:tailEnd type="none" w="med" len="med"/>
+                    </a:lnR>
+                    <a:lnT w="12700" cap="flat" cmpd="sng" algn="ctr">
+                      <a:solidFill>
+                        <a:schemeClr val="tx1"/>
+                      </a:solidFill>
+                      <a:prstDash val="solid"/>
+                      <a:round/>
+                      <a:headEnd type="none" w="med" len="med"/>
+                      <a:tailEnd type="none" w="med" len="med"/>
+                    </a:lnT>
+                    <a:lnB w="12700" cap="flat" cmpd="sng" algn="ctr">
+                      <a:solidFill>
+                        <a:schemeClr val="tx1"/>
+                      </a:solidFill>
+                      <a:prstDash val="solid"/>
+                      <a:round/>
+                      <a:headEnd type="none" w="med" len="med"/>
+                      <a:tailEnd type="none" w="med" len="med"/>
+                    </a:lnB>
+                  </a:tcPr>
+                </a:tc>
+                <a:tc>
+                  <a:txBody>
+                    <a:bodyPr/>
+                    <a:lstStyle/>
+                    <a:p>
+                      <a:pPr algn="ctr"/>
+                      <a:endParaRPr lang="en-CA" dirty="0"/>
+                    </a:p>
+                  </a:txBody>
+                  <a:tcPr>
+                    <a:lnL w="12700" cap="flat" cmpd="sng" algn="ctr">
+                      <a:solidFill>
+                        <a:schemeClr val="tx1"/>
+                      </a:solidFill>
+                      <a:prstDash val="solid"/>
+                      <a:round/>
+                      <a:headEnd type="none" w="med" len="med"/>
+                      <a:tailEnd type="none" w="med" len="med"/>
+                    </a:lnL>
+                    <a:lnR w="12700" cap="flat" cmpd="sng" algn="ctr">
+                      <a:solidFill>
+                        <a:schemeClr val="tx1"/>
+                      </a:solidFill>
+                      <a:prstDash val="solid"/>
+                      <a:round/>
+                      <a:headEnd type="none" w="med" len="med"/>
+                      <a:tailEnd type="none" w="med" len="med"/>
+                    </a:lnR>
+                    <a:lnT w="12700" cap="flat" cmpd="sng" algn="ctr">
+                      <a:solidFill>
+                        <a:schemeClr val="tx1"/>
+                      </a:solidFill>
+                      <a:prstDash val="solid"/>
+                      <a:round/>
+                      <a:headEnd type="none" w="med" len="med"/>
+                      <a:tailEnd type="none" w="med" len="med"/>
+                    </a:lnT>
+                    <a:lnB w="12700" cap="flat" cmpd="sng" algn="ctr">
+                      <a:solidFill>
+                        <a:schemeClr val="tx1"/>
+                      </a:solidFill>
+                      <a:prstDash val="solid"/>
+                      <a:round/>
+                      <a:headEnd type="none" w="med" len="med"/>
+                      <a:tailEnd type="none" w="med" len="med"/>
+                    </a:lnB>
+                  </a:tcPr>
+                </a:tc>
+                <a:tc>
+                  <a:txBody>
+                    <a:bodyPr/>
+                    <a:lstStyle/>
+                    <a:p>
+                      <a:pPr algn="ctr"/>
+                      <a:endParaRPr lang="en-CA" dirty="0"/>
+                    </a:p>
+                  </a:txBody>
+                  <a:tcPr>
+                    <a:lnL w="12700" cap="flat" cmpd="sng" algn="ctr">
+                      <a:solidFill>
+                        <a:schemeClr val="tx1"/>
+                      </a:solidFill>
+                      <a:prstDash val="solid"/>
+                      <a:round/>
+                      <a:headEnd type="none" w="med" len="med"/>
+                      <a:tailEnd type="none" w="med" len="med"/>
+                    </a:lnL>
+                    <a:lnR w="12700" cap="flat" cmpd="sng" algn="ctr">
+                      <a:solidFill>
+                        <a:schemeClr val="tx1"/>
+                      </a:solidFill>
+                      <a:prstDash val="solid"/>
+                      <a:round/>
+                      <a:headEnd type="none" w="med" len="med"/>
+                      <a:tailEnd type="none" w="med" len="med"/>
+                    </a:lnR>
+                    <a:lnT w="12700" cap="flat" cmpd="sng" algn="ctr">
+                      <a:solidFill>
+                        <a:schemeClr val="tx1"/>
+                      </a:solidFill>
+                      <a:prstDash val="solid"/>
+                      <a:round/>
+                      <a:headEnd type="none" w="med" len="med"/>
+                      <a:tailEnd type="none" w="med" len="med"/>
+                    </a:lnT>
+                    <a:lnB w="12700" cap="flat" cmpd="sng" algn="ctr">
+                      <a:solidFill>
+                        <a:schemeClr val="tx1"/>
+                      </a:solidFill>
+                      <a:prstDash val="solid"/>
+                      <a:round/>
+                      <a:headEnd type="none" w="med" len="med"/>
+                      <a:tailEnd type="none" w="med" len="med"/>
+                    </a:lnB>
+                  </a:tcPr>
+                </a:tc>
+                <a:extLst>
+                  <a:ext uri="{0D108BD9-81ED-4DB2-BD59-A6C34878D82A}">
+                    <a16:rowId xmlns:a16="http://schemas.microsoft.com/office/drawing/2014/main" val="1541564516"/>
+                  </a:ext>
+                </a:extLst>
+              </a:tr>
+            </a:tbl>
+          </a:graphicData>
+        </a:graphic>
+      </p:graphicFrame>
+      <p:sp>
+        <p:nvSpPr>
+          <p:cNvPr id="49" name="TextBox 48">
+            <a:extLst>
+              <a:ext uri="{FF2B5EF4-FFF2-40B4-BE49-F238E27FC236}">
+                <a16:creationId xmlns:a16="http://schemas.microsoft.com/office/drawing/2014/main" id="{DAB68F40-9358-0D63-EB97-75A96EEC269A}"/>
+              </a:ext>
+            </a:extLst>
+          </p:cNvPr>
+          <p:cNvSpPr txBox="1"/>
+          <p:nvPr/>
+        </p:nvSpPr>
+        <p:spPr>
+          <a:xfrm>
+            <a:off x="8881400" y="112443"/>
+            <a:ext cx="3229925" cy="1477328"/>
+          </a:xfrm>
+          <a:prstGeom prst="rect">
+            <a:avLst/>
+          </a:prstGeom>
+          <a:solidFill>
+            <a:schemeClr val="accent4">
+              <a:lumMod val="40000"/>
+              <a:lumOff val="60000"/>
+            </a:schemeClr>
+          </a:solidFill>
+          <a:ln>
+            <a:noFill/>
+          </a:ln>
+        </p:spPr>
+        <p:txBody>
+          <a:bodyPr wrap="square" rtlCol="0">
+            <a:spAutoFit/>
+          </a:bodyPr>
+          <a:lstStyle/>
+          <a:p>
+            <a:pPr algn="ctr"/>
+            <a:r>
+              <a:rPr lang="en-CA" b="1" dirty="0"/>
+              <a:t>R</a:t>
+            </a:r>
+            <a:r>
+              <a:rPr lang="en-CA" dirty="0"/>
+              <a:t>: index of next item to remove (front item of queue)</a:t>
+            </a:r>
+            <a:br>
+              <a:rPr lang="en-CA" dirty="0"/>
+            </a:br>
+            <a:r>
+              <a:rPr lang="en-CA" b="1" dirty="0"/>
+              <a:t>A</a:t>
+            </a:r>
+            <a:r>
+              <a:rPr lang="en-CA" dirty="0"/>
+              <a:t>: index of next location where an item will be added (back of queue)</a:t>
+            </a:r>
+          </a:p>
+        </p:txBody>
+      </p:sp>
+      <p:sp>
+        <p:nvSpPr>
+          <p:cNvPr id="51" name="TextBox 50">
+            <a:extLst>
+              <a:ext uri="{FF2B5EF4-FFF2-40B4-BE49-F238E27FC236}">
+                <a16:creationId xmlns:a16="http://schemas.microsoft.com/office/drawing/2014/main" id="{60F7F488-6F4C-3DBF-BD11-D37CE5333AF7}"/>
+              </a:ext>
+            </a:extLst>
+          </p:cNvPr>
+          <p:cNvSpPr txBox="1"/>
+          <p:nvPr/>
+        </p:nvSpPr>
+        <p:spPr>
+          <a:xfrm>
+            <a:off x="6476474" y="3764805"/>
+            <a:ext cx="3452868" cy="369332"/>
+          </a:xfrm>
+          <a:prstGeom prst="rect">
+            <a:avLst/>
+          </a:prstGeom>
+          <a:noFill/>
+        </p:spPr>
+        <p:txBody>
+          <a:bodyPr wrap="none" rtlCol="0">
+            <a:spAutoFit/>
+          </a:bodyPr>
+          <a:lstStyle/>
+          <a:p>
+            <a:r>
+              <a:rPr lang="en-CA" b="1" dirty="0"/>
+              <a:t>Make new empty queue</a:t>
+            </a:r>
+            <a:r>
+              <a:rPr lang="en-CA" dirty="0"/>
+              <a:t>: R=0, A=0</a:t>
+            </a:r>
+          </a:p>
+        </p:txBody>
+      </p:sp>
+      <p:sp>
+        <p:nvSpPr>
+          <p:cNvPr id="52" name="TextBox 51">
+            <a:extLst>
+              <a:ext uri="{FF2B5EF4-FFF2-40B4-BE49-F238E27FC236}">
+                <a16:creationId xmlns:a16="http://schemas.microsoft.com/office/drawing/2014/main" id="{CB3FAC90-6EC0-0F61-A376-63D6637FCBB4}"/>
+              </a:ext>
+            </a:extLst>
+          </p:cNvPr>
+          <p:cNvSpPr txBox="1"/>
+          <p:nvPr/>
+        </p:nvSpPr>
+        <p:spPr>
+          <a:xfrm>
+            <a:off x="7651565" y="4164935"/>
+            <a:ext cx="3490764" cy="646331"/>
+          </a:xfrm>
+          <a:prstGeom prst="rect">
+            <a:avLst/>
+          </a:prstGeom>
+          <a:noFill/>
+        </p:spPr>
+        <p:txBody>
+          <a:bodyPr wrap="none" rtlCol="0">
+            <a:spAutoFit/>
+          </a:bodyPr>
+          <a:lstStyle/>
+          <a:p>
+            <a:r>
+              <a:rPr lang="en-CA" b="1" dirty="0"/>
+              <a:t>enqueue(x)</a:t>
+            </a:r>
+            <a:r>
+              <a:rPr lang="en-CA" dirty="0"/>
+              <a:t>: </a:t>
+            </a:r>
+            <a:r>
+              <a:rPr lang="en-CA" dirty="0" err="1"/>
+              <a:t>arr</a:t>
+            </a:r>
+            <a:r>
+              <a:rPr lang="en-CA" dirty="0"/>
+              <a:t>[A] = x</a:t>
+            </a:r>
+            <a:br>
+              <a:rPr lang="en-CA" dirty="0"/>
+            </a:br>
+            <a:r>
+              <a:rPr lang="en-CA" dirty="0"/>
+              <a:t>                       A = (A + 1) % </a:t>
+            </a:r>
+            <a:r>
+              <a:rPr lang="en-CA" dirty="0" err="1"/>
+              <a:t>max_size</a:t>
+            </a:r>
+            <a:endParaRPr lang="en-CA" dirty="0"/>
+          </a:p>
+        </p:txBody>
+      </p:sp>
+      <p:sp>
+        <p:nvSpPr>
+          <p:cNvPr id="53" name="TextBox 52">
+            <a:extLst>
+              <a:ext uri="{FF2B5EF4-FFF2-40B4-BE49-F238E27FC236}">
+                <a16:creationId xmlns:a16="http://schemas.microsoft.com/office/drawing/2014/main" id="{51A8B4FE-E129-7874-1293-DA34EE051BA2}"/>
+              </a:ext>
+            </a:extLst>
+          </p:cNvPr>
+          <p:cNvSpPr txBox="1"/>
+          <p:nvPr/>
+        </p:nvSpPr>
+        <p:spPr>
+          <a:xfrm>
+            <a:off x="7651565" y="4933200"/>
+            <a:ext cx="3474734" cy="923330"/>
+          </a:xfrm>
+          <a:prstGeom prst="rect">
+            <a:avLst/>
+          </a:prstGeom>
+          <a:noFill/>
+        </p:spPr>
+        <p:txBody>
+          <a:bodyPr wrap="none" rtlCol="0">
+            <a:spAutoFit/>
+          </a:bodyPr>
+          <a:lstStyle/>
+          <a:p>
+            <a:r>
+              <a:rPr lang="en-CA" b="1"/>
+              <a:t>dequeue()</a:t>
+            </a:r>
+            <a:r>
+              <a:rPr lang="en-CA"/>
+              <a:t>: </a:t>
+            </a:r>
+            <a:r>
+              <a:rPr lang="en-CA" dirty="0"/>
+              <a:t>result = </a:t>
+            </a:r>
+            <a:r>
+              <a:rPr lang="en-CA" dirty="0" err="1"/>
+              <a:t>arr</a:t>
+            </a:r>
+            <a:r>
+              <a:rPr lang="en-CA" dirty="0"/>
+              <a:t>[R]</a:t>
+            </a:r>
+            <a:br>
+              <a:rPr lang="en-CA" dirty="0"/>
+            </a:br>
+            <a:r>
+              <a:rPr lang="en-CA" dirty="0"/>
+              <a:t>                       R = (R + 1) % </a:t>
+            </a:r>
+            <a:r>
+              <a:rPr lang="en-CA" dirty="0" err="1"/>
+              <a:t>max_size</a:t>
+            </a:r>
+            <a:br>
+              <a:rPr lang="en-CA" dirty="0"/>
+            </a:br>
+            <a:r>
+              <a:rPr lang="en-CA" dirty="0"/>
+              <a:t>                       return result</a:t>
+            </a:r>
+          </a:p>
+        </p:txBody>
+      </p:sp>
+    </p:spTree>
+    <p:extLst>
+      <p:ext uri="{BB962C8B-B14F-4D97-AF65-F5344CB8AC3E}">
+        <p14:creationId xmlns:p14="http://schemas.microsoft.com/office/powerpoint/2010/main" val="905081919"/>
+      </p:ext>
+    </p:extLst>
+  </p:cSld>
+  <p:clrMapOvr>
+    <a:masterClrMapping/>
+  </p:clrMapOvr>
+</p:sld>
+</file>
+
+<file path=ppt/slides/slide25.xml><?xml version="1.0" encoding="utf-8"?>
+<p:sld xmlns:a="http://schemas.openxmlformats.org/drawingml/2006/main" xmlns:r="http://schemas.openxmlformats.org/officeDocument/2006/relationships" xmlns:p="http://schemas.openxmlformats.org/presentationml/2006/main">
+  <p:cSld>
+    <p:spTree>
+      <p:nvGrpSpPr>
+        <p:cNvPr id="1" name=""/>
+        <p:cNvGrpSpPr/>
+        <p:nvPr/>
+      </p:nvGrpSpPr>
+      <p:grpSpPr>
+        <a:xfrm>
+          <a:off x="0" y="0"/>
+          <a:ext cx="0" cy="0"/>
+          <a:chOff x="0" y="0"/>
+          <a:chExt cx="0" cy="0"/>
+        </a:xfrm>
+      </p:grpSpPr>
+      <p:sp>
+        <p:nvSpPr>
+          <p:cNvPr id="2" name="TextBox 1">
+            <a:extLst>
+              <a:ext uri="{FF2B5EF4-FFF2-40B4-BE49-F238E27FC236}">
+                <a16:creationId xmlns:a16="http://schemas.microsoft.com/office/drawing/2014/main" id="{A4BC1F36-8D19-79F2-3E01-CBC70AAB5D5F}"/>
+              </a:ext>
+            </a:extLst>
+          </p:cNvPr>
+          <p:cNvSpPr txBox="1"/>
+          <p:nvPr/>
+        </p:nvSpPr>
+        <p:spPr>
+          <a:xfrm>
+            <a:off x="652162" y="454734"/>
+            <a:ext cx="3428632" cy="646331"/>
+          </a:xfrm>
+          <a:prstGeom prst="rect">
+            <a:avLst/>
+          </a:prstGeom>
+          <a:solidFill>
+            <a:schemeClr val="accent4">
+              <a:lumMod val="40000"/>
+              <a:lumOff val="60000"/>
+            </a:schemeClr>
+          </a:solidFill>
+          <a:ln>
+            <a:noFill/>
+          </a:ln>
+        </p:spPr>
+        <p:txBody>
+          <a:bodyPr wrap="square" rtlCol="0">
+            <a:spAutoFit/>
+          </a:bodyPr>
+          <a:lstStyle/>
+          <a:p>
+            <a:pPr algn="ctr"/>
+            <a:r>
+              <a:rPr lang="en-CA" sz="3600" dirty="0"/>
+              <a:t>The Queue ADT</a:t>
+            </a:r>
+            <a:endParaRPr lang="en-CA" sz="3600" b="1" dirty="0"/>
+          </a:p>
+        </p:txBody>
+      </p:sp>
+      <p:sp>
+        <p:nvSpPr>
+          <p:cNvPr id="3" name="TextBox 2">
+            <a:extLst>
+              <a:ext uri="{FF2B5EF4-FFF2-40B4-BE49-F238E27FC236}">
+                <a16:creationId xmlns:a16="http://schemas.microsoft.com/office/drawing/2014/main" id="{54F5A8A1-2B70-FD9E-1609-D600D297FD9C}"/>
+              </a:ext>
+            </a:extLst>
+          </p:cNvPr>
+          <p:cNvSpPr txBox="1"/>
+          <p:nvPr/>
+        </p:nvSpPr>
+        <p:spPr>
+          <a:xfrm>
+            <a:off x="675801" y="1568578"/>
+            <a:ext cx="7387544" cy="4247317"/>
+          </a:xfrm>
+          <a:prstGeom prst="rect">
+            <a:avLst/>
+          </a:prstGeom>
+          <a:noFill/>
+        </p:spPr>
+        <p:txBody>
+          <a:bodyPr wrap="square" rtlCol="0">
+            <a:spAutoFit/>
+          </a:bodyPr>
+          <a:lstStyle/>
+          <a:p>
+            <a:r>
+              <a:rPr lang="en-US" b="0" dirty="0">
+                <a:effectLst/>
+                <a:latin typeface="Consolas" panose="020B0609020204030204" pitchFamily="49" charset="0"/>
+              </a:rPr>
+              <a:t>//</a:t>
+            </a:r>
+          </a:p>
+          <a:p>
+            <a:r>
+              <a:rPr lang="en-US" b="0" dirty="0">
+                <a:effectLst/>
+                <a:latin typeface="Consolas" panose="020B0609020204030204" pitchFamily="49" charset="0"/>
+              </a:rPr>
+              <a:t>// T is the type of the elements in the queue.</a:t>
+            </a:r>
+          </a:p>
+          <a:p>
+            <a:r>
+              <a:rPr lang="en-US" b="0" dirty="0">
+                <a:effectLst/>
+                <a:latin typeface="Consolas" panose="020B0609020204030204" pitchFamily="49" charset="0"/>
+              </a:rPr>
+              <a:t>// T must have a copy constructor.</a:t>
+            </a:r>
+          </a:p>
+          <a:p>
+            <a:r>
+              <a:rPr lang="en-US" b="0" dirty="0">
+                <a:effectLst/>
+                <a:latin typeface="Consolas" panose="020B0609020204030204" pitchFamily="49" charset="0"/>
+              </a:rPr>
+              <a:t>//</a:t>
+            </a:r>
+          </a:p>
+          <a:p>
+            <a:r>
+              <a:rPr lang="en-US" b="0" dirty="0">
+                <a:effectLst/>
+                <a:latin typeface="Consolas" panose="020B0609020204030204" pitchFamily="49" charset="0"/>
+              </a:rPr>
+              <a:t>template &lt;typename T&gt;</a:t>
+            </a:r>
+          </a:p>
+          <a:p>
+            <a:r>
+              <a:rPr lang="en-US" b="0" dirty="0">
+                <a:effectLst/>
+                <a:latin typeface="Consolas" panose="020B0609020204030204" pitchFamily="49" charset="0"/>
+              </a:rPr>
+              <a:t>struct </a:t>
+            </a:r>
+            <a:r>
+              <a:rPr lang="en-US" b="0" dirty="0" err="1">
+                <a:effectLst/>
+                <a:latin typeface="Consolas" panose="020B0609020204030204" pitchFamily="49" charset="0"/>
+              </a:rPr>
+              <a:t>Queue_base</a:t>
+            </a:r>
+            <a:endParaRPr lang="en-US" b="0" dirty="0">
+              <a:effectLst/>
+              <a:latin typeface="Consolas" panose="020B0609020204030204" pitchFamily="49" charset="0"/>
+            </a:endParaRPr>
+          </a:p>
+          <a:p>
+            <a:r>
+              <a:rPr lang="en-US" b="0" dirty="0">
+                <a:effectLst/>
+                <a:latin typeface="Consolas" panose="020B0609020204030204" pitchFamily="49" charset="0"/>
+              </a:rPr>
+              <a:t>{</a:t>
+            </a:r>
+          </a:p>
+          <a:p>
+            <a:r>
+              <a:rPr lang="en-US" b="0" dirty="0">
+                <a:effectLst/>
+                <a:latin typeface="Consolas" panose="020B0609020204030204" pitchFamily="49" charset="0"/>
+              </a:rPr>
+              <a:t>    virtual void enqueue(const T &amp;x) = 0;</a:t>
+            </a:r>
+          </a:p>
+          <a:p>
+            <a:r>
+              <a:rPr lang="en-US" b="0" dirty="0">
+                <a:effectLst/>
+                <a:latin typeface="Consolas" panose="020B0609020204030204" pitchFamily="49" charset="0"/>
+              </a:rPr>
+              <a:t>    virtual T dequeue()              = 0;</a:t>
+            </a:r>
+          </a:p>
+          <a:p>
+            <a:r>
+              <a:rPr lang="en-US" b="0" dirty="0">
+                <a:effectLst/>
+                <a:latin typeface="Consolas" panose="020B0609020204030204" pitchFamily="49" charset="0"/>
+              </a:rPr>
+              <a:t>    virtual const T &amp;front()   const = 0;</a:t>
+            </a:r>
+          </a:p>
+          <a:p>
+            <a:r>
+              <a:rPr lang="en-US" b="0" dirty="0">
+                <a:effectLst/>
+                <a:latin typeface="Consolas" panose="020B0609020204030204" pitchFamily="49" charset="0"/>
+              </a:rPr>
+              <a:t>    virtual bool empty()       const = 0;</a:t>
+            </a:r>
+          </a:p>
+          <a:p>
+            <a:r>
+              <a:rPr lang="en-US" b="0" dirty="0">
+                <a:effectLst/>
+                <a:latin typeface="Consolas" panose="020B0609020204030204" pitchFamily="49" charset="0"/>
+              </a:rPr>
+              <a:t>    virtual int size()         const = 0;</a:t>
+            </a:r>
+          </a:p>
+          <a:p>
+            <a:endParaRPr lang="en-US" b="0" dirty="0">
+              <a:effectLst/>
+              <a:latin typeface="Consolas" panose="020B0609020204030204" pitchFamily="49" charset="0"/>
+            </a:endParaRPr>
+          </a:p>
+          <a:p>
+            <a:r>
+              <a:rPr lang="en-US" b="0" dirty="0">
+                <a:effectLst/>
+                <a:latin typeface="Consolas" panose="020B0609020204030204" pitchFamily="49" charset="0"/>
+              </a:rPr>
+              <a:t>    virtual ~</a:t>
+            </a:r>
+            <a:r>
+              <a:rPr lang="en-US" b="0" dirty="0" err="1">
+                <a:effectLst/>
+                <a:latin typeface="Consolas" panose="020B0609020204030204" pitchFamily="49" charset="0"/>
+              </a:rPr>
+              <a:t>Queue_base</a:t>
+            </a:r>
+            <a:r>
+              <a:rPr lang="en-US" b="0" dirty="0">
+                <a:effectLst/>
+                <a:latin typeface="Consolas" panose="020B0609020204030204" pitchFamily="49" charset="0"/>
+              </a:rPr>
+              <a:t>() {}</a:t>
+            </a:r>
+          </a:p>
+          <a:p>
+            <a:r>
+              <a:rPr lang="en-US" b="0" dirty="0">
+                <a:effectLst/>
+                <a:latin typeface="Consolas" panose="020B0609020204030204" pitchFamily="49" charset="0"/>
+              </a:rPr>
+              <a:t>}; // class </a:t>
+            </a:r>
+            <a:r>
+              <a:rPr lang="en-US" b="0" dirty="0" err="1">
+                <a:effectLst/>
+                <a:latin typeface="Consolas" panose="020B0609020204030204" pitchFamily="49" charset="0"/>
+              </a:rPr>
+              <a:t>Queue_base</a:t>
+            </a:r>
+            <a:endParaRPr lang="en-CA" kern="100" dirty="0">
+              <a:latin typeface="Calibri" panose="020F0502020204030204" pitchFamily="34" charset="0"/>
+              <a:ea typeface="Calibri" panose="020F0502020204030204" pitchFamily="34" charset="0"/>
+              <a:cs typeface="Times New Roman" panose="02020603050405020304" pitchFamily="18" charset="0"/>
+            </a:endParaRPr>
+          </a:p>
+        </p:txBody>
+      </p:sp>
+      <p:sp>
+        <p:nvSpPr>
+          <p:cNvPr id="4" name="TextBox 3">
+            <a:extLst>
+              <a:ext uri="{FF2B5EF4-FFF2-40B4-BE49-F238E27FC236}">
+                <a16:creationId xmlns:a16="http://schemas.microsoft.com/office/drawing/2014/main" id="{C90CBC19-9323-4A80-605E-45C59FFE6CF9}"/>
+              </a:ext>
+            </a:extLst>
+          </p:cNvPr>
+          <p:cNvSpPr txBox="1"/>
+          <p:nvPr/>
+        </p:nvSpPr>
+        <p:spPr>
+          <a:xfrm>
+            <a:off x="8587301" y="1093033"/>
+            <a:ext cx="2751260" cy="1477328"/>
+          </a:xfrm>
+          <a:prstGeom prst="rect">
+            <a:avLst/>
+          </a:prstGeom>
+          <a:solidFill>
+            <a:schemeClr val="accent4">
+              <a:lumMod val="40000"/>
+              <a:lumOff val="60000"/>
+            </a:schemeClr>
+          </a:solidFill>
+          <a:ln>
+            <a:noFill/>
+          </a:ln>
+        </p:spPr>
+        <p:txBody>
+          <a:bodyPr wrap="square" rtlCol="0">
+            <a:spAutoFit/>
+          </a:bodyPr>
+          <a:lstStyle/>
+          <a:p>
+            <a:pPr algn="ctr"/>
+            <a:r>
+              <a:rPr lang="en-CA" dirty="0"/>
+              <a:t>A “constant reference” is returned here, which is a reference to the front item without making a copy or allowing it to be changed.</a:t>
             </a:r>
             <a:endParaRPr lang="en-CA" b="1" dirty="0"/>
           </a:p>
@@ -19362,14 +26520,15 @@
             </a:extLst>
           </p:cNvPr>
           <p:cNvCxnSpPr>
+            <a:cxnSpLocks/>
             <a:stCxn id="4" idx="1"/>
           </p:cNvCxnSpPr>
           <p:nvPr/>
         </p:nvCxnSpPr>
         <p:spPr>
           <a:xfrm flipH="1">
-            <a:off x="3370433" y="1831697"/>
-            <a:ext cx="5216867" cy="2241539"/>
+            <a:off x="3777418" y="1831697"/>
+            <a:ext cx="4809883" cy="2286256"/>
           </a:xfrm>
           <a:prstGeom prst="straightConnector1">
             <a:avLst/>
@@ -19804,6 +26963,57 @@
           </a:fontRef>
         </p:style>
       </p:cxnSp>
+      <mc:AlternateContent xmlns:mc="http://schemas.openxmlformats.org/markup-compatibility/2006">
+        <mc:Choice xmlns:p14="http://schemas.microsoft.com/office/powerpoint/2010/main" Requires="p14">
+          <p:contentPart p14:bwMode="auto" r:id="rId2">
+            <p14:nvContentPartPr>
+              <p14:cNvPr id="8" name="Ink 7">
+                <a:extLst>
+                  <a:ext uri="{FF2B5EF4-FFF2-40B4-BE49-F238E27FC236}">
+                    <a16:creationId xmlns:a16="http://schemas.microsoft.com/office/drawing/2014/main" id="{92957A1B-7777-0536-79E1-1D8ADEB15326}"/>
+                  </a:ext>
+                </a:extLst>
+              </p14:cNvPr>
+              <p14:cNvContentPartPr/>
+              <p14:nvPr/>
+            </p14:nvContentPartPr>
+            <p14:xfrm>
+              <a:off x="591120" y="2548440"/>
+              <a:ext cx="3075840" cy="1628280"/>
+            </p14:xfrm>
+          </p:contentPart>
+        </mc:Choice>
+        <mc:Fallback>
+          <p:pic>
+            <p:nvPicPr>
+              <p:cNvPr id="8" name="Ink 7">
+                <a:extLst>
+                  <a:ext uri="{FF2B5EF4-FFF2-40B4-BE49-F238E27FC236}">
+                    <a16:creationId xmlns:a16="http://schemas.microsoft.com/office/drawing/2014/main" id="{92957A1B-7777-0536-79E1-1D8ADEB15326}"/>
+                  </a:ext>
+                </a:extLst>
+              </p:cNvPr>
+              <p:cNvPicPr/>
+              <p:nvPr/>
+            </p:nvPicPr>
+            <p:blipFill>
+              <a:blip r:embed="rId3"/>
+              <a:stretch>
+                <a:fillRect/>
+              </a:stretch>
+            </p:blipFill>
+            <p:spPr>
+              <a:xfrm>
+                <a:off x="581760" y="2539080"/>
+                <a:ext cx="3094560" cy="1647000"/>
+              </a:xfrm>
+              <a:prstGeom prst="rect">
+                <a:avLst/>
+              </a:prstGeom>
+            </p:spPr>
+          </p:pic>
+        </mc:Fallback>
+      </mc:AlternateContent>
     </p:spTree>
     <p:extLst>
       <p:ext uri="{BB962C8B-B14F-4D97-AF65-F5344CB8AC3E}">
@@ -19817,7 +27027,7 @@
 </p:sld>
 </file>
 
-<file path=ppt/slides/slide22.xml><?xml version="1.0" encoding="utf-8"?>
+<file path=ppt/slides/slide26.xml><?xml version="1.0" encoding="utf-8"?>
 <p:sld xmlns:a="http://schemas.openxmlformats.org/drawingml/2006/main" xmlns:r="http://schemas.openxmlformats.org/officeDocument/2006/relationships" xmlns:p="http://schemas.openxmlformats.org/presentationml/2006/main">
   <p:cSld>
     <p:spTree>
@@ -19943,7 +27153,7 @@
                 <a:ea typeface="Calibri" panose="020F0502020204030204" pitchFamily="34" charset="0"/>
                 <a:cs typeface="Times New Roman" panose="02020603050405020304" pitchFamily="18" charset="0"/>
               </a:rPr>
-              <a:t>: add x to the front of the deque</a:t>
+              <a:t>: add x to the front of the deque; O(1)</a:t>
             </a:r>
             <a:endParaRPr lang="en-AU" sz="1800" kern="100" dirty="0">
               <a:effectLst/>
@@ -20008,7 +27218,7 @@
                 <a:ea typeface="Calibri" panose="020F0502020204030204" pitchFamily="34" charset="0"/>
                 <a:cs typeface="Times New Roman" panose="02020603050405020304" pitchFamily="18" charset="0"/>
               </a:rPr>
-              <a:t>: add x to the end of the deque</a:t>
+              <a:t>: add x to the end of the deque; O(1)</a:t>
             </a:r>
             <a:endParaRPr lang="en-AU" sz="1800" kern="100" dirty="0">
               <a:effectLst/>
@@ -20073,7 +27283,7 @@
                 <a:ea typeface="Calibri" panose="020F0502020204030204" pitchFamily="34" charset="0"/>
                 <a:cs typeface="Times New Roman" panose="02020603050405020304" pitchFamily="18" charset="0"/>
               </a:rPr>
-              <a:t>: remove the front item of the deque; error if it’s empty</a:t>
+              <a:t>: remove the front item of the deque; error if it’s empty; O(1)</a:t>
             </a:r>
             <a:endParaRPr lang="en-AU" sz="1800" kern="100" dirty="0">
               <a:effectLst/>
@@ -20138,7 +27348,7 @@
                 <a:ea typeface="Calibri" panose="020F0502020204030204" pitchFamily="34" charset="0"/>
                 <a:cs typeface="Times New Roman" panose="02020603050405020304" pitchFamily="18" charset="0"/>
               </a:rPr>
-              <a:t>: remove the back item of the deque; error if it’s empty </a:t>
+              <a:t>: remove the back item of the deque; error if it’s empty ; O(1)</a:t>
             </a:r>
             <a:endParaRPr lang="en-AU" sz="1800" kern="100" dirty="0">
               <a:effectLst/>
@@ -20194,7 +27404,7 @@
                 <a:ea typeface="Calibri" panose="020F0502020204030204" pitchFamily="34" charset="0"/>
                 <a:cs typeface="Times New Roman" panose="02020603050405020304" pitchFamily="18" charset="0"/>
               </a:rPr>
-              <a:t>: returns number of items in the deque</a:t>
+              <a:t>: returns number of items in the deque; O(1)</a:t>
             </a:r>
             <a:endParaRPr lang="en-AU" sz="1800" kern="100" dirty="0">
               <a:effectLst/>
@@ -20250,7 +27460,7 @@
                 <a:ea typeface="Calibri" panose="020F0502020204030204" pitchFamily="34" charset="0"/>
                 <a:cs typeface="Times New Roman" panose="02020603050405020304" pitchFamily="18" charset="0"/>
               </a:rPr>
-              <a:t>: returns true if empty, false otherwise</a:t>
+              <a:t>: returns true if empty, false otherwise; O(1)</a:t>
             </a:r>
             <a:endParaRPr lang="en-AU" sz="1800" kern="100" dirty="0">
               <a:effectLst/>
@@ -20835,6 +28045,57 @@
           </a:p>
         </p:txBody>
       </p:sp>
+      <mc:AlternateContent xmlns:mc="http://schemas.openxmlformats.org/markup-compatibility/2006">
+        <mc:Choice xmlns:p14="http://schemas.microsoft.com/office/powerpoint/2010/main" Requires="p14">
+          <p:contentPart p14:bwMode="auto" r:id="rId2">
+            <p14:nvContentPartPr>
+              <p14:cNvPr id="7" name="Ink 6">
+                <a:extLst>
+                  <a:ext uri="{FF2B5EF4-FFF2-40B4-BE49-F238E27FC236}">
+                    <a16:creationId xmlns:a16="http://schemas.microsoft.com/office/drawing/2014/main" id="{8B802315-BAED-E338-20AC-9DAE69214632}"/>
+                  </a:ext>
+                </a:extLst>
+              </p14:cNvPr>
+              <p14:cNvContentPartPr/>
+              <p14:nvPr/>
+            </p14:nvContentPartPr>
+            <p14:xfrm>
+              <a:off x="864000" y="1191600"/>
+              <a:ext cx="10531080" cy="5306400"/>
+            </p14:xfrm>
+          </p:contentPart>
+        </mc:Choice>
+        <mc:Fallback>
+          <p:pic>
+            <p:nvPicPr>
+              <p:cNvPr id="7" name="Ink 6">
+                <a:extLst>
+                  <a:ext uri="{FF2B5EF4-FFF2-40B4-BE49-F238E27FC236}">
+                    <a16:creationId xmlns:a16="http://schemas.microsoft.com/office/drawing/2014/main" id="{8B802315-BAED-E338-20AC-9DAE69214632}"/>
+                  </a:ext>
+                </a:extLst>
+              </p:cNvPr>
+              <p:cNvPicPr/>
+              <p:nvPr/>
+            </p:nvPicPr>
+            <p:blipFill>
+              <a:blip r:embed="rId3"/>
+              <a:stretch>
+                <a:fillRect/>
+              </a:stretch>
+            </p:blipFill>
+            <p:spPr>
+              <a:xfrm>
+                <a:off x="854640" y="1182240"/>
+                <a:ext cx="10549800" cy="5325120"/>
+              </a:xfrm>
+              <a:prstGeom prst="rect">
+                <a:avLst/>
+              </a:prstGeom>
+            </p:spPr>
+          </p:pic>
+        </mc:Fallback>
+      </mc:AlternateContent>
     </p:spTree>
     <p:extLst>
       <p:ext uri="{BB962C8B-B14F-4D97-AF65-F5344CB8AC3E}">
@@ -20848,7 +28109,7 @@
 </p:sld>
 </file>
 
-<file path=ppt/slides/slide23.xml><?xml version="1.0" encoding="utf-8"?>
+<file path=ppt/slides/slide27.xml><?xml version="1.0" encoding="utf-8"?>
 <p:sld xmlns:a="http://schemas.openxmlformats.org/drawingml/2006/main" xmlns:r="http://schemas.openxmlformats.org/officeDocument/2006/relationships" xmlns:p="http://schemas.openxmlformats.org/presentationml/2006/main">
   <p:cSld>
     <p:spTree>
